--- a/diffusion書報/DDPM.pptx
+++ b/diffusion書報/DDPM.pptx
@@ -237,7 +237,7 @@
           <a:p>
             <a:fld id="{67FDA4E6-A796-4A0A-8EA8-8E05E1787F05}" type="datetimeFigureOut">
               <a:rPr lang="zh-TW" altLang="en-US" smtClean="0"/>
-              <a:t>2025/8/24</a:t>
+              <a:t>2025/9/21</a:t>
             </a:fld>
             <a:endParaRPr lang="zh-TW" altLang="en-US"/>
           </a:p>
@@ -897,7 +897,7 @@
           <p:cNvPr id="2" name="標題 1">
             <a:extLst>
               <a:ext uri="{FF2B5EF4-FFF2-40B4-BE49-F238E27FC236}">
-                <a16:creationId xmlns:a16="http://schemas.microsoft.com/office/drawing/2014/main" xmlns="" id="{E35DDB53-C1D0-4F65-A4BE-FDCE1B8E9860}"/>
+                <a16:creationId xmlns="" xmlns:a16="http://schemas.microsoft.com/office/drawing/2014/main" id="{E35DDB53-C1D0-4F65-A4BE-FDCE1B8E9860}"/>
               </a:ext>
             </a:extLst>
           </p:cNvPr>
@@ -934,7 +934,7 @@
           <p:cNvPr id="3" name="副標題 2">
             <a:extLst>
               <a:ext uri="{FF2B5EF4-FFF2-40B4-BE49-F238E27FC236}">
-                <a16:creationId xmlns:a16="http://schemas.microsoft.com/office/drawing/2014/main" xmlns="" id="{8354E729-BC2A-4F7F-8F4B-8373B46B63FE}"/>
+                <a16:creationId xmlns="" xmlns:a16="http://schemas.microsoft.com/office/drawing/2014/main" id="{8354E729-BC2A-4F7F-8F4B-8373B46B63FE}"/>
               </a:ext>
             </a:extLst>
           </p:cNvPr>
@@ -1004,7 +1004,7 @@
           <p:cNvPr id="4" name="日期版面配置區 3">
             <a:extLst>
               <a:ext uri="{FF2B5EF4-FFF2-40B4-BE49-F238E27FC236}">
-                <a16:creationId xmlns:a16="http://schemas.microsoft.com/office/drawing/2014/main" xmlns="" id="{53A123AF-A667-4572-AB54-DBC4AD746939}"/>
+                <a16:creationId xmlns="" xmlns:a16="http://schemas.microsoft.com/office/drawing/2014/main" id="{53A123AF-A667-4572-AB54-DBC4AD746939}"/>
               </a:ext>
             </a:extLst>
           </p:cNvPr>
@@ -1022,7 +1022,7 @@
           <a:p>
             <a:fld id="{879B64F2-2B7B-48CE-A93F-F01CBE8AC1ED}" type="datetimeFigureOut">
               <a:rPr lang="zh-TW" altLang="en-US" smtClean="0"/>
-              <a:t>2025/8/24</a:t>
+              <a:t>2025/9/21</a:t>
             </a:fld>
             <a:endParaRPr lang="zh-TW" altLang="en-US"/>
           </a:p>
@@ -1033,7 +1033,7 @@
           <p:cNvPr id="5" name="頁尾版面配置區 4">
             <a:extLst>
               <a:ext uri="{FF2B5EF4-FFF2-40B4-BE49-F238E27FC236}">
-                <a16:creationId xmlns:a16="http://schemas.microsoft.com/office/drawing/2014/main" xmlns="" id="{C1680952-D95E-4C38-A26F-B893A6A5912A}"/>
+                <a16:creationId xmlns="" xmlns:a16="http://schemas.microsoft.com/office/drawing/2014/main" id="{C1680952-D95E-4C38-A26F-B893A6A5912A}"/>
               </a:ext>
             </a:extLst>
           </p:cNvPr>
@@ -1058,7 +1058,7 @@
           <p:cNvPr id="6" name="投影片編號版面配置區 5">
             <a:extLst>
               <a:ext uri="{FF2B5EF4-FFF2-40B4-BE49-F238E27FC236}">
-                <a16:creationId xmlns:a16="http://schemas.microsoft.com/office/drawing/2014/main" xmlns="" id="{7B4DFC22-CF8A-42FA-B051-57874EC650B4}"/>
+                <a16:creationId xmlns="" xmlns:a16="http://schemas.microsoft.com/office/drawing/2014/main" id="{7B4DFC22-CF8A-42FA-B051-57874EC650B4}"/>
               </a:ext>
             </a:extLst>
           </p:cNvPr>
@@ -1117,7 +1117,7 @@
           <p:cNvPr id="2" name="標題 1">
             <a:extLst>
               <a:ext uri="{FF2B5EF4-FFF2-40B4-BE49-F238E27FC236}">
-                <a16:creationId xmlns:a16="http://schemas.microsoft.com/office/drawing/2014/main" xmlns="" id="{BF8231CC-55F0-4C45-98FF-6E283F9BE9B7}"/>
+                <a16:creationId xmlns="" xmlns:a16="http://schemas.microsoft.com/office/drawing/2014/main" id="{BF8231CC-55F0-4C45-98FF-6E283F9BE9B7}"/>
               </a:ext>
             </a:extLst>
           </p:cNvPr>
@@ -1145,7 +1145,7 @@
           <p:cNvPr id="3" name="直排文字版面配置區 2">
             <a:extLst>
               <a:ext uri="{FF2B5EF4-FFF2-40B4-BE49-F238E27FC236}">
-                <a16:creationId xmlns:a16="http://schemas.microsoft.com/office/drawing/2014/main" xmlns="" id="{8FF68CBD-6D1A-4843-BDC7-19874D55AB91}"/>
+                <a16:creationId xmlns="" xmlns:a16="http://schemas.microsoft.com/office/drawing/2014/main" id="{8FF68CBD-6D1A-4843-BDC7-19874D55AB91}"/>
               </a:ext>
             </a:extLst>
           </p:cNvPr>
@@ -1202,7 +1202,7 @@
           <p:cNvPr id="4" name="日期版面配置區 3">
             <a:extLst>
               <a:ext uri="{FF2B5EF4-FFF2-40B4-BE49-F238E27FC236}">
-                <a16:creationId xmlns:a16="http://schemas.microsoft.com/office/drawing/2014/main" xmlns="" id="{DB8D22BC-3DCA-48D2-AB31-E480388E4151}"/>
+                <a16:creationId xmlns="" xmlns:a16="http://schemas.microsoft.com/office/drawing/2014/main" id="{DB8D22BC-3DCA-48D2-AB31-E480388E4151}"/>
               </a:ext>
             </a:extLst>
           </p:cNvPr>
@@ -1220,7 +1220,7 @@
           <a:p>
             <a:fld id="{879B64F2-2B7B-48CE-A93F-F01CBE8AC1ED}" type="datetimeFigureOut">
               <a:rPr lang="zh-TW" altLang="en-US" smtClean="0"/>
-              <a:t>2025/8/24</a:t>
+              <a:t>2025/9/21</a:t>
             </a:fld>
             <a:endParaRPr lang="zh-TW" altLang="en-US"/>
           </a:p>
@@ -1231,7 +1231,7 @@
           <p:cNvPr id="5" name="頁尾版面配置區 4">
             <a:extLst>
               <a:ext uri="{FF2B5EF4-FFF2-40B4-BE49-F238E27FC236}">
-                <a16:creationId xmlns:a16="http://schemas.microsoft.com/office/drawing/2014/main" xmlns="" id="{467873BE-0D19-44DB-BDF7-F65B9609DB66}"/>
+                <a16:creationId xmlns="" xmlns:a16="http://schemas.microsoft.com/office/drawing/2014/main" id="{467873BE-0D19-44DB-BDF7-F65B9609DB66}"/>
               </a:ext>
             </a:extLst>
           </p:cNvPr>
@@ -1256,7 +1256,7 @@
           <p:cNvPr id="6" name="投影片編號版面配置區 5">
             <a:extLst>
               <a:ext uri="{FF2B5EF4-FFF2-40B4-BE49-F238E27FC236}">
-                <a16:creationId xmlns:a16="http://schemas.microsoft.com/office/drawing/2014/main" xmlns="" id="{3DB2F59D-061E-4373-B631-C6CB62DFE299}"/>
+                <a16:creationId xmlns="" xmlns:a16="http://schemas.microsoft.com/office/drawing/2014/main" id="{3DB2F59D-061E-4373-B631-C6CB62DFE299}"/>
               </a:ext>
             </a:extLst>
           </p:cNvPr>
@@ -1315,7 +1315,7 @@
           <p:cNvPr id="2" name="直排標題 1">
             <a:extLst>
               <a:ext uri="{FF2B5EF4-FFF2-40B4-BE49-F238E27FC236}">
-                <a16:creationId xmlns:a16="http://schemas.microsoft.com/office/drawing/2014/main" xmlns="" id="{06EDF22F-572D-4E49-B9FE-461C70AE81B4}"/>
+                <a16:creationId xmlns="" xmlns:a16="http://schemas.microsoft.com/office/drawing/2014/main" id="{06EDF22F-572D-4E49-B9FE-461C70AE81B4}"/>
               </a:ext>
             </a:extLst>
           </p:cNvPr>
@@ -1348,7 +1348,7 @@
           <p:cNvPr id="3" name="直排文字版面配置區 2">
             <a:extLst>
               <a:ext uri="{FF2B5EF4-FFF2-40B4-BE49-F238E27FC236}">
-                <a16:creationId xmlns:a16="http://schemas.microsoft.com/office/drawing/2014/main" xmlns="" id="{59CC5A8A-0DE7-403D-92AC-B9CB79636A91}"/>
+                <a16:creationId xmlns="" xmlns:a16="http://schemas.microsoft.com/office/drawing/2014/main" id="{59CC5A8A-0DE7-403D-92AC-B9CB79636A91}"/>
               </a:ext>
             </a:extLst>
           </p:cNvPr>
@@ -1410,7 +1410,7 @@
           <p:cNvPr id="4" name="日期版面配置區 3">
             <a:extLst>
               <a:ext uri="{FF2B5EF4-FFF2-40B4-BE49-F238E27FC236}">
-                <a16:creationId xmlns:a16="http://schemas.microsoft.com/office/drawing/2014/main" xmlns="" id="{34E26329-B68D-435D-9D35-A130E9D0035E}"/>
+                <a16:creationId xmlns="" xmlns:a16="http://schemas.microsoft.com/office/drawing/2014/main" id="{34E26329-B68D-435D-9D35-A130E9D0035E}"/>
               </a:ext>
             </a:extLst>
           </p:cNvPr>
@@ -1428,7 +1428,7 @@
           <a:p>
             <a:fld id="{879B64F2-2B7B-48CE-A93F-F01CBE8AC1ED}" type="datetimeFigureOut">
               <a:rPr lang="zh-TW" altLang="en-US" smtClean="0"/>
-              <a:t>2025/8/24</a:t>
+              <a:t>2025/9/21</a:t>
             </a:fld>
             <a:endParaRPr lang="zh-TW" altLang="en-US"/>
           </a:p>
@@ -1439,7 +1439,7 @@
           <p:cNvPr id="5" name="頁尾版面配置區 4">
             <a:extLst>
               <a:ext uri="{FF2B5EF4-FFF2-40B4-BE49-F238E27FC236}">
-                <a16:creationId xmlns:a16="http://schemas.microsoft.com/office/drawing/2014/main" xmlns="" id="{F9AF36C7-E76E-42D1-9E71-EFBDDBB0D96B}"/>
+                <a16:creationId xmlns="" xmlns:a16="http://schemas.microsoft.com/office/drawing/2014/main" id="{F9AF36C7-E76E-42D1-9E71-EFBDDBB0D96B}"/>
               </a:ext>
             </a:extLst>
           </p:cNvPr>
@@ -1464,7 +1464,7 @@
           <p:cNvPr id="6" name="投影片編號版面配置區 5">
             <a:extLst>
               <a:ext uri="{FF2B5EF4-FFF2-40B4-BE49-F238E27FC236}">
-                <a16:creationId xmlns:a16="http://schemas.microsoft.com/office/drawing/2014/main" xmlns="" id="{FF7619F3-574F-4F73-B342-3EBD0FCAFF59}"/>
+                <a16:creationId xmlns="" xmlns:a16="http://schemas.microsoft.com/office/drawing/2014/main" id="{FF7619F3-574F-4F73-B342-3EBD0FCAFF59}"/>
               </a:ext>
             </a:extLst>
           </p:cNvPr>
@@ -1523,7 +1523,7 @@
           <p:cNvPr id="2" name="標題 1">
             <a:extLst>
               <a:ext uri="{FF2B5EF4-FFF2-40B4-BE49-F238E27FC236}">
-                <a16:creationId xmlns:a16="http://schemas.microsoft.com/office/drawing/2014/main" xmlns="" id="{9417FDB8-6564-4A89-892F-121ECB6A15E3}"/>
+                <a16:creationId xmlns="" xmlns:a16="http://schemas.microsoft.com/office/drawing/2014/main" id="{9417FDB8-6564-4A89-892F-121ECB6A15E3}"/>
               </a:ext>
             </a:extLst>
           </p:cNvPr>
@@ -1551,7 +1551,7 @@
           <p:cNvPr id="3" name="內容版面配置區 2">
             <a:extLst>
               <a:ext uri="{FF2B5EF4-FFF2-40B4-BE49-F238E27FC236}">
-                <a16:creationId xmlns:a16="http://schemas.microsoft.com/office/drawing/2014/main" xmlns="" id="{51212427-EE34-43C7-A8FD-694D51AB046E}"/>
+                <a16:creationId xmlns="" xmlns:a16="http://schemas.microsoft.com/office/drawing/2014/main" id="{51212427-EE34-43C7-A8FD-694D51AB046E}"/>
               </a:ext>
             </a:extLst>
           </p:cNvPr>
@@ -1608,7 +1608,7 @@
           <p:cNvPr id="4" name="日期版面配置區 3">
             <a:extLst>
               <a:ext uri="{FF2B5EF4-FFF2-40B4-BE49-F238E27FC236}">
-                <a16:creationId xmlns:a16="http://schemas.microsoft.com/office/drawing/2014/main" xmlns="" id="{57CBDCD7-360C-4618-99D5-86A5A5EF480F}"/>
+                <a16:creationId xmlns="" xmlns:a16="http://schemas.microsoft.com/office/drawing/2014/main" id="{57CBDCD7-360C-4618-99D5-86A5A5EF480F}"/>
               </a:ext>
             </a:extLst>
           </p:cNvPr>
@@ -1626,7 +1626,7 @@
           <a:p>
             <a:fld id="{879B64F2-2B7B-48CE-A93F-F01CBE8AC1ED}" type="datetimeFigureOut">
               <a:rPr lang="zh-TW" altLang="en-US" smtClean="0"/>
-              <a:t>2025/8/24</a:t>
+              <a:t>2025/9/21</a:t>
             </a:fld>
             <a:endParaRPr lang="zh-TW" altLang="en-US"/>
           </a:p>
@@ -1637,7 +1637,7 @@
           <p:cNvPr id="5" name="頁尾版面配置區 4">
             <a:extLst>
               <a:ext uri="{FF2B5EF4-FFF2-40B4-BE49-F238E27FC236}">
-                <a16:creationId xmlns:a16="http://schemas.microsoft.com/office/drawing/2014/main" xmlns="" id="{CF3DC7E3-2CDA-47FC-82EC-B6724DEDE6AE}"/>
+                <a16:creationId xmlns="" xmlns:a16="http://schemas.microsoft.com/office/drawing/2014/main" id="{CF3DC7E3-2CDA-47FC-82EC-B6724DEDE6AE}"/>
               </a:ext>
             </a:extLst>
           </p:cNvPr>
@@ -1662,7 +1662,7 @@
           <p:cNvPr id="6" name="投影片編號版面配置區 5">
             <a:extLst>
               <a:ext uri="{FF2B5EF4-FFF2-40B4-BE49-F238E27FC236}">
-                <a16:creationId xmlns:a16="http://schemas.microsoft.com/office/drawing/2014/main" xmlns="" id="{6FCD9DA0-45A4-4361-AD1D-DB2F24801798}"/>
+                <a16:creationId xmlns="" xmlns:a16="http://schemas.microsoft.com/office/drawing/2014/main" id="{6FCD9DA0-45A4-4361-AD1D-DB2F24801798}"/>
               </a:ext>
             </a:extLst>
           </p:cNvPr>
@@ -1721,7 +1721,7 @@
           <p:cNvPr id="2" name="標題 1">
             <a:extLst>
               <a:ext uri="{FF2B5EF4-FFF2-40B4-BE49-F238E27FC236}">
-                <a16:creationId xmlns:a16="http://schemas.microsoft.com/office/drawing/2014/main" xmlns="" id="{AAD101D0-1702-4091-BD84-775665326445}"/>
+                <a16:creationId xmlns="" xmlns:a16="http://schemas.microsoft.com/office/drawing/2014/main" id="{AAD101D0-1702-4091-BD84-775665326445}"/>
               </a:ext>
             </a:extLst>
           </p:cNvPr>
@@ -1758,7 +1758,7 @@
           <p:cNvPr id="3" name="文字版面配置區 2">
             <a:extLst>
               <a:ext uri="{FF2B5EF4-FFF2-40B4-BE49-F238E27FC236}">
-                <a16:creationId xmlns:a16="http://schemas.microsoft.com/office/drawing/2014/main" xmlns="" id="{0BD8E1E2-602B-4613-8148-CCAA3F8A8479}"/>
+                <a16:creationId xmlns="" xmlns:a16="http://schemas.microsoft.com/office/drawing/2014/main" id="{0BD8E1E2-602B-4613-8148-CCAA3F8A8479}"/>
               </a:ext>
             </a:extLst>
           </p:cNvPr>
@@ -1883,7 +1883,7 @@
           <p:cNvPr id="4" name="日期版面配置區 3">
             <a:extLst>
               <a:ext uri="{FF2B5EF4-FFF2-40B4-BE49-F238E27FC236}">
-                <a16:creationId xmlns:a16="http://schemas.microsoft.com/office/drawing/2014/main" xmlns="" id="{EE9C1E22-1E55-471F-AFCC-5907530118FD}"/>
+                <a16:creationId xmlns="" xmlns:a16="http://schemas.microsoft.com/office/drawing/2014/main" id="{EE9C1E22-1E55-471F-AFCC-5907530118FD}"/>
               </a:ext>
             </a:extLst>
           </p:cNvPr>
@@ -1901,7 +1901,7 @@
           <a:p>
             <a:fld id="{879B64F2-2B7B-48CE-A93F-F01CBE8AC1ED}" type="datetimeFigureOut">
               <a:rPr lang="zh-TW" altLang="en-US" smtClean="0"/>
-              <a:t>2025/8/24</a:t>
+              <a:t>2025/9/21</a:t>
             </a:fld>
             <a:endParaRPr lang="zh-TW" altLang="en-US"/>
           </a:p>
@@ -1912,7 +1912,7 @@
           <p:cNvPr id="5" name="頁尾版面配置區 4">
             <a:extLst>
               <a:ext uri="{FF2B5EF4-FFF2-40B4-BE49-F238E27FC236}">
-                <a16:creationId xmlns:a16="http://schemas.microsoft.com/office/drawing/2014/main" xmlns="" id="{00E74574-3F79-43E0-886E-0F7B5FBEE9EB}"/>
+                <a16:creationId xmlns="" xmlns:a16="http://schemas.microsoft.com/office/drawing/2014/main" id="{00E74574-3F79-43E0-886E-0F7B5FBEE9EB}"/>
               </a:ext>
             </a:extLst>
           </p:cNvPr>
@@ -1937,7 +1937,7 @@
           <p:cNvPr id="6" name="投影片編號版面配置區 5">
             <a:extLst>
               <a:ext uri="{FF2B5EF4-FFF2-40B4-BE49-F238E27FC236}">
-                <a16:creationId xmlns:a16="http://schemas.microsoft.com/office/drawing/2014/main" xmlns="" id="{6D0AEA75-5543-4200-8506-0B2ECFF44CCA}"/>
+                <a16:creationId xmlns="" xmlns:a16="http://schemas.microsoft.com/office/drawing/2014/main" id="{6D0AEA75-5543-4200-8506-0B2ECFF44CCA}"/>
               </a:ext>
             </a:extLst>
           </p:cNvPr>
@@ -1996,7 +1996,7 @@
           <p:cNvPr id="2" name="標題 1">
             <a:extLst>
               <a:ext uri="{FF2B5EF4-FFF2-40B4-BE49-F238E27FC236}">
-                <a16:creationId xmlns:a16="http://schemas.microsoft.com/office/drawing/2014/main" xmlns="" id="{73297404-2E9F-475C-B361-4DC34C7D854A}"/>
+                <a16:creationId xmlns="" xmlns:a16="http://schemas.microsoft.com/office/drawing/2014/main" id="{73297404-2E9F-475C-B361-4DC34C7D854A}"/>
               </a:ext>
             </a:extLst>
           </p:cNvPr>
@@ -2024,7 +2024,7 @@
           <p:cNvPr id="3" name="內容版面配置區 2">
             <a:extLst>
               <a:ext uri="{FF2B5EF4-FFF2-40B4-BE49-F238E27FC236}">
-                <a16:creationId xmlns:a16="http://schemas.microsoft.com/office/drawing/2014/main" xmlns="" id="{1E0DA65C-B23C-4D21-BECF-E728DDEC65BE}"/>
+                <a16:creationId xmlns="" xmlns:a16="http://schemas.microsoft.com/office/drawing/2014/main" id="{1E0DA65C-B23C-4D21-BECF-E728DDEC65BE}"/>
               </a:ext>
             </a:extLst>
           </p:cNvPr>
@@ -2086,7 +2086,7 @@
           <p:cNvPr id="4" name="內容版面配置區 3">
             <a:extLst>
               <a:ext uri="{FF2B5EF4-FFF2-40B4-BE49-F238E27FC236}">
-                <a16:creationId xmlns:a16="http://schemas.microsoft.com/office/drawing/2014/main" xmlns="" id="{0DBA3308-CC5B-4665-A367-63EBBDCCB497}"/>
+                <a16:creationId xmlns="" xmlns:a16="http://schemas.microsoft.com/office/drawing/2014/main" id="{0DBA3308-CC5B-4665-A367-63EBBDCCB497}"/>
               </a:ext>
             </a:extLst>
           </p:cNvPr>
@@ -2148,7 +2148,7 @@
           <p:cNvPr id="5" name="日期版面配置區 4">
             <a:extLst>
               <a:ext uri="{FF2B5EF4-FFF2-40B4-BE49-F238E27FC236}">
-                <a16:creationId xmlns:a16="http://schemas.microsoft.com/office/drawing/2014/main" xmlns="" id="{FF3EBDA5-6D03-43A8-9138-B1D9126B0646}"/>
+                <a16:creationId xmlns="" xmlns:a16="http://schemas.microsoft.com/office/drawing/2014/main" id="{FF3EBDA5-6D03-43A8-9138-B1D9126B0646}"/>
               </a:ext>
             </a:extLst>
           </p:cNvPr>
@@ -2166,7 +2166,7 @@
           <a:p>
             <a:fld id="{879B64F2-2B7B-48CE-A93F-F01CBE8AC1ED}" type="datetimeFigureOut">
               <a:rPr lang="zh-TW" altLang="en-US" smtClean="0"/>
-              <a:t>2025/8/24</a:t>
+              <a:t>2025/9/21</a:t>
             </a:fld>
             <a:endParaRPr lang="zh-TW" altLang="en-US"/>
           </a:p>
@@ -2177,7 +2177,7 @@
           <p:cNvPr id="6" name="頁尾版面配置區 5">
             <a:extLst>
               <a:ext uri="{FF2B5EF4-FFF2-40B4-BE49-F238E27FC236}">
-                <a16:creationId xmlns:a16="http://schemas.microsoft.com/office/drawing/2014/main" xmlns="" id="{EA849ADE-300E-4A53-8040-52D9F9254D9A}"/>
+                <a16:creationId xmlns="" xmlns:a16="http://schemas.microsoft.com/office/drawing/2014/main" id="{EA849ADE-300E-4A53-8040-52D9F9254D9A}"/>
               </a:ext>
             </a:extLst>
           </p:cNvPr>
@@ -2202,7 +2202,7 @@
           <p:cNvPr id="7" name="投影片編號版面配置區 6">
             <a:extLst>
               <a:ext uri="{FF2B5EF4-FFF2-40B4-BE49-F238E27FC236}">
-                <a16:creationId xmlns:a16="http://schemas.microsoft.com/office/drawing/2014/main" xmlns="" id="{CB0B5C42-76A2-46F7-AD5D-A3B84D4B6684}"/>
+                <a16:creationId xmlns="" xmlns:a16="http://schemas.microsoft.com/office/drawing/2014/main" id="{CB0B5C42-76A2-46F7-AD5D-A3B84D4B6684}"/>
               </a:ext>
             </a:extLst>
           </p:cNvPr>
@@ -2261,7 +2261,7 @@
           <p:cNvPr id="2" name="標題 1">
             <a:extLst>
               <a:ext uri="{FF2B5EF4-FFF2-40B4-BE49-F238E27FC236}">
-                <a16:creationId xmlns:a16="http://schemas.microsoft.com/office/drawing/2014/main" xmlns="" id="{DF359BC2-8E8B-43E3-BD44-C574EF3FE6B4}"/>
+                <a16:creationId xmlns="" xmlns:a16="http://schemas.microsoft.com/office/drawing/2014/main" id="{DF359BC2-8E8B-43E3-BD44-C574EF3FE6B4}"/>
               </a:ext>
             </a:extLst>
           </p:cNvPr>
@@ -2294,7 +2294,7 @@
           <p:cNvPr id="3" name="文字版面配置區 2">
             <a:extLst>
               <a:ext uri="{FF2B5EF4-FFF2-40B4-BE49-F238E27FC236}">
-                <a16:creationId xmlns:a16="http://schemas.microsoft.com/office/drawing/2014/main" xmlns="" id="{7CF20A5E-5DA7-4C8E-BCDC-D8CEA280A4B8}"/>
+                <a16:creationId xmlns="" xmlns:a16="http://schemas.microsoft.com/office/drawing/2014/main" id="{7CF20A5E-5DA7-4C8E-BCDC-D8CEA280A4B8}"/>
               </a:ext>
             </a:extLst>
           </p:cNvPr>
@@ -2365,7 +2365,7 @@
           <p:cNvPr id="4" name="內容版面配置區 3">
             <a:extLst>
               <a:ext uri="{FF2B5EF4-FFF2-40B4-BE49-F238E27FC236}">
-                <a16:creationId xmlns:a16="http://schemas.microsoft.com/office/drawing/2014/main" xmlns="" id="{C6FB0619-911A-4AA2-A1C9-02542414136C}"/>
+                <a16:creationId xmlns="" xmlns:a16="http://schemas.microsoft.com/office/drawing/2014/main" id="{C6FB0619-911A-4AA2-A1C9-02542414136C}"/>
               </a:ext>
             </a:extLst>
           </p:cNvPr>
@@ -2427,7 +2427,7 @@
           <p:cNvPr id="5" name="文字版面配置區 4">
             <a:extLst>
               <a:ext uri="{FF2B5EF4-FFF2-40B4-BE49-F238E27FC236}">
-                <a16:creationId xmlns:a16="http://schemas.microsoft.com/office/drawing/2014/main" xmlns="" id="{4C9F549F-ADBE-4F2B-AC0B-F43F4A62907C}"/>
+                <a16:creationId xmlns="" xmlns:a16="http://schemas.microsoft.com/office/drawing/2014/main" id="{4C9F549F-ADBE-4F2B-AC0B-F43F4A62907C}"/>
               </a:ext>
             </a:extLst>
           </p:cNvPr>
@@ -2498,7 +2498,7 @@
           <p:cNvPr id="6" name="內容版面配置區 5">
             <a:extLst>
               <a:ext uri="{FF2B5EF4-FFF2-40B4-BE49-F238E27FC236}">
-                <a16:creationId xmlns:a16="http://schemas.microsoft.com/office/drawing/2014/main" xmlns="" id="{E6E76930-D84E-4FD7-B37E-9C74F5F41CAD}"/>
+                <a16:creationId xmlns="" xmlns:a16="http://schemas.microsoft.com/office/drawing/2014/main" id="{E6E76930-D84E-4FD7-B37E-9C74F5F41CAD}"/>
               </a:ext>
             </a:extLst>
           </p:cNvPr>
@@ -2560,7 +2560,7 @@
           <p:cNvPr id="7" name="日期版面配置區 6">
             <a:extLst>
               <a:ext uri="{FF2B5EF4-FFF2-40B4-BE49-F238E27FC236}">
-                <a16:creationId xmlns:a16="http://schemas.microsoft.com/office/drawing/2014/main" xmlns="" id="{96931258-53DE-4440-9CED-EFEF081A4EB9}"/>
+                <a16:creationId xmlns="" xmlns:a16="http://schemas.microsoft.com/office/drawing/2014/main" id="{96931258-53DE-4440-9CED-EFEF081A4EB9}"/>
               </a:ext>
             </a:extLst>
           </p:cNvPr>
@@ -2578,7 +2578,7 @@
           <a:p>
             <a:fld id="{879B64F2-2B7B-48CE-A93F-F01CBE8AC1ED}" type="datetimeFigureOut">
               <a:rPr lang="zh-TW" altLang="en-US" smtClean="0"/>
-              <a:t>2025/8/24</a:t>
+              <a:t>2025/9/21</a:t>
             </a:fld>
             <a:endParaRPr lang="zh-TW" altLang="en-US"/>
           </a:p>
@@ -2589,7 +2589,7 @@
           <p:cNvPr id="8" name="頁尾版面配置區 7">
             <a:extLst>
               <a:ext uri="{FF2B5EF4-FFF2-40B4-BE49-F238E27FC236}">
-                <a16:creationId xmlns:a16="http://schemas.microsoft.com/office/drawing/2014/main" xmlns="" id="{18CA577D-DD80-4F0A-AC25-AB2D272056B3}"/>
+                <a16:creationId xmlns="" xmlns:a16="http://schemas.microsoft.com/office/drawing/2014/main" id="{18CA577D-DD80-4F0A-AC25-AB2D272056B3}"/>
               </a:ext>
             </a:extLst>
           </p:cNvPr>
@@ -2614,7 +2614,7 @@
           <p:cNvPr id="9" name="投影片編號版面配置區 8">
             <a:extLst>
               <a:ext uri="{FF2B5EF4-FFF2-40B4-BE49-F238E27FC236}">
-                <a16:creationId xmlns:a16="http://schemas.microsoft.com/office/drawing/2014/main" xmlns="" id="{EAF01FD8-AAA6-42C4-9068-C9E8A571E605}"/>
+                <a16:creationId xmlns="" xmlns:a16="http://schemas.microsoft.com/office/drawing/2014/main" id="{EAF01FD8-AAA6-42C4-9068-C9E8A571E605}"/>
               </a:ext>
             </a:extLst>
           </p:cNvPr>
@@ -2673,7 +2673,7 @@
           <p:cNvPr id="2" name="標題 1">
             <a:extLst>
               <a:ext uri="{FF2B5EF4-FFF2-40B4-BE49-F238E27FC236}">
-                <a16:creationId xmlns:a16="http://schemas.microsoft.com/office/drawing/2014/main" xmlns="" id="{952E2EB0-35DB-48C2-B020-3F53BA17C934}"/>
+                <a16:creationId xmlns="" xmlns:a16="http://schemas.microsoft.com/office/drawing/2014/main" id="{952E2EB0-35DB-48C2-B020-3F53BA17C934}"/>
               </a:ext>
             </a:extLst>
           </p:cNvPr>
@@ -2701,7 +2701,7 @@
           <p:cNvPr id="3" name="日期版面配置區 2">
             <a:extLst>
               <a:ext uri="{FF2B5EF4-FFF2-40B4-BE49-F238E27FC236}">
-                <a16:creationId xmlns:a16="http://schemas.microsoft.com/office/drawing/2014/main" xmlns="" id="{DF0F6B4E-7D6A-409D-8B33-2CF9E3E22511}"/>
+                <a16:creationId xmlns="" xmlns:a16="http://schemas.microsoft.com/office/drawing/2014/main" id="{DF0F6B4E-7D6A-409D-8B33-2CF9E3E22511}"/>
               </a:ext>
             </a:extLst>
           </p:cNvPr>
@@ -2719,7 +2719,7 @@
           <a:p>
             <a:fld id="{879B64F2-2B7B-48CE-A93F-F01CBE8AC1ED}" type="datetimeFigureOut">
               <a:rPr lang="zh-TW" altLang="en-US" smtClean="0"/>
-              <a:t>2025/8/24</a:t>
+              <a:t>2025/9/21</a:t>
             </a:fld>
             <a:endParaRPr lang="zh-TW" altLang="en-US"/>
           </a:p>
@@ -2730,7 +2730,7 @@
           <p:cNvPr id="4" name="頁尾版面配置區 3">
             <a:extLst>
               <a:ext uri="{FF2B5EF4-FFF2-40B4-BE49-F238E27FC236}">
-                <a16:creationId xmlns:a16="http://schemas.microsoft.com/office/drawing/2014/main" xmlns="" id="{0DC85328-B8C2-4E98-854B-96F2243447DC}"/>
+                <a16:creationId xmlns="" xmlns:a16="http://schemas.microsoft.com/office/drawing/2014/main" id="{0DC85328-B8C2-4E98-854B-96F2243447DC}"/>
               </a:ext>
             </a:extLst>
           </p:cNvPr>
@@ -2755,7 +2755,7 @@
           <p:cNvPr id="5" name="投影片編號版面配置區 4">
             <a:extLst>
               <a:ext uri="{FF2B5EF4-FFF2-40B4-BE49-F238E27FC236}">
-                <a16:creationId xmlns:a16="http://schemas.microsoft.com/office/drawing/2014/main" xmlns="" id="{231D26CF-8345-42F0-87CC-5055E40B26B8}"/>
+                <a16:creationId xmlns="" xmlns:a16="http://schemas.microsoft.com/office/drawing/2014/main" id="{231D26CF-8345-42F0-87CC-5055E40B26B8}"/>
               </a:ext>
             </a:extLst>
           </p:cNvPr>
@@ -2814,7 +2814,7 @@
           <p:cNvPr id="2" name="日期版面配置區 1">
             <a:extLst>
               <a:ext uri="{FF2B5EF4-FFF2-40B4-BE49-F238E27FC236}">
-                <a16:creationId xmlns:a16="http://schemas.microsoft.com/office/drawing/2014/main" xmlns="" id="{662CEF4B-8E15-4C0B-8493-EE6A95E6505D}"/>
+                <a16:creationId xmlns="" xmlns:a16="http://schemas.microsoft.com/office/drawing/2014/main" id="{662CEF4B-8E15-4C0B-8493-EE6A95E6505D}"/>
               </a:ext>
             </a:extLst>
           </p:cNvPr>
@@ -2832,7 +2832,7 @@
           <a:p>
             <a:fld id="{879B64F2-2B7B-48CE-A93F-F01CBE8AC1ED}" type="datetimeFigureOut">
               <a:rPr lang="zh-TW" altLang="en-US" smtClean="0"/>
-              <a:t>2025/8/24</a:t>
+              <a:t>2025/9/21</a:t>
             </a:fld>
             <a:endParaRPr lang="zh-TW" altLang="en-US"/>
           </a:p>
@@ -2843,7 +2843,7 @@
           <p:cNvPr id="3" name="頁尾版面配置區 2">
             <a:extLst>
               <a:ext uri="{FF2B5EF4-FFF2-40B4-BE49-F238E27FC236}">
-                <a16:creationId xmlns:a16="http://schemas.microsoft.com/office/drawing/2014/main" xmlns="" id="{A66FD5AB-E722-4B87-B88A-9BC13E123081}"/>
+                <a16:creationId xmlns="" xmlns:a16="http://schemas.microsoft.com/office/drawing/2014/main" id="{A66FD5AB-E722-4B87-B88A-9BC13E123081}"/>
               </a:ext>
             </a:extLst>
           </p:cNvPr>
@@ -2868,7 +2868,7 @@
           <p:cNvPr id="4" name="投影片編號版面配置區 3">
             <a:extLst>
               <a:ext uri="{FF2B5EF4-FFF2-40B4-BE49-F238E27FC236}">
-                <a16:creationId xmlns:a16="http://schemas.microsoft.com/office/drawing/2014/main" xmlns="" id="{E34D603E-C4D3-477E-BDBF-31C46BD9B03B}"/>
+                <a16:creationId xmlns="" xmlns:a16="http://schemas.microsoft.com/office/drawing/2014/main" id="{E34D603E-C4D3-477E-BDBF-31C46BD9B03B}"/>
               </a:ext>
             </a:extLst>
           </p:cNvPr>
@@ -2927,7 +2927,7 @@
           <p:cNvPr id="2" name="標題 1">
             <a:extLst>
               <a:ext uri="{FF2B5EF4-FFF2-40B4-BE49-F238E27FC236}">
-                <a16:creationId xmlns:a16="http://schemas.microsoft.com/office/drawing/2014/main" xmlns="" id="{BD6D3AFA-A00F-425A-ADB8-7D6DBF11E7D9}"/>
+                <a16:creationId xmlns="" xmlns:a16="http://schemas.microsoft.com/office/drawing/2014/main" id="{BD6D3AFA-A00F-425A-ADB8-7D6DBF11E7D9}"/>
               </a:ext>
             </a:extLst>
           </p:cNvPr>
@@ -2964,7 +2964,7 @@
           <p:cNvPr id="3" name="內容版面配置區 2">
             <a:extLst>
               <a:ext uri="{FF2B5EF4-FFF2-40B4-BE49-F238E27FC236}">
-                <a16:creationId xmlns:a16="http://schemas.microsoft.com/office/drawing/2014/main" xmlns="" id="{7624F594-DAE1-441A-B288-C6B584A71E88}"/>
+                <a16:creationId xmlns="" xmlns:a16="http://schemas.microsoft.com/office/drawing/2014/main" id="{7624F594-DAE1-441A-B288-C6B584A71E88}"/>
               </a:ext>
             </a:extLst>
           </p:cNvPr>
@@ -3054,7 +3054,7 @@
           <p:cNvPr id="4" name="文字版面配置區 3">
             <a:extLst>
               <a:ext uri="{FF2B5EF4-FFF2-40B4-BE49-F238E27FC236}">
-                <a16:creationId xmlns:a16="http://schemas.microsoft.com/office/drawing/2014/main" xmlns="" id="{6735B1BB-D6FE-4E3F-912B-7CB8B4D06556}"/>
+                <a16:creationId xmlns="" xmlns:a16="http://schemas.microsoft.com/office/drawing/2014/main" id="{6735B1BB-D6FE-4E3F-912B-7CB8B4D06556}"/>
               </a:ext>
             </a:extLst>
           </p:cNvPr>
@@ -3125,7 +3125,7 @@
           <p:cNvPr id="5" name="日期版面配置區 4">
             <a:extLst>
               <a:ext uri="{FF2B5EF4-FFF2-40B4-BE49-F238E27FC236}">
-                <a16:creationId xmlns:a16="http://schemas.microsoft.com/office/drawing/2014/main" xmlns="" id="{03F3C6B0-93DC-4F63-847D-AF3CDC1F273E}"/>
+                <a16:creationId xmlns="" xmlns:a16="http://schemas.microsoft.com/office/drawing/2014/main" id="{03F3C6B0-93DC-4F63-847D-AF3CDC1F273E}"/>
               </a:ext>
             </a:extLst>
           </p:cNvPr>
@@ -3143,7 +3143,7 @@
           <a:p>
             <a:fld id="{879B64F2-2B7B-48CE-A93F-F01CBE8AC1ED}" type="datetimeFigureOut">
               <a:rPr lang="zh-TW" altLang="en-US" smtClean="0"/>
-              <a:t>2025/8/24</a:t>
+              <a:t>2025/9/21</a:t>
             </a:fld>
             <a:endParaRPr lang="zh-TW" altLang="en-US"/>
           </a:p>
@@ -3154,7 +3154,7 @@
           <p:cNvPr id="6" name="頁尾版面配置區 5">
             <a:extLst>
               <a:ext uri="{FF2B5EF4-FFF2-40B4-BE49-F238E27FC236}">
-                <a16:creationId xmlns:a16="http://schemas.microsoft.com/office/drawing/2014/main" xmlns="" id="{77412A02-FB75-418E-B44D-90B60CF36B6A}"/>
+                <a16:creationId xmlns="" xmlns:a16="http://schemas.microsoft.com/office/drawing/2014/main" id="{77412A02-FB75-418E-B44D-90B60CF36B6A}"/>
               </a:ext>
             </a:extLst>
           </p:cNvPr>
@@ -3179,7 +3179,7 @@
           <p:cNvPr id="7" name="投影片編號版面配置區 6">
             <a:extLst>
               <a:ext uri="{FF2B5EF4-FFF2-40B4-BE49-F238E27FC236}">
-                <a16:creationId xmlns:a16="http://schemas.microsoft.com/office/drawing/2014/main" xmlns="" id="{C1C119AB-1486-4CEF-AD2D-10EFBF322D5E}"/>
+                <a16:creationId xmlns="" xmlns:a16="http://schemas.microsoft.com/office/drawing/2014/main" id="{C1C119AB-1486-4CEF-AD2D-10EFBF322D5E}"/>
               </a:ext>
             </a:extLst>
           </p:cNvPr>
@@ -3238,7 +3238,7 @@
           <p:cNvPr id="2" name="標題 1">
             <a:extLst>
               <a:ext uri="{FF2B5EF4-FFF2-40B4-BE49-F238E27FC236}">
-                <a16:creationId xmlns:a16="http://schemas.microsoft.com/office/drawing/2014/main" xmlns="" id="{FA46C5FD-EEB9-422A-8F1A-3898CE1E2744}"/>
+                <a16:creationId xmlns="" xmlns:a16="http://schemas.microsoft.com/office/drawing/2014/main" id="{FA46C5FD-EEB9-422A-8F1A-3898CE1E2744}"/>
               </a:ext>
             </a:extLst>
           </p:cNvPr>
@@ -3275,7 +3275,7 @@
           <p:cNvPr id="3" name="圖片版面配置區 2">
             <a:extLst>
               <a:ext uri="{FF2B5EF4-FFF2-40B4-BE49-F238E27FC236}">
-                <a16:creationId xmlns:a16="http://schemas.microsoft.com/office/drawing/2014/main" xmlns="" id="{D4F2F5F8-C4C6-4927-9267-A3C0D0016E37}"/>
+                <a16:creationId xmlns="" xmlns:a16="http://schemas.microsoft.com/office/drawing/2014/main" id="{D4F2F5F8-C4C6-4927-9267-A3C0D0016E37}"/>
               </a:ext>
             </a:extLst>
           </p:cNvPr>
@@ -3342,7 +3342,7 @@
           <p:cNvPr id="4" name="文字版面配置區 3">
             <a:extLst>
               <a:ext uri="{FF2B5EF4-FFF2-40B4-BE49-F238E27FC236}">
-                <a16:creationId xmlns:a16="http://schemas.microsoft.com/office/drawing/2014/main" xmlns="" id="{386BA6EB-6191-463F-BDAC-05065C4F8FF5}"/>
+                <a16:creationId xmlns="" xmlns:a16="http://schemas.microsoft.com/office/drawing/2014/main" id="{386BA6EB-6191-463F-BDAC-05065C4F8FF5}"/>
               </a:ext>
             </a:extLst>
           </p:cNvPr>
@@ -3413,7 +3413,7 @@
           <p:cNvPr id="5" name="日期版面配置區 4">
             <a:extLst>
               <a:ext uri="{FF2B5EF4-FFF2-40B4-BE49-F238E27FC236}">
-                <a16:creationId xmlns:a16="http://schemas.microsoft.com/office/drawing/2014/main" xmlns="" id="{B100A524-F2D8-4E20-9BB5-49A1395D1468}"/>
+                <a16:creationId xmlns="" xmlns:a16="http://schemas.microsoft.com/office/drawing/2014/main" id="{B100A524-F2D8-4E20-9BB5-49A1395D1468}"/>
               </a:ext>
             </a:extLst>
           </p:cNvPr>
@@ -3431,7 +3431,7 @@
           <a:p>
             <a:fld id="{879B64F2-2B7B-48CE-A93F-F01CBE8AC1ED}" type="datetimeFigureOut">
               <a:rPr lang="zh-TW" altLang="en-US" smtClean="0"/>
-              <a:t>2025/8/24</a:t>
+              <a:t>2025/9/21</a:t>
             </a:fld>
             <a:endParaRPr lang="zh-TW" altLang="en-US"/>
           </a:p>
@@ -3442,7 +3442,7 @@
           <p:cNvPr id="6" name="頁尾版面配置區 5">
             <a:extLst>
               <a:ext uri="{FF2B5EF4-FFF2-40B4-BE49-F238E27FC236}">
-                <a16:creationId xmlns:a16="http://schemas.microsoft.com/office/drawing/2014/main" xmlns="" id="{F5DAE52E-EC29-43CF-90E7-76A8547273F4}"/>
+                <a16:creationId xmlns="" xmlns:a16="http://schemas.microsoft.com/office/drawing/2014/main" id="{F5DAE52E-EC29-43CF-90E7-76A8547273F4}"/>
               </a:ext>
             </a:extLst>
           </p:cNvPr>
@@ -3467,7 +3467,7 @@
           <p:cNvPr id="7" name="投影片編號版面配置區 6">
             <a:extLst>
               <a:ext uri="{FF2B5EF4-FFF2-40B4-BE49-F238E27FC236}">
-                <a16:creationId xmlns:a16="http://schemas.microsoft.com/office/drawing/2014/main" xmlns="" id="{D5633C84-0F09-4F63-9D11-CF4CD2E04EDC}"/>
+                <a16:creationId xmlns="" xmlns:a16="http://schemas.microsoft.com/office/drawing/2014/main" id="{D5633C84-0F09-4F63-9D11-CF4CD2E04EDC}"/>
               </a:ext>
             </a:extLst>
           </p:cNvPr>
@@ -3531,7 +3531,7 @@
           <p:cNvPr id="2" name="標題版面配置區 1">
             <a:extLst>
               <a:ext uri="{FF2B5EF4-FFF2-40B4-BE49-F238E27FC236}">
-                <a16:creationId xmlns:a16="http://schemas.microsoft.com/office/drawing/2014/main" xmlns="" id="{75AB147D-77B2-45DC-B91D-E9B95229CF67}"/>
+                <a16:creationId xmlns="" xmlns:a16="http://schemas.microsoft.com/office/drawing/2014/main" id="{75AB147D-77B2-45DC-B91D-E9B95229CF67}"/>
               </a:ext>
             </a:extLst>
           </p:cNvPr>
@@ -3569,7 +3569,7 @@
           <p:cNvPr id="3" name="文字版面配置區 2">
             <a:extLst>
               <a:ext uri="{FF2B5EF4-FFF2-40B4-BE49-F238E27FC236}">
-                <a16:creationId xmlns:a16="http://schemas.microsoft.com/office/drawing/2014/main" xmlns="" id="{1F4191C3-8FDE-40E8-B1B1-993999DCB52A}"/>
+                <a16:creationId xmlns="" xmlns:a16="http://schemas.microsoft.com/office/drawing/2014/main" id="{1F4191C3-8FDE-40E8-B1B1-993999DCB52A}"/>
               </a:ext>
             </a:extLst>
           </p:cNvPr>
@@ -3636,7 +3636,7 @@
           <p:cNvPr id="4" name="日期版面配置區 3">
             <a:extLst>
               <a:ext uri="{FF2B5EF4-FFF2-40B4-BE49-F238E27FC236}">
-                <a16:creationId xmlns:a16="http://schemas.microsoft.com/office/drawing/2014/main" xmlns="" id="{189C3422-42E0-48A0-AA23-A8416D88BBD9}"/>
+                <a16:creationId xmlns="" xmlns:a16="http://schemas.microsoft.com/office/drawing/2014/main" id="{189C3422-42E0-48A0-AA23-A8416D88BBD9}"/>
               </a:ext>
             </a:extLst>
           </p:cNvPr>
@@ -3672,7 +3672,7 @@
           <a:p>
             <a:fld id="{879B64F2-2B7B-48CE-A93F-F01CBE8AC1ED}" type="datetimeFigureOut">
               <a:rPr lang="zh-TW" altLang="en-US" smtClean="0"/>
-              <a:t>2025/8/24</a:t>
+              <a:t>2025/9/21</a:t>
             </a:fld>
             <a:endParaRPr lang="zh-TW" altLang="en-US"/>
           </a:p>
@@ -3683,7 +3683,7 @@
           <p:cNvPr id="5" name="頁尾版面配置區 4">
             <a:extLst>
               <a:ext uri="{FF2B5EF4-FFF2-40B4-BE49-F238E27FC236}">
-                <a16:creationId xmlns:a16="http://schemas.microsoft.com/office/drawing/2014/main" xmlns="" id="{320D305E-D196-4B4D-BE7D-0EFBB082F1FC}"/>
+                <a16:creationId xmlns="" xmlns:a16="http://schemas.microsoft.com/office/drawing/2014/main" id="{320D305E-D196-4B4D-BE7D-0EFBB082F1FC}"/>
               </a:ext>
             </a:extLst>
           </p:cNvPr>
@@ -3726,7 +3726,7 @@
           <p:cNvPr id="6" name="投影片編號版面配置區 5">
             <a:extLst>
               <a:ext uri="{FF2B5EF4-FFF2-40B4-BE49-F238E27FC236}">
-                <a16:creationId xmlns:a16="http://schemas.microsoft.com/office/drawing/2014/main" xmlns="" id="{8E9AE7C5-2399-4CDA-B55E-02BDF2B18D14}"/>
+                <a16:creationId xmlns="" xmlns:a16="http://schemas.microsoft.com/office/drawing/2014/main" id="{8E9AE7C5-2399-4CDA-B55E-02BDF2B18D14}"/>
               </a:ext>
             </a:extLst>
           </p:cNvPr>
@@ -4094,7 +4094,7 @@
           <p:cNvPr id="2" name="標題 1">
             <a:extLst>
               <a:ext uri="{FF2B5EF4-FFF2-40B4-BE49-F238E27FC236}">
-                <a16:creationId xmlns:a16="http://schemas.microsoft.com/office/drawing/2014/main" xmlns="" id="{DF598DAF-F4C5-48E6-A531-AF714874D3C4}"/>
+                <a16:creationId xmlns="" xmlns:a16="http://schemas.microsoft.com/office/drawing/2014/main" id="{DF598DAF-F4C5-48E6-A531-AF714874D3C4}"/>
               </a:ext>
             </a:extLst>
           </p:cNvPr>
@@ -4118,11 +4118,18 @@
           <a:lstStyle/>
           <a:p>
             <a:r>
-              <a:rPr lang="en-US" sz="4400" b="1" dirty="0">
+              <a:rPr lang="en-US" altLang="zh-TW" sz="4400" b="1" dirty="0" smtClean="0">
                 <a:latin typeface="Times New Roman" panose="02020603050405020304" pitchFamily="18" charset="0"/>
                 <a:cs typeface="Times New Roman" panose="02020603050405020304" pitchFamily="18" charset="0"/>
               </a:rPr>
-              <a:t>Denoising Diffusion Probabilistic Models</a:t>
+              <a:t>Interpolating </a:t>
+            </a:r>
+            <a:r>
+              <a:rPr lang="en-US" altLang="zh-TW" sz="4400" b="1" dirty="0">
+                <a:latin typeface="Times New Roman" panose="02020603050405020304" pitchFamily="18" charset="0"/>
+                <a:cs typeface="Times New Roman" panose="02020603050405020304" pitchFamily="18" charset="0"/>
+              </a:rPr>
+              <a:t>between Images with Diffusion Models</a:t>
             </a:r>
             <a:endParaRPr lang="zh-TW" altLang="en-US" sz="4400" b="1" dirty="0">
               <a:latin typeface="Times New Roman" panose="02020603050405020304" pitchFamily="18" charset="0"/>
@@ -4136,7 +4143,7 @@
           <p:cNvPr id="3" name="副標題 2">
             <a:extLst>
               <a:ext uri="{FF2B5EF4-FFF2-40B4-BE49-F238E27FC236}">
-                <a16:creationId xmlns:a16="http://schemas.microsoft.com/office/drawing/2014/main" xmlns="" id="{E40368D7-E9F7-43C4-9CE7-4265C419151C}"/>
+                <a16:creationId xmlns="" xmlns:a16="http://schemas.microsoft.com/office/drawing/2014/main" id="{E40368D7-E9F7-43C4-9CE7-4265C419151C}"/>
               </a:ext>
             </a:extLst>
           </p:cNvPr>
@@ -4204,7 +4211,7 @@
           <p:cNvPr id="2" name="標題 1">
             <a:extLst>
               <a:ext uri="{FF2B5EF4-FFF2-40B4-BE49-F238E27FC236}">
-                <a16:creationId xmlns:a16="http://schemas.microsoft.com/office/drawing/2014/main" xmlns="" id="{98A04798-5168-4875-A411-80CD40D53BBD}"/>
+                <a16:creationId xmlns="" xmlns:a16="http://schemas.microsoft.com/office/drawing/2014/main" id="{98A04798-5168-4875-A411-80CD40D53BBD}"/>
               </a:ext>
             </a:extLst>
           </p:cNvPr>
@@ -4323,7 +4330,7 @@
           <p:cNvPr id="2" name="標題 1">
             <a:extLst>
               <a:ext uri="{FF2B5EF4-FFF2-40B4-BE49-F238E27FC236}">
-                <a16:creationId xmlns:a16="http://schemas.microsoft.com/office/drawing/2014/main" xmlns="" id="{7533F336-40A6-45C8-9A62-B4E78BC5E568}"/>
+                <a16:creationId xmlns="" xmlns:a16="http://schemas.microsoft.com/office/drawing/2014/main" id="{7533F336-40A6-45C8-9A62-B4E78BC5E568}"/>
               </a:ext>
             </a:extLst>
           </p:cNvPr>
@@ -4362,7 +4369,7 @@
           <p:cNvPr id="3" name="內容版面配置區 2">
             <a:extLst>
               <a:ext uri="{FF2B5EF4-FFF2-40B4-BE49-F238E27FC236}">
-                <a16:creationId xmlns:a16="http://schemas.microsoft.com/office/drawing/2014/main" xmlns="" id="{6853621D-E6CA-4BAE-BF48-28225B1FDF2B}"/>
+                <a16:creationId xmlns="" xmlns:a16="http://schemas.microsoft.com/office/drawing/2014/main" id="{6853621D-E6CA-4BAE-BF48-28225B1FDF2B}"/>
               </a:ext>
             </a:extLst>
           </p:cNvPr>
@@ -4499,7 +4506,7 @@
           <p:cNvPr id="2" name="標題 1">
             <a:extLst>
               <a:ext uri="{FF2B5EF4-FFF2-40B4-BE49-F238E27FC236}">
-                <a16:creationId xmlns:a16="http://schemas.microsoft.com/office/drawing/2014/main" xmlns="" id="{56D87B6E-5A2B-4CEE-BA45-C71DC24F919B}"/>
+                <a16:creationId xmlns="" xmlns:a16="http://schemas.microsoft.com/office/drawing/2014/main" id="{56D87B6E-5A2B-4CEE-BA45-C71DC24F919B}"/>
               </a:ext>
             </a:extLst>
           </p:cNvPr>
@@ -4540,7 +4547,7 @@
           <p:cNvPr id="3" name="圖片 2" descr="一張含有 螢幕擷取畫面, 設計 的圖片&#10;&#10;AI 產生的內容可能不正確。">
             <a:extLst>
               <a:ext uri="{FF2B5EF4-FFF2-40B4-BE49-F238E27FC236}">
-                <a16:creationId xmlns:a16="http://schemas.microsoft.com/office/drawing/2014/main" xmlns="" id="{774C77B9-850A-B8E8-EB9F-77EEDDD405FF}"/>
+                <a16:creationId xmlns="" xmlns:a16="http://schemas.microsoft.com/office/drawing/2014/main" id="{774C77B9-850A-B8E8-EB9F-77EEDDD405FF}"/>
               </a:ext>
             </a:extLst>
           </p:cNvPr>
@@ -4570,7 +4577,7 @@
           <p:cNvPr id="4" name="文字方塊 3">
             <a:extLst>
               <a:ext uri="{FF2B5EF4-FFF2-40B4-BE49-F238E27FC236}">
-                <a16:creationId xmlns:a16="http://schemas.microsoft.com/office/drawing/2014/main" xmlns="" id="{F11364C5-60EA-75C3-EEC4-6ECE3E603B5F}"/>
+                <a16:creationId xmlns="" xmlns:a16="http://schemas.microsoft.com/office/drawing/2014/main" id="{F11364C5-60EA-75C3-EEC4-6ECE3E603B5F}"/>
               </a:ext>
             </a:extLst>
           </p:cNvPr>
@@ -4651,7 +4658,7 @@
           <p:cNvPr id="2" name="標題 1">
             <a:extLst>
               <a:ext uri="{FF2B5EF4-FFF2-40B4-BE49-F238E27FC236}">
-                <a16:creationId xmlns:a16="http://schemas.microsoft.com/office/drawing/2014/main" xmlns="" id="{E602B493-AA30-4C9B-A604-000032CBC299}"/>
+                <a16:creationId xmlns="" xmlns:a16="http://schemas.microsoft.com/office/drawing/2014/main" id="{E602B493-AA30-4C9B-A604-000032CBC299}"/>
               </a:ext>
             </a:extLst>
           </p:cNvPr>
@@ -4711,7 +4718,7 @@
           <p:cNvPr id="4" name="圖片 3">
             <a:extLst>
               <a:ext uri="{FF2B5EF4-FFF2-40B4-BE49-F238E27FC236}">
-                <a16:creationId xmlns:a16="http://schemas.microsoft.com/office/drawing/2014/main" xmlns="" id="{7E81BC18-5492-211B-D8A3-98383F09116C}"/>
+                <a16:creationId xmlns="" xmlns:a16="http://schemas.microsoft.com/office/drawing/2014/main" id="{7E81BC18-5492-211B-D8A3-98383F09116C}"/>
               </a:ext>
             </a:extLst>
           </p:cNvPr>
@@ -4820,7 +4827,7 @@
           <p:cNvPr id="2" name="標題 1">
             <a:extLst>
               <a:ext uri="{FF2B5EF4-FFF2-40B4-BE49-F238E27FC236}">
-                <a16:creationId xmlns:a16="http://schemas.microsoft.com/office/drawing/2014/main" xmlns="" id="{C2878F9E-D0DF-D84C-8241-A986178C8EAD}"/>
+                <a16:creationId xmlns="" xmlns:a16="http://schemas.microsoft.com/office/drawing/2014/main" id="{C2878F9E-D0DF-D84C-8241-A986178C8EAD}"/>
               </a:ext>
             </a:extLst>
           </p:cNvPr>
@@ -4892,7 +4899,7 @@
           <p:cNvPr id="4" name="內容版面配置區 3" descr="一張含有 螢幕擷取畫面, 行, 太陽能電池, 視窗 的圖片&#10;&#10;AI 產生的內容可能不正確。">
             <a:extLst>
               <a:ext uri="{FF2B5EF4-FFF2-40B4-BE49-F238E27FC236}">
-                <a16:creationId xmlns:a16="http://schemas.microsoft.com/office/drawing/2014/main" xmlns="" id="{CBD70F30-46B2-8AB0-6602-A5DF524D4762}"/>
+                <a16:creationId xmlns="" xmlns:a16="http://schemas.microsoft.com/office/drawing/2014/main" id="{CBD70F30-46B2-8AB0-6602-A5DF524D4762}"/>
               </a:ext>
             </a:extLst>
           </p:cNvPr>
@@ -4954,7 +4961,7 @@
           <p:cNvPr id="2" name="標題 1">
             <a:extLst>
               <a:ext uri="{FF2B5EF4-FFF2-40B4-BE49-F238E27FC236}">
-                <a16:creationId xmlns:a16="http://schemas.microsoft.com/office/drawing/2014/main" xmlns="" id="{6E03A4FF-CABF-CA2A-CACE-DE9477118A72}"/>
+                <a16:creationId xmlns="" xmlns:a16="http://schemas.microsoft.com/office/drawing/2014/main" id="{6E03A4FF-CABF-CA2A-CACE-DE9477118A72}"/>
               </a:ext>
             </a:extLst>
           </p:cNvPr>
@@ -4996,7 +5003,7 @@
           <p:cNvPr id="4" name="內容版面配置區 3" descr="一張含有 人的臉孔, 文字, 人員, 螢幕擷取畫面 的圖片&#10;&#10;AI 產生的內容可能不正確。">
             <a:extLst>
               <a:ext uri="{FF2B5EF4-FFF2-40B4-BE49-F238E27FC236}">
-                <a16:creationId xmlns:a16="http://schemas.microsoft.com/office/drawing/2014/main" xmlns="" id="{13B4FB22-FE03-73A5-4DD2-7B24081053FD}"/>
+                <a16:creationId xmlns="" xmlns:a16="http://schemas.microsoft.com/office/drawing/2014/main" id="{13B4FB22-FE03-73A5-4DD2-7B24081053FD}"/>
               </a:ext>
             </a:extLst>
           </p:cNvPr>
@@ -5028,7 +5035,7 @@
           <p:cNvPr id="5" name="圖片 4" descr="一張含有 螢幕擷取畫面, 藝術 的圖片&#10;&#10;AI 產生的內容可能不正確。">
             <a:extLst>
               <a:ext uri="{FF2B5EF4-FFF2-40B4-BE49-F238E27FC236}">
-                <a16:creationId xmlns:a16="http://schemas.microsoft.com/office/drawing/2014/main" xmlns="" id="{D5E7349C-9E9C-16A3-D667-54BD37759873}"/>
+                <a16:creationId xmlns="" xmlns:a16="http://schemas.microsoft.com/office/drawing/2014/main" id="{D5E7349C-9E9C-16A3-D667-54BD37759873}"/>
               </a:ext>
             </a:extLst>
           </p:cNvPr>
@@ -5088,7 +5095,7 @@
           <p:cNvPr id="2" name="標題 1">
             <a:extLst>
               <a:ext uri="{FF2B5EF4-FFF2-40B4-BE49-F238E27FC236}">
-                <a16:creationId xmlns:a16="http://schemas.microsoft.com/office/drawing/2014/main" xmlns="" id="{98A04798-5168-4875-A411-80CD40D53BBD}"/>
+                <a16:creationId xmlns="" xmlns:a16="http://schemas.microsoft.com/office/drawing/2014/main" id="{98A04798-5168-4875-A411-80CD40D53BBD}"/>
               </a:ext>
             </a:extLst>
           </p:cNvPr>
@@ -5131,7 +5138,7 @@
           <p:cNvPr id="3" name="圖片 2" descr="一張含有 文字, 螢幕擷取畫面, 圖表, 字型 的圖片&#10;&#10;AI 產生的內容可能不正確。">
             <a:extLst>
               <a:ext uri="{FF2B5EF4-FFF2-40B4-BE49-F238E27FC236}">
-                <a16:creationId xmlns:a16="http://schemas.microsoft.com/office/drawing/2014/main" xmlns="" id="{C363C685-F821-E348-9BB5-5D32AD8AB2D4}"/>
+                <a16:creationId xmlns="" xmlns:a16="http://schemas.microsoft.com/office/drawing/2014/main" id="{C363C685-F821-E348-9BB5-5D32AD8AB2D4}"/>
               </a:ext>
             </a:extLst>
           </p:cNvPr>
@@ -5191,7 +5198,7 @@
           <p:cNvPr id="2" name="標題 1">
             <a:extLst>
               <a:ext uri="{FF2B5EF4-FFF2-40B4-BE49-F238E27FC236}">
-                <a16:creationId xmlns:a16="http://schemas.microsoft.com/office/drawing/2014/main" xmlns="" id="{98A04798-5168-4875-A411-80CD40D53BBD}"/>
+                <a16:creationId xmlns="" xmlns:a16="http://schemas.microsoft.com/office/drawing/2014/main" id="{98A04798-5168-4875-A411-80CD40D53BBD}"/>
               </a:ext>
             </a:extLst>
           </p:cNvPr>
@@ -5386,7 +5393,7 @@
           <p:cNvPr id="2" name="標題 1">
             <a:extLst>
               <a:ext uri="{FF2B5EF4-FFF2-40B4-BE49-F238E27FC236}">
-                <a16:creationId xmlns:a16="http://schemas.microsoft.com/office/drawing/2014/main" xmlns="" id="{98A04798-5168-4875-A411-80CD40D53BBD}"/>
+                <a16:creationId xmlns="" xmlns:a16="http://schemas.microsoft.com/office/drawing/2014/main" id="{98A04798-5168-4875-A411-80CD40D53BBD}"/>
               </a:ext>
             </a:extLst>
           </p:cNvPr>

--- a/diffusion書報/DDPM.pptx
+++ b/diffusion書報/DDPM.pptx
@@ -237,7 +237,7 @@
           <a:p>
             <a:fld id="{67FDA4E6-A796-4A0A-8EA8-8E05E1787F05}" type="datetimeFigureOut">
               <a:rPr lang="zh-TW" altLang="en-US" smtClean="0"/>
-              <a:t>2025/9/21</a:t>
+              <a:t>2025/9/23</a:t>
             </a:fld>
             <a:endParaRPr lang="zh-TW" altLang="en-US"/>
           </a:p>
@@ -897,7 +897,7 @@
           <p:cNvPr id="2" name="標題 1">
             <a:extLst>
               <a:ext uri="{FF2B5EF4-FFF2-40B4-BE49-F238E27FC236}">
-                <a16:creationId xmlns="" xmlns:a16="http://schemas.microsoft.com/office/drawing/2014/main" id="{E35DDB53-C1D0-4F65-A4BE-FDCE1B8E9860}"/>
+                <a16:creationId xmlns:a16="http://schemas.microsoft.com/office/drawing/2014/main" xmlns="" id="{E35DDB53-C1D0-4F65-A4BE-FDCE1B8E9860}"/>
               </a:ext>
             </a:extLst>
           </p:cNvPr>
@@ -934,7 +934,7 @@
           <p:cNvPr id="3" name="副標題 2">
             <a:extLst>
               <a:ext uri="{FF2B5EF4-FFF2-40B4-BE49-F238E27FC236}">
-                <a16:creationId xmlns="" xmlns:a16="http://schemas.microsoft.com/office/drawing/2014/main" id="{8354E729-BC2A-4F7F-8F4B-8373B46B63FE}"/>
+                <a16:creationId xmlns:a16="http://schemas.microsoft.com/office/drawing/2014/main" xmlns="" id="{8354E729-BC2A-4F7F-8F4B-8373B46B63FE}"/>
               </a:ext>
             </a:extLst>
           </p:cNvPr>
@@ -1004,7 +1004,7 @@
           <p:cNvPr id="4" name="日期版面配置區 3">
             <a:extLst>
               <a:ext uri="{FF2B5EF4-FFF2-40B4-BE49-F238E27FC236}">
-                <a16:creationId xmlns="" xmlns:a16="http://schemas.microsoft.com/office/drawing/2014/main" id="{53A123AF-A667-4572-AB54-DBC4AD746939}"/>
+                <a16:creationId xmlns:a16="http://schemas.microsoft.com/office/drawing/2014/main" xmlns="" id="{53A123AF-A667-4572-AB54-DBC4AD746939}"/>
               </a:ext>
             </a:extLst>
           </p:cNvPr>
@@ -1022,7 +1022,7 @@
           <a:p>
             <a:fld id="{879B64F2-2B7B-48CE-A93F-F01CBE8AC1ED}" type="datetimeFigureOut">
               <a:rPr lang="zh-TW" altLang="en-US" smtClean="0"/>
-              <a:t>2025/9/21</a:t>
+              <a:t>2025/9/23</a:t>
             </a:fld>
             <a:endParaRPr lang="zh-TW" altLang="en-US"/>
           </a:p>
@@ -1033,7 +1033,7 @@
           <p:cNvPr id="5" name="頁尾版面配置區 4">
             <a:extLst>
               <a:ext uri="{FF2B5EF4-FFF2-40B4-BE49-F238E27FC236}">
-                <a16:creationId xmlns="" xmlns:a16="http://schemas.microsoft.com/office/drawing/2014/main" id="{C1680952-D95E-4C38-A26F-B893A6A5912A}"/>
+                <a16:creationId xmlns:a16="http://schemas.microsoft.com/office/drawing/2014/main" xmlns="" id="{C1680952-D95E-4C38-A26F-B893A6A5912A}"/>
               </a:ext>
             </a:extLst>
           </p:cNvPr>
@@ -1058,7 +1058,7 @@
           <p:cNvPr id="6" name="投影片編號版面配置區 5">
             <a:extLst>
               <a:ext uri="{FF2B5EF4-FFF2-40B4-BE49-F238E27FC236}">
-                <a16:creationId xmlns="" xmlns:a16="http://schemas.microsoft.com/office/drawing/2014/main" id="{7B4DFC22-CF8A-42FA-B051-57874EC650B4}"/>
+                <a16:creationId xmlns:a16="http://schemas.microsoft.com/office/drawing/2014/main" xmlns="" id="{7B4DFC22-CF8A-42FA-B051-57874EC650B4}"/>
               </a:ext>
             </a:extLst>
           </p:cNvPr>
@@ -1117,7 +1117,7 @@
           <p:cNvPr id="2" name="標題 1">
             <a:extLst>
               <a:ext uri="{FF2B5EF4-FFF2-40B4-BE49-F238E27FC236}">
-                <a16:creationId xmlns="" xmlns:a16="http://schemas.microsoft.com/office/drawing/2014/main" id="{BF8231CC-55F0-4C45-98FF-6E283F9BE9B7}"/>
+                <a16:creationId xmlns:a16="http://schemas.microsoft.com/office/drawing/2014/main" xmlns="" id="{BF8231CC-55F0-4C45-98FF-6E283F9BE9B7}"/>
               </a:ext>
             </a:extLst>
           </p:cNvPr>
@@ -1145,7 +1145,7 @@
           <p:cNvPr id="3" name="直排文字版面配置區 2">
             <a:extLst>
               <a:ext uri="{FF2B5EF4-FFF2-40B4-BE49-F238E27FC236}">
-                <a16:creationId xmlns="" xmlns:a16="http://schemas.microsoft.com/office/drawing/2014/main" id="{8FF68CBD-6D1A-4843-BDC7-19874D55AB91}"/>
+                <a16:creationId xmlns:a16="http://schemas.microsoft.com/office/drawing/2014/main" xmlns="" id="{8FF68CBD-6D1A-4843-BDC7-19874D55AB91}"/>
               </a:ext>
             </a:extLst>
           </p:cNvPr>
@@ -1202,7 +1202,7 @@
           <p:cNvPr id="4" name="日期版面配置區 3">
             <a:extLst>
               <a:ext uri="{FF2B5EF4-FFF2-40B4-BE49-F238E27FC236}">
-                <a16:creationId xmlns="" xmlns:a16="http://schemas.microsoft.com/office/drawing/2014/main" id="{DB8D22BC-3DCA-48D2-AB31-E480388E4151}"/>
+                <a16:creationId xmlns:a16="http://schemas.microsoft.com/office/drawing/2014/main" xmlns="" id="{DB8D22BC-3DCA-48D2-AB31-E480388E4151}"/>
               </a:ext>
             </a:extLst>
           </p:cNvPr>
@@ -1220,7 +1220,7 @@
           <a:p>
             <a:fld id="{879B64F2-2B7B-48CE-A93F-F01CBE8AC1ED}" type="datetimeFigureOut">
               <a:rPr lang="zh-TW" altLang="en-US" smtClean="0"/>
-              <a:t>2025/9/21</a:t>
+              <a:t>2025/9/23</a:t>
             </a:fld>
             <a:endParaRPr lang="zh-TW" altLang="en-US"/>
           </a:p>
@@ -1231,7 +1231,7 @@
           <p:cNvPr id="5" name="頁尾版面配置區 4">
             <a:extLst>
               <a:ext uri="{FF2B5EF4-FFF2-40B4-BE49-F238E27FC236}">
-                <a16:creationId xmlns="" xmlns:a16="http://schemas.microsoft.com/office/drawing/2014/main" id="{467873BE-0D19-44DB-BDF7-F65B9609DB66}"/>
+                <a16:creationId xmlns:a16="http://schemas.microsoft.com/office/drawing/2014/main" xmlns="" id="{467873BE-0D19-44DB-BDF7-F65B9609DB66}"/>
               </a:ext>
             </a:extLst>
           </p:cNvPr>
@@ -1256,7 +1256,7 @@
           <p:cNvPr id="6" name="投影片編號版面配置區 5">
             <a:extLst>
               <a:ext uri="{FF2B5EF4-FFF2-40B4-BE49-F238E27FC236}">
-                <a16:creationId xmlns="" xmlns:a16="http://schemas.microsoft.com/office/drawing/2014/main" id="{3DB2F59D-061E-4373-B631-C6CB62DFE299}"/>
+                <a16:creationId xmlns:a16="http://schemas.microsoft.com/office/drawing/2014/main" xmlns="" id="{3DB2F59D-061E-4373-B631-C6CB62DFE299}"/>
               </a:ext>
             </a:extLst>
           </p:cNvPr>
@@ -1315,7 +1315,7 @@
           <p:cNvPr id="2" name="直排標題 1">
             <a:extLst>
               <a:ext uri="{FF2B5EF4-FFF2-40B4-BE49-F238E27FC236}">
-                <a16:creationId xmlns="" xmlns:a16="http://schemas.microsoft.com/office/drawing/2014/main" id="{06EDF22F-572D-4E49-B9FE-461C70AE81B4}"/>
+                <a16:creationId xmlns:a16="http://schemas.microsoft.com/office/drawing/2014/main" xmlns="" id="{06EDF22F-572D-4E49-B9FE-461C70AE81B4}"/>
               </a:ext>
             </a:extLst>
           </p:cNvPr>
@@ -1348,7 +1348,7 @@
           <p:cNvPr id="3" name="直排文字版面配置區 2">
             <a:extLst>
               <a:ext uri="{FF2B5EF4-FFF2-40B4-BE49-F238E27FC236}">
-                <a16:creationId xmlns="" xmlns:a16="http://schemas.microsoft.com/office/drawing/2014/main" id="{59CC5A8A-0DE7-403D-92AC-B9CB79636A91}"/>
+                <a16:creationId xmlns:a16="http://schemas.microsoft.com/office/drawing/2014/main" xmlns="" id="{59CC5A8A-0DE7-403D-92AC-B9CB79636A91}"/>
               </a:ext>
             </a:extLst>
           </p:cNvPr>
@@ -1410,7 +1410,7 @@
           <p:cNvPr id="4" name="日期版面配置區 3">
             <a:extLst>
               <a:ext uri="{FF2B5EF4-FFF2-40B4-BE49-F238E27FC236}">
-                <a16:creationId xmlns="" xmlns:a16="http://schemas.microsoft.com/office/drawing/2014/main" id="{34E26329-B68D-435D-9D35-A130E9D0035E}"/>
+                <a16:creationId xmlns:a16="http://schemas.microsoft.com/office/drawing/2014/main" xmlns="" id="{34E26329-B68D-435D-9D35-A130E9D0035E}"/>
               </a:ext>
             </a:extLst>
           </p:cNvPr>
@@ -1428,7 +1428,7 @@
           <a:p>
             <a:fld id="{879B64F2-2B7B-48CE-A93F-F01CBE8AC1ED}" type="datetimeFigureOut">
               <a:rPr lang="zh-TW" altLang="en-US" smtClean="0"/>
-              <a:t>2025/9/21</a:t>
+              <a:t>2025/9/23</a:t>
             </a:fld>
             <a:endParaRPr lang="zh-TW" altLang="en-US"/>
           </a:p>
@@ -1439,7 +1439,7 @@
           <p:cNvPr id="5" name="頁尾版面配置區 4">
             <a:extLst>
               <a:ext uri="{FF2B5EF4-FFF2-40B4-BE49-F238E27FC236}">
-                <a16:creationId xmlns="" xmlns:a16="http://schemas.microsoft.com/office/drawing/2014/main" id="{F9AF36C7-E76E-42D1-9E71-EFBDDBB0D96B}"/>
+                <a16:creationId xmlns:a16="http://schemas.microsoft.com/office/drawing/2014/main" xmlns="" id="{F9AF36C7-E76E-42D1-9E71-EFBDDBB0D96B}"/>
               </a:ext>
             </a:extLst>
           </p:cNvPr>
@@ -1464,7 +1464,7 @@
           <p:cNvPr id="6" name="投影片編號版面配置區 5">
             <a:extLst>
               <a:ext uri="{FF2B5EF4-FFF2-40B4-BE49-F238E27FC236}">
-                <a16:creationId xmlns="" xmlns:a16="http://schemas.microsoft.com/office/drawing/2014/main" id="{FF7619F3-574F-4F73-B342-3EBD0FCAFF59}"/>
+                <a16:creationId xmlns:a16="http://schemas.microsoft.com/office/drawing/2014/main" xmlns="" id="{FF7619F3-574F-4F73-B342-3EBD0FCAFF59}"/>
               </a:ext>
             </a:extLst>
           </p:cNvPr>
@@ -1523,7 +1523,7 @@
           <p:cNvPr id="2" name="標題 1">
             <a:extLst>
               <a:ext uri="{FF2B5EF4-FFF2-40B4-BE49-F238E27FC236}">
-                <a16:creationId xmlns="" xmlns:a16="http://schemas.microsoft.com/office/drawing/2014/main" id="{9417FDB8-6564-4A89-892F-121ECB6A15E3}"/>
+                <a16:creationId xmlns:a16="http://schemas.microsoft.com/office/drawing/2014/main" xmlns="" id="{9417FDB8-6564-4A89-892F-121ECB6A15E3}"/>
               </a:ext>
             </a:extLst>
           </p:cNvPr>
@@ -1551,7 +1551,7 @@
           <p:cNvPr id="3" name="內容版面配置區 2">
             <a:extLst>
               <a:ext uri="{FF2B5EF4-FFF2-40B4-BE49-F238E27FC236}">
-                <a16:creationId xmlns="" xmlns:a16="http://schemas.microsoft.com/office/drawing/2014/main" id="{51212427-EE34-43C7-A8FD-694D51AB046E}"/>
+                <a16:creationId xmlns:a16="http://schemas.microsoft.com/office/drawing/2014/main" xmlns="" id="{51212427-EE34-43C7-A8FD-694D51AB046E}"/>
               </a:ext>
             </a:extLst>
           </p:cNvPr>
@@ -1608,7 +1608,7 @@
           <p:cNvPr id="4" name="日期版面配置區 3">
             <a:extLst>
               <a:ext uri="{FF2B5EF4-FFF2-40B4-BE49-F238E27FC236}">
-                <a16:creationId xmlns="" xmlns:a16="http://schemas.microsoft.com/office/drawing/2014/main" id="{57CBDCD7-360C-4618-99D5-86A5A5EF480F}"/>
+                <a16:creationId xmlns:a16="http://schemas.microsoft.com/office/drawing/2014/main" xmlns="" id="{57CBDCD7-360C-4618-99D5-86A5A5EF480F}"/>
               </a:ext>
             </a:extLst>
           </p:cNvPr>
@@ -1626,7 +1626,7 @@
           <a:p>
             <a:fld id="{879B64F2-2B7B-48CE-A93F-F01CBE8AC1ED}" type="datetimeFigureOut">
               <a:rPr lang="zh-TW" altLang="en-US" smtClean="0"/>
-              <a:t>2025/9/21</a:t>
+              <a:t>2025/9/23</a:t>
             </a:fld>
             <a:endParaRPr lang="zh-TW" altLang="en-US"/>
           </a:p>
@@ -1637,7 +1637,7 @@
           <p:cNvPr id="5" name="頁尾版面配置區 4">
             <a:extLst>
               <a:ext uri="{FF2B5EF4-FFF2-40B4-BE49-F238E27FC236}">
-                <a16:creationId xmlns="" xmlns:a16="http://schemas.microsoft.com/office/drawing/2014/main" id="{CF3DC7E3-2CDA-47FC-82EC-B6724DEDE6AE}"/>
+                <a16:creationId xmlns:a16="http://schemas.microsoft.com/office/drawing/2014/main" xmlns="" id="{CF3DC7E3-2CDA-47FC-82EC-B6724DEDE6AE}"/>
               </a:ext>
             </a:extLst>
           </p:cNvPr>
@@ -1662,7 +1662,7 @@
           <p:cNvPr id="6" name="投影片編號版面配置區 5">
             <a:extLst>
               <a:ext uri="{FF2B5EF4-FFF2-40B4-BE49-F238E27FC236}">
-                <a16:creationId xmlns="" xmlns:a16="http://schemas.microsoft.com/office/drawing/2014/main" id="{6FCD9DA0-45A4-4361-AD1D-DB2F24801798}"/>
+                <a16:creationId xmlns:a16="http://schemas.microsoft.com/office/drawing/2014/main" xmlns="" id="{6FCD9DA0-45A4-4361-AD1D-DB2F24801798}"/>
               </a:ext>
             </a:extLst>
           </p:cNvPr>
@@ -1721,7 +1721,7 @@
           <p:cNvPr id="2" name="標題 1">
             <a:extLst>
               <a:ext uri="{FF2B5EF4-FFF2-40B4-BE49-F238E27FC236}">
-                <a16:creationId xmlns="" xmlns:a16="http://schemas.microsoft.com/office/drawing/2014/main" id="{AAD101D0-1702-4091-BD84-775665326445}"/>
+                <a16:creationId xmlns:a16="http://schemas.microsoft.com/office/drawing/2014/main" xmlns="" id="{AAD101D0-1702-4091-BD84-775665326445}"/>
               </a:ext>
             </a:extLst>
           </p:cNvPr>
@@ -1758,7 +1758,7 @@
           <p:cNvPr id="3" name="文字版面配置區 2">
             <a:extLst>
               <a:ext uri="{FF2B5EF4-FFF2-40B4-BE49-F238E27FC236}">
-                <a16:creationId xmlns="" xmlns:a16="http://schemas.microsoft.com/office/drawing/2014/main" id="{0BD8E1E2-602B-4613-8148-CCAA3F8A8479}"/>
+                <a16:creationId xmlns:a16="http://schemas.microsoft.com/office/drawing/2014/main" xmlns="" id="{0BD8E1E2-602B-4613-8148-CCAA3F8A8479}"/>
               </a:ext>
             </a:extLst>
           </p:cNvPr>
@@ -1883,7 +1883,7 @@
           <p:cNvPr id="4" name="日期版面配置區 3">
             <a:extLst>
               <a:ext uri="{FF2B5EF4-FFF2-40B4-BE49-F238E27FC236}">
-                <a16:creationId xmlns="" xmlns:a16="http://schemas.microsoft.com/office/drawing/2014/main" id="{EE9C1E22-1E55-471F-AFCC-5907530118FD}"/>
+                <a16:creationId xmlns:a16="http://schemas.microsoft.com/office/drawing/2014/main" xmlns="" id="{EE9C1E22-1E55-471F-AFCC-5907530118FD}"/>
               </a:ext>
             </a:extLst>
           </p:cNvPr>
@@ -1901,7 +1901,7 @@
           <a:p>
             <a:fld id="{879B64F2-2B7B-48CE-A93F-F01CBE8AC1ED}" type="datetimeFigureOut">
               <a:rPr lang="zh-TW" altLang="en-US" smtClean="0"/>
-              <a:t>2025/9/21</a:t>
+              <a:t>2025/9/23</a:t>
             </a:fld>
             <a:endParaRPr lang="zh-TW" altLang="en-US"/>
           </a:p>
@@ -1912,7 +1912,7 @@
           <p:cNvPr id="5" name="頁尾版面配置區 4">
             <a:extLst>
               <a:ext uri="{FF2B5EF4-FFF2-40B4-BE49-F238E27FC236}">
-                <a16:creationId xmlns="" xmlns:a16="http://schemas.microsoft.com/office/drawing/2014/main" id="{00E74574-3F79-43E0-886E-0F7B5FBEE9EB}"/>
+                <a16:creationId xmlns:a16="http://schemas.microsoft.com/office/drawing/2014/main" xmlns="" id="{00E74574-3F79-43E0-886E-0F7B5FBEE9EB}"/>
               </a:ext>
             </a:extLst>
           </p:cNvPr>
@@ -1937,7 +1937,7 @@
           <p:cNvPr id="6" name="投影片編號版面配置區 5">
             <a:extLst>
               <a:ext uri="{FF2B5EF4-FFF2-40B4-BE49-F238E27FC236}">
-                <a16:creationId xmlns="" xmlns:a16="http://schemas.microsoft.com/office/drawing/2014/main" id="{6D0AEA75-5543-4200-8506-0B2ECFF44CCA}"/>
+                <a16:creationId xmlns:a16="http://schemas.microsoft.com/office/drawing/2014/main" xmlns="" id="{6D0AEA75-5543-4200-8506-0B2ECFF44CCA}"/>
               </a:ext>
             </a:extLst>
           </p:cNvPr>
@@ -1996,7 +1996,7 @@
           <p:cNvPr id="2" name="標題 1">
             <a:extLst>
               <a:ext uri="{FF2B5EF4-FFF2-40B4-BE49-F238E27FC236}">
-                <a16:creationId xmlns="" xmlns:a16="http://schemas.microsoft.com/office/drawing/2014/main" id="{73297404-2E9F-475C-B361-4DC34C7D854A}"/>
+                <a16:creationId xmlns:a16="http://schemas.microsoft.com/office/drawing/2014/main" xmlns="" id="{73297404-2E9F-475C-B361-4DC34C7D854A}"/>
               </a:ext>
             </a:extLst>
           </p:cNvPr>
@@ -2024,7 +2024,7 @@
           <p:cNvPr id="3" name="內容版面配置區 2">
             <a:extLst>
               <a:ext uri="{FF2B5EF4-FFF2-40B4-BE49-F238E27FC236}">
-                <a16:creationId xmlns="" xmlns:a16="http://schemas.microsoft.com/office/drawing/2014/main" id="{1E0DA65C-B23C-4D21-BECF-E728DDEC65BE}"/>
+                <a16:creationId xmlns:a16="http://schemas.microsoft.com/office/drawing/2014/main" xmlns="" id="{1E0DA65C-B23C-4D21-BECF-E728DDEC65BE}"/>
               </a:ext>
             </a:extLst>
           </p:cNvPr>
@@ -2086,7 +2086,7 @@
           <p:cNvPr id="4" name="內容版面配置區 3">
             <a:extLst>
               <a:ext uri="{FF2B5EF4-FFF2-40B4-BE49-F238E27FC236}">
-                <a16:creationId xmlns="" xmlns:a16="http://schemas.microsoft.com/office/drawing/2014/main" id="{0DBA3308-CC5B-4665-A367-63EBBDCCB497}"/>
+                <a16:creationId xmlns:a16="http://schemas.microsoft.com/office/drawing/2014/main" xmlns="" id="{0DBA3308-CC5B-4665-A367-63EBBDCCB497}"/>
               </a:ext>
             </a:extLst>
           </p:cNvPr>
@@ -2148,7 +2148,7 @@
           <p:cNvPr id="5" name="日期版面配置區 4">
             <a:extLst>
               <a:ext uri="{FF2B5EF4-FFF2-40B4-BE49-F238E27FC236}">
-                <a16:creationId xmlns="" xmlns:a16="http://schemas.microsoft.com/office/drawing/2014/main" id="{FF3EBDA5-6D03-43A8-9138-B1D9126B0646}"/>
+                <a16:creationId xmlns:a16="http://schemas.microsoft.com/office/drawing/2014/main" xmlns="" id="{FF3EBDA5-6D03-43A8-9138-B1D9126B0646}"/>
               </a:ext>
             </a:extLst>
           </p:cNvPr>
@@ -2166,7 +2166,7 @@
           <a:p>
             <a:fld id="{879B64F2-2B7B-48CE-A93F-F01CBE8AC1ED}" type="datetimeFigureOut">
               <a:rPr lang="zh-TW" altLang="en-US" smtClean="0"/>
-              <a:t>2025/9/21</a:t>
+              <a:t>2025/9/23</a:t>
             </a:fld>
             <a:endParaRPr lang="zh-TW" altLang="en-US"/>
           </a:p>
@@ -2177,7 +2177,7 @@
           <p:cNvPr id="6" name="頁尾版面配置區 5">
             <a:extLst>
               <a:ext uri="{FF2B5EF4-FFF2-40B4-BE49-F238E27FC236}">
-                <a16:creationId xmlns="" xmlns:a16="http://schemas.microsoft.com/office/drawing/2014/main" id="{EA849ADE-300E-4A53-8040-52D9F9254D9A}"/>
+                <a16:creationId xmlns:a16="http://schemas.microsoft.com/office/drawing/2014/main" xmlns="" id="{EA849ADE-300E-4A53-8040-52D9F9254D9A}"/>
               </a:ext>
             </a:extLst>
           </p:cNvPr>
@@ -2202,7 +2202,7 @@
           <p:cNvPr id="7" name="投影片編號版面配置區 6">
             <a:extLst>
               <a:ext uri="{FF2B5EF4-FFF2-40B4-BE49-F238E27FC236}">
-                <a16:creationId xmlns="" xmlns:a16="http://schemas.microsoft.com/office/drawing/2014/main" id="{CB0B5C42-76A2-46F7-AD5D-A3B84D4B6684}"/>
+                <a16:creationId xmlns:a16="http://schemas.microsoft.com/office/drawing/2014/main" xmlns="" id="{CB0B5C42-76A2-46F7-AD5D-A3B84D4B6684}"/>
               </a:ext>
             </a:extLst>
           </p:cNvPr>
@@ -2261,7 +2261,7 @@
           <p:cNvPr id="2" name="標題 1">
             <a:extLst>
               <a:ext uri="{FF2B5EF4-FFF2-40B4-BE49-F238E27FC236}">
-                <a16:creationId xmlns="" xmlns:a16="http://schemas.microsoft.com/office/drawing/2014/main" id="{DF359BC2-8E8B-43E3-BD44-C574EF3FE6B4}"/>
+                <a16:creationId xmlns:a16="http://schemas.microsoft.com/office/drawing/2014/main" xmlns="" id="{DF359BC2-8E8B-43E3-BD44-C574EF3FE6B4}"/>
               </a:ext>
             </a:extLst>
           </p:cNvPr>
@@ -2294,7 +2294,7 @@
           <p:cNvPr id="3" name="文字版面配置區 2">
             <a:extLst>
               <a:ext uri="{FF2B5EF4-FFF2-40B4-BE49-F238E27FC236}">
-                <a16:creationId xmlns="" xmlns:a16="http://schemas.microsoft.com/office/drawing/2014/main" id="{7CF20A5E-5DA7-4C8E-BCDC-D8CEA280A4B8}"/>
+                <a16:creationId xmlns:a16="http://schemas.microsoft.com/office/drawing/2014/main" xmlns="" id="{7CF20A5E-5DA7-4C8E-BCDC-D8CEA280A4B8}"/>
               </a:ext>
             </a:extLst>
           </p:cNvPr>
@@ -2365,7 +2365,7 @@
           <p:cNvPr id="4" name="內容版面配置區 3">
             <a:extLst>
               <a:ext uri="{FF2B5EF4-FFF2-40B4-BE49-F238E27FC236}">
-                <a16:creationId xmlns="" xmlns:a16="http://schemas.microsoft.com/office/drawing/2014/main" id="{C6FB0619-911A-4AA2-A1C9-02542414136C}"/>
+                <a16:creationId xmlns:a16="http://schemas.microsoft.com/office/drawing/2014/main" xmlns="" id="{C6FB0619-911A-4AA2-A1C9-02542414136C}"/>
               </a:ext>
             </a:extLst>
           </p:cNvPr>
@@ -2427,7 +2427,7 @@
           <p:cNvPr id="5" name="文字版面配置區 4">
             <a:extLst>
               <a:ext uri="{FF2B5EF4-FFF2-40B4-BE49-F238E27FC236}">
-                <a16:creationId xmlns="" xmlns:a16="http://schemas.microsoft.com/office/drawing/2014/main" id="{4C9F549F-ADBE-4F2B-AC0B-F43F4A62907C}"/>
+                <a16:creationId xmlns:a16="http://schemas.microsoft.com/office/drawing/2014/main" xmlns="" id="{4C9F549F-ADBE-4F2B-AC0B-F43F4A62907C}"/>
               </a:ext>
             </a:extLst>
           </p:cNvPr>
@@ -2498,7 +2498,7 @@
           <p:cNvPr id="6" name="內容版面配置區 5">
             <a:extLst>
               <a:ext uri="{FF2B5EF4-FFF2-40B4-BE49-F238E27FC236}">
-                <a16:creationId xmlns="" xmlns:a16="http://schemas.microsoft.com/office/drawing/2014/main" id="{E6E76930-D84E-4FD7-B37E-9C74F5F41CAD}"/>
+                <a16:creationId xmlns:a16="http://schemas.microsoft.com/office/drawing/2014/main" xmlns="" id="{E6E76930-D84E-4FD7-B37E-9C74F5F41CAD}"/>
               </a:ext>
             </a:extLst>
           </p:cNvPr>
@@ -2560,7 +2560,7 @@
           <p:cNvPr id="7" name="日期版面配置區 6">
             <a:extLst>
               <a:ext uri="{FF2B5EF4-FFF2-40B4-BE49-F238E27FC236}">
-                <a16:creationId xmlns="" xmlns:a16="http://schemas.microsoft.com/office/drawing/2014/main" id="{96931258-53DE-4440-9CED-EFEF081A4EB9}"/>
+                <a16:creationId xmlns:a16="http://schemas.microsoft.com/office/drawing/2014/main" xmlns="" id="{96931258-53DE-4440-9CED-EFEF081A4EB9}"/>
               </a:ext>
             </a:extLst>
           </p:cNvPr>
@@ -2578,7 +2578,7 @@
           <a:p>
             <a:fld id="{879B64F2-2B7B-48CE-A93F-F01CBE8AC1ED}" type="datetimeFigureOut">
               <a:rPr lang="zh-TW" altLang="en-US" smtClean="0"/>
-              <a:t>2025/9/21</a:t>
+              <a:t>2025/9/23</a:t>
             </a:fld>
             <a:endParaRPr lang="zh-TW" altLang="en-US"/>
           </a:p>
@@ -2589,7 +2589,7 @@
           <p:cNvPr id="8" name="頁尾版面配置區 7">
             <a:extLst>
               <a:ext uri="{FF2B5EF4-FFF2-40B4-BE49-F238E27FC236}">
-                <a16:creationId xmlns="" xmlns:a16="http://schemas.microsoft.com/office/drawing/2014/main" id="{18CA577D-DD80-4F0A-AC25-AB2D272056B3}"/>
+                <a16:creationId xmlns:a16="http://schemas.microsoft.com/office/drawing/2014/main" xmlns="" id="{18CA577D-DD80-4F0A-AC25-AB2D272056B3}"/>
               </a:ext>
             </a:extLst>
           </p:cNvPr>
@@ -2614,7 +2614,7 @@
           <p:cNvPr id="9" name="投影片編號版面配置區 8">
             <a:extLst>
               <a:ext uri="{FF2B5EF4-FFF2-40B4-BE49-F238E27FC236}">
-                <a16:creationId xmlns="" xmlns:a16="http://schemas.microsoft.com/office/drawing/2014/main" id="{EAF01FD8-AAA6-42C4-9068-C9E8A571E605}"/>
+                <a16:creationId xmlns:a16="http://schemas.microsoft.com/office/drawing/2014/main" xmlns="" id="{EAF01FD8-AAA6-42C4-9068-C9E8A571E605}"/>
               </a:ext>
             </a:extLst>
           </p:cNvPr>
@@ -2673,7 +2673,7 @@
           <p:cNvPr id="2" name="標題 1">
             <a:extLst>
               <a:ext uri="{FF2B5EF4-FFF2-40B4-BE49-F238E27FC236}">
-                <a16:creationId xmlns="" xmlns:a16="http://schemas.microsoft.com/office/drawing/2014/main" id="{952E2EB0-35DB-48C2-B020-3F53BA17C934}"/>
+                <a16:creationId xmlns:a16="http://schemas.microsoft.com/office/drawing/2014/main" xmlns="" id="{952E2EB0-35DB-48C2-B020-3F53BA17C934}"/>
               </a:ext>
             </a:extLst>
           </p:cNvPr>
@@ -2701,7 +2701,7 @@
           <p:cNvPr id="3" name="日期版面配置區 2">
             <a:extLst>
               <a:ext uri="{FF2B5EF4-FFF2-40B4-BE49-F238E27FC236}">
-                <a16:creationId xmlns="" xmlns:a16="http://schemas.microsoft.com/office/drawing/2014/main" id="{DF0F6B4E-7D6A-409D-8B33-2CF9E3E22511}"/>
+                <a16:creationId xmlns:a16="http://schemas.microsoft.com/office/drawing/2014/main" xmlns="" id="{DF0F6B4E-7D6A-409D-8B33-2CF9E3E22511}"/>
               </a:ext>
             </a:extLst>
           </p:cNvPr>
@@ -2719,7 +2719,7 @@
           <a:p>
             <a:fld id="{879B64F2-2B7B-48CE-A93F-F01CBE8AC1ED}" type="datetimeFigureOut">
               <a:rPr lang="zh-TW" altLang="en-US" smtClean="0"/>
-              <a:t>2025/9/21</a:t>
+              <a:t>2025/9/23</a:t>
             </a:fld>
             <a:endParaRPr lang="zh-TW" altLang="en-US"/>
           </a:p>
@@ -2730,7 +2730,7 @@
           <p:cNvPr id="4" name="頁尾版面配置區 3">
             <a:extLst>
               <a:ext uri="{FF2B5EF4-FFF2-40B4-BE49-F238E27FC236}">
-                <a16:creationId xmlns="" xmlns:a16="http://schemas.microsoft.com/office/drawing/2014/main" id="{0DC85328-B8C2-4E98-854B-96F2243447DC}"/>
+                <a16:creationId xmlns:a16="http://schemas.microsoft.com/office/drawing/2014/main" xmlns="" id="{0DC85328-B8C2-4E98-854B-96F2243447DC}"/>
               </a:ext>
             </a:extLst>
           </p:cNvPr>
@@ -2755,7 +2755,7 @@
           <p:cNvPr id="5" name="投影片編號版面配置區 4">
             <a:extLst>
               <a:ext uri="{FF2B5EF4-FFF2-40B4-BE49-F238E27FC236}">
-                <a16:creationId xmlns="" xmlns:a16="http://schemas.microsoft.com/office/drawing/2014/main" id="{231D26CF-8345-42F0-87CC-5055E40B26B8}"/>
+                <a16:creationId xmlns:a16="http://schemas.microsoft.com/office/drawing/2014/main" xmlns="" id="{231D26CF-8345-42F0-87CC-5055E40B26B8}"/>
               </a:ext>
             </a:extLst>
           </p:cNvPr>
@@ -2814,7 +2814,7 @@
           <p:cNvPr id="2" name="日期版面配置區 1">
             <a:extLst>
               <a:ext uri="{FF2B5EF4-FFF2-40B4-BE49-F238E27FC236}">
-                <a16:creationId xmlns="" xmlns:a16="http://schemas.microsoft.com/office/drawing/2014/main" id="{662CEF4B-8E15-4C0B-8493-EE6A95E6505D}"/>
+                <a16:creationId xmlns:a16="http://schemas.microsoft.com/office/drawing/2014/main" xmlns="" id="{662CEF4B-8E15-4C0B-8493-EE6A95E6505D}"/>
               </a:ext>
             </a:extLst>
           </p:cNvPr>
@@ -2832,7 +2832,7 @@
           <a:p>
             <a:fld id="{879B64F2-2B7B-48CE-A93F-F01CBE8AC1ED}" type="datetimeFigureOut">
               <a:rPr lang="zh-TW" altLang="en-US" smtClean="0"/>
-              <a:t>2025/9/21</a:t>
+              <a:t>2025/9/23</a:t>
             </a:fld>
             <a:endParaRPr lang="zh-TW" altLang="en-US"/>
           </a:p>
@@ -2843,7 +2843,7 @@
           <p:cNvPr id="3" name="頁尾版面配置區 2">
             <a:extLst>
               <a:ext uri="{FF2B5EF4-FFF2-40B4-BE49-F238E27FC236}">
-                <a16:creationId xmlns="" xmlns:a16="http://schemas.microsoft.com/office/drawing/2014/main" id="{A66FD5AB-E722-4B87-B88A-9BC13E123081}"/>
+                <a16:creationId xmlns:a16="http://schemas.microsoft.com/office/drawing/2014/main" xmlns="" id="{A66FD5AB-E722-4B87-B88A-9BC13E123081}"/>
               </a:ext>
             </a:extLst>
           </p:cNvPr>
@@ -2868,7 +2868,7 @@
           <p:cNvPr id="4" name="投影片編號版面配置區 3">
             <a:extLst>
               <a:ext uri="{FF2B5EF4-FFF2-40B4-BE49-F238E27FC236}">
-                <a16:creationId xmlns="" xmlns:a16="http://schemas.microsoft.com/office/drawing/2014/main" id="{E34D603E-C4D3-477E-BDBF-31C46BD9B03B}"/>
+                <a16:creationId xmlns:a16="http://schemas.microsoft.com/office/drawing/2014/main" xmlns="" id="{E34D603E-C4D3-477E-BDBF-31C46BD9B03B}"/>
               </a:ext>
             </a:extLst>
           </p:cNvPr>
@@ -2927,7 +2927,7 @@
           <p:cNvPr id="2" name="標題 1">
             <a:extLst>
               <a:ext uri="{FF2B5EF4-FFF2-40B4-BE49-F238E27FC236}">
-                <a16:creationId xmlns="" xmlns:a16="http://schemas.microsoft.com/office/drawing/2014/main" id="{BD6D3AFA-A00F-425A-ADB8-7D6DBF11E7D9}"/>
+                <a16:creationId xmlns:a16="http://schemas.microsoft.com/office/drawing/2014/main" xmlns="" id="{BD6D3AFA-A00F-425A-ADB8-7D6DBF11E7D9}"/>
               </a:ext>
             </a:extLst>
           </p:cNvPr>
@@ -2964,7 +2964,7 @@
           <p:cNvPr id="3" name="內容版面配置區 2">
             <a:extLst>
               <a:ext uri="{FF2B5EF4-FFF2-40B4-BE49-F238E27FC236}">
-                <a16:creationId xmlns="" xmlns:a16="http://schemas.microsoft.com/office/drawing/2014/main" id="{7624F594-DAE1-441A-B288-C6B584A71E88}"/>
+                <a16:creationId xmlns:a16="http://schemas.microsoft.com/office/drawing/2014/main" xmlns="" id="{7624F594-DAE1-441A-B288-C6B584A71E88}"/>
               </a:ext>
             </a:extLst>
           </p:cNvPr>
@@ -3054,7 +3054,7 @@
           <p:cNvPr id="4" name="文字版面配置區 3">
             <a:extLst>
               <a:ext uri="{FF2B5EF4-FFF2-40B4-BE49-F238E27FC236}">
-                <a16:creationId xmlns="" xmlns:a16="http://schemas.microsoft.com/office/drawing/2014/main" id="{6735B1BB-D6FE-4E3F-912B-7CB8B4D06556}"/>
+                <a16:creationId xmlns:a16="http://schemas.microsoft.com/office/drawing/2014/main" xmlns="" id="{6735B1BB-D6FE-4E3F-912B-7CB8B4D06556}"/>
               </a:ext>
             </a:extLst>
           </p:cNvPr>
@@ -3125,7 +3125,7 @@
           <p:cNvPr id="5" name="日期版面配置區 4">
             <a:extLst>
               <a:ext uri="{FF2B5EF4-FFF2-40B4-BE49-F238E27FC236}">
-                <a16:creationId xmlns="" xmlns:a16="http://schemas.microsoft.com/office/drawing/2014/main" id="{03F3C6B0-93DC-4F63-847D-AF3CDC1F273E}"/>
+                <a16:creationId xmlns:a16="http://schemas.microsoft.com/office/drawing/2014/main" xmlns="" id="{03F3C6B0-93DC-4F63-847D-AF3CDC1F273E}"/>
               </a:ext>
             </a:extLst>
           </p:cNvPr>
@@ -3143,7 +3143,7 @@
           <a:p>
             <a:fld id="{879B64F2-2B7B-48CE-A93F-F01CBE8AC1ED}" type="datetimeFigureOut">
               <a:rPr lang="zh-TW" altLang="en-US" smtClean="0"/>
-              <a:t>2025/9/21</a:t>
+              <a:t>2025/9/23</a:t>
             </a:fld>
             <a:endParaRPr lang="zh-TW" altLang="en-US"/>
           </a:p>
@@ -3154,7 +3154,7 @@
           <p:cNvPr id="6" name="頁尾版面配置區 5">
             <a:extLst>
               <a:ext uri="{FF2B5EF4-FFF2-40B4-BE49-F238E27FC236}">
-                <a16:creationId xmlns="" xmlns:a16="http://schemas.microsoft.com/office/drawing/2014/main" id="{77412A02-FB75-418E-B44D-90B60CF36B6A}"/>
+                <a16:creationId xmlns:a16="http://schemas.microsoft.com/office/drawing/2014/main" xmlns="" id="{77412A02-FB75-418E-B44D-90B60CF36B6A}"/>
               </a:ext>
             </a:extLst>
           </p:cNvPr>
@@ -3179,7 +3179,7 @@
           <p:cNvPr id="7" name="投影片編號版面配置區 6">
             <a:extLst>
               <a:ext uri="{FF2B5EF4-FFF2-40B4-BE49-F238E27FC236}">
-                <a16:creationId xmlns="" xmlns:a16="http://schemas.microsoft.com/office/drawing/2014/main" id="{C1C119AB-1486-4CEF-AD2D-10EFBF322D5E}"/>
+                <a16:creationId xmlns:a16="http://schemas.microsoft.com/office/drawing/2014/main" xmlns="" id="{C1C119AB-1486-4CEF-AD2D-10EFBF322D5E}"/>
               </a:ext>
             </a:extLst>
           </p:cNvPr>
@@ -3238,7 +3238,7 @@
           <p:cNvPr id="2" name="標題 1">
             <a:extLst>
               <a:ext uri="{FF2B5EF4-FFF2-40B4-BE49-F238E27FC236}">
-                <a16:creationId xmlns="" xmlns:a16="http://schemas.microsoft.com/office/drawing/2014/main" id="{FA46C5FD-EEB9-422A-8F1A-3898CE1E2744}"/>
+                <a16:creationId xmlns:a16="http://schemas.microsoft.com/office/drawing/2014/main" xmlns="" id="{FA46C5FD-EEB9-422A-8F1A-3898CE1E2744}"/>
               </a:ext>
             </a:extLst>
           </p:cNvPr>
@@ -3275,7 +3275,7 @@
           <p:cNvPr id="3" name="圖片版面配置區 2">
             <a:extLst>
               <a:ext uri="{FF2B5EF4-FFF2-40B4-BE49-F238E27FC236}">
-                <a16:creationId xmlns="" xmlns:a16="http://schemas.microsoft.com/office/drawing/2014/main" id="{D4F2F5F8-C4C6-4927-9267-A3C0D0016E37}"/>
+                <a16:creationId xmlns:a16="http://schemas.microsoft.com/office/drawing/2014/main" xmlns="" id="{D4F2F5F8-C4C6-4927-9267-A3C0D0016E37}"/>
               </a:ext>
             </a:extLst>
           </p:cNvPr>
@@ -3342,7 +3342,7 @@
           <p:cNvPr id="4" name="文字版面配置區 3">
             <a:extLst>
               <a:ext uri="{FF2B5EF4-FFF2-40B4-BE49-F238E27FC236}">
-                <a16:creationId xmlns="" xmlns:a16="http://schemas.microsoft.com/office/drawing/2014/main" id="{386BA6EB-6191-463F-BDAC-05065C4F8FF5}"/>
+                <a16:creationId xmlns:a16="http://schemas.microsoft.com/office/drawing/2014/main" xmlns="" id="{386BA6EB-6191-463F-BDAC-05065C4F8FF5}"/>
               </a:ext>
             </a:extLst>
           </p:cNvPr>
@@ -3413,7 +3413,7 @@
           <p:cNvPr id="5" name="日期版面配置區 4">
             <a:extLst>
               <a:ext uri="{FF2B5EF4-FFF2-40B4-BE49-F238E27FC236}">
-                <a16:creationId xmlns="" xmlns:a16="http://schemas.microsoft.com/office/drawing/2014/main" id="{B100A524-F2D8-4E20-9BB5-49A1395D1468}"/>
+                <a16:creationId xmlns:a16="http://schemas.microsoft.com/office/drawing/2014/main" xmlns="" id="{B100A524-F2D8-4E20-9BB5-49A1395D1468}"/>
               </a:ext>
             </a:extLst>
           </p:cNvPr>
@@ -3431,7 +3431,7 @@
           <a:p>
             <a:fld id="{879B64F2-2B7B-48CE-A93F-F01CBE8AC1ED}" type="datetimeFigureOut">
               <a:rPr lang="zh-TW" altLang="en-US" smtClean="0"/>
-              <a:t>2025/9/21</a:t>
+              <a:t>2025/9/23</a:t>
             </a:fld>
             <a:endParaRPr lang="zh-TW" altLang="en-US"/>
           </a:p>
@@ -3442,7 +3442,7 @@
           <p:cNvPr id="6" name="頁尾版面配置區 5">
             <a:extLst>
               <a:ext uri="{FF2B5EF4-FFF2-40B4-BE49-F238E27FC236}">
-                <a16:creationId xmlns="" xmlns:a16="http://schemas.microsoft.com/office/drawing/2014/main" id="{F5DAE52E-EC29-43CF-90E7-76A8547273F4}"/>
+                <a16:creationId xmlns:a16="http://schemas.microsoft.com/office/drawing/2014/main" xmlns="" id="{F5DAE52E-EC29-43CF-90E7-76A8547273F4}"/>
               </a:ext>
             </a:extLst>
           </p:cNvPr>
@@ -3467,7 +3467,7 @@
           <p:cNvPr id="7" name="投影片編號版面配置區 6">
             <a:extLst>
               <a:ext uri="{FF2B5EF4-FFF2-40B4-BE49-F238E27FC236}">
-                <a16:creationId xmlns="" xmlns:a16="http://schemas.microsoft.com/office/drawing/2014/main" id="{D5633C84-0F09-4F63-9D11-CF4CD2E04EDC}"/>
+                <a16:creationId xmlns:a16="http://schemas.microsoft.com/office/drawing/2014/main" xmlns="" id="{D5633C84-0F09-4F63-9D11-CF4CD2E04EDC}"/>
               </a:ext>
             </a:extLst>
           </p:cNvPr>
@@ -3531,7 +3531,7 @@
           <p:cNvPr id="2" name="標題版面配置區 1">
             <a:extLst>
               <a:ext uri="{FF2B5EF4-FFF2-40B4-BE49-F238E27FC236}">
-                <a16:creationId xmlns="" xmlns:a16="http://schemas.microsoft.com/office/drawing/2014/main" id="{75AB147D-77B2-45DC-B91D-E9B95229CF67}"/>
+                <a16:creationId xmlns:a16="http://schemas.microsoft.com/office/drawing/2014/main" xmlns="" id="{75AB147D-77B2-45DC-B91D-E9B95229CF67}"/>
               </a:ext>
             </a:extLst>
           </p:cNvPr>
@@ -3569,7 +3569,7 @@
           <p:cNvPr id="3" name="文字版面配置區 2">
             <a:extLst>
               <a:ext uri="{FF2B5EF4-FFF2-40B4-BE49-F238E27FC236}">
-                <a16:creationId xmlns="" xmlns:a16="http://schemas.microsoft.com/office/drawing/2014/main" id="{1F4191C3-8FDE-40E8-B1B1-993999DCB52A}"/>
+                <a16:creationId xmlns:a16="http://schemas.microsoft.com/office/drawing/2014/main" xmlns="" id="{1F4191C3-8FDE-40E8-B1B1-993999DCB52A}"/>
               </a:ext>
             </a:extLst>
           </p:cNvPr>
@@ -3636,7 +3636,7 @@
           <p:cNvPr id="4" name="日期版面配置區 3">
             <a:extLst>
               <a:ext uri="{FF2B5EF4-FFF2-40B4-BE49-F238E27FC236}">
-                <a16:creationId xmlns="" xmlns:a16="http://schemas.microsoft.com/office/drawing/2014/main" id="{189C3422-42E0-48A0-AA23-A8416D88BBD9}"/>
+                <a16:creationId xmlns:a16="http://schemas.microsoft.com/office/drawing/2014/main" xmlns="" id="{189C3422-42E0-48A0-AA23-A8416D88BBD9}"/>
               </a:ext>
             </a:extLst>
           </p:cNvPr>
@@ -3672,7 +3672,7 @@
           <a:p>
             <a:fld id="{879B64F2-2B7B-48CE-A93F-F01CBE8AC1ED}" type="datetimeFigureOut">
               <a:rPr lang="zh-TW" altLang="en-US" smtClean="0"/>
-              <a:t>2025/9/21</a:t>
+              <a:t>2025/9/23</a:t>
             </a:fld>
             <a:endParaRPr lang="zh-TW" altLang="en-US"/>
           </a:p>
@@ -3683,7 +3683,7 @@
           <p:cNvPr id="5" name="頁尾版面配置區 4">
             <a:extLst>
               <a:ext uri="{FF2B5EF4-FFF2-40B4-BE49-F238E27FC236}">
-                <a16:creationId xmlns="" xmlns:a16="http://schemas.microsoft.com/office/drawing/2014/main" id="{320D305E-D196-4B4D-BE7D-0EFBB082F1FC}"/>
+                <a16:creationId xmlns:a16="http://schemas.microsoft.com/office/drawing/2014/main" xmlns="" id="{320D305E-D196-4B4D-BE7D-0EFBB082F1FC}"/>
               </a:ext>
             </a:extLst>
           </p:cNvPr>
@@ -3726,7 +3726,7 @@
           <p:cNvPr id="6" name="投影片編號版面配置區 5">
             <a:extLst>
               <a:ext uri="{FF2B5EF4-FFF2-40B4-BE49-F238E27FC236}">
-                <a16:creationId xmlns="" xmlns:a16="http://schemas.microsoft.com/office/drawing/2014/main" id="{8E9AE7C5-2399-4CDA-B55E-02BDF2B18D14}"/>
+                <a16:creationId xmlns:a16="http://schemas.microsoft.com/office/drawing/2014/main" xmlns="" id="{8E9AE7C5-2399-4CDA-B55E-02BDF2B18D14}"/>
               </a:ext>
             </a:extLst>
           </p:cNvPr>
@@ -4094,7 +4094,7 @@
           <p:cNvPr id="2" name="標題 1">
             <a:extLst>
               <a:ext uri="{FF2B5EF4-FFF2-40B4-BE49-F238E27FC236}">
-                <a16:creationId xmlns="" xmlns:a16="http://schemas.microsoft.com/office/drawing/2014/main" id="{DF598DAF-F4C5-48E6-A531-AF714874D3C4}"/>
+                <a16:creationId xmlns:a16="http://schemas.microsoft.com/office/drawing/2014/main" xmlns="" id="{DF598DAF-F4C5-48E6-A531-AF714874D3C4}"/>
               </a:ext>
             </a:extLst>
           </p:cNvPr>
@@ -4143,7 +4143,7 @@
           <p:cNvPr id="3" name="副標題 2">
             <a:extLst>
               <a:ext uri="{FF2B5EF4-FFF2-40B4-BE49-F238E27FC236}">
-                <a16:creationId xmlns="" xmlns:a16="http://schemas.microsoft.com/office/drawing/2014/main" id="{E40368D7-E9F7-43C4-9CE7-4265C419151C}"/>
+                <a16:creationId xmlns:a16="http://schemas.microsoft.com/office/drawing/2014/main" xmlns="" id="{E40368D7-E9F7-43C4-9CE7-4265C419151C}"/>
               </a:ext>
             </a:extLst>
           </p:cNvPr>
@@ -4211,7 +4211,7 @@
           <p:cNvPr id="2" name="標題 1">
             <a:extLst>
               <a:ext uri="{FF2B5EF4-FFF2-40B4-BE49-F238E27FC236}">
-                <a16:creationId xmlns="" xmlns:a16="http://schemas.microsoft.com/office/drawing/2014/main" id="{98A04798-5168-4875-A411-80CD40D53BBD}"/>
+                <a16:creationId xmlns:a16="http://schemas.microsoft.com/office/drawing/2014/main" xmlns="" id="{98A04798-5168-4875-A411-80CD40D53BBD}"/>
               </a:ext>
             </a:extLst>
           </p:cNvPr>
@@ -4330,7 +4330,7 @@
           <p:cNvPr id="2" name="標題 1">
             <a:extLst>
               <a:ext uri="{FF2B5EF4-FFF2-40B4-BE49-F238E27FC236}">
-                <a16:creationId xmlns="" xmlns:a16="http://schemas.microsoft.com/office/drawing/2014/main" id="{7533F336-40A6-45C8-9A62-B4E78BC5E568}"/>
+                <a16:creationId xmlns:a16="http://schemas.microsoft.com/office/drawing/2014/main" xmlns="" id="{7533F336-40A6-45C8-9A62-B4E78BC5E568}"/>
               </a:ext>
             </a:extLst>
           </p:cNvPr>
@@ -4366,108 +4366,225 @@
       </p:sp>
       <p:sp>
         <p:nvSpPr>
-          <p:cNvPr id="3" name="內容版面配置區 2">
-            <a:extLst>
-              <a:ext uri="{FF2B5EF4-FFF2-40B4-BE49-F238E27FC236}">
-                <a16:creationId xmlns="" xmlns:a16="http://schemas.microsoft.com/office/drawing/2014/main" id="{6853621D-E6CA-4BAE-BF48-28225B1FDF2B}"/>
-              </a:ext>
-            </a:extLst>
-          </p:cNvPr>
-          <p:cNvSpPr>
-            <a:spLocks noGrp="1"/>
-          </p:cNvSpPr>
-          <p:nvPr>
-            <p:ph idx="1"/>
-          </p:nvPr>
-        </p:nvSpPr>
-        <p:spPr/>
-        <p:txBody>
-          <a:bodyPr vert="horz" lIns="91440" tIns="45720" rIns="91440" bIns="45720" rtlCol="0" anchor="t">
+          <p:cNvPr id="5" name="內容版面配置區 2"/>
+          <p:cNvSpPr txBox="1">
+            <a:spLocks/>
+          </p:cNvSpPr>
+          <p:nvPr/>
+        </p:nvSpPr>
+        <p:spPr>
+          <a:xfrm>
+            <a:off x="457200" y="1412875"/>
+            <a:ext cx="8229600" cy="4713288"/>
+          </a:xfrm>
+          <a:prstGeom prst="rect">
+            <a:avLst/>
+          </a:prstGeom>
+        </p:spPr>
+        <p:txBody>
+          <a:bodyPr vert="horz" lIns="91440" tIns="45720" rIns="91440" bIns="45720" rtlCol="0">
             <a:normAutofit/>
           </a:bodyPr>
-          <a:lstStyle/>
-          <a:p>
-            <a:r>
-              <a:rPr lang="en-US" dirty="0">
-                <a:latin typeface="Times New Roman" panose="02020603050405020304" pitchFamily="18" charset="0"/>
-                <a:cs typeface="Times New Roman" panose="02020603050405020304" pitchFamily="18" charset="0"/>
-              </a:rPr>
-              <a:t>Diffusion</a:t>
-            </a:r>
-            <a:endParaRPr lang="en-US" altLang="zh-TW" dirty="0">
-              <a:latin typeface="Times New Roman" panose="02020603050405020304" pitchFamily="18" charset="0"/>
-              <a:cs typeface="Times New Roman" panose="02020603050405020304" pitchFamily="18" charset="0"/>
-            </a:endParaRPr>
-          </a:p>
-          <a:p>
-            <a:r>
-              <a:rPr lang="en-US" dirty="0">
-                <a:latin typeface="Times New Roman"/>
-                <a:cs typeface="Times New Roman"/>
-              </a:rPr>
-              <a:t>Diffusion </a:t>
-            </a:r>
-            <a:r>
-              <a:rPr lang="en-US" dirty="0" err="1">
-                <a:latin typeface="Times New Roman"/>
-                <a:cs typeface="Times New Roman"/>
-              </a:rPr>
-              <a:t>Traning</a:t>
-            </a:r>
-            <a:endParaRPr lang="en-US" dirty="0">
-              <a:latin typeface="Times New Roman" panose="02020603050405020304" pitchFamily="18" charset="0"/>
-              <a:cs typeface="Times New Roman" panose="02020603050405020304" pitchFamily="18" charset="0"/>
-            </a:endParaRPr>
-          </a:p>
-          <a:p>
-            <a:r>
-              <a:rPr lang="en-US" dirty="0">
-                <a:latin typeface="Times New Roman"/>
-                <a:cs typeface="Times New Roman"/>
-              </a:rPr>
-              <a:t>Lsimple</a:t>
-            </a:r>
-          </a:p>
-          <a:p>
-            <a:r>
-              <a:rPr lang="en-US" dirty="0">
-                <a:latin typeface="Times New Roman"/>
-                <a:cs typeface="Times New Roman"/>
-              </a:rPr>
-              <a:t>Latent space interpolation vs. Pixel space interpolation</a:t>
-            </a:r>
-          </a:p>
-          <a:p>
-            <a:r>
-              <a:rPr lang="en-US" dirty="0" err="1">
+          <a:lstStyle>
+            <a:lvl1pPr marL="228600" indent="-228600" algn="l" defTabSz="914400" rtl="0" eaLnBrk="1" latinLnBrk="0" hangingPunct="1">
+              <a:lnSpc>
+                <a:spcPct val="90000"/>
+              </a:lnSpc>
+              <a:spcBef>
+                <a:spcPts val="1000"/>
+              </a:spcBef>
+              <a:buFont typeface="Arial" panose="020B0604020202020204" pitchFamily="34" charset="0"/>
+              <a:buChar char="•"/>
+              <a:defRPr sz="2800" kern="1200">
                 <a:solidFill>
-                  <a:srgbClr val="000000"/>
+                  <a:schemeClr val="tx1"/>
                 </a:solidFill>
-                <a:latin typeface="Times New Roman"/>
-                <a:cs typeface="Times New Roman"/>
-              </a:rPr>
-              <a:t>Lantent</a:t>
-            </a:r>
-            <a:r>
-              <a:rPr lang="en-US" dirty="0">
+                <a:latin typeface="+mn-lt"/>
+                <a:ea typeface="+mn-ea"/>
+                <a:cs typeface="+mn-cs"/>
+              </a:defRPr>
+            </a:lvl1pPr>
+            <a:lvl2pPr marL="685800" indent="-228600" algn="l" defTabSz="914400" rtl="0" eaLnBrk="1" latinLnBrk="0" hangingPunct="1">
+              <a:lnSpc>
+                <a:spcPct val="90000"/>
+              </a:lnSpc>
+              <a:spcBef>
+                <a:spcPts val="500"/>
+              </a:spcBef>
+              <a:buFont typeface="Arial" panose="020B0604020202020204" pitchFamily="34" charset="0"/>
+              <a:buChar char="•"/>
+              <a:defRPr sz="2400" kern="1200">
                 <a:solidFill>
-                  <a:srgbClr val="000000"/>
+                  <a:schemeClr val="tx1"/>
                 </a:solidFill>
-                <a:latin typeface="Times New Roman"/>
-                <a:cs typeface="Times New Roman"/>
-              </a:rPr>
-              <a:t> Diffusion </a:t>
-            </a:r>
-            <a:endParaRPr lang="en-US" dirty="0">
-              <a:latin typeface="Times New Roman" panose="02020603050405020304" pitchFamily="18" charset="0"/>
-              <a:cs typeface="Times New Roman" panose="02020603050405020304" pitchFamily="18" charset="0"/>
-            </a:endParaRPr>
-          </a:p>
-          <a:p>
-            <a:endParaRPr lang="en-US" altLang="zh-TW" dirty="0"/>
-          </a:p>
-          <a:p>
-            <a:endParaRPr lang="zh-TW" altLang="en-US" dirty="0"/>
+                <a:latin typeface="+mn-lt"/>
+                <a:ea typeface="+mn-ea"/>
+                <a:cs typeface="+mn-cs"/>
+              </a:defRPr>
+            </a:lvl2pPr>
+            <a:lvl3pPr marL="1143000" indent="-228600" algn="l" defTabSz="914400" rtl="0" eaLnBrk="1" latinLnBrk="0" hangingPunct="1">
+              <a:lnSpc>
+                <a:spcPct val="90000"/>
+              </a:lnSpc>
+              <a:spcBef>
+                <a:spcPts val="500"/>
+              </a:spcBef>
+              <a:buFont typeface="Arial" panose="020B0604020202020204" pitchFamily="34" charset="0"/>
+              <a:buChar char="•"/>
+              <a:defRPr sz="2000" kern="1200">
+                <a:solidFill>
+                  <a:schemeClr val="tx1"/>
+                </a:solidFill>
+                <a:latin typeface="+mn-lt"/>
+                <a:ea typeface="+mn-ea"/>
+                <a:cs typeface="+mn-cs"/>
+              </a:defRPr>
+            </a:lvl3pPr>
+            <a:lvl4pPr marL="1600200" indent="-228600" algn="l" defTabSz="914400" rtl="0" eaLnBrk="1" latinLnBrk="0" hangingPunct="1">
+              <a:lnSpc>
+                <a:spcPct val="90000"/>
+              </a:lnSpc>
+              <a:spcBef>
+                <a:spcPts val="500"/>
+              </a:spcBef>
+              <a:buFont typeface="Arial" panose="020B0604020202020204" pitchFamily="34" charset="0"/>
+              <a:buChar char="•"/>
+              <a:defRPr sz="1800" kern="1200">
+                <a:solidFill>
+                  <a:schemeClr val="tx1"/>
+                </a:solidFill>
+                <a:latin typeface="+mn-lt"/>
+                <a:ea typeface="+mn-ea"/>
+                <a:cs typeface="+mn-cs"/>
+              </a:defRPr>
+            </a:lvl4pPr>
+            <a:lvl5pPr marL="2057400" indent="-228600" algn="l" defTabSz="914400" rtl="0" eaLnBrk="1" latinLnBrk="0" hangingPunct="1">
+              <a:lnSpc>
+                <a:spcPct val="90000"/>
+              </a:lnSpc>
+              <a:spcBef>
+                <a:spcPts val="500"/>
+              </a:spcBef>
+              <a:buFont typeface="Arial" panose="020B0604020202020204" pitchFamily="34" charset="0"/>
+              <a:buChar char="•"/>
+              <a:defRPr sz="1800" kern="1200">
+                <a:solidFill>
+                  <a:schemeClr val="tx1"/>
+                </a:solidFill>
+                <a:latin typeface="+mn-lt"/>
+                <a:ea typeface="+mn-ea"/>
+                <a:cs typeface="+mn-cs"/>
+              </a:defRPr>
+            </a:lvl5pPr>
+            <a:lvl6pPr marL="2514600" indent="-228600" algn="l" defTabSz="914400" rtl="0" eaLnBrk="1" latinLnBrk="0" hangingPunct="1">
+              <a:lnSpc>
+                <a:spcPct val="90000"/>
+              </a:lnSpc>
+              <a:spcBef>
+                <a:spcPts val="500"/>
+              </a:spcBef>
+              <a:buFont typeface="Arial" panose="020B0604020202020204" pitchFamily="34" charset="0"/>
+              <a:buChar char="•"/>
+              <a:defRPr sz="1800" kern="1200">
+                <a:solidFill>
+                  <a:schemeClr val="tx1"/>
+                </a:solidFill>
+                <a:latin typeface="+mn-lt"/>
+                <a:ea typeface="+mn-ea"/>
+                <a:cs typeface="+mn-cs"/>
+              </a:defRPr>
+            </a:lvl6pPr>
+            <a:lvl7pPr marL="2971800" indent="-228600" algn="l" defTabSz="914400" rtl="0" eaLnBrk="1" latinLnBrk="0" hangingPunct="1">
+              <a:lnSpc>
+                <a:spcPct val="90000"/>
+              </a:lnSpc>
+              <a:spcBef>
+                <a:spcPts val="500"/>
+              </a:spcBef>
+              <a:buFont typeface="Arial" panose="020B0604020202020204" pitchFamily="34" charset="0"/>
+              <a:buChar char="•"/>
+              <a:defRPr sz="1800" kern="1200">
+                <a:solidFill>
+                  <a:schemeClr val="tx1"/>
+                </a:solidFill>
+                <a:latin typeface="+mn-lt"/>
+                <a:ea typeface="+mn-ea"/>
+                <a:cs typeface="+mn-cs"/>
+              </a:defRPr>
+            </a:lvl7pPr>
+            <a:lvl8pPr marL="3429000" indent="-228600" algn="l" defTabSz="914400" rtl="0" eaLnBrk="1" latinLnBrk="0" hangingPunct="1">
+              <a:lnSpc>
+                <a:spcPct val="90000"/>
+              </a:lnSpc>
+              <a:spcBef>
+                <a:spcPts val="500"/>
+              </a:spcBef>
+              <a:buFont typeface="Arial" panose="020B0604020202020204" pitchFamily="34" charset="0"/>
+              <a:buChar char="•"/>
+              <a:defRPr sz="1800" kern="1200">
+                <a:solidFill>
+                  <a:schemeClr val="tx1"/>
+                </a:solidFill>
+                <a:latin typeface="+mn-lt"/>
+                <a:ea typeface="+mn-ea"/>
+                <a:cs typeface="+mn-cs"/>
+              </a:defRPr>
+            </a:lvl8pPr>
+            <a:lvl9pPr marL="3886200" indent="-228600" algn="l" defTabSz="914400" rtl="0" eaLnBrk="1" latinLnBrk="0" hangingPunct="1">
+              <a:lnSpc>
+                <a:spcPct val="90000"/>
+              </a:lnSpc>
+              <a:spcBef>
+                <a:spcPts val="500"/>
+              </a:spcBef>
+              <a:buFont typeface="Arial" panose="020B0604020202020204" pitchFamily="34" charset="0"/>
+              <a:buChar char="•"/>
+              <a:defRPr sz="1800" kern="1200">
+                <a:solidFill>
+                  <a:schemeClr val="tx1"/>
+                </a:solidFill>
+                <a:latin typeface="+mn-lt"/>
+                <a:ea typeface="+mn-ea"/>
+                <a:cs typeface="+mn-cs"/>
+              </a:defRPr>
+            </a:lvl9pPr>
+          </a:lstStyle>
+          <a:p>
+            <a:r>
+              <a:rPr lang="en-US" altLang="zh-TW" sz="3600" dirty="0" smtClean="0"/>
+              <a:t>Introduction</a:t>
+            </a:r>
+          </a:p>
+          <a:p>
+            <a:r>
+              <a:rPr lang="en-US" altLang="zh-TW" sz="3600" dirty="0" smtClean="0"/>
+              <a:t>Literature Review</a:t>
+            </a:r>
+          </a:p>
+          <a:p>
+            <a:r>
+              <a:rPr lang="en-US" altLang="zh-TW" sz="3600" dirty="0" smtClean="0"/>
+              <a:t>Methodology</a:t>
+            </a:r>
+          </a:p>
+          <a:p>
+            <a:r>
+              <a:rPr lang="en-US" altLang="zh-TW" sz="3600" dirty="0" smtClean="0"/>
+              <a:t>Results</a:t>
+            </a:r>
+          </a:p>
+          <a:p>
+            <a:r>
+              <a:rPr lang="en-US" altLang="zh-TW" sz="3600" dirty="0" smtClean="0"/>
+              <a:t>Discussion</a:t>
+            </a:r>
+          </a:p>
+          <a:p>
+            <a:r>
+              <a:rPr lang="en-US" altLang="zh-TW" sz="3600" dirty="0" smtClean="0"/>
+              <a:t>Conclusion</a:t>
+            </a:r>
+            <a:endParaRPr lang="zh-TW" altLang="en-US" sz="3600" dirty="0"/>
           </a:p>
         </p:txBody>
       </p:sp>
@@ -4506,7 +4623,7 @@
           <p:cNvPr id="2" name="標題 1">
             <a:extLst>
               <a:ext uri="{FF2B5EF4-FFF2-40B4-BE49-F238E27FC236}">
-                <a16:creationId xmlns="" xmlns:a16="http://schemas.microsoft.com/office/drawing/2014/main" id="{56D87B6E-5A2B-4CEE-BA45-C71DC24F919B}"/>
+                <a16:creationId xmlns:a16="http://schemas.microsoft.com/office/drawing/2014/main" xmlns="" id="{56D87B6E-5A2B-4CEE-BA45-C71DC24F919B}"/>
               </a:ext>
             </a:extLst>
           </p:cNvPr>
@@ -4547,7 +4664,7 @@
           <p:cNvPr id="3" name="圖片 2" descr="一張含有 螢幕擷取畫面, 設計 的圖片&#10;&#10;AI 產生的內容可能不正確。">
             <a:extLst>
               <a:ext uri="{FF2B5EF4-FFF2-40B4-BE49-F238E27FC236}">
-                <a16:creationId xmlns="" xmlns:a16="http://schemas.microsoft.com/office/drawing/2014/main" id="{774C77B9-850A-B8E8-EB9F-77EEDDD405FF}"/>
+                <a16:creationId xmlns:a16="http://schemas.microsoft.com/office/drawing/2014/main" xmlns="" id="{774C77B9-850A-B8E8-EB9F-77EEDDD405FF}"/>
               </a:ext>
             </a:extLst>
           </p:cNvPr>
@@ -4577,7 +4694,7 @@
           <p:cNvPr id="4" name="文字方塊 3">
             <a:extLst>
               <a:ext uri="{FF2B5EF4-FFF2-40B4-BE49-F238E27FC236}">
-                <a16:creationId xmlns="" xmlns:a16="http://schemas.microsoft.com/office/drawing/2014/main" id="{F11364C5-60EA-75C3-EEC4-6ECE3E603B5F}"/>
+                <a16:creationId xmlns:a16="http://schemas.microsoft.com/office/drawing/2014/main" xmlns="" id="{F11364C5-60EA-75C3-EEC4-6ECE3E603B5F}"/>
               </a:ext>
             </a:extLst>
           </p:cNvPr>
@@ -4658,7 +4775,7 @@
           <p:cNvPr id="2" name="標題 1">
             <a:extLst>
               <a:ext uri="{FF2B5EF4-FFF2-40B4-BE49-F238E27FC236}">
-                <a16:creationId xmlns="" xmlns:a16="http://schemas.microsoft.com/office/drawing/2014/main" id="{E602B493-AA30-4C9B-A604-000032CBC299}"/>
+                <a16:creationId xmlns:a16="http://schemas.microsoft.com/office/drawing/2014/main" xmlns="" id="{E602B493-AA30-4C9B-A604-000032CBC299}"/>
               </a:ext>
             </a:extLst>
           </p:cNvPr>
@@ -4718,7 +4835,7 @@
           <p:cNvPr id="4" name="圖片 3">
             <a:extLst>
               <a:ext uri="{FF2B5EF4-FFF2-40B4-BE49-F238E27FC236}">
-                <a16:creationId xmlns="" xmlns:a16="http://schemas.microsoft.com/office/drawing/2014/main" id="{7E81BC18-5492-211B-D8A3-98383F09116C}"/>
+                <a16:creationId xmlns:a16="http://schemas.microsoft.com/office/drawing/2014/main" xmlns="" id="{7E81BC18-5492-211B-D8A3-98383F09116C}"/>
               </a:ext>
             </a:extLst>
           </p:cNvPr>
@@ -4827,7 +4944,7 @@
           <p:cNvPr id="2" name="標題 1">
             <a:extLst>
               <a:ext uri="{FF2B5EF4-FFF2-40B4-BE49-F238E27FC236}">
-                <a16:creationId xmlns="" xmlns:a16="http://schemas.microsoft.com/office/drawing/2014/main" id="{C2878F9E-D0DF-D84C-8241-A986178C8EAD}"/>
+                <a16:creationId xmlns:a16="http://schemas.microsoft.com/office/drawing/2014/main" xmlns="" id="{C2878F9E-D0DF-D84C-8241-A986178C8EAD}"/>
               </a:ext>
             </a:extLst>
           </p:cNvPr>
@@ -4899,7 +5016,7 @@
           <p:cNvPr id="4" name="內容版面配置區 3" descr="一張含有 螢幕擷取畫面, 行, 太陽能電池, 視窗 的圖片&#10;&#10;AI 產生的內容可能不正確。">
             <a:extLst>
               <a:ext uri="{FF2B5EF4-FFF2-40B4-BE49-F238E27FC236}">
-                <a16:creationId xmlns="" xmlns:a16="http://schemas.microsoft.com/office/drawing/2014/main" id="{CBD70F30-46B2-8AB0-6602-A5DF524D4762}"/>
+                <a16:creationId xmlns:a16="http://schemas.microsoft.com/office/drawing/2014/main" xmlns="" id="{CBD70F30-46B2-8AB0-6602-A5DF524D4762}"/>
               </a:ext>
             </a:extLst>
           </p:cNvPr>
@@ -4961,7 +5078,7 @@
           <p:cNvPr id="2" name="標題 1">
             <a:extLst>
               <a:ext uri="{FF2B5EF4-FFF2-40B4-BE49-F238E27FC236}">
-                <a16:creationId xmlns="" xmlns:a16="http://schemas.microsoft.com/office/drawing/2014/main" id="{6E03A4FF-CABF-CA2A-CACE-DE9477118A72}"/>
+                <a16:creationId xmlns:a16="http://schemas.microsoft.com/office/drawing/2014/main" xmlns="" id="{6E03A4FF-CABF-CA2A-CACE-DE9477118A72}"/>
               </a:ext>
             </a:extLst>
           </p:cNvPr>
@@ -5003,7 +5120,7 @@
           <p:cNvPr id="4" name="內容版面配置區 3" descr="一張含有 人的臉孔, 文字, 人員, 螢幕擷取畫面 的圖片&#10;&#10;AI 產生的內容可能不正確。">
             <a:extLst>
               <a:ext uri="{FF2B5EF4-FFF2-40B4-BE49-F238E27FC236}">
-                <a16:creationId xmlns="" xmlns:a16="http://schemas.microsoft.com/office/drawing/2014/main" id="{13B4FB22-FE03-73A5-4DD2-7B24081053FD}"/>
+                <a16:creationId xmlns:a16="http://schemas.microsoft.com/office/drawing/2014/main" xmlns="" id="{13B4FB22-FE03-73A5-4DD2-7B24081053FD}"/>
               </a:ext>
             </a:extLst>
           </p:cNvPr>
@@ -5035,7 +5152,7 @@
           <p:cNvPr id="5" name="圖片 4" descr="一張含有 螢幕擷取畫面, 藝術 的圖片&#10;&#10;AI 產生的內容可能不正確。">
             <a:extLst>
               <a:ext uri="{FF2B5EF4-FFF2-40B4-BE49-F238E27FC236}">
-                <a16:creationId xmlns="" xmlns:a16="http://schemas.microsoft.com/office/drawing/2014/main" id="{D5E7349C-9E9C-16A3-D667-54BD37759873}"/>
+                <a16:creationId xmlns:a16="http://schemas.microsoft.com/office/drawing/2014/main" xmlns="" id="{D5E7349C-9E9C-16A3-D667-54BD37759873}"/>
               </a:ext>
             </a:extLst>
           </p:cNvPr>
@@ -5095,7 +5212,7 @@
           <p:cNvPr id="2" name="標題 1">
             <a:extLst>
               <a:ext uri="{FF2B5EF4-FFF2-40B4-BE49-F238E27FC236}">
-                <a16:creationId xmlns="" xmlns:a16="http://schemas.microsoft.com/office/drawing/2014/main" id="{98A04798-5168-4875-A411-80CD40D53BBD}"/>
+                <a16:creationId xmlns:a16="http://schemas.microsoft.com/office/drawing/2014/main" xmlns="" id="{98A04798-5168-4875-A411-80CD40D53BBD}"/>
               </a:ext>
             </a:extLst>
           </p:cNvPr>
@@ -5138,7 +5255,7 @@
           <p:cNvPr id="3" name="圖片 2" descr="一張含有 文字, 螢幕擷取畫面, 圖表, 字型 的圖片&#10;&#10;AI 產生的內容可能不正確。">
             <a:extLst>
               <a:ext uri="{FF2B5EF4-FFF2-40B4-BE49-F238E27FC236}">
-                <a16:creationId xmlns="" xmlns:a16="http://schemas.microsoft.com/office/drawing/2014/main" id="{C363C685-F821-E348-9BB5-5D32AD8AB2D4}"/>
+                <a16:creationId xmlns:a16="http://schemas.microsoft.com/office/drawing/2014/main" xmlns="" id="{C363C685-F821-E348-9BB5-5D32AD8AB2D4}"/>
               </a:ext>
             </a:extLst>
           </p:cNvPr>
@@ -5198,7 +5315,7 @@
           <p:cNvPr id="2" name="標題 1">
             <a:extLst>
               <a:ext uri="{FF2B5EF4-FFF2-40B4-BE49-F238E27FC236}">
-                <a16:creationId xmlns="" xmlns:a16="http://schemas.microsoft.com/office/drawing/2014/main" id="{98A04798-5168-4875-A411-80CD40D53BBD}"/>
+                <a16:creationId xmlns:a16="http://schemas.microsoft.com/office/drawing/2014/main" xmlns="" id="{98A04798-5168-4875-A411-80CD40D53BBD}"/>
               </a:ext>
             </a:extLst>
           </p:cNvPr>
@@ -5393,7 +5510,7 @@
           <p:cNvPr id="2" name="標題 1">
             <a:extLst>
               <a:ext uri="{FF2B5EF4-FFF2-40B4-BE49-F238E27FC236}">
-                <a16:creationId xmlns="" xmlns:a16="http://schemas.microsoft.com/office/drawing/2014/main" id="{98A04798-5168-4875-A411-80CD40D53BBD}"/>
+                <a16:creationId xmlns:a16="http://schemas.microsoft.com/office/drawing/2014/main" xmlns="" id="{98A04798-5168-4875-A411-80CD40D53BBD}"/>
               </a:ext>
             </a:extLst>
           </p:cNvPr>

--- a/diffusion書報/DDPM.pptx
+++ b/diffusion書報/DDPM.pptx
@@ -5,7 +5,7 @@
     <p:sldMasterId id="2147483648" r:id="rId1"/>
   </p:sldMasterIdLst>
   <p:notesMasterIdLst>
-    <p:notesMasterId r:id="rId12"/>
+    <p:notesMasterId r:id="rId11"/>
   </p:notesMasterIdLst>
   <p:sldIdLst>
     <p:sldId id="256" r:id="rId2"/>
@@ -15,9 +15,8 @@
     <p:sldId id="263" r:id="rId6"/>
     <p:sldId id="262" r:id="rId7"/>
     <p:sldId id="261" r:id="rId8"/>
-    <p:sldId id="264" r:id="rId9"/>
-    <p:sldId id="265" r:id="rId10"/>
-    <p:sldId id="266" r:id="rId11"/>
+    <p:sldId id="265" r:id="rId9"/>
+    <p:sldId id="266" r:id="rId10"/>
   </p:sldIdLst>
   <p:sldSz cx="12192000" cy="6858000"/>
   <p:notesSz cx="6858000" cy="9144000"/>
@@ -633,32 +632,51 @@
           <a:lstStyle/>
           <a:p>
             <a:r>
-              <a:rPr lang="zh-TW" altLang="en-US" sz="1200" b="0" i="0" kern="1200" dirty="0" smtClean="0">
+              <a:rPr lang="en-US" altLang="zh-TW" dirty="0" smtClean="0"/>
+              <a:t>Latent Space</a:t>
+            </a:r>
+            <a:r>
+              <a:rPr lang="zh-TW" altLang="en-US" dirty="0" smtClean="0"/>
+              <a:t>  通常在生成過程中是更高效、更平滑且更穩定的選擇，特別是在像</a:t>
+            </a:r>
+            <a:r>
+              <a:rPr lang="zh-TW" altLang="en-US" b="1" dirty="0" smtClean="0"/>
+              <a:t>擴散模型</a:t>
+            </a:r>
+            <a:r>
+              <a:rPr lang="zh-TW" altLang="en-US" dirty="0" smtClean="0"/>
+              <a:t>這樣的情境下，能夠更好地捕捉數據的結構性特徵。</a:t>
+            </a:r>
+          </a:p>
+          <a:p>
+            <a:r>
+              <a:rPr lang="en-US" altLang="zh-TW" b="1" dirty="0" smtClean="0">
                 <a:solidFill>
-                  <a:schemeClr val="tx1"/>
+                  <a:srgbClr val="0F0F0F"/>
                 </a:solidFill>
-                <a:effectLst/>
-                <a:latin typeface="+mn-lt"/>
-                <a:ea typeface="+mn-ea"/>
-                <a:cs typeface="+mn-cs"/>
+                <a:latin typeface="Roboto"/>
+                <a:ea typeface="Roboto"/>
+                <a:cs typeface="Roboto"/>
               </a:rPr>
-              <a:t>潛在空間的維度通常比原始資料空間低。這種維度縮減有助於簡化建模過程，使其更易於處理，特別是對於複雜和高維度的資料</a:t>
-            </a:r>
-            <a:endParaRPr lang="en-US" altLang="zh-TW" sz="1200" b="0" i="0" kern="1200" dirty="0" smtClean="0">
-              <a:solidFill>
-                <a:schemeClr val="tx1"/>
-              </a:solidFill>
-              <a:effectLst/>
-              <a:latin typeface="+mn-lt"/>
-              <a:ea typeface="+mn-ea"/>
-              <a:cs typeface="+mn-cs"/>
-            </a:endParaRPr>
-          </a:p>
-          <a:p>
-            <a:r>
-              <a:rPr lang="en-US" altLang="zh-TW" dirty="0" smtClean="0"/>
-              <a:t>interpolate pairs of images with diverse styles, layouts, and subjects. </a:t>
-            </a:r>
+              <a:t>Pixel space</a:t>
+            </a:r>
+            <a:r>
+              <a:rPr lang="zh-TW" altLang="en-US" b="1" dirty="0" smtClean="0">
+                <a:solidFill>
+                  <a:srgbClr val="0F0F0F"/>
+                </a:solidFill>
+                <a:latin typeface="Roboto"/>
+                <a:ea typeface="Roboto"/>
+                <a:cs typeface="Roboto"/>
+              </a:rPr>
+              <a:t> </a:t>
+            </a:r>
+            <a:r>
+              <a:rPr lang="zh-TW" altLang="en-US" dirty="0" smtClean="0"/>
+              <a:t>雖然能夠保留更多的細節，在高維度數據的問題，計算成本高且容易出現不穩定和不自然的過渡</a:t>
+            </a:r>
+          </a:p>
+          <a:p>
             <a:endParaRPr lang="zh-TW" altLang="en-US" dirty="0"/>
           </a:p>
         </p:txBody>
@@ -680,7 +698,7 @@
           <a:p>
             <a:fld id="{B8D0CE21-A827-46F8-BEFD-C23296934A6E}" type="slidenum">
               <a:rPr lang="zh-TW" altLang="en-US" smtClean="0"/>
-              <a:t>8</a:t>
+              <a:t>6</a:t>
             </a:fld>
             <a:endParaRPr lang="zh-TW" altLang="en-US"/>
           </a:p>
@@ -689,7 +707,7 @@
     </p:spTree>
     <p:extLst>
       <p:ext uri="{BB962C8B-B14F-4D97-AF65-F5344CB8AC3E}">
-        <p14:creationId xmlns:p14="http://schemas.microsoft.com/office/powerpoint/2010/main" val="1177892964"/>
+        <p14:creationId xmlns:p14="http://schemas.microsoft.com/office/powerpoint/2010/main" val="1001063323"/>
       </p:ext>
     </p:extLst>
   </p:cSld>
@@ -772,7 +790,7 @@
           <a:p>
             <a:fld id="{B8D0CE21-A827-46F8-BEFD-C23296934A6E}" type="slidenum">
               <a:rPr lang="zh-TW" altLang="en-US" smtClean="0"/>
-              <a:t>9</a:t>
+              <a:t>8</a:t>
             </a:fld>
             <a:endParaRPr lang="zh-TW" altLang="en-US"/>
           </a:p>
@@ -856,7 +874,7 @@
           <a:p>
             <a:fld id="{B8D0CE21-A827-46F8-BEFD-C23296934A6E}" type="slidenum">
               <a:rPr lang="zh-TW" altLang="en-US" smtClean="0"/>
-              <a:t>10</a:t>
+              <a:t>9</a:t>
             </a:fld>
             <a:endParaRPr lang="zh-TW" altLang="en-US"/>
           </a:p>
@@ -897,7 +915,7 @@
           <p:cNvPr id="2" name="標題 1">
             <a:extLst>
               <a:ext uri="{FF2B5EF4-FFF2-40B4-BE49-F238E27FC236}">
-                <a16:creationId xmlns:a16="http://schemas.microsoft.com/office/drawing/2014/main" xmlns="" id="{E35DDB53-C1D0-4F65-A4BE-FDCE1B8E9860}"/>
+                <a16:creationId xmlns="" xmlns:a16="http://schemas.microsoft.com/office/drawing/2014/main" id="{E35DDB53-C1D0-4F65-A4BE-FDCE1B8E9860}"/>
               </a:ext>
             </a:extLst>
           </p:cNvPr>
@@ -934,7 +952,7 @@
           <p:cNvPr id="3" name="副標題 2">
             <a:extLst>
               <a:ext uri="{FF2B5EF4-FFF2-40B4-BE49-F238E27FC236}">
-                <a16:creationId xmlns:a16="http://schemas.microsoft.com/office/drawing/2014/main" xmlns="" id="{8354E729-BC2A-4F7F-8F4B-8373B46B63FE}"/>
+                <a16:creationId xmlns="" xmlns:a16="http://schemas.microsoft.com/office/drawing/2014/main" id="{8354E729-BC2A-4F7F-8F4B-8373B46B63FE}"/>
               </a:ext>
             </a:extLst>
           </p:cNvPr>
@@ -1004,7 +1022,7 @@
           <p:cNvPr id="4" name="日期版面配置區 3">
             <a:extLst>
               <a:ext uri="{FF2B5EF4-FFF2-40B4-BE49-F238E27FC236}">
-                <a16:creationId xmlns:a16="http://schemas.microsoft.com/office/drawing/2014/main" xmlns="" id="{53A123AF-A667-4572-AB54-DBC4AD746939}"/>
+                <a16:creationId xmlns="" xmlns:a16="http://schemas.microsoft.com/office/drawing/2014/main" id="{53A123AF-A667-4572-AB54-DBC4AD746939}"/>
               </a:ext>
             </a:extLst>
           </p:cNvPr>
@@ -1033,7 +1051,7 @@
           <p:cNvPr id="5" name="頁尾版面配置區 4">
             <a:extLst>
               <a:ext uri="{FF2B5EF4-FFF2-40B4-BE49-F238E27FC236}">
-                <a16:creationId xmlns:a16="http://schemas.microsoft.com/office/drawing/2014/main" xmlns="" id="{C1680952-D95E-4C38-A26F-B893A6A5912A}"/>
+                <a16:creationId xmlns="" xmlns:a16="http://schemas.microsoft.com/office/drawing/2014/main" id="{C1680952-D95E-4C38-A26F-B893A6A5912A}"/>
               </a:ext>
             </a:extLst>
           </p:cNvPr>
@@ -1058,7 +1076,7 @@
           <p:cNvPr id="6" name="投影片編號版面配置區 5">
             <a:extLst>
               <a:ext uri="{FF2B5EF4-FFF2-40B4-BE49-F238E27FC236}">
-                <a16:creationId xmlns:a16="http://schemas.microsoft.com/office/drawing/2014/main" xmlns="" id="{7B4DFC22-CF8A-42FA-B051-57874EC650B4}"/>
+                <a16:creationId xmlns="" xmlns:a16="http://schemas.microsoft.com/office/drawing/2014/main" id="{7B4DFC22-CF8A-42FA-B051-57874EC650B4}"/>
               </a:ext>
             </a:extLst>
           </p:cNvPr>
@@ -1117,7 +1135,7 @@
           <p:cNvPr id="2" name="標題 1">
             <a:extLst>
               <a:ext uri="{FF2B5EF4-FFF2-40B4-BE49-F238E27FC236}">
-                <a16:creationId xmlns:a16="http://schemas.microsoft.com/office/drawing/2014/main" xmlns="" id="{BF8231CC-55F0-4C45-98FF-6E283F9BE9B7}"/>
+                <a16:creationId xmlns="" xmlns:a16="http://schemas.microsoft.com/office/drawing/2014/main" id="{BF8231CC-55F0-4C45-98FF-6E283F9BE9B7}"/>
               </a:ext>
             </a:extLst>
           </p:cNvPr>
@@ -1145,7 +1163,7 @@
           <p:cNvPr id="3" name="直排文字版面配置區 2">
             <a:extLst>
               <a:ext uri="{FF2B5EF4-FFF2-40B4-BE49-F238E27FC236}">
-                <a16:creationId xmlns:a16="http://schemas.microsoft.com/office/drawing/2014/main" xmlns="" id="{8FF68CBD-6D1A-4843-BDC7-19874D55AB91}"/>
+                <a16:creationId xmlns="" xmlns:a16="http://schemas.microsoft.com/office/drawing/2014/main" id="{8FF68CBD-6D1A-4843-BDC7-19874D55AB91}"/>
               </a:ext>
             </a:extLst>
           </p:cNvPr>
@@ -1202,7 +1220,7 @@
           <p:cNvPr id="4" name="日期版面配置區 3">
             <a:extLst>
               <a:ext uri="{FF2B5EF4-FFF2-40B4-BE49-F238E27FC236}">
-                <a16:creationId xmlns:a16="http://schemas.microsoft.com/office/drawing/2014/main" xmlns="" id="{DB8D22BC-3DCA-48D2-AB31-E480388E4151}"/>
+                <a16:creationId xmlns="" xmlns:a16="http://schemas.microsoft.com/office/drawing/2014/main" id="{DB8D22BC-3DCA-48D2-AB31-E480388E4151}"/>
               </a:ext>
             </a:extLst>
           </p:cNvPr>
@@ -1231,7 +1249,7 @@
           <p:cNvPr id="5" name="頁尾版面配置區 4">
             <a:extLst>
               <a:ext uri="{FF2B5EF4-FFF2-40B4-BE49-F238E27FC236}">
-                <a16:creationId xmlns:a16="http://schemas.microsoft.com/office/drawing/2014/main" xmlns="" id="{467873BE-0D19-44DB-BDF7-F65B9609DB66}"/>
+                <a16:creationId xmlns="" xmlns:a16="http://schemas.microsoft.com/office/drawing/2014/main" id="{467873BE-0D19-44DB-BDF7-F65B9609DB66}"/>
               </a:ext>
             </a:extLst>
           </p:cNvPr>
@@ -1256,7 +1274,7 @@
           <p:cNvPr id="6" name="投影片編號版面配置區 5">
             <a:extLst>
               <a:ext uri="{FF2B5EF4-FFF2-40B4-BE49-F238E27FC236}">
-                <a16:creationId xmlns:a16="http://schemas.microsoft.com/office/drawing/2014/main" xmlns="" id="{3DB2F59D-061E-4373-B631-C6CB62DFE299}"/>
+                <a16:creationId xmlns="" xmlns:a16="http://schemas.microsoft.com/office/drawing/2014/main" id="{3DB2F59D-061E-4373-B631-C6CB62DFE299}"/>
               </a:ext>
             </a:extLst>
           </p:cNvPr>
@@ -1315,7 +1333,7 @@
           <p:cNvPr id="2" name="直排標題 1">
             <a:extLst>
               <a:ext uri="{FF2B5EF4-FFF2-40B4-BE49-F238E27FC236}">
-                <a16:creationId xmlns:a16="http://schemas.microsoft.com/office/drawing/2014/main" xmlns="" id="{06EDF22F-572D-4E49-B9FE-461C70AE81B4}"/>
+                <a16:creationId xmlns="" xmlns:a16="http://schemas.microsoft.com/office/drawing/2014/main" id="{06EDF22F-572D-4E49-B9FE-461C70AE81B4}"/>
               </a:ext>
             </a:extLst>
           </p:cNvPr>
@@ -1348,7 +1366,7 @@
           <p:cNvPr id="3" name="直排文字版面配置區 2">
             <a:extLst>
               <a:ext uri="{FF2B5EF4-FFF2-40B4-BE49-F238E27FC236}">
-                <a16:creationId xmlns:a16="http://schemas.microsoft.com/office/drawing/2014/main" xmlns="" id="{59CC5A8A-0DE7-403D-92AC-B9CB79636A91}"/>
+                <a16:creationId xmlns="" xmlns:a16="http://schemas.microsoft.com/office/drawing/2014/main" id="{59CC5A8A-0DE7-403D-92AC-B9CB79636A91}"/>
               </a:ext>
             </a:extLst>
           </p:cNvPr>
@@ -1410,7 +1428,7 @@
           <p:cNvPr id="4" name="日期版面配置區 3">
             <a:extLst>
               <a:ext uri="{FF2B5EF4-FFF2-40B4-BE49-F238E27FC236}">
-                <a16:creationId xmlns:a16="http://schemas.microsoft.com/office/drawing/2014/main" xmlns="" id="{34E26329-B68D-435D-9D35-A130E9D0035E}"/>
+                <a16:creationId xmlns="" xmlns:a16="http://schemas.microsoft.com/office/drawing/2014/main" id="{34E26329-B68D-435D-9D35-A130E9D0035E}"/>
               </a:ext>
             </a:extLst>
           </p:cNvPr>
@@ -1439,7 +1457,7 @@
           <p:cNvPr id="5" name="頁尾版面配置區 4">
             <a:extLst>
               <a:ext uri="{FF2B5EF4-FFF2-40B4-BE49-F238E27FC236}">
-                <a16:creationId xmlns:a16="http://schemas.microsoft.com/office/drawing/2014/main" xmlns="" id="{F9AF36C7-E76E-42D1-9E71-EFBDDBB0D96B}"/>
+                <a16:creationId xmlns="" xmlns:a16="http://schemas.microsoft.com/office/drawing/2014/main" id="{F9AF36C7-E76E-42D1-9E71-EFBDDBB0D96B}"/>
               </a:ext>
             </a:extLst>
           </p:cNvPr>
@@ -1464,7 +1482,7 @@
           <p:cNvPr id="6" name="投影片編號版面配置區 5">
             <a:extLst>
               <a:ext uri="{FF2B5EF4-FFF2-40B4-BE49-F238E27FC236}">
-                <a16:creationId xmlns:a16="http://schemas.microsoft.com/office/drawing/2014/main" xmlns="" id="{FF7619F3-574F-4F73-B342-3EBD0FCAFF59}"/>
+                <a16:creationId xmlns="" xmlns:a16="http://schemas.microsoft.com/office/drawing/2014/main" id="{FF7619F3-574F-4F73-B342-3EBD0FCAFF59}"/>
               </a:ext>
             </a:extLst>
           </p:cNvPr>
@@ -1523,7 +1541,7 @@
           <p:cNvPr id="2" name="標題 1">
             <a:extLst>
               <a:ext uri="{FF2B5EF4-FFF2-40B4-BE49-F238E27FC236}">
-                <a16:creationId xmlns:a16="http://schemas.microsoft.com/office/drawing/2014/main" xmlns="" id="{9417FDB8-6564-4A89-892F-121ECB6A15E3}"/>
+                <a16:creationId xmlns="" xmlns:a16="http://schemas.microsoft.com/office/drawing/2014/main" id="{9417FDB8-6564-4A89-892F-121ECB6A15E3}"/>
               </a:ext>
             </a:extLst>
           </p:cNvPr>
@@ -1551,7 +1569,7 @@
           <p:cNvPr id="3" name="內容版面配置區 2">
             <a:extLst>
               <a:ext uri="{FF2B5EF4-FFF2-40B4-BE49-F238E27FC236}">
-                <a16:creationId xmlns:a16="http://schemas.microsoft.com/office/drawing/2014/main" xmlns="" id="{51212427-EE34-43C7-A8FD-694D51AB046E}"/>
+                <a16:creationId xmlns="" xmlns:a16="http://schemas.microsoft.com/office/drawing/2014/main" id="{51212427-EE34-43C7-A8FD-694D51AB046E}"/>
               </a:ext>
             </a:extLst>
           </p:cNvPr>
@@ -1608,7 +1626,7 @@
           <p:cNvPr id="4" name="日期版面配置區 3">
             <a:extLst>
               <a:ext uri="{FF2B5EF4-FFF2-40B4-BE49-F238E27FC236}">
-                <a16:creationId xmlns:a16="http://schemas.microsoft.com/office/drawing/2014/main" xmlns="" id="{57CBDCD7-360C-4618-99D5-86A5A5EF480F}"/>
+                <a16:creationId xmlns="" xmlns:a16="http://schemas.microsoft.com/office/drawing/2014/main" id="{57CBDCD7-360C-4618-99D5-86A5A5EF480F}"/>
               </a:ext>
             </a:extLst>
           </p:cNvPr>
@@ -1637,7 +1655,7 @@
           <p:cNvPr id="5" name="頁尾版面配置區 4">
             <a:extLst>
               <a:ext uri="{FF2B5EF4-FFF2-40B4-BE49-F238E27FC236}">
-                <a16:creationId xmlns:a16="http://schemas.microsoft.com/office/drawing/2014/main" xmlns="" id="{CF3DC7E3-2CDA-47FC-82EC-B6724DEDE6AE}"/>
+                <a16:creationId xmlns="" xmlns:a16="http://schemas.microsoft.com/office/drawing/2014/main" id="{CF3DC7E3-2CDA-47FC-82EC-B6724DEDE6AE}"/>
               </a:ext>
             </a:extLst>
           </p:cNvPr>
@@ -1662,7 +1680,7 @@
           <p:cNvPr id="6" name="投影片編號版面配置區 5">
             <a:extLst>
               <a:ext uri="{FF2B5EF4-FFF2-40B4-BE49-F238E27FC236}">
-                <a16:creationId xmlns:a16="http://schemas.microsoft.com/office/drawing/2014/main" xmlns="" id="{6FCD9DA0-45A4-4361-AD1D-DB2F24801798}"/>
+                <a16:creationId xmlns="" xmlns:a16="http://schemas.microsoft.com/office/drawing/2014/main" id="{6FCD9DA0-45A4-4361-AD1D-DB2F24801798}"/>
               </a:ext>
             </a:extLst>
           </p:cNvPr>
@@ -1721,7 +1739,7 @@
           <p:cNvPr id="2" name="標題 1">
             <a:extLst>
               <a:ext uri="{FF2B5EF4-FFF2-40B4-BE49-F238E27FC236}">
-                <a16:creationId xmlns:a16="http://schemas.microsoft.com/office/drawing/2014/main" xmlns="" id="{AAD101D0-1702-4091-BD84-775665326445}"/>
+                <a16:creationId xmlns="" xmlns:a16="http://schemas.microsoft.com/office/drawing/2014/main" id="{AAD101D0-1702-4091-BD84-775665326445}"/>
               </a:ext>
             </a:extLst>
           </p:cNvPr>
@@ -1758,7 +1776,7 @@
           <p:cNvPr id="3" name="文字版面配置區 2">
             <a:extLst>
               <a:ext uri="{FF2B5EF4-FFF2-40B4-BE49-F238E27FC236}">
-                <a16:creationId xmlns:a16="http://schemas.microsoft.com/office/drawing/2014/main" xmlns="" id="{0BD8E1E2-602B-4613-8148-CCAA3F8A8479}"/>
+                <a16:creationId xmlns="" xmlns:a16="http://schemas.microsoft.com/office/drawing/2014/main" id="{0BD8E1E2-602B-4613-8148-CCAA3F8A8479}"/>
               </a:ext>
             </a:extLst>
           </p:cNvPr>
@@ -1883,7 +1901,7 @@
           <p:cNvPr id="4" name="日期版面配置區 3">
             <a:extLst>
               <a:ext uri="{FF2B5EF4-FFF2-40B4-BE49-F238E27FC236}">
-                <a16:creationId xmlns:a16="http://schemas.microsoft.com/office/drawing/2014/main" xmlns="" id="{EE9C1E22-1E55-471F-AFCC-5907530118FD}"/>
+                <a16:creationId xmlns="" xmlns:a16="http://schemas.microsoft.com/office/drawing/2014/main" id="{EE9C1E22-1E55-471F-AFCC-5907530118FD}"/>
               </a:ext>
             </a:extLst>
           </p:cNvPr>
@@ -1912,7 +1930,7 @@
           <p:cNvPr id="5" name="頁尾版面配置區 4">
             <a:extLst>
               <a:ext uri="{FF2B5EF4-FFF2-40B4-BE49-F238E27FC236}">
-                <a16:creationId xmlns:a16="http://schemas.microsoft.com/office/drawing/2014/main" xmlns="" id="{00E74574-3F79-43E0-886E-0F7B5FBEE9EB}"/>
+                <a16:creationId xmlns="" xmlns:a16="http://schemas.microsoft.com/office/drawing/2014/main" id="{00E74574-3F79-43E0-886E-0F7B5FBEE9EB}"/>
               </a:ext>
             </a:extLst>
           </p:cNvPr>
@@ -1937,7 +1955,7 @@
           <p:cNvPr id="6" name="投影片編號版面配置區 5">
             <a:extLst>
               <a:ext uri="{FF2B5EF4-FFF2-40B4-BE49-F238E27FC236}">
-                <a16:creationId xmlns:a16="http://schemas.microsoft.com/office/drawing/2014/main" xmlns="" id="{6D0AEA75-5543-4200-8506-0B2ECFF44CCA}"/>
+                <a16:creationId xmlns="" xmlns:a16="http://schemas.microsoft.com/office/drawing/2014/main" id="{6D0AEA75-5543-4200-8506-0B2ECFF44CCA}"/>
               </a:ext>
             </a:extLst>
           </p:cNvPr>
@@ -1996,7 +2014,7 @@
           <p:cNvPr id="2" name="標題 1">
             <a:extLst>
               <a:ext uri="{FF2B5EF4-FFF2-40B4-BE49-F238E27FC236}">
-                <a16:creationId xmlns:a16="http://schemas.microsoft.com/office/drawing/2014/main" xmlns="" id="{73297404-2E9F-475C-B361-4DC34C7D854A}"/>
+                <a16:creationId xmlns="" xmlns:a16="http://schemas.microsoft.com/office/drawing/2014/main" id="{73297404-2E9F-475C-B361-4DC34C7D854A}"/>
               </a:ext>
             </a:extLst>
           </p:cNvPr>
@@ -2024,7 +2042,7 @@
           <p:cNvPr id="3" name="內容版面配置區 2">
             <a:extLst>
               <a:ext uri="{FF2B5EF4-FFF2-40B4-BE49-F238E27FC236}">
-                <a16:creationId xmlns:a16="http://schemas.microsoft.com/office/drawing/2014/main" xmlns="" id="{1E0DA65C-B23C-4D21-BECF-E728DDEC65BE}"/>
+                <a16:creationId xmlns="" xmlns:a16="http://schemas.microsoft.com/office/drawing/2014/main" id="{1E0DA65C-B23C-4D21-BECF-E728DDEC65BE}"/>
               </a:ext>
             </a:extLst>
           </p:cNvPr>
@@ -2086,7 +2104,7 @@
           <p:cNvPr id="4" name="內容版面配置區 3">
             <a:extLst>
               <a:ext uri="{FF2B5EF4-FFF2-40B4-BE49-F238E27FC236}">
-                <a16:creationId xmlns:a16="http://schemas.microsoft.com/office/drawing/2014/main" xmlns="" id="{0DBA3308-CC5B-4665-A367-63EBBDCCB497}"/>
+                <a16:creationId xmlns="" xmlns:a16="http://schemas.microsoft.com/office/drawing/2014/main" id="{0DBA3308-CC5B-4665-A367-63EBBDCCB497}"/>
               </a:ext>
             </a:extLst>
           </p:cNvPr>
@@ -2148,7 +2166,7 @@
           <p:cNvPr id="5" name="日期版面配置區 4">
             <a:extLst>
               <a:ext uri="{FF2B5EF4-FFF2-40B4-BE49-F238E27FC236}">
-                <a16:creationId xmlns:a16="http://schemas.microsoft.com/office/drawing/2014/main" xmlns="" id="{FF3EBDA5-6D03-43A8-9138-B1D9126B0646}"/>
+                <a16:creationId xmlns="" xmlns:a16="http://schemas.microsoft.com/office/drawing/2014/main" id="{FF3EBDA5-6D03-43A8-9138-B1D9126B0646}"/>
               </a:ext>
             </a:extLst>
           </p:cNvPr>
@@ -2177,7 +2195,7 @@
           <p:cNvPr id="6" name="頁尾版面配置區 5">
             <a:extLst>
               <a:ext uri="{FF2B5EF4-FFF2-40B4-BE49-F238E27FC236}">
-                <a16:creationId xmlns:a16="http://schemas.microsoft.com/office/drawing/2014/main" xmlns="" id="{EA849ADE-300E-4A53-8040-52D9F9254D9A}"/>
+                <a16:creationId xmlns="" xmlns:a16="http://schemas.microsoft.com/office/drawing/2014/main" id="{EA849ADE-300E-4A53-8040-52D9F9254D9A}"/>
               </a:ext>
             </a:extLst>
           </p:cNvPr>
@@ -2202,7 +2220,7 @@
           <p:cNvPr id="7" name="投影片編號版面配置區 6">
             <a:extLst>
               <a:ext uri="{FF2B5EF4-FFF2-40B4-BE49-F238E27FC236}">
-                <a16:creationId xmlns:a16="http://schemas.microsoft.com/office/drawing/2014/main" xmlns="" id="{CB0B5C42-76A2-46F7-AD5D-A3B84D4B6684}"/>
+                <a16:creationId xmlns="" xmlns:a16="http://schemas.microsoft.com/office/drawing/2014/main" id="{CB0B5C42-76A2-46F7-AD5D-A3B84D4B6684}"/>
               </a:ext>
             </a:extLst>
           </p:cNvPr>
@@ -2261,7 +2279,7 @@
           <p:cNvPr id="2" name="標題 1">
             <a:extLst>
               <a:ext uri="{FF2B5EF4-FFF2-40B4-BE49-F238E27FC236}">
-                <a16:creationId xmlns:a16="http://schemas.microsoft.com/office/drawing/2014/main" xmlns="" id="{DF359BC2-8E8B-43E3-BD44-C574EF3FE6B4}"/>
+                <a16:creationId xmlns="" xmlns:a16="http://schemas.microsoft.com/office/drawing/2014/main" id="{DF359BC2-8E8B-43E3-BD44-C574EF3FE6B4}"/>
               </a:ext>
             </a:extLst>
           </p:cNvPr>
@@ -2294,7 +2312,7 @@
           <p:cNvPr id="3" name="文字版面配置區 2">
             <a:extLst>
               <a:ext uri="{FF2B5EF4-FFF2-40B4-BE49-F238E27FC236}">
-                <a16:creationId xmlns:a16="http://schemas.microsoft.com/office/drawing/2014/main" xmlns="" id="{7CF20A5E-5DA7-4C8E-BCDC-D8CEA280A4B8}"/>
+                <a16:creationId xmlns="" xmlns:a16="http://schemas.microsoft.com/office/drawing/2014/main" id="{7CF20A5E-5DA7-4C8E-BCDC-D8CEA280A4B8}"/>
               </a:ext>
             </a:extLst>
           </p:cNvPr>
@@ -2365,7 +2383,7 @@
           <p:cNvPr id="4" name="內容版面配置區 3">
             <a:extLst>
               <a:ext uri="{FF2B5EF4-FFF2-40B4-BE49-F238E27FC236}">
-                <a16:creationId xmlns:a16="http://schemas.microsoft.com/office/drawing/2014/main" xmlns="" id="{C6FB0619-911A-4AA2-A1C9-02542414136C}"/>
+                <a16:creationId xmlns="" xmlns:a16="http://schemas.microsoft.com/office/drawing/2014/main" id="{C6FB0619-911A-4AA2-A1C9-02542414136C}"/>
               </a:ext>
             </a:extLst>
           </p:cNvPr>
@@ -2427,7 +2445,7 @@
           <p:cNvPr id="5" name="文字版面配置區 4">
             <a:extLst>
               <a:ext uri="{FF2B5EF4-FFF2-40B4-BE49-F238E27FC236}">
-                <a16:creationId xmlns:a16="http://schemas.microsoft.com/office/drawing/2014/main" xmlns="" id="{4C9F549F-ADBE-4F2B-AC0B-F43F4A62907C}"/>
+                <a16:creationId xmlns="" xmlns:a16="http://schemas.microsoft.com/office/drawing/2014/main" id="{4C9F549F-ADBE-4F2B-AC0B-F43F4A62907C}"/>
               </a:ext>
             </a:extLst>
           </p:cNvPr>
@@ -2498,7 +2516,7 @@
           <p:cNvPr id="6" name="內容版面配置區 5">
             <a:extLst>
               <a:ext uri="{FF2B5EF4-FFF2-40B4-BE49-F238E27FC236}">
-                <a16:creationId xmlns:a16="http://schemas.microsoft.com/office/drawing/2014/main" xmlns="" id="{E6E76930-D84E-4FD7-B37E-9C74F5F41CAD}"/>
+                <a16:creationId xmlns="" xmlns:a16="http://schemas.microsoft.com/office/drawing/2014/main" id="{E6E76930-D84E-4FD7-B37E-9C74F5F41CAD}"/>
               </a:ext>
             </a:extLst>
           </p:cNvPr>
@@ -2560,7 +2578,7 @@
           <p:cNvPr id="7" name="日期版面配置區 6">
             <a:extLst>
               <a:ext uri="{FF2B5EF4-FFF2-40B4-BE49-F238E27FC236}">
-                <a16:creationId xmlns:a16="http://schemas.microsoft.com/office/drawing/2014/main" xmlns="" id="{96931258-53DE-4440-9CED-EFEF081A4EB9}"/>
+                <a16:creationId xmlns="" xmlns:a16="http://schemas.microsoft.com/office/drawing/2014/main" id="{96931258-53DE-4440-9CED-EFEF081A4EB9}"/>
               </a:ext>
             </a:extLst>
           </p:cNvPr>
@@ -2589,7 +2607,7 @@
           <p:cNvPr id="8" name="頁尾版面配置區 7">
             <a:extLst>
               <a:ext uri="{FF2B5EF4-FFF2-40B4-BE49-F238E27FC236}">
-                <a16:creationId xmlns:a16="http://schemas.microsoft.com/office/drawing/2014/main" xmlns="" id="{18CA577D-DD80-4F0A-AC25-AB2D272056B3}"/>
+                <a16:creationId xmlns="" xmlns:a16="http://schemas.microsoft.com/office/drawing/2014/main" id="{18CA577D-DD80-4F0A-AC25-AB2D272056B3}"/>
               </a:ext>
             </a:extLst>
           </p:cNvPr>
@@ -2614,7 +2632,7 @@
           <p:cNvPr id="9" name="投影片編號版面配置區 8">
             <a:extLst>
               <a:ext uri="{FF2B5EF4-FFF2-40B4-BE49-F238E27FC236}">
-                <a16:creationId xmlns:a16="http://schemas.microsoft.com/office/drawing/2014/main" xmlns="" id="{EAF01FD8-AAA6-42C4-9068-C9E8A571E605}"/>
+                <a16:creationId xmlns="" xmlns:a16="http://schemas.microsoft.com/office/drawing/2014/main" id="{EAF01FD8-AAA6-42C4-9068-C9E8A571E605}"/>
               </a:ext>
             </a:extLst>
           </p:cNvPr>
@@ -2673,7 +2691,7 @@
           <p:cNvPr id="2" name="標題 1">
             <a:extLst>
               <a:ext uri="{FF2B5EF4-FFF2-40B4-BE49-F238E27FC236}">
-                <a16:creationId xmlns:a16="http://schemas.microsoft.com/office/drawing/2014/main" xmlns="" id="{952E2EB0-35DB-48C2-B020-3F53BA17C934}"/>
+                <a16:creationId xmlns="" xmlns:a16="http://schemas.microsoft.com/office/drawing/2014/main" id="{952E2EB0-35DB-48C2-B020-3F53BA17C934}"/>
               </a:ext>
             </a:extLst>
           </p:cNvPr>
@@ -2701,7 +2719,7 @@
           <p:cNvPr id="3" name="日期版面配置區 2">
             <a:extLst>
               <a:ext uri="{FF2B5EF4-FFF2-40B4-BE49-F238E27FC236}">
-                <a16:creationId xmlns:a16="http://schemas.microsoft.com/office/drawing/2014/main" xmlns="" id="{DF0F6B4E-7D6A-409D-8B33-2CF9E3E22511}"/>
+                <a16:creationId xmlns="" xmlns:a16="http://schemas.microsoft.com/office/drawing/2014/main" id="{DF0F6B4E-7D6A-409D-8B33-2CF9E3E22511}"/>
               </a:ext>
             </a:extLst>
           </p:cNvPr>
@@ -2730,7 +2748,7 @@
           <p:cNvPr id="4" name="頁尾版面配置區 3">
             <a:extLst>
               <a:ext uri="{FF2B5EF4-FFF2-40B4-BE49-F238E27FC236}">
-                <a16:creationId xmlns:a16="http://schemas.microsoft.com/office/drawing/2014/main" xmlns="" id="{0DC85328-B8C2-4E98-854B-96F2243447DC}"/>
+                <a16:creationId xmlns="" xmlns:a16="http://schemas.microsoft.com/office/drawing/2014/main" id="{0DC85328-B8C2-4E98-854B-96F2243447DC}"/>
               </a:ext>
             </a:extLst>
           </p:cNvPr>
@@ -2755,7 +2773,7 @@
           <p:cNvPr id="5" name="投影片編號版面配置區 4">
             <a:extLst>
               <a:ext uri="{FF2B5EF4-FFF2-40B4-BE49-F238E27FC236}">
-                <a16:creationId xmlns:a16="http://schemas.microsoft.com/office/drawing/2014/main" xmlns="" id="{231D26CF-8345-42F0-87CC-5055E40B26B8}"/>
+                <a16:creationId xmlns="" xmlns:a16="http://schemas.microsoft.com/office/drawing/2014/main" id="{231D26CF-8345-42F0-87CC-5055E40B26B8}"/>
               </a:ext>
             </a:extLst>
           </p:cNvPr>
@@ -2814,7 +2832,7 @@
           <p:cNvPr id="2" name="日期版面配置區 1">
             <a:extLst>
               <a:ext uri="{FF2B5EF4-FFF2-40B4-BE49-F238E27FC236}">
-                <a16:creationId xmlns:a16="http://schemas.microsoft.com/office/drawing/2014/main" xmlns="" id="{662CEF4B-8E15-4C0B-8493-EE6A95E6505D}"/>
+                <a16:creationId xmlns="" xmlns:a16="http://schemas.microsoft.com/office/drawing/2014/main" id="{662CEF4B-8E15-4C0B-8493-EE6A95E6505D}"/>
               </a:ext>
             </a:extLst>
           </p:cNvPr>
@@ -2843,7 +2861,7 @@
           <p:cNvPr id="3" name="頁尾版面配置區 2">
             <a:extLst>
               <a:ext uri="{FF2B5EF4-FFF2-40B4-BE49-F238E27FC236}">
-                <a16:creationId xmlns:a16="http://schemas.microsoft.com/office/drawing/2014/main" xmlns="" id="{A66FD5AB-E722-4B87-B88A-9BC13E123081}"/>
+                <a16:creationId xmlns="" xmlns:a16="http://schemas.microsoft.com/office/drawing/2014/main" id="{A66FD5AB-E722-4B87-B88A-9BC13E123081}"/>
               </a:ext>
             </a:extLst>
           </p:cNvPr>
@@ -2868,7 +2886,7 @@
           <p:cNvPr id="4" name="投影片編號版面配置區 3">
             <a:extLst>
               <a:ext uri="{FF2B5EF4-FFF2-40B4-BE49-F238E27FC236}">
-                <a16:creationId xmlns:a16="http://schemas.microsoft.com/office/drawing/2014/main" xmlns="" id="{E34D603E-C4D3-477E-BDBF-31C46BD9B03B}"/>
+                <a16:creationId xmlns="" xmlns:a16="http://schemas.microsoft.com/office/drawing/2014/main" id="{E34D603E-C4D3-477E-BDBF-31C46BD9B03B}"/>
               </a:ext>
             </a:extLst>
           </p:cNvPr>
@@ -2927,7 +2945,7 @@
           <p:cNvPr id="2" name="標題 1">
             <a:extLst>
               <a:ext uri="{FF2B5EF4-FFF2-40B4-BE49-F238E27FC236}">
-                <a16:creationId xmlns:a16="http://schemas.microsoft.com/office/drawing/2014/main" xmlns="" id="{BD6D3AFA-A00F-425A-ADB8-7D6DBF11E7D9}"/>
+                <a16:creationId xmlns="" xmlns:a16="http://schemas.microsoft.com/office/drawing/2014/main" id="{BD6D3AFA-A00F-425A-ADB8-7D6DBF11E7D9}"/>
               </a:ext>
             </a:extLst>
           </p:cNvPr>
@@ -2964,7 +2982,7 @@
           <p:cNvPr id="3" name="內容版面配置區 2">
             <a:extLst>
               <a:ext uri="{FF2B5EF4-FFF2-40B4-BE49-F238E27FC236}">
-                <a16:creationId xmlns:a16="http://schemas.microsoft.com/office/drawing/2014/main" xmlns="" id="{7624F594-DAE1-441A-B288-C6B584A71E88}"/>
+                <a16:creationId xmlns="" xmlns:a16="http://schemas.microsoft.com/office/drawing/2014/main" id="{7624F594-DAE1-441A-B288-C6B584A71E88}"/>
               </a:ext>
             </a:extLst>
           </p:cNvPr>
@@ -3054,7 +3072,7 @@
           <p:cNvPr id="4" name="文字版面配置區 3">
             <a:extLst>
               <a:ext uri="{FF2B5EF4-FFF2-40B4-BE49-F238E27FC236}">
-                <a16:creationId xmlns:a16="http://schemas.microsoft.com/office/drawing/2014/main" xmlns="" id="{6735B1BB-D6FE-4E3F-912B-7CB8B4D06556}"/>
+                <a16:creationId xmlns="" xmlns:a16="http://schemas.microsoft.com/office/drawing/2014/main" id="{6735B1BB-D6FE-4E3F-912B-7CB8B4D06556}"/>
               </a:ext>
             </a:extLst>
           </p:cNvPr>
@@ -3125,7 +3143,7 @@
           <p:cNvPr id="5" name="日期版面配置區 4">
             <a:extLst>
               <a:ext uri="{FF2B5EF4-FFF2-40B4-BE49-F238E27FC236}">
-                <a16:creationId xmlns:a16="http://schemas.microsoft.com/office/drawing/2014/main" xmlns="" id="{03F3C6B0-93DC-4F63-847D-AF3CDC1F273E}"/>
+                <a16:creationId xmlns="" xmlns:a16="http://schemas.microsoft.com/office/drawing/2014/main" id="{03F3C6B0-93DC-4F63-847D-AF3CDC1F273E}"/>
               </a:ext>
             </a:extLst>
           </p:cNvPr>
@@ -3154,7 +3172,7 @@
           <p:cNvPr id="6" name="頁尾版面配置區 5">
             <a:extLst>
               <a:ext uri="{FF2B5EF4-FFF2-40B4-BE49-F238E27FC236}">
-                <a16:creationId xmlns:a16="http://schemas.microsoft.com/office/drawing/2014/main" xmlns="" id="{77412A02-FB75-418E-B44D-90B60CF36B6A}"/>
+                <a16:creationId xmlns="" xmlns:a16="http://schemas.microsoft.com/office/drawing/2014/main" id="{77412A02-FB75-418E-B44D-90B60CF36B6A}"/>
               </a:ext>
             </a:extLst>
           </p:cNvPr>
@@ -3179,7 +3197,7 @@
           <p:cNvPr id="7" name="投影片編號版面配置區 6">
             <a:extLst>
               <a:ext uri="{FF2B5EF4-FFF2-40B4-BE49-F238E27FC236}">
-                <a16:creationId xmlns:a16="http://schemas.microsoft.com/office/drawing/2014/main" xmlns="" id="{C1C119AB-1486-4CEF-AD2D-10EFBF322D5E}"/>
+                <a16:creationId xmlns="" xmlns:a16="http://schemas.microsoft.com/office/drawing/2014/main" id="{C1C119AB-1486-4CEF-AD2D-10EFBF322D5E}"/>
               </a:ext>
             </a:extLst>
           </p:cNvPr>
@@ -3238,7 +3256,7 @@
           <p:cNvPr id="2" name="標題 1">
             <a:extLst>
               <a:ext uri="{FF2B5EF4-FFF2-40B4-BE49-F238E27FC236}">
-                <a16:creationId xmlns:a16="http://schemas.microsoft.com/office/drawing/2014/main" xmlns="" id="{FA46C5FD-EEB9-422A-8F1A-3898CE1E2744}"/>
+                <a16:creationId xmlns="" xmlns:a16="http://schemas.microsoft.com/office/drawing/2014/main" id="{FA46C5FD-EEB9-422A-8F1A-3898CE1E2744}"/>
               </a:ext>
             </a:extLst>
           </p:cNvPr>
@@ -3275,7 +3293,7 @@
           <p:cNvPr id="3" name="圖片版面配置區 2">
             <a:extLst>
               <a:ext uri="{FF2B5EF4-FFF2-40B4-BE49-F238E27FC236}">
-                <a16:creationId xmlns:a16="http://schemas.microsoft.com/office/drawing/2014/main" xmlns="" id="{D4F2F5F8-C4C6-4927-9267-A3C0D0016E37}"/>
+                <a16:creationId xmlns="" xmlns:a16="http://schemas.microsoft.com/office/drawing/2014/main" id="{D4F2F5F8-C4C6-4927-9267-A3C0D0016E37}"/>
               </a:ext>
             </a:extLst>
           </p:cNvPr>
@@ -3342,7 +3360,7 @@
           <p:cNvPr id="4" name="文字版面配置區 3">
             <a:extLst>
               <a:ext uri="{FF2B5EF4-FFF2-40B4-BE49-F238E27FC236}">
-                <a16:creationId xmlns:a16="http://schemas.microsoft.com/office/drawing/2014/main" xmlns="" id="{386BA6EB-6191-463F-BDAC-05065C4F8FF5}"/>
+                <a16:creationId xmlns="" xmlns:a16="http://schemas.microsoft.com/office/drawing/2014/main" id="{386BA6EB-6191-463F-BDAC-05065C4F8FF5}"/>
               </a:ext>
             </a:extLst>
           </p:cNvPr>
@@ -3413,7 +3431,7 @@
           <p:cNvPr id="5" name="日期版面配置區 4">
             <a:extLst>
               <a:ext uri="{FF2B5EF4-FFF2-40B4-BE49-F238E27FC236}">
-                <a16:creationId xmlns:a16="http://schemas.microsoft.com/office/drawing/2014/main" xmlns="" id="{B100A524-F2D8-4E20-9BB5-49A1395D1468}"/>
+                <a16:creationId xmlns="" xmlns:a16="http://schemas.microsoft.com/office/drawing/2014/main" id="{B100A524-F2D8-4E20-9BB5-49A1395D1468}"/>
               </a:ext>
             </a:extLst>
           </p:cNvPr>
@@ -3442,7 +3460,7 @@
           <p:cNvPr id="6" name="頁尾版面配置區 5">
             <a:extLst>
               <a:ext uri="{FF2B5EF4-FFF2-40B4-BE49-F238E27FC236}">
-                <a16:creationId xmlns:a16="http://schemas.microsoft.com/office/drawing/2014/main" xmlns="" id="{F5DAE52E-EC29-43CF-90E7-76A8547273F4}"/>
+                <a16:creationId xmlns="" xmlns:a16="http://schemas.microsoft.com/office/drawing/2014/main" id="{F5DAE52E-EC29-43CF-90E7-76A8547273F4}"/>
               </a:ext>
             </a:extLst>
           </p:cNvPr>
@@ -3467,7 +3485,7 @@
           <p:cNvPr id="7" name="投影片編號版面配置區 6">
             <a:extLst>
               <a:ext uri="{FF2B5EF4-FFF2-40B4-BE49-F238E27FC236}">
-                <a16:creationId xmlns:a16="http://schemas.microsoft.com/office/drawing/2014/main" xmlns="" id="{D5633C84-0F09-4F63-9D11-CF4CD2E04EDC}"/>
+                <a16:creationId xmlns="" xmlns:a16="http://schemas.microsoft.com/office/drawing/2014/main" id="{D5633C84-0F09-4F63-9D11-CF4CD2E04EDC}"/>
               </a:ext>
             </a:extLst>
           </p:cNvPr>
@@ -3531,7 +3549,7 @@
           <p:cNvPr id="2" name="標題版面配置區 1">
             <a:extLst>
               <a:ext uri="{FF2B5EF4-FFF2-40B4-BE49-F238E27FC236}">
-                <a16:creationId xmlns:a16="http://schemas.microsoft.com/office/drawing/2014/main" xmlns="" id="{75AB147D-77B2-45DC-B91D-E9B95229CF67}"/>
+                <a16:creationId xmlns="" xmlns:a16="http://schemas.microsoft.com/office/drawing/2014/main" id="{75AB147D-77B2-45DC-B91D-E9B95229CF67}"/>
               </a:ext>
             </a:extLst>
           </p:cNvPr>
@@ -3569,7 +3587,7 @@
           <p:cNvPr id="3" name="文字版面配置區 2">
             <a:extLst>
               <a:ext uri="{FF2B5EF4-FFF2-40B4-BE49-F238E27FC236}">
-                <a16:creationId xmlns:a16="http://schemas.microsoft.com/office/drawing/2014/main" xmlns="" id="{1F4191C3-8FDE-40E8-B1B1-993999DCB52A}"/>
+                <a16:creationId xmlns="" xmlns:a16="http://schemas.microsoft.com/office/drawing/2014/main" id="{1F4191C3-8FDE-40E8-B1B1-993999DCB52A}"/>
               </a:ext>
             </a:extLst>
           </p:cNvPr>
@@ -3636,7 +3654,7 @@
           <p:cNvPr id="4" name="日期版面配置區 3">
             <a:extLst>
               <a:ext uri="{FF2B5EF4-FFF2-40B4-BE49-F238E27FC236}">
-                <a16:creationId xmlns:a16="http://schemas.microsoft.com/office/drawing/2014/main" xmlns="" id="{189C3422-42E0-48A0-AA23-A8416D88BBD9}"/>
+                <a16:creationId xmlns="" xmlns:a16="http://schemas.microsoft.com/office/drawing/2014/main" id="{189C3422-42E0-48A0-AA23-A8416D88BBD9}"/>
               </a:ext>
             </a:extLst>
           </p:cNvPr>
@@ -3683,7 +3701,7 @@
           <p:cNvPr id="5" name="頁尾版面配置區 4">
             <a:extLst>
               <a:ext uri="{FF2B5EF4-FFF2-40B4-BE49-F238E27FC236}">
-                <a16:creationId xmlns:a16="http://schemas.microsoft.com/office/drawing/2014/main" xmlns="" id="{320D305E-D196-4B4D-BE7D-0EFBB082F1FC}"/>
+                <a16:creationId xmlns="" xmlns:a16="http://schemas.microsoft.com/office/drawing/2014/main" id="{320D305E-D196-4B4D-BE7D-0EFBB082F1FC}"/>
               </a:ext>
             </a:extLst>
           </p:cNvPr>
@@ -3726,7 +3744,7 @@
           <p:cNvPr id="6" name="投影片編號版面配置區 5">
             <a:extLst>
               <a:ext uri="{FF2B5EF4-FFF2-40B4-BE49-F238E27FC236}">
-                <a16:creationId xmlns:a16="http://schemas.microsoft.com/office/drawing/2014/main" xmlns="" id="{8E9AE7C5-2399-4CDA-B55E-02BDF2B18D14}"/>
+                <a16:creationId xmlns="" xmlns:a16="http://schemas.microsoft.com/office/drawing/2014/main" id="{8E9AE7C5-2399-4CDA-B55E-02BDF2B18D14}"/>
               </a:ext>
             </a:extLst>
           </p:cNvPr>
@@ -4094,7 +4112,7 @@
           <p:cNvPr id="2" name="標題 1">
             <a:extLst>
               <a:ext uri="{FF2B5EF4-FFF2-40B4-BE49-F238E27FC236}">
-                <a16:creationId xmlns:a16="http://schemas.microsoft.com/office/drawing/2014/main" xmlns="" id="{DF598DAF-F4C5-48E6-A531-AF714874D3C4}"/>
+                <a16:creationId xmlns="" xmlns:a16="http://schemas.microsoft.com/office/drawing/2014/main" id="{DF598DAF-F4C5-48E6-A531-AF714874D3C4}"/>
               </a:ext>
             </a:extLst>
           </p:cNvPr>
@@ -4143,7 +4161,7 @@
           <p:cNvPr id="3" name="副標題 2">
             <a:extLst>
               <a:ext uri="{FF2B5EF4-FFF2-40B4-BE49-F238E27FC236}">
-                <a16:creationId xmlns:a16="http://schemas.microsoft.com/office/drawing/2014/main" xmlns="" id="{E40368D7-E9F7-43C4-9CE7-4265C419151C}"/>
+                <a16:creationId xmlns="" xmlns:a16="http://schemas.microsoft.com/office/drawing/2014/main" id="{E40368D7-E9F7-43C4-9CE7-4265C419151C}"/>
               </a:ext>
             </a:extLst>
           </p:cNvPr>
@@ -4180,125 +4198,6 @@
     <p:extLst>
       <p:ext uri="{BB962C8B-B14F-4D97-AF65-F5344CB8AC3E}">
         <p14:creationId xmlns:p14="http://schemas.microsoft.com/office/powerpoint/2010/main" val="1662195510"/>
-      </p:ext>
-    </p:extLst>
-  </p:cSld>
-  <p:clrMapOvr>
-    <a:masterClrMapping/>
-  </p:clrMapOvr>
-</p:sld>
-</file>
-
-<file path=ppt/slides/slide10.xml><?xml version="1.0" encoding="utf-8"?>
-<p:sld xmlns:a="http://schemas.openxmlformats.org/drawingml/2006/main" xmlns:r="http://schemas.openxmlformats.org/officeDocument/2006/relationships" xmlns:p="http://schemas.openxmlformats.org/presentationml/2006/main">
-  <p:cSld>
-    <p:spTree>
-      <p:nvGrpSpPr>
-        <p:cNvPr id="1" name=""/>
-        <p:cNvGrpSpPr/>
-        <p:nvPr/>
-      </p:nvGrpSpPr>
-      <p:grpSpPr>
-        <a:xfrm>
-          <a:off x="0" y="0"/>
-          <a:ext cx="0" cy="0"/>
-          <a:chOff x="0" y="0"/>
-          <a:chExt cx="0" cy="0"/>
-        </a:xfrm>
-      </p:grpSpPr>
-      <p:sp>
-        <p:nvSpPr>
-          <p:cNvPr id="2" name="標題 1">
-            <a:extLst>
-              <a:ext uri="{FF2B5EF4-FFF2-40B4-BE49-F238E27FC236}">
-                <a16:creationId xmlns:a16="http://schemas.microsoft.com/office/drawing/2014/main" xmlns="" id="{98A04798-5168-4875-A411-80CD40D53BBD}"/>
-              </a:ext>
-            </a:extLst>
-          </p:cNvPr>
-          <p:cNvSpPr>
-            <a:spLocks noGrp="1"/>
-          </p:cNvSpPr>
-          <p:nvPr>
-            <p:ph type="title"/>
-          </p:nvPr>
-        </p:nvSpPr>
-        <p:spPr>
-          <a:xfrm>
-            <a:off x="333316" y="544152"/>
-            <a:ext cx="6566757" cy="718058"/>
-          </a:xfrm>
-        </p:spPr>
-        <p:txBody>
-          <a:bodyPr>
-            <a:noAutofit/>
-          </a:bodyPr>
-          <a:lstStyle/>
-          <a:p>
-            <a:r>
-              <a:rPr lang="en-US" altLang="zh-TW" dirty="0" smtClean="0"/>
-              <a:t>Diffusion for Interpolating Images</a:t>
-            </a:r>
-            <a:endParaRPr lang="zh-TW" dirty="0"/>
-          </a:p>
-        </p:txBody>
-      </p:sp>
-      <p:pic>
-        <p:nvPicPr>
-          <p:cNvPr id="4" name="圖片 3"/>
-          <p:cNvPicPr>
-            <a:picLocks noChangeAspect="1"/>
-          </p:cNvPicPr>
-          <p:nvPr/>
-        </p:nvPicPr>
-        <p:blipFill rotWithShape="1">
-          <a:blip r:embed="rId3"/>
-          <a:srcRect l="24153" t="24946" r="12064" b="12763"/>
-          <a:stretch/>
-        </p:blipFill>
-        <p:spPr>
-          <a:xfrm>
-            <a:off x="2144486" y="1975099"/>
-            <a:ext cx="7903029" cy="4341396"/>
-          </a:xfrm>
-          <a:prstGeom prst="rect">
-            <a:avLst/>
-          </a:prstGeom>
-        </p:spPr>
-      </p:pic>
-      <p:sp>
-        <p:nvSpPr>
-          <p:cNvPr id="8" name="文字方塊 7"/>
-          <p:cNvSpPr txBox="1"/>
-          <p:nvPr/>
-        </p:nvSpPr>
-        <p:spPr>
-          <a:xfrm>
-            <a:off x="474453" y="1605767"/>
-            <a:ext cx="10317192" cy="369332"/>
-          </a:xfrm>
-          <a:prstGeom prst="rect">
-            <a:avLst/>
-          </a:prstGeom>
-          <a:noFill/>
-        </p:spPr>
-        <p:txBody>
-          <a:bodyPr wrap="square" rtlCol="0">
-            <a:spAutoFit/>
-          </a:bodyPr>
-          <a:lstStyle/>
-          <a:p>
-            <a:r>
-              <a:rPr lang="en-US" altLang="zh-TW" smtClean="0"/>
-              <a:t>result</a:t>
-            </a:r>
-            <a:endParaRPr lang="zh-TW" altLang="en-US" dirty="0"/>
-          </a:p>
-        </p:txBody>
-      </p:sp>
-    </p:spTree>
-    <p:extLst>
-      <p:ext uri="{BB962C8B-B14F-4D97-AF65-F5344CB8AC3E}">
-        <p14:creationId xmlns:p14="http://schemas.microsoft.com/office/powerpoint/2010/main" val="3449823456"/>
       </p:ext>
     </p:extLst>
   </p:cSld>
@@ -4330,7 +4229,7 @@
           <p:cNvPr id="2" name="標題 1">
             <a:extLst>
               <a:ext uri="{FF2B5EF4-FFF2-40B4-BE49-F238E27FC236}">
-                <a16:creationId xmlns:a16="http://schemas.microsoft.com/office/drawing/2014/main" xmlns="" id="{7533F336-40A6-45C8-9A62-B4E78BC5E568}"/>
+                <a16:creationId xmlns="" xmlns:a16="http://schemas.microsoft.com/office/drawing/2014/main" id="{7533F336-40A6-45C8-9A62-B4E78BC5E568}"/>
               </a:ext>
             </a:extLst>
           </p:cNvPr>
@@ -4623,7 +4522,7 @@
           <p:cNvPr id="2" name="標題 1">
             <a:extLst>
               <a:ext uri="{FF2B5EF4-FFF2-40B4-BE49-F238E27FC236}">
-                <a16:creationId xmlns:a16="http://schemas.microsoft.com/office/drawing/2014/main" xmlns="" id="{56D87B6E-5A2B-4CEE-BA45-C71DC24F919B}"/>
+                <a16:creationId xmlns="" xmlns:a16="http://schemas.microsoft.com/office/drawing/2014/main" id="{56D87B6E-5A2B-4CEE-BA45-C71DC24F919B}"/>
               </a:ext>
             </a:extLst>
           </p:cNvPr>
@@ -4645,14 +4544,19 @@
           <a:lstStyle/>
           <a:p>
             <a:r>
-              <a:rPr lang="en-US" b="1" dirty="0">
-                <a:solidFill>
-                  <a:srgbClr val="0F0F0F"/>
-                </a:solidFill>
-                <a:latin typeface="Roboto"/>
-                <a:ea typeface="Roboto"/>
-                <a:cs typeface="Roboto"/>
-              </a:rPr>
+              <a:rPr lang="en-US" altLang="zh-TW" dirty="0"/>
+              <a:t>Introduction </a:t>
+            </a:r>
+            <a:r>
+              <a:rPr lang="en-US" altLang="zh-TW" dirty="0" smtClean="0"/>
+              <a:t>:</a:t>
+            </a:r>
+            <a:r>
+              <a:rPr lang="zh-TW" altLang="en-US" dirty="0" smtClean="0"/>
+              <a:t> </a:t>
+            </a:r>
+            <a:r>
+              <a:rPr lang="en-US" altLang="zh-TW" dirty="0" smtClean="0"/>
               <a:t>Diffusion</a:t>
             </a:r>
             <a:endParaRPr lang="zh-TW" altLang="en-US" dirty="0"/>
@@ -4664,7 +4568,7 @@
           <p:cNvPr id="3" name="圖片 2" descr="一張含有 螢幕擷取畫面, 設計 的圖片&#10;&#10;AI 產生的內容可能不正確。">
             <a:extLst>
               <a:ext uri="{FF2B5EF4-FFF2-40B4-BE49-F238E27FC236}">
-                <a16:creationId xmlns:a16="http://schemas.microsoft.com/office/drawing/2014/main" xmlns="" id="{774C77B9-850A-B8E8-EB9F-77EEDDD405FF}"/>
+                <a16:creationId xmlns="" xmlns:a16="http://schemas.microsoft.com/office/drawing/2014/main" id="{774C77B9-850A-B8E8-EB9F-77EEDDD405FF}"/>
               </a:ext>
             </a:extLst>
           </p:cNvPr>
@@ -4694,7 +4598,7 @@
           <p:cNvPr id="4" name="文字方塊 3">
             <a:extLst>
               <a:ext uri="{FF2B5EF4-FFF2-40B4-BE49-F238E27FC236}">
-                <a16:creationId xmlns:a16="http://schemas.microsoft.com/office/drawing/2014/main" xmlns="" id="{F11364C5-60EA-75C3-EEC4-6ECE3E603B5F}"/>
+                <a16:creationId xmlns="" xmlns:a16="http://schemas.microsoft.com/office/drawing/2014/main" id="{F11364C5-60EA-75C3-EEC4-6ECE3E603B5F}"/>
               </a:ext>
             </a:extLst>
           </p:cNvPr>
@@ -4775,7 +4679,7 @@
           <p:cNvPr id="2" name="標題 1">
             <a:extLst>
               <a:ext uri="{FF2B5EF4-FFF2-40B4-BE49-F238E27FC236}">
-                <a16:creationId xmlns:a16="http://schemas.microsoft.com/office/drawing/2014/main" xmlns="" id="{E602B493-AA30-4C9B-A604-000032CBC299}"/>
+                <a16:creationId xmlns="" xmlns:a16="http://schemas.microsoft.com/office/drawing/2014/main" id="{E602B493-AA30-4C9B-A604-000032CBC299}"/>
               </a:ext>
             </a:extLst>
           </p:cNvPr>
@@ -4810,7 +4714,7 @@
               <a:t>Diffusion </a:t>
             </a:r>
             <a:r>
-              <a:rPr lang="en-US" b="1" err="1">
+              <a:rPr lang="en-US" b="1" dirty="0" smtClean="0">
                 <a:solidFill>
                   <a:srgbClr val="0F0F0F"/>
                 </a:solidFill>
@@ -4818,9 +4722,9 @@
                 <a:ea typeface="Roboto"/>
                 <a:cs typeface="Roboto"/>
               </a:rPr>
-              <a:t>Traning</a:t>
-            </a:r>
-            <a:endParaRPr lang="zh-TW" altLang="en-US" b="1" err="1">
+              <a:t>Training</a:t>
+            </a:r>
+            <a:endParaRPr lang="zh-TW" altLang="en-US" b="1" dirty="0">
               <a:solidFill>
                 <a:srgbClr val="0F0F0F"/>
               </a:solidFill>
@@ -4835,7 +4739,7 @@
           <p:cNvPr id="4" name="圖片 3">
             <a:extLst>
               <a:ext uri="{FF2B5EF4-FFF2-40B4-BE49-F238E27FC236}">
-                <a16:creationId xmlns:a16="http://schemas.microsoft.com/office/drawing/2014/main" xmlns="" id="{7E81BC18-5492-211B-D8A3-98383F09116C}"/>
+                <a16:creationId xmlns="" xmlns:a16="http://schemas.microsoft.com/office/drawing/2014/main" id="{7E81BC18-5492-211B-D8A3-98383F09116C}"/>
               </a:ext>
             </a:extLst>
           </p:cNvPr>
@@ -4944,7 +4848,7 @@
           <p:cNvPr id="2" name="標題 1">
             <a:extLst>
               <a:ext uri="{FF2B5EF4-FFF2-40B4-BE49-F238E27FC236}">
-                <a16:creationId xmlns:a16="http://schemas.microsoft.com/office/drawing/2014/main" xmlns="" id="{C2878F9E-D0DF-D84C-8241-A986178C8EAD}"/>
+                <a16:creationId xmlns="" xmlns:a16="http://schemas.microsoft.com/office/drawing/2014/main" id="{C2878F9E-D0DF-D84C-8241-A986178C8EAD}"/>
               </a:ext>
             </a:extLst>
           </p:cNvPr>
@@ -4961,45 +4865,14 @@
           <a:lstStyle/>
           <a:p>
             <a:r>
-              <a:rPr lang="en-US" altLang="zh-TW" b="1" dirty="0">
-                <a:solidFill>
-                  <a:srgbClr val="0F0F0F"/>
-                </a:solidFill>
-                <a:latin typeface="Roboto"/>
-                <a:ea typeface="Roboto"/>
-                <a:cs typeface="Roboto"/>
-              </a:rPr>
-              <a:t>Lsimple(</a:t>
-            </a:r>
-            <a:r>
-              <a:rPr lang="en-US" dirty="0">
+              <a:rPr lang="en-US" dirty="0" smtClean="0">
                 <a:solidFill>
                   <a:srgbClr val="0F0F0F"/>
                 </a:solidFill>
                 <a:ea typeface="+mj-lt"/>
                 <a:cs typeface="+mj-lt"/>
               </a:rPr>
-              <a:t>Progressive </a:t>
-            </a:r>
-            <a:r>
-              <a:rPr lang="en-US" dirty="0" err="1">
-                <a:solidFill>
-                  <a:srgbClr val="0F0F0F"/>
-                </a:solidFill>
-                <a:ea typeface="+mj-lt"/>
-                <a:cs typeface="+mj-lt"/>
-              </a:rPr>
-              <a:t>generatio</a:t>
-            </a:r>
-            <a:r>
-              <a:rPr lang="en-US" dirty="0">
-                <a:solidFill>
-                  <a:srgbClr val="0F0F0F"/>
-                </a:solidFill>
-                <a:ea typeface="+mj-lt"/>
-                <a:cs typeface="+mj-lt"/>
-              </a:rPr>
-              <a:t>)</a:t>
+              <a:t>Progressive generation</a:t>
             </a:r>
             <a:endParaRPr lang="zh-TW" altLang="en-US" b="1" dirty="0">
               <a:solidFill>
@@ -5016,7 +4889,7 @@
           <p:cNvPr id="4" name="內容版面配置區 3" descr="一張含有 螢幕擷取畫面, 行, 太陽能電池, 視窗 的圖片&#10;&#10;AI 產生的內容可能不正確。">
             <a:extLst>
               <a:ext uri="{FF2B5EF4-FFF2-40B4-BE49-F238E27FC236}">
-                <a16:creationId xmlns:a16="http://schemas.microsoft.com/office/drawing/2014/main" xmlns="" id="{CBD70F30-46B2-8AB0-6602-A5DF524D4762}"/>
+                <a16:creationId xmlns="" xmlns:a16="http://schemas.microsoft.com/office/drawing/2014/main" id="{CBD70F30-46B2-8AB0-6602-A5DF524D4762}"/>
               </a:ext>
             </a:extLst>
           </p:cNvPr>
@@ -5078,7 +4951,7 @@
           <p:cNvPr id="2" name="標題 1">
             <a:extLst>
               <a:ext uri="{FF2B5EF4-FFF2-40B4-BE49-F238E27FC236}">
-                <a16:creationId xmlns:a16="http://schemas.microsoft.com/office/drawing/2014/main" xmlns="" id="{6E03A4FF-CABF-CA2A-CACE-DE9477118A72}"/>
+                <a16:creationId xmlns="" xmlns:a16="http://schemas.microsoft.com/office/drawing/2014/main" id="{6E03A4FF-CABF-CA2A-CACE-DE9477118A72}"/>
               </a:ext>
             </a:extLst>
           </p:cNvPr>
@@ -5094,6 +4967,29 @@
           <a:bodyPr/>
           <a:lstStyle/>
           <a:p>
+            <a:r>
+              <a:rPr lang="en-US" altLang="zh-TW" dirty="0"/>
+              <a:t>Literature </a:t>
+            </a:r>
+            <a:r>
+              <a:rPr lang="en-US" altLang="zh-TW" dirty="0" smtClean="0"/>
+              <a:t>Review:</a:t>
+            </a:r>
+            <a:r>
+              <a:rPr lang="zh-TW" altLang="en-US" dirty="0" smtClean="0"/>
+              <a:t> </a:t>
+            </a:r>
+            <a:r>
+              <a:rPr lang="en-US" b="1" dirty="0" smtClean="0">
+                <a:solidFill>
+                  <a:srgbClr val="0F0F0F"/>
+                </a:solidFill>
+                <a:latin typeface="Roboto"/>
+                <a:ea typeface="Roboto"/>
+                <a:cs typeface="Roboto"/>
+              </a:rPr>
+              <a:t>Latent </a:t>
+            </a:r>
             <a:r>
               <a:rPr lang="en-US" b="1" dirty="0">
                 <a:solidFill>
@@ -5103,7 +4999,7 @@
                 <a:ea typeface="Roboto"/>
                 <a:cs typeface="Roboto"/>
               </a:rPr>
-              <a:t>Latent space interpolation vs. Pixel space interpolation</a:t>
+              <a:t>space interpolation vs. Pixel space interpolation</a:t>
             </a:r>
             <a:endParaRPr lang="zh-TW" altLang="en-US" b="1" dirty="0">
               <a:solidFill>
@@ -5120,7 +5016,7 @@
           <p:cNvPr id="4" name="內容版面配置區 3" descr="一張含有 人的臉孔, 文字, 人員, 螢幕擷取畫面 的圖片&#10;&#10;AI 產生的內容可能不正確。">
             <a:extLst>
               <a:ext uri="{FF2B5EF4-FFF2-40B4-BE49-F238E27FC236}">
-                <a16:creationId xmlns:a16="http://schemas.microsoft.com/office/drawing/2014/main" xmlns="" id="{13B4FB22-FE03-73A5-4DD2-7B24081053FD}"/>
+                <a16:creationId xmlns="" xmlns:a16="http://schemas.microsoft.com/office/drawing/2014/main" id="{13B4FB22-FE03-73A5-4DD2-7B24081053FD}"/>
               </a:ext>
             </a:extLst>
           </p:cNvPr>
@@ -5132,14 +5028,14 @@
           </p:nvPr>
         </p:nvPicPr>
         <p:blipFill>
-          <a:blip r:embed="rId2"/>
+          <a:blip r:embed="rId3"/>
           <a:stretch>
             <a:fillRect/>
           </a:stretch>
         </p:blipFill>
         <p:spPr>
           <a:xfrm>
-            <a:off x="-4182" y="2363110"/>
+            <a:off x="-4182" y="1579338"/>
             <a:ext cx="3390900" cy="2124075"/>
           </a:xfrm>
           <a:prstGeom prst="rect">
@@ -5152,7 +5048,7 @@
           <p:cNvPr id="5" name="圖片 4" descr="一張含有 螢幕擷取畫面, 藝術 的圖片&#10;&#10;AI 產生的內容可能不正確。">
             <a:extLst>
               <a:ext uri="{FF2B5EF4-FFF2-40B4-BE49-F238E27FC236}">
-                <a16:creationId xmlns:a16="http://schemas.microsoft.com/office/drawing/2014/main" xmlns="" id="{D5E7349C-9E9C-16A3-D667-54BD37759873}"/>
+                <a16:creationId xmlns="" xmlns:a16="http://schemas.microsoft.com/office/drawing/2014/main" id="{D5E7349C-9E9C-16A3-D667-54BD37759873}"/>
               </a:ext>
             </a:extLst>
           </p:cNvPr>
@@ -5162,14 +5058,14 @@
           <p:nvPr/>
         </p:nvPicPr>
         <p:blipFill>
-          <a:blip r:embed="rId3"/>
+          <a:blip r:embed="rId4"/>
           <a:stretch>
             <a:fillRect/>
           </a:stretch>
         </p:blipFill>
         <p:spPr>
           <a:xfrm>
-            <a:off x="3744719" y="2533650"/>
+            <a:off x="3744719" y="1749878"/>
             <a:ext cx="6877050" cy="1790700"/>
           </a:xfrm>
           <a:prstGeom prst="rect">
@@ -5177,6 +5073,137 @@
           </a:prstGeom>
         </p:spPr>
       </p:pic>
+      <p:sp>
+        <p:nvSpPr>
+          <p:cNvPr id="6" name="文字方塊 5"/>
+          <p:cNvSpPr txBox="1"/>
+          <p:nvPr/>
+        </p:nvSpPr>
+        <p:spPr>
+          <a:xfrm>
+            <a:off x="724824" y="3852516"/>
+            <a:ext cx="10317192" cy="2585323"/>
+          </a:xfrm>
+          <a:prstGeom prst="rect">
+            <a:avLst/>
+          </a:prstGeom>
+          <a:noFill/>
+        </p:spPr>
+        <p:txBody>
+          <a:bodyPr wrap="square" rtlCol="0">
+            <a:spAutoFit/>
+          </a:bodyPr>
+          <a:lstStyle/>
+          <a:p>
+            <a:pPr marL="342900" indent="-342900">
+              <a:buAutoNum type="arabicPeriod"/>
+            </a:pPr>
+            <a:r>
+              <a:rPr lang="en-US" altLang="zh-TW" dirty="0" smtClean="0"/>
+              <a:t>Latent space: </a:t>
+            </a:r>
+            <a:r>
+              <a:rPr lang="zh-TW" altLang="en-US" dirty="0" smtClean="0"/>
+              <a:t> </a:t>
+            </a:r>
+            <a:r>
+              <a:rPr lang="en-US" altLang="zh-TW" dirty="0" smtClean="0"/>
+              <a:t>data compression, high efficiency</a:t>
+            </a:r>
+            <a:endParaRPr lang="en-US" altLang="zh-TW" dirty="0" smtClean="0"/>
+          </a:p>
+          <a:p>
+            <a:pPr marL="342900" indent="-342900">
+              <a:buAutoNum type="arabicPeriod"/>
+            </a:pPr>
+            <a:endParaRPr lang="en-US" altLang="zh-TW" dirty="0"/>
+          </a:p>
+          <a:p>
+            <a:pPr marL="342900" indent="-342900">
+              <a:buAutoNum type="arabicPeriod"/>
+            </a:pPr>
+            <a:r>
+              <a:rPr lang="en-US" altLang="zh-TW" dirty="0" smtClean="0"/>
+              <a:t>Pixel space: high dimension, not smooth</a:t>
+            </a:r>
+            <a:endParaRPr lang="en-US" altLang="zh-TW" dirty="0" smtClean="0"/>
+          </a:p>
+          <a:p>
+            <a:pPr marL="342900" indent="-342900">
+              <a:buAutoNum type="arabicPeriod"/>
+            </a:pPr>
+            <a:endParaRPr lang="en-US" altLang="zh-TW" dirty="0"/>
+          </a:p>
+          <a:p>
+            <a:pPr marL="342900" indent="-342900">
+              <a:buAutoNum type="arabicPeriod"/>
+            </a:pPr>
+            <a:r>
+              <a:rPr lang="en-US" altLang="zh-TW" b="1" dirty="0">
+                <a:solidFill>
+                  <a:srgbClr val="0F0F0F"/>
+                </a:solidFill>
+                <a:latin typeface="Roboto"/>
+                <a:ea typeface="Roboto"/>
+                <a:cs typeface="Roboto"/>
+              </a:rPr>
+              <a:t>Why latent </a:t>
+            </a:r>
+            <a:r>
+              <a:rPr lang="en-US" altLang="zh-TW" b="1" dirty="0" smtClean="0">
+                <a:solidFill>
+                  <a:srgbClr val="0F0F0F"/>
+                </a:solidFill>
+                <a:latin typeface="Roboto"/>
+                <a:ea typeface="Roboto"/>
+                <a:cs typeface="Roboto"/>
+              </a:rPr>
+              <a:t>space?</a:t>
+            </a:r>
+          </a:p>
+          <a:p>
+            <a:pPr marL="800100" lvl="1" indent="-342900">
+              <a:buAutoNum type="arabicPeriod"/>
+            </a:pPr>
+            <a:r>
+              <a:rPr lang="en-US" altLang="zh-TW" dirty="0"/>
+              <a:t>Space: latent space&lt;&lt; pixel </a:t>
+            </a:r>
+            <a:r>
+              <a:rPr lang="en-US" altLang="zh-TW" dirty="0" smtClean="0"/>
+              <a:t>space</a:t>
+            </a:r>
+          </a:p>
+          <a:p>
+            <a:pPr marL="800100" lvl="1" indent="-342900">
+              <a:buAutoNum type="arabicPeriod"/>
+            </a:pPr>
+            <a:r>
+              <a:rPr lang="en-US" altLang="zh-TW" dirty="0"/>
+              <a:t>Style change: enable domain adaptation, style </a:t>
+            </a:r>
+            <a:r>
+              <a:rPr lang="en-US" altLang="zh-TW" dirty="0" smtClean="0"/>
+              <a:t>transfer</a:t>
+            </a:r>
+          </a:p>
+          <a:p>
+            <a:pPr marL="800100" lvl="1" indent="-342900">
+              <a:buAutoNum type="arabicPeriod"/>
+            </a:pPr>
+            <a:r>
+              <a:rPr lang="en-US" altLang="zh-TW" dirty="0"/>
+              <a:t>Enable out-of-distribution prompts</a:t>
+            </a:r>
+          </a:p>
+          <a:p>
+            <a:pPr marL="342900" indent="-342900">
+              <a:buAutoNum type="arabicPeriod"/>
+            </a:pPr>
+            <a:endParaRPr lang="zh-TW" altLang="en-US" dirty="0"/>
+          </a:p>
+        </p:txBody>
+      </p:sp>
     </p:spTree>
     <p:extLst>
       <p:ext uri="{BB962C8B-B14F-4D97-AF65-F5344CB8AC3E}">
@@ -5212,7 +5239,7 @@
           <p:cNvPr id="2" name="標題 1">
             <a:extLst>
               <a:ext uri="{FF2B5EF4-FFF2-40B4-BE49-F238E27FC236}">
-                <a16:creationId xmlns:a16="http://schemas.microsoft.com/office/drawing/2014/main" xmlns="" id="{98A04798-5168-4875-A411-80CD40D53BBD}"/>
+                <a16:creationId xmlns="" xmlns:a16="http://schemas.microsoft.com/office/drawing/2014/main" id="{98A04798-5168-4875-A411-80CD40D53BBD}"/>
               </a:ext>
             </a:extLst>
           </p:cNvPr>
@@ -5255,7 +5282,7 @@
           <p:cNvPr id="3" name="圖片 2" descr="一張含有 文字, 螢幕擷取畫面, 圖表, 字型 的圖片&#10;&#10;AI 產生的內容可能不正確。">
             <a:extLst>
               <a:ext uri="{FF2B5EF4-FFF2-40B4-BE49-F238E27FC236}">
-                <a16:creationId xmlns:a16="http://schemas.microsoft.com/office/drawing/2014/main" xmlns="" id="{C363C685-F821-E348-9BB5-5D32AD8AB2D4}"/>
+                <a16:creationId xmlns="" xmlns:a16="http://schemas.microsoft.com/office/drawing/2014/main" id="{C363C685-F821-E348-9BB5-5D32AD8AB2D4}"/>
               </a:ext>
             </a:extLst>
           </p:cNvPr>
@@ -5315,202 +5342,7 @@
           <p:cNvPr id="2" name="標題 1">
             <a:extLst>
               <a:ext uri="{FF2B5EF4-FFF2-40B4-BE49-F238E27FC236}">
-                <a16:creationId xmlns:a16="http://schemas.microsoft.com/office/drawing/2014/main" xmlns="" id="{98A04798-5168-4875-A411-80CD40D53BBD}"/>
-              </a:ext>
-            </a:extLst>
-          </p:cNvPr>
-          <p:cNvSpPr>
-            <a:spLocks noGrp="1"/>
-          </p:cNvSpPr>
-          <p:nvPr>
-            <p:ph type="title"/>
-          </p:nvPr>
-        </p:nvSpPr>
-        <p:spPr>
-          <a:xfrm>
-            <a:off x="333316" y="544152"/>
-            <a:ext cx="6566757" cy="718058"/>
-          </a:xfrm>
-        </p:spPr>
-        <p:txBody>
-          <a:bodyPr>
-            <a:noAutofit/>
-          </a:bodyPr>
-          <a:lstStyle/>
-          <a:p>
-            <a:r>
-              <a:rPr lang="en-US" altLang="zh-TW" b="1" dirty="0" smtClean="0">
-                <a:solidFill>
-                  <a:srgbClr val="0F0F0F"/>
-                </a:solidFill>
-                <a:latin typeface="Roboto"/>
-                <a:ea typeface="Roboto"/>
-                <a:cs typeface="Roboto"/>
-              </a:rPr>
-              <a:t>Why latent space?</a:t>
-            </a:r>
-            <a:endParaRPr lang="zh-TW" dirty="0"/>
-          </a:p>
-        </p:txBody>
-      </p:sp>
-      <p:pic>
-        <p:nvPicPr>
-          <p:cNvPr id="4" name="圖片 3"/>
-          <p:cNvPicPr>
-            <a:picLocks noChangeAspect="1"/>
-          </p:cNvPicPr>
-          <p:nvPr/>
-        </p:nvPicPr>
-        <p:blipFill rotWithShape="1">
-          <a:blip r:embed="rId3"/>
-          <a:srcRect l="38819" t="19723" r="24518" b="65779"/>
-          <a:stretch/>
-        </p:blipFill>
-        <p:spPr>
-          <a:xfrm>
-            <a:off x="6363955" y="304678"/>
-            <a:ext cx="4304582" cy="957532"/>
-          </a:xfrm>
-          <a:prstGeom prst="rect">
-            <a:avLst/>
-          </a:prstGeom>
-        </p:spPr>
-      </p:pic>
-      <p:sp>
-        <p:nvSpPr>
-          <p:cNvPr id="5" name="文字方塊 4"/>
-          <p:cNvSpPr txBox="1"/>
-          <p:nvPr/>
-        </p:nvSpPr>
-        <p:spPr>
-          <a:xfrm>
-            <a:off x="474453" y="1708030"/>
-            <a:ext cx="10317192" cy="2031325"/>
-          </a:xfrm>
-          <a:prstGeom prst="rect">
-            <a:avLst/>
-          </a:prstGeom>
-          <a:noFill/>
-        </p:spPr>
-        <p:txBody>
-          <a:bodyPr wrap="square" rtlCol="0">
-            <a:spAutoFit/>
-          </a:bodyPr>
-          <a:lstStyle/>
-          <a:p>
-            <a:pPr marL="342900" indent="-342900">
-              <a:buAutoNum type="arabicPeriod"/>
-            </a:pPr>
-            <a:r>
-              <a:rPr lang="en-US" altLang="zh-TW" dirty="0" smtClean="0"/>
-              <a:t>Space</a:t>
-            </a:r>
-            <a:r>
-              <a:rPr lang="en-US" altLang="zh-TW" dirty="0"/>
-              <a:t>: latent space&lt;&lt; pixel </a:t>
-            </a:r>
-            <a:r>
-              <a:rPr lang="en-US" altLang="zh-TW" dirty="0" smtClean="0"/>
-              <a:t>space</a:t>
-            </a:r>
-          </a:p>
-          <a:p>
-            <a:pPr marL="342900" indent="-342900">
-              <a:buAutoNum type="arabicPeriod"/>
-            </a:pPr>
-            <a:endParaRPr lang="en-US" altLang="zh-TW" dirty="0"/>
-          </a:p>
-          <a:p>
-            <a:pPr marL="342900" indent="-342900">
-              <a:buAutoNum type="arabicPeriod"/>
-            </a:pPr>
-            <a:r>
-              <a:rPr lang="en-US" altLang="zh-TW" dirty="0" smtClean="0"/>
-              <a:t>Style change</a:t>
-            </a:r>
-            <a:r>
-              <a:rPr lang="en-US" altLang="zh-TW" dirty="0"/>
-              <a:t>: enable domain </a:t>
-            </a:r>
-            <a:r>
-              <a:rPr lang="en-US" altLang="zh-TW" dirty="0" smtClean="0"/>
-              <a:t>adaptation</a:t>
-            </a:r>
-            <a:r>
-              <a:rPr lang="en-US" altLang="zh-TW" dirty="0"/>
-              <a:t>, style </a:t>
-            </a:r>
-            <a:r>
-              <a:rPr lang="en-US" altLang="zh-TW" dirty="0" smtClean="0"/>
-              <a:t>transfer</a:t>
-            </a:r>
-          </a:p>
-          <a:p>
-            <a:pPr marL="342900" indent="-342900">
-              <a:buAutoNum type="arabicPeriod"/>
-            </a:pPr>
-            <a:endParaRPr lang="en-US" altLang="zh-TW" dirty="0"/>
-          </a:p>
-          <a:p>
-            <a:pPr marL="342900" indent="-342900">
-              <a:buAutoNum type="arabicPeriod"/>
-            </a:pPr>
-            <a:r>
-              <a:rPr lang="en-US" altLang="zh-TW" dirty="0"/>
-              <a:t>Enable out-of-distribution prompts</a:t>
-            </a:r>
-            <a:endParaRPr lang="en-US" altLang="zh-TW" dirty="0" smtClean="0"/>
-          </a:p>
-          <a:p>
-            <a:pPr marL="342900" indent="-342900">
-              <a:buAutoNum type="arabicPeriod"/>
-            </a:pPr>
-            <a:endParaRPr lang="en-US" altLang="zh-TW" dirty="0"/>
-          </a:p>
-          <a:p>
-            <a:pPr marL="342900" indent="-342900">
-              <a:buAutoNum type="arabicPeriod"/>
-            </a:pPr>
-            <a:endParaRPr lang="zh-TW" altLang="en-US" dirty="0"/>
-          </a:p>
-        </p:txBody>
-      </p:sp>
-    </p:spTree>
-    <p:extLst>
-      <p:ext uri="{BB962C8B-B14F-4D97-AF65-F5344CB8AC3E}">
-        <p14:creationId xmlns:p14="http://schemas.microsoft.com/office/powerpoint/2010/main" val="1847909523"/>
-      </p:ext>
-    </p:extLst>
-  </p:cSld>
-  <p:clrMapOvr>
-    <a:masterClrMapping/>
-  </p:clrMapOvr>
-</p:sld>
-</file>
-
-<file path=ppt/slides/slide9.xml><?xml version="1.0" encoding="utf-8"?>
-<p:sld xmlns:a="http://schemas.openxmlformats.org/drawingml/2006/main" xmlns:r="http://schemas.openxmlformats.org/officeDocument/2006/relationships" xmlns:p="http://schemas.openxmlformats.org/presentationml/2006/main">
-  <p:cSld>
-    <p:spTree>
-      <p:nvGrpSpPr>
-        <p:cNvPr id="1" name=""/>
-        <p:cNvGrpSpPr/>
-        <p:nvPr/>
-      </p:nvGrpSpPr>
-      <p:grpSpPr>
-        <a:xfrm>
-          <a:off x="0" y="0"/>
-          <a:ext cx="0" cy="0"/>
-          <a:chOff x="0" y="0"/>
-          <a:chExt cx="0" cy="0"/>
-        </a:xfrm>
-      </p:grpSpPr>
-      <p:sp>
-        <p:nvSpPr>
-          <p:cNvPr id="2" name="標題 1">
-            <a:extLst>
-              <a:ext uri="{FF2B5EF4-FFF2-40B4-BE49-F238E27FC236}">
-                <a16:creationId xmlns:a16="http://schemas.microsoft.com/office/drawing/2014/main" xmlns="" id="{98A04798-5168-4875-A411-80CD40D53BBD}"/>
+                <a16:creationId xmlns="" xmlns:a16="http://schemas.microsoft.com/office/drawing/2014/main" id="{98A04798-5168-4875-A411-80CD40D53BBD}"/>
               </a:ext>
             </a:extLst>
           </p:cNvPr>
@@ -5660,6 +5492,125 @@
     <p:extLst>
       <p:ext uri="{BB962C8B-B14F-4D97-AF65-F5344CB8AC3E}">
         <p14:creationId xmlns:p14="http://schemas.microsoft.com/office/powerpoint/2010/main" val="393675596"/>
+      </p:ext>
+    </p:extLst>
+  </p:cSld>
+  <p:clrMapOvr>
+    <a:masterClrMapping/>
+  </p:clrMapOvr>
+</p:sld>
+</file>
+
+<file path=ppt/slides/slide9.xml><?xml version="1.0" encoding="utf-8"?>
+<p:sld xmlns:a="http://schemas.openxmlformats.org/drawingml/2006/main" xmlns:r="http://schemas.openxmlformats.org/officeDocument/2006/relationships" xmlns:p="http://schemas.openxmlformats.org/presentationml/2006/main">
+  <p:cSld>
+    <p:spTree>
+      <p:nvGrpSpPr>
+        <p:cNvPr id="1" name=""/>
+        <p:cNvGrpSpPr/>
+        <p:nvPr/>
+      </p:nvGrpSpPr>
+      <p:grpSpPr>
+        <a:xfrm>
+          <a:off x="0" y="0"/>
+          <a:ext cx="0" cy="0"/>
+          <a:chOff x="0" y="0"/>
+          <a:chExt cx="0" cy="0"/>
+        </a:xfrm>
+      </p:grpSpPr>
+      <p:sp>
+        <p:nvSpPr>
+          <p:cNvPr id="2" name="標題 1">
+            <a:extLst>
+              <a:ext uri="{FF2B5EF4-FFF2-40B4-BE49-F238E27FC236}">
+                <a16:creationId xmlns="" xmlns:a16="http://schemas.microsoft.com/office/drawing/2014/main" id="{98A04798-5168-4875-A411-80CD40D53BBD}"/>
+              </a:ext>
+            </a:extLst>
+          </p:cNvPr>
+          <p:cNvSpPr>
+            <a:spLocks noGrp="1"/>
+          </p:cNvSpPr>
+          <p:nvPr>
+            <p:ph type="title"/>
+          </p:nvPr>
+        </p:nvSpPr>
+        <p:spPr>
+          <a:xfrm>
+            <a:off x="333316" y="544152"/>
+            <a:ext cx="6566757" cy="718058"/>
+          </a:xfrm>
+        </p:spPr>
+        <p:txBody>
+          <a:bodyPr>
+            <a:noAutofit/>
+          </a:bodyPr>
+          <a:lstStyle/>
+          <a:p>
+            <a:r>
+              <a:rPr lang="en-US" altLang="zh-TW" dirty="0" smtClean="0"/>
+              <a:t>Diffusion for Interpolating Images</a:t>
+            </a:r>
+            <a:endParaRPr lang="zh-TW" dirty="0"/>
+          </a:p>
+        </p:txBody>
+      </p:sp>
+      <p:pic>
+        <p:nvPicPr>
+          <p:cNvPr id="4" name="圖片 3"/>
+          <p:cNvPicPr>
+            <a:picLocks noChangeAspect="1"/>
+          </p:cNvPicPr>
+          <p:nvPr/>
+        </p:nvPicPr>
+        <p:blipFill rotWithShape="1">
+          <a:blip r:embed="rId3"/>
+          <a:srcRect l="24153" t="24946" r="12064" b="12763"/>
+          <a:stretch/>
+        </p:blipFill>
+        <p:spPr>
+          <a:xfrm>
+            <a:off x="2144486" y="1975099"/>
+            <a:ext cx="7903029" cy="4341396"/>
+          </a:xfrm>
+          <a:prstGeom prst="rect">
+            <a:avLst/>
+          </a:prstGeom>
+        </p:spPr>
+      </p:pic>
+      <p:sp>
+        <p:nvSpPr>
+          <p:cNvPr id="8" name="文字方塊 7"/>
+          <p:cNvSpPr txBox="1"/>
+          <p:nvPr/>
+        </p:nvSpPr>
+        <p:spPr>
+          <a:xfrm>
+            <a:off x="474453" y="1605767"/>
+            <a:ext cx="10317192" cy="369332"/>
+          </a:xfrm>
+          <a:prstGeom prst="rect">
+            <a:avLst/>
+          </a:prstGeom>
+          <a:noFill/>
+        </p:spPr>
+        <p:txBody>
+          <a:bodyPr wrap="square" rtlCol="0">
+            <a:spAutoFit/>
+          </a:bodyPr>
+          <a:lstStyle/>
+          <a:p>
+            <a:r>
+              <a:rPr lang="en-US" altLang="zh-TW" smtClean="0"/>
+              <a:t>result</a:t>
+            </a:r>
+            <a:endParaRPr lang="zh-TW" altLang="en-US" dirty="0"/>
+          </a:p>
+        </p:txBody>
+      </p:sp>
+    </p:spTree>
+    <p:extLst>
+      <p:ext uri="{BB962C8B-B14F-4D97-AF65-F5344CB8AC3E}">
+        <p14:creationId xmlns:p14="http://schemas.microsoft.com/office/powerpoint/2010/main" val="3449823456"/>
       </p:ext>
     </p:extLst>
   </p:cSld>

--- a/diffusion書報/DDPM.pptx
+++ b/diffusion書報/DDPM.pptx
@@ -5,7 +5,7 @@
     <p:sldMasterId id="2147483648" r:id="rId1"/>
   </p:sldMasterIdLst>
   <p:notesMasterIdLst>
-    <p:notesMasterId r:id="rId11"/>
+    <p:notesMasterId r:id="rId12"/>
   </p:notesMasterIdLst>
   <p:sldIdLst>
     <p:sldId id="256" r:id="rId2"/>
@@ -16,7 +16,8 @@
     <p:sldId id="262" r:id="rId7"/>
     <p:sldId id="261" r:id="rId8"/>
     <p:sldId id="265" r:id="rId9"/>
-    <p:sldId id="266" r:id="rId10"/>
+    <p:sldId id="267" r:id="rId10"/>
+    <p:sldId id="266" r:id="rId11"/>
   </p:sldIdLst>
   <p:sldSz cx="12192000" cy="6858000"/>
   <p:notesSz cx="6858000" cy="9144000"/>
@@ -883,6 +884,90 @@
     </p:spTree>
     <p:extLst>
       <p:ext uri="{BB962C8B-B14F-4D97-AF65-F5344CB8AC3E}">
+        <p14:creationId xmlns:p14="http://schemas.microsoft.com/office/powerpoint/2010/main" val="178911121"/>
+      </p:ext>
+    </p:extLst>
+  </p:cSld>
+  <p:clrMapOvr>
+    <a:masterClrMapping/>
+  </p:clrMapOvr>
+</p:notes>
+</file>
+
+<file path=ppt/notesSlides/notesSlide5.xml><?xml version="1.0" encoding="utf-8"?>
+<p:notes xmlns:a="http://schemas.openxmlformats.org/drawingml/2006/main" xmlns:r="http://schemas.openxmlformats.org/officeDocument/2006/relationships" xmlns:p="http://schemas.openxmlformats.org/presentationml/2006/main">
+  <p:cSld>
+    <p:spTree>
+      <p:nvGrpSpPr>
+        <p:cNvPr id="1" name=""/>
+        <p:cNvGrpSpPr/>
+        <p:nvPr/>
+      </p:nvGrpSpPr>
+      <p:grpSpPr>
+        <a:xfrm>
+          <a:off x="0" y="0"/>
+          <a:ext cx="0" cy="0"/>
+          <a:chOff x="0" y="0"/>
+          <a:chExt cx="0" cy="0"/>
+        </a:xfrm>
+      </p:grpSpPr>
+      <p:sp>
+        <p:nvSpPr>
+          <p:cNvPr id="2" name="投影片圖像版面配置區 1"/>
+          <p:cNvSpPr>
+            <a:spLocks noGrp="1" noRot="1" noChangeAspect="1"/>
+          </p:cNvSpPr>
+          <p:nvPr>
+            <p:ph type="sldImg"/>
+          </p:nvPr>
+        </p:nvSpPr>
+        <p:spPr/>
+      </p:sp>
+      <p:sp>
+        <p:nvSpPr>
+          <p:cNvPr id="3" name="備忘稿版面配置區 2"/>
+          <p:cNvSpPr>
+            <a:spLocks noGrp="1"/>
+          </p:cNvSpPr>
+          <p:nvPr>
+            <p:ph type="body" idx="1"/>
+          </p:nvPr>
+        </p:nvSpPr>
+        <p:spPr/>
+        <p:txBody>
+          <a:bodyPr/>
+          <a:lstStyle/>
+          <a:p>
+            <a:endParaRPr lang="zh-TW" altLang="en-US" dirty="0"/>
+          </a:p>
+        </p:txBody>
+      </p:sp>
+      <p:sp>
+        <p:nvSpPr>
+          <p:cNvPr id="4" name="投影片編號版面配置區 3"/>
+          <p:cNvSpPr>
+            <a:spLocks noGrp="1"/>
+          </p:cNvSpPr>
+          <p:nvPr>
+            <p:ph type="sldNum" sz="quarter" idx="10"/>
+          </p:nvPr>
+        </p:nvSpPr>
+        <p:spPr/>
+        <p:txBody>
+          <a:bodyPr/>
+          <a:lstStyle/>
+          <a:p>
+            <a:fld id="{B8D0CE21-A827-46F8-BEFD-C23296934A6E}" type="slidenum">
+              <a:rPr lang="zh-TW" altLang="en-US" smtClean="0"/>
+              <a:t>10</a:t>
+            </a:fld>
+            <a:endParaRPr lang="zh-TW" altLang="en-US"/>
+          </a:p>
+        </p:txBody>
+      </p:sp>
+    </p:spTree>
+    <p:extLst>
+      <p:ext uri="{BB962C8B-B14F-4D97-AF65-F5344CB8AC3E}">
         <p14:creationId xmlns:p14="http://schemas.microsoft.com/office/powerpoint/2010/main" val="3188509654"/>
       </p:ext>
     </p:extLst>
@@ -915,7 +1000,7 @@
           <p:cNvPr id="2" name="標題 1">
             <a:extLst>
               <a:ext uri="{FF2B5EF4-FFF2-40B4-BE49-F238E27FC236}">
-                <a16:creationId xmlns="" xmlns:a16="http://schemas.microsoft.com/office/drawing/2014/main" id="{E35DDB53-C1D0-4F65-A4BE-FDCE1B8E9860}"/>
+                <a16:creationId xmlns:a16="http://schemas.microsoft.com/office/drawing/2014/main" xmlns="" id="{E35DDB53-C1D0-4F65-A4BE-FDCE1B8E9860}"/>
               </a:ext>
             </a:extLst>
           </p:cNvPr>
@@ -952,7 +1037,7 @@
           <p:cNvPr id="3" name="副標題 2">
             <a:extLst>
               <a:ext uri="{FF2B5EF4-FFF2-40B4-BE49-F238E27FC236}">
-                <a16:creationId xmlns="" xmlns:a16="http://schemas.microsoft.com/office/drawing/2014/main" id="{8354E729-BC2A-4F7F-8F4B-8373B46B63FE}"/>
+                <a16:creationId xmlns:a16="http://schemas.microsoft.com/office/drawing/2014/main" xmlns="" id="{8354E729-BC2A-4F7F-8F4B-8373B46B63FE}"/>
               </a:ext>
             </a:extLst>
           </p:cNvPr>
@@ -1022,7 +1107,7 @@
           <p:cNvPr id="4" name="日期版面配置區 3">
             <a:extLst>
               <a:ext uri="{FF2B5EF4-FFF2-40B4-BE49-F238E27FC236}">
-                <a16:creationId xmlns="" xmlns:a16="http://schemas.microsoft.com/office/drawing/2014/main" id="{53A123AF-A667-4572-AB54-DBC4AD746939}"/>
+                <a16:creationId xmlns:a16="http://schemas.microsoft.com/office/drawing/2014/main" xmlns="" id="{53A123AF-A667-4572-AB54-DBC4AD746939}"/>
               </a:ext>
             </a:extLst>
           </p:cNvPr>
@@ -1051,7 +1136,7 @@
           <p:cNvPr id="5" name="頁尾版面配置區 4">
             <a:extLst>
               <a:ext uri="{FF2B5EF4-FFF2-40B4-BE49-F238E27FC236}">
-                <a16:creationId xmlns="" xmlns:a16="http://schemas.microsoft.com/office/drawing/2014/main" id="{C1680952-D95E-4C38-A26F-B893A6A5912A}"/>
+                <a16:creationId xmlns:a16="http://schemas.microsoft.com/office/drawing/2014/main" xmlns="" id="{C1680952-D95E-4C38-A26F-B893A6A5912A}"/>
               </a:ext>
             </a:extLst>
           </p:cNvPr>
@@ -1076,7 +1161,7 @@
           <p:cNvPr id="6" name="投影片編號版面配置區 5">
             <a:extLst>
               <a:ext uri="{FF2B5EF4-FFF2-40B4-BE49-F238E27FC236}">
-                <a16:creationId xmlns="" xmlns:a16="http://schemas.microsoft.com/office/drawing/2014/main" id="{7B4DFC22-CF8A-42FA-B051-57874EC650B4}"/>
+                <a16:creationId xmlns:a16="http://schemas.microsoft.com/office/drawing/2014/main" xmlns="" id="{7B4DFC22-CF8A-42FA-B051-57874EC650B4}"/>
               </a:ext>
             </a:extLst>
           </p:cNvPr>
@@ -1135,7 +1220,7 @@
           <p:cNvPr id="2" name="標題 1">
             <a:extLst>
               <a:ext uri="{FF2B5EF4-FFF2-40B4-BE49-F238E27FC236}">
-                <a16:creationId xmlns="" xmlns:a16="http://schemas.microsoft.com/office/drawing/2014/main" id="{BF8231CC-55F0-4C45-98FF-6E283F9BE9B7}"/>
+                <a16:creationId xmlns:a16="http://schemas.microsoft.com/office/drawing/2014/main" xmlns="" id="{BF8231CC-55F0-4C45-98FF-6E283F9BE9B7}"/>
               </a:ext>
             </a:extLst>
           </p:cNvPr>
@@ -1163,7 +1248,7 @@
           <p:cNvPr id="3" name="直排文字版面配置區 2">
             <a:extLst>
               <a:ext uri="{FF2B5EF4-FFF2-40B4-BE49-F238E27FC236}">
-                <a16:creationId xmlns="" xmlns:a16="http://schemas.microsoft.com/office/drawing/2014/main" id="{8FF68CBD-6D1A-4843-BDC7-19874D55AB91}"/>
+                <a16:creationId xmlns:a16="http://schemas.microsoft.com/office/drawing/2014/main" xmlns="" id="{8FF68CBD-6D1A-4843-BDC7-19874D55AB91}"/>
               </a:ext>
             </a:extLst>
           </p:cNvPr>
@@ -1220,7 +1305,7 @@
           <p:cNvPr id="4" name="日期版面配置區 3">
             <a:extLst>
               <a:ext uri="{FF2B5EF4-FFF2-40B4-BE49-F238E27FC236}">
-                <a16:creationId xmlns="" xmlns:a16="http://schemas.microsoft.com/office/drawing/2014/main" id="{DB8D22BC-3DCA-48D2-AB31-E480388E4151}"/>
+                <a16:creationId xmlns:a16="http://schemas.microsoft.com/office/drawing/2014/main" xmlns="" id="{DB8D22BC-3DCA-48D2-AB31-E480388E4151}"/>
               </a:ext>
             </a:extLst>
           </p:cNvPr>
@@ -1249,7 +1334,7 @@
           <p:cNvPr id="5" name="頁尾版面配置區 4">
             <a:extLst>
               <a:ext uri="{FF2B5EF4-FFF2-40B4-BE49-F238E27FC236}">
-                <a16:creationId xmlns="" xmlns:a16="http://schemas.microsoft.com/office/drawing/2014/main" id="{467873BE-0D19-44DB-BDF7-F65B9609DB66}"/>
+                <a16:creationId xmlns:a16="http://schemas.microsoft.com/office/drawing/2014/main" xmlns="" id="{467873BE-0D19-44DB-BDF7-F65B9609DB66}"/>
               </a:ext>
             </a:extLst>
           </p:cNvPr>
@@ -1274,7 +1359,7 @@
           <p:cNvPr id="6" name="投影片編號版面配置區 5">
             <a:extLst>
               <a:ext uri="{FF2B5EF4-FFF2-40B4-BE49-F238E27FC236}">
-                <a16:creationId xmlns="" xmlns:a16="http://schemas.microsoft.com/office/drawing/2014/main" id="{3DB2F59D-061E-4373-B631-C6CB62DFE299}"/>
+                <a16:creationId xmlns:a16="http://schemas.microsoft.com/office/drawing/2014/main" xmlns="" id="{3DB2F59D-061E-4373-B631-C6CB62DFE299}"/>
               </a:ext>
             </a:extLst>
           </p:cNvPr>
@@ -1333,7 +1418,7 @@
           <p:cNvPr id="2" name="直排標題 1">
             <a:extLst>
               <a:ext uri="{FF2B5EF4-FFF2-40B4-BE49-F238E27FC236}">
-                <a16:creationId xmlns="" xmlns:a16="http://schemas.microsoft.com/office/drawing/2014/main" id="{06EDF22F-572D-4E49-B9FE-461C70AE81B4}"/>
+                <a16:creationId xmlns:a16="http://schemas.microsoft.com/office/drawing/2014/main" xmlns="" id="{06EDF22F-572D-4E49-B9FE-461C70AE81B4}"/>
               </a:ext>
             </a:extLst>
           </p:cNvPr>
@@ -1366,7 +1451,7 @@
           <p:cNvPr id="3" name="直排文字版面配置區 2">
             <a:extLst>
               <a:ext uri="{FF2B5EF4-FFF2-40B4-BE49-F238E27FC236}">
-                <a16:creationId xmlns="" xmlns:a16="http://schemas.microsoft.com/office/drawing/2014/main" id="{59CC5A8A-0DE7-403D-92AC-B9CB79636A91}"/>
+                <a16:creationId xmlns:a16="http://schemas.microsoft.com/office/drawing/2014/main" xmlns="" id="{59CC5A8A-0DE7-403D-92AC-B9CB79636A91}"/>
               </a:ext>
             </a:extLst>
           </p:cNvPr>
@@ -1428,7 +1513,7 @@
           <p:cNvPr id="4" name="日期版面配置區 3">
             <a:extLst>
               <a:ext uri="{FF2B5EF4-FFF2-40B4-BE49-F238E27FC236}">
-                <a16:creationId xmlns="" xmlns:a16="http://schemas.microsoft.com/office/drawing/2014/main" id="{34E26329-B68D-435D-9D35-A130E9D0035E}"/>
+                <a16:creationId xmlns:a16="http://schemas.microsoft.com/office/drawing/2014/main" xmlns="" id="{34E26329-B68D-435D-9D35-A130E9D0035E}"/>
               </a:ext>
             </a:extLst>
           </p:cNvPr>
@@ -1457,7 +1542,7 @@
           <p:cNvPr id="5" name="頁尾版面配置區 4">
             <a:extLst>
               <a:ext uri="{FF2B5EF4-FFF2-40B4-BE49-F238E27FC236}">
-                <a16:creationId xmlns="" xmlns:a16="http://schemas.microsoft.com/office/drawing/2014/main" id="{F9AF36C7-E76E-42D1-9E71-EFBDDBB0D96B}"/>
+                <a16:creationId xmlns:a16="http://schemas.microsoft.com/office/drawing/2014/main" xmlns="" id="{F9AF36C7-E76E-42D1-9E71-EFBDDBB0D96B}"/>
               </a:ext>
             </a:extLst>
           </p:cNvPr>
@@ -1482,7 +1567,7 @@
           <p:cNvPr id="6" name="投影片編號版面配置區 5">
             <a:extLst>
               <a:ext uri="{FF2B5EF4-FFF2-40B4-BE49-F238E27FC236}">
-                <a16:creationId xmlns="" xmlns:a16="http://schemas.microsoft.com/office/drawing/2014/main" id="{FF7619F3-574F-4F73-B342-3EBD0FCAFF59}"/>
+                <a16:creationId xmlns:a16="http://schemas.microsoft.com/office/drawing/2014/main" xmlns="" id="{FF7619F3-574F-4F73-B342-3EBD0FCAFF59}"/>
               </a:ext>
             </a:extLst>
           </p:cNvPr>
@@ -1541,7 +1626,7 @@
           <p:cNvPr id="2" name="標題 1">
             <a:extLst>
               <a:ext uri="{FF2B5EF4-FFF2-40B4-BE49-F238E27FC236}">
-                <a16:creationId xmlns="" xmlns:a16="http://schemas.microsoft.com/office/drawing/2014/main" id="{9417FDB8-6564-4A89-892F-121ECB6A15E3}"/>
+                <a16:creationId xmlns:a16="http://schemas.microsoft.com/office/drawing/2014/main" xmlns="" id="{9417FDB8-6564-4A89-892F-121ECB6A15E3}"/>
               </a:ext>
             </a:extLst>
           </p:cNvPr>
@@ -1569,7 +1654,7 @@
           <p:cNvPr id="3" name="內容版面配置區 2">
             <a:extLst>
               <a:ext uri="{FF2B5EF4-FFF2-40B4-BE49-F238E27FC236}">
-                <a16:creationId xmlns="" xmlns:a16="http://schemas.microsoft.com/office/drawing/2014/main" id="{51212427-EE34-43C7-A8FD-694D51AB046E}"/>
+                <a16:creationId xmlns:a16="http://schemas.microsoft.com/office/drawing/2014/main" xmlns="" id="{51212427-EE34-43C7-A8FD-694D51AB046E}"/>
               </a:ext>
             </a:extLst>
           </p:cNvPr>
@@ -1626,7 +1711,7 @@
           <p:cNvPr id="4" name="日期版面配置區 3">
             <a:extLst>
               <a:ext uri="{FF2B5EF4-FFF2-40B4-BE49-F238E27FC236}">
-                <a16:creationId xmlns="" xmlns:a16="http://schemas.microsoft.com/office/drawing/2014/main" id="{57CBDCD7-360C-4618-99D5-86A5A5EF480F}"/>
+                <a16:creationId xmlns:a16="http://schemas.microsoft.com/office/drawing/2014/main" xmlns="" id="{57CBDCD7-360C-4618-99D5-86A5A5EF480F}"/>
               </a:ext>
             </a:extLst>
           </p:cNvPr>
@@ -1655,7 +1740,7 @@
           <p:cNvPr id="5" name="頁尾版面配置區 4">
             <a:extLst>
               <a:ext uri="{FF2B5EF4-FFF2-40B4-BE49-F238E27FC236}">
-                <a16:creationId xmlns="" xmlns:a16="http://schemas.microsoft.com/office/drawing/2014/main" id="{CF3DC7E3-2CDA-47FC-82EC-B6724DEDE6AE}"/>
+                <a16:creationId xmlns:a16="http://schemas.microsoft.com/office/drawing/2014/main" xmlns="" id="{CF3DC7E3-2CDA-47FC-82EC-B6724DEDE6AE}"/>
               </a:ext>
             </a:extLst>
           </p:cNvPr>
@@ -1680,7 +1765,7 @@
           <p:cNvPr id="6" name="投影片編號版面配置區 5">
             <a:extLst>
               <a:ext uri="{FF2B5EF4-FFF2-40B4-BE49-F238E27FC236}">
-                <a16:creationId xmlns="" xmlns:a16="http://schemas.microsoft.com/office/drawing/2014/main" id="{6FCD9DA0-45A4-4361-AD1D-DB2F24801798}"/>
+                <a16:creationId xmlns:a16="http://schemas.microsoft.com/office/drawing/2014/main" xmlns="" id="{6FCD9DA0-45A4-4361-AD1D-DB2F24801798}"/>
               </a:ext>
             </a:extLst>
           </p:cNvPr>
@@ -1739,7 +1824,7 @@
           <p:cNvPr id="2" name="標題 1">
             <a:extLst>
               <a:ext uri="{FF2B5EF4-FFF2-40B4-BE49-F238E27FC236}">
-                <a16:creationId xmlns="" xmlns:a16="http://schemas.microsoft.com/office/drawing/2014/main" id="{AAD101D0-1702-4091-BD84-775665326445}"/>
+                <a16:creationId xmlns:a16="http://schemas.microsoft.com/office/drawing/2014/main" xmlns="" id="{AAD101D0-1702-4091-BD84-775665326445}"/>
               </a:ext>
             </a:extLst>
           </p:cNvPr>
@@ -1776,7 +1861,7 @@
           <p:cNvPr id="3" name="文字版面配置區 2">
             <a:extLst>
               <a:ext uri="{FF2B5EF4-FFF2-40B4-BE49-F238E27FC236}">
-                <a16:creationId xmlns="" xmlns:a16="http://schemas.microsoft.com/office/drawing/2014/main" id="{0BD8E1E2-602B-4613-8148-CCAA3F8A8479}"/>
+                <a16:creationId xmlns:a16="http://schemas.microsoft.com/office/drawing/2014/main" xmlns="" id="{0BD8E1E2-602B-4613-8148-CCAA3F8A8479}"/>
               </a:ext>
             </a:extLst>
           </p:cNvPr>
@@ -1901,7 +1986,7 @@
           <p:cNvPr id="4" name="日期版面配置區 3">
             <a:extLst>
               <a:ext uri="{FF2B5EF4-FFF2-40B4-BE49-F238E27FC236}">
-                <a16:creationId xmlns="" xmlns:a16="http://schemas.microsoft.com/office/drawing/2014/main" id="{EE9C1E22-1E55-471F-AFCC-5907530118FD}"/>
+                <a16:creationId xmlns:a16="http://schemas.microsoft.com/office/drawing/2014/main" xmlns="" id="{EE9C1E22-1E55-471F-AFCC-5907530118FD}"/>
               </a:ext>
             </a:extLst>
           </p:cNvPr>
@@ -1930,7 +2015,7 @@
           <p:cNvPr id="5" name="頁尾版面配置區 4">
             <a:extLst>
               <a:ext uri="{FF2B5EF4-FFF2-40B4-BE49-F238E27FC236}">
-                <a16:creationId xmlns="" xmlns:a16="http://schemas.microsoft.com/office/drawing/2014/main" id="{00E74574-3F79-43E0-886E-0F7B5FBEE9EB}"/>
+                <a16:creationId xmlns:a16="http://schemas.microsoft.com/office/drawing/2014/main" xmlns="" id="{00E74574-3F79-43E0-886E-0F7B5FBEE9EB}"/>
               </a:ext>
             </a:extLst>
           </p:cNvPr>
@@ -1955,7 +2040,7 @@
           <p:cNvPr id="6" name="投影片編號版面配置區 5">
             <a:extLst>
               <a:ext uri="{FF2B5EF4-FFF2-40B4-BE49-F238E27FC236}">
-                <a16:creationId xmlns="" xmlns:a16="http://schemas.microsoft.com/office/drawing/2014/main" id="{6D0AEA75-5543-4200-8506-0B2ECFF44CCA}"/>
+                <a16:creationId xmlns:a16="http://schemas.microsoft.com/office/drawing/2014/main" xmlns="" id="{6D0AEA75-5543-4200-8506-0B2ECFF44CCA}"/>
               </a:ext>
             </a:extLst>
           </p:cNvPr>
@@ -2014,7 +2099,7 @@
           <p:cNvPr id="2" name="標題 1">
             <a:extLst>
               <a:ext uri="{FF2B5EF4-FFF2-40B4-BE49-F238E27FC236}">
-                <a16:creationId xmlns="" xmlns:a16="http://schemas.microsoft.com/office/drawing/2014/main" id="{73297404-2E9F-475C-B361-4DC34C7D854A}"/>
+                <a16:creationId xmlns:a16="http://schemas.microsoft.com/office/drawing/2014/main" xmlns="" id="{73297404-2E9F-475C-B361-4DC34C7D854A}"/>
               </a:ext>
             </a:extLst>
           </p:cNvPr>
@@ -2042,7 +2127,7 @@
           <p:cNvPr id="3" name="內容版面配置區 2">
             <a:extLst>
               <a:ext uri="{FF2B5EF4-FFF2-40B4-BE49-F238E27FC236}">
-                <a16:creationId xmlns="" xmlns:a16="http://schemas.microsoft.com/office/drawing/2014/main" id="{1E0DA65C-B23C-4D21-BECF-E728DDEC65BE}"/>
+                <a16:creationId xmlns:a16="http://schemas.microsoft.com/office/drawing/2014/main" xmlns="" id="{1E0DA65C-B23C-4D21-BECF-E728DDEC65BE}"/>
               </a:ext>
             </a:extLst>
           </p:cNvPr>
@@ -2104,7 +2189,7 @@
           <p:cNvPr id="4" name="內容版面配置區 3">
             <a:extLst>
               <a:ext uri="{FF2B5EF4-FFF2-40B4-BE49-F238E27FC236}">
-                <a16:creationId xmlns="" xmlns:a16="http://schemas.microsoft.com/office/drawing/2014/main" id="{0DBA3308-CC5B-4665-A367-63EBBDCCB497}"/>
+                <a16:creationId xmlns:a16="http://schemas.microsoft.com/office/drawing/2014/main" xmlns="" id="{0DBA3308-CC5B-4665-A367-63EBBDCCB497}"/>
               </a:ext>
             </a:extLst>
           </p:cNvPr>
@@ -2166,7 +2251,7 @@
           <p:cNvPr id="5" name="日期版面配置區 4">
             <a:extLst>
               <a:ext uri="{FF2B5EF4-FFF2-40B4-BE49-F238E27FC236}">
-                <a16:creationId xmlns="" xmlns:a16="http://schemas.microsoft.com/office/drawing/2014/main" id="{FF3EBDA5-6D03-43A8-9138-B1D9126B0646}"/>
+                <a16:creationId xmlns:a16="http://schemas.microsoft.com/office/drawing/2014/main" xmlns="" id="{FF3EBDA5-6D03-43A8-9138-B1D9126B0646}"/>
               </a:ext>
             </a:extLst>
           </p:cNvPr>
@@ -2195,7 +2280,7 @@
           <p:cNvPr id="6" name="頁尾版面配置區 5">
             <a:extLst>
               <a:ext uri="{FF2B5EF4-FFF2-40B4-BE49-F238E27FC236}">
-                <a16:creationId xmlns="" xmlns:a16="http://schemas.microsoft.com/office/drawing/2014/main" id="{EA849ADE-300E-4A53-8040-52D9F9254D9A}"/>
+                <a16:creationId xmlns:a16="http://schemas.microsoft.com/office/drawing/2014/main" xmlns="" id="{EA849ADE-300E-4A53-8040-52D9F9254D9A}"/>
               </a:ext>
             </a:extLst>
           </p:cNvPr>
@@ -2220,7 +2305,7 @@
           <p:cNvPr id="7" name="投影片編號版面配置區 6">
             <a:extLst>
               <a:ext uri="{FF2B5EF4-FFF2-40B4-BE49-F238E27FC236}">
-                <a16:creationId xmlns="" xmlns:a16="http://schemas.microsoft.com/office/drawing/2014/main" id="{CB0B5C42-76A2-46F7-AD5D-A3B84D4B6684}"/>
+                <a16:creationId xmlns:a16="http://schemas.microsoft.com/office/drawing/2014/main" xmlns="" id="{CB0B5C42-76A2-46F7-AD5D-A3B84D4B6684}"/>
               </a:ext>
             </a:extLst>
           </p:cNvPr>
@@ -2279,7 +2364,7 @@
           <p:cNvPr id="2" name="標題 1">
             <a:extLst>
               <a:ext uri="{FF2B5EF4-FFF2-40B4-BE49-F238E27FC236}">
-                <a16:creationId xmlns="" xmlns:a16="http://schemas.microsoft.com/office/drawing/2014/main" id="{DF359BC2-8E8B-43E3-BD44-C574EF3FE6B4}"/>
+                <a16:creationId xmlns:a16="http://schemas.microsoft.com/office/drawing/2014/main" xmlns="" id="{DF359BC2-8E8B-43E3-BD44-C574EF3FE6B4}"/>
               </a:ext>
             </a:extLst>
           </p:cNvPr>
@@ -2312,7 +2397,7 @@
           <p:cNvPr id="3" name="文字版面配置區 2">
             <a:extLst>
               <a:ext uri="{FF2B5EF4-FFF2-40B4-BE49-F238E27FC236}">
-                <a16:creationId xmlns="" xmlns:a16="http://schemas.microsoft.com/office/drawing/2014/main" id="{7CF20A5E-5DA7-4C8E-BCDC-D8CEA280A4B8}"/>
+                <a16:creationId xmlns:a16="http://schemas.microsoft.com/office/drawing/2014/main" xmlns="" id="{7CF20A5E-5DA7-4C8E-BCDC-D8CEA280A4B8}"/>
               </a:ext>
             </a:extLst>
           </p:cNvPr>
@@ -2383,7 +2468,7 @@
           <p:cNvPr id="4" name="內容版面配置區 3">
             <a:extLst>
               <a:ext uri="{FF2B5EF4-FFF2-40B4-BE49-F238E27FC236}">
-                <a16:creationId xmlns="" xmlns:a16="http://schemas.microsoft.com/office/drawing/2014/main" id="{C6FB0619-911A-4AA2-A1C9-02542414136C}"/>
+                <a16:creationId xmlns:a16="http://schemas.microsoft.com/office/drawing/2014/main" xmlns="" id="{C6FB0619-911A-4AA2-A1C9-02542414136C}"/>
               </a:ext>
             </a:extLst>
           </p:cNvPr>
@@ -2445,7 +2530,7 @@
           <p:cNvPr id="5" name="文字版面配置區 4">
             <a:extLst>
               <a:ext uri="{FF2B5EF4-FFF2-40B4-BE49-F238E27FC236}">
-                <a16:creationId xmlns="" xmlns:a16="http://schemas.microsoft.com/office/drawing/2014/main" id="{4C9F549F-ADBE-4F2B-AC0B-F43F4A62907C}"/>
+                <a16:creationId xmlns:a16="http://schemas.microsoft.com/office/drawing/2014/main" xmlns="" id="{4C9F549F-ADBE-4F2B-AC0B-F43F4A62907C}"/>
               </a:ext>
             </a:extLst>
           </p:cNvPr>
@@ -2516,7 +2601,7 @@
           <p:cNvPr id="6" name="內容版面配置區 5">
             <a:extLst>
               <a:ext uri="{FF2B5EF4-FFF2-40B4-BE49-F238E27FC236}">
-                <a16:creationId xmlns="" xmlns:a16="http://schemas.microsoft.com/office/drawing/2014/main" id="{E6E76930-D84E-4FD7-B37E-9C74F5F41CAD}"/>
+                <a16:creationId xmlns:a16="http://schemas.microsoft.com/office/drawing/2014/main" xmlns="" id="{E6E76930-D84E-4FD7-B37E-9C74F5F41CAD}"/>
               </a:ext>
             </a:extLst>
           </p:cNvPr>
@@ -2578,7 +2663,7 @@
           <p:cNvPr id="7" name="日期版面配置區 6">
             <a:extLst>
               <a:ext uri="{FF2B5EF4-FFF2-40B4-BE49-F238E27FC236}">
-                <a16:creationId xmlns="" xmlns:a16="http://schemas.microsoft.com/office/drawing/2014/main" id="{96931258-53DE-4440-9CED-EFEF081A4EB9}"/>
+                <a16:creationId xmlns:a16="http://schemas.microsoft.com/office/drawing/2014/main" xmlns="" id="{96931258-53DE-4440-9CED-EFEF081A4EB9}"/>
               </a:ext>
             </a:extLst>
           </p:cNvPr>
@@ -2607,7 +2692,7 @@
           <p:cNvPr id="8" name="頁尾版面配置區 7">
             <a:extLst>
               <a:ext uri="{FF2B5EF4-FFF2-40B4-BE49-F238E27FC236}">
-                <a16:creationId xmlns="" xmlns:a16="http://schemas.microsoft.com/office/drawing/2014/main" id="{18CA577D-DD80-4F0A-AC25-AB2D272056B3}"/>
+                <a16:creationId xmlns:a16="http://schemas.microsoft.com/office/drawing/2014/main" xmlns="" id="{18CA577D-DD80-4F0A-AC25-AB2D272056B3}"/>
               </a:ext>
             </a:extLst>
           </p:cNvPr>
@@ -2632,7 +2717,7 @@
           <p:cNvPr id="9" name="投影片編號版面配置區 8">
             <a:extLst>
               <a:ext uri="{FF2B5EF4-FFF2-40B4-BE49-F238E27FC236}">
-                <a16:creationId xmlns="" xmlns:a16="http://schemas.microsoft.com/office/drawing/2014/main" id="{EAF01FD8-AAA6-42C4-9068-C9E8A571E605}"/>
+                <a16:creationId xmlns:a16="http://schemas.microsoft.com/office/drawing/2014/main" xmlns="" id="{EAF01FD8-AAA6-42C4-9068-C9E8A571E605}"/>
               </a:ext>
             </a:extLst>
           </p:cNvPr>
@@ -2691,7 +2776,7 @@
           <p:cNvPr id="2" name="標題 1">
             <a:extLst>
               <a:ext uri="{FF2B5EF4-FFF2-40B4-BE49-F238E27FC236}">
-                <a16:creationId xmlns="" xmlns:a16="http://schemas.microsoft.com/office/drawing/2014/main" id="{952E2EB0-35DB-48C2-B020-3F53BA17C934}"/>
+                <a16:creationId xmlns:a16="http://schemas.microsoft.com/office/drawing/2014/main" xmlns="" id="{952E2EB0-35DB-48C2-B020-3F53BA17C934}"/>
               </a:ext>
             </a:extLst>
           </p:cNvPr>
@@ -2719,7 +2804,7 @@
           <p:cNvPr id="3" name="日期版面配置區 2">
             <a:extLst>
               <a:ext uri="{FF2B5EF4-FFF2-40B4-BE49-F238E27FC236}">
-                <a16:creationId xmlns="" xmlns:a16="http://schemas.microsoft.com/office/drawing/2014/main" id="{DF0F6B4E-7D6A-409D-8B33-2CF9E3E22511}"/>
+                <a16:creationId xmlns:a16="http://schemas.microsoft.com/office/drawing/2014/main" xmlns="" id="{DF0F6B4E-7D6A-409D-8B33-2CF9E3E22511}"/>
               </a:ext>
             </a:extLst>
           </p:cNvPr>
@@ -2748,7 +2833,7 @@
           <p:cNvPr id="4" name="頁尾版面配置區 3">
             <a:extLst>
               <a:ext uri="{FF2B5EF4-FFF2-40B4-BE49-F238E27FC236}">
-                <a16:creationId xmlns="" xmlns:a16="http://schemas.microsoft.com/office/drawing/2014/main" id="{0DC85328-B8C2-4E98-854B-96F2243447DC}"/>
+                <a16:creationId xmlns:a16="http://schemas.microsoft.com/office/drawing/2014/main" xmlns="" id="{0DC85328-B8C2-4E98-854B-96F2243447DC}"/>
               </a:ext>
             </a:extLst>
           </p:cNvPr>
@@ -2773,7 +2858,7 @@
           <p:cNvPr id="5" name="投影片編號版面配置區 4">
             <a:extLst>
               <a:ext uri="{FF2B5EF4-FFF2-40B4-BE49-F238E27FC236}">
-                <a16:creationId xmlns="" xmlns:a16="http://schemas.microsoft.com/office/drawing/2014/main" id="{231D26CF-8345-42F0-87CC-5055E40B26B8}"/>
+                <a16:creationId xmlns:a16="http://schemas.microsoft.com/office/drawing/2014/main" xmlns="" id="{231D26CF-8345-42F0-87CC-5055E40B26B8}"/>
               </a:ext>
             </a:extLst>
           </p:cNvPr>
@@ -2832,7 +2917,7 @@
           <p:cNvPr id="2" name="日期版面配置區 1">
             <a:extLst>
               <a:ext uri="{FF2B5EF4-FFF2-40B4-BE49-F238E27FC236}">
-                <a16:creationId xmlns="" xmlns:a16="http://schemas.microsoft.com/office/drawing/2014/main" id="{662CEF4B-8E15-4C0B-8493-EE6A95E6505D}"/>
+                <a16:creationId xmlns:a16="http://schemas.microsoft.com/office/drawing/2014/main" xmlns="" id="{662CEF4B-8E15-4C0B-8493-EE6A95E6505D}"/>
               </a:ext>
             </a:extLst>
           </p:cNvPr>
@@ -2861,7 +2946,7 @@
           <p:cNvPr id="3" name="頁尾版面配置區 2">
             <a:extLst>
               <a:ext uri="{FF2B5EF4-FFF2-40B4-BE49-F238E27FC236}">
-                <a16:creationId xmlns="" xmlns:a16="http://schemas.microsoft.com/office/drawing/2014/main" id="{A66FD5AB-E722-4B87-B88A-9BC13E123081}"/>
+                <a16:creationId xmlns:a16="http://schemas.microsoft.com/office/drawing/2014/main" xmlns="" id="{A66FD5AB-E722-4B87-B88A-9BC13E123081}"/>
               </a:ext>
             </a:extLst>
           </p:cNvPr>
@@ -2886,7 +2971,7 @@
           <p:cNvPr id="4" name="投影片編號版面配置區 3">
             <a:extLst>
               <a:ext uri="{FF2B5EF4-FFF2-40B4-BE49-F238E27FC236}">
-                <a16:creationId xmlns="" xmlns:a16="http://schemas.microsoft.com/office/drawing/2014/main" id="{E34D603E-C4D3-477E-BDBF-31C46BD9B03B}"/>
+                <a16:creationId xmlns:a16="http://schemas.microsoft.com/office/drawing/2014/main" xmlns="" id="{E34D603E-C4D3-477E-BDBF-31C46BD9B03B}"/>
               </a:ext>
             </a:extLst>
           </p:cNvPr>
@@ -2945,7 +3030,7 @@
           <p:cNvPr id="2" name="標題 1">
             <a:extLst>
               <a:ext uri="{FF2B5EF4-FFF2-40B4-BE49-F238E27FC236}">
-                <a16:creationId xmlns="" xmlns:a16="http://schemas.microsoft.com/office/drawing/2014/main" id="{BD6D3AFA-A00F-425A-ADB8-7D6DBF11E7D9}"/>
+                <a16:creationId xmlns:a16="http://schemas.microsoft.com/office/drawing/2014/main" xmlns="" id="{BD6D3AFA-A00F-425A-ADB8-7D6DBF11E7D9}"/>
               </a:ext>
             </a:extLst>
           </p:cNvPr>
@@ -2982,7 +3067,7 @@
           <p:cNvPr id="3" name="內容版面配置區 2">
             <a:extLst>
               <a:ext uri="{FF2B5EF4-FFF2-40B4-BE49-F238E27FC236}">
-                <a16:creationId xmlns="" xmlns:a16="http://schemas.microsoft.com/office/drawing/2014/main" id="{7624F594-DAE1-441A-B288-C6B584A71E88}"/>
+                <a16:creationId xmlns:a16="http://schemas.microsoft.com/office/drawing/2014/main" xmlns="" id="{7624F594-DAE1-441A-B288-C6B584A71E88}"/>
               </a:ext>
             </a:extLst>
           </p:cNvPr>
@@ -3072,7 +3157,7 @@
           <p:cNvPr id="4" name="文字版面配置區 3">
             <a:extLst>
               <a:ext uri="{FF2B5EF4-FFF2-40B4-BE49-F238E27FC236}">
-                <a16:creationId xmlns="" xmlns:a16="http://schemas.microsoft.com/office/drawing/2014/main" id="{6735B1BB-D6FE-4E3F-912B-7CB8B4D06556}"/>
+                <a16:creationId xmlns:a16="http://schemas.microsoft.com/office/drawing/2014/main" xmlns="" id="{6735B1BB-D6FE-4E3F-912B-7CB8B4D06556}"/>
               </a:ext>
             </a:extLst>
           </p:cNvPr>
@@ -3143,7 +3228,7 @@
           <p:cNvPr id="5" name="日期版面配置區 4">
             <a:extLst>
               <a:ext uri="{FF2B5EF4-FFF2-40B4-BE49-F238E27FC236}">
-                <a16:creationId xmlns="" xmlns:a16="http://schemas.microsoft.com/office/drawing/2014/main" id="{03F3C6B0-93DC-4F63-847D-AF3CDC1F273E}"/>
+                <a16:creationId xmlns:a16="http://schemas.microsoft.com/office/drawing/2014/main" xmlns="" id="{03F3C6B0-93DC-4F63-847D-AF3CDC1F273E}"/>
               </a:ext>
             </a:extLst>
           </p:cNvPr>
@@ -3172,7 +3257,7 @@
           <p:cNvPr id="6" name="頁尾版面配置區 5">
             <a:extLst>
               <a:ext uri="{FF2B5EF4-FFF2-40B4-BE49-F238E27FC236}">
-                <a16:creationId xmlns="" xmlns:a16="http://schemas.microsoft.com/office/drawing/2014/main" id="{77412A02-FB75-418E-B44D-90B60CF36B6A}"/>
+                <a16:creationId xmlns:a16="http://schemas.microsoft.com/office/drawing/2014/main" xmlns="" id="{77412A02-FB75-418E-B44D-90B60CF36B6A}"/>
               </a:ext>
             </a:extLst>
           </p:cNvPr>
@@ -3197,7 +3282,7 @@
           <p:cNvPr id="7" name="投影片編號版面配置區 6">
             <a:extLst>
               <a:ext uri="{FF2B5EF4-FFF2-40B4-BE49-F238E27FC236}">
-                <a16:creationId xmlns="" xmlns:a16="http://schemas.microsoft.com/office/drawing/2014/main" id="{C1C119AB-1486-4CEF-AD2D-10EFBF322D5E}"/>
+                <a16:creationId xmlns:a16="http://schemas.microsoft.com/office/drawing/2014/main" xmlns="" id="{C1C119AB-1486-4CEF-AD2D-10EFBF322D5E}"/>
               </a:ext>
             </a:extLst>
           </p:cNvPr>
@@ -3256,7 +3341,7 @@
           <p:cNvPr id="2" name="標題 1">
             <a:extLst>
               <a:ext uri="{FF2B5EF4-FFF2-40B4-BE49-F238E27FC236}">
-                <a16:creationId xmlns="" xmlns:a16="http://schemas.microsoft.com/office/drawing/2014/main" id="{FA46C5FD-EEB9-422A-8F1A-3898CE1E2744}"/>
+                <a16:creationId xmlns:a16="http://schemas.microsoft.com/office/drawing/2014/main" xmlns="" id="{FA46C5FD-EEB9-422A-8F1A-3898CE1E2744}"/>
               </a:ext>
             </a:extLst>
           </p:cNvPr>
@@ -3293,7 +3378,7 @@
           <p:cNvPr id="3" name="圖片版面配置區 2">
             <a:extLst>
               <a:ext uri="{FF2B5EF4-FFF2-40B4-BE49-F238E27FC236}">
-                <a16:creationId xmlns="" xmlns:a16="http://schemas.microsoft.com/office/drawing/2014/main" id="{D4F2F5F8-C4C6-4927-9267-A3C0D0016E37}"/>
+                <a16:creationId xmlns:a16="http://schemas.microsoft.com/office/drawing/2014/main" xmlns="" id="{D4F2F5F8-C4C6-4927-9267-A3C0D0016E37}"/>
               </a:ext>
             </a:extLst>
           </p:cNvPr>
@@ -3360,7 +3445,7 @@
           <p:cNvPr id="4" name="文字版面配置區 3">
             <a:extLst>
               <a:ext uri="{FF2B5EF4-FFF2-40B4-BE49-F238E27FC236}">
-                <a16:creationId xmlns="" xmlns:a16="http://schemas.microsoft.com/office/drawing/2014/main" id="{386BA6EB-6191-463F-BDAC-05065C4F8FF5}"/>
+                <a16:creationId xmlns:a16="http://schemas.microsoft.com/office/drawing/2014/main" xmlns="" id="{386BA6EB-6191-463F-BDAC-05065C4F8FF5}"/>
               </a:ext>
             </a:extLst>
           </p:cNvPr>
@@ -3431,7 +3516,7 @@
           <p:cNvPr id="5" name="日期版面配置區 4">
             <a:extLst>
               <a:ext uri="{FF2B5EF4-FFF2-40B4-BE49-F238E27FC236}">
-                <a16:creationId xmlns="" xmlns:a16="http://schemas.microsoft.com/office/drawing/2014/main" id="{B100A524-F2D8-4E20-9BB5-49A1395D1468}"/>
+                <a16:creationId xmlns:a16="http://schemas.microsoft.com/office/drawing/2014/main" xmlns="" id="{B100A524-F2D8-4E20-9BB5-49A1395D1468}"/>
               </a:ext>
             </a:extLst>
           </p:cNvPr>
@@ -3460,7 +3545,7 @@
           <p:cNvPr id="6" name="頁尾版面配置區 5">
             <a:extLst>
               <a:ext uri="{FF2B5EF4-FFF2-40B4-BE49-F238E27FC236}">
-                <a16:creationId xmlns="" xmlns:a16="http://schemas.microsoft.com/office/drawing/2014/main" id="{F5DAE52E-EC29-43CF-90E7-76A8547273F4}"/>
+                <a16:creationId xmlns:a16="http://schemas.microsoft.com/office/drawing/2014/main" xmlns="" id="{F5DAE52E-EC29-43CF-90E7-76A8547273F4}"/>
               </a:ext>
             </a:extLst>
           </p:cNvPr>
@@ -3485,7 +3570,7 @@
           <p:cNvPr id="7" name="投影片編號版面配置區 6">
             <a:extLst>
               <a:ext uri="{FF2B5EF4-FFF2-40B4-BE49-F238E27FC236}">
-                <a16:creationId xmlns="" xmlns:a16="http://schemas.microsoft.com/office/drawing/2014/main" id="{D5633C84-0F09-4F63-9D11-CF4CD2E04EDC}"/>
+                <a16:creationId xmlns:a16="http://schemas.microsoft.com/office/drawing/2014/main" xmlns="" id="{D5633C84-0F09-4F63-9D11-CF4CD2E04EDC}"/>
               </a:ext>
             </a:extLst>
           </p:cNvPr>
@@ -3549,7 +3634,7 @@
           <p:cNvPr id="2" name="標題版面配置區 1">
             <a:extLst>
               <a:ext uri="{FF2B5EF4-FFF2-40B4-BE49-F238E27FC236}">
-                <a16:creationId xmlns="" xmlns:a16="http://schemas.microsoft.com/office/drawing/2014/main" id="{75AB147D-77B2-45DC-B91D-E9B95229CF67}"/>
+                <a16:creationId xmlns:a16="http://schemas.microsoft.com/office/drawing/2014/main" xmlns="" id="{75AB147D-77B2-45DC-B91D-E9B95229CF67}"/>
               </a:ext>
             </a:extLst>
           </p:cNvPr>
@@ -3587,7 +3672,7 @@
           <p:cNvPr id="3" name="文字版面配置區 2">
             <a:extLst>
               <a:ext uri="{FF2B5EF4-FFF2-40B4-BE49-F238E27FC236}">
-                <a16:creationId xmlns="" xmlns:a16="http://schemas.microsoft.com/office/drawing/2014/main" id="{1F4191C3-8FDE-40E8-B1B1-993999DCB52A}"/>
+                <a16:creationId xmlns:a16="http://schemas.microsoft.com/office/drawing/2014/main" xmlns="" id="{1F4191C3-8FDE-40E8-B1B1-993999DCB52A}"/>
               </a:ext>
             </a:extLst>
           </p:cNvPr>
@@ -3654,7 +3739,7 @@
           <p:cNvPr id="4" name="日期版面配置區 3">
             <a:extLst>
               <a:ext uri="{FF2B5EF4-FFF2-40B4-BE49-F238E27FC236}">
-                <a16:creationId xmlns="" xmlns:a16="http://schemas.microsoft.com/office/drawing/2014/main" id="{189C3422-42E0-48A0-AA23-A8416D88BBD9}"/>
+                <a16:creationId xmlns:a16="http://schemas.microsoft.com/office/drawing/2014/main" xmlns="" id="{189C3422-42E0-48A0-AA23-A8416D88BBD9}"/>
               </a:ext>
             </a:extLst>
           </p:cNvPr>
@@ -3701,7 +3786,7 @@
           <p:cNvPr id="5" name="頁尾版面配置區 4">
             <a:extLst>
               <a:ext uri="{FF2B5EF4-FFF2-40B4-BE49-F238E27FC236}">
-                <a16:creationId xmlns="" xmlns:a16="http://schemas.microsoft.com/office/drawing/2014/main" id="{320D305E-D196-4B4D-BE7D-0EFBB082F1FC}"/>
+                <a16:creationId xmlns:a16="http://schemas.microsoft.com/office/drawing/2014/main" xmlns="" id="{320D305E-D196-4B4D-BE7D-0EFBB082F1FC}"/>
               </a:ext>
             </a:extLst>
           </p:cNvPr>
@@ -3744,7 +3829,7 @@
           <p:cNvPr id="6" name="投影片編號版面配置區 5">
             <a:extLst>
               <a:ext uri="{FF2B5EF4-FFF2-40B4-BE49-F238E27FC236}">
-                <a16:creationId xmlns="" xmlns:a16="http://schemas.microsoft.com/office/drawing/2014/main" id="{8E9AE7C5-2399-4CDA-B55E-02BDF2B18D14}"/>
+                <a16:creationId xmlns:a16="http://schemas.microsoft.com/office/drawing/2014/main" xmlns="" id="{8E9AE7C5-2399-4CDA-B55E-02BDF2B18D14}"/>
               </a:ext>
             </a:extLst>
           </p:cNvPr>
@@ -4112,7 +4197,7 @@
           <p:cNvPr id="2" name="標題 1">
             <a:extLst>
               <a:ext uri="{FF2B5EF4-FFF2-40B4-BE49-F238E27FC236}">
-                <a16:creationId xmlns="" xmlns:a16="http://schemas.microsoft.com/office/drawing/2014/main" id="{DF598DAF-F4C5-48E6-A531-AF714874D3C4}"/>
+                <a16:creationId xmlns:a16="http://schemas.microsoft.com/office/drawing/2014/main" xmlns="" id="{DF598DAF-F4C5-48E6-A531-AF714874D3C4}"/>
               </a:ext>
             </a:extLst>
           </p:cNvPr>
@@ -4161,7 +4246,7 @@
           <p:cNvPr id="3" name="副標題 2">
             <a:extLst>
               <a:ext uri="{FF2B5EF4-FFF2-40B4-BE49-F238E27FC236}">
-                <a16:creationId xmlns="" xmlns:a16="http://schemas.microsoft.com/office/drawing/2014/main" id="{E40368D7-E9F7-43C4-9CE7-4265C419151C}"/>
+                <a16:creationId xmlns:a16="http://schemas.microsoft.com/office/drawing/2014/main" xmlns="" id="{E40368D7-E9F7-43C4-9CE7-4265C419151C}"/>
               </a:ext>
             </a:extLst>
           </p:cNvPr>
@@ -4198,6 +4283,125 @@
     <p:extLst>
       <p:ext uri="{BB962C8B-B14F-4D97-AF65-F5344CB8AC3E}">
         <p14:creationId xmlns:p14="http://schemas.microsoft.com/office/powerpoint/2010/main" val="1662195510"/>
+      </p:ext>
+    </p:extLst>
+  </p:cSld>
+  <p:clrMapOvr>
+    <a:masterClrMapping/>
+  </p:clrMapOvr>
+</p:sld>
+</file>
+
+<file path=ppt/slides/slide10.xml><?xml version="1.0" encoding="utf-8"?>
+<p:sld xmlns:a="http://schemas.openxmlformats.org/drawingml/2006/main" xmlns:r="http://schemas.openxmlformats.org/officeDocument/2006/relationships" xmlns:p="http://schemas.openxmlformats.org/presentationml/2006/main">
+  <p:cSld>
+    <p:spTree>
+      <p:nvGrpSpPr>
+        <p:cNvPr id="1" name=""/>
+        <p:cNvGrpSpPr/>
+        <p:nvPr/>
+      </p:nvGrpSpPr>
+      <p:grpSpPr>
+        <a:xfrm>
+          <a:off x="0" y="0"/>
+          <a:ext cx="0" cy="0"/>
+          <a:chOff x="0" y="0"/>
+          <a:chExt cx="0" cy="0"/>
+        </a:xfrm>
+      </p:grpSpPr>
+      <p:sp>
+        <p:nvSpPr>
+          <p:cNvPr id="2" name="標題 1">
+            <a:extLst>
+              <a:ext uri="{FF2B5EF4-FFF2-40B4-BE49-F238E27FC236}">
+                <a16:creationId xmlns:a16="http://schemas.microsoft.com/office/drawing/2014/main" xmlns="" id="{98A04798-5168-4875-A411-80CD40D53BBD}"/>
+              </a:ext>
+            </a:extLst>
+          </p:cNvPr>
+          <p:cNvSpPr>
+            <a:spLocks noGrp="1"/>
+          </p:cNvSpPr>
+          <p:nvPr>
+            <p:ph type="title"/>
+          </p:nvPr>
+        </p:nvSpPr>
+        <p:spPr>
+          <a:xfrm>
+            <a:off x="333316" y="544152"/>
+            <a:ext cx="6566757" cy="718058"/>
+          </a:xfrm>
+        </p:spPr>
+        <p:txBody>
+          <a:bodyPr>
+            <a:noAutofit/>
+          </a:bodyPr>
+          <a:lstStyle/>
+          <a:p>
+            <a:r>
+              <a:rPr lang="en-US" altLang="zh-TW" dirty="0" smtClean="0"/>
+              <a:t>Diffusion for Interpolating Images</a:t>
+            </a:r>
+            <a:endParaRPr lang="zh-TW" dirty="0"/>
+          </a:p>
+        </p:txBody>
+      </p:sp>
+      <p:pic>
+        <p:nvPicPr>
+          <p:cNvPr id="4" name="圖片 3"/>
+          <p:cNvPicPr>
+            <a:picLocks noChangeAspect="1"/>
+          </p:cNvPicPr>
+          <p:nvPr/>
+        </p:nvPicPr>
+        <p:blipFill rotWithShape="1">
+          <a:blip r:embed="rId3"/>
+          <a:srcRect l="24153" t="24946" r="12064" b="12763"/>
+          <a:stretch/>
+        </p:blipFill>
+        <p:spPr>
+          <a:xfrm>
+            <a:off x="2144486" y="1975099"/>
+            <a:ext cx="7903029" cy="4341396"/>
+          </a:xfrm>
+          <a:prstGeom prst="rect">
+            <a:avLst/>
+          </a:prstGeom>
+        </p:spPr>
+      </p:pic>
+      <p:sp>
+        <p:nvSpPr>
+          <p:cNvPr id="8" name="文字方塊 7"/>
+          <p:cNvSpPr txBox="1"/>
+          <p:nvPr/>
+        </p:nvSpPr>
+        <p:spPr>
+          <a:xfrm>
+            <a:off x="474453" y="1605767"/>
+            <a:ext cx="10317192" cy="369332"/>
+          </a:xfrm>
+          <a:prstGeom prst="rect">
+            <a:avLst/>
+          </a:prstGeom>
+          <a:noFill/>
+        </p:spPr>
+        <p:txBody>
+          <a:bodyPr wrap="square" rtlCol="0">
+            <a:spAutoFit/>
+          </a:bodyPr>
+          <a:lstStyle/>
+          <a:p>
+            <a:r>
+              <a:rPr lang="en-US" altLang="zh-TW" smtClean="0"/>
+              <a:t>result</a:t>
+            </a:r>
+            <a:endParaRPr lang="zh-TW" altLang="en-US" dirty="0"/>
+          </a:p>
+        </p:txBody>
+      </p:sp>
+    </p:spTree>
+    <p:extLst>
+      <p:ext uri="{BB962C8B-B14F-4D97-AF65-F5344CB8AC3E}">
+        <p14:creationId xmlns:p14="http://schemas.microsoft.com/office/powerpoint/2010/main" val="3449823456"/>
       </p:ext>
     </p:extLst>
   </p:cSld>
@@ -4229,7 +4433,7 @@
           <p:cNvPr id="2" name="標題 1">
             <a:extLst>
               <a:ext uri="{FF2B5EF4-FFF2-40B4-BE49-F238E27FC236}">
-                <a16:creationId xmlns="" xmlns:a16="http://schemas.microsoft.com/office/drawing/2014/main" id="{7533F336-40A6-45C8-9A62-B4E78BC5E568}"/>
+                <a16:creationId xmlns:a16="http://schemas.microsoft.com/office/drawing/2014/main" xmlns="" id="{7533F336-40A6-45C8-9A62-B4E78BC5E568}"/>
               </a:ext>
             </a:extLst>
           </p:cNvPr>
@@ -4522,7 +4726,7 @@
           <p:cNvPr id="2" name="標題 1">
             <a:extLst>
               <a:ext uri="{FF2B5EF4-FFF2-40B4-BE49-F238E27FC236}">
-                <a16:creationId xmlns="" xmlns:a16="http://schemas.microsoft.com/office/drawing/2014/main" id="{56D87B6E-5A2B-4CEE-BA45-C71DC24F919B}"/>
+                <a16:creationId xmlns:a16="http://schemas.microsoft.com/office/drawing/2014/main" xmlns="" id="{56D87B6E-5A2B-4CEE-BA45-C71DC24F919B}"/>
               </a:ext>
             </a:extLst>
           </p:cNvPr>
@@ -4568,7 +4772,7 @@
           <p:cNvPr id="3" name="圖片 2" descr="一張含有 螢幕擷取畫面, 設計 的圖片&#10;&#10;AI 產生的內容可能不正確。">
             <a:extLst>
               <a:ext uri="{FF2B5EF4-FFF2-40B4-BE49-F238E27FC236}">
-                <a16:creationId xmlns="" xmlns:a16="http://schemas.microsoft.com/office/drawing/2014/main" id="{774C77B9-850A-B8E8-EB9F-77EEDDD405FF}"/>
+                <a16:creationId xmlns:a16="http://schemas.microsoft.com/office/drawing/2014/main" xmlns="" id="{774C77B9-850A-B8E8-EB9F-77EEDDD405FF}"/>
               </a:ext>
             </a:extLst>
           </p:cNvPr>
@@ -4598,7 +4802,7 @@
           <p:cNvPr id="4" name="文字方塊 3">
             <a:extLst>
               <a:ext uri="{FF2B5EF4-FFF2-40B4-BE49-F238E27FC236}">
-                <a16:creationId xmlns="" xmlns:a16="http://schemas.microsoft.com/office/drawing/2014/main" id="{F11364C5-60EA-75C3-EEC4-6ECE3E603B5F}"/>
+                <a16:creationId xmlns:a16="http://schemas.microsoft.com/office/drawing/2014/main" xmlns="" id="{F11364C5-60EA-75C3-EEC4-6ECE3E603B5F}"/>
               </a:ext>
             </a:extLst>
           </p:cNvPr>
@@ -4679,7 +4883,7 @@
           <p:cNvPr id="2" name="標題 1">
             <a:extLst>
               <a:ext uri="{FF2B5EF4-FFF2-40B4-BE49-F238E27FC236}">
-                <a16:creationId xmlns="" xmlns:a16="http://schemas.microsoft.com/office/drawing/2014/main" id="{E602B493-AA30-4C9B-A604-000032CBC299}"/>
+                <a16:creationId xmlns:a16="http://schemas.microsoft.com/office/drawing/2014/main" xmlns="" id="{E602B493-AA30-4C9B-A604-000032CBC299}"/>
               </a:ext>
             </a:extLst>
           </p:cNvPr>
@@ -4739,7 +4943,7 @@
           <p:cNvPr id="4" name="圖片 3">
             <a:extLst>
               <a:ext uri="{FF2B5EF4-FFF2-40B4-BE49-F238E27FC236}">
-                <a16:creationId xmlns="" xmlns:a16="http://schemas.microsoft.com/office/drawing/2014/main" id="{7E81BC18-5492-211B-D8A3-98383F09116C}"/>
+                <a16:creationId xmlns:a16="http://schemas.microsoft.com/office/drawing/2014/main" xmlns="" id="{7E81BC18-5492-211B-D8A3-98383F09116C}"/>
               </a:ext>
             </a:extLst>
           </p:cNvPr>
@@ -4848,7 +5052,7 @@
           <p:cNvPr id="2" name="標題 1">
             <a:extLst>
               <a:ext uri="{FF2B5EF4-FFF2-40B4-BE49-F238E27FC236}">
-                <a16:creationId xmlns="" xmlns:a16="http://schemas.microsoft.com/office/drawing/2014/main" id="{C2878F9E-D0DF-D84C-8241-A986178C8EAD}"/>
+                <a16:creationId xmlns:a16="http://schemas.microsoft.com/office/drawing/2014/main" xmlns="" id="{C2878F9E-D0DF-D84C-8241-A986178C8EAD}"/>
               </a:ext>
             </a:extLst>
           </p:cNvPr>
@@ -4889,7 +5093,7 @@
           <p:cNvPr id="4" name="內容版面配置區 3" descr="一張含有 螢幕擷取畫面, 行, 太陽能電池, 視窗 的圖片&#10;&#10;AI 產生的內容可能不正確。">
             <a:extLst>
               <a:ext uri="{FF2B5EF4-FFF2-40B4-BE49-F238E27FC236}">
-                <a16:creationId xmlns="" xmlns:a16="http://schemas.microsoft.com/office/drawing/2014/main" id="{CBD70F30-46B2-8AB0-6602-A5DF524D4762}"/>
+                <a16:creationId xmlns:a16="http://schemas.microsoft.com/office/drawing/2014/main" xmlns="" id="{CBD70F30-46B2-8AB0-6602-A5DF524D4762}"/>
               </a:ext>
             </a:extLst>
           </p:cNvPr>
@@ -4951,7 +5155,7 @@
           <p:cNvPr id="2" name="標題 1">
             <a:extLst>
               <a:ext uri="{FF2B5EF4-FFF2-40B4-BE49-F238E27FC236}">
-                <a16:creationId xmlns="" xmlns:a16="http://schemas.microsoft.com/office/drawing/2014/main" id="{6E03A4FF-CABF-CA2A-CACE-DE9477118A72}"/>
+                <a16:creationId xmlns:a16="http://schemas.microsoft.com/office/drawing/2014/main" xmlns="" id="{6E03A4FF-CABF-CA2A-CACE-DE9477118A72}"/>
               </a:ext>
             </a:extLst>
           </p:cNvPr>
@@ -5016,7 +5220,7 @@
           <p:cNvPr id="4" name="內容版面配置區 3" descr="一張含有 人的臉孔, 文字, 人員, 螢幕擷取畫面 的圖片&#10;&#10;AI 產生的內容可能不正確。">
             <a:extLst>
               <a:ext uri="{FF2B5EF4-FFF2-40B4-BE49-F238E27FC236}">
-                <a16:creationId xmlns="" xmlns:a16="http://schemas.microsoft.com/office/drawing/2014/main" id="{13B4FB22-FE03-73A5-4DD2-7B24081053FD}"/>
+                <a16:creationId xmlns:a16="http://schemas.microsoft.com/office/drawing/2014/main" xmlns="" id="{13B4FB22-FE03-73A5-4DD2-7B24081053FD}"/>
               </a:ext>
             </a:extLst>
           </p:cNvPr>
@@ -5048,7 +5252,7 @@
           <p:cNvPr id="5" name="圖片 4" descr="一張含有 螢幕擷取畫面, 藝術 的圖片&#10;&#10;AI 產生的內容可能不正確。">
             <a:extLst>
               <a:ext uri="{FF2B5EF4-FFF2-40B4-BE49-F238E27FC236}">
-                <a16:creationId xmlns="" xmlns:a16="http://schemas.microsoft.com/office/drawing/2014/main" id="{D5E7349C-9E9C-16A3-D667-54BD37759873}"/>
+                <a16:creationId xmlns:a16="http://schemas.microsoft.com/office/drawing/2014/main" xmlns="" id="{D5E7349C-9E9C-16A3-D667-54BD37759873}"/>
               </a:ext>
             </a:extLst>
           </p:cNvPr>
@@ -5110,7 +5314,6 @@
               <a:rPr lang="en-US" altLang="zh-TW" dirty="0" smtClean="0"/>
               <a:t>data compression, high efficiency</a:t>
             </a:r>
-            <a:endParaRPr lang="en-US" altLang="zh-TW" dirty="0" smtClean="0"/>
           </a:p>
           <a:p>
             <a:pPr marL="342900" indent="-342900">
@@ -5126,7 +5329,6 @@
               <a:rPr lang="en-US" altLang="zh-TW" dirty="0" smtClean="0"/>
               <a:t>Pixel space: high dimension, not smooth</a:t>
             </a:r>
-            <a:endParaRPr lang="en-US" altLang="zh-TW" dirty="0" smtClean="0"/>
           </a:p>
           <a:p>
             <a:pPr marL="342900" indent="-342900">
@@ -5239,7 +5441,7 @@
           <p:cNvPr id="2" name="標題 1">
             <a:extLst>
               <a:ext uri="{FF2B5EF4-FFF2-40B4-BE49-F238E27FC236}">
-                <a16:creationId xmlns="" xmlns:a16="http://schemas.microsoft.com/office/drawing/2014/main" id="{98A04798-5168-4875-A411-80CD40D53BBD}"/>
+                <a16:creationId xmlns:a16="http://schemas.microsoft.com/office/drawing/2014/main" xmlns="" id="{98A04798-5168-4875-A411-80CD40D53BBD}"/>
               </a:ext>
             </a:extLst>
           </p:cNvPr>
@@ -5282,7 +5484,7 @@
           <p:cNvPr id="3" name="圖片 2" descr="一張含有 文字, 螢幕擷取畫面, 圖表, 字型 的圖片&#10;&#10;AI 產生的內容可能不正確。">
             <a:extLst>
               <a:ext uri="{FF2B5EF4-FFF2-40B4-BE49-F238E27FC236}">
-                <a16:creationId xmlns="" xmlns:a16="http://schemas.microsoft.com/office/drawing/2014/main" id="{C363C685-F821-E348-9BB5-5D32AD8AB2D4}"/>
+                <a16:creationId xmlns:a16="http://schemas.microsoft.com/office/drawing/2014/main" xmlns="" id="{C363C685-F821-E348-9BB5-5D32AD8AB2D4}"/>
               </a:ext>
             </a:extLst>
           </p:cNvPr>
@@ -5342,7 +5544,7 @@
           <p:cNvPr id="2" name="標題 1">
             <a:extLst>
               <a:ext uri="{FF2B5EF4-FFF2-40B4-BE49-F238E27FC236}">
-                <a16:creationId xmlns="" xmlns:a16="http://schemas.microsoft.com/office/drawing/2014/main" id="{98A04798-5168-4875-A411-80CD40D53BBD}"/>
+                <a16:creationId xmlns:a16="http://schemas.microsoft.com/office/drawing/2014/main" xmlns="" id="{98A04798-5168-4875-A411-80CD40D53BBD}"/>
               </a:ext>
             </a:extLst>
           </p:cNvPr>
@@ -5523,7 +5725,7 @@
           <p:cNvPr id="2" name="標題 1">
             <a:extLst>
               <a:ext uri="{FF2B5EF4-FFF2-40B4-BE49-F238E27FC236}">
-                <a16:creationId xmlns="" xmlns:a16="http://schemas.microsoft.com/office/drawing/2014/main" id="{98A04798-5168-4875-A411-80CD40D53BBD}"/>
+                <a16:creationId xmlns:a16="http://schemas.microsoft.com/office/drawing/2014/main" xmlns="" id="{98A04798-5168-4875-A411-80CD40D53BBD}"/>
               </a:ext>
             </a:extLst>
           </p:cNvPr>
@@ -5547,36 +5749,13 @@
           <a:lstStyle/>
           <a:p>
             <a:r>
-              <a:rPr lang="en-US" altLang="zh-TW" dirty="0" smtClean="0"/>
-              <a:t>Diffusion for Interpolating Images</a:t>
+              <a:rPr lang="en-US" altLang="zh-TW" dirty="0"/>
+              <a:t>Noise schedule</a:t>
             </a:r>
             <a:endParaRPr lang="zh-TW" dirty="0"/>
           </a:p>
         </p:txBody>
       </p:sp>
-      <p:pic>
-        <p:nvPicPr>
-          <p:cNvPr id="4" name="圖片 3"/>
-          <p:cNvPicPr>
-            <a:picLocks noChangeAspect="1"/>
-          </p:cNvPicPr>
-          <p:nvPr/>
-        </p:nvPicPr>
-        <p:blipFill rotWithShape="1">
-          <a:blip r:embed="rId3"/>
-          <a:srcRect l="24153" t="24946" r="12064" b="12763"/>
-          <a:stretch/>
-        </p:blipFill>
-        <p:spPr>
-          <a:xfrm>
-            <a:off x="2144486" y="1975099"/>
-            <a:ext cx="7903029" cy="4341396"/>
-          </a:xfrm>
-          <a:prstGeom prst="rect">
-            <a:avLst/>
-          </a:prstGeom>
-        </p:spPr>
-      </p:pic>
       <p:sp>
         <p:nvSpPr>
           <p:cNvPr id="8" name="文字方塊 7"/>
@@ -5585,8 +5764,8 @@
         </p:nvSpPr>
         <p:spPr>
           <a:xfrm>
-            <a:off x="474453" y="1605767"/>
-            <a:ext cx="10317192" cy="369332"/>
+            <a:off x="333316" y="1262210"/>
+            <a:ext cx="10317192" cy="2862322"/>
           </a:xfrm>
           <a:prstGeom prst="rect">
             <a:avLst/>
@@ -5599,10 +5778,145 @@
           </a:bodyPr>
           <a:lstStyle/>
           <a:p>
-            <a:r>
-              <a:rPr lang="en-US" altLang="zh-TW" smtClean="0"/>
-              <a:t>result</a:t>
-            </a:r>
+            <a:pPr marL="342900" indent="-342900">
+              <a:buAutoNum type="arabicPeriod"/>
+            </a:pPr>
+            <a:r>
+              <a:rPr lang="en-US" altLang="zh-TW" dirty="0" smtClean="0"/>
+              <a:t>DDIM </a:t>
+            </a:r>
+            <a:r>
+              <a:rPr lang="en-US" altLang="zh-TW" dirty="0"/>
+              <a:t>sampling</a:t>
+            </a:r>
+            <a:endParaRPr lang="en-US" altLang="zh-TW" dirty="0" smtClean="0"/>
+          </a:p>
+          <a:p>
+            <a:pPr marL="342900" indent="-342900">
+              <a:buAutoNum type="arabicPeriod"/>
+            </a:pPr>
+            <a:endParaRPr lang="en-US" altLang="zh-TW" dirty="0"/>
+          </a:p>
+          <a:p>
+            <a:pPr marL="342900" indent="-342900">
+              <a:buAutoNum type="arabicPeriod"/>
+            </a:pPr>
+            <a:r>
+              <a:rPr lang="en-US" altLang="zh-TW" dirty="0"/>
+              <a:t>200 </a:t>
+            </a:r>
+            <a:r>
+              <a:rPr lang="en-US" altLang="zh-TW" dirty="0" smtClean="0"/>
+              <a:t>time</a:t>
+            </a:r>
+            <a:r>
+              <a:rPr lang="zh-TW" altLang="en-US" dirty="0" smtClean="0"/>
+              <a:t> </a:t>
+            </a:r>
+            <a:r>
+              <a:rPr lang="en-US" altLang="zh-TW" dirty="0" smtClean="0"/>
+              <a:t>steps</a:t>
+            </a:r>
+          </a:p>
+          <a:p>
+            <a:pPr marL="342900" indent="-342900">
+              <a:buAutoNum type="arabicPeriod"/>
+            </a:pPr>
+            <a:endParaRPr lang="en-US" altLang="zh-TW" dirty="0" smtClean="0"/>
+          </a:p>
+          <a:p>
+            <a:pPr marL="342900" indent="-342900">
+              <a:buAutoNum type="arabicPeriod"/>
+            </a:pPr>
+            <a:r>
+              <a:rPr lang="en-US" altLang="zh-TW" dirty="0" smtClean="0"/>
+              <a:t>&lt;25</a:t>
+            </a:r>
+            <a:r>
+              <a:rPr lang="en-US" altLang="zh-TW" dirty="0"/>
+              <a:t>% </a:t>
+            </a:r>
+            <a:r>
+              <a:rPr lang="en-US" altLang="zh-TW" dirty="0" smtClean="0"/>
+              <a:t>schedule:</a:t>
+            </a:r>
+            <a:r>
+              <a:rPr lang="zh-TW" altLang="en-US" dirty="0" smtClean="0"/>
+              <a:t> </a:t>
+            </a:r>
+            <a:r>
+              <a:rPr lang="en-US" altLang="zh-TW" dirty="0" smtClean="0"/>
+              <a:t>resemble </a:t>
+            </a:r>
+            <a:r>
+              <a:rPr lang="en-US" altLang="zh-TW" dirty="0"/>
+              <a:t>an alpha composite of </a:t>
+            </a:r>
+            <a:r>
+              <a:rPr lang="en-US" altLang="zh-TW" dirty="0" smtClean="0"/>
+              <a:t>their</a:t>
+            </a:r>
+            <a:r>
+              <a:rPr lang="zh-TW" altLang="en-US" dirty="0" smtClean="0"/>
+              <a:t> </a:t>
+            </a:r>
+            <a:r>
+              <a:rPr lang="en-US" altLang="zh-TW" dirty="0" smtClean="0"/>
+              <a:t>parent </a:t>
+            </a:r>
+            <a:r>
+              <a:rPr lang="en-US" altLang="zh-TW" dirty="0"/>
+              <a:t>images</a:t>
+            </a:r>
+            <a:endParaRPr lang="en-US" altLang="zh-TW" dirty="0"/>
+          </a:p>
+          <a:p>
+            <a:pPr marL="342900" indent="-342900">
+              <a:buAutoNum type="arabicPeriod"/>
+            </a:pPr>
+            <a:endParaRPr lang="en-US" altLang="zh-TW" dirty="0" smtClean="0"/>
+          </a:p>
+          <a:p>
+            <a:pPr marL="342900" indent="-342900">
+              <a:buAutoNum type="arabicPeriod"/>
+            </a:pPr>
+            <a:r>
+              <a:rPr lang="en-US" altLang="zh-TW" dirty="0" smtClean="0"/>
+              <a:t>&gt;65%</a:t>
+            </a:r>
+            <a:r>
+              <a:rPr lang="zh-TW" altLang="en-US" dirty="0" smtClean="0"/>
+              <a:t> </a:t>
+            </a:r>
+            <a:r>
+              <a:rPr lang="en-US" altLang="zh-TW" dirty="0" smtClean="0"/>
+              <a:t>schedule: </a:t>
+            </a:r>
+            <a:r>
+              <a:rPr lang="en-US" altLang="zh-TW" dirty="0"/>
+              <a:t>deviate significantly from their parent</a:t>
+            </a:r>
+          </a:p>
+          <a:p>
+            <a:pPr marL="342900" indent="-342900">
+              <a:buAutoNum type="arabicPeriod"/>
+            </a:pPr>
+            <a:endParaRPr lang="en-US" altLang="zh-TW" dirty="0"/>
+          </a:p>
+          <a:p>
+            <a:pPr marL="342900" indent="-342900">
+              <a:buAutoNum type="arabicPeriod"/>
+            </a:pPr>
+            <a:r>
+              <a:rPr lang="en-US" altLang="zh-TW" dirty="0" smtClean="0"/>
+              <a:t>Choose 25%~65% schedule</a:t>
+            </a:r>
+            <a:endParaRPr lang="en-US" altLang="zh-TW" dirty="0"/>
+          </a:p>
+          <a:p>
+            <a:pPr marL="342900" indent="-342900">
+              <a:buAutoNum type="arabicPeriod"/>
+            </a:pPr>
             <a:endParaRPr lang="zh-TW" altLang="en-US" dirty="0"/>
           </a:p>
         </p:txBody>
@@ -5610,7 +5924,7 @@
     </p:spTree>
     <p:extLst>
       <p:ext uri="{BB962C8B-B14F-4D97-AF65-F5344CB8AC3E}">
-        <p14:creationId xmlns:p14="http://schemas.microsoft.com/office/powerpoint/2010/main" val="3449823456"/>
+        <p14:creationId xmlns:p14="http://schemas.microsoft.com/office/powerpoint/2010/main" val="4070519683"/>
       </p:ext>
     </p:extLst>
   </p:cSld>

--- a/diffusion書報/DDPM.pptx
+++ b/diffusion書報/DDPM.pptx
@@ -237,7 +237,7 @@
           <a:p>
             <a:fld id="{67FDA4E6-A796-4A0A-8EA8-8E05E1787F05}" type="datetimeFigureOut">
               <a:rPr lang="zh-TW" altLang="en-US" smtClean="0"/>
-              <a:t>2025/9/23</a:t>
+              <a:t>2025/9/24</a:t>
             </a:fld>
             <a:endParaRPr lang="zh-TW" altLang="en-US"/>
           </a:p>
@@ -607,7 +607,7 @@
       </p:grpSpPr>
       <p:sp>
         <p:nvSpPr>
-          <p:cNvPr id="2" name="投影片圖像版面配置區 1"/>
+          <p:cNvPr id="2" name="投影片影像版面配置區 1"/>
           <p:cNvSpPr>
             <a:spLocks noGrp="1" noRot="1" noChangeAspect="1"/>
           </p:cNvSpPr>
@@ -633,52 +633,151 @@
           <a:lstStyle/>
           <a:p>
             <a:r>
-              <a:rPr lang="en-US" altLang="zh-TW" dirty="0" smtClean="0"/>
-              <a:t>Latent Space</a:t>
-            </a:r>
-            <a:r>
-              <a:rPr lang="zh-TW" altLang="en-US" dirty="0" smtClean="0"/>
-              <a:t>  通常在生成過程中是更高效、更平滑且更穩定的選擇，特別是在像</a:t>
-            </a:r>
-            <a:r>
-              <a:rPr lang="zh-TW" altLang="en-US" b="1" dirty="0" smtClean="0"/>
-              <a:t>擴散模型</a:t>
-            </a:r>
-            <a:r>
-              <a:rPr lang="zh-TW" altLang="en-US" dirty="0" smtClean="0"/>
-              <a:t>這樣的情境下，能夠更好地捕捉數據的結構性特徵。</a:t>
-            </a:r>
-          </a:p>
-          <a:p>
-            <a:r>
-              <a:rPr lang="en-US" altLang="zh-TW" b="1" dirty="0" smtClean="0">
+              <a:rPr lang="zh-TW" altLang="en-US" sz="1200" b="0" i="0" kern="1200" dirty="0">
                 <a:solidFill>
-                  <a:srgbClr val="0F0F0F"/>
+                  <a:schemeClr val="tx1"/>
                 </a:solidFill>
-                <a:latin typeface="Roboto"/>
-                <a:ea typeface="Roboto"/>
-                <a:cs typeface="Roboto"/>
+                <a:effectLst/>
+                <a:latin typeface="+mn-lt"/>
+                <a:ea typeface="+mn-ea"/>
+                <a:cs typeface="+mn-cs"/>
               </a:rPr>
-              <a:t>Pixel space</a:t>
-            </a:r>
-            <a:r>
-              <a:rPr lang="zh-TW" altLang="en-US" b="1" dirty="0" smtClean="0">
+              <a:t>擴散模型是一種生成模型，其概念是透過逐步向數據添加隨機雜訊，直到數據完全變成雜訊，然後學習如何逆轉這個過程，從雜訊中逐步恢復原始數據</a:t>
+            </a:r>
+            <a:endParaRPr lang="en-US" altLang="zh-TW" sz="1200" b="0" i="0" kern="1200" dirty="0">
+              <a:solidFill>
+                <a:schemeClr val="tx1"/>
+              </a:solidFill>
+              <a:effectLst/>
+              <a:latin typeface="+mn-lt"/>
+              <a:ea typeface="+mn-ea"/>
+              <a:cs typeface="+mn-cs"/>
+            </a:endParaRPr>
+          </a:p>
+          <a:p>
+            <a:endParaRPr lang="en-US" altLang="zh-TW" sz="1200" b="0" i="0" kern="1200" dirty="0">
+              <a:solidFill>
+                <a:schemeClr val="tx1"/>
+              </a:solidFill>
+              <a:effectLst/>
+              <a:latin typeface="+mn-lt"/>
+              <a:ea typeface="+mn-ea"/>
+              <a:cs typeface="+mn-cs"/>
+            </a:endParaRPr>
+          </a:p>
+          <a:p>
+            <a:r>
+              <a:rPr lang="zh-TW" altLang="en-US" sz="1200" b="0" i="0" kern="1200" dirty="0">
                 <a:solidFill>
-                  <a:srgbClr val="0F0F0F"/>
+                  <a:schemeClr val="tx1"/>
                 </a:solidFill>
-                <a:latin typeface="Roboto"/>
-                <a:ea typeface="Roboto"/>
-                <a:cs typeface="Roboto"/>
+                <a:effectLst/>
+                <a:latin typeface="+mn-lt"/>
+                <a:ea typeface="+mn-ea"/>
+                <a:cs typeface="+mn-cs"/>
               </a:rPr>
-              <a:t> </a:t>
-            </a:r>
-            <a:r>
-              <a:rPr lang="zh-TW" altLang="en-US" dirty="0" smtClean="0"/>
-              <a:t>雖然能夠保留更多的細節，在高維度數據的問題，計算成本高且容易出現不穩定和不自然的過渡</a:t>
-            </a:r>
-          </a:p>
-          <a:p>
-            <a:endParaRPr lang="zh-TW" altLang="en-US" dirty="0"/>
+              <a:t>如圖在每個時間步長，都會向圖像中添加少量的高斯雜訊，使得圖像逐漸變得模糊和失真。</a:t>
+            </a:r>
+          </a:p>
+          <a:p>
+            <a:r>
+              <a:rPr lang="zh-TW" altLang="en-US" sz="1200" b="0" i="0" kern="1200" dirty="0">
+                <a:solidFill>
+                  <a:schemeClr val="tx1"/>
+                </a:solidFill>
+                <a:effectLst/>
+                <a:latin typeface="+mn-lt"/>
+                <a:ea typeface="+mn-ea"/>
+                <a:cs typeface="+mn-cs"/>
+              </a:rPr>
+              <a:t>如圖所示，狗的圖像從清晰逐漸變得模糊，最終變成一團雜訊。</a:t>
+            </a:r>
+            <a:endParaRPr lang="en-US" altLang="zh-TW" sz="1200" b="0" i="0" kern="1200" dirty="0">
+              <a:solidFill>
+                <a:schemeClr val="tx1"/>
+              </a:solidFill>
+              <a:effectLst/>
+              <a:latin typeface="+mn-lt"/>
+              <a:ea typeface="+mn-ea"/>
+              <a:cs typeface="+mn-cs"/>
+            </a:endParaRPr>
+          </a:p>
+          <a:p>
+            <a:endParaRPr lang="en-US" altLang="zh-TW" sz="1200" b="0" i="0" kern="1200" dirty="0">
+              <a:solidFill>
+                <a:schemeClr val="tx1"/>
+              </a:solidFill>
+              <a:effectLst/>
+              <a:latin typeface="+mn-lt"/>
+              <a:ea typeface="+mn-ea"/>
+              <a:cs typeface="+mn-cs"/>
+            </a:endParaRPr>
+          </a:p>
+          <a:p>
+            <a:r>
+              <a:rPr lang="zh-TW" altLang="en-US" sz="1200" b="0" i="0" kern="1200" dirty="0">
+                <a:solidFill>
+                  <a:schemeClr val="tx1"/>
+                </a:solidFill>
+                <a:effectLst/>
+                <a:latin typeface="+mn-lt"/>
+                <a:ea typeface="+mn-ea"/>
+                <a:cs typeface="+mn-cs"/>
+              </a:rPr>
+              <a:t>逆向去噪過程</a:t>
+            </a:r>
+            <a:r>
+              <a:rPr lang="en-US" altLang="zh-TW" sz="1200" b="0" i="0" kern="1200" dirty="0">
+                <a:solidFill>
+                  <a:schemeClr val="tx1"/>
+                </a:solidFill>
+                <a:effectLst/>
+                <a:latin typeface="+mn-lt"/>
+                <a:ea typeface="+mn-ea"/>
+                <a:cs typeface="+mn-cs"/>
+              </a:rPr>
+              <a:t>:</a:t>
+            </a:r>
+            <a:r>
+              <a:rPr lang="zh-TW" altLang="en-US" sz="1200" b="0" i="0" kern="1200" dirty="0">
+                <a:solidFill>
+                  <a:schemeClr val="tx1"/>
+                </a:solidFill>
+                <a:effectLst/>
+                <a:latin typeface="+mn-lt"/>
+                <a:ea typeface="+mn-ea"/>
+                <a:cs typeface="+mn-cs"/>
+              </a:rPr>
+              <a:t>這是擴散模型學習的關鍵部分。 模型會學習如何從帶有雜訊的圖像中去除雜訊，從而逐步恢復原始圖像。</a:t>
+            </a:r>
+          </a:p>
+          <a:p>
+            <a:r>
+              <a:rPr lang="zh-TW" altLang="en-US" sz="1200" b="0" i="0" kern="1200" dirty="0">
+                <a:solidFill>
+                  <a:schemeClr val="tx1"/>
+                </a:solidFill>
+                <a:effectLst/>
+                <a:latin typeface="+mn-lt"/>
+                <a:ea typeface="+mn-ea"/>
+                <a:cs typeface="+mn-cs"/>
+              </a:rPr>
+              <a:t>透過學習這個逆向過程，模型能夠從隨機雜訊開始，逐步生成出新的、逼真的圖像。 </a:t>
+            </a:r>
+          </a:p>
+          <a:p>
+            <a:endParaRPr lang="zh-TW" altLang="en-US" sz="1200" b="0" i="0" kern="1200" dirty="0">
+              <a:solidFill>
+                <a:schemeClr val="tx1"/>
+              </a:solidFill>
+              <a:effectLst/>
+              <a:latin typeface="+mn-lt"/>
+              <a:ea typeface="+mn-ea"/>
+              <a:cs typeface="+mn-cs"/>
+            </a:endParaRPr>
+          </a:p>
+          <a:p>
+            <a:endParaRPr lang="zh-TW" altLang="en-US" b="0" dirty="0"/>
           </a:p>
         </p:txBody>
       </p:sp>
@@ -689,7 +788,7 @@
             <a:spLocks noGrp="1"/>
           </p:cNvSpPr>
           <p:nvPr>
-            <p:ph type="sldNum" sz="quarter" idx="10"/>
+            <p:ph type="sldNum" sz="quarter" idx="5"/>
           </p:nvPr>
         </p:nvSpPr>
         <p:spPr/>
@@ -699,7 +798,7 @@
           <a:p>
             <a:fld id="{B8D0CE21-A827-46F8-BEFD-C23296934A6E}" type="slidenum">
               <a:rPr lang="zh-TW" altLang="en-US" smtClean="0"/>
-              <a:t>6</a:t>
+              <a:t>3</a:t>
             </a:fld>
             <a:endParaRPr lang="zh-TW" altLang="en-US"/>
           </a:p>
@@ -708,7 +807,7 @@
     </p:spTree>
     <p:extLst>
       <p:ext uri="{BB962C8B-B14F-4D97-AF65-F5344CB8AC3E}">
-        <p14:creationId xmlns:p14="http://schemas.microsoft.com/office/powerpoint/2010/main" val="1001063323"/>
+        <p14:creationId xmlns:p14="http://schemas.microsoft.com/office/powerpoint/2010/main" val="2368996962"/>
       </p:ext>
     </p:extLst>
   </p:cSld>
@@ -737,7 +836,7 @@
       </p:grpSpPr>
       <p:sp>
         <p:nvSpPr>
-          <p:cNvPr id="2" name="投影片圖像版面配置區 1"/>
+          <p:cNvPr id="2" name="投影片影像版面配置區 1"/>
           <p:cNvSpPr>
             <a:spLocks noGrp="1" noRot="1" noChangeAspect="1"/>
           </p:cNvSpPr>
@@ -763,14 +862,13 @@
           <a:lstStyle/>
           <a:p>
             <a:r>
-              <a:rPr lang="zh-TW" altLang="en-US" dirty="0" smtClean="0"/>
-              <a:t>用三種資料進入</a:t>
-            </a:r>
-            <a:r>
-              <a:rPr lang="en-US" altLang="zh-TW" smtClean="0"/>
-              <a:t>latent diffusion model</a:t>
-            </a:r>
-            <a:endParaRPr lang="zh-TW" altLang="en-US" dirty="0"/>
+              <a:rPr lang="en-US" altLang="zh-TW" dirty="0" err="1"/>
+              <a:t>Xt</a:t>
+            </a:r>
+            <a:r>
+              <a:rPr lang="zh-TW" altLang="en-US" dirty="0"/>
+              <a:t>是一張有雜訊的圖片，透過中間一個預測器，將圖片逐步去噪音</a:t>
+            </a:r>
           </a:p>
         </p:txBody>
       </p:sp>
@@ -781,7 +879,7 @@
             <a:spLocks noGrp="1"/>
           </p:cNvSpPr>
           <p:nvPr>
-            <p:ph type="sldNum" sz="quarter" idx="10"/>
+            <p:ph type="sldNum" sz="quarter" idx="5"/>
           </p:nvPr>
         </p:nvSpPr>
         <p:spPr/>
@@ -791,7 +889,7 @@
           <a:p>
             <a:fld id="{B8D0CE21-A827-46F8-BEFD-C23296934A6E}" type="slidenum">
               <a:rPr lang="zh-TW" altLang="en-US" smtClean="0"/>
-              <a:t>8</a:t>
+              <a:t>4</a:t>
             </a:fld>
             <a:endParaRPr lang="zh-TW" altLang="en-US"/>
           </a:p>
@@ -800,7 +898,7 @@
     </p:spTree>
     <p:extLst>
       <p:ext uri="{BB962C8B-B14F-4D97-AF65-F5344CB8AC3E}">
-        <p14:creationId xmlns:p14="http://schemas.microsoft.com/office/powerpoint/2010/main" val="2467602598"/>
+        <p14:creationId xmlns:p14="http://schemas.microsoft.com/office/powerpoint/2010/main" val="2967261606"/>
       </p:ext>
     </p:extLst>
   </p:cSld>
@@ -829,6 +927,323 @@
       </p:grpSpPr>
       <p:sp>
         <p:nvSpPr>
+          <p:cNvPr id="2" name="投影片影像版面配置區 1"/>
+          <p:cNvSpPr>
+            <a:spLocks noGrp="1" noRot="1" noChangeAspect="1"/>
+          </p:cNvSpPr>
+          <p:nvPr>
+            <p:ph type="sldImg"/>
+          </p:nvPr>
+        </p:nvSpPr>
+        <p:spPr/>
+      </p:sp>
+      <p:sp>
+        <p:nvSpPr>
+          <p:cNvPr id="3" name="備忘稿版面配置區 2"/>
+          <p:cNvSpPr>
+            <a:spLocks noGrp="1"/>
+          </p:cNvSpPr>
+          <p:nvPr>
+            <p:ph type="body" idx="1"/>
+          </p:nvPr>
+        </p:nvSpPr>
+        <p:spPr/>
+        <p:txBody>
+          <a:bodyPr/>
+          <a:lstStyle/>
+          <a:p>
+            <a:r>
+              <a:rPr lang="zh-TW" altLang="en-US" dirty="0"/>
+              <a:t>未來在預測新圖時 即可以用一個亂生成的雜訊 最終生成一個合理的圖 這邊是</a:t>
+            </a:r>
+            <a:r>
+              <a:rPr lang="en-US" altLang="zh-TW" dirty="0" err="1"/>
+              <a:t>cifar</a:t>
+            </a:r>
+            <a:r>
+              <a:rPr lang="zh-TW" altLang="en-US" dirty="0"/>
+              <a:t>的範例</a:t>
+            </a:r>
+          </a:p>
+        </p:txBody>
+      </p:sp>
+      <p:sp>
+        <p:nvSpPr>
+          <p:cNvPr id="4" name="投影片編號版面配置區 3"/>
+          <p:cNvSpPr>
+            <a:spLocks noGrp="1"/>
+          </p:cNvSpPr>
+          <p:nvPr>
+            <p:ph type="sldNum" sz="quarter" idx="5"/>
+          </p:nvPr>
+        </p:nvSpPr>
+        <p:spPr/>
+        <p:txBody>
+          <a:bodyPr/>
+          <a:lstStyle/>
+          <a:p>
+            <a:fld id="{B8D0CE21-A827-46F8-BEFD-C23296934A6E}" type="slidenum">
+              <a:rPr lang="zh-TW" altLang="en-US" smtClean="0"/>
+              <a:t>5</a:t>
+            </a:fld>
+            <a:endParaRPr lang="zh-TW" altLang="en-US"/>
+          </a:p>
+        </p:txBody>
+      </p:sp>
+    </p:spTree>
+    <p:extLst>
+      <p:ext uri="{BB962C8B-B14F-4D97-AF65-F5344CB8AC3E}">
+        <p14:creationId xmlns:p14="http://schemas.microsoft.com/office/powerpoint/2010/main" val="3876951448"/>
+      </p:ext>
+    </p:extLst>
+  </p:cSld>
+  <p:clrMapOvr>
+    <a:masterClrMapping/>
+  </p:clrMapOvr>
+</p:notes>
+</file>
+
+<file path=ppt/notesSlides/notesSlide5.xml><?xml version="1.0" encoding="utf-8"?>
+<p:notes xmlns:a="http://schemas.openxmlformats.org/drawingml/2006/main" xmlns:r="http://schemas.openxmlformats.org/officeDocument/2006/relationships" xmlns:p="http://schemas.openxmlformats.org/presentationml/2006/main">
+  <p:cSld>
+    <p:spTree>
+      <p:nvGrpSpPr>
+        <p:cNvPr id="1" name=""/>
+        <p:cNvGrpSpPr/>
+        <p:nvPr/>
+      </p:nvGrpSpPr>
+      <p:grpSpPr>
+        <a:xfrm>
+          <a:off x="0" y="0"/>
+          <a:ext cx="0" cy="0"/>
+          <a:chOff x="0" y="0"/>
+          <a:chExt cx="0" cy="0"/>
+        </a:xfrm>
+      </p:grpSpPr>
+      <p:sp>
+        <p:nvSpPr>
+          <p:cNvPr id="2" name="投影片圖像版面配置區 1"/>
+          <p:cNvSpPr>
+            <a:spLocks noGrp="1" noRot="1" noChangeAspect="1"/>
+          </p:cNvSpPr>
+          <p:nvPr>
+            <p:ph type="sldImg"/>
+          </p:nvPr>
+        </p:nvSpPr>
+        <p:spPr/>
+      </p:sp>
+      <p:sp>
+        <p:nvSpPr>
+          <p:cNvPr id="3" name="備忘稿版面配置區 2"/>
+          <p:cNvSpPr>
+            <a:spLocks noGrp="1"/>
+          </p:cNvSpPr>
+          <p:nvPr>
+            <p:ph type="body" idx="1"/>
+          </p:nvPr>
+        </p:nvSpPr>
+        <p:spPr/>
+        <p:txBody>
+          <a:bodyPr/>
+          <a:lstStyle/>
+          <a:p>
+            <a:r>
+              <a:rPr lang="en-US" altLang="zh-TW" dirty="0"/>
+              <a:t>Latent Space</a:t>
+            </a:r>
+            <a:r>
+              <a:rPr lang="zh-TW" altLang="en-US" dirty="0"/>
+              <a:t>  通常在生成過程中是更高效、更平滑且更穩定的選擇，特別是在像</a:t>
+            </a:r>
+            <a:r>
+              <a:rPr lang="zh-TW" altLang="en-US" b="1" dirty="0"/>
+              <a:t>擴散模型</a:t>
+            </a:r>
+            <a:r>
+              <a:rPr lang="zh-TW" altLang="en-US" dirty="0"/>
+              <a:t>這樣的情境下，能夠更好地捕捉數據的結構性特徵。</a:t>
+            </a:r>
+          </a:p>
+          <a:p>
+            <a:r>
+              <a:rPr lang="en-US" altLang="zh-TW" b="1" dirty="0">
+                <a:solidFill>
+                  <a:srgbClr val="0F0F0F"/>
+                </a:solidFill>
+                <a:latin typeface="Roboto"/>
+                <a:ea typeface="Roboto"/>
+                <a:cs typeface="Roboto"/>
+              </a:rPr>
+              <a:t>Pixel space</a:t>
+            </a:r>
+            <a:r>
+              <a:rPr lang="zh-TW" altLang="en-US" b="1" dirty="0">
+                <a:solidFill>
+                  <a:srgbClr val="0F0F0F"/>
+                </a:solidFill>
+                <a:latin typeface="Roboto"/>
+                <a:ea typeface="Roboto"/>
+                <a:cs typeface="Roboto"/>
+              </a:rPr>
+              <a:t> </a:t>
+            </a:r>
+            <a:r>
+              <a:rPr lang="zh-TW" altLang="en-US" dirty="0"/>
+              <a:t>雖然能夠保留更多的細節，在高維度數據的問題，計算成本高且容易出現不穩定和不自然的過渡</a:t>
+            </a:r>
+          </a:p>
+          <a:p>
+            <a:endParaRPr lang="zh-TW" altLang="en-US" dirty="0"/>
+          </a:p>
+        </p:txBody>
+      </p:sp>
+      <p:sp>
+        <p:nvSpPr>
+          <p:cNvPr id="4" name="投影片編號版面配置區 3"/>
+          <p:cNvSpPr>
+            <a:spLocks noGrp="1"/>
+          </p:cNvSpPr>
+          <p:nvPr>
+            <p:ph type="sldNum" sz="quarter" idx="10"/>
+          </p:nvPr>
+        </p:nvSpPr>
+        <p:spPr/>
+        <p:txBody>
+          <a:bodyPr/>
+          <a:lstStyle/>
+          <a:p>
+            <a:fld id="{B8D0CE21-A827-46F8-BEFD-C23296934A6E}" type="slidenum">
+              <a:rPr lang="zh-TW" altLang="en-US" smtClean="0"/>
+              <a:t>6</a:t>
+            </a:fld>
+            <a:endParaRPr lang="zh-TW" altLang="en-US"/>
+          </a:p>
+        </p:txBody>
+      </p:sp>
+    </p:spTree>
+    <p:extLst>
+      <p:ext uri="{BB962C8B-B14F-4D97-AF65-F5344CB8AC3E}">
+        <p14:creationId xmlns:p14="http://schemas.microsoft.com/office/powerpoint/2010/main" val="1001063323"/>
+      </p:ext>
+    </p:extLst>
+  </p:cSld>
+  <p:clrMapOvr>
+    <a:masterClrMapping/>
+  </p:clrMapOvr>
+</p:notes>
+</file>
+
+<file path=ppt/notesSlides/notesSlide6.xml><?xml version="1.0" encoding="utf-8"?>
+<p:notes xmlns:a="http://schemas.openxmlformats.org/drawingml/2006/main" xmlns:r="http://schemas.openxmlformats.org/officeDocument/2006/relationships" xmlns:p="http://schemas.openxmlformats.org/presentationml/2006/main">
+  <p:cSld>
+    <p:spTree>
+      <p:nvGrpSpPr>
+        <p:cNvPr id="1" name=""/>
+        <p:cNvGrpSpPr/>
+        <p:nvPr/>
+      </p:nvGrpSpPr>
+      <p:grpSpPr>
+        <a:xfrm>
+          <a:off x="0" y="0"/>
+          <a:ext cx="0" cy="0"/>
+          <a:chOff x="0" y="0"/>
+          <a:chExt cx="0" cy="0"/>
+        </a:xfrm>
+      </p:grpSpPr>
+      <p:sp>
+        <p:nvSpPr>
+          <p:cNvPr id="2" name="投影片圖像版面配置區 1"/>
+          <p:cNvSpPr>
+            <a:spLocks noGrp="1" noRot="1" noChangeAspect="1"/>
+          </p:cNvSpPr>
+          <p:nvPr>
+            <p:ph type="sldImg"/>
+          </p:nvPr>
+        </p:nvSpPr>
+        <p:spPr/>
+      </p:sp>
+      <p:sp>
+        <p:nvSpPr>
+          <p:cNvPr id="3" name="備忘稿版面配置區 2"/>
+          <p:cNvSpPr>
+            <a:spLocks noGrp="1"/>
+          </p:cNvSpPr>
+          <p:nvPr>
+            <p:ph type="body" idx="1"/>
+          </p:nvPr>
+        </p:nvSpPr>
+        <p:spPr/>
+        <p:txBody>
+          <a:bodyPr/>
+          <a:lstStyle/>
+          <a:p>
+            <a:r>
+              <a:rPr lang="zh-TW" altLang="en-US" dirty="0"/>
+              <a:t>用三種資料進入</a:t>
+            </a:r>
+            <a:r>
+              <a:rPr lang="en-US" altLang="zh-TW"/>
+              <a:t>latent diffusion model</a:t>
+            </a:r>
+            <a:endParaRPr lang="zh-TW" altLang="en-US" dirty="0"/>
+          </a:p>
+        </p:txBody>
+      </p:sp>
+      <p:sp>
+        <p:nvSpPr>
+          <p:cNvPr id="4" name="投影片編號版面配置區 3"/>
+          <p:cNvSpPr>
+            <a:spLocks noGrp="1"/>
+          </p:cNvSpPr>
+          <p:nvPr>
+            <p:ph type="sldNum" sz="quarter" idx="10"/>
+          </p:nvPr>
+        </p:nvSpPr>
+        <p:spPr/>
+        <p:txBody>
+          <a:bodyPr/>
+          <a:lstStyle/>
+          <a:p>
+            <a:fld id="{B8D0CE21-A827-46F8-BEFD-C23296934A6E}" type="slidenum">
+              <a:rPr lang="zh-TW" altLang="en-US" smtClean="0"/>
+              <a:t>8</a:t>
+            </a:fld>
+            <a:endParaRPr lang="zh-TW" altLang="en-US"/>
+          </a:p>
+        </p:txBody>
+      </p:sp>
+    </p:spTree>
+    <p:extLst>
+      <p:ext uri="{BB962C8B-B14F-4D97-AF65-F5344CB8AC3E}">
+        <p14:creationId xmlns:p14="http://schemas.microsoft.com/office/powerpoint/2010/main" val="2467602598"/>
+      </p:ext>
+    </p:extLst>
+  </p:cSld>
+  <p:clrMapOvr>
+    <a:masterClrMapping/>
+  </p:clrMapOvr>
+</p:notes>
+</file>
+
+<file path=ppt/notesSlides/notesSlide7.xml><?xml version="1.0" encoding="utf-8"?>
+<p:notes xmlns:a="http://schemas.openxmlformats.org/drawingml/2006/main" xmlns:r="http://schemas.openxmlformats.org/officeDocument/2006/relationships" xmlns:p="http://schemas.openxmlformats.org/presentationml/2006/main">
+  <p:cSld>
+    <p:spTree>
+      <p:nvGrpSpPr>
+        <p:cNvPr id="1" name=""/>
+        <p:cNvGrpSpPr/>
+        <p:nvPr/>
+      </p:nvGrpSpPr>
+      <p:grpSpPr>
+        <a:xfrm>
+          <a:off x="0" y="0"/>
+          <a:ext cx="0" cy="0"/>
+          <a:chOff x="0" y="0"/>
+          <a:chExt cx="0" cy="0"/>
+        </a:xfrm>
+      </p:grpSpPr>
+      <p:sp>
+        <p:nvSpPr>
           <p:cNvPr id="2" name="投影片圖像版面配置區 1"/>
           <p:cNvSpPr>
             <a:spLocks noGrp="1" noRot="1" noChangeAspect="1"/>
@@ -894,7 +1309,7 @@
 </p:notes>
 </file>
 
-<file path=ppt/notesSlides/notesSlide5.xml><?xml version="1.0" encoding="utf-8"?>
+<file path=ppt/notesSlides/notesSlide8.xml><?xml version="1.0" encoding="utf-8"?>
 <p:notes xmlns:a="http://schemas.openxmlformats.org/drawingml/2006/main" xmlns:r="http://schemas.openxmlformats.org/officeDocument/2006/relationships" xmlns:p="http://schemas.openxmlformats.org/presentationml/2006/main">
   <p:cSld>
     <p:spTree>
@@ -1000,7 +1415,7 @@
           <p:cNvPr id="2" name="標題 1">
             <a:extLst>
               <a:ext uri="{FF2B5EF4-FFF2-40B4-BE49-F238E27FC236}">
-                <a16:creationId xmlns:a16="http://schemas.microsoft.com/office/drawing/2014/main" xmlns="" id="{E35DDB53-C1D0-4F65-A4BE-FDCE1B8E9860}"/>
+                <a16:creationId xmlns:a16="http://schemas.microsoft.com/office/drawing/2014/main" id="{E35DDB53-C1D0-4F65-A4BE-FDCE1B8E9860}"/>
               </a:ext>
             </a:extLst>
           </p:cNvPr>
@@ -1037,7 +1452,7 @@
           <p:cNvPr id="3" name="副標題 2">
             <a:extLst>
               <a:ext uri="{FF2B5EF4-FFF2-40B4-BE49-F238E27FC236}">
-                <a16:creationId xmlns:a16="http://schemas.microsoft.com/office/drawing/2014/main" xmlns="" id="{8354E729-BC2A-4F7F-8F4B-8373B46B63FE}"/>
+                <a16:creationId xmlns:a16="http://schemas.microsoft.com/office/drawing/2014/main" id="{8354E729-BC2A-4F7F-8F4B-8373B46B63FE}"/>
               </a:ext>
             </a:extLst>
           </p:cNvPr>
@@ -1107,7 +1522,7 @@
           <p:cNvPr id="4" name="日期版面配置區 3">
             <a:extLst>
               <a:ext uri="{FF2B5EF4-FFF2-40B4-BE49-F238E27FC236}">
-                <a16:creationId xmlns:a16="http://schemas.microsoft.com/office/drawing/2014/main" xmlns="" id="{53A123AF-A667-4572-AB54-DBC4AD746939}"/>
+                <a16:creationId xmlns:a16="http://schemas.microsoft.com/office/drawing/2014/main" id="{53A123AF-A667-4572-AB54-DBC4AD746939}"/>
               </a:ext>
             </a:extLst>
           </p:cNvPr>
@@ -1125,7 +1540,7 @@
           <a:p>
             <a:fld id="{879B64F2-2B7B-48CE-A93F-F01CBE8AC1ED}" type="datetimeFigureOut">
               <a:rPr lang="zh-TW" altLang="en-US" smtClean="0"/>
-              <a:t>2025/9/23</a:t>
+              <a:t>2025/9/24</a:t>
             </a:fld>
             <a:endParaRPr lang="zh-TW" altLang="en-US"/>
           </a:p>
@@ -1136,7 +1551,7 @@
           <p:cNvPr id="5" name="頁尾版面配置區 4">
             <a:extLst>
               <a:ext uri="{FF2B5EF4-FFF2-40B4-BE49-F238E27FC236}">
-                <a16:creationId xmlns:a16="http://schemas.microsoft.com/office/drawing/2014/main" xmlns="" id="{C1680952-D95E-4C38-A26F-B893A6A5912A}"/>
+                <a16:creationId xmlns:a16="http://schemas.microsoft.com/office/drawing/2014/main" id="{C1680952-D95E-4C38-A26F-B893A6A5912A}"/>
               </a:ext>
             </a:extLst>
           </p:cNvPr>
@@ -1161,7 +1576,7 @@
           <p:cNvPr id="6" name="投影片編號版面配置區 5">
             <a:extLst>
               <a:ext uri="{FF2B5EF4-FFF2-40B4-BE49-F238E27FC236}">
-                <a16:creationId xmlns:a16="http://schemas.microsoft.com/office/drawing/2014/main" xmlns="" id="{7B4DFC22-CF8A-42FA-B051-57874EC650B4}"/>
+                <a16:creationId xmlns:a16="http://schemas.microsoft.com/office/drawing/2014/main" id="{7B4DFC22-CF8A-42FA-B051-57874EC650B4}"/>
               </a:ext>
             </a:extLst>
           </p:cNvPr>
@@ -1220,7 +1635,7 @@
           <p:cNvPr id="2" name="標題 1">
             <a:extLst>
               <a:ext uri="{FF2B5EF4-FFF2-40B4-BE49-F238E27FC236}">
-                <a16:creationId xmlns:a16="http://schemas.microsoft.com/office/drawing/2014/main" xmlns="" id="{BF8231CC-55F0-4C45-98FF-6E283F9BE9B7}"/>
+                <a16:creationId xmlns:a16="http://schemas.microsoft.com/office/drawing/2014/main" id="{BF8231CC-55F0-4C45-98FF-6E283F9BE9B7}"/>
               </a:ext>
             </a:extLst>
           </p:cNvPr>
@@ -1248,7 +1663,7 @@
           <p:cNvPr id="3" name="直排文字版面配置區 2">
             <a:extLst>
               <a:ext uri="{FF2B5EF4-FFF2-40B4-BE49-F238E27FC236}">
-                <a16:creationId xmlns:a16="http://schemas.microsoft.com/office/drawing/2014/main" xmlns="" id="{8FF68CBD-6D1A-4843-BDC7-19874D55AB91}"/>
+                <a16:creationId xmlns:a16="http://schemas.microsoft.com/office/drawing/2014/main" id="{8FF68CBD-6D1A-4843-BDC7-19874D55AB91}"/>
               </a:ext>
             </a:extLst>
           </p:cNvPr>
@@ -1305,7 +1720,7 @@
           <p:cNvPr id="4" name="日期版面配置區 3">
             <a:extLst>
               <a:ext uri="{FF2B5EF4-FFF2-40B4-BE49-F238E27FC236}">
-                <a16:creationId xmlns:a16="http://schemas.microsoft.com/office/drawing/2014/main" xmlns="" id="{DB8D22BC-3DCA-48D2-AB31-E480388E4151}"/>
+                <a16:creationId xmlns:a16="http://schemas.microsoft.com/office/drawing/2014/main" id="{DB8D22BC-3DCA-48D2-AB31-E480388E4151}"/>
               </a:ext>
             </a:extLst>
           </p:cNvPr>
@@ -1323,7 +1738,7 @@
           <a:p>
             <a:fld id="{879B64F2-2B7B-48CE-A93F-F01CBE8AC1ED}" type="datetimeFigureOut">
               <a:rPr lang="zh-TW" altLang="en-US" smtClean="0"/>
-              <a:t>2025/9/23</a:t>
+              <a:t>2025/9/24</a:t>
             </a:fld>
             <a:endParaRPr lang="zh-TW" altLang="en-US"/>
           </a:p>
@@ -1334,7 +1749,7 @@
           <p:cNvPr id="5" name="頁尾版面配置區 4">
             <a:extLst>
               <a:ext uri="{FF2B5EF4-FFF2-40B4-BE49-F238E27FC236}">
-                <a16:creationId xmlns:a16="http://schemas.microsoft.com/office/drawing/2014/main" xmlns="" id="{467873BE-0D19-44DB-BDF7-F65B9609DB66}"/>
+                <a16:creationId xmlns:a16="http://schemas.microsoft.com/office/drawing/2014/main" id="{467873BE-0D19-44DB-BDF7-F65B9609DB66}"/>
               </a:ext>
             </a:extLst>
           </p:cNvPr>
@@ -1359,7 +1774,7 @@
           <p:cNvPr id="6" name="投影片編號版面配置區 5">
             <a:extLst>
               <a:ext uri="{FF2B5EF4-FFF2-40B4-BE49-F238E27FC236}">
-                <a16:creationId xmlns:a16="http://schemas.microsoft.com/office/drawing/2014/main" xmlns="" id="{3DB2F59D-061E-4373-B631-C6CB62DFE299}"/>
+                <a16:creationId xmlns:a16="http://schemas.microsoft.com/office/drawing/2014/main" id="{3DB2F59D-061E-4373-B631-C6CB62DFE299}"/>
               </a:ext>
             </a:extLst>
           </p:cNvPr>
@@ -1418,7 +1833,7 @@
           <p:cNvPr id="2" name="直排標題 1">
             <a:extLst>
               <a:ext uri="{FF2B5EF4-FFF2-40B4-BE49-F238E27FC236}">
-                <a16:creationId xmlns:a16="http://schemas.microsoft.com/office/drawing/2014/main" xmlns="" id="{06EDF22F-572D-4E49-B9FE-461C70AE81B4}"/>
+                <a16:creationId xmlns:a16="http://schemas.microsoft.com/office/drawing/2014/main" id="{06EDF22F-572D-4E49-B9FE-461C70AE81B4}"/>
               </a:ext>
             </a:extLst>
           </p:cNvPr>
@@ -1451,7 +1866,7 @@
           <p:cNvPr id="3" name="直排文字版面配置區 2">
             <a:extLst>
               <a:ext uri="{FF2B5EF4-FFF2-40B4-BE49-F238E27FC236}">
-                <a16:creationId xmlns:a16="http://schemas.microsoft.com/office/drawing/2014/main" xmlns="" id="{59CC5A8A-0DE7-403D-92AC-B9CB79636A91}"/>
+                <a16:creationId xmlns:a16="http://schemas.microsoft.com/office/drawing/2014/main" id="{59CC5A8A-0DE7-403D-92AC-B9CB79636A91}"/>
               </a:ext>
             </a:extLst>
           </p:cNvPr>
@@ -1513,7 +1928,7 @@
           <p:cNvPr id="4" name="日期版面配置區 3">
             <a:extLst>
               <a:ext uri="{FF2B5EF4-FFF2-40B4-BE49-F238E27FC236}">
-                <a16:creationId xmlns:a16="http://schemas.microsoft.com/office/drawing/2014/main" xmlns="" id="{34E26329-B68D-435D-9D35-A130E9D0035E}"/>
+                <a16:creationId xmlns:a16="http://schemas.microsoft.com/office/drawing/2014/main" id="{34E26329-B68D-435D-9D35-A130E9D0035E}"/>
               </a:ext>
             </a:extLst>
           </p:cNvPr>
@@ -1531,7 +1946,7 @@
           <a:p>
             <a:fld id="{879B64F2-2B7B-48CE-A93F-F01CBE8AC1ED}" type="datetimeFigureOut">
               <a:rPr lang="zh-TW" altLang="en-US" smtClean="0"/>
-              <a:t>2025/9/23</a:t>
+              <a:t>2025/9/24</a:t>
             </a:fld>
             <a:endParaRPr lang="zh-TW" altLang="en-US"/>
           </a:p>
@@ -1542,7 +1957,7 @@
           <p:cNvPr id="5" name="頁尾版面配置區 4">
             <a:extLst>
               <a:ext uri="{FF2B5EF4-FFF2-40B4-BE49-F238E27FC236}">
-                <a16:creationId xmlns:a16="http://schemas.microsoft.com/office/drawing/2014/main" xmlns="" id="{F9AF36C7-E76E-42D1-9E71-EFBDDBB0D96B}"/>
+                <a16:creationId xmlns:a16="http://schemas.microsoft.com/office/drawing/2014/main" id="{F9AF36C7-E76E-42D1-9E71-EFBDDBB0D96B}"/>
               </a:ext>
             </a:extLst>
           </p:cNvPr>
@@ -1567,7 +1982,7 @@
           <p:cNvPr id="6" name="投影片編號版面配置區 5">
             <a:extLst>
               <a:ext uri="{FF2B5EF4-FFF2-40B4-BE49-F238E27FC236}">
-                <a16:creationId xmlns:a16="http://schemas.microsoft.com/office/drawing/2014/main" xmlns="" id="{FF7619F3-574F-4F73-B342-3EBD0FCAFF59}"/>
+                <a16:creationId xmlns:a16="http://schemas.microsoft.com/office/drawing/2014/main" id="{FF7619F3-574F-4F73-B342-3EBD0FCAFF59}"/>
               </a:ext>
             </a:extLst>
           </p:cNvPr>
@@ -1626,7 +2041,7 @@
           <p:cNvPr id="2" name="標題 1">
             <a:extLst>
               <a:ext uri="{FF2B5EF4-FFF2-40B4-BE49-F238E27FC236}">
-                <a16:creationId xmlns:a16="http://schemas.microsoft.com/office/drawing/2014/main" xmlns="" id="{9417FDB8-6564-4A89-892F-121ECB6A15E3}"/>
+                <a16:creationId xmlns:a16="http://schemas.microsoft.com/office/drawing/2014/main" id="{9417FDB8-6564-4A89-892F-121ECB6A15E3}"/>
               </a:ext>
             </a:extLst>
           </p:cNvPr>
@@ -1654,7 +2069,7 @@
           <p:cNvPr id="3" name="內容版面配置區 2">
             <a:extLst>
               <a:ext uri="{FF2B5EF4-FFF2-40B4-BE49-F238E27FC236}">
-                <a16:creationId xmlns:a16="http://schemas.microsoft.com/office/drawing/2014/main" xmlns="" id="{51212427-EE34-43C7-A8FD-694D51AB046E}"/>
+                <a16:creationId xmlns:a16="http://schemas.microsoft.com/office/drawing/2014/main" id="{51212427-EE34-43C7-A8FD-694D51AB046E}"/>
               </a:ext>
             </a:extLst>
           </p:cNvPr>
@@ -1711,7 +2126,7 @@
           <p:cNvPr id="4" name="日期版面配置區 3">
             <a:extLst>
               <a:ext uri="{FF2B5EF4-FFF2-40B4-BE49-F238E27FC236}">
-                <a16:creationId xmlns:a16="http://schemas.microsoft.com/office/drawing/2014/main" xmlns="" id="{57CBDCD7-360C-4618-99D5-86A5A5EF480F}"/>
+                <a16:creationId xmlns:a16="http://schemas.microsoft.com/office/drawing/2014/main" id="{57CBDCD7-360C-4618-99D5-86A5A5EF480F}"/>
               </a:ext>
             </a:extLst>
           </p:cNvPr>
@@ -1729,7 +2144,7 @@
           <a:p>
             <a:fld id="{879B64F2-2B7B-48CE-A93F-F01CBE8AC1ED}" type="datetimeFigureOut">
               <a:rPr lang="zh-TW" altLang="en-US" smtClean="0"/>
-              <a:t>2025/9/23</a:t>
+              <a:t>2025/9/24</a:t>
             </a:fld>
             <a:endParaRPr lang="zh-TW" altLang="en-US"/>
           </a:p>
@@ -1740,7 +2155,7 @@
           <p:cNvPr id="5" name="頁尾版面配置區 4">
             <a:extLst>
               <a:ext uri="{FF2B5EF4-FFF2-40B4-BE49-F238E27FC236}">
-                <a16:creationId xmlns:a16="http://schemas.microsoft.com/office/drawing/2014/main" xmlns="" id="{CF3DC7E3-2CDA-47FC-82EC-B6724DEDE6AE}"/>
+                <a16:creationId xmlns:a16="http://schemas.microsoft.com/office/drawing/2014/main" id="{CF3DC7E3-2CDA-47FC-82EC-B6724DEDE6AE}"/>
               </a:ext>
             </a:extLst>
           </p:cNvPr>
@@ -1765,7 +2180,7 @@
           <p:cNvPr id="6" name="投影片編號版面配置區 5">
             <a:extLst>
               <a:ext uri="{FF2B5EF4-FFF2-40B4-BE49-F238E27FC236}">
-                <a16:creationId xmlns:a16="http://schemas.microsoft.com/office/drawing/2014/main" xmlns="" id="{6FCD9DA0-45A4-4361-AD1D-DB2F24801798}"/>
+                <a16:creationId xmlns:a16="http://schemas.microsoft.com/office/drawing/2014/main" id="{6FCD9DA0-45A4-4361-AD1D-DB2F24801798}"/>
               </a:ext>
             </a:extLst>
           </p:cNvPr>
@@ -1824,7 +2239,7 @@
           <p:cNvPr id="2" name="標題 1">
             <a:extLst>
               <a:ext uri="{FF2B5EF4-FFF2-40B4-BE49-F238E27FC236}">
-                <a16:creationId xmlns:a16="http://schemas.microsoft.com/office/drawing/2014/main" xmlns="" id="{AAD101D0-1702-4091-BD84-775665326445}"/>
+                <a16:creationId xmlns:a16="http://schemas.microsoft.com/office/drawing/2014/main" id="{AAD101D0-1702-4091-BD84-775665326445}"/>
               </a:ext>
             </a:extLst>
           </p:cNvPr>
@@ -1861,7 +2276,7 @@
           <p:cNvPr id="3" name="文字版面配置區 2">
             <a:extLst>
               <a:ext uri="{FF2B5EF4-FFF2-40B4-BE49-F238E27FC236}">
-                <a16:creationId xmlns:a16="http://schemas.microsoft.com/office/drawing/2014/main" xmlns="" id="{0BD8E1E2-602B-4613-8148-CCAA3F8A8479}"/>
+                <a16:creationId xmlns:a16="http://schemas.microsoft.com/office/drawing/2014/main" id="{0BD8E1E2-602B-4613-8148-CCAA3F8A8479}"/>
               </a:ext>
             </a:extLst>
           </p:cNvPr>
@@ -1986,7 +2401,7 @@
           <p:cNvPr id="4" name="日期版面配置區 3">
             <a:extLst>
               <a:ext uri="{FF2B5EF4-FFF2-40B4-BE49-F238E27FC236}">
-                <a16:creationId xmlns:a16="http://schemas.microsoft.com/office/drawing/2014/main" xmlns="" id="{EE9C1E22-1E55-471F-AFCC-5907530118FD}"/>
+                <a16:creationId xmlns:a16="http://schemas.microsoft.com/office/drawing/2014/main" id="{EE9C1E22-1E55-471F-AFCC-5907530118FD}"/>
               </a:ext>
             </a:extLst>
           </p:cNvPr>
@@ -2004,7 +2419,7 @@
           <a:p>
             <a:fld id="{879B64F2-2B7B-48CE-A93F-F01CBE8AC1ED}" type="datetimeFigureOut">
               <a:rPr lang="zh-TW" altLang="en-US" smtClean="0"/>
-              <a:t>2025/9/23</a:t>
+              <a:t>2025/9/24</a:t>
             </a:fld>
             <a:endParaRPr lang="zh-TW" altLang="en-US"/>
           </a:p>
@@ -2015,7 +2430,7 @@
           <p:cNvPr id="5" name="頁尾版面配置區 4">
             <a:extLst>
               <a:ext uri="{FF2B5EF4-FFF2-40B4-BE49-F238E27FC236}">
-                <a16:creationId xmlns:a16="http://schemas.microsoft.com/office/drawing/2014/main" xmlns="" id="{00E74574-3F79-43E0-886E-0F7B5FBEE9EB}"/>
+                <a16:creationId xmlns:a16="http://schemas.microsoft.com/office/drawing/2014/main" id="{00E74574-3F79-43E0-886E-0F7B5FBEE9EB}"/>
               </a:ext>
             </a:extLst>
           </p:cNvPr>
@@ -2040,7 +2455,7 @@
           <p:cNvPr id="6" name="投影片編號版面配置區 5">
             <a:extLst>
               <a:ext uri="{FF2B5EF4-FFF2-40B4-BE49-F238E27FC236}">
-                <a16:creationId xmlns:a16="http://schemas.microsoft.com/office/drawing/2014/main" xmlns="" id="{6D0AEA75-5543-4200-8506-0B2ECFF44CCA}"/>
+                <a16:creationId xmlns:a16="http://schemas.microsoft.com/office/drawing/2014/main" id="{6D0AEA75-5543-4200-8506-0B2ECFF44CCA}"/>
               </a:ext>
             </a:extLst>
           </p:cNvPr>
@@ -2099,7 +2514,7 @@
           <p:cNvPr id="2" name="標題 1">
             <a:extLst>
               <a:ext uri="{FF2B5EF4-FFF2-40B4-BE49-F238E27FC236}">
-                <a16:creationId xmlns:a16="http://schemas.microsoft.com/office/drawing/2014/main" xmlns="" id="{73297404-2E9F-475C-B361-4DC34C7D854A}"/>
+                <a16:creationId xmlns:a16="http://schemas.microsoft.com/office/drawing/2014/main" id="{73297404-2E9F-475C-B361-4DC34C7D854A}"/>
               </a:ext>
             </a:extLst>
           </p:cNvPr>
@@ -2127,7 +2542,7 @@
           <p:cNvPr id="3" name="內容版面配置區 2">
             <a:extLst>
               <a:ext uri="{FF2B5EF4-FFF2-40B4-BE49-F238E27FC236}">
-                <a16:creationId xmlns:a16="http://schemas.microsoft.com/office/drawing/2014/main" xmlns="" id="{1E0DA65C-B23C-4D21-BECF-E728DDEC65BE}"/>
+                <a16:creationId xmlns:a16="http://schemas.microsoft.com/office/drawing/2014/main" id="{1E0DA65C-B23C-4D21-BECF-E728DDEC65BE}"/>
               </a:ext>
             </a:extLst>
           </p:cNvPr>
@@ -2189,7 +2604,7 @@
           <p:cNvPr id="4" name="內容版面配置區 3">
             <a:extLst>
               <a:ext uri="{FF2B5EF4-FFF2-40B4-BE49-F238E27FC236}">
-                <a16:creationId xmlns:a16="http://schemas.microsoft.com/office/drawing/2014/main" xmlns="" id="{0DBA3308-CC5B-4665-A367-63EBBDCCB497}"/>
+                <a16:creationId xmlns:a16="http://schemas.microsoft.com/office/drawing/2014/main" id="{0DBA3308-CC5B-4665-A367-63EBBDCCB497}"/>
               </a:ext>
             </a:extLst>
           </p:cNvPr>
@@ -2251,7 +2666,7 @@
           <p:cNvPr id="5" name="日期版面配置區 4">
             <a:extLst>
               <a:ext uri="{FF2B5EF4-FFF2-40B4-BE49-F238E27FC236}">
-                <a16:creationId xmlns:a16="http://schemas.microsoft.com/office/drawing/2014/main" xmlns="" id="{FF3EBDA5-6D03-43A8-9138-B1D9126B0646}"/>
+                <a16:creationId xmlns:a16="http://schemas.microsoft.com/office/drawing/2014/main" id="{FF3EBDA5-6D03-43A8-9138-B1D9126B0646}"/>
               </a:ext>
             </a:extLst>
           </p:cNvPr>
@@ -2269,7 +2684,7 @@
           <a:p>
             <a:fld id="{879B64F2-2B7B-48CE-A93F-F01CBE8AC1ED}" type="datetimeFigureOut">
               <a:rPr lang="zh-TW" altLang="en-US" smtClean="0"/>
-              <a:t>2025/9/23</a:t>
+              <a:t>2025/9/24</a:t>
             </a:fld>
             <a:endParaRPr lang="zh-TW" altLang="en-US"/>
           </a:p>
@@ -2280,7 +2695,7 @@
           <p:cNvPr id="6" name="頁尾版面配置區 5">
             <a:extLst>
               <a:ext uri="{FF2B5EF4-FFF2-40B4-BE49-F238E27FC236}">
-                <a16:creationId xmlns:a16="http://schemas.microsoft.com/office/drawing/2014/main" xmlns="" id="{EA849ADE-300E-4A53-8040-52D9F9254D9A}"/>
+                <a16:creationId xmlns:a16="http://schemas.microsoft.com/office/drawing/2014/main" id="{EA849ADE-300E-4A53-8040-52D9F9254D9A}"/>
               </a:ext>
             </a:extLst>
           </p:cNvPr>
@@ -2305,7 +2720,7 @@
           <p:cNvPr id="7" name="投影片編號版面配置區 6">
             <a:extLst>
               <a:ext uri="{FF2B5EF4-FFF2-40B4-BE49-F238E27FC236}">
-                <a16:creationId xmlns:a16="http://schemas.microsoft.com/office/drawing/2014/main" xmlns="" id="{CB0B5C42-76A2-46F7-AD5D-A3B84D4B6684}"/>
+                <a16:creationId xmlns:a16="http://schemas.microsoft.com/office/drawing/2014/main" id="{CB0B5C42-76A2-46F7-AD5D-A3B84D4B6684}"/>
               </a:ext>
             </a:extLst>
           </p:cNvPr>
@@ -2364,7 +2779,7 @@
           <p:cNvPr id="2" name="標題 1">
             <a:extLst>
               <a:ext uri="{FF2B5EF4-FFF2-40B4-BE49-F238E27FC236}">
-                <a16:creationId xmlns:a16="http://schemas.microsoft.com/office/drawing/2014/main" xmlns="" id="{DF359BC2-8E8B-43E3-BD44-C574EF3FE6B4}"/>
+                <a16:creationId xmlns:a16="http://schemas.microsoft.com/office/drawing/2014/main" id="{DF359BC2-8E8B-43E3-BD44-C574EF3FE6B4}"/>
               </a:ext>
             </a:extLst>
           </p:cNvPr>
@@ -2397,7 +2812,7 @@
           <p:cNvPr id="3" name="文字版面配置區 2">
             <a:extLst>
               <a:ext uri="{FF2B5EF4-FFF2-40B4-BE49-F238E27FC236}">
-                <a16:creationId xmlns:a16="http://schemas.microsoft.com/office/drawing/2014/main" xmlns="" id="{7CF20A5E-5DA7-4C8E-BCDC-D8CEA280A4B8}"/>
+                <a16:creationId xmlns:a16="http://schemas.microsoft.com/office/drawing/2014/main" id="{7CF20A5E-5DA7-4C8E-BCDC-D8CEA280A4B8}"/>
               </a:ext>
             </a:extLst>
           </p:cNvPr>
@@ -2468,7 +2883,7 @@
           <p:cNvPr id="4" name="內容版面配置區 3">
             <a:extLst>
               <a:ext uri="{FF2B5EF4-FFF2-40B4-BE49-F238E27FC236}">
-                <a16:creationId xmlns:a16="http://schemas.microsoft.com/office/drawing/2014/main" xmlns="" id="{C6FB0619-911A-4AA2-A1C9-02542414136C}"/>
+                <a16:creationId xmlns:a16="http://schemas.microsoft.com/office/drawing/2014/main" id="{C6FB0619-911A-4AA2-A1C9-02542414136C}"/>
               </a:ext>
             </a:extLst>
           </p:cNvPr>
@@ -2530,7 +2945,7 @@
           <p:cNvPr id="5" name="文字版面配置區 4">
             <a:extLst>
               <a:ext uri="{FF2B5EF4-FFF2-40B4-BE49-F238E27FC236}">
-                <a16:creationId xmlns:a16="http://schemas.microsoft.com/office/drawing/2014/main" xmlns="" id="{4C9F549F-ADBE-4F2B-AC0B-F43F4A62907C}"/>
+                <a16:creationId xmlns:a16="http://schemas.microsoft.com/office/drawing/2014/main" id="{4C9F549F-ADBE-4F2B-AC0B-F43F4A62907C}"/>
               </a:ext>
             </a:extLst>
           </p:cNvPr>
@@ -2601,7 +3016,7 @@
           <p:cNvPr id="6" name="內容版面配置區 5">
             <a:extLst>
               <a:ext uri="{FF2B5EF4-FFF2-40B4-BE49-F238E27FC236}">
-                <a16:creationId xmlns:a16="http://schemas.microsoft.com/office/drawing/2014/main" xmlns="" id="{E6E76930-D84E-4FD7-B37E-9C74F5F41CAD}"/>
+                <a16:creationId xmlns:a16="http://schemas.microsoft.com/office/drawing/2014/main" id="{E6E76930-D84E-4FD7-B37E-9C74F5F41CAD}"/>
               </a:ext>
             </a:extLst>
           </p:cNvPr>
@@ -2663,7 +3078,7 @@
           <p:cNvPr id="7" name="日期版面配置區 6">
             <a:extLst>
               <a:ext uri="{FF2B5EF4-FFF2-40B4-BE49-F238E27FC236}">
-                <a16:creationId xmlns:a16="http://schemas.microsoft.com/office/drawing/2014/main" xmlns="" id="{96931258-53DE-4440-9CED-EFEF081A4EB9}"/>
+                <a16:creationId xmlns:a16="http://schemas.microsoft.com/office/drawing/2014/main" id="{96931258-53DE-4440-9CED-EFEF081A4EB9}"/>
               </a:ext>
             </a:extLst>
           </p:cNvPr>
@@ -2681,7 +3096,7 @@
           <a:p>
             <a:fld id="{879B64F2-2B7B-48CE-A93F-F01CBE8AC1ED}" type="datetimeFigureOut">
               <a:rPr lang="zh-TW" altLang="en-US" smtClean="0"/>
-              <a:t>2025/9/23</a:t>
+              <a:t>2025/9/24</a:t>
             </a:fld>
             <a:endParaRPr lang="zh-TW" altLang="en-US"/>
           </a:p>
@@ -2692,7 +3107,7 @@
           <p:cNvPr id="8" name="頁尾版面配置區 7">
             <a:extLst>
               <a:ext uri="{FF2B5EF4-FFF2-40B4-BE49-F238E27FC236}">
-                <a16:creationId xmlns:a16="http://schemas.microsoft.com/office/drawing/2014/main" xmlns="" id="{18CA577D-DD80-4F0A-AC25-AB2D272056B3}"/>
+                <a16:creationId xmlns:a16="http://schemas.microsoft.com/office/drawing/2014/main" id="{18CA577D-DD80-4F0A-AC25-AB2D272056B3}"/>
               </a:ext>
             </a:extLst>
           </p:cNvPr>
@@ -2717,7 +3132,7 @@
           <p:cNvPr id="9" name="投影片編號版面配置區 8">
             <a:extLst>
               <a:ext uri="{FF2B5EF4-FFF2-40B4-BE49-F238E27FC236}">
-                <a16:creationId xmlns:a16="http://schemas.microsoft.com/office/drawing/2014/main" xmlns="" id="{EAF01FD8-AAA6-42C4-9068-C9E8A571E605}"/>
+                <a16:creationId xmlns:a16="http://schemas.microsoft.com/office/drawing/2014/main" id="{EAF01FD8-AAA6-42C4-9068-C9E8A571E605}"/>
               </a:ext>
             </a:extLst>
           </p:cNvPr>
@@ -2776,7 +3191,7 @@
           <p:cNvPr id="2" name="標題 1">
             <a:extLst>
               <a:ext uri="{FF2B5EF4-FFF2-40B4-BE49-F238E27FC236}">
-                <a16:creationId xmlns:a16="http://schemas.microsoft.com/office/drawing/2014/main" xmlns="" id="{952E2EB0-35DB-48C2-B020-3F53BA17C934}"/>
+                <a16:creationId xmlns:a16="http://schemas.microsoft.com/office/drawing/2014/main" id="{952E2EB0-35DB-48C2-B020-3F53BA17C934}"/>
               </a:ext>
             </a:extLst>
           </p:cNvPr>
@@ -2804,7 +3219,7 @@
           <p:cNvPr id="3" name="日期版面配置區 2">
             <a:extLst>
               <a:ext uri="{FF2B5EF4-FFF2-40B4-BE49-F238E27FC236}">
-                <a16:creationId xmlns:a16="http://schemas.microsoft.com/office/drawing/2014/main" xmlns="" id="{DF0F6B4E-7D6A-409D-8B33-2CF9E3E22511}"/>
+                <a16:creationId xmlns:a16="http://schemas.microsoft.com/office/drawing/2014/main" id="{DF0F6B4E-7D6A-409D-8B33-2CF9E3E22511}"/>
               </a:ext>
             </a:extLst>
           </p:cNvPr>
@@ -2822,7 +3237,7 @@
           <a:p>
             <a:fld id="{879B64F2-2B7B-48CE-A93F-F01CBE8AC1ED}" type="datetimeFigureOut">
               <a:rPr lang="zh-TW" altLang="en-US" smtClean="0"/>
-              <a:t>2025/9/23</a:t>
+              <a:t>2025/9/24</a:t>
             </a:fld>
             <a:endParaRPr lang="zh-TW" altLang="en-US"/>
           </a:p>
@@ -2833,7 +3248,7 @@
           <p:cNvPr id="4" name="頁尾版面配置區 3">
             <a:extLst>
               <a:ext uri="{FF2B5EF4-FFF2-40B4-BE49-F238E27FC236}">
-                <a16:creationId xmlns:a16="http://schemas.microsoft.com/office/drawing/2014/main" xmlns="" id="{0DC85328-B8C2-4E98-854B-96F2243447DC}"/>
+                <a16:creationId xmlns:a16="http://schemas.microsoft.com/office/drawing/2014/main" id="{0DC85328-B8C2-4E98-854B-96F2243447DC}"/>
               </a:ext>
             </a:extLst>
           </p:cNvPr>
@@ -2858,7 +3273,7 @@
           <p:cNvPr id="5" name="投影片編號版面配置區 4">
             <a:extLst>
               <a:ext uri="{FF2B5EF4-FFF2-40B4-BE49-F238E27FC236}">
-                <a16:creationId xmlns:a16="http://schemas.microsoft.com/office/drawing/2014/main" xmlns="" id="{231D26CF-8345-42F0-87CC-5055E40B26B8}"/>
+                <a16:creationId xmlns:a16="http://schemas.microsoft.com/office/drawing/2014/main" id="{231D26CF-8345-42F0-87CC-5055E40B26B8}"/>
               </a:ext>
             </a:extLst>
           </p:cNvPr>
@@ -2917,7 +3332,7 @@
           <p:cNvPr id="2" name="日期版面配置區 1">
             <a:extLst>
               <a:ext uri="{FF2B5EF4-FFF2-40B4-BE49-F238E27FC236}">
-                <a16:creationId xmlns:a16="http://schemas.microsoft.com/office/drawing/2014/main" xmlns="" id="{662CEF4B-8E15-4C0B-8493-EE6A95E6505D}"/>
+                <a16:creationId xmlns:a16="http://schemas.microsoft.com/office/drawing/2014/main" id="{662CEF4B-8E15-4C0B-8493-EE6A95E6505D}"/>
               </a:ext>
             </a:extLst>
           </p:cNvPr>
@@ -2935,7 +3350,7 @@
           <a:p>
             <a:fld id="{879B64F2-2B7B-48CE-A93F-F01CBE8AC1ED}" type="datetimeFigureOut">
               <a:rPr lang="zh-TW" altLang="en-US" smtClean="0"/>
-              <a:t>2025/9/23</a:t>
+              <a:t>2025/9/24</a:t>
             </a:fld>
             <a:endParaRPr lang="zh-TW" altLang="en-US"/>
           </a:p>
@@ -2946,7 +3361,7 @@
           <p:cNvPr id="3" name="頁尾版面配置區 2">
             <a:extLst>
               <a:ext uri="{FF2B5EF4-FFF2-40B4-BE49-F238E27FC236}">
-                <a16:creationId xmlns:a16="http://schemas.microsoft.com/office/drawing/2014/main" xmlns="" id="{A66FD5AB-E722-4B87-B88A-9BC13E123081}"/>
+                <a16:creationId xmlns:a16="http://schemas.microsoft.com/office/drawing/2014/main" id="{A66FD5AB-E722-4B87-B88A-9BC13E123081}"/>
               </a:ext>
             </a:extLst>
           </p:cNvPr>
@@ -2971,7 +3386,7 @@
           <p:cNvPr id="4" name="投影片編號版面配置區 3">
             <a:extLst>
               <a:ext uri="{FF2B5EF4-FFF2-40B4-BE49-F238E27FC236}">
-                <a16:creationId xmlns:a16="http://schemas.microsoft.com/office/drawing/2014/main" xmlns="" id="{E34D603E-C4D3-477E-BDBF-31C46BD9B03B}"/>
+                <a16:creationId xmlns:a16="http://schemas.microsoft.com/office/drawing/2014/main" id="{E34D603E-C4D3-477E-BDBF-31C46BD9B03B}"/>
               </a:ext>
             </a:extLst>
           </p:cNvPr>
@@ -3030,7 +3445,7 @@
           <p:cNvPr id="2" name="標題 1">
             <a:extLst>
               <a:ext uri="{FF2B5EF4-FFF2-40B4-BE49-F238E27FC236}">
-                <a16:creationId xmlns:a16="http://schemas.microsoft.com/office/drawing/2014/main" xmlns="" id="{BD6D3AFA-A00F-425A-ADB8-7D6DBF11E7D9}"/>
+                <a16:creationId xmlns:a16="http://schemas.microsoft.com/office/drawing/2014/main" id="{BD6D3AFA-A00F-425A-ADB8-7D6DBF11E7D9}"/>
               </a:ext>
             </a:extLst>
           </p:cNvPr>
@@ -3067,7 +3482,7 @@
           <p:cNvPr id="3" name="內容版面配置區 2">
             <a:extLst>
               <a:ext uri="{FF2B5EF4-FFF2-40B4-BE49-F238E27FC236}">
-                <a16:creationId xmlns:a16="http://schemas.microsoft.com/office/drawing/2014/main" xmlns="" id="{7624F594-DAE1-441A-B288-C6B584A71E88}"/>
+                <a16:creationId xmlns:a16="http://schemas.microsoft.com/office/drawing/2014/main" id="{7624F594-DAE1-441A-B288-C6B584A71E88}"/>
               </a:ext>
             </a:extLst>
           </p:cNvPr>
@@ -3157,7 +3572,7 @@
           <p:cNvPr id="4" name="文字版面配置區 3">
             <a:extLst>
               <a:ext uri="{FF2B5EF4-FFF2-40B4-BE49-F238E27FC236}">
-                <a16:creationId xmlns:a16="http://schemas.microsoft.com/office/drawing/2014/main" xmlns="" id="{6735B1BB-D6FE-4E3F-912B-7CB8B4D06556}"/>
+                <a16:creationId xmlns:a16="http://schemas.microsoft.com/office/drawing/2014/main" id="{6735B1BB-D6FE-4E3F-912B-7CB8B4D06556}"/>
               </a:ext>
             </a:extLst>
           </p:cNvPr>
@@ -3228,7 +3643,7 @@
           <p:cNvPr id="5" name="日期版面配置區 4">
             <a:extLst>
               <a:ext uri="{FF2B5EF4-FFF2-40B4-BE49-F238E27FC236}">
-                <a16:creationId xmlns:a16="http://schemas.microsoft.com/office/drawing/2014/main" xmlns="" id="{03F3C6B0-93DC-4F63-847D-AF3CDC1F273E}"/>
+                <a16:creationId xmlns:a16="http://schemas.microsoft.com/office/drawing/2014/main" id="{03F3C6B0-93DC-4F63-847D-AF3CDC1F273E}"/>
               </a:ext>
             </a:extLst>
           </p:cNvPr>
@@ -3246,7 +3661,7 @@
           <a:p>
             <a:fld id="{879B64F2-2B7B-48CE-A93F-F01CBE8AC1ED}" type="datetimeFigureOut">
               <a:rPr lang="zh-TW" altLang="en-US" smtClean="0"/>
-              <a:t>2025/9/23</a:t>
+              <a:t>2025/9/24</a:t>
             </a:fld>
             <a:endParaRPr lang="zh-TW" altLang="en-US"/>
           </a:p>
@@ -3257,7 +3672,7 @@
           <p:cNvPr id="6" name="頁尾版面配置區 5">
             <a:extLst>
               <a:ext uri="{FF2B5EF4-FFF2-40B4-BE49-F238E27FC236}">
-                <a16:creationId xmlns:a16="http://schemas.microsoft.com/office/drawing/2014/main" xmlns="" id="{77412A02-FB75-418E-B44D-90B60CF36B6A}"/>
+                <a16:creationId xmlns:a16="http://schemas.microsoft.com/office/drawing/2014/main" id="{77412A02-FB75-418E-B44D-90B60CF36B6A}"/>
               </a:ext>
             </a:extLst>
           </p:cNvPr>
@@ -3282,7 +3697,7 @@
           <p:cNvPr id="7" name="投影片編號版面配置區 6">
             <a:extLst>
               <a:ext uri="{FF2B5EF4-FFF2-40B4-BE49-F238E27FC236}">
-                <a16:creationId xmlns:a16="http://schemas.microsoft.com/office/drawing/2014/main" xmlns="" id="{C1C119AB-1486-4CEF-AD2D-10EFBF322D5E}"/>
+                <a16:creationId xmlns:a16="http://schemas.microsoft.com/office/drawing/2014/main" id="{C1C119AB-1486-4CEF-AD2D-10EFBF322D5E}"/>
               </a:ext>
             </a:extLst>
           </p:cNvPr>
@@ -3341,7 +3756,7 @@
           <p:cNvPr id="2" name="標題 1">
             <a:extLst>
               <a:ext uri="{FF2B5EF4-FFF2-40B4-BE49-F238E27FC236}">
-                <a16:creationId xmlns:a16="http://schemas.microsoft.com/office/drawing/2014/main" xmlns="" id="{FA46C5FD-EEB9-422A-8F1A-3898CE1E2744}"/>
+                <a16:creationId xmlns:a16="http://schemas.microsoft.com/office/drawing/2014/main" id="{FA46C5FD-EEB9-422A-8F1A-3898CE1E2744}"/>
               </a:ext>
             </a:extLst>
           </p:cNvPr>
@@ -3378,7 +3793,7 @@
           <p:cNvPr id="3" name="圖片版面配置區 2">
             <a:extLst>
               <a:ext uri="{FF2B5EF4-FFF2-40B4-BE49-F238E27FC236}">
-                <a16:creationId xmlns:a16="http://schemas.microsoft.com/office/drawing/2014/main" xmlns="" id="{D4F2F5F8-C4C6-4927-9267-A3C0D0016E37}"/>
+                <a16:creationId xmlns:a16="http://schemas.microsoft.com/office/drawing/2014/main" id="{D4F2F5F8-C4C6-4927-9267-A3C0D0016E37}"/>
               </a:ext>
             </a:extLst>
           </p:cNvPr>
@@ -3445,7 +3860,7 @@
           <p:cNvPr id="4" name="文字版面配置區 3">
             <a:extLst>
               <a:ext uri="{FF2B5EF4-FFF2-40B4-BE49-F238E27FC236}">
-                <a16:creationId xmlns:a16="http://schemas.microsoft.com/office/drawing/2014/main" xmlns="" id="{386BA6EB-6191-463F-BDAC-05065C4F8FF5}"/>
+                <a16:creationId xmlns:a16="http://schemas.microsoft.com/office/drawing/2014/main" id="{386BA6EB-6191-463F-BDAC-05065C4F8FF5}"/>
               </a:ext>
             </a:extLst>
           </p:cNvPr>
@@ -3516,7 +3931,7 @@
           <p:cNvPr id="5" name="日期版面配置區 4">
             <a:extLst>
               <a:ext uri="{FF2B5EF4-FFF2-40B4-BE49-F238E27FC236}">
-                <a16:creationId xmlns:a16="http://schemas.microsoft.com/office/drawing/2014/main" xmlns="" id="{B100A524-F2D8-4E20-9BB5-49A1395D1468}"/>
+                <a16:creationId xmlns:a16="http://schemas.microsoft.com/office/drawing/2014/main" id="{B100A524-F2D8-4E20-9BB5-49A1395D1468}"/>
               </a:ext>
             </a:extLst>
           </p:cNvPr>
@@ -3534,7 +3949,7 @@
           <a:p>
             <a:fld id="{879B64F2-2B7B-48CE-A93F-F01CBE8AC1ED}" type="datetimeFigureOut">
               <a:rPr lang="zh-TW" altLang="en-US" smtClean="0"/>
-              <a:t>2025/9/23</a:t>
+              <a:t>2025/9/24</a:t>
             </a:fld>
             <a:endParaRPr lang="zh-TW" altLang="en-US"/>
           </a:p>
@@ -3545,7 +3960,7 @@
           <p:cNvPr id="6" name="頁尾版面配置區 5">
             <a:extLst>
               <a:ext uri="{FF2B5EF4-FFF2-40B4-BE49-F238E27FC236}">
-                <a16:creationId xmlns:a16="http://schemas.microsoft.com/office/drawing/2014/main" xmlns="" id="{F5DAE52E-EC29-43CF-90E7-76A8547273F4}"/>
+                <a16:creationId xmlns:a16="http://schemas.microsoft.com/office/drawing/2014/main" id="{F5DAE52E-EC29-43CF-90E7-76A8547273F4}"/>
               </a:ext>
             </a:extLst>
           </p:cNvPr>
@@ -3570,7 +3985,7 @@
           <p:cNvPr id="7" name="投影片編號版面配置區 6">
             <a:extLst>
               <a:ext uri="{FF2B5EF4-FFF2-40B4-BE49-F238E27FC236}">
-                <a16:creationId xmlns:a16="http://schemas.microsoft.com/office/drawing/2014/main" xmlns="" id="{D5633C84-0F09-4F63-9D11-CF4CD2E04EDC}"/>
+                <a16:creationId xmlns:a16="http://schemas.microsoft.com/office/drawing/2014/main" id="{D5633C84-0F09-4F63-9D11-CF4CD2E04EDC}"/>
               </a:ext>
             </a:extLst>
           </p:cNvPr>
@@ -3634,7 +4049,7 @@
           <p:cNvPr id="2" name="標題版面配置區 1">
             <a:extLst>
               <a:ext uri="{FF2B5EF4-FFF2-40B4-BE49-F238E27FC236}">
-                <a16:creationId xmlns:a16="http://schemas.microsoft.com/office/drawing/2014/main" xmlns="" id="{75AB147D-77B2-45DC-B91D-E9B95229CF67}"/>
+                <a16:creationId xmlns:a16="http://schemas.microsoft.com/office/drawing/2014/main" id="{75AB147D-77B2-45DC-B91D-E9B95229CF67}"/>
               </a:ext>
             </a:extLst>
           </p:cNvPr>
@@ -3672,7 +4087,7 @@
           <p:cNvPr id="3" name="文字版面配置區 2">
             <a:extLst>
               <a:ext uri="{FF2B5EF4-FFF2-40B4-BE49-F238E27FC236}">
-                <a16:creationId xmlns:a16="http://schemas.microsoft.com/office/drawing/2014/main" xmlns="" id="{1F4191C3-8FDE-40E8-B1B1-993999DCB52A}"/>
+                <a16:creationId xmlns:a16="http://schemas.microsoft.com/office/drawing/2014/main" id="{1F4191C3-8FDE-40E8-B1B1-993999DCB52A}"/>
               </a:ext>
             </a:extLst>
           </p:cNvPr>
@@ -3739,7 +4154,7 @@
           <p:cNvPr id="4" name="日期版面配置區 3">
             <a:extLst>
               <a:ext uri="{FF2B5EF4-FFF2-40B4-BE49-F238E27FC236}">
-                <a16:creationId xmlns:a16="http://schemas.microsoft.com/office/drawing/2014/main" xmlns="" id="{189C3422-42E0-48A0-AA23-A8416D88BBD9}"/>
+                <a16:creationId xmlns:a16="http://schemas.microsoft.com/office/drawing/2014/main" id="{189C3422-42E0-48A0-AA23-A8416D88BBD9}"/>
               </a:ext>
             </a:extLst>
           </p:cNvPr>
@@ -3775,7 +4190,7 @@
           <a:p>
             <a:fld id="{879B64F2-2B7B-48CE-A93F-F01CBE8AC1ED}" type="datetimeFigureOut">
               <a:rPr lang="zh-TW" altLang="en-US" smtClean="0"/>
-              <a:t>2025/9/23</a:t>
+              <a:t>2025/9/24</a:t>
             </a:fld>
             <a:endParaRPr lang="zh-TW" altLang="en-US"/>
           </a:p>
@@ -3786,7 +4201,7 @@
           <p:cNvPr id="5" name="頁尾版面配置區 4">
             <a:extLst>
               <a:ext uri="{FF2B5EF4-FFF2-40B4-BE49-F238E27FC236}">
-                <a16:creationId xmlns:a16="http://schemas.microsoft.com/office/drawing/2014/main" xmlns="" id="{320D305E-D196-4B4D-BE7D-0EFBB082F1FC}"/>
+                <a16:creationId xmlns:a16="http://schemas.microsoft.com/office/drawing/2014/main" id="{320D305E-D196-4B4D-BE7D-0EFBB082F1FC}"/>
               </a:ext>
             </a:extLst>
           </p:cNvPr>
@@ -3829,7 +4244,7 @@
           <p:cNvPr id="6" name="投影片編號版面配置區 5">
             <a:extLst>
               <a:ext uri="{FF2B5EF4-FFF2-40B4-BE49-F238E27FC236}">
-                <a16:creationId xmlns:a16="http://schemas.microsoft.com/office/drawing/2014/main" xmlns="" id="{8E9AE7C5-2399-4CDA-B55E-02BDF2B18D14}"/>
+                <a16:creationId xmlns:a16="http://schemas.microsoft.com/office/drawing/2014/main" id="{8E9AE7C5-2399-4CDA-B55E-02BDF2B18D14}"/>
               </a:ext>
             </a:extLst>
           </p:cNvPr>
@@ -4197,7 +4612,7 @@
           <p:cNvPr id="2" name="標題 1">
             <a:extLst>
               <a:ext uri="{FF2B5EF4-FFF2-40B4-BE49-F238E27FC236}">
-                <a16:creationId xmlns:a16="http://schemas.microsoft.com/office/drawing/2014/main" xmlns="" id="{DF598DAF-F4C5-48E6-A531-AF714874D3C4}"/>
+                <a16:creationId xmlns:a16="http://schemas.microsoft.com/office/drawing/2014/main" id="{DF598DAF-F4C5-48E6-A531-AF714874D3C4}"/>
               </a:ext>
             </a:extLst>
           </p:cNvPr>
@@ -4221,18 +4636,11 @@
           <a:lstStyle/>
           <a:p>
             <a:r>
-              <a:rPr lang="en-US" altLang="zh-TW" sz="4400" b="1" dirty="0" smtClean="0">
-                <a:latin typeface="Times New Roman" panose="02020603050405020304" pitchFamily="18" charset="0"/>
-                <a:cs typeface="Times New Roman" panose="02020603050405020304" pitchFamily="18" charset="0"/>
-              </a:rPr>
-              <a:t>Interpolating </a:t>
-            </a:r>
-            <a:r>
               <a:rPr lang="en-US" altLang="zh-TW" sz="4400" b="1" dirty="0">
                 <a:latin typeface="Times New Roman" panose="02020603050405020304" pitchFamily="18" charset="0"/>
                 <a:cs typeface="Times New Roman" panose="02020603050405020304" pitchFamily="18" charset="0"/>
               </a:rPr>
-              <a:t>between Images with Diffusion Models</a:t>
+              <a:t>Interpolating between Images with Diffusion Models</a:t>
             </a:r>
             <a:endParaRPr lang="zh-TW" altLang="en-US" sz="4400" b="1" dirty="0">
               <a:latin typeface="Times New Roman" panose="02020603050405020304" pitchFamily="18" charset="0"/>
@@ -4246,7 +4654,7 @@
           <p:cNvPr id="3" name="副標題 2">
             <a:extLst>
               <a:ext uri="{FF2B5EF4-FFF2-40B4-BE49-F238E27FC236}">
-                <a16:creationId xmlns:a16="http://schemas.microsoft.com/office/drawing/2014/main" xmlns="" id="{E40368D7-E9F7-43C4-9CE7-4265C419151C}"/>
+                <a16:creationId xmlns:a16="http://schemas.microsoft.com/office/drawing/2014/main" id="{E40368D7-E9F7-43C4-9CE7-4265C419151C}"/>
               </a:ext>
             </a:extLst>
           </p:cNvPr>
@@ -4314,7 +4722,7 @@
           <p:cNvPr id="2" name="標題 1">
             <a:extLst>
               <a:ext uri="{FF2B5EF4-FFF2-40B4-BE49-F238E27FC236}">
-                <a16:creationId xmlns:a16="http://schemas.microsoft.com/office/drawing/2014/main" xmlns="" id="{98A04798-5168-4875-A411-80CD40D53BBD}"/>
+                <a16:creationId xmlns:a16="http://schemas.microsoft.com/office/drawing/2014/main" id="{98A04798-5168-4875-A411-80CD40D53BBD}"/>
               </a:ext>
             </a:extLst>
           </p:cNvPr>
@@ -4338,7 +4746,7 @@
           <a:lstStyle/>
           <a:p>
             <a:r>
-              <a:rPr lang="en-US" altLang="zh-TW" dirty="0" smtClean="0"/>
+              <a:rPr lang="en-US" altLang="zh-TW" dirty="0"/>
               <a:t>Diffusion for Interpolating Images</a:t>
             </a:r>
             <a:endParaRPr lang="zh-TW" dirty="0"/>
@@ -4391,7 +4799,7 @@
           <a:lstStyle/>
           <a:p>
             <a:r>
-              <a:rPr lang="en-US" altLang="zh-TW" smtClean="0"/>
+              <a:rPr lang="en-US" altLang="zh-TW"/>
               <a:t>result</a:t>
             </a:r>
             <a:endParaRPr lang="zh-TW" altLang="en-US" dirty="0"/>
@@ -4433,7 +4841,7 @@
           <p:cNvPr id="2" name="標題 1">
             <a:extLst>
               <a:ext uri="{FF2B5EF4-FFF2-40B4-BE49-F238E27FC236}">
-                <a16:creationId xmlns:a16="http://schemas.microsoft.com/office/drawing/2014/main" xmlns="" id="{7533F336-40A6-45C8-9A62-B4E78BC5E568}"/>
+                <a16:creationId xmlns:a16="http://schemas.microsoft.com/office/drawing/2014/main" id="{7533F336-40A6-45C8-9A62-B4E78BC5E568}"/>
               </a:ext>
             </a:extLst>
           </p:cNvPr>
@@ -4654,37 +5062,37 @@
           </a:lstStyle>
           <a:p>
             <a:r>
-              <a:rPr lang="en-US" altLang="zh-TW" sz="3600" dirty="0" smtClean="0"/>
+              <a:rPr lang="en-US" altLang="zh-TW" sz="3600" dirty="0"/>
               <a:t>Introduction</a:t>
             </a:r>
           </a:p>
           <a:p>
             <a:r>
-              <a:rPr lang="en-US" altLang="zh-TW" sz="3600" dirty="0" smtClean="0"/>
+              <a:rPr lang="en-US" altLang="zh-TW" sz="3600" dirty="0"/>
               <a:t>Literature Review</a:t>
             </a:r>
           </a:p>
           <a:p>
             <a:r>
-              <a:rPr lang="en-US" altLang="zh-TW" sz="3600" dirty="0" smtClean="0"/>
+              <a:rPr lang="en-US" altLang="zh-TW" sz="3600" dirty="0"/>
               <a:t>Methodology</a:t>
             </a:r>
           </a:p>
           <a:p>
             <a:r>
-              <a:rPr lang="en-US" altLang="zh-TW" sz="3600" dirty="0" smtClean="0"/>
+              <a:rPr lang="en-US" altLang="zh-TW" sz="3600" dirty="0"/>
               <a:t>Results</a:t>
             </a:r>
           </a:p>
           <a:p>
             <a:r>
-              <a:rPr lang="en-US" altLang="zh-TW" sz="3600" dirty="0" smtClean="0"/>
+              <a:rPr lang="en-US" altLang="zh-TW" sz="3600" dirty="0"/>
               <a:t>Discussion</a:t>
             </a:r>
           </a:p>
           <a:p>
             <a:r>
-              <a:rPr lang="en-US" altLang="zh-TW" sz="3600" dirty="0" smtClean="0"/>
+              <a:rPr lang="en-US" altLang="zh-TW" sz="3600" dirty="0"/>
               <a:t>Conclusion</a:t>
             </a:r>
             <a:endParaRPr lang="zh-TW" altLang="en-US" sz="3600" dirty="0"/>
@@ -4726,7 +5134,7 @@
           <p:cNvPr id="2" name="標題 1">
             <a:extLst>
               <a:ext uri="{FF2B5EF4-FFF2-40B4-BE49-F238E27FC236}">
-                <a16:creationId xmlns:a16="http://schemas.microsoft.com/office/drawing/2014/main" xmlns="" id="{56D87B6E-5A2B-4CEE-BA45-C71DC24F919B}"/>
+                <a16:creationId xmlns:a16="http://schemas.microsoft.com/office/drawing/2014/main" id="{56D87B6E-5A2B-4CEE-BA45-C71DC24F919B}"/>
               </a:ext>
             </a:extLst>
           </p:cNvPr>
@@ -4749,18 +5157,14 @@
           <a:p>
             <a:r>
               <a:rPr lang="en-US" altLang="zh-TW" dirty="0"/>
-              <a:t>Introduction </a:t>
-            </a:r>
-            <a:r>
-              <a:rPr lang="en-US" altLang="zh-TW" dirty="0" smtClean="0"/>
-              <a:t>:</a:t>
-            </a:r>
-            <a:r>
-              <a:rPr lang="zh-TW" altLang="en-US" dirty="0" smtClean="0"/>
+              <a:t>Introduction :</a:t>
+            </a:r>
+            <a:r>
+              <a:rPr lang="zh-TW" altLang="en-US" dirty="0"/>
               <a:t> </a:t>
             </a:r>
             <a:r>
-              <a:rPr lang="en-US" altLang="zh-TW" dirty="0" smtClean="0"/>
+              <a:rPr lang="en-US" altLang="zh-TW" dirty="0"/>
               <a:t>Diffusion</a:t>
             </a:r>
             <a:endParaRPr lang="zh-TW" altLang="en-US" dirty="0"/>
@@ -4772,7 +5176,7 @@
           <p:cNvPr id="3" name="圖片 2" descr="一張含有 螢幕擷取畫面, 設計 的圖片&#10;&#10;AI 產生的內容可能不正確。">
             <a:extLst>
               <a:ext uri="{FF2B5EF4-FFF2-40B4-BE49-F238E27FC236}">
-                <a16:creationId xmlns:a16="http://schemas.microsoft.com/office/drawing/2014/main" xmlns="" id="{774C77B9-850A-B8E8-EB9F-77EEDDD405FF}"/>
+                <a16:creationId xmlns:a16="http://schemas.microsoft.com/office/drawing/2014/main" id="{774C77B9-850A-B8E8-EB9F-77EEDDD405FF}"/>
               </a:ext>
             </a:extLst>
           </p:cNvPr>
@@ -4782,7 +5186,7 @@
           <p:nvPr/>
         </p:nvPicPr>
         <p:blipFill>
-          <a:blip r:embed="rId2"/>
+          <a:blip r:embed="rId3"/>
           <a:stretch>
             <a:fillRect/>
           </a:stretch>
@@ -4802,7 +5206,7 @@
           <p:cNvPr id="4" name="文字方塊 3">
             <a:extLst>
               <a:ext uri="{FF2B5EF4-FFF2-40B4-BE49-F238E27FC236}">
-                <a16:creationId xmlns:a16="http://schemas.microsoft.com/office/drawing/2014/main" xmlns="" id="{F11364C5-60EA-75C3-EEC4-6ECE3E603B5F}"/>
+                <a16:creationId xmlns:a16="http://schemas.microsoft.com/office/drawing/2014/main" id="{F11364C5-60EA-75C3-EEC4-6ECE3E603B5F}"/>
               </a:ext>
             </a:extLst>
           </p:cNvPr>
@@ -4883,7 +5287,7 @@
           <p:cNvPr id="2" name="標題 1">
             <a:extLst>
               <a:ext uri="{FF2B5EF4-FFF2-40B4-BE49-F238E27FC236}">
-                <a16:creationId xmlns:a16="http://schemas.microsoft.com/office/drawing/2014/main" xmlns="" id="{E602B493-AA30-4C9B-A604-000032CBC299}"/>
+                <a16:creationId xmlns:a16="http://schemas.microsoft.com/office/drawing/2014/main" id="{E602B493-AA30-4C9B-A604-000032CBC299}"/>
               </a:ext>
             </a:extLst>
           </p:cNvPr>
@@ -4915,18 +5319,7 @@
                 <a:ea typeface="Roboto"/>
                 <a:cs typeface="Roboto"/>
               </a:rPr>
-              <a:t>Diffusion </a:t>
-            </a:r>
-            <a:r>
-              <a:rPr lang="en-US" b="1" dirty="0" smtClean="0">
-                <a:solidFill>
-                  <a:srgbClr val="0F0F0F"/>
-                </a:solidFill>
-                <a:latin typeface="Roboto"/>
-                <a:ea typeface="Roboto"/>
-                <a:cs typeface="Roboto"/>
-              </a:rPr>
-              <a:t>Training</a:t>
+              <a:t>Diffusion Training</a:t>
             </a:r>
             <a:endParaRPr lang="zh-TW" altLang="en-US" b="1" dirty="0">
               <a:solidFill>
@@ -4943,7 +5336,7 @@
           <p:cNvPr id="4" name="圖片 3">
             <a:extLst>
               <a:ext uri="{FF2B5EF4-FFF2-40B4-BE49-F238E27FC236}">
-                <a16:creationId xmlns:a16="http://schemas.microsoft.com/office/drawing/2014/main" xmlns="" id="{7E81BC18-5492-211B-D8A3-98383F09116C}"/>
+                <a16:creationId xmlns:a16="http://schemas.microsoft.com/office/drawing/2014/main" id="{7E81BC18-5492-211B-D8A3-98383F09116C}"/>
               </a:ext>
             </a:extLst>
           </p:cNvPr>
@@ -4953,7 +5346,7 @@
           <p:nvPr/>
         </p:nvPicPr>
         <p:blipFill>
-          <a:blip r:embed="rId2"/>
+          <a:blip r:embed="rId3"/>
           <a:stretch>
             <a:fillRect/>
           </a:stretch>
@@ -4996,16 +5389,7 @@
                 </a:solidFill>
                 <a:latin typeface="Arial" panose="020B0604020202020204" pitchFamily="34" charset="0"/>
               </a:rPr>
-              <a:t>Stochastic Differential </a:t>
-            </a:r>
-            <a:r>
-              <a:rPr lang="en-US" altLang="zh-TW" dirty="0" smtClean="0">
-                <a:solidFill>
-                  <a:srgbClr val="001D35"/>
-                </a:solidFill>
-                <a:latin typeface="Arial" panose="020B0604020202020204" pitchFamily="34" charset="0"/>
-              </a:rPr>
-              <a:t>Equation</a:t>
+              <a:t>Stochastic Differential Equation</a:t>
             </a:r>
           </a:p>
           <a:p>
@@ -5052,7 +5436,7 @@
           <p:cNvPr id="2" name="標題 1">
             <a:extLst>
               <a:ext uri="{FF2B5EF4-FFF2-40B4-BE49-F238E27FC236}">
-                <a16:creationId xmlns:a16="http://schemas.microsoft.com/office/drawing/2014/main" xmlns="" id="{C2878F9E-D0DF-D84C-8241-A986178C8EAD}"/>
+                <a16:creationId xmlns:a16="http://schemas.microsoft.com/office/drawing/2014/main" id="{C2878F9E-D0DF-D84C-8241-A986178C8EAD}"/>
               </a:ext>
             </a:extLst>
           </p:cNvPr>
@@ -5069,7 +5453,7 @@
           <a:lstStyle/>
           <a:p>
             <a:r>
-              <a:rPr lang="en-US" dirty="0" smtClean="0">
+              <a:rPr lang="en-US" dirty="0">
                 <a:solidFill>
                   <a:srgbClr val="0F0F0F"/>
                 </a:solidFill>
@@ -5093,7 +5477,7 @@
           <p:cNvPr id="4" name="內容版面配置區 3" descr="一張含有 螢幕擷取畫面, 行, 太陽能電池, 視窗 的圖片&#10;&#10;AI 產生的內容可能不正確。">
             <a:extLst>
               <a:ext uri="{FF2B5EF4-FFF2-40B4-BE49-F238E27FC236}">
-                <a16:creationId xmlns:a16="http://schemas.microsoft.com/office/drawing/2014/main" xmlns="" id="{CBD70F30-46B2-8AB0-6602-A5DF524D4762}"/>
+                <a16:creationId xmlns:a16="http://schemas.microsoft.com/office/drawing/2014/main" id="{CBD70F30-46B2-8AB0-6602-A5DF524D4762}"/>
               </a:ext>
             </a:extLst>
           </p:cNvPr>
@@ -5105,7 +5489,7 @@
           </p:nvPr>
         </p:nvPicPr>
         <p:blipFill>
-          <a:blip r:embed="rId2"/>
+          <a:blip r:embed="rId3"/>
           <a:stretch>
             <a:fillRect/>
           </a:stretch>
@@ -5155,7 +5539,7 @@
           <p:cNvPr id="2" name="標題 1">
             <a:extLst>
               <a:ext uri="{FF2B5EF4-FFF2-40B4-BE49-F238E27FC236}">
-                <a16:creationId xmlns:a16="http://schemas.microsoft.com/office/drawing/2014/main" xmlns="" id="{6E03A4FF-CABF-CA2A-CACE-DE9477118A72}"/>
+                <a16:creationId xmlns:a16="http://schemas.microsoft.com/office/drawing/2014/main" id="{6E03A4FF-CABF-CA2A-CACE-DE9477118A72}"/>
               </a:ext>
             </a:extLst>
           </p:cNvPr>
@@ -5168,31 +5552,18 @@
         </p:nvSpPr>
         <p:spPr/>
         <p:txBody>
-          <a:bodyPr/>
+          <a:bodyPr>
+            <a:normAutofit fontScale="90000"/>
+          </a:bodyPr>
           <a:lstStyle/>
           <a:p>
             <a:r>
               <a:rPr lang="en-US" altLang="zh-TW" dirty="0"/>
-              <a:t>Literature </a:t>
-            </a:r>
-            <a:r>
-              <a:rPr lang="en-US" altLang="zh-TW" dirty="0" smtClean="0"/>
-              <a:t>Review:</a:t>
-            </a:r>
-            <a:r>
-              <a:rPr lang="zh-TW" altLang="en-US" dirty="0" smtClean="0"/>
+              <a:t>Literature Review:</a:t>
+            </a:r>
+            <a:r>
+              <a:rPr lang="zh-TW" altLang="en-US" dirty="0"/>
               <a:t> </a:t>
-            </a:r>
-            <a:r>
-              <a:rPr lang="en-US" b="1" dirty="0" smtClean="0">
-                <a:solidFill>
-                  <a:srgbClr val="0F0F0F"/>
-                </a:solidFill>
-                <a:latin typeface="Roboto"/>
-                <a:ea typeface="Roboto"/>
-                <a:cs typeface="Roboto"/>
-              </a:rPr>
-              <a:t>Latent </a:t>
             </a:r>
             <a:r>
               <a:rPr lang="en-US" b="1" dirty="0">
@@ -5203,7 +5574,7 @@
                 <a:ea typeface="Roboto"/>
                 <a:cs typeface="Roboto"/>
               </a:rPr>
-              <a:t>space interpolation vs. Pixel space interpolation</a:t>
+              <a:t>Latent space interpolation vs. Pixel space interpolation</a:t>
             </a:r>
             <a:endParaRPr lang="zh-TW" altLang="en-US" b="1" dirty="0">
               <a:solidFill>
@@ -5220,7 +5591,7 @@
           <p:cNvPr id="4" name="內容版面配置區 3" descr="一張含有 人的臉孔, 文字, 人員, 螢幕擷取畫面 的圖片&#10;&#10;AI 產生的內容可能不正確。">
             <a:extLst>
               <a:ext uri="{FF2B5EF4-FFF2-40B4-BE49-F238E27FC236}">
-                <a16:creationId xmlns:a16="http://schemas.microsoft.com/office/drawing/2014/main" xmlns="" id="{13B4FB22-FE03-73A5-4DD2-7B24081053FD}"/>
+                <a16:creationId xmlns:a16="http://schemas.microsoft.com/office/drawing/2014/main" id="{13B4FB22-FE03-73A5-4DD2-7B24081053FD}"/>
               </a:ext>
             </a:extLst>
           </p:cNvPr>
@@ -5252,7 +5623,7 @@
           <p:cNvPr id="5" name="圖片 4" descr="一張含有 螢幕擷取畫面, 藝術 的圖片&#10;&#10;AI 產生的內容可能不正確。">
             <a:extLst>
               <a:ext uri="{FF2B5EF4-FFF2-40B4-BE49-F238E27FC236}">
-                <a16:creationId xmlns:a16="http://schemas.microsoft.com/office/drawing/2014/main" xmlns="" id="{D5E7349C-9E9C-16A3-D667-54BD37759873}"/>
+                <a16:creationId xmlns:a16="http://schemas.microsoft.com/office/drawing/2014/main" id="{D5E7349C-9E9C-16A3-D667-54BD37759873}"/>
               </a:ext>
             </a:extLst>
           </p:cNvPr>
@@ -5303,15 +5674,15 @@
               <a:buAutoNum type="arabicPeriod"/>
             </a:pPr>
             <a:r>
-              <a:rPr lang="en-US" altLang="zh-TW" dirty="0" smtClean="0"/>
+              <a:rPr lang="en-US" altLang="zh-TW" dirty="0"/>
               <a:t>Latent space: </a:t>
             </a:r>
             <a:r>
-              <a:rPr lang="zh-TW" altLang="en-US" dirty="0" smtClean="0"/>
+              <a:rPr lang="zh-TW" altLang="en-US" dirty="0"/>
               <a:t> </a:t>
             </a:r>
             <a:r>
-              <a:rPr lang="en-US" altLang="zh-TW" dirty="0" smtClean="0"/>
+              <a:rPr lang="en-US" altLang="zh-TW" dirty="0"/>
               <a:t>data compression, high efficiency</a:t>
             </a:r>
           </a:p>
@@ -5326,7 +5697,7 @@
               <a:buAutoNum type="arabicPeriod"/>
             </a:pPr>
             <a:r>
-              <a:rPr lang="en-US" altLang="zh-TW" dirty="0" smtClean="0"/>
+              <a:rPr lang="en-US" altLang="zh-TW" dirty="0"/>
               <a:t>Pixel space: high dimension, not smooth</a:t>
             </a:r>
           </a:p>
@@ -5349,18 +5720,7 @@
                 <a:ea typeface="Roboto"/>
                 <a:cs typeface="Roboto"/>
               </a:rPr>
-              <a:t>Why latent </a:t>
-            </a:r>
-            <a:r>
-              <a:rPr lang="en-US" altLang="zh-TW" b="1" dirty="0" smtClean="0">
-                <a:solidFill>
-                  <a:srgbClr val="0F0F0F"/>
-                </a:solidFill>
-                <a:latin typeface="Roboto"/>
-                <a:ea typeface="Roboto"/>
-                <a:cs typeface="Roboto"/>
-              </a:rPr>
-              <a:t>space?</a:t>
+              <a:t>Why latent space?</a:t>
             </a:r>
           </a:p>
           <a:p>
@@ -5369,11 +5729,7 @@
             </a:pPr>
             <a:r>
               <a:rPr lang="en-US" altLang="zh-TW" dirty="0"/>
-              <a:t>Space: latent space&lt;&lt; pixel </a:t>
-            </a:r>
-            <a:r>
-              <a:rPr lang="en-US" altLang="zh-TW" dirty="0" smtClean="0"/>
-              <a:t>space</a:t>
+              <a:t>Space: latent space&lt;&lt; pixel space</a:t>
             </a:r>
           </a:p>
           <a:p>
@@ -5382,11 +5738,7 @@
             </a:pPr>
             <a:r>
               <a:rPr lang="en-US" altLang="zh-TW" dirty="0"/>
-              <a:t>Style change: enable domain adaptation, style </a:t>
-            </a:r>
-            <a:r>
-              <a:rPr lang="en-US" altLang="zh-TW" dirty="0" smtClean="0"/>
-              <a:t>transfer</a:t>
+              <a:t>Style change: enable domain adaptation, style transfer</a:t>
             </a:r>
           </a:p>
           <a:p>
@@ -5441,7 +5793,7 @@
           <p:cNvPr id="2" name="標題 1">
             <a:extLst>
               <a:ext uri="{FF2B5EF4-FFF2-40B4-BE49-F238E27FC236}">
-                <a16:creationId xmlns:a16="http://schemas.microsoft.com/office/drawing/2014/main" xmlns="" id="{98A04798-5168-4875-A411-80CD40D53BBD}"/>
+                <a16:creationId xmlns:a16="http://schemas.microsoft.com/office/drawing/2014/main" id="{98A04798-5168-4875-A411-80CD40D53BBD}"/>
               </a:ext>
             </a:extLst>
           </p:cNvPr>
@@ -5484,7 +5836,7 @@
           <p:cNvPr id="3" name="圖片 2" descr="一張含有 文字, 螢幕擷取畫面, 圖表, 字型 的圖片&#10;&#10;AI 產生的內容可能不正確。">
             <a:extLst>
               <a:ext uri="{FF2B5EF4-FFF2-40B4-BE49-F238E27FC236}">
-                <a16:creationId xmlns:a16="http://schemas.microsoft.com/office/drawing/2014/main" xmlns="" id="{C363C685-F821-E348-9BB5-5D32AD8AB2D4}"/>
+                <a16:creationId xmlns:a16="http://schemas.microsoft.com/office/drawing/2014/main" id="{C363C685-F821-E348-9BB5-5D32AD8AB2D4}"/>
               </a:ext>
             </a:extLst>
           </p:cNvPr>
@@ -5544,7 +5896,7 @@
           <p:cNvPr id="2" name="標題 1">
             <a:extLst>
               <a:ext uri="{FF2B5EF4-FFF2-40B4-BE49-F238E27FC236}">
-                <a16:creationId xmlns:a16="http://schemas.microsoft.com/office/drawing/2014/main" xmlns="" id="{98A04798-5168-4875-A411-80CD40D53BBD}"/>
+                <a16:creationId xmlns:a16="http://schemas.microsoft.com/office/drawing/2014/main" id="{98A04798-5168-4875-A411-80CD40D53BBD}"/>
               </a:ext>
             </a:extLst>
           </p:cNvPr>
@@ -5568,7 +5920,7 @@
           <a:lstStyle/>
           <a:p>
             <a:r>
-              <a:rPr lang="en-US" altLang="zh-TW" dirty="0" smtClean="0"/>
+              <a:rPr lang="en-US" altLang="zh-TW" dirty="0"/>
               <a:t>Diffusion for Interpolating Images</a:t>
             </a:r>
             <a:endParaRPr lang="zh-TW" dirty="0"/>
@@ -5725,7 +6077,7 @@
           <p:cNvPr id="2" name="標題 1">
             <a:extLst>
               <a:ext uri="{FF2B5EF4-FFF2-40B4-BE49-F238E27FC236}">
-                <a16:creationId xmlns:a16="http://schemas.microsoft.com/office/drawing/2014/main" xmlns="" id="{98A04798-5168-4875-A411-80CD40D53BBD}"/>
+                <a16:creationId xmlns:a16="http://schemas.microsoft.com/office/drawing/2014/main" id="{98A04798-5168-4875-A411-80CD40D53BBD}"/>
               </a:ext>
             </a:extLst>
           </p:cNvPr>
@@ -5782,14 +6134,9 @@
               <a:buAutoNum type="arabicPeriod"/>
             </a:pPr>
             <a:r>
-              <a:rPr lang="en-US" altLang="zh-TW" dirty="0" smtClean="0"/>
-              <a:t>DDIM </a:t>
-            </a:r>
-            <a:r>
               <a:rPr lang="en-US" altLang="zh-TW" dirty="0"/>
-              <a:t>sampling</a:t>
-            </a:r>
-            <a:endParaRPr lang="en-US" altLang="zh-TW" dirty="0" smtClean="0"/>
+              <a:t>DDIM sampling</a:t>
+            </a:r>
           </a:p>
           <a:p>
             <a:pPr marL="342900" indent="-342900">
@@ -5803,98 +6150,15 @@
             </a:pPr>
             <a:r>
               <a:rPr lang="en-US" altLang="zh-TW" dirty="0"/>
-              <a:t>200 </a:t>
-            </a:r>
-            <a:r>
-              <a:rPr lang="en-US" altLang="zh-TW" dirty="0" smtClean="0"/>
-              <a:t>time</a:t>
-            </a:r>
-            <a:r>
-              <a:rPr lang="zh-TW" altLang="en-US" dirty="0" smtClean="0"/>
+              <a:t>200 time</a:t>
+            </a:r>
+            <a:r>
+              <a:rPr lang="zh-TW" altLang="en-US" dirty="0"/>
               <a:t> </a:t>
             </a:r>
             <a:r>
-              <a:rPr lang="en-US" altLang="zh-TW" dirty="0" smtClean="0"/>
+              <a:rPr lang="en-US" altLang="zh-TW" dirty="0"/>
               <a:t>steps</a:t>
-            </a:r>
-          </a:p>
-          <a:p>
-            <a:pPr marL="342900" indent="-342900">
-              <a:buAutoNum type="arabicPeriod"/>
-            </a:pPr>
-            <a:endParaRPr lang="en-US" altLang="zh-TW" dirty="0" smtClean="0"/>
-          </a:p>
-          <a:p>
-            <a:pPr marL="342900" indent="-342900">
-              <a:buAutoNum type="arabicPeriod"/>
-            </a:pPr>
-            <a:r>
-              <a:rPr lang="en-US" altLang="zh-TW" dirty="0" smtClean="0"/>
-              <a:t>&lt;25</a:t>
-            </a:r>
-            <a:r>
-              <a:rPr lang="en-US" altLang="zh-TW" dirty="0"/>
-              <a:t>% </a:t>
-            </a:r>
-            <a:r>
-              <a:rPr lang="en-US" altLang="zh-TW" dirty="0" smtClean="0"/>
-              <a:t>schedule:</a:t>
-            </a:r>
-            <a:r>
-              <a:rPr lang="zh-TW" altLang="en-US" dirty="0" smtClean="0"/>
-              <a:t> </a:t>
-            </a:r>
-            <a:r>
-              <a:rPr lang="en-US" altLang="zh-TW" dirty="0" smtClean="0"/>
-              <a:t>resemble </a:t>
-            </a:r>
-            <a:r>
-              <a:rPr lang="en-US" altLang="zh-TW" dirty="0"/>
-              <a:t>an alpha composite of </a:t>
-            </a:r>
-            <a:r>
-              <a:rPr lang="en-US" altLang="zh-TW" dirty="0" smtClean="0"/>
-              <a:t>their</a:t>
-            </a:r>
-            <a:r>
-              <a:rPr lang="zh-TW" altLang="en-US" dirty="0" smtClean="0"/>
-              <a:t> </a:t>
-            </a:r>
-            <a:r>
-              <a:rPr lang="en-US" altLang="zh-TW" dirty="0" smtClean="0"/>
-              <a:t>parent </a:t>
-            </a:r>
-            <a:r>
-              <a:rPr lang="en-US" altLang="zh-TW" dirty="0"/>
-              <a:t>images</a:t>
-            </a:r>
-            <a:endParaRPr lang="en-US" altLang="zh-TW" dirty="0"/>
-          </a:p>
-          <a:p>
-            <a:pPr marL="342900" indent="-342900">
-              <a:buAutoNum type="arabicPeriod"/>
-            </a:pPr>
-            <a:endParaRPr lang="en-US" altLang="zh-TW" dirty="0" smtClean="0"/>
-          </a:p>
-          <a:p>
-            <a:pPr marL="342900" indent="-342900">
-              <a:buAutoNum type="arabicPeriod"/>
-            </a:pPr>
-            <a:r>
-              <a:rPr lang="en-US" altLang="zh-TW" dirty="0" smtClean="0"/>
-              <a:t>&gt;65%</a:t>
-            </a:r>
-            <a:r>
-              <a:rPr lang="zh-TW" altLang="en-US" dirty="0" smtClean="0"/>
-              <a:t> </a:t>
-            </a:r>
-            <a:r>
-              <a:rPr lang="en-US" altLang="zh-TW" dirty="0" smtClean="0"/>
-              <a:t>schedule: </a:t>
-            </a:r>
-            <a:r>
-              <a:rPr lang="en-US" altLang="zh-TW" dirty="0"/>
-              <a:t>deviate significantly from their parent</a:t>
             </a:r>
           </a:p>
           <a:p>
@@ -5908,10 +6172,63 @@
               <a:buAutoNum type="arabicPeriod"/>
             </a:pPr>
             <a:r>
-              <a:rPr lang="en-US" altLang="zh-TW" dirty="0" smtClean="0"/>
+              <a:rPr lang="en-US" altLang="zh-TW" dirty="0"/>
+              <a:t>&lt;25% schedule:</a:t>
+            </a:r>
+            <a:r>
+              <a:rPr lang="zh-TW" altLang="en-US" dirty="0"/>
+              <a:t> </a:t>
+            </a:r>
+            <a:r>
+              <a:rPr lang="en-US" altLang="zh-TW" dirty="0"/>
+              <a:t>resemble an alpha composite of their</a:t>
+            </a:r>
+            <a:r>
+              <a:rPr lang="zh-TW" altLang="en-US" dirty="0"/>
+              <a:t> </a:t>
+            </a:r>
+            <a:r>
+              <a:rPr lang="en-US" altLang="zh-TW" dirty="0"/>
+              <a:t>parent images</a:t>
+            </a:r>
+          </a:p>
+          <a:p>
+            <a:pPr marL="342900" indent="-342900">
+              <a:buAutoNum type="arabicPeriod"/>
+            </a:pPr>
+            <a:endParaRPr lang="en-US" altLang="zh-TW" dirty="0"/>
+          </a:p>
+          <a:p>
+            <a:pPr marL="342900" indent="-342900">
+              <a:buAutoNum type="arabicPeriod"/>
+            </a:pPr>
+            <a:r>
+              <a:rPr lang="en-US" altLang="zh-TW" dirty="0"/>
+              <a:t>&gt;65%</a:t>
+            </a:r>
+            <a:r>
+              <a:rPr lang="zh-TW" altLang="en-US" dirty="0"/>
+              <a:t> </a:t>
+            </a:r>
+            <a:r>
+              <a:rPr lang="en-US" altLang="zh-TW" dirty="0"/>
+              <a:t>schedule: deviate significantly from their parent</a:t>
+            </a:r>
+          </a:p>
+          <a:p>
+            <a:pPr marL="342900" indent="-342900">
+              <a:buAutoNum type="arabicPeriod"/>
+            </a:pPr>
+            <a:endParaRPr lang="en-US" altLang="zh-TW" dirty="0"/>
+          </a:p>
+          <a:p>
+            <a:pPr marL="342900" indent="-342900">
+              <a:buAutoNum type="arabicPeriod"/>
+            </a:pPr>
+            <a:r>
+              <a:rPr lang="en-US" altLang="zh-TW" dirty="0"/>
               <a:t>Choose 25%~65% schedule</a:t>
             </a:r>
-            <a:endParaRPr lang="en-US" altLang="zh-TW" dirty="0"/>
           </a:p>
           <a:p>
             <a:pPr marL="342900" indent="-342900">

--- a/diffusion書報/DDPM.pptx
+++ b/diffusion書報/DDPM.pptx
@@ -5,7 +5,7 @@
     <p:sldMasterId id="2147483648" r:id="rId1"/>
   </p:sldMasterIdLst>
   <p:notesMasterIdLst>
-    <p:notesMasterId r:id="rId12"/>
+    <p:notesMasterId r:id="rId14"/>
   </p:notesMasterIdLst>
   <p:sldIdLst>
     <p:sldId id="256" r:id="rId2"/>
@@ -17,7 +17,9 @@
     <p:sldId id="261" r:id="rId8"/>
     <p:sldId id="265" r:id="rId9"/>
     <p:sldId id="267" r:id="rId10"/>
-    <p:sldId id="266" r:id="rId11"/>
+    <p:sldId id="268" r:id="rId11"/>
+    <p:sldId id="269" r:id="rId12"/>
+    <p:sldId id="266" r:id="rId13"/>
   </p:sldIdLst>
   <p:sldSz cx="12192000" cy="6858000"/>
   <p:notesSz cx="6858000" cy="9144000"/>
@@ -588,6 +590,90 @@
 </p:notes>
 </file>
 
+<file path=ppt/notesSlides/notesSlide10.xml><?xml version="1.0" encoding="utf-8"?>
+<p:notes xmlns:a="http://schemas.openxmlformats.org/drawingml/2006/main" xmlns:r="http://schemas.openxmlformats.org/officeDocument/2006/relationships" xmlns:p="http://schemas.openxmlformats.org/presentationml/2006/main">
+  <p:cSld>
+    <p:spTree>
+      <p:nvGrpSpPr>
+        <p:cNvPr id="1" name=""/>
+        <p:cNvGrpSpPr/>
+        <p:nvPr/>
+      </p:nvGrpSpPr>
+      <p:grpSpPr>
+        <a:xfrm>
+          <a:off x="0" y="0"/>
+          <a:ext cx="0" cy="0"/>
+          <a:chOff x="0" y="0"/>
+          <a:chExt cx="0" cy="0"/>
+        </a:xfrm>
+      </p:grpSpPr>
+      <p:sp>
+        <p:nvSpPr>
+          <p:cNvPr id="2" name="投影片圖像版面配置區 1"/>
+          <p:cNvSpPr>
+            <a:spLocks noGrp="1" noRot="1" noChangeAspect="1"/>
+          </p:cNvSpPr>
+          <p:nvPr>
+            <p:ph type="sldImg"/>
+          </p:nvPr>
+        </p:nvSpPr>
+        <p:spPr/>
+      </p:sp>
+      <p:sp>
+        <p:nvSpPr>
+          <p:cNvPr id="3" name="備忘稿版面配置區 2"/>
+          <p:cNvSpPr>
+            <a:spLocks noGrp="1"/>
+          </p:cNvSpPr>
+          <p:nvPr>
+            <p:ph type="body" idx="1"/>
+          </p:nvPr>
+        </p:nvSpPr>
+        <p:spPr/>
+        <p:txBody>
+          <a:bodyPr/>
+          <a:lstStyle/>
+          <a:p>
+            <a:endParaRPr lang="zh-TW" altLang="en-US" dirty="0"/>
+          </a:p>
+        </p:txBody>
+      </p:sp>
+      <p:sp>
+        <p:nvSpPr>
+          <p:cNvPr id="4" name="投影片編號版面配置區 3"/>
+          <p:cNvSpPr>
+            <a:spLocks noGrp="1"/>
+          </p:cNvSpPr>
+          <p:nvPr>
+            <p:ph type="sldNum" sz="quarter" idx="10"/>
+          </p:nvPr>
+        </p:nvSpPr>
+        <p:spPr/>
+        <p:txBody>
+          <a:bodyPr/>
+          <a:lstStyle/>
+          <a:p>
+            <a:fld id="{B8D0CE21-A827-46F8-BEFD-C23296934A6E}" type="slidenum">
+              <a:rPr lang="zh-TW" altLang="en-US" smtClean="0"/>
+              <a:t>12</a:t>
+            </a:fld>
+            <a:endParaRPr lang="zh-TW" altLang="en-US"/>
+          </a:p>
+        </p:txBody>
+      </p:sp>
+    </p:spTree>
+    <p:extLst>
+      <p:ext uri="{BB962C8B-B14F-4D97-AF65-F5344CB8AC3E}">
+        <p14:creationId xmlns:p14="http://schemas.microsoft.com/office/powerpoint/2010/main" val="3188509654"/>
+      </p:ext>
+    </p:extLst>
+  </p:cSld>
+  <p:clrMapOvr>
+    <a:masterClrMapping/>
+  </p:clrMapOvr>
+</p:notes>
+</file>
+
 <file path=ppt/notesSlides/notesSlide2.xml><?xml version="1.0" encoding="utf-8"?>
 <p:notes xmlns:a="http://schemas.openxmlformats.org/drawingml/2006/main" xmlns:r="http://schemas.openxmlformats.org/officeDocument/2006/relationships" xmlns:p="http://schemas.openxmlformats.org/presentationml/2006/main">
   <p:cSld>
@@ -1269,6 +1355,26 @@
           <a:bodyPr/>
           <a:lstStyle/>
           <a:p>
+            <a:r>
+              <a:rPr lang="en-US" altLang="zh-TW" dirty="0"/>
+              <a:t>DDIM</a:t>
+            </a:r>
+            <a:r>
+              <a:rPr lang="zh-TW" altLang="en-US" dirty="0"/>
+              <a:t>是</a:t>
+            </a:r>
+            <a:r>
+              <a:rPr lang="en-US" altLang="zh-TW" sz="1200" b="0" i="0" kern="1200" dirty="0">
+                <a:solidFill>
+                  <a:schemeClr val="tx1"/>
+                </a:solidFill>
+                <a:effectLst/>
+                <a:latin typeface="+mn-lt"/>
+                <a:ea typeface="+mn-ea"/>
+                <a:cs typeface="+mn-cs"/>
+              </a:rPr>
+              <a:t>denoising diffusion implicit models</a:t>
+            </a:r>
             <a:endParaRPr lang="zh-TW" altLang="en-US" dirty="0"/>
           </a:p>
         </p:txBody>
@@ -1383,7 +1489,91 @@
     </p:spTree>
     <p:extLst>
       <p:ext uri="{BB962C8B-B14F-4D97-AF65-F5344CB8AC3E}">
-        <p14:creationId xmlns:p14="http://schemas.microsoft.com/office/powerpoint/2010/main" val="3188509654"/>
+        <p14:creationId xmlns:p14="http://schemas.microsoft.com/office/powerpoint/2010/main" val="732014916"/>
+      </p:ext>
+    </p:extLst>
+  </p:cSld>
+  <p:clrMapOvr>
+    <a:masterClrMapping/>
+  </p:clrMapOvr>
+</p:notes>
+</file>
+
+<file path=ppt/notesSlides/notesSlide9.xml><?xml version="1.0" encoding="utf-8"?>
+<p:notes xmlns:a="http://schemas.openxmlformats.org/drawingml/2006/main" xmlns:r="http://schemas.openxmlformats.org/officeDocument/2006/relationships" xmlns:p="http://schemas.openxmlformats.org/presentationml/2006/main">
+  <p:cSld>
+    <p:spTree>
+      <p:nvGrpSpPr>
+        <p:cNvPr id="1" name=""/>
+        <p:cNvGrpSpPr/>
+        <p:nvPr/>
+      </p:nvGrpSpPr>
+      <p:grpSpPr>
+        <a:xfrm>
+          <a:off x="0" y="0"/>
+          <a:ext cx="0" cy="0"/>
+          <a:chOff x="0" y="0"/>
+          <a:chExt cx="0" cy="0"/>
+        </a:xfrm>
+      </p:grpSpPr>
+      <p:sp>
+        <p:nvSpPr>
+          <p:cNvPr id="2" name="投影片圖像版面配置區 1"/>
+          <p:cNvSpPr>
+            <a:spLocks noGrp="1" noRot="1" noChangeAspect="1"/>
+          </p:cNvSpPr>
+          <p:nvPr>
+            <p:ph type="sldImg"/>
+          </p:nvPr>
+        </p:nvSpPr>
+        <p:spPr/>
+      </p:sp>
+      <p:sp>
+        <p:nvSpPr>
+          <p:cNvPr id="3" name="備忘稿版面配置區 2"/>
+          <p:cNvSpPr>
+            <a:spLocks noGrp="1"/>
+          </p:cNvSpPr>
+          <p:nvPr>
+            <p:ph type="body" idx="1"/>
+          </p:nvPr>
+        </p:nvSpPr>
+        <p:spPr/>
+        <p:txBody>
+          <a:bodyPr/>
+          <a:lstStyle/>
+          <a:p>
+            <a:endParaRPr lang="zh-TW" altLang="en-US" dirty="0"/>
+          </a:p>
+        </p:txBody>
+      </p:sp>
+      <p:sp>
+        <p:nvSpPr>
+          <p:cNvPr id="4" name="投影片編號版面配置區 3"/>
+          <p:cNvSpPr>
+            <a:spLocks noGrp="1"/>
+          </p:cNvSpPr>
+          <p:nvPr>
+            <p:ph type="sldNum" sz="quarter" idx="10"/>
+          </p:nvPr>
+        </p:nvSpPr>
+        <p:spPr/>
+        <p:txBody>
+          <a:bodyPr/>
+          <a:lstStyle/>
+          <a:p>
+            <a:fld id="{B8D0CE21-A827-46F8-BEFD-C23296934A6E}" type="slidenum">
+              <a:rPr lang="zh-TW" altLang="en-US" smtClean="0"/>
+              <a:t>11</a:t>
+            </a:fld>
+            <a:endParaRPr lang="zh-TW" altLang="en-US"/>
+          </a:p>
+        </p:txBody>
+      </p:sp>
+    </p:spTree>
+    <p:extLst>
+      <p:ext uri="{BB962C8B-B14F-4D97-AF65-F5344CB8AC3E}">
+        <p14:creationId xmlns:p14="http://schemas.microsoft.com/office/powerpoint/2010/main" val="3838641039"/>
       </p:ext>
     </p:extLst>
   </p:cSld>
@@ -4701,6 +4891,755 @@
 </file>
 
 <file path=ppt/slides/slide10.xml><?xml version="1.0" encoding="utf-8"?>
+<p:sld xmlns:a="http://schemas.openxmlformats.org/drawingml/2006/main" xmlns:r="http://schemas.openxmlformats.org/officeDocument/2006/relationships" xmlns:p="http://schemas.openxmlformats.org/presentationml/2006/main">
+  <p:cSld>
+    <p:spTree>
+      <p:nvGrpSpPr>
+        <p:cNvPr id="1" name=""/>
+        <p:cNvGrpSpPr/>
+        <p:nvPr/>
+      </p:nvGrpSpPr>
+      <p:grpSpPr>
+        <a:xfrm>
+          <a:off x="0" y="0"/>
+          <a:ext cx="0" cy="0"/>
+          <a:chOff x="0" y="0"/>
+          <a:chExt cx="0" cy="0"/>
+        </a:xfrm>
+      </p:grpSpPr>
+      <p:sp>
+        <p:nvSpPr>
+          <p:cNvPr id="2" name="標題 1">
+            <a:extLst>
+              <a:ext uri="{FF2B5EF4-FFF2-40B4-BE49-F238E27FC236}">
+                <a16:creationId xmlns:a16="http://schemas.microsoft.com/office/drawing/2014/main" id="{98A04798-5168-4875-A411-80CD40D53BBD}"/>
+              </a:ext>
+            </a:extLst>
+          </p:cNvPr>
+          <p:cNvSpPr>
+            <a:spLocks noGrp="1"/>
+          </p:cNvSpPr>
+          <p:nvPr>
+            <p:ph type="title"/>
+          </p:nvPr>
+        </p:nvSpPr>
+        <p:spPr>
+          <a:xfrm>
+            <a:off x="333316" y="544152"/>
+            <a:ext cx="6566757" cy="718058"/>
+          </a:xfrm>
+        </p:spPr>
+        <p:txBody>
+          <a:bodyPr>
+            <a:noAutofit/>
+          </a:bodyPr>
+          <a:lstStyle/>
+          <a:p>
+            <a:r>
+              <a:rPr lang="en-US" altLang="zh-TW" dirty="0"/>
+              <a:t>Textual inversion</a:t>
+            </a:r>
+            <a:endParaRPr lang="zh-TW" dirty="0"/>
+          </a:p>
+        </p:txBody>
+      </p:sp>
+      <p:sp>
+        <p:nvSpPr>
+          <p:cNvPr id="8" name="文字方塊 7"/>
+          <p:cNvSpPr txBox="1"/>
+          <p:nvPr/>
+        </p:nvSpPr>
+        <p:spPr>
+          <a:xfrm>
+            <a:off x="333316" y="1262210"/>
+            <a:ext cx="10317192" cy="2862322"/>
+          </a:xfrm>
+          <a:prstGeom prst="rect">
+            <a:avLst/>
+          </a:prstGeom>
+          <a:noFill/>
+        </p:spPr>
+        <p:txBody>
+          <a:bodyPr wrap="square" rtlCol="0">
+            <a:spAutoFit/>
+          </a:bodyPr>
+          <a:lstStyle/>
+          <a:p>
+            <a:pPr marL="342900" indent="-342900">
+              <a:buAutoNum type="arabicPeriod"/>
+            </a:pPr>
+            <a:r>
+              <a:rPr lang="en-US" altLang="zh-TW" dirty="0"/>
+              <a:t>interpolated text embeddings</a:t>
+            </a:r>
+          </a:p>
+          <a:p>
+            <a:pPr marL="342900" indent="-342900">
+              <a:buAutoNum type="arabicPeriod"/>
+            </a:pPr>
+            <a:endParaRPr lang="en-US" altLang="zh-TW" dirty="0"/>
+          </a:p>
+          <a:p>
+            <a:pPr marL="342900" indent="-342900">
+              <a:buAutoNum type="arabicPeriod"/>
+            </a:pPr>
+            <a:r>
+              <a:rPr lang="en-US" altLang="zh-TW" dirty="0"/>
+              <a:t>Initial Encoding: The text prompt is encoded as usual</a:t>
+            </a:r>
+          </a:p>
+          <a:p>
+            <a:pPr marL="342900" indent="-342900">
+              <a:buAutoNum type="arabicPeriod"/>
+            </a:pPr>
+            <a:endParaRPr lang="en-US" altLang="zh-TW" dirty="0"/>
+          </a:p>
+          <a:p>
+            <a:pPr marL="342900" indent="-342900">
+              <a:buAutoNum type="arabicPeriod"/>
+            </a:pPr>
+            <a:r>
+              <a:rPr lang="en-US" altLang="zh-TW" dirty="0"/>
+              <a:t>Fine-Tuning: The prompt embedding is fine-tuned</a:t>
+            </a:r>
+          </a:p>
+          <a:p>
+            <a:pPr marL="342900" indent="-342900">
+              <a:buAutoNum type="arabicPeriod"/>
+            </a:pPr>
+            <a:endParaRPr lang="en-US" altLang="zh-TW" dirty="0"/>
+          </a:p>
+          <a:p>
+            <a:pPr marL="342900" indent="-342900">
+              <a:buAutoNum type="arabicPeriod"/>
+            </a:pPr>
+            <a:r>
+              <a:rPr lang="en-US" altLang="zh-TW" dirty="0"/>
+              <a:t>Condition: The fine-tuning process minimizes the LDM error at random noise levels</a:t>
+            </a:r>
+          </a:p>
+          <a:p>
+            <a:pPr marL="342900" indent="-342900">
+              <a:buAutoNum type="arabicPeriod"/>
+            </a:pPr>
+            <a:endParaRPr lang="en-US" altLang="zh-TW" dirty="0"/>
+          </a:p>
+          <a:p>
+            <a:pPr marL="342900" indent="-342900">
+              <a:buAutoNum type="arabicPeriod"/>
+            </a:pPr>
+            <a:r>
+              <a:rPr lang="en-US" altLang="zh-TW" dirty="0"/>
+              <a:t>Conditioning Input: The resulting  is used as a conditioning input for the LDM's denoising U-Net</a:t>
+            </a:r>
+          </a:p>
+          <a:p>
+            <a:pPr marL="342900" indent="-342900">
+              <a:buAutoNum type="arabicPeriod"/>
+            </a:pPr>
+            <a:endParaRPr lang="zh-TW" altLang="en-US" dirty="0"/>
+          </a:p>
+        </p:txBody>
+      </p:sp>
+    </p:spTree>
+    <p:extLst>
+      <p:ext uri="{BB962C8B-B14F-4D97-AF65-F5344CB8AC3E}">
+        <p14:creationId xmlns:p14="http://schemas.microsoft.com/office/powerpoint/2010/main" val="1617569886"/>
+      </p:ext>
+    </p:extLst>
+  </p:cSld>
+  <p:clrMapOvr>
+    <a:masterClrMapping/>
+  </p:clrMapOvr>
+</p:sld>
+</file>
+
+<file path=ppt/slides/slide11.xml><?xml version="1.0" encoding="utf-8"?>
+<p:sld xmlns:a="http://schemas.openxmlformats.org/drawingml/2006/main" xmlns:r="http://schemas.openxmlformats.org/officeDocument/2006/relationships" xmlns:p="http://schemas.openxmlformats.org/presentationml/2006/main">
+  <p:cSld>
+    <p:spTree>
+      <p:nvGrpSpPr>
+        <p:cNvPr id="1" name=""/>
+        <p:cNvGrpSpPr/>
+        <p:nvPr/>
+      </p:nvGrpSpPr>
+      <p:grpSpPr>
+        <a:xfrm>
+          <a:off x="0" y="0"/>
+          <a:ext cx="0" cy="0"/>
+          <a:chOff x="0" y="0"/>
+          <a:chExt cx="0" cy="0"/>
+        </a:xfrm>
+      </p:grpSpPr>
+      <p:sp>
+        <p:nvSpPr>
+          <p:cNvPr id="2" name="標題 1">
+            <a:extLst>
+              <a:ext uri="{FF2B5EF4-FFF2-40B4-BE49-F238E27FC236}">
+                <a16:creationId xmlns:a16="http://schemas.microsoft.com/office/drawing/2014/main" id="{98A04798-5168-4875-A411-80CD40D53BBD}"/>
+              </a:ext>
+            </a:extLst>
+          </p:cNvPr>
+          <p:cNvSpPr>
+            <a:spLocks noGrp="1"/>
+          </p:cNvSpPr>
+          <p:nvPr>
+            <p:ph type="title"/>
+          </p:nvPr>
+        </p:nvSpPr>
+        <p:spPr>
+          <a:xfrm>
+            <a:off x="333316" y="544152"/>
+            <a:ext cx="6566757" cy="718058"/>
+          </a:xfrm>
+        </p:spPr>
+        <p:txBody>
+          <a:bodyPr>
+            <a:noAutofit/>
+          </a:bodyPr>
+          <a:lstStyle/>
+          <a:p>
+            <a:r>
+              <a:rPr lang="en-US" altLang="zh-TW" dirty="0"/>
+              <a:t>Textual inversion</a:t>
+            </a:r>
+            <a:endParaRPr lang="zh-TW" dirty="0"/>
+          </a:p>
+        </p:txBody>
+      </p:sp>
+      <p:graphicFrame>
+        <p:nvGraphicFramePr>
+          <p:cNvPr id="3" name="表格 2">
+            <a:extLst>
+              <a:ext uri="{FF2B5EF4-FFF2-40B4-BE49-F238E27FC236}">
+                <a16:creationId xmlns:a16="http://schemas.microsoft.com/office/drawing/2014/main" id="{2C3CF631-F445-4A40-8ED2-7CC4DD9C586F}"/>
+              </a:ext>
+            </a:extLst>
+          </p:cNvPr>
+          <p:cNvGraphicFramePr>
+            <a:graphicFrameLocks noGrp="1"/>
+          </p:cNvGraphicFramePr>
+          <p:nvPr>
+            <p:extLst>
+              <p:ext uri="{D42A27DB-BD31-4B8C-83A1-F6EECF244321}">
+                <p14:modId xmlns:p14="http://schemas.microsoft.com/office/powerpoint/2010/main" val="1676380651"/>
+              </p:ext>
+            </p:extLst>
+          </p:nvPr>
+        </p:nvGraphicFramePr>
+        <p:xfrm>
+          <a:off x="874247" y="1488168"/>
+          <a:ext cx="10008078" cy="4351338"/>
+        </p:xfrm>
+        <a:graphic>
+          <a:graphicData uri="http://schemas.openxmlformats.org/drawingml/2006/table">
+            <a:tbl>
+              <a:tblPr/>
+              <a:tblGrid>
+                <a:gridCol w="3336026">
+                  <a:extLst>
+                    <a:ext uri="{9D8B030D-6E8A-4147-A177-3AD203B41FA5}">
+                      <a16:colId xmlns:a16="http://schemas.microsoft.com/office/drawing/2014/main" val="4273250404"/>
+                    </a:ext>
+                  </a:extLst>
+                </a:gridCol>
+                <a:gridCol w="3336026">
+                  <a:extLst>
+                    <a:ext uri="{9D8B030D-6E8A-4147-A177-3AD203B41FA5}">
+                      <a16:colId xmlns:a16="http://schemas.microsoft.com/office/drawing/2014/main" val="1121274125"/>
+                    </a:ext>
+                  </a:extLst>
+                </a:gridCol>
+                <a:gridCol w="3336026">
+                  <a:extLst>
+                    <a:ext uri="{9D8B030D-6E8A-4147-A177-3AD203B41FA5}">
+                      <a16:colId xmlns:a16="http://schemas.microsoft.com/office/drawing/2014/main" val="478876390"/>
+                    </a:ext>
+                  </a:extLst>
+                </a:gridCol>
+              </a:tblGrid>
+              <a:tr h="348107">
+                <a:tc>
+                  <a:txBody>
+                    <a:bodyPr/>
+                    <a:lstStyle/>
+                    <a:p>
+                      <a:endParaRPr lang="zh-TW" altLang="en-US" sz="1700" dirty="0"/>
+                    </a:p>
+                  </a:txBody>
+                  <a:tcPr marL="87027" marR="87027" marT="43513" marB="43513"/>
+                </a:tc>
+                <a:tc>
+                  <a:txBody>
+                    <a:bodyPr/>
+                    <a:lstStyle/>
+                    <a:p>
+                      <a:endParaRPr lang="zh-TW" altLang="en-US" sz="1700"/>
+                    </a:p>
+                  </a:txBody>
+                  <a:tcPr marL="87027" marR="87027" marT="43513" marB="43513"/>
+                </a:tc>
+                <a:tc>
+                  <a:txBody>
+                    <a:bodyPr/>
+                    <a:lstStyle/>
+                    <a:p>
+                      <a:endParaRPr lang="zh-TW" altLang="en-US" sz="1700"/>
+                    </a:p>
+                  </a:txBody>
+                  <a:tcPr marL="87027" marR="87027" marT="43513" marB="43513"/>
+                </a:tc>
+                <a:extLst>
+                  <a:ext uri="{0D108BD9-81ED-4DB2-BD59-A6C34878D82A}">
+                    <a16:rowId xmlns:a16="http://schemas.microsoft.com/office/drawing/2014/main" val="1980161582"/>
+                  </a:ext>
+                </a:extLst>
+              </a:tr>
+              <a:tr h="348107">
+                <a:tc>
+                  <a:txBody>
+                    <a:bodyPr/>
+                    <a:lstStyle/>
+                    <a:p>
+                      <a:r>
+                        <a:rPr lang="en-US" sz="1700">
+                          <a:effectLst/>
+                        </a:rPr>
+                        <a:t>Item</a:t>
+                      </a:r>
+                    </a:p>
+                  </a:txBody>
+                  <a:tcPr marL="87027" marR="87027" marT="43513" marB="43513" anchor="ctr">
+                    <a:lnL>
+                      <a:noFill/>
+                    </a:lnL>
+                    <a:lnR>
+                      <a:noFill/>
+                    </a:lnR>
+                    <a:lnB>
+                      <a:noFill/>
+                    </a:lnB>
+                    <a:solidFill>
+                      <a:srgbClr val="FFFFFF"/>
+                    </a:solidFill>
+                  </a:tcPr>
+                </a:tc>
+                <a:tc>
+                  <a:txBody>
+                    <a:bodyPr/>
+                    <a:lstStyle/>
+                    <a:p>
+                      <a:r>
+                        <a:rPr lang="en-US" sz="1700">
+                          <a:effectLst/>
+                        </a:rPr>
+                        <a:t>Detail Description</a:t>
+                      </a:r>
+                    </a:p>
+                  </a:txBody>
+                  <a:tcPr marL="87027" marR="87027" marT="43513" marB="43513" anchor="ctr">
+                    <a:lnL>
+                      <a:noFill/>
+                    </a:lnL>
+                    <a:lnR>
+                      <a:noFill/>
+                    </a:lnR>
+                    <a:lnB>
+                      <a:noFill/>
+                    </a:lnB>
+                    <a:solidFill>
+                      <a:srgbClr val="FFFFFF"/>
+                    </a:solidFill>
+                  </a:tcPr>
+                </a:tc>
+                <a:tc>
+                  <a:txBody>
+                    <a:bodyPr/>
+                    <a:lstStyle/>
+                    <a:p>
+                      <a:r>
+                        <a:rPr lang="en-US" sz="1700">
+                          <a:effectLst/>
+                        </a:rPr>
+                        <a:t>Source</a:t>
+                      </a:r>
+                    </a:p>
+                  </a:txBody>
+                  <a:tcPr marL="87027" marR="87027" marT="43513" marB="43513" anchor="ctr">
+                    <a:lnL>
+                      <a:noFill/>
+                    </a:lnL>
+                    <a:lnR>
+                      <a:noFill/>
+                    </a:lnR>
+                    <a:lnB>
+                      <a:noFill/>
+                    </a:lnB>
+                    <a:solidFill>
+                      <a:srgbClr val="FFFFFF"/>
+                    </a:solidFill>
+                  </a:tcPr>
+                </a:tc>
+                <a:extLst>
+                  <a:ext uri="{0D108BD9-81ED-4DB2-BD59-A6C34878D82A}">
+                    <a16:rowId xmlns:a16="http://schemas.microsoft.com/office/drawing/2014/main" val="1189160599"/>
+                  </a:ext>
+                </a:extLst>
+              </a:tr>
+              <a:tr h="870268">
+                <a:tc>
+                  <a:txBody>
+                    <a:bodyPr/>
+                    <a:lstStyle/>
+                    <a:p>
+                      <a:r>
+                        <a:rPr lang="en-US" sz="1700" b="1">
+                          <a:effectLst/>
+                        </a:rPr>
+                        <a:t>Prompt Types</a:t>
+                      </a:r>
+                      <a:endParaRPr lang="en-US" sz="1700">
+                        <a:effectLst/>
+                      </a:endParaRPr>
+                    </a:p>
+                  </a:txBody>
+                  <a:tcPr marL="87027" marR="87027" marT="43513" marB="43513" anchor="ctr">
+                    <a:lnL>
+                      <a:noFill/>
+                    </a:lnL>
+                    <a:lnR>
+                      <a:noFill/>
+                    </a:lnR>
+                    <a:lnT>
+                      <a:noFill/>
+                    </a:lnT>
+                    <a:lnB>
+                      <a:noFill/>
+                    </a:lnB>
+                    <a:solidFill>
+                      <a:srgbClr val="FFFFFF"/>
+                    </a:solidFill>
+                  </a:tcPr>
+                </a:tc>
+                <a:tc>
+                  <a:txBody>
+                    <a:bodyPr/>
+                    <a:lstStyle/>
+                    <a:p>
+                      <a:r>
+                        <a:rPr lang="en-US" sz="1700">
+                          <a:effectLst/>
+                        </a:rPr>
+                        <a:t>Both </a:t>
+                      </a:r>
+                      <a:r>
+                        <a:rPr lang="en-US" sz="1700" b="1">
+                          <a:effectLst/>
+                        </a:rPr>
+                        <a:t>positive and negative text prompts</a:t>
+                      </a:r>
+                      <a:r>
+                        <a:rPr lang="en-US" sz="1700">
+                          <a:effectLst/>
+                        </a:rPr>
+                        <a:t> are used and optimized during the process.</a:t>
+                      </a:r>
+                    </a:p>
+                  </a:txBody>
+                  <a:tcPr marL="87027" marR="87027" marT="43513" marB="43513" anchor="ctr">
+                    <a:lnL>
+                      <a:noFill/>
+                    </a:lnL>
+                    <a:lnR>
+                      <a:noFill/>
+                    </a:lnR>
+                    <a:lnT>
+                      <a:noFill/>
+                    </a:lnT>
+                    <a:lnB>
+                      <a:noFill/>
+                    </a:lnB>
+                    <a:solidFill>
+                      <a:srgbClr val="FFFFFF"/>
+                    </a:solidFill>
+                  </a:tcPr>
+                </a:tc>
+                <a:tc>
+                  <a:txBody>
+                    <a:bodyPr/>
+                    <a:lstStyle/>
+                    <a:p>
+                      <a:endParaRPr lang="zh-TW" altLang="en-US" sz="1700">
+                        <a:effectLst/>
+                      </a:endParaRPr>
+                    </a:p>
+                  </a:txBody>
+                  <a:tcPr marL="87027" marR="87027" marT="43513" marB="43513" anchor="ctr">
+                    <a:lnL>
+                      <a:noFill/>
+                    </a:lnL>
+                    <a:lnR>
+                      <a:noFill/>
+                    </a:lnR>
+                    <a:lnT>
+                      <a:noFill/>
+                    </a:lnT>
+                    <a:lnB>
+                      <a:noFill/>
+                    </a:lnB>
+                    <a:solidFill>
+                      <a:srgbClr val="FFFFFF"/>
+                    </a:solidFill>
+                  </a:tcPr>
+                </a:tc>
+                <a:extLst>
+                  <a:ext uri="{0D108BD9-81ED-4DB2-BD59-A6C34878D82A}">
+                    <a16:rowId xmlns:a16="http://schemas.microsoft.com/office/drawing/2014/main" val="1691943690"/>
+                  </a:ext>
+                </a:extLst>
+              </a:tr>
+              <a:tr h="1392428">
+                <a:tc>
+                  <a:txBody>
+                    <a:bodyPr/>
+                    <a:lstStyle/>
+                    <a:p>
+                      <a:r>
+                        <a:rPr lang="en-US" sz="1700" b="1">
+                          <a:effectLst/>
+                        </a:rPr>
+                        <a:t>Scope of Optimization</a:t>
+                      </a:r>
+                      <a:endParaRPr lang="en-US" sz="1700">
+                        <a:effectLst/>
+                      </a:endParaRPr>
+                    </a:p>
+                  </a:txBody>
+                  <a:tcPr marL="87027" marR="87027" marT="43513" marB="43513" anchor="ctr">
+                    <a:lnL>
+                      <a:noFill/>
+                    </a:lnL>
+                    <a:lnR>
+                      <a:noFill/>
+                    </a:lnR>
+                    <a:lnT>
+                      <a:noFill/>
+                    </a:lnT>
+                    <a:lnB>
+                      <a:noFill/>
+                    </a:lnB>
+                    <a:solidFill>
+                      <a:srgbClr val="FFFFFF"/>
+                    </a:solidFill>
+                  </a:tcPr>
+                </a:tc>
+                <a:tc>
+                  <a:txBody>
+                    <a:bodyPr/>
+                    <a:lstStyle/>
+                    <a:p>
+                      <a:r>
+                        <a:rPr lang="en-US" sz="1700">
+                          <a:effectLst/>
+                        </a:rPr>
+                        <a:t>Since the task (e.g., image interpolation) does not require a custom token, the decision is made to </a:t>
+                      </a:r>
+                      <a:r>
+                        <a:rPr lang="en-US" sz="1700" b="1">
+                          <a:effectLst/>
+                        </a:rPr>
+                        <a:t>optimize the entire text embedding</a:t>
+                      </a:r>
+                      <a:r>
+                        <a:rPr lang="en-US" sz="1700">
+                          <a:effectLst/>
+                        </a:rPr>
+                        <a:t>.</a:t>
+                      </a:r>
+                    </a:p>
+                  </a:txBody>
+                  <a:tcPr marL="87027" marR="87027" marT="43513" marB="43513" anchor="ctr">
+                    <a:lnL>
+                      <a:noFill/>
+                    </a:lnL>
+                    <a:lnR>
+                      <a:noFill/>
+                    </a:lnR>
+                    <a:lnT>
+                      <a:noFill/>
+                    </a:lnT>
+                    <a:lnB>
+                      <a:noFill/>
+                    </a:lnB>
+                    <a:solidFill>
+                      <a:srgbClr val="FFFFFF"/>
+                    </a:solidFill>
+                  </a:tcPr>
+                </a:tc>
+                <a:tc>
+                  <a:txBody>
+                    <a:bodyPr/>
+                    <a:lstStyle/>
+                    <a:p>
+                      <a:endParaRPr lang="zh-TW" altLang="en-US" sz="1700">
+                        <a:effectLst/>
+                      </a:endParaRPr>
+                    </a:p>
+                  </a:txBody>
+                  <a:tcPr marL="87027" marR="87027" marT="43513" marB="43513" anchor="ctr">
+                    <a:lnL>
+                      <a:noFill/>
+                    </a:lnL>
+                    <a:lnR>
+                      <a:noFill/>
+                    </a:lnR>
+                    <a:lnT>
+                      <a:noFill/>
+                    </a:lnT>
+                    <a:lnB>
+                      <a:noFill/>
+                    </a:lnB>
+                    <a:solidFill>
+                      <a:srgbClr val="FFFFFF"/>
+                    </a:solidFill>
+                  </a:tcPr>
+                </a:tc>
+                <a:extLst>
+                  <a:ext uri="{0D108BD9-81ED-4DB2-BD59-A6C34878D82A}">
+                    <a16:rowId xmlns:a16="http://schemas.microsoft.com/office/drawing/2014/main" val="667565472"/>
+                  </a:ext>
+                </a:extLst>
+              </a:tr>
+              <a:tr h="1392428">
+                <a:tc>
+                  <a:txBody>
+                    <a:bodyPr/>
+                    <a:lstStyle/>
+                    <a:p>
+                      <a:r>
+                        <a:rPr lang="en-US" sz="1700" b="1">
+                          <a:effectLst/>
+                        </a:rPr>
+                        <a:t>Handling Complexity</a:t>
+                      </a:r>
+                      <a:endParaRPr lang="en-US" sz="1700">
+                        <a:effectLst/>
+                      </a:endParaRPr>
+                    </a:p>
+                  </a:txBody>
+                  <a:tcPr marL="87027" marR="87027" marT="43513" marB="43513" anchor="ctr">
+                    <a:lnL>
+                      <a:noFill/>
+                    </a:lnL>
+                    <a:lnR>
+                      <a:noFill/>
+                    </a:lnR>
+                    <a:lnT>
+                      <a:noFill/>
+                    </a:lnT>
+                    <a:lnB>
+                      <a:noFill/>
+                    </a:lnB>
+                    <a:solidFill>
+                      <a:srgbClr val="FFFFFF"/>
+                    </a:solidFill>
+                  </a:tcPr>
+                </a:tc>
+                <a:tc>
+                  <a:txBody>
+                    <a:bodyPr/>
+                    <a:lstStyle/>
+                    <a:p>
+                      <a:r>
+                        <a:rPr lang="en-US" sz="1700">
+                          <a:effectLst/>
+                        </a:rPr>
+                        <a:t>The </a:t>
+                      </a:r>
+                      <a:r>
+                        <a:rPr lang="en-US" sz="1700" b="1">
+                          <a:effectLst/>
+                        </a:rPr>
+                        <a:t>number of iterations can be increased</a:t>
+                      </a:r>
+                      <a:r>
+                        <a:rPr lang="en-US" sz="1700">
+                          <a:effectLst/>
+                        </a:rPr>
+                        <a:t> for images with complicated layouts or styles, as these are harder to represent with a text prompt.</a:t>
+                      </a:r>
+                    </a:p>
+                  </a:txBody>
+                  <a:tcPr marL="87027" marR="87027" marT="43513" marB="43513" anchor="ctr">
+                    <a:lnL>
+                      <a:noFill/>
+                    </a:lnL>
+                    <a:lnR>
+                      <a:noFill/>
+                    </a:lnR>
+                    <a:lnT>
+                      <a:noFill/>
+                    </a:lnT>
+                    <a:lnB>
+                      <a:noFill/>
+                    </a:lnB>
+                    <a:solidFill>
+                      <a:srgbClr val="FFFFFF"/>
+                    </a:solidFill>
+                  </a:tcPr>
+                </a:tc>
+                <a:tc>
+                  <a:txBody>
+                    <a:bodyPr/>
+                    <a:lstStyle/>
+                    <a:p>
+                      <a:endParaRPr lang="zh-TW" altLang="en-US" sz="1700" dirty="0">
+                        <a:effectLst/>
+                      </a:endParaRPr>
+                    </a:p>
+                  </a:txBody>
+                  <a:tcPr marL="87027" marR="87027" marT="43513" marB="43513" anchor="ctr">
+                    <a:lnL>
+                      <a:noFill/>
+                    </a:lnL>
+                    <a:lnR>
+                      <a:noFill/>
+                    </a:lnR>
+                    <a:lnT>
+                      <a:noFill/>
+                    </a:lnT>
+                    <a:lnB>
+                      <a:noFill/>
+                    </a:lnB>
+                    <a:solidFill>
+                      <a:srgbClr val="FFFFFF"/>
+                    </a:solidFill>
+                  </a:tcPr>
+                </a:tc>
+                <a:extLst>
+                  <a:ext uri="{0D108BD9-81ED-4DB2-BD59-A6C34878D82A}">
+                    <a16:rowId xmlns:a16="http://schemas.microsoft.com/office/drawing/2014/main" val="2180865680"/>
+                  </a:ext>
+                </a:extLst>
+              </a:tr>
+            </a:tbl>
+          </a:graphicData>
+        </a:graphic>
+      </p:graphicFrame>
+    </p:spTree>
+    <p:extLst>
+      <p:ext uri="{BB962C8B-B14F-4D97-AF65-F5344CB8AC3E}">
+        <p14:creationId xmlns:p14="http://schemas.microsoft.com/office/powerpoint/2010/main" val="1147407298"/>
+      </p:ext>
+    </p:extLst>
+  </p:cSld>
+  <p:clrMapOvr>
+    <a:masterClrMapping/>
+  </p:clrMapOvr>
+</p:sld>
+</file>
+
+<file path=ppt/slides/slide12.xml><?xml version="1.0" encoding="utf-8"?>
 <p:sld xmlns:a="http://schemas.openxmlformats.org/drawingml/2006/main" xmlns:r="http://schemas.openxmlformats.org/officeDocument/2006/relationships" xmlns:p="http://schemas.openxmlformats.org/presentationml/2006/main">
   <p:cSld>
     <p:spTree>

--- a/diffusion書報/DDPM.pptx
+++ b/diffusion書報/DDPM.pptx
@@ -5,7 +5,7 @@
     <p:sldMasterId id="2147483648" r:id="rId1"/>
   </p:sldMasterIdLst>
   <p:notesMasterIdLst>
-    <p:notesMasterId r:id="rId14"/>
+    <p:notesMasterId r:id="rId16"/>
   </p:notesMasterIdLst>
   <p:sldIdLst>
     <p:sldId id="256" r:id="rId2"/>
@@ -19,7 +19,9 @@
     <p:sldId id="267" r:id="rId10"/>
     <p:sldId id="268" r:id="rId11"/>
     <p:sldId id="269" r:id="rId12"/>
-    <p:sldId id="266" r:id="rId13"/>
+    <p:sldId id="270" r:id="rId13"/>
+    <p:sldId id="271" r:id="rId14"/>
+    <p:sldId id="266" r:id="rId15"/>
   </p:sldIdLst>
   <p:sldSz cx="12192000" cy="6858000"/>
   <p:notesSz cx="6858000" cy="9144000"/>
@@ -239,7 +241,7 @@
           <a:p>
             <a:fld id="{67FDA4E6-A796-4A0A-8EA8-8E05E1787F05}" type="datetimeFigureOut">
               <a:rPr lang="zh-TW" altLang="en-US" smtClean="0"/>
-              <a:t>2025/9/24</a:t>
+              <a:t>2025/9/25</a:t>
             </a:fld>
             <a:endParaRPr lang="zh-TW" altLang="en-US"/>
           </a:p>
@@ -655,7 +657,358 @@
           <a:p>
             <a:fld id="{B8D0CE21-A827-46F8-BEFD-C23296934A6E}" type="slidenum">
               <a:rPr lang="zh-TW" altLang="en-US" smtClean="0"/>
+              <a:t>11</a:t>
+            </a:fld>
+            <a:endParaRPr lang="zh-TW" altLang="en-US"/>
+          </a:p>
+        </p:txBody>
+      </p:sp>
+    </p:spTree>
+    <p:extLst>
+      <p:ext uri="{BB962C8B-B14F-4D97-AF65-F5344CB8AC3E}">
+        <p14:creationId xmlns:p14="http://schemas.microsoft.com/office/powerpoint/2010/main" val="3838641039"/>
+      </p:ext>
+    </p:extLst>
+  </p:cSld>
+  <p:clrMapOvr>
+    <a:masterClrMapping/>
+  </p:clrMapOvr>
+</p:notes>
+</file>
+
+<file path=ppt/notesSlides/notesSlide11.xml><?xml version="1.0" encoding="utf-8"?>
+<p:notes xmlns:a="http://schemas.openxmlformats.org/drawingml/2006/main" xmlns:r="http://schemas.openxmlformats.org/officeDocument/2006/relationships" xmlns:p="http://schemas.openxmlformats.org/presentationml/2006/main">
+  <p:cSld>
+    <p:spTree>
+      <p:nvGrpSpPr>
+        <p:cNvPr id="1" name=""/>
+        <p:cNvGrpSpPr/>
+        <p:nvPr/>
+      </p:nvGrpSpPr>
+      <p:grpSpPr>
+        <a:xfrm>
+          <a:off x="0" y="0"/>
+          <a:ext cx="0" cy="0"/>
+          <a:chOff x="0" y="0"/>
+          <a:chExt cx="0" cy="0"/>
+        </a:xfrm>
+      </p:grpSpPr>
+      <p:sp>
+        <p:nvSpPr>
+          <p:cNvPr id="2" name="投影片圖像版面配置區 1"/>
+          <p:cNvSpPr>
+            <a:spLocks noGrp="1" noRot="1" noChangeAspect="1"/>
+          </p:cNvSpPr>
+          <p:nvPr>
+            <p:ph type="sldImg"/>
+          </p:nvPr>
+        </p:nvSpPr>
+        <p:spPr/>
+      </p:sp>
+      <p:sp>
+        <p:nvSpPr>
+          <p:cNvPr id="3" name="備忘稿版面配置區 2"/>
+          <p:cNvSpPr>
+            <a:spLocks noGrp="1"/>
+          </p:cNvSpPr>
+          <p:nvPr>
+            <p:ph type="body" idx="1"/>
+          </p:nvPr>
+        </p:nvSpPr>
+        <p:spPr/>
+        <p:txBody>
+          <a:bodyPr/>
+          <a:lstStyle/>
+          <a:p>
+            <a:r>
+              <a:rPr lang="zh-TW" altLang="en-US" dirty="0"/>
+              <a:t>使用 </a:t>
+            </a:r>
+            <a:r>
+              <a:rPr lang="en-US" altLang="zh-TW" dirty="0" err="1"/>
+              <a:t>OpenPose</a:t>
+            </a:r>
+            <a:r>
+              <a:rPr lang="en-US" altLang="zh-TW" dirty="0"/>
+              <a:t> </a:t>
+            </a:r>
+            <a:r>
+              <a:rPr lang="zh-TW" altLang="en-US" dirty="0"/>
+              <a:t>來獲取輸入影像的主體姿勢。如果輸入影像是風格化，則可能需要先使用 </a:t>
+            </a:r>
+            <a:r>
+              <a:rPr lang="en-US" altLang="zh-TW" dirty="0"/>
+              <a:t>LDM </a:t>
+            </a:r>
+            <a:r>
+              <a:rPr lang="zh-TW" altLang="en-US" dirty="0"/>
+              <a:t>進行</a:t>
+            </a:r>
+            <a:r>
+              <a:rPr lang="en-US" altLang="zh-TW" dirty="0"/>
+              <a:t>image-to-image translation</a:t>
+            </a:r>
+            <a:r>
+              <a:rPr lang="zh-TW" altLang="en-US" dirty="0"/>
+              <a:t>，將其轉換為類似照片的風格後，再套用 </a:t>
+            </a:r>
+            <a:r>
+              <a:rPr lang="en-US" altLang="zh-TW" dirty="0" err="1"/>
+              <a:t>OpenPose</a:t>
+            </a:r>
+            <a:endParaRPr lang="en-US" altLang="zh-TW" dirty="0"/>
+          </a:p>
+          <a:p>
+            <a:r>
+              <a:rPr lang="zh-TW" altLang="en-US" dirty="0"/>
+              <a:t>為了生成中間畫面，會對來自兩個輸入影像的所有共享關鍵點位置進行線性內插，以獲得中間姿勢</a:t>
+            </a:r>
+            <a:endParaRPr lang="en-US" altLang="zh-TW" dirty="0"/>
+          </a:p>
+          <a:p>
+            <a:r>
+              <a:rPr lang="zh-TW" altLang="en-US" dirty="0"/>
+              <a:t>提取並內插後的姿勢會作為條件輸入，使用 </a:t>
+            </a:r>
+            <a:r>
+              <a:rPr lang="en-US" altLang="zh-TW" dirty="0"/>
+              <a:t>ControlNet</a:t>
+            </a:r>
+            <a:r>
+              <a:rPr lang="zh-TW" altLang="en-US" dirty="0"/>
+              <a:t>提供給 </a:t>
+            </a:r>
+            <a:r>
+              <a:rPr lang="en-US" altLang="zh-TW" dirty="0"/>
+              <a:t>LDM </a:t>
+            </a:r>
+            <a:r>
+              <a:rPr lang="zh-TW" altLang="en-US" dirty="0"/>
+              <a:t>進行去噪</a:t>
+            </a:r>
+            <a:endParaRPr lang="en-US" altLang="zh-TW" dirty="0"/>
+          </a:p>
+          <a:p>
+            <a:r>
+              <a:rPr lang="zh-TW" altLang="en-US" b="0" i="0" dirty="0">
+                <a:solidFill>
+                  <a:srgbClr val="131314"/>
+                </a:solidFill>
+                <a:effectLst/>
+                <a:latin typeface="Google Sans Text"/>
+              </a:rPr>
+              <a:t>在整個內插流程中，去噪過程是同時受到內插的</a:t>
+            </a:r>
+            <a:r>
+              <a:rPr lang="en-US" altLang="zh-TW" b="0" i="0" dirty="0">
+                <a:solidFill>
+                  <a:srgbClr val="131314"/>
+                </a:solidFill>
+                <a:effectLst/>
+                <a:latin typeface="Google Sans Text"/>
+              </a:rPr>
+              <a:t>text embeddings</a:t>
+            </a:r>
+            <a:r>
+              <a:rPr lang="zh-TW" altLang="en-US" b="0" i="0" dirty="0">
+                <a:solidFill>
+                  <a:srgbClr val="131314"/>
+                </a:solidFill>
+                <a:effectLst/>
+                <a:latin typeface="Google Sans Text"/>
+              </a:rPr>
+              <a:t>以及可選地主體姿勢的條件控制</a:t>
+            </a:r>
+            <a:endParaRPr lang="zh-TW" altLang="en-US" dirty="0"/>
+          </a:p>
+        </p:txBody>
+      </p:sp>
+      <p:sp>
+        <p:nvSpPr>
+          <p:cNvPr id="4" name="投影片編號版面配置區 3"/>
+          <p:cNvSpPr>
+            <a:spLocks noGrp="1"/>
+          </p:cNvSpPr>
+          <p:nvPr>
+            <p:ph type="sldNum" sz="quarter" idx="10"/>
+          </p:nvPr>
+        </p:nvSpPr>
+        <p:spPr/>
+        <p:txBody>
+          <a:bodyPr/>
+          <a:lstStyle/>
+          <a:p>
+            <a:fld id="{B8D0CE21-A827-46F8-BEFD-C23296934A6E}" type="slidenum">
+              <a:rPr lang="zh-TW" altLang="en-US" smtClean="0"/>
               <a:t>12</a:t>
+            </a:fld>
+            <a:endParaRPr lang="zh-TW" altLang="en-US"/>
+          </a:p>
+        </p:txBody>
+      </p:sp>
+    </p:spTree>
+    <p:extLst>
+      <p:ext uri="{BB962C8B-B14F-4D97-AF65-F5344CB8AC3E}">
+        <p14:creationId xmlns:p14="http://schemas.microsoft.com/office/powerpoint/2010/main" val="2412412692"/>
+      </p:ext>
+    </p:extLst>
+  </p:cSld>
+  <p:clrMapOvr>
+    <a:masterClrMapping/>
+  </p:clrMapOvr>
+</p:notes>
+</file>
+
+<file path=ppt/notesSlides/notesSlide12.xml><?xml version="1.0" encoding="utf-8"?>
+<p:notes xmlns:a="http://schemas.openxmlformats.org/drawingml/2006/main" xmlns:r="http://schemas.openxmlformats.org/officeDocument/2006/relationships" xmlns:p="http://schemas.openxmlformats.org/presentationml/2006/main">
+  <p:cSld>
+    <p:spTree>
+      <p:nvGrpSpPr>
+        <p:cNvPr id="1" name=""/>
+        <p:cNvGrpSpPr/>
+        <p:nvPr/>
+      </p:nvGrpSpPr>
+      <p:grpSpPr>
+        <a:xfrm>
+          <a:off x="0" y="0"/>
+          <a:ext cx="0" cy="0"/>
+          <a:chOff x="0" y="0"/>
+          <a:chExt cx="0" cy="0"/>
+        </a:xfrm>
+      </p:grpSpPr>
+      <p:sp>
+        <p:nvSpPr>
+          <p:cNvPr id="2" name="投影片圖像版面配置區 1"/>
+          <p:cNvSpPr>
+            <a:spLocks noGrp="1" noRot="1" noChangeAspect="1"/>
+          </p:cNvSpPr>
+          <p:nvPr>
+            <p:ph type="sldImg"/>
+          </p:nvPr>
+        </p:nvSpPr>
+        <p:spPr/>
+      </p:sp>
+      <p:sp>
+        <p:nvSpPr>
+          <p:cNvPr id="3" name="備忘稿版面配置區 2"/>
+          <p:cNvSpPr>
+            <a:spLocks noGrp="1"/>
+          </p:cNvSpPr>
+          <p:nvPr>
+            <p:ph type="body" idx="1"/>
+          </p:nvPr>
+        </p:nvSpPr>
+        <p:spPr/>
+        <p:txBody>
+          <a:bodyPr/>
+          <a:lstStyle/>
+          <a:p>
+            <a:endParaRPr lang="zh-TW" altLang="en-US" dirty="0"/>
+          </a:p>
+        </p:txBody>
+      </p:sp>
+      <p:sp>
+        <p:nvSpPr>
+          <p:cNvPr id="4" name="投影片編號版面配置區 3"/>
+          <p:cNvSpPr>
+            <a:spLocks noGrp="1"/>
+          </p:cNvSpPr>
+          <p:nvPr>
+            <p:ph type="sldNum" sz="quarter" idx="10"/>
+          </p:nvPr>
+        </p:nvSpPr>
+        <p:spPr/>
+        <p:txBody>
+          <a:bodyPr/>
+          <a:lstStyle/>
+          <a:p>
+            <a:fld id="{B8D0CE21-A827-46F8-BEFD-C23296934A6E}" type="slidenum">
+              <a:rPr lang="zh-TW" altLang="en-US" smtClean="0"/>
+              <a:t>13</a:t>
+            </a:fld>
+            <a:endParaRPr lang="zh-TW" altLang="en-US"/>
+          </a:p>
+        </p:txBody>
+      </p:sp>
+    </p:spTree>
+    <p:extLst>
+      <p:ext uri="{BB962C8B-B14F-4D97-AF65-F5344CB8AC3E}">
+        <p14:creationId xmlns:p14="http://schemas.microsoft.com/office/powerpoint/2010/main" val="2628709785"/>
+      </p:ext>
+    </p:extLst>
+  </p:cSld>
+  <p:clrMapOvr>
+    <a:masterClrMapping/>
+  </p:clrMapOvr>
+</p:notes>
+</file>
+
+<file path=ppt/notesSlides/notesSlide13.xml><?xml version="1.0" encoding="utf-8"?>
+<p:notes xmlns:a="http://schemas.openxmlformats.org/drawingml/2006/main" xmlns:r="http://schemas.openxmlformats.org/officeDocument/2006/relationships" xmlns:p="http://schemas.openxmlformats.org/presentationml/2006/main">
+  <p:cSld>
+    <p:spTree>
+      <p:nvGrpSpPr>
+        <p:cNvPr id="1" name=""/>
+        <p:cNvGrpSpPr/>
+        <p:nvPr/>
+      </p:nvGrpSpPr>
+      <p:grpSpPr>
+        <a:xfrm>
+          <a:off x="0" y="0"/>
+          <a:ext cx="0" cy="0"/>
+          <a:chOff x="0" y="0"/>
+          <a:chExt cx="0" cy="0"/>
+        </a:xfrm>
+      </p:grpSpPr>
+      <p:sp>
+        <p:nvSpPr>
+          <p:cNvPr id="2" name="投影片圖像版面配置區 1"/>
+          <p:cNvSpPr>
+            <a:spLocks noGrp="1" noRot="1" noChangeAspect="1"/>
+          </p:cNvSpPr>
+          <p:nvPr>
+            <p:ph type="sldImg"/>
+          </p:nvPr>
+        </p:nvSpPr>
+        <p:spPr/>
+      </p:sp>
+      <p:sp>
+        <p:nvSpPr>
+          <p:cNvPr id="3" name="備忘稿版面配置區 2"/>
+          <p:cNvSpPr>
+            <a:spLocks noGrp="1"/>
+          </p:cNvSpPr>
+          <p:nvPr>
+            <p:ph type="body" idx="1"/>
+          </p:nvPr>
+        </p:nvSpPr>
+        <p:spPr/>
+        <p:txBody>
+          <a:bodyPr/>
+          <a:lstStyle/>
+          <a:p>
+            <a:endParaRPr lang="zh-TW" altLang="en-US" dirty="0"/>
+          </a:p>
+        </p:txBody>
+      </p:sp>
+      <p:sp>
+        <p:nvSpPr>
+          <p:cNvPr id="4" name="投影片編號版面配置區 3"/>
+          <p:cNvSpPr>
+            <a:spLocks noGrp="1"/>
+          </p:cNvSpPr>
+          <p:nvPr>
+            <p:ph type="sldNum" sz="quarter" idx="10"/>
+          </p:nvPr>
+        </p:nvSpPr>
+        <p:spPr/>
+        <p:txBody>
+          <a:bodyPr/>
+          <a:lstStyle/>
+          <a:p>
+            <a:fld id="{B8D0CE21-A827-46F8-BEFD-C23296934A6E}" type="slidenum">
+              <a:rPr lang="zh-TW" altLang="en-US" smtClean="0"/>
+              <a:t>14</a:t>
             </a:fld>
             <a:endParaRPr lang="zh-TW" altLang="en-US"/>
           </a:p>
@@ -1238,7 +1591,7 @@
       </p:grpSpPr>
       <p:sp>
         <p:nvSpPr>
-          <p:cNvPr id="2" name="投影片圖像版面配置區 1"/>
+          <p:cNvPr id="2" name="投影片影像版面配置區 1"/>
           <p:cNvSpPr>
             <a:spLocks noGrp="1" noRot="1" noChangeAspect="1"/>
           </p:cNvSpPr>
@@ -1263,15 +1616,67 @@
           <a:bodyPr/>
           <a:lstStyle/>
           <a:p>
+            <a:pPr rtl="0" fontAlgn="auto"/>
             <a:r>
               <a:rPr lang="zh-TW" altLang="en-US" dirty="0"/>
-              <a:t>用三種資料進入</a:t>
-            </a:r>
-            <a:r>
-              <a:rPr lang="en-US" altLang="zh-TW"/>
-              <a:t>latent diffusion model</a:t>
-            </a:r>
-            <a:endParaRPr lang="zh-TW" altLang="en-US" dirty="0"/>
+              <a:t>去噪</a:t>
+            </a:r>
+            <a:r>
+              <a:rPr lang="en-US" altLang="zh-TW" dirty="0"/>
+              <a:t>U-Net</a:t>
+            </a:r>
+            <a:r>
+              <a:rPr lang="zh-TW" altLang="en-US" dirty="0"/>
+              <a:t>：這是模型的核心部分，負責在擴散過程中逐步去除雜訊，並利用交叉注意力機制整合來自條件模塊的資訊。 </a:t>
+            </a:r>
+            <a:endParaRPr lang="en-US" altLang="zh-TW" dirty="0"/>
+          </a:p>
+          <a:p>
+            <a:pPr rtl="0" fontAlgn="auto"/>
+            <a:r>
+              <a:rPr lang="zh-TW" altLang="en-US" dirty="0"/>
+              <a:t>型可以接受多種形式的條件輸入，例如語義圖（</a:t>
+            </a:r>
+            <a:r>
+              <a:rPr lang="en-US" altLang="zh-TW" dirty="0"/>
+              <a:t>Semantic Map</a:t>
+            </a:r>
+            <a:r>
+              <a:rPr lang="zh-TW" altLang="en-US" dirty="0"/>
+              <a:t>）、文本（</a:t>
+            </a:r>
+            <a:r>
+              <a:rPr lang="en-US" altLang="zh-TW" dirty="0"/>
+              <a:t>Text</a:t>
+            </a:r>
+            <a:r>
+              <a:rPr lang="zh-TW" altLang="en-US" dirty="0"/>
+              <a:t>）、表示（</a:t>
+            </a:r>
+            <a:r>
+              <a:rPr lang="en-US" altLang="zh-TW" dirty="0"/>
+              <a:t>Representations</a:t>
+            </a:r>
+            <a:r>
+              <a:rPr lang="zh-TW" altLang="en-US" dirty="0"/>
+              <a:t>）或圖像（</a:t>
+            </a:r>
+            <a:r>
+              <a:rPr lang="en-US" altLang="zh-TW" dirty="0"/>
+              <a:t>Images</a:t>
+            </a:r>
+            <a:r>
+              <a:rPr lang="zh-TW" altLang="en-US" dirty="0"/>
+              <a:t>），這些條件透過處理後影響去噪</a:t>
+            </a:r>
+            <a:r>
+              <a:rPr lang="en-US" altLang="zh-TW" dirty="0"/>
+              <a:t>U-Net </a:t>
+            </a:r>
+            <a:r>
+              <a:rPr lang="zh-TW" altLang="en-US" dirty="0"/>
+              <a:t>的生成過程。</a:t>
+            </a:r>
           </a:p>
         </p:txBody>
       </p:sp>
@@ -1282,7 +1687,7 @@
             <a:spLocks noGrp="1"/>
           </p:cNvSpPr>
           <p:nvPr>
-            <p:ph type="sldNum" sz="quarter" idx="10"/>
+            <p:ph type="sldNum" sz="quarter" idx="5"/>
           </p:nvPr>
         </p:nvSpPr>
         <p:spPr/>
@@ -1292,7 +1697,7 @@
           <a:p>
             <a:fld id="{B8D0CE21-A827-46F8-BEFD-C23296934A6E}" type="slidenum">
               <a:rPr lang="zh-TW" altLang="en-US" smtClean="0"/>
-              <a:t>8</a:t>
+              <a:t>7</a:t>
             </a:fld>
             <a:endParaRPr lang="zh-TW" altLang="en-US"/>
           </a:p>
@@ -1301,7 +1706,7 @@
     </p:spTree>
     <p:extLst>
       <p:ext uri="{BB962C8B-B14F-4D97-AF65-F5344CB8AC3E}">
-        <p14:creationId xmlns:p14="http://schemas.microsoft.com/office/powerpoint/2010/main" val="2467602598"/>
+        <p14:creationId xmlns:p14="http://schemas.microsoft.com/office/powerpoint/2010/main" val="802712465"/>
       </p:ext>
     </p:extLst>
   </p:cSld>
@@ -1356,24 +1761,12 @@
           <a:lstStyle/>
           <a:p>
             <a:r>
-              <a:rPr lang="en-US" altLang="zh-TW" dirty="0"/>
-              <a:t>DDIM</a:t>
-            </a:r>
-            <a:r>
               <a:rPr lang="zh-TW" altLang="en-US" dirty="0"/>
-              <a:t>是</a:t>
-            </a:r>
-            <a:r>
-              <a:rPr lang="en-US" altLang="zh-TW" sz="1200" b="0" i="0" kern="1200" dirty="0">
-                <a:solidFill>
-                  <a:schemeClr val="tx1"/>
-                </a:solidFill>
-                <a:effectLst/>
-                <a:latin typeface="+mn-lt"/>
-                <a:ea typeface="+mn-ea"/>
-                <a:cs typeface="+mn-cs"/>
-              </a:rPr>
-              <a:t>denoising diffusion implicit models</a:t>
+              <a:t>用三種資料進入</a:t>
+            </a:r>
+            <a:r>
+              <a:rPr lang="en-US" altLang="zh-TW"/>
+              <a:t>latent diffusion model</a:t>
             </a:r>
             <a:endParaRPr lang="zh-TW" altLang="en-US" dirty="0"/>
           </a:p>
@@ -1396,7 +1789,7 @@
           <a:p>
             <a:fld id="{B8D0CE21-A827-46F8-BEFD-C23296934A6E}" type="slidenum">
               <a:rPr lang="zh-TW" altLang="en-US" smtClean="0"/>
-              <a:t>9</a:t>
+              <a:t>8</a:t>
             </a:fld>
             <a:endParaRPr lang="zh-TW" altLang="en-US"/>
           </a:p>
@@ -1405,7 +1798,7 @@
     </p:spTree>
     <p:extLst>
       <p:ext uri="{BB962C8B-B14F-4D97-AF65-F5344CB8AC3E}">
-        <p14:creationId xmlns:p14="http://schemas.microsoft.com/office/powerpoint/2010/main" val="178911121"/>
+        <p14:creationId xmlns:p14="http://schemas.microsoft.com/office/powerpoint/2010/main" val="2467602598"/>
       </p:ext>
     </p:extLst>
   </p:cSld>
@@ -1459,6 +1852,26 @@
           <a:bodyPr/>
           <a:lstStyle/>
           <a:p>
+            <a:r>
+              <a:rPr lang="en-US" altLang="zh-TW" dirty="0"/>
+              <a:t>DDIM</a:t>
+            </a:r>
+            <a:r>
+              <a:rPr lang="zh-TW" altLang="en-US" dirty="0"/>
+              <a:t>是</a:t>
+            </a:r>
+            <a:r>
+              <a:rPr lang="en-US" altLang="zh-TW" sz="1200" b="0" i="0" kern="1200" dirty="0">
+                <a:solidFill>
+                  <a:schemeClr val="tx1"/>
+                </a:solidFill>
+                <a:effectLst/>
+                <a:latin typeface="+mn-lt"/>
+                <a:ea typeface="+mn-ea"/>
+                <a:cs typeface="+mn-cs"/>
+              </a:rPr>
+              <a:t>denoising diffusion implicit models</a:t>
+            </a:r>
             <a:endParaRPr lang="zh-TW" altLang="en-US" dirty="0"/>
           </a:p>
         </p:txBody>
@@ -1480,7 +1893,7 @@
           <a:p>
             <a:fld id="{B8D0CE21-A827-46F8-BEFD-C23296934A6E}" type="slidenum">
               <a:rPr lang="zh-TW" altLang="en-US" smtClean="0"/>
-              <a:t>10</a:t>
+              <a:t>9</a:t>
             </a:fld>
             <a:endParaRPr lang="zh-TW" altLang="en-US"/>
           </a:p>
@@ -1489,7 +1902,7 @@
     </p:spTree>
     <p:extLst>
       <p:ext uri="{BB962C8B-B14F-4D97-AF65-F5344CB8AC3E}">
-        <p14:creationId xmlns:p14="http://schemas.microsoft.com/office/powerpoint/2010/main" val="732014916"/>
+        <p14:creationId xmlns:p14="http://schemas.microsoft.com/office/powerpoint/2010/main" val="178911121"/>
       </p:ext>
     </p:extLst>
   </p:cSld>
@@ -1564,7 +1977,7 @@
           <a:p>
             <a:fld id="{B8D0CE21-A827-46F8-BEFD-C23296934A6E}" type="slidenum">
               <a:rPr lang="zh-TW" altLang="en-US" smtClean="0"/>
-              <a:t>11</a:t>
+              <a:t>10</a:t>
             </a:fld>
             <a:endParaRPr lang="zh-TW" altLang="en-US"/>
           </a:p>
@@ -1573,7 +1986,7 @@
     </p:spTree>
     <p:extLst>
       <p:ext uri="{BB962C8B-B14F-4D97-AF65-F5344CB8AC3E}">
-        <p14:creationId xmlns:p14="http://schemas.microsoft.com/office/powerpoint/2010/main" val="3838641039"/>
+        <p14:creationId xmlns:p14="http://schemas.microsoft.com/office/powerpoint/2010/main" val="732014916"/>
       </p:ext>
     </p:extLst>
   </p:cSld>
@@ -1730,7 +2143,7 @@
           <a:p>
             <a:fld id="{879B64F2-2B7B-48CE-A93F-F01CBE8AC1ED}" type="datetimeFigureOut">
               <a:rPr lang="zh-TW" altLang="en-US" smtClean="0"/>
-              <a:t>2025/9/24</a:t>
+              <a:t>2025/9/25</a:t>
             </a:fld>
             <a:endParaRPr lang="zh-TW" altLang="en-US"/>
           </a:p>
@@ -1928,7 +2341,7 @@
           <a:p>
             <a:fld id="{879B64F2-2B7B-48CE-A93F-F01CBE8AC1ED}" type="datetimeFigureOut">
               <a:rPr lang="zh-TW" altLang="en-US" smtClean="0"/>
-              <a:t>2025/9/24</a:t>
+              <a:t>2025/9/25</a:t>
             </a:fld>
             <a:endParaRPr lang="zh-TW" altLang="en-US"/>
           </a:p>
@@ -2136,7 +2549,7 @@
           <a:p>
             <a:fld id="{879B64F2-2B7B-48CE-A93F-F01CBE8AC1ED}" type="datetimeFigureOut">
               <a:rPr lang="zh-TW" altLang="en-US" smtClean="0"/>
-              <a:t>2025/9/24</a:t>
+              <a:t>2025/9/25</a:t>
             </a:fld>
             <a:endParaRPr lang="zh-TW" altLang="en-US"/>
           </a:p>
@@ -2334,7 +2747,7 @@
           <a:p>
             <a:fld id="{879B64F2-2B7B-48CE-A93F-F01CBE8AC1ED}" type="datetimeFigureOut">
               <a:rPr lang="zh-TW" altLang="en-US" smtClean="0"/>
-              <a:t>2025/9/24</a:t>
+              <a:t>2025/9/25</a:t>
             </a:fld>
             <a:endParaRPr lang="zh-TW" altLang="en-US"/>
           </a:p>
@@ -2609,7 +3022,7 @@
           <a:p>
             <a:fld id="{879B64F2-2B7B-48CE-A93F-F01CBE8AC1ED}" type="datetimeFigureOut">
               <a:rPr lang="zh-TW" altLang="en-US" smtClean="0"/>
-              <a:t>2025/9/24</a:t>
+              <a:t>2025/9/25</a:t>
             </a:fld>
             <a:endParaRPr lang="zh-TW" altLang="en-US"/>
           </a:p>
@@ -2874,7 +3287,7 @@
           <a:p>
             <a:fld id="{879B64F2-2B7B-48CE-A93F-F01CBE8AC1ED}" type="datetimeFigureOut">
               <a:rPr lang="zh-TW" altLang="en-US" smtClean="0"/>
-              <a:t>2025/9/24</a:t>
+              <a:t>2025/9/25</a:t>
             </a:fld>
             <a:endParaRPr lang="zh-TW" altLang="en-US"/>
           </a:p>
@@ -3286,7 +3699,7 @@
           <a:p>
             <a:fld id="{879B64F2-2B7B-48CE-A93F-F01CBE8AC1ED}" type="datetimeFigureOut">
               <a:rPr lang="zh-TW" altLang="en-US" smtClean="0"/>
-              <a:t>2025/9/24</a:t>
+              <a:t>2025/9/25</a:t>
             </a:fld>
             <a:endParaRPr lang="zh-TW" altLang="en-US"/>
           </a:p>
@@ -3427,7 +3840,7 @@
           <a:p>
             <a:fld id="{879B64F2-2B7B-48CE-A93F-F01CBE8AC1ED}" type="datetimeFigureOut">
               <a:rPr lang="zh-TW" altLang="en-US" smtClean="0"/>
-              <a:t>2025/9/24</a:t>
+              <a:t>2025/9/25</a:t>
             </a:fld>
             <a:endParaRPr lang="zh-TW" altLang="en-US"/>
           </a:p>
@@ -3540,7 +3953,7 @@
           <a:p>
             <a:fld id="{879B64F2-2B7B-48CE-A93F-F01CBE8AC1ED}" type="datetimeFigureOut">
               <a:rPr lang="zh-TW" altLang="en-US" smtClean="0"/>
-              <a:t>2025/9/24</a:t>
+              <a:t>2025/9/25</a:t>
             </a:fld>
             <a:endParaRPr lang="zh-TW" altLang="en-US"/>
           </a:p>
@@ -3851,7 +4264,7 @@
           <a:p>
             <a:fld id="{879B64F2-2B7B-48CE-A93F-F01CBE8AC1ED}" type="datetimeFigureOut">
               <a:rPr lang="zh-TW" altLang="en-US" smtClean="0"/>
-              <a:t>2025/9/24</a:t>
+              <a:t>2025/9/25</a:t>
             </a:fld>
             <a:endParaRPr lang="zh-TW" altLang="en-US"/>
           </a:p>
@@ -4139,7 +4552,7 @@
           <a:p>
             <a:fld id="{879B64F2-2B7B-48CE-A93F-F01CBE8AC1ED}" type="datetimeFigureOut">
               <a:rPr lang="zh-TW" altLang="en-US" smtClean="0"/>
-              <a:t>2025/9/24</a:t>
+              <a:t>2025/9/25</a:t>
             </a:fld>
             <a:endParaRPr lang="zh-TW" altLang="en-US"/>
           </a:p>
@@ -4380,7 +4793,7 @@
           <a:p>
             <a:fld id="{879B64F2-2B7B-48CE-A93F-F01CBE8AC1ED}" type="datetimeFigureOut">
               <a:rPr lang="zh-TW" altLang="en-US" smtClean="0"/>
-              <a:t>2025/9/24</a:t>
+              <a:t>2025/9/25</a:t>
             </a:fld>
             <a:endParaRPr lang="zh-TW" altLang="en-US"/>
           </a:p>
@@ -5107,525 +5520,126 @@
           </a:p>
         </p:txBody>
       </p:sp>
-      <p:graphicFrame>
-        <p:nvGraphicFramePr>
-          <p:cNvPr id="3" name="表格 2">
-            <a:extLst>
-              <a:ext uri="{FF2B5EF4-FFF2-40B4-BE49-F238E27FC236}">
-                <a16:creationId xmlns:a16="http://schemas.microsoft.com/office/drawing/2014/main" id="{2C3CF631-F445-4A40-8ED2-7CC4DD9C586F}"/>
-              </a:ext>
-            </a:extLst>
-          </p:cNvPr>
-          <p:cNvGraphicFramePr>
-            <a:graphicFrameLocks noGrp="1"/>
-          </p:cNvGraphicFramePr>
-          <p:nvPr>
-            <p:extLst>
-              <p:ext uri="{D42A27DB-BD31-4B8C-83A1-F6EECF244321}">
-                <p14:modId xmlns:p14="http://schemas.microsoft.com/office/powerpoint/2010/main" val="1676380651"/>
-              </p:ext>
-            </p:extLst>
-          </p:nvPr>
-        </p:nvGraphicFramePr>
-        <p:xfrm>
-          <a:off x="874247" y="1488168"/>
-          <a:ext cx="10008078" cy="4351338"/>
-        </p:xfrm>
-        <a:graphic>
-          <a:graphicData uri="http://schemas.openxmlformats.org/drawingml/2006/table">
-            <a:tbl>
-              <a:tblPr/>
-              <a:tblGrid>
-                <a:gridCol w="3336026">
-                  <a:extLst>
-                    <a:ext uri="{9D8B030D-6E8A-4147-A177-3AD203B41FA5}">
-                      <a16:colId xmlns:a16="http://schemas.microsoft.com/office/drawing/2014/main" val="4273250404"/>
-                    </a:ext>
-                  </a:extLst>
-                </a:gridCol>
-                <a:gridCol w="3336026">
-                  <a:extLst>
-                    <a:ext uri="{9D8B030D-6E8A-4147-A177-3AD203B41FA5}">
-                      <a16:colId xmlns:a16="http://schemas.microsoft.com/office/drawing/2014/main" val="1121274125"/>
-                    </a:ext>
-                  </a:extLst>
-                </a:gridCol>
-                <a:gridCol w="3336026">
-                  <a:extLst>
-                    <a:ext uri="{9D8B030D-6E8A-4147-A177-3AD203B41FA5}">
-                      <a16:colId xmlns:a16="http://schemas.microsoft.com/office/drawing/2014/main" val="478876390"/>
-                    </a:ext>
-                  </a:extLst>
-                </a:gridCol>
-              </a:tblGrid>
-              <a:tr h="348107">
-                <a:tc>
-                  <a:txBody>
-                    <a:bodyPr/>
-                    <a:lstStyle/>
-                    <a:p>
-                      <a:endParaRPr lang="zh-TW" altLang="en-US" sz="1700" dirty="0"/>
-                    </a:p>
-                  </a:txBody>
-                  <a:tcPr marL="87027" marR="87027" marT="43513" marB="43513"/>
-                </a:tc>
-                <a:tc>
-                  <a:txBody>
-                    <a:bodyPr/>
-                    <a:lstStyle/>
-                    <a:p>
-                      <a:endParaRPr lang="zh-TW" altLang="en-US" sz="1700"/>
-                    </a:p>
-                  </a:txBody>
-                  <a:tcPr marL="87027" marR="87027" marT="43513" marB="43513"/>
-                </a:tc>
-                <a:tc>
-                  <a:txBody>
-                    <a:bodyPr/>
-                    <a:lstStyle/>
-                    <a:p>
-                      <a:endParaRPr lang="zh-TW" altLang="en-US" sz="1700"/>
-                    </a:p>
-                  </a:txBody>
-                  <a:tcPr marL="87027" marR="87027" marT="43513" marB="43513"/>
-                </a:tc>
-                <a:extLst>
-                  <a:ext uri="{0D108BD9-81ED-4DB2-BD59-A6C34878D82A}">
-                    <a16:rowId xmlns:a16="http://schemas.microsoft.com/office/drawing/2014/main" val="1980161582"/>
-                  </a:ext>
-                </a:extLst>
-              </a:tr>
-              <a:tr h="348107">
-                <a:tc>
-                  <a:txBody>
-                    <a:bodyPr/>
-                    <a:lstStyle/>
-                    <a:p>
-                      <a:r>
-                        <a:rPr lang="en-US" sz="1700">
-                          <a:effectLst/>
-                        </a:rPr>
-                        <a:t>Item</a:t>
-                      </a:r>
-                    </a:p>
-                  </a:txBody>
-                  <a:tcPr marL="87027" marR="87027" marT="43513" marB="43513" anchor="ctr">
-                    <a:lnL>
-                      <a:noFill/>
-                    </a:lnL>
-                    <a:lnR>
-                      <a:noFill/>
-                    </a:lnR>
-                    <a:lnB>
-                      <a:noFill/>
-                    </a:lnB>
-                    <a:solidFill>
-                      <a:srgbClr val="FFFFFF"/>
-                    </a:solidFill>
-                  </a:tcPr>
-                </a:tc>
-                <a:tc>
-                  <a:txBody>
-                    <a:bodyPr/>
-                    <a:lstStyle/>
-                    <a:p>
-                      <a:r>
-                        <a:rPr lang="en-US" sz="1700">
-                          <a:effectLst/>
-                        </a:rPr>
-                        <a:t>Detail Description</a:t>
-                      </a:r>
-                    </a:p>
-                  </a:txBody>
-                  <a:tcPr marL="87027" marR="87027" marT="43513" marB="43513" anchor="ctr">
-                    <a:lnL>
-                      <a:noFill/>
-                    </a:lnL>
-                    <a:lnR>
-                      <a:noFill/>
-                    </a:lnR>
-                    <a:lnB>
-                      <a:noFill/>
-                    </a:lnB>
-                    <a:solidFill>
-                      <a:srgbClr val="FFFFFF"/>
-                    </a:solidFill>
-                  </a:tcPr>
-                </a:tc>
-                <a:tc>
-                  <a:txBody>
-                    <a:bodyPr/>
-                    <a:lstStyle/>
-                    <a:p>
-                      <a:r>
-                        <a:rPr lang="en-US" sz="1700">
-                          <a:effectLst/>
-                        </a:rPr>
-                        <a:t>Source</a:t>
-                      </a:r>
-                    </a:p>
-                  </a:txBody>
-                  <a:tcPr marL="87027" marR="87027" marT="43513" marB="43513" anchor="ctr">
-                    <a:lnL>
-                      <a:noFill/>
-                    </a:lnL>
-                    <a:lnR>
-                      <a:noFill/>
-                    </a:lnR>
-                    <a:lnB>
-                      <a:noFill/>
-                    </a:lnB>
-                    <a:solidFill>
-                      <a:srgbClr val="FFFFFF"/>
-                    </a:solidFill>
-                  </a:tcPr>
-                </a:tc>
-                <a:extLst>
-                  <a:ext uri="{0D108BD9-81ED-4DB2-BD59-A6C34878D82A}">
-                    <a16:rowId xmlns:a16="http://schemas.microsoft.com/office/drawing/2014/main" val="1189160599"/>
-                  </a:ext>
-                </a:extLst>
-              </a:tr>
-              <a:tr h="870268">
-                <a:tc>
-                  <a:txBody>
-                    <a:bodyPr/>
-                    <a:lstStyle/>
-                    <a:p>
-                      <a:r>
-                        <a:rPr lang="en-US" sz="1700" b="1">
-                          <a:effectLst/>
-                        </a:rPr>
-                        <a:t>Prompt Types</a:t>
-                      </a:r>
-                      <a:endParaRPr lang="en-US" sz="1700">
-                        <a:effectLst/>
-                      </a:endParaRPr>
-                    </a:p>
-                  </a:txBody>
-                  <a:tcPr marL="87027" marR="87027" marT="43513" marB="43513" anchor="ctr">
-                    <a:lnL>
-                      <a:noFill/>
-                    </a:lnL>
-                    <a:lnR>
-                      <a:noFill/>
-                    </a:lnR>
-                    <a:lnT>
-                      <a:noFill/>
-                    </a:lnT>
-                    <a:lnB>
-                      <a:noFill/>
-                    </a:lnB>
-                    <a:solidFill>
-                      <a:srgbClr val="FFFFFF"/>
-                    </a:solidFill>
-                  </a:tcPr>
-                </a:tc>
-                <a:tc>
-                  <a:txBody>
-                    <a:bodyPr/>
-                    <a:lstStyle/>
-                    <a:p>
-                      <a:r>
-                        <a:rPr lang="en-US" sz="1700">
-                          <a:effectLst/>
-                        </a:rPr>
-                        <a:t>Both </a:t>
-                      </a:r>
-                      <a:r>
-                        <a:rPr lang="en-US" sz="1700" b="1">
-                          <a:effectLst/>
-                        </a:rPr>
-                        <a:t>positive and negative text prompts</a:t>
-                      </a:r>
-                      <a:r>
-                        <a:rPr lang="en-US" sz="1700">
-                          <a:effectLst/>
-                        </a:rPr>
-                        <a:t> are used and optimized during the process.</a:t>
-                      </a:r>
-                    </a:p>
-                  </a:txBody>
-                  <a:tcPr marL="87027" marR="87027" marT="43513" marB="43513" anchor="ctr">
-                    <a:lnL>
-                      <a:noFill/>
-                    </a:lnL>
-                    <a:lnR>
-                      <a:noFill/>
-                    </a:lnR>
-                    <a:lnT>
-                      <a:noFill/>
-                    </a:lnT>
-                    <a:lnB>
-                      <a:noFill/>
-                    </a:lnB>
-                    <a:solidFill>
-                      <a:srgbClr val="FFFFFF"/>
-                    </a:solidFill>
-                  </a:tcPr>
-                </a:tc>
-                <a:tc>
-                  <a:txBody>
-                    <a:bodyPr/>
-                    <a:lstStyle/>
-                    <a:p>
-                      <a:endParaRPr lang="zh-TW" altLang="en-US" sz="1700">
-                        <a:effectLst/>
-                      </a:endParaRPr>
-                    </a:p>
-                  </a:txBody>
-                  <a:tcPr marL="87027" marR="87027" marT="43513" marB="43513" anchor="ctr">
-                    <a:lnL>
-                      <a:noFill/>
-                    </a:lnL>
-                    <a:lnR>
-                      <a:noFill/>
-                    </a:lnR>
-                    <a:lnT>
-                      <a:noFill/>
-                    </a:lnT>
-                    <a:lnB>
-                      <a:noFill/>
-                    </a:lnB>
-                    <a:solidFill>
-                      <a:srgbClr val="FFFFFF"/>
-                    </a:solidFill>
-                  </a:tcPr>
-                </a:tc>
-                <a:extLst>
-                  <a:ext uri="{0D108BD9-81ED-4DB2-BD59-A6C34878D82A}">
-                    <a16:rowId xmlns:a16="http://schemas.microsoft.com/office/drawing/2014/main" val="1691943690"/>
-                  </a:ext>
-                </a:extLst>
-              </a:tr>
-              <a:tr h="1392428">
-                <a:tc>
-                  <a:txBody>
-                    <a:bodyPr/>
-                    <a:lstStyle/>
-                    <a:p>
-                      <a:r>
-                        <a:rPr lang="en-US" sz="1700" b="1">
-                          <a:effectLst/>
-                        </a:rPr>
-                        <a:t>Scope of Optimization</a:t>
-                      </a:r>
-                      <a:endParaRPr lang="en-US" sz="1700">
-                        <a:effectLst/>
-                      </a:endParaRPr>
-                    </a:p>
-                  </a:txBody>
-                  <a:tcPr marL="87027" marR="87027" marT="43513" marB="43513" anchor="ctr">
-                    <a:lnL>
-                      <a:noFill/>
-                    </a:lnL>
-                    <a:lnR>
-                      <a:noFill/>
-                    </a:lnR>
-                    <a:lnT>
-                      <a:noFill/>
-                    </a:lnT>
-                    <a:lnB>
-                      <a:noFill/>
-                    </a:lnB>
-                    <a:solidFill>
-                      <a:srgbClr val="FFFFFF"/>
-                    </a:solidFill>
-                  </a:tcPr>
-                </a:tc>
-                <a:tc>
-                  <a:txBody>
-                    <a:bodyPr/>
-                    <a:lstStyle/>
-                    <a:p>
-                      <a:r>
-                        <a:rPr lang="en-US" sz="1700">
-                          <a:effectLst/>
-                        </a:rPr>
-                        <a:t>Since the task (e.g., image interpolation) does not require a custom token, the decision is made to </a:t>
-                      </a:r>
-                      <a:r>
-                        <a:rPr lang="en-US" sz="1700" b="1">
-                          <a:effectLst/>
-                        </a:rPr>
-                        <a:t>optimize the entire text embedding</a:t>
-                      </a:r>
-                      <a:r>
-                        <a:rPr lang="en-US" sz="1700">
-                          <a:effectLst/>
-                        </a:rPr>
-                        <a:t>.</a:t>
-                      </a:r>
-                    </a:p>
-                  </a:txBody>
-                  <a:tcPr marL="87027" marR="87027" marT="43513" marB="43513" anchor="ctr">
-                    <a:lnL>
-                      <a:noFill/>
-                    </a:lnL>
-                    <a:lnR>
-                      <a:noFill/>
-                    </a:lnR>
-                    <a:lnT>
-                      <a:noFill/>
-                    </a:lnT>
-                    <a:lnB>
-                      <a:noFill/>
-                    </a:lnB>
-                    <a:solidFill>
-                      <a:srgbClr val="FFFFFF"/>
-                    </a:solidFill>
-                  </a:tcPr>
-                </a:tc>
-                <a:tc>
-                  <a:txBody>
-                    <a:bodyPr/>
-                    <a:lstStyle/>
-                    <a:p>
-                      <a:endParaRPr lang="zh-TW" altLang="en-US" sz="1700">
-                        <a:effectLst/>
-                      </a:endParaRPr>
-                    </a:p>
-                  </a:txBody>
-                  <a:tcPr marL="87027" marR="87027" marT="43513" marB="43513" anchor="ctr">
-                    <a:lnL>
-                      <a:noFill/>
-                    </a:lnL>
-                    <a:lnR>
-                      <a:noFill/>
-                    </a:lnR>
-                    <a:lnT>
-                      <a:noFill/>
-                    </a:lnT>
-                    <a:lnB>
-                      <a:noFill/>
-                    </a:lnB>
-                    <a:solidFill>
-                      <a:srgbClr val="FFFFFF"/>
-                    </a:solidFill>
-                  </a:tcPr>
-                </a:tc>
-                <a:extLst>
-                  <a:ext uri="{0D108BD9-81ED-4DB2-BD59-A6C34878D82A}">
-                    <a16:rowId xmlns:a16="http://schemas.microsoft.com/office/drawing/2014/main" val="667565472"/>
-                  </a:ext>
-                </a:extLst>
-              </a:tr>
-              <a:tr h="1392428">
-                <a:tc>
-                  <a:txBody>
-                    <a:bodyPr/>
-                    <a:lstStyle/>
-                    <a:p>
-                      <a:r>
-                        <a:rPr lang="en-US" sz="1700" b="1">
-                          <a:effectLst/>
-                        </a:rPr>
-                        <a:t>Handling Complexity</a:t>
-                      </a:r>
-                      <a:endParaRPr lang="en-US" sz="1700">
-                        <a:effectLst/>
-                      </a:endParaRPr>
-                    </a:p>
-                  </a:txBody>
-                  <a:tcPr marL="87027" marR="87027" marT="43513" marB="43513" anchor="ctr">
-                    <a:lnL>
-                      <a:noFill/>
-                    </a:lnL>
-                    <a:lnR>
-                      <a:noFill/>
-                    </a:lnR>
-                    <a:lnT>
-                      <a:noFill/>
-                    </a:lnT>
-                    <a:lnB>
-                      <a:noFill/>
-                    </a:lnB>
-                    <a:solidFill>
-                      <a:srgbClr val="FFFFFF"/>
-                    </a:solidFill>
-                  </a:tcPr>
-                </a:tc>
-                <a:tc>
-                  <a:txBody>
-                    <a:bodyPr/>
-                    <a:lstStyle/>
-                    <a:p>
-                      <a:r>
-                        <a:rPr lang="en-US" sz="1700">
-                          <a:effectLst/>
-                        </a:rPr>
-                        <a:t>The </a:t>
-                      </a:r>
-                      <a:r>
-                        <a:rPr lang="en-US" sz="1700" b="1">
-                          <a:effectLst/>
-                        </a:rPr>
-                        <a:t>number of iterations can be increased</a:t>
-                      </a:r>
-                      <a:r>
-                        <a:rPr lang="en-US" sz="1700">
-                          <a:effectLst/>
-                        </a:rPr>
-                        <a:t> for images with complicated layouts or styles, as these are harder to represent with a text prompt.</a:t>
-                      </a:r>
-                    </a:p>
-                  </a:txBody>
-                  <a:tcPr marL="87027" marR="87027" marT="43513" marB="43513" anchor="ctr">
-                    <a:lnL>
-                      <a:noFill/>
-                    </a:lnL>
-                    <a:lnR>
-                      <a:noFill/>
-                    </a:lnR>
-                    <a:lnT>
-                      <a:noFill/>
-                    </a:lnT>
-                    <a:lnB>
-                      <a:noFill/>
-                    </a:lnB>
-                    <a:solidFill>
-                      <a:srgbClr val="FFFFFF"/>
-                    </a:solidFill>
-                  </a:tcPr>
-                </a:tc>
-                <a:tc>
-                  <a:txBody>
-                    <a:bodyPr/>
-                    <a:lstStyle/>
-                    <a:p>
-                      <a:endParaRPr lang="zh-TW" altLang="en-US" sz="1700" dirty="0">
-                        <a:effectLst/>
-                      </a:endParaRPr>
-                    </a:p>
-                  </a:txBody>
-                  <a:tcPr marL="87027" marR="87027" marT="43513" marB="43513" anchor="ctr">
-                    <a:lnL>
-                      <a:noFill/>
-                    </a:lnL>
-                    <a:lnR>
-                      <a:noFill/>
-                    </a:lnR>
-                    <a:lnT>
-                      <a:noFill/>
-                    </a:lnT>
-                    <a:lnB>
-                      <a:noFill/>
-                    </a:lnB>
-                    <a:solidFill>
-                      <a:srgbClr val="FFFFFF"/>
-                    </a:solidFill>
-                  </a:tcPr>
-                </a:tc>
-                <a:extLst>
-                  <a:ext uri="{0D108BD9-81ED-4DB2-BD59-A6C34878D82A}">
-                    <a16:rowId xmlns:a16="http://schemas.microsoft.com/office/drawing/2014/main" val="2180865680"/>
-                  </a:ext>
-                </a:extLst>
-              </a:tr>
-            </a:tbl>
-          </a:graphicData>
-        </a:graphic>
-      </p:graphicFrame>
+      <p:sp>
+        <p:nvSpPr>
+          <p:cNvPr id="4" name="文字方塊 3">
+            <a:extLst>
+              <a:ext uri="{FF2B5EF4-FFF2-40B4-BE49-F238E27FC236}">
+                <a16:creationId xmlns:a16="http://schemas.microsoft.com/office/drawing/2014/main" id="{DFFB075D-A965-4F15-94E7-E7631D15AC12}"/>
+              </a:ext>
+            </a:extLst>
+          </p:cNvPr>
+          <p:cNvSpPr txBox="1"/>
+          <p:nvPr/>
+        </p:nvSpPr>
+        <p:spPr>
+          <a:xfrm>
+            <a:off x="333316" y="1262210"/>
+            <a:ext cx="10317192" cy="2031325"/>
+          </a:xfrm>
+          <a:prstGeom prst="rect">
+            <a:avLst/>
+          </a:prstGeom>
+          <a:noFill/>
+        </p:spPr>
+        <p:txBody>
+          <a:bodyPr wrap="square" rtlCol="0">
+            <a:spAutoFit/>
+          </a:bodyPr>
+          <a:lstStyle/>
+          <a:p>
+            <a:pPr marL="342900" indent="-342900">
+              <a:buAutoNum type="arabicPeriod"/>
+            </a:pPr>
+            <a:r>
+              <a:rPr lang="en-US" altLang="zh-TW" dirty="0"/>
+              <a:t>Prompt:</a:t>
+            </a:r>
+            <a:r>
+              <a:rPr lang="zh-TW" altLang="en-US" dirty="0"/>
+              <a:t> </a:t>
+            </a:r>
+            <a:r>
+              <a:rPr lang="en-US" altLang="zh-TW" dirty="0"/>
+              <a:t>Use both positive and negative text prompts</a:t>
+            </a:r>
+          </a:p>
+          <a:p>
+            <a:pPr marL="342900" indent="-342900">
+              <a:buAutoNum type="arabicPeriod"/>
+            </a:pPr>
+            <a:endParaRPr lang="en-US" altLang="zh-TW" dirty="0"/>
+          </a:p>
+          <a:p>
+            <a:pPr marL="342900" indent="-342900">
+              <a:buAutoNum type="arabicPeriod"/>
+            </a:pPr>
+            <a:r>
+              <a:rPr lang="en-US" altLang="zh-TW" dirty="0"/>
+              <a:t>Scope of Optimization: </a:t>
+            </a:r>
+            <a:r>
+              <a:rPr lang="en-US" altLang="zh-TW" sz="1800" dirty="0">
+                <a:effectLst/>
+              </a:rPr>
+              <a:t>the decision is made to </a:t>
+            </a:r>
+            <a:r>
+              <a:rPr lang="en-US" altLang="zh-TW" sz="1800" b="1" dirty="0">
+                <a:effectLst/>
+              </a:rPr>
+              <a:t>optimize the entire text embedding</a:t>
+            </a:r>
+            <a:r>
+              <a:rPr lang="en-US" altLang="zh-TW" sz="1800" dirty="0">
+                <a:effectLst/>
+              </a:rPr>
+              <a:t>.</a:t>
+            </a:r>
+            <a:endParaRPr lang="en-US" altLang="zh-TW" dirty="0"/>
+          </a:p>
+          <a:p>
+            <a:pPr marL="342900" indent="-342900">
+              <a:buAutoNum type="arabicPeriod"/>
+            </a:pPr>
+            <a:endParaRPr lang="en-US" altLang="zh-TW" dirty="0"/>
+          </a:p>
+          <a:p>
+            <a:pPr marL="342900" indent="-342900">
+              <a:buAutoNum type="arabicPeriod"/>
+            </a:pPr>
+            <a:r>
+              <a:rPr lang="en-US" altLang="zh-TW" dirty="0"/>
+              <a:t>Handling Complexity: </a:t>
+            </a:r>
+            <a:r>
+              <a:rPr lang="en-US" altLang="zh-TW" sz="1800" dirty="0">
+                <a:effectLst/>
+              </a:rPr>
+              <a:t>The </a:t>
+            </a:r>
+            <a:r>
+              <a:rPr lang="en-US" altLang="zh-TW" sz="1800" b="1" dirty="0">
+                <a:effectLst/>
+              </a:rPr>
+              <a:t>number of iterations can be increased</a:t>
+            </a:r>
+            <a:r>
+              <a:rPr lang="en-US" altLang="zh-TW" sz="1800" dirty="0">
+                <a:effectLst/>
+              </a:rPr>
+              <a:t> for images with complicated layouts or styles</a:t>
+            </a:r>
+            <a:endParaRPr lang="en-US" altLang="zh-TW" dirty="0"/>
+          </a:p>
+          <a:p>
+            <a:pPr marL="342900" indent="-342900">
+              <a:buAutoNum type="arabicPeriod"/>
+            </a:pPr>
+            <a:endParaRPr lang="zh-TW" altLang="en-US" dirty="0"/>
+          </a:p>
+        </p:txBody>
+      </p:sp>
     </p:spTree>
     <p:extLst>
       <p:ext uri="{BB962C8B-B14F-4D97-AF65-F5344CB8AC3E}">
@@ -5640,6 +5654,286 @@
 </file>
 
 <file path=ppt/slides/slide12.xml><?xml version="1.0" encoding="utf-8"?>
+<p:sld xmlns:a="http://schemas.openxmlformats.org/drawingml/2006/main" xmlns:r="http://schemas.openxmlformats.org/officeDocument/2006/relationships" xmlns:p="http://schemas.openxmlformats.org/presentationml/2006/main">
+  <p:cSld>
+    <p:spTree>
+      <p:nvGrpSpPr>
+        <p:cNvPr id="1" name=""/>
+        <p:cNvGrpSpPr/>
+        <p:nvPr/>
+      </p:nvGrpSpPr>
+      <p:grpSpPr>
+        <a:xfrm>
+          <a:off x="0" y="0"/>
+          <a:ext cx="0" cy="0"/>
+          <a:chOff x="0" y="0"/>
+          <a:chExt cx="0" cy="0"/>
+        </a:xfrm>
+      </p:grpSpPr>
+      <p:sp>
+        <p:nvSpPr>
+          <p:cNvPr id="2" name="標題 1">
+            <a:extLst>
+              <a:ext uri="{FF2B5EF4-FFF2-40B4-BE49-F238E27FC236}">
+                <a16:creationId xmlns:a16="http://schemas.microsoft.com/office/drawing/2014/main" id="{98A04798-5168-4875-A411-80CD40D53BBD}"/>
+              </a:ext>
+            </a:extLst>
+          </p:cNvPr>
+          <p:cNvSpPr>
+            <a:spLocks noGrp="1"/>
+          </p:cNvSpPr>
+          <p:nvPr>
+            <p:ph type="title"/>
+          </p:nvPr>
+        </p:nvSpPr>
+        <p:spPr>
+          <a:xfrm>
+            <a:off x="333316" y="544152"/>
+            <a:ext cx="6566757" cy="718058"/>
+          </a:xfrm>
+        </p:spPr>
+        <p:txBody>
+          <a:bodyPr>
+            <a:noAutofit/>
+          </a:bodyPr>
+          <a:lstStyle/>
+          <a:p>
+            <a:r>
+              <a:rPr lang="en-US" altLang="zh-TW" dirty="0"/>
+              <a:t>Pose guidance</a:t>
+            </a:r>
+            <a:endParaRPr lang="zh-TW" dirty="0"/>
+          </a:p>
+        </p:txBody>
+      </p:sp>
+      <p:pic>
+        <p:nvPicPr>
+          <p:cNvPr id="5" name="圖片 4">
+            <a:extLst>
+              <a:ext uri="{FF2B5EF4-FFF2-40B4-BE49-F238E27FC236}">
+                <a16:creationId xmlns:a16="http://schemas.microsoft.com/office/drawing/2014/main" id="{3C59C9EE-012C-4A70-A73A-3C6668F739A2}"/>
+              </a:ext>
+            </a:extLst>
+          </p:cNvPr>
+          <p:cNvPicPr>
+            <a:picLocks noChangeAspect="1"/>
+          </p:cNvPicPr>
+          <p:nvPr/>
+        </p:nvPicPr>
+        <p:blipFill>
+          <a:blip r:embed="rId3"/>
+          <a:stretch>
+            <a:fillRect/>
+          </a:stretch>
+        </p:blipFill>
+        <p:spPr>
+          <a:xfrm>
+            <a:off x="2664819" y="1423707"/>
+            <a:ext cx="6862362" cy="4682423"/>
+          </a:xfrm>
+          <a:prstGeom prst="rect">
+            <a:avLst/>
+          </a:prstGeom>
+        </p:spPr>
+      </p:pic>
+    </p:spTree>
+    <p:extLst>
+      <p:ext uri="{BB962C8B-B14F-4D97-AF65-F5344CB8AC3E}">
+        <p14:creationId xmlns:p14="http://schemas.microsoft.com/office/powerpoint/2010/main" val="3434902831"/>
+      </p:ext>
+    </p:extLst>
+  </p:cSld>
+  <p:clrMapOvr>
+    <a:masterClrMapping/>
+  </p:clrMapOvr>
+</p:sld>
+</file>
+
+<file path=ppt/slides/slide13.xml><?xml version="1.0" encoding="utf-8"?>
+<p:sld xmlns:a="http://schemas.openxmlformats.org/drawingml/2006/main" xmlns:r="http://schemas.openxmlformats.org/officeDocument/2006/relationships" xmlns:p="http://schemas.openxmlformats.org/presentationml/2006/main">
+  <p:cSld>
+    <p:spTree>
+      <p:nvGrpSpPr>
+        <p:cNvPr id="1" name=""/>
+        <p:cNvGrpSpPr/>
+        <p:nvPr/>
+      </p:nvGrpSpPr>
+      <p:grpSpPr>
+        <a:xfrm>
+          <a:off x="0" y="0"/>
+          <a:ext cx="0" cy="0"/>
+          <a:chOff x="0" y="0"/>
+          <a:chExt cx="0" cy="0"/>
+        </a:xfrm>
+      </p:grpSpPr>
+      <p:sp>
+        <p:nvSpPr>
+          <p:cNvPr id="2" name="標題 1">
+            <a:extLst>
+              <a:ext uri="{FF2B5EF4-FFF2-40B4-BE49-F238E27FC236}">
+                <a16:creationId xmlns:a16="http://schemas.microsoft.com/office/drawing/2014/main" id="{98A04798-5168-4875-A411-80CD40D53BBD}"/>
+              </a:ext>
+            </a:extLst>
+          </p:cNvPr>
+          <p:cNvSpPr>
+            <a:spLocks noGrp="1"/>
+          </p:cNvSpPr>
+          <p:nvPr>
+            <p:ph type="title"/>
+          </p:nvPr>
+        </p:nvSpPr>
+        <p:spPr>
+          <a:xfrm>
+            <a:off x="333316" y="544152"/>
+            <a:ext cx="6566757" cy="718058"/>
+          </a:xfrm>
+        </p:spPr>
+        <p:txBody>
+          <a:bodyPr>
+            <a:noAutofit/>
+          </a:bodyPr>
+          <a:lstStyle/>
+          <a:p>
+            <a:r>
+              <a:rPr lang="en-US" altLang="zh-TW" dirty="0"/>
+              <a:t>CLIP ranking</a:t>
+            </a:r>
+            <a:endParaRPr lang="zh-TW" dirty="0"/>
+          </a:p>
+        </p:txBody>
+      </p:sp>
+      <p:sp>
+        <p:nvSpPr>
+          <p:cNvPr id="4" name="文字方塊 3">
+            <a:extLst>
+              <a:ext uri="{FF2B5EF4-FFF2-40B4-BE49-F238E27FC236}">
+                <a16:creationId xmlns:a16="http://schemas.microsoft.com/office/drawing/2014/main" id="{5F7A7288-CE53-41BC-92A9-601BAE1B50E8}"/>
+              </a:ext>
+            </a:extLst>
+          </p:cNvPr>
+          <p:cNvSpPr txBox="1"/>
+          <p:nvPr/>
+        </p:nvSpPr>
+        <p:spPr>
+          <a:xfrm>
+            <a:off x="333316" y="1262210"/>
+            <a:ext cx="10317192" cy="2862322"/>
+          </a:xfrm>
+          <a:prstGeom prst="rect">
+            <a:avLst/>
+          </a:prstGeom>
+          <a:noFill/>
+        </p:spPr>
+        <p:txBody>
+          <a:bodyPr wrap="square" rtlCol="0">
+            <a:spAutoFit/>
+          </a:bodyPr>
+          <a:lstStyle/>
+          <a:p>
+            <a:pPr marL="342900" indent="-342900">
+              <a:buAutoNum type="arabicPeriod"/>
+            </a:pPr>
+            <a:r>
+              <a:rPr lang="en-US" altLang="zh-TW" dirty="0"/>
+              <a:t>Candidate Generation: Multiple candidates are generated by repeating each forward diffusion step using different noise vectors</a:t>
+            </a:r>
+          </a:p>
+          <a:p>
+            <a:pPr marL="342900" indent="-342900">
+              <a:buAutoNum type="arabicPeriod"/>
+            </a:pPr>
+            <a:endParaRPr lang="en-US" altLang="zh-TW" dirty="0"/>
+          </a:p>
+          <a:p>
+            <a:pPr marL="342900" indent="-342900">
+              <a:buAutoNum type="arabicPeriod"/>
+            </a:pPr>
+            <a:r>
+              <a:rPr lang="en-US" altLang="zh-TW" dirty="0"/>
+              <a:t>Denoising: Each interpolated latent vector is denoised</a:t>
+            </a:r>
+          </a:p>
+          <a:p>
+            <a:pPr marL="342900" indent="-342900">
+              <a:buAutoNum type="arabicPeriod"/>
+            </a:pPr>
+            <a:endParaRPr lang="en-US" altLang="zh-TW" b="0" i="0" dirty="0">
+              <a:solidFill>
+                <a:srgbClr val="131314"/>
+              </a:solidFill>
+              <a:effectLst/>
+              <a:latin typeface="Google Sans Text"/>
+            </a:endParaRPr>
+          </a:p>
+          <a:p>
+            <a:pPr marL="342900" indent="-342900">
+              <a:buAutoNum type="arabicPeriod"/>
+            </a:pPr>
+            <a:r>
+              <a:rPr lang="en-US" altLang="zh-TW" b="0" i="0" dirty="0">
+                <a:solidFill>
+                  <a:srgbClr val="131314"/>
+                </a:solidFill>
+                <a:effectLst/>
+                <a:latin typeface="Google Sans Text"/>
+              </a:rPr>
+              <a:t>Similarity Measurement: The CLIP similarity of the decoded image is measured against specified positive and negative prompts</a:t>
+            </a:r>
+          </a:p>
+          <a:p>
+            <a:pPr marL="342900" indent="-342900">
+              <a:buAutoNum type="arabicPeriod"/>
+            </a:pPr>
+            <a:endParaRPr lang="en-US" altLang="zh-TW" dirty="0">
+              <a:solidFill>
+                <a:srgbClr val="131314"/>
+              </a:solidFill>
+              <a:latin typeface="Google Sans Text"/>
+            </a:endParaRPr>
+          </a:p>
+          <a:p>
+            <a:pPr marL="342900" indent="-342900">
+              <a:buAutoNum type="arabicPeriod"/>
+            </a:pPr>
+            <a:r>
+              <a:rPr lang="en-US" altLang="zh-TW" b="0" i="0" dirty="0">
+                <a:solidFill>
+                  <a:srgbClr val="131314"/>
+                </a:solidFill>
+                <a:effectLst/>
+                <a:latin typeface="Google Sans Text"/>
+              </a:rPr>
+              <a:t>Selection: The image with the highest value of positive similarity minus negative similarity is retained</a:t>
+            </a:r>
+            <a:endParaRPr lang="en-US" altLang="zh-TW" dirty="0">
+              <a:solidFill>
+                <a:srgbClr val="131314"/>
+              </a:solidFill>
+              <a:latin typeface="Google Sans Text"/>
+            </a:endParaRPr>
+          </a:p>
+          <a:p>
+            <a:pPr marL="342900" indent="-342900">
+              <a:buAutoNum type="arabicPeriod"/>
+            </a:pPr>
+            <a:endParaRPr lang="zh-TW" altLang="en-US" dirty="0"/>
+          </a:p>
+        </p:txBody>
+      </p:sp>
+    </p:spTree>
+    <p:extLst>
+      <p:ext uri="{BB962C8B-B14F-4D97-AF65-F5344CB8AC3E}">
+        <p14:creationId xmlns:p14="http://schemas.microsoft.com/office/powerpoint/2010/main" val="535035553"/>
+      </p:ext>
+    </p:extLst>
+  </p:cSld>
+  <p:clrMapOvr>
+    <a:masterClrMapping/>
+  </p:clrMapOvr>
+</p:sld>
+</file>
+
+<file path=ppt/slides/slide14.xml><?xml version="1.0" encoding="utf-8"?>
 <p:sld xmlns:a="http://schemas.openxmlformats.org/drawingml/2006/main" xmlns:r="http://schemas.openxmlformats.org/officeDocument/2006/relationships" xmlns:p="http://schemas.openxmlformats.org/presentationml/2006/main">
   <p:cSld>
     <p:spTree>
@@ -6026,12 +6320,6 @@
           <a:p>
             <a:r>
               <a:rPr lang="en-US" altLang="zh-TW" sz="3600" dirty="0"/>
-              <a:t>Discussion</a:t>
-            </a:r>
-          </a:p>
-          <a:p>
-            <a:r>
-              <a:rPr lang="en-US" altLang="zh-TW" sz="3600" dirty="0"/>
               <a:t>Conclusion</a:t>
             </a:r>
             <a:endParaRPr lang="zh-TW" altLang="en-US" sz="3600" dirty="0"/>
@@ -6785,7 +7073,7 @@
           <p:nvPr/>
         </p:nvPicPr>
         <p:blipFill>
-          <a:blip r:embed="rId2"/>
+          <a:blip r:embed="rId3"/>
           <a:stretch>
             <a:fillRect/>
           </a:stretch>

--- a/diffusion書報/DDPM.pptx
+++ b/diffusion書報/DDPM.pptx
@@ -5,23 +5,26 @@
     <p:sldMasterId id="2147483648" r:id="rId1"/>
   </p:sldMasterIdLst>
   <p:notesMasterIdLst>
-    <p:notesMasterId r:id="rId16"/>
+    <p:notesMasterId r:id="rId19"/>
   </p:notesMasterIdLst>
   <p:sldIdLst>
     <p:sldId id="256" r:id="rId2"/>
     <p:sldId id="257" r:id="rId3"/>
-    <p:sldId id="259" r:id="rId4"/>
+    <p:sldId id="272" r:id="rId4"/>
     <p:sldId id="260" r:id="rId5"/>
-    <p:sldId id="263" r:id="rId6"/>
-    <p:sldId id="262" r:id="rId7"/>
-    <p:sldId id="261" r:id="rId8"/>
-    <p:sldId id="265" r:id="rId9"/>
-    <p:sldId id="267" r:id="rId10"/>
-    <p:sldId id="268" r:id="rId11"/>
-    <p:sldId id="269" r:id="rId12"/>
-    <p:sldId id="270" r:id="rId13"/>
-    <p:sldId id="271" r:id="rId14"/>
-    <p:sldId id="266" r:id="rId15"/>
+    <p:sldId id="274" r:id="rId6"/>
+    <p:sldId id="263" r:id="rId7"/>
+    <p:sldId id="273" r:id="rId8"/>
+    <p:sldId id="262" r:id="rId9"/>
+    <p:sldId id="261" r:id="rId10"/>
+    <p:sldId id="275" r:id="rId11"/>
+    <p:sldId id="265" r:id="rId12"/>
+    <p:sldId id="267" r:id="rId13"/>
+    <p:sldId id="268" r:id="rId14"/>
+    <p:sldId id="269" r:id="rId15"/>
+    <p:sldId id="270" r:id="rId16"/>
+    <p:sldId id="271" r:id="rId17"/>
+    <p:sldId id="266" r:id="rId18"/>
   </p:sldIdLst>
   <p:sldSz cx="12192000" cy="6858000"/>
   <p:notesSz cx="6858000" cy="9144000"/>
@@ -241,7 +244,7 @@
           <a:p>
             <a:fld id="{67FDA4E6-A796-4A0A-8EA8-8E05E1787F05}" type="datetimeFigureOut">
               <a:rPr lang="zh-TW" altLang="en-US" smtClean="0"/>
-              <a:t>2025/9/25</a:t>
+              <a:t>2025/9/26</a:t>
             </a:fld>
             <a:endParaRPr lang="zh-TW" altLang="en-US"/>
           </a:p>
@@ -657,7 +660,7 @@
           <a:p>
             <a:fld id="{B8D0CE21-A827-46F8-BEFD-C23296934A6E}" type="slidenum">
               <a:rPr lang="zh-TW" altLang="en-US" smtClean="0"/>
-              <a:t>11</a:t>
+              <a:t>13</a:t>
             </a:fld>
             <a:endParaRPr lang="zh-TW" altLang="en-US"/>
           </a:p>
@@ -666,7 +669,7 @@
     </p:spTree>
     <p:extLst>
       <p:ext uri="{BB962C8B-B14F-4D97-AF65-F5344CB8AC3E}">
-        <p14:creationId xmlns:p14="http://schemas.microsoft.com/office/powerpoint/2010/main" val="3838641039"/>
+        <p14:creationId xmlns:p14="http://schemas.microsoft.com/office/powerpoint/2010/main" val="732014916"/>
       </p:ext>
     </p:extLst>
   </p:cSld>
@@ -720,105 +723,6 @@
           <a:bodyPr/>
           <a:lstStyle/>
           <a:p>
-            <a:r>
-              <a:rPr lang="zh-TW" altLang="en-US" dirty="0"/>
-              <a:t>使用 </a:t>
-            </a:r>
-            <a:r>
-              <a:rPr lang="en-US" altLang="zh-TW" dirty="0" err="1"/>
-              <a:t>OpenPose</a:t>
-            </a:r>
-            <a:r>
-              <a:rPr lang="en-US" altLang="zh-TW" dirty="0"/>
-              <a:t> </a:t>
-            </a:r>
-            <a:r>
-              <a:rPr lang="zh-TW" altLang="en-US" dirty="0"/>
-              <a:t>來獲取輸入影像的主體姿勢。如果輸入影像是風格化，則可能需要先使用 </a:t>
-            </a:r>
-            <a:r>
-              <a:rPr lang="en-US" altLang="zh-TW" dirty="0"/>
-              <a:t>LDM </a:t>
-            </a:r>
-            <a:r>
-              <a:rPr lang="zh-TW" altLang="en-US" dirty="0"/>
-              <a:t>進行</a:t>
-            </a:r>
-            <a:r>
-              <a:rPr lang="en-US" altLang="zh-TW" dirty="0"/>
-              <a:t>image-to-image translation</a:t>
-            </a:r>
-            <a:r>
-              <a:rPr lang="zh-TW" altLang="en-US" dirty="0"/>
-              <a:t>，將其轉換為類似照片的風格後，再套用 </a:t>
-            </a:r>
-            <a:r>
-              <a:rPr lang="en-US" altLang="zh-TW" dirty="0" err="1"/>
-              <a:t>OpenPose</a:t>
-            </a:r>
-            <a:endParaRPr lang="en-US" altLang="zh-TW" dirty="0"/>
-          </a:p>
-          <a:p>
-            <a:r>
-              <a:rPr lang="zh-TW" altLang="en-US" dirty="0"/>
-              <a:t>為了生成中間畫面，會對來自兩個輸入影像的所有共享關鍵點位置進行線性內插，以獲得中間姿勢</a:t>
-            </a:r>
-            <a:endParaRPr lang="en-US" altLang="zh-TW" dirty="0"/>
-          </a:p>
-          <a:p>
-            <a:r>
-              <a:rPr lang="zh-TW" altLang="en-US" dirty="0"/>
-              <a:t>提取並內插後的姿勢會作為條件輸入，使用 </a:t>
-            </a:r>
-            <a:r>
-              <a:rPr lang="en-US" altLang="zh-TW" dirty="0"/>
-              <a:t>ControlNet</a:t>
-            </a:r>
-            <a:r>
-              <a:rPr lang="zh-TW" altLang="en-US" dirty="0"/>
-              <a:t>提供給 </a:t>
-            </a:r>
-            <a:r>
-              <a:rPr lang="en-US" altLang="zh-TW" dirty="0"/>
-              <a:t>LDM </a:t>
-            </a:r>
-            <a:r>
-              <a:rPr lang="zh-TW" altLang="en-US" dirty="0"/>
-              <a:t>進行去噪</a:t>
-            </a:r>
-            <a:endParaRPr lang="en-US" altLang="zh-TW" dirty="0"/>
-          </a:p>
-          <a:p>
-            <a:r>
-              <a:rPr lang="zh-TW" altLang="en-US" b="0" i="0" dirty="0">
-                <a:solidFill>
-                  <a:srgbClr val="131314"/>
-                </a:solidFill>
-                <a:effectLst/>
-                <a:latin typeface="Google Sans Text"/>
-              </a:rPr>
-              <a:t>在整個內插流程中，去噪過程是同時受到內插的</a:t>
-            </a:r>
-            <a:r>
-              <a:rPr lang="en-US" altLang="zh-TW" b="0" i="0" dirty="0">
-                <a:solidFill>
-                  <a:srgbClr val="131314"/>
-                </a:solidFill>
-                <a:effectLst/>
-                <a:latin typeface="Google Sans Text"/>
-              </a:rPr>
-              <a:t>text embeddings</a:t>
-            </a:r>
-            <a:r>
-              <a:rPr lang="zh-TW" altLang="en-US" b="0" i="0" dirty="0">
-                <a:solidFill>
-                  <a:srgbClr val="131314"/>
-                </a:solidFill>
-                <a:effectLst/>
-                <a:latin typeface="Google Sans Text"/>
-              </a:rPr>
-              <a:t>以及可選地主體姿勢的條件控制</a:t>
-            </a:r>
             <a:endParaRPr lang="zh-TW" altLang="en-US" dirty="0"/>
           </a:p>
         </p:txBody>
@@ -840,7 +744,7 @@
           <a:p>
             <a:fld id="{B8D0CE21-A827-46F8-BEFD-C23296934A6E}" type="slidenum">
               <a:rPr lang="zh-TW" altLang="en-US" smtClean="0"/>
-              <a:t>12</a:t>
+              <a:t>14</a:t>
             </a:fld>
             <a:endParaRPr lang="zh-TW" altLang="en-US"/>
           </a:p>
@@ -849,7 +753,7 @@
     </p:spTree>
     <p:extLst>
       <p:ext uri="{BB962C8B-B14F-4D97-AF65-F5344CB8AC3E}">
-        <p14:creationId xmlns:p14="http://schemas.microsoft.com/office/powerpoint/2010/main" val="2412412692"/>
+        <p14:creationId xmlns:p14="http://schemas.microsoft.com/office/powerpoint/2010/main" val="3838641039"/>
       </p:ext>
     </p:extLst>
   </p:cSld>
@@ -903,6 +807,105 @@
           <a:bodyPr/>
           <a:lstStyle/>
           <a:p>
+            <a:r>
+              <a:rPr lang="zh-TW" altLang="en-US" dirty="0"/>
+              <a:t>使用 </a:t>
+            </a:r>
+            <a:r>
+              <a:rPr lang="en-US" altLang="zh-TW" dirty="0" err="1"/>
+              <a:t>OpenPose</a:t>
+            </a:r>
+            <a:r>
+              <a:rPr lang="en-US" altLang="zh-TW" dirty="0"/>
+              <a:t> </a:t>
+            </a:r>
+            <a:r>
+              <a:rPr lang="zh-TW" altLang="en-US" dirty="0"/>
+              <a:t>來獲取輸入影像的主體姿勢。如果輸入影像是風格化，則可能需要先使用 </a:t>
+            </a:r>
+            <a:r>
+              <a:rPr lang="en-US" altLang="zh-TW" dirty="0"/>
+              <a:t>LDM </a:t>
+            </a:r>
+            <a:r>
+              <a:rPr lang="zh-TW" altLang="en-US" dirty="0"/>
+              <a:t>進行</a:t>
+            </a:r>
+            <a:r>
+              <a:rPr lang="en-US" altLang="zh-TW" dirty="0"/>
+              <a:t>image-to-image translation</a:t>
+            </a:r>
+            <a:r>
+              <a:rPr lang="zh-TW" altLang="en-US" dirty="0"/>
+              <a:t>，將其轉換為類似照片的風格後，再套用 </a:t>
+            </a:r>
+            <a:r>
+              <a:rPr lang="en-US" altLang="zh-TW" dirty="0" err="1"/>
+              <a:t>OpenPose</a:t>
+            </a:r>
+            <a:endParaRPr lang="en-US" altLang="zh-TW" dirty="0"/>
+          </a:p>
+          <a:p>
+            <a:r>
+              <a:rPr lang="zh-TW" altLang="en-US" dirty="0"/>
+              <a:t>為了生成中間畫面，會對來自兩個輸入影像的所有共享關鍵點位置進行線性內插，以獲得中間姿勢</a:t>
+            </a:r>
+            <a:endParaRPr lang="en-US" altLang="zh-TW" dirty="0"/>
+          </a:p>
+          <a:p>
+            <a:r>
+              <a:rPr lang="zh-TW" altLang="en-US" dirty="0"/>
+              <a:t>提取並內插後的姿勢會作為條件輸入，使用 </a:t>
+            </a:r>
+            <a:r>
+              <a:rPr lang="en-US" altLang="zh-TW" dirty="0"/>
+              <a:t>ControlNet</a:t>
+            </a:r>
+            <a:r>
+              <a:rPr lang="zh-TW" altLang="en-US" dirty="0"/>
+              <a:t>提供給 </a:t>
+            </a:r>
+            <a:r>
+              <a:rPr lang="en-US" altLang="zh-TW" dirty="0"/>
+              <a:t>LDM </a:t>
+            </a:r>
+            <a:r>
+              <a:rPr lang="zh-TW" altLang="en-US" dirty="0"/>
+              <a:t>進行去噪</a:t>
+            </a:r>
+            <a:endParaRPr lang="en-US" altLang="zh-TW" dirty="0"/>
+          </a:p>
+          <a:p>
+            <a:r>
+              <a:rPr lang="zh-TW" altLang="en-US" b="0" i="0" dirty="0">
+                <a:solidFill>
+                  <a:srgbClr val="131314"/>
+                </a:solidFill>
+                <a:effectLst/>
+                <a:latin typeface="Google Sans Text"/>
+              </a:rPr>
+              <a:t>在整個內插流程中，去噪過程是同時受到內插的</a:t>
+            </a:r>
+            <a:r>
+              <a:rPr lang="en-US" altLang="zh-TW" b="0" i="0" dirty="0">
+                <a:solidFill>
+                  <a:srgbClr val="131314"/>
+                </a:solidFill>
+                <a:effectLst/>
+                <a:latin typeface="Google Sans Text"/>
+              </a:rPr>
+              <a:t>text embeddings</a:t>
+            </a:r>
+            <a:r>
+              <a:rPr lang="zh-TW" altLang="en-US" b="0" i="0" dirty="0">
+                <a:solidFill>
+                  <a:srgbClr val="131314"/>
+                </a:solidFill>
+                <a:effectLst/>
+                <a:latin typeface="Google Sans Text"/>
+              </a:rPr>
+              <a:t>以及可選地主體姿勢的條件控制</a:t>
+            </a:r>
             <a:endParaRPr lang="zh-TW" altLang="en-US" dirty="0"/>
           </a:p>
         </p:txBody>
@@ -924,7 +927,7 @@
           <a:p>
             <a:fld id="{B8D0CE21-A827-46F8-BEFD-C23296934A6E}" type="slidenum">
               <a:rPr lang="zh-TW" altLang="en-US" smtClean="0"/>
-              <a:t>13</a:t>
+              <a:t>15</a:t>
             </a:fld>
             <a:endParaRPr lang="zh-TW" altLang="en-US"/>
           </a:p>
@@ -933,7 +936,7 @@
     </p:spTree>
     <p:extLst>
       <p:ext uri="{BB962C8B-B14F-4D97-AF65-F5344CB8AC3E}">
-        <p14:creationId xmlns:p14="http://schemas.microsoft.com/office/powerpoint/2010/main" val="2628709785"/>
+        <p14:creationId xmlns:p14="http://schemas.microsoft.com/office/powerpoint/2010/main" val="2412412692"/>
       </p:ext>
     </p:extLst>
   </p:cSld>
@@ -1008,7 +1011,91 @@
           <a:p>
             <a:fld id="{B8D0CE21-A827-46F8-BEFD-C23296934A6E}" type="slidenum">
               <a:rPr lang="zh-TW" altLang="en-US" smtClean="0"/>
-              <a:t>14</a:t>
+              <a:t>16</a:t>
+            </a:fld>
+            <a:endParaRPr lang="zh-TW" altLang="en-US"/>
+          </a:p>
+        </p:txBody>
+      </p:sp>
+    </p:spTree>
+    <p:extLst>
+      <p:ext uri="{BB962C8B-B14F-4D97-AF65-F5344CB8AC3E}">
+        <p14:creationId xmlns:p14="http://schemas.microsoft.com/office/powerpoint/2010/main" val="2628709785"/>
+      </p:ext>
+    </p:extLst>
+  </p:cSld>
+  <p:clrMapOvr>
+    <a:masterClrMapping/>
+  </p:clrMapOvr>
+</p:notes>
+</file>
+
+<file path=ppt/notesSlides/notesSlide14.xml><?xml version="1.0" encoding="utf-8"?>
+<p:notes xmlns:a="http://schemas.openxmlformats.org/drawingml/2006/main" xmlns:r="http://schemas.openxmlformats.org/officeDocument/2006/relationships" xmlns:p="http://schemas.openxmlformats.org/presentationml/2006/main">
+  <p:cSld>
+    <p:spTree>
+      <p:nvGrpSpPr>
+        <p:cNvPr id="1" name=""/>
+        <p:cNvGrpSpPr/>
+        <p:nvPr/>
+      </p:nvGrpSpPr>
+      <p:grpSpPr>
+        <a:xfrm>
+          <a:off x="0" y="0"/>
+          <a:ext cx="0" cy="0"/>
+          <a:chOff x="0" y="0"/>
+          <a:chExt cx="0" cy="0"/>
+        </a:xfrm>
+      </p:grpSpPr>
+      <p:sp>
+        <p:nvSpPr>
+          <p:cNvPr id="2" name="投影片圖像版面配置區 1"/>
+          <p:cNvSpPr>
+            <a:spLocks noGrp="1" noRot="1" noChangeAspect="1"/>
+          </p:cNvSpPr>
+          <p:nvPr>
+            <p:ph type="sldImg"/>
+          </p:nvPr>
+        </p:nvSpPr>
+        <p:spPr/>
+      </p:sp>
+      <p:sp>
+        <p:nvSpPr>
+          <p:cNvPr id="3" name="備忘稿版面配置區 2"/>
+          <p:cNvSpPr>
+            <a:spLocks noGrp="1"/>
+          </p:cNvSpPr>
+          <p:nvPr>
+            <p:ph type="body" idx="1"/>
+          </p:nvPr>
+        </p:nvSpPr>
+        <p:spPr/>
+        <p:txBody>
+          <a:bodyPr/>
+          <a:lstStyle/>
+          <a:p>
+            <a:endParaRPr lang="zh-TW" altLang="en-US" dirty="0"/>
+          </a:p>
+        </p:txBody>
+      </p:sp>
+      <p:sp>
+        <p:nvSpPr>
+          <p:cNvPr id="4" name="投影片編號版面配置區 3"/>
+          <p:cNvSpPr>
+            <a:spLocks noGrp="1"/>
+          </p:cNvSpPr>
+          <p:nvPr>
+            <p:ph type="sldNum" sz="quarter" idx="10"/>
+          </p:nvPr>
+        </p:nvSpPr>
+        <p:spPr/>
+        <p:txBody>
+          <a:bodyPr/>
+          <a:lstStyle/>
+          <a:p>
+            <a:fld id="{B8D0CE21-A827-46F8-BEFD-C23296934A6E}" type="slidenum">
+              <a:rPr lang="zh-TW" altLang="en-US" smtClean="0"/>
+              <a:t>17</a:t>
             </a:fld>
             <a:endParaRPr lang="zh-TW" altLang="en-US"/>
           </a:p>
@@ -1072,7 +1159,7 @@
           <a:lstStyle/>
           <a:p>
             <a:r>
-              <a:rPr lang="zh-TW" altLang="en-US" sz="1200" b="0" i="0" kern="1200" dirty="0">
+              <a:rPr lang="zh-TW" altLang="en-US" sz="1200" b="0" i="0" kern="1200" dirty="0" smtClean="0">
                 <a:solidFill>
                   <a:schemeClr val="tx1"/>
                 </a:solidFill>
@@ -1083,7 +1170,7 @@
               </a:rPr>
               <a:t>擴散模型是一種生成模型，其概念是透過逐步向數據添加隨機雜訊，直到數據完全變成雜訊，然後學習如何逆轉這個過程，從雜訊中逐步恢復原始數據</a:t>
             </a:r>
-            <a:endParaRPr lang="en-US" altLang="zh-TW" sz="1200" b="0" i="0" kern="1200" dirty="0">
+            <a:endParaRPr lang="en-US" altLang="zh-TW" sz="1200" b="0" i="0" kern="1200" dirty="0" smtClean="0">
               <a:solidFill>
                 <a:schemeClr val="tx1"/>
               </a:solidFill>
@@ -1094,7 +1181,7 @@
             </a:endParaRPr>
           </a:p>
           <a:p>
-            <a:endParaRPr lang="en-US" altLang="zh-TW" sz="1200" b="0" i="0" kern="1200" dirty="0">
+            <a:endParaRPr lang="en-US" altLang="zh-TW" sz="1200" b="0" i="0" kern="1200" dirty="0" smtClean="0">
               <a:solidFill>
                 <a:schemeClr val="tx1"/>
               </a:solidFill>
@@ -1106,7 +1193,7 @@
           </a:p>
           <a:p>
             <a:r>
-              <a:rPr lang="zh-TW" altLang="en-US" sz="1200" b="0" i="0" kern="1200" dirty="0">
+              <a:rPr lang="zh-TW" altLang="en-US" sz="1200" b="0" i="0" kern="1200" dirty="0" smtClean="0">
                 <a:solidFill>
                   <a:schemeClr val="tx1"/>
                 </a:solidFill>
@@ -1120,7 +1207,7 @@
           </a:p>
           <a:p>
             <a:r>
-              <a:rPr lang="zh-TW" altLang="en-US" sz="1200" b="0" i="0" kern="1200" dirty="0">
+              <a:rPr lang="zh-TW" altLang="en-US" sz="1200" b="0" i="0" kern="1200" dirty="0" smtClean="0">
                 <a:solidFill>
                   <a:schemeClr val="tx1"/>
                 </a:solidFill>
@@ -1131,7 +1218,7 @@
               </a:rPr>
               <a:t>如圖所示，狗的圖像從清晰逐漸變得模糊，最終變成一團雜訊。</a:t>
             </a:r>
-            <a:endParaRPr lang="en-US" altLang="zh-TW" sz="1200" b="0" i="0" kern="1200" dirty="0">
+            <a:endParaRPr lang="en-US" altLang="zh-TW" sz="1200" b="0" i="0" kern="1200" dirty="0" smtClean="0">
               <a:solidFill>
                 <a:schemeClr val="tx1"/>
               </a:solidFill>
@@ -1142,7 +1229,7 @@
             </a:endParaRPr>
           </a:p>
           <a:p>
-            <a:endParaRPr lang="en-US" altLang="zh-TW" sz="1200" b="0" i="0" kern="1200" dirty="0">
+            <a:endParaRPr lang="en-US" altLang="zh-TW" sz="1200" b="0" i="0" kern="1200" dirty="0" smtClean="0">
               <a:solidFill>
                 <a:schemeClr val="tx1"/>
               </a:solidFill>
@@ -1154,7 +1241,7 @@
           </a:p>
           <a:p>
             <a:r>
-              <a:rPr lang="zh-TW" altLang="en-US" sz="1200" b="0" i="0" kern="1200" dirty="0">
+              <a:rPr lang="zh-TW" altLang="en-US" sz="1200" b="0" i="0" kern="1200" dirty="0" smtClean="0">
                 <a:solidFill>
                   <a:schemeClr val="tx1"/>
                 </a:solidFill>
@@ -1166,7 +1253,7 @@
               <a:t>逆向去噪過程</a:t>
             </a:r>
             <a:r>
-              <a:rPr lang="en-US" altLang="zh-TW" sz="1200" b="0" i="0" kern="1200" dirty="0">
+              <a:rPr lang="en-US" altLang="zh-TW" sz="1200" b="0" i="0" kern="1200" dirty="0" smtClean="0">
                 <a:solidFill>
                   <a:schemeClr val="tx1"/>
                 </a:solidFill>
@@ -1178,7 +1265,7 @@
               <a:t>:</a:t>
             </a:r>
             <a:r>
-              <a:rPr lang="zh-TW" altLang="en-US" sz="1200" b="0" i="0" kern="1200" dirty="0">
+              <a:rPr lang="zh-TW" altLang="en-US" sz="1200" b="0" i="0" kern="1200" dirty="0" smtClean="0">
                 <a:solidFill>
                   <a:schemeClr val="tx1"/>
                 </a:solidFill>
@@ -1192,7 +1279,7 @@
           </a:p>
           <a:p>
             <a:r>
-              <a:rPr lang="zh-TW" altLang="en-US" sz="1200" b="0" i="0" kern="1200" dirty="0">
+              <a:rPr lang="zh-TW" altLang="en-US" sz="1200" b="0" i="0" kern="1200" dirty="0" smtClean="0">
                 <a:solidFill>
                   <a:schemeClr val="tx1"/>
                 </a:solidFill>
@@ -1204,20 +1291,6 @@
               <a:t>透過學習這個逆向過程，模型能夠從隨機雜訊開始，逐步生成出新的、逼真的圖像。 </a:t>
             </a:r>
           </a:p>
-          <a:p>
-            <a:endParaRPr lang="zh-TW" altLang="en-US" sz="1200" b="0" i="0" kern="1200" dirty="0">
-              <a:solidFill>
-                <a:schemeClr val="tx1"/>
-              </a:solidFill>
-              <a:effectLst/>
-              <a:latin typeface="+mn-lt"/>
-              <a:ea typeface="+mn-ea"/>
-              <a:cs typeface="+mn-cs"/>
-            </a:endParaRPr>
-          </a:p>
-          <a:p>
-            <a:endParaRPr lang="zh-TW" altLang="en-US" b="0" dirty="0"/>
-          </a:p>
         </p:txBody>
       </p:sp>
       <p:sp>
@@ -1235,18 +1308,19 @@
           <a:bodyPr/>
           <a:lstStyle/>
           <a:p>
-            <a:fld id="{B8D0CE21-A827-46F8-BEFD-C23296934A6E}" type="slidenum">
+            <a:fld id="{0B2B8DB6-FB4E-4471-A6F0-0524DB0C6FE4}" type="slidenum">
               <a:rPr lang="zh-TW" altLang="en-US" smtClean="0"/>
+              <a:pPr/>
               <a:t>3</a:t>
             </a:fld>
-            <a:endParaRPr lang="zh-TW" altLang="en-US"/>
+            <a:endParaRPr lang="zh-TW" altLang="en-US" dirty="0"/>
           </a:p>
         </p:txBody>
       </p:sp>
     </p:spTree>
     <p:extLst>
       <p:ext uri="{BB962C8B-B14F-4D97-AF65-F5344CB8AC3E}">
-        <p14:creationId xmlns:p14="http://schemas.microsoft.com/office/powerpoint/2010/main" val="2368996962"/>
+        <p14:creationId xmlns:p14="http://schemas.microsoft.com/office/powerpoint/2010/main" val="3386506275"/>
       </p:ext>
     </p:extLst>
   </p:cSld>
@@ -1423,7 +1497,7 @@
           <a:p>
             <a:fld id="{B8D0CE21-A827-46F8-BEFD-C23296934A6E}" type="slidenum">
               <a:rPr lang="zh-TW" altLang="en-US" smtClean="0"/>
-              <a:t>5</a:t>
+              <a:t>6</a:t>
             </a:fld>
             <a:endParaRPr lang="zh-TW" altLang="en-US"/>
           </a:p>
@@ -1553,7 +1627,7 @@
           <a:p>
             <a:fld id="{B8D0CE21-A827-46F8-BEFD-C23296934A6E}" type="slidenum">
               <a:rPr lang="zh-TW" altLang="en-US" smtClean="0"/>
-              <a:t>6</a:t>
+              <a:t>7</a:t>
             </a:fld>
             <a:endParaRPr lang="zh-TW" altLang="en-US"/>
           </a:p>
@@ -1562,7 +1636,7 @@
     </p:spTree>
     <p:extLst>
       <p:ext uri="{BB962C8B-B14F-4D97-AF65-F5344CB8AC3E}">
-        <p14:creationId xmlns:p14="http://schemas.microsoft.com/office/powerpoint/2010/main" val="1001063323"/>
+        <p14:creationId xmlns:p14="http://schemas.microsoft.com/office/powerpoint/2010/main" val="3178421793"/>
       </p:ext>
     </p:extLst>
   </p:cSld>
@@ -1591,7 +1665,7 @@
       </p:grpSpPr>
       <p:sp>
         <p:nvSpPr>
-          <p:cNvPr id="2" name="投影片影像版面配置區 1"/>
+          <p:cNvPr id="2" name="投影片圖像版面配置區 1"/>
           <p:cNvSpPr>
             <a:spLocks noGrp="1" noRot="1" noChangeAspect="1"/>
           </p:cNvSpPr>
@@ -1616,67 +1690,7 @@
           <a:bodyPr/>
           <a:lstStyle/>
           <a:p>
-            <a:pPr rtl="0" fontAlgn="auto"/>
-            <a:r>
-              <a:rPr lang="zh-TW" altLang="en-US" dirty="0"/>
-              <a:t>去噪</a:t>
-            </a:r>
-            <a:r>
-              <a:rPr lang="en-US" altLang="zh-TW" dirty="0"/>
-              <a:t>U-Net</a:t>
-            </a:r>
-            <a:r>
-              <a:rPr lang="zh-TW" altLang="en-US" dirty="0"/>
-              <a:t>：這是模型的核心部分，負責在擴散過程中逐步去除雜訊，並利用交叉注意力機制整合來自條件模塊的資訊。 </a:t>
-            </a:r>
-            <a:endParaRPr lang="en-US" altLang="zh-TW" dirty="0"/>
-          </a:p>
-          <a:p>
-            <a:pPr rtl="0" fontAlgn="auto"/>
-            <a:r>
-              <a:rPr lang="zh-TW" altLang="en-US" dirty="0"/>
-              <a:t>型可以接受多種形式的條件輸入，例如語義圖（</a:t>
-            </a:r>
-            <a:r>
-              <a:rPr lang="en-US" altLang="zh-TW" dirty="0"/>
-              <a:t>Semantic Map</a:t>
-            </a:r>
-            <a:r>
-              <a:rPr lang="zh-TW" altLang="en-US" dirty="0"/>
-              <a:t>）、文本（</a:t>
-            </a:r>
-            <a:r>
-              <a:rPr lang="en-US" altLang="zh-TW" dirty="0"/>
-              <a:t>Text</a:t>
-            </a:r>
-            <a:r>
-              <a:rPr lang="zh-TW" altLang="en-US" dirty="0"/>
-              <a:t>）、表示（</a:t>
-            </a:r>
-            <a:r>
-              <a:rPr lang="en-US" altLang="zh-TW" dirty="0"/>
-              <a:t>Representations</a:t>
-            </a:r>
-            <a:r>
-              <a:rPr lang="zh-TW" altLang="en-US" dirty="0"/>
-              <a:t>）或圖像（</a:t>
-            </a:r>
-            <a:r>
-              <a:rPr lang="en-US" altLang="zh-TW" dirty="0"/>
-              <a:t>Images</a:t>
-            </a:r>
-            <a:r>
-              <a:rPr lang="zh-TW" altLang="en-US" dirty="0"/>
-              <a:t>），這些條件透過處理後影響去噪</a:t>
-            </a:r>
-            <a:r>
-              <a:rPr lang="en-US" altLang="zh-TW" dirty="0"/>
-              <a:t>U-Net </a:t>
-            </a:r>
-            <a:r>
-              <a:rPr lang="zh-TW" altLang="en-US" dirty="0"/>
-              <a:t>的生成過程。</a:t>
-            </a:r>
+            <a:endParaRPr lang="zh-TW" altLang="en-US" dirty="0"/>
           </a:p>
         </p:txBody>
       </p:sp>
@@ -1687,7 +1701,7 @@
             <a:spLocks noGrp="1"/>
           </p:cNvSpPr>
           <p:nvPr>
-            <p:ph type="sldNum" sz="quarter" idx="5"/>
+            <p:ph type="sldNum" sz="quarter" idx="10"/>
           </p:nvPr>
         </p:nvSpPr>
         <p:spPr/>
@@ -1697,7 +1711,7 @@
           <a:p>
             <a:fld id="{B8D0CE21-A827-46F8-BEFD-C23296934A6E}" type="slidenum">
               <a:rPr lang="zh-TW" altLang="en-US" smtClean="0"/>
-              <a:t>7</a:t>
+              <a:t>8</a:t>
             </a:fld>
             <a:endParaRPr lang="zh-TW" altLang="en-US"/>
           </a:p>
@@ -1706,7 +1720,7 @@
     </p:spTree>
     <p:extLst>
       <p:ext uri="{BB962C8B-B14F-4D97-AF65-F5344CB8AC3E}">
-        <p14:creationId xmlns:p14="http://schemas.microsoft.com/office/powerpoint/2010/main" val="802712465"/>
+        <p14:creationId xmlns:p14="http://schemas.microsoft.com/office/powerpoint/2010/main" val="1001063323"/>
       </p:ext>
     </p:extLst>
   </p:cSld>
@@ -1735,7 +1749,7 @@
       </p:grpSpPr>
       <p:sp>
         <p:nvSpPr>
-          <p:cNvPr id="2" name="投影片圖像版面配置區 1"/>
+          <p:cNvPr id="2" name="投影片影像版面配置區 1"/>
           <p:cNvSpPr>
             <a:spLocks noGrp="1" noRot="1" noChangeAspect="1"/>
           </p:cNvSpPr>
@@ -1760,15 +1774,67 @@
           <a:bodyPr/>
           <a:lstStyle/>
           <a:p>
+            <a:pPr rtl="0" fontAlgn="auto"/>
             <a:r>
               <a:rPr lang="zh-TW" altLang="en-US" dirty="0"/>
-              <a:t>用三種資料進入</a:t>
-            </a:r>
-            <a:r>
-              <a:rPr lang="en-US" altLang="zh-TW"/>
-              <a:t>latent diffusion model</a:t>
-            </a:r>
-            <a:endParaRPr lang="zh-TW" altLang="en-US" dirty="0"/>
+              <a:t>去噪</a:t>
+            </a:r>
+            <a:r>
+              <a:rPr lang="en-US" altLang="zh-TW" dirty="0"/>
+              <a:t>U-Net</a:t>
+            </a:r>
+            <a:r>
+              <a:rPr lang="zh-TW" altLang="en-US" dirty="0"/>
+              <a:t>：這是模型的核心部分，負責在擴散過程中逐步去除雜訊，並利用交叉注意力機制整合來自條件模塊的資訊。 </a:t>
+            </a:r>
+            <a:endParaRPr lang="en-US" altLang="zh-TW" dirty="0"/>
+          </a:p>
+          <a:p>
+            <a:pPr rtl="0" fontAlgn="auto"/>
+            <a:r>
+              <a:rPr lang="zh-TW" altLang="en-US" dirty="0"/>
+              <a:t>型可以接受多種形式的條件輸入，例如語義圖（</a:t>
+            </a:r>
+            <a:r>
+              <a:rPr lang="en-US" altLang="zh-TW" dirty="0"/>
+              <a:t>Semantic Map</a:t>
+            </a:r>
+            <a:r>
+              <a:rPr lang="zh-TW" altLang="en-US" dirty="0"/>
+              <a:t>）、文本（</a:t>
+            </a:r>
+            <a:r>
+              <a:rPr lang="en-US" altLang="zh-TW" dirty="0"/>
+              <a:t>Text</a:t>
+            </a:r>
+            <a:r>
+              <a:rPr lang="zh-TW" altLang="en-US" dirty="0"/>
+              <a:t>）、表示（</a:t>
+            </a:r>
+            <a:r>
+              <a:rPr lang="en-US" altLang="zh-TW" dirty="0"/>
+              <a:t>Representations</a:t>
+            </a:r>
+            <a:r>
+              <a:rPr lang="zh-TW" altLang="en-US" dirty="0"/>
+              <a:t>）或圖像（</a:t>
+            </a:r>
+            <a:r>
+              <a:rPr lang="en-US" altLang="zh-TW" dirty="0"/>
+              <a:t>Images</a:t>
+            </a:r>
+            <a:r>
+              <a:rPr lang="zh-TW" altLang="en-US" dirty="0"/>
+              <a:t>），這些條件透過處理後影響去噪</a:t>
+            </a:r>
+            <a:r>
+              <a:rPr lang="en-US" altLang="zh-TW" dirty="0"/>
+              <a:t>U-Net </a:t>
+            </a:r>
+            <a:r>
+              <a:rPr lang="zh-TW" altLang="en-US" dirty="0"/>
+              <a:t>的生成過程。</a:t>
+            </a:r>
           </a:p>
         </p:txBody>
       </p:sp>
@@ -1779,7 +1845,7 @@
             <a:spLocks noGrp="1"/>
           </p:cNvSpPr>
           <p:nvPr>
-            <p:ph type="sldNum" sz="quarter" idx="10"/>
+            <p:ph type="sldNum" sz="quarter" idx="5"/>
           </p:nvPr>
         </p:nvSpPr>
         <p:spPr/>
@@ -1789,7 +1855,7 @@
           <a:p>
             <a:fld id="{B8D0CE21-A827-46F8-BEFD-C23296934A6E}" type="slidenum">
               <a:rPr lang="zh-TW" altLang="en-US" smtClean="0"/>
-              <a:t>8</a:t>
+              <a:t>9</a:t>
             </a:fld>
             <a:endParaRPr lang="zh-TW" altLang="en-US"/>
           </a:p>
@@ -1798,7 +1864,7 @@
     </p:spTree>
     <p:extLst>
       <p:ext uri="{BB962C8B-B14F-4D97-AF65-F5344CB8AC3E}">
-        <p14:creationId xmlns:p14="http://schemas.microsoft.com/office/powerpoint/2010/main" val="2467602598"/>
+        <p14:creationId xmlns:p14="http://schemas.microsoft.com/office/powerpoint/2010/main" val="802712465"/>
       </p:ext>
     </p:extLst>
   </p:cSld>
@@ -1853,24 +1919,12 @@
           <a:lstStyle/>
           <a:p>
             <a:r>
-              <a:rPr lang="en-US" altLang="zh-TW" dirty="0"/>
-              <a:t>DDIM</a:t>
-            </a:r>
-            <a:r>
               <a:rPr lang="zh-TW" altLang="en-US" dirty="0"/>
-              <a:t>是</a:t>
-            </a:r>
-            <a:r>
-              <a:rPr lang="en-US" altLang="zh-TW" sz="1200" b="0" i="0" kern="1200" dirty="0">
-                <a:solidFill>
-                  <a:schemeClr val="tx1"/>
-                </a:solidFill>
-                <a:effectLst/>
-                <a:latin typeface="+mn-lt"/>
-                <a:ea typeface="+mn-ea"/>
-                <a:cs typeface="+mn-cs"/>
-              </a:rPr>
-              <a:t>denoising diffusion implicit models</a:t>
+              <a:t>用三種資料進入</a:t>
+            </a:r>
+            <a:r>
+              <a:rPr lang="en-US" altLang="zh-TW"/>
+              <a:t>latent diffusion model</a:t>
             </a:r>
             <a:endParaRPr lang="zh-TW" altLang="en-US" dirty="0"/>
           </a:p>
@@ -1893,7 +1947,7 @@
           <a:p>
             <a:fld id="{B8D0CE21-A827-46F8-BEFD-C23296934A6E}" type="slidenum">
               <a:rPr lang="zh-TW" altLang="en-US" smtClean="0"/>
-              <a:t>9</a:t>
+              <a:t>11</a:t>
             </a:fld>
             <a:endParaRPr lang="zh-TW" altLang="en-US"/>
           </a:p>
@@ -1902,7 +1956,7 @@
     </p:spTree>
     <p:extLst>
       <p:ext uri="{BB962C8B-B14F-4D97-AF65-F5344CB8AC3E}">
-        <p14:creationId xmlns:p14="http://schemas.microsoft.com/office/powerpoint/2010/main" val="178911121"/>
+        <p14:creationId xmlns:p14="http://schemas.microsoft.com/office/powerpoint/2010/main" val="2467602598"/>
       </p:ext>
     </p:extLst>
   </p:cSld>
@@ -1956,6 +2010,26 @@
           <a:bodyPr/>
           <a:lstStyle/>
           <a:p>
+            <a:r>
+              <a:rPr lang="en-US" altLang="zh-TW" dirty="0"/>
+              <a:t>DDIM</a:t>
+            </a:r>
+            <a:r>
+              <a:rPr lang="zh-TW" altLang="en-US" dirty="0"/>
+              <a:t>是</a:t>
+            </a:r>
+            <a:r>
+              <a:rPr lang="en-US" altLang="zh-TW" sz="1200" b="0" i="0" kern="1200" dirty="0">
+                <a:solidFill>
+                  <a:schemeClr val="tx1"/>
+                </a:solidFill>
+                <a:effectLst/>
+                <a:latin typeface="+mn-lt"/>
+                <a:ea typeface="+mn-ea"/>
+                <a:cs typeface="+mn-cs"/>
+              </a:rPr>
+              <a:t>denoising diffusion implicit models</a:t>
+            </a:r>
             <a:endParaRPr lang="zh-TW" altLang="en-US" dirty="0"/>
           </a:p>
         </p:txBody>
@@ -1977,7 +2051,7 @@
           <a:p>
             <a:fld id="{B8D0CE21-A827-46F8-BEFD-C23296934A6E}" type="slidenum">
               <a:rPr lang="zh-TW" altLang="en-US" smtClean="0"/>
-              <a:t>10</a:t>
+              <a:t>12</a:t>
             </a:fld>
             <a:endParaRPr lang="zh-TW" altLang="en-US"/>
           </a:p>
@@ -1986,7 +2060,7 @@
     </p:spTree>
     <p:extLst>
       <p:ext uri="{BB962C8B-B14F-4D97-AF65-F5344CB8AC3E}">
-        <p14:creationId xmlns:p14="http://schemas.microsoft.com/office/powerpoint/2010/main" val="732014916"/>
+        <p14:creationId xmlns:p14="http://schemas.microsoft.com/office/powerpoint/2010/main" val="178911121"/>
       </p:ext>
     </p:extLst>
   </p:cSld>
@@ -2018,7 +2092,7 @@
           <p:cNvPr id="2" name="標題 1">
             <a:extLst>
               <a:ext uri="{FF2B5EF4-FFF2-40B4-BE49-F238E27FC236}">
-                <a16:creationId xmlns:a16="http://schemas.microsoft.com/office/drawing/2014/main" id="{E35DDB53-C1D0-4F65-A4BE-FDCE1B8E9860}"/>
+                <a16:creationId xmlns:a16="http://schemas.microsoft.com/office/drawing/2014/main" xmlns="" id="{E35DDB53-C1D0-4F65-A4BE-FDCE1B8E9860}"/>
               </a:ext>
             </a:extLst>
           </p:cNvPr>
@@ -2055,7 +2129,7 @@
           <p:cNvPr id="3" name="副標題 2">
             <a:extLst>
               <a:ext uri="{FF2B5EF4-FFF2-40B4-BE49-F238E27FC236}">
-                <a16:creationId xmlns:a16="http://schemas.microsoft.com/office/drawing/2014/main" id="{8354E729-BC2A-4F7F-8F4B-8373B46B63FE}"/>
+                <a16:creationId xmlns:a16="http://schemas.microsoft.com/office/drawing/2014/main" xmlns="" id="{8354E729-BC2A-4F7F-8F4B-8373B46B63FE}"/>
               </a:ext>
             </a:extLst>
           </p:cNvPr>
@@ -2125,7 +2199,7 @@
           <p:cNvPr id="4" name="日期版面配置區 3">
             <a:extLst>
               <a:ext uri="{FF2B5EF4-FFF2-40B4-BE49-F238E27FC236}">
-                <a16:creationId xmlns:a16="http://schemas.microsoft.com/office/drawing/2014/main" id="{53A123AF-A667-4572-AB54-DBC4AD746939}"/>
+                <a16:creationId xmlns:a16="http://schemas.microsoft.com/office/drawing/2014/main" xmlns="" id="{53A123AF-A667-4572-AB54-DBC4AD746939}"/>
               </a:ext>
             </a:extLst>
           </p:cNvPr>
@@ -2143,7 +2217,7 @@
           <a:p>
             <a:fld id="{879B64F2-2B7B-48CE-A93F-F01CBE8AC1ED}" type="datetimeFigureOut">
               <a:rPr lang="zh-TW" altLang="en-US" smtClean="0"/>
-              <a:t>2025/9/25</a:t>
+              <a:t>2025/9/26</a:t>
             </a:fld>
             <a:endParaRPr lang="zh-TW" altLang="en-US"/>
           </a:p>
@@ -2154,7 +2228,7 @@
           <p:cNvPr id="5" name="頁尾版面配置區 4">
             <a:extLst>
               <a:ext uri="{FF2B5EF4-FFF2-40B4-BE49-F238E27FC236}">
-                <a16:creationId xmlns:a16="http://schemas.microsoft.com/office/drawing/2014/main" id="{C1680952-D95E-4C38-A26F-B893A6A5912A}"/>
+                <a16:creationId xmlns:a16="http://schemas.microsoft.com/office/drawing/2014/main" xmlns="" id="{C1680952-D95E-4C38-A26F-B893A6A5912A}"/>
               </a:ext>
             </a:extLst>
           </p:cNvPr>
@@ -2179,7 +2253,7 @@
           <p:cNvPr id="6" name="投影片編號版面配置區 5">
             <a:extLst>
               <a:ext uri="{FF2B5EF4-FFF2-40B4-BE49-F238E27FC236}">
-                <a16:creationId xmlns:a16="http://schemas.microsoft.com/office/drawing/2014/main" id="{7B4DFC22-CF8A-42FA-B051-57874EC650B4}"/>
+                <a16:creationId xmlns:a16="http://schemas.microsoft.com/office/drawing/2014/main" xmlns="" id="{7B4DFC22-CF8A-42FA-B051-57874EC650B4}"/>
               </a:ext>
             </a:extLst>
           </p:cNvPr>
@@ -2238,7 +2312,7 @@
           <p:cNvPr id="2" name="標題 1">
             <a:extLst>
               <a:ext uri="{FF2B5EF4-FFF2-40B4-BE49-F238E27FC236}">
-                <a16:creationId xmlns:a16="http://schemas.microsoft.com/office/drawing/2014/main" id="{BF8231CC-55F0-4C45-98FF-6E283F9BE9B7}"/>
+                <a16:creationId xmlns:a16="http://schemas.microsoft.com/office/drawing/2014/main" xmlns="" id="{BF8231CC-55F0-4C45-98FF-6E283F9BE9B7}"/>
               </a:ext>
             </a:extLst>
           </p:cNvPr>
@@ -2266,7 +2340,7 @@
           <p:cNvPr id="3" name="直排文字版面配置區 2">
             <a:extLst>
               <a:ext uri="{FF2B5EF4-FFF2-40B4-BE49-F238E27FC236}">
-                <a16:creationId xmlns:a16="http://schemas.microsoft.com/office/drawing/2014/main" id="{8FF68CBD-6D1A-4843-BDC7-19874D55AB91}"/>
+                <a16:creationId xmlns:a16="http://schemas.microsoft.com/office/drawing/2014/main" xmlns="" id="{8FF68CBD-6D1A-4843-BDC7-19874D55AB91}"/>
               </a:ext>
             </a:extLst>
           </p:cNvPr>
@@ -2323,7 +2397,7 @@
           <p:cNvPr id="4" name="日期版面配置區 3">
             <a:extLst>
               <a:ext uri="{FF2B5EF4-FFF2-40B4-BE49-F238E27FC236}">
-                <a16:creationId xmlns:a16="http://schemas.microsoft.com/office/drawing/2014/main" id="{DB8D22BC-3DCA-48D2-AB31-E480388E4151}"/>
+                <a16:creationId xmlns:a16="http://schemas.microsoft.com/office/drawing/2014/main" xmlns="" id="{DB8D22BC-3DCA-48D2-AB31-E480388E4151}"/>
               </a:ext>
             </a:extLst>
           </p:cNvPr>
@@ -2341,7 +2415,7 @@
           <a:p>
             <a:fld id="{879B64F2-2B7B-48CE-A93F-F01CBE8AC1ED}" type="datetimeFigureOut">
               <a:rPr lang="zh-TW" altLang="en-US" smtClean="0"/>
-              <a:t>2025/9/25</a:t>
+              <a:t>2025/9/26</a:t>
             </a:fld>
             <a:endParaRPr lang="zh-TW" altLang="en-US"/>
           </a:p>
@@ -2352,7 +2426,7 @@
           <p:cNvPr id="5" name="頁尾版面配置區 4">
             <a:extLst>
               <a:ext uri="{FF2B5EF4-FFF2-40B4-BE49-F238E27FC236}">
-                <a16:creationId xmlns:a16="http://schemas.microsoft.com/office/drawing/2014/main" id="{467873BE-0D19-44DB-BDF7-F65B9609DB66}"/>
+                <a16:creationId xmlns:a16="http://schemas.microsoft.com/office/drawing/2014/main" xmlns="" id="{467873BE-0D19-44DB-BDF7-F65B9609DB66}"/>
               </a:ext>
             </a:extLst>
           </p:cNvPr>
@@ -2377,7 +2451,7 @@
           <p:cNvPr id="6" name="投影片編號版面配置區 5">
             <a:extLst>
               <a:ext uri="{FF2B5EF4-FFF2-40B4-BE49-F238E27FC236}">
-                <a16:creationId xmlns:a16="http://schemas.microsoft.com/office/drawing/2014/main" id="{3DB2F59D-061E-4373-B631-C6CB62DFE299}"/>
+                <a16:creationId xmlns:a16="http://schemas.microsoft.com/office/drawing/2014/main" xmlns="" id="{3DB2F59D-061E-4373-B631-C6CB62DFE299}"/>
               </a:ext>
             </a:extLst>
           </p:cNvPr>
@@ -2436,7 +2510,7 @@
           <p:cNvPr id="2" name="直排標題 1">
             <a:extLst>
               <a:ext uri="{FF2B5EF4-FFF2-40B4-BE49-F238E27FC236}">
-                <a16:creationId xmlns:a16="http://schemas.microsoft.com/office/drawing/2014/main" id="{06EDF22F-572D-4E49-B9FE-461C70AE81B4}"/>
+                <a16:creationId xmlns:a16="http://schemas.microsoft.com/office/drawing/2014/main" xmlns="" id="{06EDF22F-572D-4E49-B9FE-461C70AE81B4}"/>
               </a:ext>
             </a:extLst>
           </p:cNvPr>
@@ -2469,7 +2543,7 @@
           <p:cNvPr id="3" name="直排文字版面配置區 2">
             <a:extLst>
               <a:ext uri="{FF2B5EF4-FFF2-40B4-BE49-F238E27FC236}">
-                <a16:creationId xmlns:a16="http://schemas.microsoft.com/office/drawing/2014/main" id="{59CC5A8A-0DE7-403D-92AC-B9CB79636A91}"/>
+                <a16:creationId xmlns:a16="http://schemas.microsoft.com/office/drawing/2014/main" xmlns="" id="{59CC5A8A-0DE7-403D-92AC-B9CB79636A91}"/>
               </a:ext>
             </a:extLst>
           </p:cNvPr>
@@ -2531,7 +2605,7 @@
           <p:cNvPr id="4" name="日期版面配置區 3">
             <a:extLst>
               <a:ext uri="{FF2B5EF4-FFF2-40B4-BE49-F238E27FC236}">
-                <a16:creationId xmlns:a16="http://schemas.microsoft.com/office/drawing/2014/main" id="{34E26329-B68D-435D-9D35-A130E9D0035E}"/>
+                <a16:creationId xmlns:a16="http://schemas.microsoft.com/office/drawing/2014/main" xmlns="" id="{34E26329-B68D-435D-9D35-A130E9D0035E}"/>
               </a:ext>
             </a:extLst>
           </p:cNvPr>
@@ -2549,7 +2623,7 @@
           <a:p>
             <a:fld id="{879B64F2-2B7B-48CE-A93F-F01CBE8AC1ED}" type="datetimeFigureOut">
               <a:rPr lang="zh-TW" altLang="en-US" smtClean="0"/>
-              <a:t>2025/9/25</a:t>
+              <a:t>2025/9/26</a:t>
             </a:fld>
             <a:endParaRPr lang="zh-TW" altLang="en-US"/>
           </a:p>
@@ -2560,7 +2634,7 @@
           <p:cNvPr id="5" name="頁尾版面配置區 4">
             <a:extLst>
               <a:ext uri="{FF2B5EF4-FFF2-40B4-BE49-F238E27FC236}">
-                <a16:creationId xmlns:a16="http://schemas.microsoft.com/office/drawing/2014/main" id="{F9AF36C7-E76E-42D1-9E71-EFBDDBB0D96B}"/>
+                <a16:creationId xmlns:a16="http://schemas.microsoft.com/office/drawing/2014/main" xmlns="" id="{F9AF36C7-E76E-42D1-9E71-EFBDDBB0D96B}"/>
               </a:ext>
             </a:extLst>
           </p:cNvPr>
@@ -2585,7 +2659,7 @@
           <p:cNvPr id="6" name="投影片編號版面配置區 5">
             <a:extLst>
               <a:ext uri="{FF2B5EF4-FFF2-40B4-BE49-F238E27FC236}">
-                <a16:creationId xmlns:a16="http://schemas.microsoft.com/office/drawing/2014/main" id="{FF7619F3-574F-4F73-B342-3EBD0FCAFF59}"/>
+                <a16:creationId xmlns:a16="http://schemas.microsoft.com/office/drawing/2014/main" xmlns="" id="{FF7619F3-574F-4F73-B342-3EBD0FCAFF59}"/>
               </a:ext>
             </a:extLst>
           </p:cNvPr>
@@ -2644,7 +2718,7 @@
           <p:cNvPr id="2" name="標題 1">
             <a:extLst>
               <a:ext uri="{FF2B5EF4-FFF2-40B4-BE49-F238E27FC236}">
-                <a16:creationId xmlns:a16="http://schemas.microsoft.com/office/drawing/2014/main" id="{9417FDB8-6564-4A89-892F-121ECB6A15E3}"/>
+                <a16:creationId xmlns:a16="http://schemas.microsoft.com/office/drawing/2014/main" xmlns="" id="{9417FDB8-6564-4A89-892F-121ECB6A15E3}"/>
               </a:ext>
             </a:extLst>
           </p:cNvPr>
@@ -2672,7 +2746,7 @@
           <p:cNvPr id="3" name="內容版面配置區 2">
             <a:extLst>
               <a:ext uri="{FF2B5EF4-FFF2-40B4-BE49-F238E27FC236}">
-                <a16:creationId xmlns:a16="http://schemas.microsoft.com/office/drawing/2014/main" id="{51212427-EE34-43C7-A8FD-694D51AB046E}"/>
+                <a16:creationId xmlns:a16="http://schemas.microsoft.com/office/drawing/2014/main" xmlns="" id="{51212427-EE34-43C7-A8FD-694D51AB046E}"/>
               </a:ext>
             </a:extLst>
           </p:cNvPr>
@@ -2729,7 +2803,7 @@
           <p:cNvPr id="4" name="日期版面配置區 3">
             <a:extLst>
               <a:ext uri="{FF2B5EF4-FFF2-40B4-BE49-F238E27FC236}">
-                <a16:creationId xmlns:a16="http://schemas.microsoft.com/office/drawing/2014/main" id="{57CBDCD7-360C-4618-99D5-86A5A5EF480F}"/>
+                <a16:creationId xmlns:a16="http://schemas.microsoft.com/office/drawing/2014/main" xmlns="" id="{57CBDCD7-360C-4618-99D5-86A5A5EF480F}"/>
               </a:ext>
             </a:extLst>
           </p:cNvPr>
@@ -2747,7 +2821,7 @@
           <a:p>
             <a:fld id="{879B64F2-2B7B-48CE-A93F-F01CBE8AC1ED}" type="datetimeFigureOut">
               <a:rPr lang="zh-TW" altLang="en-US" smtClean="0"/>
-              <a:t>2025/9/25</a:t>
+              <a:t>2025/9/26</a:t>
             </a:fld>
             <a:endParaRPr lang="zh-TW" altLang="en-US"/>
           </a:p>
@@ -2758,7 +2832,7 @@
           <p:cNvPr id="5" name="頁尾版面配置區 4">
             <a:extLst>
               <a:ext uri="{FF2B5EF4-FFF2-40B4-BE49-F238E27FC236}">
-                <a16:creationId xmlns:a16="http://schemas.microsoft.com/office/drawing/2014/main" id="{CF3DC7E3-2CDA-47FC-82EC-B6724DEDE6AE}"/>
+                <a16:creationId xmlns:a16="http://schemas.microsoft.com/office/drawing/2014/main" xmlns="" id="{CF3DC7E3-2CDA-47FC-82EC-B6724DEDE6AE}"/>
               </a:ext>
             </a:extLst>
           </p:cNvPr>
@@ -2783,7 +2857,7 @@
           <p:cNvPr id="6" name="投影片編號版面配置區 5">
             <a:extLst>
               <a:ext uri="{FF2B5EF4-FFF2-40B4-BE49-F238E27FC236}">
-                <a16:creationId xmlns:a16="http://schemas.microsoft.com/office/drawing/2014/main" id="{6FCD9DA0-45A4-4361-AD1D-DB2F24801798}"/>
+                <a16:creationId xmlns:a16="http://schemas.microsoft.com/office/drawing/2014/main" xmlns="" id="{6FCD9DA0-45A4-4361-AD1D-DB2F24801798}"/>
               </a:ext>
             </a:extLst>
           </p:cNvPr>
@@ -2842,7 +2916,7 @@
           <p:cNvPr id="2" name="標題 1">
             <a:extLst>
               <a:ext uri="{FF2B5EF4-FFF2-40B4-BE49-F238E27FC236}">
-                <a16:creationId xmlns:a16="http://schemas.microsoft.com/office/drawing/2014/main" id="{AAD101D0-1702-4091-BD84-775665326445}"/>
+                <a16:creationId xmlns:a16="http://schemas.microsoft.com/office/drawing/2014/main" xmlns="" id="{AAD101D0-1702-4091-BD84-775665326445}"/>
               </a:ext>
             </a:extLst>
           </p:cNvPr>
@@ -2879,7 +2953,7 @@
           <p:cNvPr id="3" name="文字版面配置區 2">
             <a:extLst>
               <a:ext uri="{FF2B5EF4-FFF2-40B4-BE49-F238E27FC236}">
-                <a16:creationId xmlns:a16="http://schemas.microsoft.com/office/drawing/2014/main" id="{0BD8E1E2-602B-4613-8148-CCAA3F8A8479}"/>
+                <a16:creationId xmlns:a16="http://schemas.microsoft.com/office/drawing/2014/main" xmlns="" id="{0BD8E1E2-602B-4613-8148-CCAA3F8A8479}"/>
               </a:ext>
             </a:extLst>
           </p:cNvPr>
@@ -3004,7 +3078,7 @@
           <p:cNvPr id="4" name="日期版面配置區 3">
             <a:extLst>
               <a:ext uri="{FF2B5EF4-FFF2-40B4-BE49-F238E27FC236}">
-                <a16:creationId xmlns:a16="http://schemas.microsoft.com/office/drawing/2014/main" id="{EE9C1E22-1E55-471F-AFCC-5907530118FD}"/>
+                <a16:creationId xmlns:a16="http://schemas.microsoft.com/office/drawing/2014/main" xmlns="" id="{EE9C1E22-1E55-471F-AFCC-5907530118FD}"/>
               </a:ext>
             </a:extLst>
           </p:cNvPr>
@@ -3022,7 +3096,7 @@
           <a:p>
             <a:fld id="{879B64F2-2B7B-48CE-A93F-F01CBE8AC1ED}" type="datetimeFigureOut">
               <a:rPr lang="zh-TW" altLang="en-US" smtClean="0"/>
-              <a:t>2025/9/25</a:t>
+              <a:t>2025/9/26</a:t>
             </a:fld>
             <a:endParaRPr lang="zh-TW" altLang="en-US"/>
           </a:p>
@@ -3033,7 +3107,7 @@
           <p:cNvPr id="5" name="頁尾版面配置區 4">
             <a:extLst>
               <a:ext uri="{FF2B5EF4-FFF2-40B4-BE49-F238E27FC236}">
-                <a16:creationId xmlns:a16="http://schemas.microsoft.com/office/drawing/2014/main" id="{00E74574-3F79-43E0-886E-0F7B5FBEE9EB}"/>
+                <a16:creationId xmlns:a16="http://schemas.microsoft.com/office/drawing/2014/main" xmlns="" id="{00E74574-3F79-43E0-886E-0F7B5FBEE9EB}"/>
               </a:ext>
             </a:extLst>
           </p:cNvPr>
@@ -3058,7 +3132,7 @@
           <p:cNvPr id="6" name="投影片編號版面配置區 5">
             <a:extLst>
               <a:ext uri="{FF2B5EF4-FFF2-40B4-BE49-F238E27FC236}">
-                <a16:creationId xmlns:a16="http://schemas.microsoft.com/office/drawing/2014/main" id="{6D0AEA75-5543-4200-8506-0B2ECFF44CCA}"/>
+                <a16:creationId xmlns:a16="http://schemas.microsoft.com/office/drawing/2014/main" xmlns="" id="{6D0AEA75-5543-4200-8506-0B2ECFF44CCA}"/>
               </a:ext>
             </a:extLst>
           </p:cNvPr>
@@ -3117,7 +3191,7 @@
           <p:cNvPr id="2" name="標題 1">
             <a:extLst>
               <a:ext uri="{FF2B5EF4-FFF2-40B4-BE49-F238E27FC236}">
-                <a16:creationId xmlns:a16="http://schemas.microsoft.com/office/drawing/2014/main" id="{73297404-2E9F-475C-B361-4DC34C7D854A}"/>
+                <a16:creationId xmlns:a16="http://schemas.microsoft.com/office/drawing/2014/main" xmlns="" id="{73297404-2E9F-475C-B361-4DC34C7D854A}"/>
               </a:ext>
             </a:extLst>
           </p:cNvPr>
@@ -3145,7 +3219,7 @@
           <p:cNvPr id="3" name="內容版面配置區 2">
             <a:extLst>
               <a:ext uri="{FF2B5EF4-FFF2-40B4-BE49-F238E27FC236}">
-                <a16:creationId xmlns:a16="http://schemas.microsoft.com/office/drawing/2014/main" id="{1E0DA65C-B23C-4D21-BECF-E728DDEC65BE}"/>
+                <a16:creationId xmlns:a16="http://schemas.microsoft.com/office/drawing/2014/main" xmlns="" id="{1E0DA65C-B23C-4D21-BECF-E728DDEC65BE}"/>
               </a:ext>
             </a:extLst>
           </p:cNvPr>
@@ -3207,7 +3281,7 @@
           <p:cNvPr id="4" name="內容版面配置區 3">
             <a:extLst>
               <a:ext uri="{FF2B5EF4-FFF2-40B4-BE49-F238E27FC236}">
-                <a16:creationId xmlns:a16="http://schemas.microsoft.com/office/drawing/2014/main" id="{0DBA3308-CC5B-4665-A367-63EBBDCCB497}"/>
+                <a16:creationId xmlns:a16="http://schemas.microsoft.com/office/drawing/2014/main" xmlns="" id="{0DBA3308-CC5B-4665-A367-63EBBDCCB497}"/>
               </a:ext>
             </a:extLst>
           </p:cNvPr>
@@ -3269,7 +3343,7 @@
           <p:cNvPr id="5" name="日期版面配置區 4">
             <a:extLst>
               <a:ext uri="{FF2B5EF4-FFF2-40B4-BE49-F238E27FC236}">
-                <a16:creationId xmlns:a16="http://schemas.microsoft.com/office/drawing/2014/main" id="{FF3EBDA5-6D03-43A8-9138-B1D9126B0646}"/>
+                <a16:creationId xmlns:a16="http://schemas.microsoft.com/office/drawing/2014/main" xmlns="" id="{FF3EBDA5-6D03-43A8-9138-B1D9126B0646}"/>
               </a:ext>
             </a:extLst>
           </p:cNvPr>
@@ -3287,7 +3361,7 @@
           <a:p>
             <a:fld id="{879B64F2-2B7B-48CE-A93F-F01CBE8AC1ED}" type="datetimeFigureOut">
               <a:rPr lang="zh-TW" altLang="en-US" smtClean="0"/>
-              <a:t>2025/9/25</a:t>
+              <a:t>2025/9/26</a:t>
             </a:fld>
             <a:endParaRPr lang="zh-TW" altLang="en-US"/>
           </a:p>
@@ -3298,7 +3372,7 @@
           <p:cNvPr id="6" name="頁尾版面配置區 5">
             <a:extLst>
               <a:ext uri="{FF2B5EF4-FFF2-40B4-BE49-F238E27FC236}">
-                <a16:creationId xmlns:a16="http://schemas.microsoft.com/office/drawing/2014/main" id="{EA849ADE-300E-4A53-8040-52D9F9254D9A}"/>
+                <a16:creationId xmlns:a16="http://schemas.microsoft.com/office/drawing/2014/main" xmlns="" id="{EA849ADE-300E-4A53-8040-52D9F9254D9A}"/>
               </a:ext>
             </a:extLst>
           </p:cNvPr>
@@ -3323,7 +3397,7 @@
           <p:cNvPr id="7" name="投影片編號版面配置區 6">
             <a:extLst>
               <a:ext uri="{FF2B5EF4-FFF2-40B4-BE49-F238E27FC236}">
-                <a16:creationId xmlns:a16="http://schemas.microsoft.com/office/drawing/2014/main" id="{CB0B5C42-76A2-46F7-AD5D-A3B84D4B6684}"/>
+                <a16:creationId xmlns:a16="http://schemas.microsoft.com/office/drawing/2014/main" xmlns="" id="{CB0B5C42-76A2-46F7-AD5D-A3B84D4B6684}"/>
               </a:ext>
             </a:extLst>
           </p:cNvPr>
@@ -3382,7 +3456,7 @@
           <p:cNvPr id="2" name="標題 1">
             <a:extLst>
               <a:ext uri="{FF2B5EF4-FFF2-40B4-BE49-F238E27FC236}">
-                <a16:creationId xmlns:a16="http://schemas.microsoft.com/office/drawing/2014/main" id="{DF359BC2-8E8B-43E3-BD44-C574EF3FE6B4}"/>
+                <a16:creationId xmlns:a16="http://schemas.microsoft.com/office/drawing/2014/main" xmlns="" id="{DF359BC2-8E8B-43E3-BD44-C574EF3FE6B4}"/>
               </a:ext>
             </a:extLst>
           </p:cNvPr>
@@ -3415,7 +3489,7 @@
           <p:cNvPr id="3" name="文字版面配置區 2">
             <a:extLst>
               <a:ext uri="{FF2B5EF4-FFF2-40B4-BE49-F238E27FC236}">
-                <a16:creationId xmlns:a16="http://schemas.microsoft.com/office/drawing/2014/main" id="{7CF20A5E-5DA7-4C8E-BCDC-D8CEA280A4B8}"/>
+                <a16:creationId xmlns:a16="http://schemas.microsoft.com/office/drawing/2014/main" xmlns="" id="{7CF20A5E-5DA7-4C8E-BCDC-D8CEA280A4B8}"/>
               </a:ext>
             </a:extLst>
           </p:cNvPr>
@@ -3486,7 +3560,7 @@
           <p:cNvPr id="4" name="內容版面配置區 3">
             <a:extLst>
               <a:ext uri="{FF2B5EF4-FFF2-40B4-BE49-F238E27FC236}">
-                <a16:creationId xmlns:a16="http://schemas.microsoft.com/office/drawing/2014/main" id="{C6FB0619-911A-4AA2-A1C9-02542414136C}"/>
+                <a16:creationId xmlns:a16="http://schemas.microsoft.com/office/drawing/2014/main" xmlns="" id="{C6FB0619-911A-4AA2-A1C9-02542414136C}"/>
               </a:ext>
             </a:extLst>
           </p:cNvPr>
@@ -3548,7 +3622,7 @@
           <p:cNvPr id="5" name="文字版面配置區 4">
             <a:extLst>
               <a:ext uri="{FF2B5EF4-FFF2-40B4-BE49-F238E27FC236}">
-                <a16:creationId xmlns:a16="http://schemas.microsoft.com/office/drawing/2014/main" id="{4C9F549F-ADBE-4F2B-AC0B-F43F4A62907C}"/>
+                <a16:creationId xmlns:a16="http://schemas.microsoft.com/office/drawing/2014/main" xmlns="" id="{4C9F549F-ADBE-4F2B-AC0B-F43F4A62907C}"/>
               </a:ext>
             </a:extLst>
           </p:cNvPr>
@@ -3619,7 +3693,7 @@
           <p:cNvPr id="6" name="內容版面配置區 5">
             <a:extLst>
               <a:ext uri="{FF2B5EF4-FFF2-40B4-BE49-F238E27FC236}">
-                <a16:creationId xmlns:a16="http://schemas.microsoft.com/office/drawing/2014/main" id="{E6E76930-D84E-4FD7-B37E-9C74F5F41CAD}"/>
+                <a16:creationId xmlns:a16="http://schemas.microsoft.com/office/drawing/2014/main" xmlns="" id="{E6E76930-D84E-4FD7-B37E-9C74F5F41CAD}"/>
               </a:ext>
             </a:extLst>
           </p:cNvPr>
@@ -3681,7 +3755,7 @@
           <p:cNvPr id="7" name="日期版面配置區 6">
             <a:extLst>
               <a:ext uri="{FF2B5EF4-FFF2-40B4-BE49-F238E27FC236}">
-                <a16:creationId xmlns:a16="http://schemas.microsoft.com/office/drawing/2014/main" id="{96931258-53DE-4440-9CED-EFEF081A4EB9}"/>
+                <a16:creationId xmlns:a16="http://schemas.microsoft.com/office/drawing/2014/main" xmlns="" id="{96931258-53DE-4440-9CED-EFEF081A4EB9}"/>
               </a:ext>
             </a:extLst>
           </p:cNvPr>
@@ -3699,7 +3773,7 @@
           <a:p>
             <a:fld id="{879B64F2-2B7B-48CE-A93F-F01CBE8AC1ED}" type="datetimeFigureOut">
               <a:rPr lang="zh-TW" altLang="en-US" smtClean="0"/>
-              <a:t>2025/9/25</a:t>
+              <a:t>2025/9/26</a:t>
             </a:fld>
             <a:endParaRPr lang="zh-TW" altLang="en-US"/>
           </a:p>
@@ -3710,7 +3784,7 @@
           <p:cNvPr id="8" name="頁尾版面配置區 7">
             <a:extLst>
               <a:ext uri="{FF2B5EF4-FFF2-40B4-BE49-F238E27FC236}">
-                <a16:creationId xmlns:a16="http://schemas.microsoft.com/office/drawing/2014/main" id="{18CA577D-DD80-4F0A-AC25-AB2D272056B3}"/>
+                <a16:creationId xmlns:a16="http://schemas.microsoft.com/office/drawing/2014/main" xmlns="" id="{18CA577D-DD80-4F0A-AC25-AB2D272056B3}"/>
               </a:ext>
             </a:extLst>
           </p:cNvPr>
@@ -3735,7 +3809,7 @@
           <p:cNvPr id="9" name="投影片編號版面配置區 8">
             <a:extLst>
               <a:ext uri="{FF2B5EF4-FFF2-40B4-BE49-F238E27FC236}">
-                <a16:creationId xmlns:a16="http://schemas.microsoft.com/office/drawing/2014/main" id="{EAF01FD8-AAA6-42C4-9068-C9E8A571E605}"/>
+                <a16:creationId xmlns:a16="http://schemas.microsoft.com/office/drawing/2014/main" xmlns="" id="{EAF01FD8-AAA6-42C4-9068-C9E8A571E605}"/>
               </a:ext>
             </a:extLst>
           </p:cNvPr>
@@ -3794,7 +3868,7 @@
           <p:cNvPr id="2" name="標題 1">
             <a:extLst>
               <a:ext uri="{FF2B5EF4-FFF2-40B4-BE49-F238E27FC236}">
-                <a16:creationId xmlns:a16="http://schemas.microsoft.com/office/drawing/2014/main" id="{952E2EB0-35DB-48C2-B020-3F53BA17C934}"/>
+                <a16:creationId xmlns:a16="http://schemas.microsoft.com/office/drawing/2014/main" xmlns="" id="{952E2EB0-35DB-48C2-B020-3F53BA17C934}"/>
               </a:ext>
             </a:extLst>
           </p:cNvPr>
@@ -3822,7 +3896,7 @@
           <p:cNvPr id="3" name="日期版面配置區 2">
             <a:extLst>
               <a:ext uri="{FF2B5EF4-FFF2-40B4-BE49-F238E27FC236}">
-                <a16:creationId xmlns:a16="http://schemas.microsoft.com/office/drawing/2014/main" id="{DF0F6B4E-7D6A-409D-8B33-2CF9E3E22511}"/>
+                <a16:creationId xmlns:a16="http://schemas.microsoft.com/office/drawing/2014/main" xmlns="" id="{DF0F6B4E-7D6A-409D-8B33-2CF9E3E22511}"/>
               </a:ext>
             </a:extLst>
           </p:cNvPr>
@@ -3840,7 +3914,7 @@
           <a:p>
             <a:fld id="{879B64F2-2B7B-48CE-A93F-F01CBE8AC1ED}" type="datetimeFigureOut">
               <a:rPr lang="zh-TW" altLang="en-US" smtClean="0"/>
-              <a:t>2025/9/25</a:t>
+              <a:t>2025/9/26</a:t>
             </a:fld>
             <a:endParaRPr lang="zh-TW" altLang="en-US"/>
           </a:p>
@@ -3851,7 +3925,7 @@
           <p:cNvPr id="4" name="頁尾版面配置區 3">
             <a:extLst>
               <a:ext uri="{FF2B5EF4-FFF2-40B4-BE49-F238E27FC236}">
-                <a16:creationId xmlns:a16="http://schemas.microsoft.com/office/drawing/2014/main" id="{0DC85328-B8C2-4E98-854B-96F2243447DC}"/>
+                <a16:creationId xmlns:a16="http://schemas.microsoft.com/office/drawing/2014/main" xmlns="" id="{0DC85328-B8C2-4E98-854B-96F2243447DC}"/>
               </a:ext>
             </a:extLst>
           </p:cNvPr>
@@ -3876,7 +3950,7 @@
           <p:cNvPr id="5" name="投影片編號版面配置區 4">
             <a:extLst>
               <a:ext uri="{FF2B5EF4-FFF2-40B4-BE49-F238E27FC236}">
-                <a16:creationId xmlns:a16="http://schemas.microsoft.com/office/drawing/2014/main" id="{231D26CF-8345-42F0-87CC-5055E40B26B8}"/>
+                <a16:creationId xmlns:a16="http://schemas.microsoft.com/office/drawing/2014/main" xmlns="" id="{231D26CF-8345-42F0-87CC-5055E40B26B8}"/>
               </a:ext>
             </a:extLst>
           </p:cNvPr>
@@ -3935,7 +4009,7 @@
           <p:cNvPr id="2" name="日期版面配置區 1">
             <a:extLst>
               <a:ext uri="{FF2B5EF4-FFF2-40B4-BE49-F238E27FC236}">
-                <a16:creationId xmlns:a16="http://schemas.microsoft.com/office/drawing/2014/main" id="{662CEF4B-8E15-4C0B-8493-EE6A95E6505D}"/>
+                <a16:creationId xmlns:a16="http://schemas.microsoft.com/office/drawing/2014/main" xmlns="" id="{662CEF4B-8E15-4C0B-8493-EE6A95E6505D}"/>
               </a:ext>
             </a:extLst>
           </p:cNvPr>
@@ -3953,7 +4027,7 @@
           <a:p>
             <a:fld id="{879B64F2-2B7B-48CE-A93F-F01CBE8AC1ED}" type="datetimeFigureOut">
               <a:rPr lang="zh-TW" altLang="en-US" smtClean="0"/>
-              <a:t>2025/9/25</a:t>
+              <a:t>2025/9/26</a:t>
             </a:fld>
             <a:endParaRPr lang="zh-TW" altLang="en-US"/>
           </a:p>
@@ -3964,7 +4038,7 @@
           <p:cNvPr id="3" name="頁尾版面配置區 2">
             <a:extLst>
               <a:ext uri="{FF2B5EF4-FFF2-40B4-BE49-F238E27FC236}">
-                <a16:creationId xmlns:a16="http://schemas.microsoft.com/office/drawing/2014/main" id="{A66FD5AB-E722-4B87-B88A-9BC13E123081}"/>
+                <a16:creationId xmlns:a16="http://schemas.microsoft.com/office/drawing/2014/main" xmlns="" id="{A66FD5AB-E722-4B87-B88A-9BC13E123081}"/>
               </a:ext>
             </a:extLst>
           </p:cNvPr>
@@ -3989,7 +4063,7 @@
           <p:cNvPr id="4" name="投影片編號版面配置區 3">
             <a:extLst>
               <a:ext uri="{FF2B5EF4-FFF2-40B4-BE49-F238E27FC236}">
-                <a16:creationId xmlns:a16="http://schemas.microsoft.com/office/drawing/2014/main" id="{E34D603E-C4D3-477E-BDBF-31C46BD9B03B}"/>
+                <a16:creationId xmlns:a16="http://schemas.microsoft.com/office/drawing/2014/main" xmlns="" id="{E34D603E-C4D3-477E-BDBF-31C46BD9B03B}"/>
               </a:ext>
             </a:extLst>
           </p:cNvPr>
@@ -4048,7 +4122,7 @@
           <p:cNvPr id="2" name="標題 1">
             <a:extLst>
               <a:ext uri="{FF2B5EF4-FFF2-40B4-BE49-F238E27FC236}">
-                <a16:creationId xmlns:a16="http://schemas.microsoft.com/office/drawing/2014/main" id="{BD6D3AFA-A00F-425A-ADB8-7D6DBF11E7D9}"/>
+                <a16:creationId xmlns:a16="http://schemas.microsoft.com/office/drawing/2014/main" xmlns="" id="{BD6D3AFA-A00F-425A-ADB8-7D6DBF11E7D9}"/>
               </a:ext>
             </a:extLst>
           </p:cNvPr>
@@ -4085,7 +4159,7 @@
           <p:cNvPr id="3" name="內容版面配置區 2">
             <a:extLst>
               <a:ext uri="{FF2B5EF4-FFF2-40B4-BE49-F238E27FC236}">
-                <a16:creationId xmlns:a16="http://schemas.microsoft.com/office/drawing/2014/main" id="{7624F594-DAE1-441A-B288-C6B584A71E88}"/>
+                <a16:creationId xmlns:a16="http://schemas.microsoft.com/office/drawing/2014/main" xmlns="" id="{7624F594-DAE1-441A-B288-C6B584A71E88}"/>
               </a:ext>
             </a:extLst>
           </p:cNvPr>
@@ -4175,7 +4249,7 @@
           <p:cNvPr id="4" name="文字版面配置區 3">
             <a:extLst>
               <a:ext uri="{FF2B5EF4-FFF2-40B4-BE49-F238E27FC236}">
-                <a16:creationId xmlns:a16="http://schemas.microsoft.com/office/drawing/2014/main" id="{6735B1BB-D6FE-4E3F-912B-7CB8B4D06556}"/>
+                <a16:creationId xmlns:a16="http://schemas.microsoft.com/office/drawing/2014/main" xmlns="" id="{6735B1BB-D6FE-4E3F-912B-7CB8B4D06556}"/>
               </a:ext>
             </a:extLst>
           </p:cNvPr>
@@ -4246,7 +4320,7 @@
           <p:cNvPr id="5" name="日期版面配置區 4">
             <a:extLst>
               <a:ext uri="{FF2B5EF4-FFF2-40B4-BE49-F238E27FC236}">
-                <a16:creationId xmlns:a16="http://schemas.microsoft.com/office/drawing/2014/main" id="{03F3C6B0-93DC-4F63-847D-AF3CDC1F273E}"/>
+                <a16:creationId xmlns:a16="http://schemas.microsoft.com/office/drawing/2014/main" xmlns="" id="{03F3C6B0-93DC-4F63-847D-AF3CDC1F273E}"/>
               </a:ext>
             </a:extLst>
           </p:cNvPr>
@@ -4264,7 +4338,7 @@
           <a:p>
             <a:fld id="{879B64F2-2B7B-48CE-A93F-F01CBE8AC1ED}" type="datetimeFigureOut">
               <a:rPr lang="zh-TW" altLang="en-US" smtClean="0"/>
-              <a:t>2025/9/25</a:t>
+              <a:t>2025/9/26</a:t>
             </a:fld>
             <a:endParaRPr lang="zh-TW" altLang="en-US"/>
           </a:p>
@@ -4275,7 +4349,7 @@
           <p:cNvPr id="6" name="頁尾版面配置區 5">
             <a:extLst>
               <a:ext uri="{FF2B5EF4-FFF2-40B4-BE49-F238E27FC236}">
-                <a16:creationId xmlns:a16="http://schemas.microsoft.com/office/drawing/2014/main" id="{77412A02-FB75-418E-B44D-90B60CF36B6A}"/>
+                <a16:creationId xmlns:a16="http://schemas.microsoft.com/office/drawing/2014/main" xmlns="" id="{77412A02-FB75-418E-B44D-90B60CF36B6A}"/>
               </a:ext>
             </a:extLst>
           </p:cNvPr>
@@ -4300,7 +4374,7 @@
           <p:cNvPr id="7" name="投影片編號版面配置區 6">
             <a:extLst>
               <a:ext uri="{FF2B5EF4-FFF2-40B4-BE49-F238E27FC236}">
-                <a16:creationId xmlns:a16="http://schemas.microsoft.com/office/drawing/2014/main" id="{C1C119AB-1486-4CEF-AD2D-10EFBF322D5E}"/>
+                <a16:creationId xmlns:a16="http://schemas.microsoft.com/office/drawing/2014/main" xmlns="" id="{C1C119AB-1486-4CEF-AD2D-10EFBF322D5E}"/>
               </a:ext>
             </a:extLst>
           </p:cNvPr>
@@ -4359,7 +4433,7 @@
           <p:cNvPr id="2" name="標題 1">
             <a:extLst>
               <a:ext uri="{FF2B5EF4-FFF2-40B4-BE49-F238E27FC236}">
-                <a16:creationId xmlns:a16="http://schemas.microsoft.com/office/drawing/2014/main" id="{FA46C5FD-EEB9-422A-8F1A-3898CE1E2744}"/>
+                <a16:creationId xmlns:a16="http://schemas.microsoft.com/office/drawing/2014/main" xmlns="" id="{FA46C5FD-EEB9-422A-8F1A-3898CE1E2744}"/>
               </a:ext>
             </a:extLst>
           </p:cNvPr>
@@ -4396,7 +4470,7 @@
           <p:cNvPr id="3" name="圖片版面配置區 2">
             <a:extLst>
               <a:ext uri="{FF2B5EF4-FFF2-40B4-BE49-F238E27FC236}">
-                <a16:creationId xmlns:a16="http://schemas.microsoft.com/office/drawing/2014/main" id="{D4F2F5F8-C4C6-4927-9267-A3C0D0016E37}"/>
+                <a16:creationId xmlns:a16="http://schemas.microsoft.com/office/drawing/2014/main" xmlns="" id="{D4F2F5F8-C4C6-4927-9267-A3C0D0016E37}"/>
               </a:ext>
             </a:extLst>
           </p:cNvPr>
@@ -4463,7 +4537,7 @@
           <p:cNvPr id="4" name="文字版面配置區 3">
             <a:extLst>
               <a:ext uri="{FF2B5EF4-FFF2-40B4-BE49-F238E27FC236}">
-                <a16:creationId xmlns:a16="http://schemas.microsoft.com/office/drawing/2014/main" id="{386BA6EB-6191-463F-BDAC-05065C4F8FF5}"/>
+                <a16:creationId xmlns:a16="http://schemas.microsoft.com/office/drawing/2014/main" xmlns="" id="{386BA6EB-6191-463F-BDAC-05065C4F8FF5}"/>
               </a:ext>
             </a:extLst>
           </p:cNvPr>
@@ -4534,7 +4608,7 @@
           <p:cNvPr id="5" name="日期版面配置區 4">
             <a:extLst>
               <a:ext uri="{FF2B5EF4-FFF2-40B4-BE49-F238E27FC236}">
-                <a16:creationId xmlns:a16="http://schemas.microsoft.com/office/drawing/2014/main" id="{B100A524-F2D8-4E20-9BB5-49A1395D1468}"/>
+                <a16:creationId xmlns:a16="http://schemas.microsoft.com/office/drawing/2014/main" xmlns="" id="{B100A524-F2D8-4E20-9BB5-49A1395D1468}"/>
               </a:ext>
             </a:extLst>
           </p:cNvPr>
@@ -4552,7 +4626,7 @@
           <a:p>
             <a:fld id="{879B64F2-2B7B-48CE-A93F-F01CBE8AC1ED}" type="datetimeFigureOut">
               <a:rPr lang="zh-TW" altLang="en-US" smtClean="0"/>
-              <a:t>2025/9/25</a:t>
+              <a:t>2025/9/26</a:t>
             </a:fld>
             <a:endParaRPr lang="zh-TW" altLang="en-US"/>
           </a:p>
@@ -4563,7 +4637,7 @@
           <p:cNvPr id="6" name="頁尾版面配置區 5">
             <a:extLst>
               <a:ext uri="{FF2B5EF4-FFF2-40B4-BE49-F238E27FC236}">
-                <a16:creationId xmlns:a16="http://schemas.microsoft.com/office/drawing/2014/main" id="{F5DAE52E-EC29-43CF-90E7-76A8547273F4}"/>
+                <a16:creationId xmlns:a16="http://schemas.microsoft.com/office/drawing/2014/main" xmlns="" id="{F5DAE52E-EC29-43CF-90E7-76A8547273F4}"/>
               </a:ext>
             </a:extLst>
           </p:cNvPr>
@@ -4588,7 +4662,7 @@
           <p:cNvPr id="7" name="投影片編號版面配置區 6">
             <a:extLst>
               <a:ext uri="{FF2B5EF4-FFF2-40B4-BE49-F238E27FC236}">
-                <a16:creationId xmlns:a16="http://schemas.microsoft.com/office/drawing/2014/main" id="{D5633C84-0F09-4F63-9D11-CF4CD2E04EDC}"/>
+                <a16:creationId xmlns:a16="http://schemas.microsoft.com/office/drawing/2014/main" xmlns="" id="{D5633C84-0F09-4F63-9D11-CF4CD2E04EDC}"/>
               </a:ext>
             </a:extLst>
           </p:cNvPr>
@@ -4652,7 +4726,7 @@
           <p:cNvPr id="2" name="標題版面配置區 1">
             <a:extLst>
               <a:ext uri="{FF2B5EF4-FFF2-40B4-BE49-F238E27FC236}">
-                <a16:creationId xmlns:a16="http://schemas.microsoft.com/office/drawing/2014/main" id="{75AB147D-77B2-45DC-B91D-E9B95229CF67}"/>
+                <a16:creationId xmlns:a16="http://schemas.microsoft.com/office/drawing/2014/main" xmlns="" id="{75AB147D-77B2-45DC-B91D-E9B95229CF67}"/>
               </a:ext>
             </a:extLst>
           </p:cNvPr>
@@ -4690,7 +4764,7 @@
           <p:cNvPr id="3" name="文字版面配置區 2">
             <a:extLst>
               <a:ext uri="{FF2B5EF4-FFF2-40B4-BE49-F238E27FC236}">
-                <a16:creationId xmlns:a16="http://schemas.microsoft.com/office/drawing/2014/main" id="{1F4191C3-8FDE-40E8-B1B1-993999DCB52A}"/>
+                <a16:creationId xmlns:a16="http://schemas.microsoft.com/office/drawing/2014/main" xmlns="" id="{1F4191C3-8FDE-40E8-B1B1-993999DCB52A}"/>
               </a:ext>
             </a:extLst>
           </p:cNvPr>
@@ -4757,7 +4831,7 @@
           <p:cNvPr id="4" name="日期版面配置區 3">
             <a:extLst>
               <a:ext uri="{FF2B5EF4-FFF2-40B4-BE49-F238E27FC236}">
-                <a16:creationId xmlns:a16="http://schemas.microsoft.com/office/drawing/2014/main" id="{189C3422-42E0-48A0-AA23-A8416D88BBD9}"/>
+                <a16:creationId xmlns:a16="http://schemas.microsoft.com/office/drawing/2014/main" xmlns="" id="{189C3422-42E0-48A0-AA23-A8416D88BBD9}"/>
               </a:ext>
             </a:extLst>
           </p:cNvPr>
@@ -4793,7 +4867,7 @@
           <a:p>
             <a:fld id="{879B64F2-2B7B-48CE-A93F-F01CBE8AC1ED}" type="datetimeFigureOut">
               <a:rPr lang="zh-TW" altLang="en-US" smtClean="0"/>
-              <a:t>2025/9/25</a:t>
+              <a:t>2025/9/26</a:t>
             </a:fld>
             <a:endParaRPr lang="zh-TW" altLang="en-US"/>
           </a:p>
@@ -4804,7 +4878,7 @@
           <p:cNvPr id="5" name="頁尾版面配置區 4">
             <a:extLst>
               <a:ext uri="{FF2B5EF4-FFF2-40B4-BE49-F238E27FC236}">
-                <a16:creationId xmlns:a16="http://schemas.microsoft.com/office/drawing/2014/main" id="{320D305E-D196-4B4D-BE7D-0EFBB082F1FC}"/>
+                <a16:creationId xmlns:a16="http://schemas.microsoft.com/office/drawing/2014/main" xmlns="" id="{320D305E-D196-4B4D-BE7D-0EFBB082F1FC}"/>
               </a:ext>
             </a:extLst>
           </p:cNvPr>
@@ -4847,7 +4921,7 @@
           <p:cNvPr id="6" name="投影片編號版面配置區 5">
             <a:extLst>
               <a:ext uri="{FF2B5EF4-FFF2-40B4-BE49-F238E27FC236}">
-                <a16:creationId xmlns:a16="http://schemas.microsoft.com/office/drawing/2014/main" id="{8E9AE7C5-2399-4CDA-B55E-02BDF2B18D14}"/>
+                <a16:creationId xmlns:a16="http://schemas.microsoft.com/office/drawing/2014/main" xmlns="" id="{8E9AE7C5-2399-4CDA-B55E-02BDF2B18D14}"/>
               </a:ext>
             </a:extLst>
           </p:cNvPr>
@@ -5215,7 +5289,7 @@
           <p:cNvPr id="2" name="標題 1">
             <a:extLst>
               <a:ext uri="{FF2B5EF4-FFF2-40B4-BE49-F238E27FC236}">
-                <a16:creationId xmlns:a16="http://schemas.microsoft.com/office/drawing/2014/main" id="{DF598DAF-F4C5-48E6-A531-AF714874D3C4}"/>
+                <a16:creationId xmlns:a16="http://schemas.microsoft.com/office/drawing/2014/main" xmlns="" id="{DF598DAF-F4C5-48E6-A531-AF714874D3C4}"/>
               </a:ext>
             </a:extLst>
           </p:cNvPr>
@@ -5257,7 +5331,7 @@
           <p:cNvPr id="3" name="副標題 2">
             <a:extLst>
               <a:ext uri="{FF2B5EF4-FFF2-40B4-BE49-F238E27FC236}">
-                <a16:creationId xmlns:a16="http://schemas.microsoft.com/office/drawing/2014/main" id="{E40368D7-E9F7-43C4-9CE7-4265C419151C}"/>
+                <a16:creationId xmlns:a16="http://schemas.microsoft.com/office/drawing/2014/main" xmlns="" id="{E40368D7-E9F7-43C4-9CE7-4265C419151C}"/>
               </a:ext>
             </a:extLst>
           </p:cNvPr>
@@ -5325,756 +5399,7 @@
           <p:cNvPr id="2" name="標題 1">
             <a:extLst>
               <a:ext uri="{FF2B5EF4-FFF2-40B4-BE49-F238E27FC236}">
-                <a16:creationId xmlns:a16="http://schemas.microsoft.com/office/drawing/2014/main" id="{98A04798-5168-4875-A411-80CD40D53BBD}"/>
-              </a:ext>
-            </a:extLst>
-          </p:cNvPr>
-          <p:cNvSpPr>
-            <a:spLocks noGrp="1"/>
-          </p:cNvSpPr>
-          <p:nvPr>
-            <p:ph type="title"/>
-          </p:nvPr>
-        </p:nvSpPr>
-        <p:spPr>
-          <a:xfrm>
-            <a:off x="333316" y="544152"/>
-            <a:ext cx="6566757" cy="718058"/>
-          </a:xfrm>
-        </p:spPr>
-        <p:txBody>
-          <a:bodyPr>
-            <a:noAutofit/>
-          </a:bodyPr>
-          <a:lstStyle/>
-          <a:p>
-            <a:r>
-              <a:rPr lang="en-US" altLang="zh-TW" dirty="0"/>
-              <a:t>Textual inversion</a:t>
-            </a:r>
-            <a:endParaRPr lang="zh-TW" dirty="0"/>
-          </a:p>
-        </p:txBody>
-      </p:sp>
-      <p:sp>
-        <p:nvSpPr>
-          <p:cNvPr id="8" name="文字方塊 7"/>
-          <p:cNvSpPr txBox="1"/>
-          <p:nvPr/>
-        </p:nvSpPr>
-        <p:spPr>
-          <a:xfrm>
-            <a:off x="333316" y="1262210"/>
-            <a:ext cx="10317192" cy="2862322"/>
-          </a:xfrm>
-          <a:prstGeom prst="rect">
-            <a:avLst/>
-          </a:prstGeom>
-          <a:noFill/>
-        </p:spPr>
-        <p:txBody>
-          <a:bodyPr wrap="square" rtlCol="0">
-            <a:spAutoFit/>
-          </a:bodyPr>
-          <a:lstStyle/>
-          <a:p>
-            <a:pPr marL="342900" indent="-342900">
-              <a:buAutoNum type="arabicPeriod"/>
-            </a:pPr>
-            <a:r>
-              <a:rPr lang="en-US" altLang="zh-TW" dirty="0"/>
-              <a:t>interpolated text embeddings</a:t>
-            </a:r>
-          </a:p>
-          <a:p>
-            <a:pPr marL="342900" indent="-342900">
-              <a:buAutoNum type="arabicPeriod"/>
-            </a:pPr>
-            <a:endParaRPr lang="en-US" altLang="zh-TW" dirty="0"/>
-          </a:p>
-          <a:p>
-            <a:pPr marL="342900" indent="-342900">
-              <a:buAutoNum type="arabicPeriod"/>
-            </a:pPr>
-            <a:r>
-              <a:rPr lang="en-US" altLang="zh-TW" dirty="0"/>
-              <a:t>Initial Encoding: The text prompt is encoded as usual</a:t>
-            </a:r>
-          </a:p>
-          <a:p>
-            <a:pPr marL="342900" indent="-342900">
-              <a:buAutoNum type="arabicPeriod"/>
-            </a:pPr>
-            <a:endParaRPr lang="en-US" altLang="zh-TW" dirty="0"/>
-          </a:p>
-          <a:p>
-            <a:pPr marL="342900" indent="-342900">
-              <a:buAutoNum type="arabicPeriod"/>
-            </a:pPr>
-            <a:r>
-              <a:rPr lang="en-US" altLang="zh-TW" dirty="0"/>
-              <a:t>Fine-Tuning: The prompt embedding is fine-tuned</a:t>
-            </a:r>
-          </a:p>
-          <a:p>
-            <a:pPr marL="342900" indent="-342900">
-              <a:buAutoNum type="arabicPeriod"/>
-            </a:pPr>
-            <a:endParaRPr lang="en-US" altLang="zh-TW" dirty="0"/>
-          </a:p>
-          <a:p>
-            <a:pPr marL="342900" indent="-342900">
-              <a:buAutoNum type="arabicPeriod"/>
-            </a:pPr>
-            <a:r>
-              <a:rPr lang="en-US" altLang="zh-TW" dirty="0"/>
-              <a:t>Condition: The fine-tuning process minimizes the LDM error at random noise levels</a:t>
-            </a:r>
-          </a:p>
-          <a:p>
-            <a:pPr marL="342900" indent="-342900">
-              <a:buAutoNum type="arabicPeriod"/>
-            </a:pPr>
-            <a:endParaRPr lang="en-US" altLang="zh-TW" dirty="0"/>
-          </a:p>
-          <a:p>
-            <a:pPr marL="342900" indent="-342900">
-              <a:buAutoNum type="arabicPeriod"/>
-            </a:pPr>
-            <a:r>
-              <a:rPr lang="en-US" altLang="zh-TW" dirty="0"/>
-              <a:t>Conditioning Input: The resulting  is used as a conditioning input for the LDM's denoising U-Net</a:t>
-            </a:r>
-          </a:p>
-          <a:p>
-            <a:pPr marL="342900" indent="-342900">
-              <a:buAutoNum type="arabicPeriod"/>
-            </a:pPr>
-            <a:endParaRPr lang="zh-TW" altLang="en-US" dirty="0"/>
-          </a:p>
-        </p:txBody>
-      </p:sp>
-    </p:spTree>
-    <p:extLst>
-      <p:ext uri="{BB962C8B-B14F-4D97-AF65-F5344CB8AC3E}">
-        <p14:creationId xmlns:p14="http://schemas.microsoft.com/office/powerpoint/2010/main" val="1617569886"/>
-      </p:ext>
-    </p:extLst>
-  </p:cSld>
-  <p:clrMapOvr>
-    <a:masterClrMapping/>
-  </p:clrMapOvr>
-</p:sld>
-</file>
-
-<file path=ppt/slides/slide11.xml><?xml version="1.0" encoding="utf-8"?>
-<p:sld xmlns:a="http://schemas.openxmlformats.org/drawingml/2006/main" xmlns:r="http://schemas.openxmlformats.org/officeDocument/2006/relationships" xmlns:p="http://schemas.openxmlformats.org/presentationml/2006/main">
-  <p:cSld>
-    <p:spTree>
-      <p:nvGrpSpPr>
-        <p:cNvPr id="1" name=""/>
-        <p:cNvGrpSpPr/>
-        <p:nvPr/>
-      </p:nvGrpSpPr>
-      <p:grpSpPr>
-        <a:xfrm>
-          <a:off x="0" y="0"/>
-          <a:ext cx="0" cy="0"/>
-          <a:chOff x="0" y="0"/>
-          <a:chExt cx="0" cy="0"/>
-        </a:xfrm>
-      </p:grpSpPr>
-      <p:sp>
-        <p:nvSpPr>
-          <p:cNvPr id="2" name="標題 1">
-            <a:extLst>
-              <a:ext uri="{FF2B5EF4-FFF2-40B4-BE49-F238E27FC236}">
-                <a16:creationId xmlns:a16="http://schemas.microsoft.com/office/drawing/2014/main" id="{98A04798-5168-4875-A411-80CD40D53BBD}"/>
-              </a:ext>
-            </a:extLst>
-          </p:cNvPr>
-          <p:cNvSpPr>
-            <a:spLocks noGrp="1"/>
-          </p:cNvSpPr>
-          <p:nvPr>
-            <p:ph type="title"/>
-          </p:nvPr>
-        </p:nvSpPr>
-        <p:spPr>
-          <a:xfrm>
-            <a:off x="333316" y="544152"/>
-            <a:ext cx="6566757" cy="718058"/>
-          </a:xfrm>
-        </p:spPr>
-        <p:txBody>
-          <a:bodyPr>
-            <a:noAutofit/>
-          </a:bodyPr>
-          <a:lstStyle/>
-          <a:p>
-            <a:r>
-              <a:rPr lang="en-US" altLang="zh-TW" dirty="0"/>
-              <a:t>Textual inversion</a:t>
-            </a:r>
-            <a:endParaRPr lang="zh-TW" dirty="0"/>
-          </a:p>
-        </p:txBody>
-      </p:sp>
-      <p:sp>
-        <p:nvSpPr>
-          <p:cNvPr id="4" name="文字方塊 3">
-            <a:extLst>
-              <a:ext uri="{FF2B5EF4-FFF2-40B4-BE49-F238E27FC236}">
-                <a16:creationId xmlns:a16="http://schemas.microsoft.com/office/drawing/2014/main" id="{DFFB075D-A965-4F15-94E7-E7631D15AC12}"/>
-              </a:ext>
-            </a:extLst>
-          </p:cNvPr>
-          <p:cNvSpPr txBox="1"/>
-          <p:nvPr/>
-        </p:nvSpPr>
-        <p:spPr>
-          <a:xfrm>
-            <a:off x="333316" y="1262210"/>
-            <a:ext cx="10317192" cy="2031325"/>
-          </a:xfrm>
-          <a:prstGeom prst="rect">
-            <a:avLst/>
-          </a:prstGeom>
-          <a:noFill/>
-        </p:spPr>
-        <p:txBody>
-          <a:bodyPr wrap="square" rtlCol="0">
-            <a:spAutoFit/>
-          </a:bodyPr>
-          <a:lstStyle/>
-          <a:p>
-            <a:pPr marL="342900" indent="-342900">
-              <a:buAutoNum type="arabicPeriod"/>
-            </a:pPr>
-            <a:r>
-              <a:rPr lang="en-US" altLang="zh-TW" dirty="0"/>
-              <a:t>Prompt:</a:t>
-            </a:r>
-            <a:r>
-              <a:rPr lang="zh-TW" altLang="en-US" dirty="0"/>
-              <a:t> </a:t>
-            </a:r>
-            <a:r>
-              <a:rPr lang="en-US" altLang="zh-TW" dirty="0"/>
-              <a:t>Use both positive and negative text prompts</a:t>
-            </a:r>
-          </a:p>
-          <a:p>
-            <a:pPr marL="342900" indent="-342900">
-              <a:buAutoNum type="arabicPeriod"/>
-            </a:pPr>
-            <a:endParaRPr lang="en-US" altLang="zh-TW" dirty="0"/>
-          </a:p>
-          <a:p>
-            <a:pPr marL="342900" indent="-342900">
-              <a:buAutoNum type="arabicPeriod"/>
-            </a:pPr>
-            <a:r>
-              <a:rPr lang="en-US" altLang="zh-TW" dirty="0"/>
-              <a:t>Scope of Optimization: </a:t>
-            </a:r>
-            <a:r>
-              <a:rPr lang="en-US" altLang="zh-TW" sz="1800" dirty="0">
-                <a:effectLst/>
-              </a:rPr>
-              <a:t>the decision is made to </a:t>
-            </a:r>
-            <a:r>
-              <a:rPr lang="en-US" altLang="zh-TW" sz="1800" b="1" dirty="0">
-                <a:effectLst/>
-              </a:rPr>
-              <a:t>optimize the entire text embedding</a:t>
-            </a:r>
-            <a:r>
-              <a:rPr lang="en-US" altLang="zh-TW" sz="1800" dirty="0">
-                <a:effectLst/>
-              </a:rPr>
-              <a:t>.</a:t>
-            </a:r>
-            <a:endParaRPr lang="en-US" altLang="zh-TW" dirty="0"/>
-          </a:p>
-          <a:p>
-            <a:pPr marL="342900" indent="-342900">
-              <a:buAutoNum type="arabicPeriod"/>
-            </a:pPr>
-            <a:endParaRPr lang="en-US" altLang="zh-TW" dirty="0"/>
-          </a:p>
-          <a:p>
-            <a:pPr marL="342900" indent="-342900">
-              <a:buAutoNum type="arabicPeriod"/>
-            </a:pPr>
-            <a:r>
-              <a:rPr lang="en-US" altLang="zh-TW" dirty="0"/>
-              <a:t>Handling Complexity: </a:t>
-            </a:r>
-            <a:r>
-              <a:rPr lang="en-US" altLang="zh-TW" sz="1800" dirty="0">
-                <a:effectLst/>
-              </a:rPr>
-              <a:t>The </a:t>
-            </a:r>
-            <a:r>
-              <a:rPr lang="en-US" altLang="zh-TW" sz="1800" b="1" dirty="0">
-                <a:effectLst/>
-              </a:rPr>
-              <a:t>number of iterations can be increased</a:t>
-            </a:r>
-            <a:r>
-              <a:rPr lang="en-US" altLang="zh-TW" sz="1800" dirty="0">
-                <a:effectLst/>
-              </a:rPr>
-              <a:t> for images with complicated layouts or styles</a:t>
-            </a:r>
-            <a:endParaRPr lang="en-US" altLang="zh-TW" dirty="0"/>
-          </a:p>
-          <a:p>
-            <a:pPr marL="342900" indent="-342900">
-              <a:buAutoNum type="arabicPeriod"/>
-            </a:pPr>
-            <a:endParaRPr lang="zh-TW" altLang="en-US" dirty="0"/>
-          </a:p>
-        </p:txBody>
-      </p:sp>
-    </p:spTree>
-    <p:extLst>
-      <p:ext uri="{BB962C8B-B14F-4D97-AF65-F5344CB8AC3E}">
-        <p14:creationId xmlns:p14="http://schemas.microsoft.com/office/powerpoint/2010/main" val="1147407298"/>
-      </p:ext>
-    </p:extLst>
-  </p:cSld>
-  <p:clrMapOvr>
-    <a:masterClrMapping/>
-  </p:clrMapOvr>
-</p:sld>
-</file>
-
-<file path=ppt/slides/slide12.xml><?xml version="1.0" encoding="utf-8"?>
-<p:sld xmlns:a="http://schemas.openxmlformats.org/drawingml/2006/main" xmlns:r="http://schemas.openxmlformats.org/officeDocument/2006/relationships" xmlns:p="http://schemas.openxmlformats.org/presentationml/2006/main">
-  <p:cSld>
-    <p:spTree>
-      <p:nvGrpSpPr>
-        <p:cNvPr id="1" name=""/>
-        <p:cNvGrpSpPr/>
-        <p:nvPr/>
-      </p:nvGrpSpPr>
-      <p:grpSpPr>
-        <a:xfrm>
-          <a:off x="0" y="0"/>
-          <a:ext cx="0" cy="0"/>
-          <a:chOff x="0" y="0"/>
-          <a:chExt cx="0" cy="0"/>
-        </a:xfrm>
-      </p:grpSpPr>
-      <p:sp>
-        <p:nvSpPr>
-          <p:cNvPr id="2" name="標題 1">
-            <a:extLst>
-              <a:ext uri="{FF2B5EF4-FFF2-40B4-BE49-F238E27FC236}">
-                <a16:creationId xmlns:a16="http://schemas.microsoft.com/office/drawing/2014/main" id="{98A04798-5168-4875-A411-80CD40D53BBD}"/>
-              </a:ext>
-            </a:extLst>
-          </p:cNvPr>
-          <p:cNvSpPr>
-            <a:spLocks noGrp="1"/>
-          </p:cNvSpPr>
-          <p:nvPr>
-            <p:ph type="title"/>
-          </p:nvPr>
-        </p:nvSpPr>
-        <p:spPr>
-          <a:xfrm>
-            <a:off x="333316" y="544152"/>
-            <a:ext cx="6566757" cy="718058"/>
-          </a:xfrm>
-        </p:spPr>
-        <p:txBody>
-          <a:bodyPr>
-            <a:noAutofit/>
-          </a:bodyPr>
-          <a:lstStyle/>
-          <a:p>
-            <a:r>
-              <a:rPr lang="en-US" altLang="zh-TW" dirty="0"/>
-              <a:t>Pose guidance</a:t>
-            </a:r>
-            <a:endParaRPr lang="zh-TW" dirty="0"/>
-          </a:p>
-        </p:txBody>
-      </p:sp>
-      <p:pic>
-        <p:nvPicPr>
-          <p:cNvPr id="5" name="圖片 4">
-            <a:extLst>
-              <a:ext uri="{FF2B5EF4-FFF2-40B4-BE49-F238E27FC236}">
-                <a16:creationId xmlns:a16="http://schemas.microsoft.com/office/drawing/2014/main" id="{3C59C9EE-012C-4A70-A73A-3C6668F739A2}"/>
-              </a:ext>
-            </a:extLst>
-          </p:cNvPr>
-          <p:cNvPicPr>
-            <a:picLocks noChangeAspect="1"/>
-          </p:cNvPicPr>
-          <p:nvPr/>
-        </p:nvPicPr>
-        <p:blipFill>
-          <a:blip r:embed="rId3"/>
-          <a:stretch>
-            <a:fillRect/>
-          </a:stretch>
-        </p:blipFill>
-        <p:spPr>
-          <a:xfrm>
-            <a:off x="2664819" y="1423707"/>
-            <a:ext cx="6862362" cy="4682423"/>
-          </a:xfrm>
-          <a:prstGeom prst="rect">
-            <a:avLst/>
-          </a:prstGeom>
-        </p:spPr>
-      </p:pic>
-    </p:spTree>
-    <p:extLst>
-      <p:ext uri="{BB962C8B-B14F-4D97-AF65-F5344CB8AC3E}">
-        <p14:creationId xmlns:p14="http://schemas.microsoft.com/office/powerpoint/2010/main" val="3434902831"/>
-      </p:ext>
-    </p:extLst>
-  </p:cSld>
-  <p:clrMapOvr>
-    <a:masterClrMapping/>
-  </p:clrMapOvr>
-</p:sld>
-</file>
-
-<file path=ppt/slides/slide13.xml><?xml version="1.0" encoding="utf-8"?>
-<p:sld xmlns:a="http://schemas.openxmlformats.org/drawingml/2006/main" xmlns:r="http://schemas.openxmlformats.org/officeDocument/2006/relationships" xmlns:p="http://schemas.openxmlformats.org/presentationml/2006/main">
-  <p:cSld>
-    <p:spTree>
-      <p:nvGrpSpPr>
-        <p:cNvPr id="1" name=""/>
-        <p:cNvGrpSpPr/>
-        <p:nvPr/>
-      </p:nvGrpSpPr>
-      <p:grpSpPr>
-        <a:xfrm>
-          <a:off x="0" y="0"/>
-          <a:ext cx="0" cy="0"/>
-          <a:chOff x="0" y="0"/>
-          <a:chExt cx="0" cy="0"/>
-        </a:xfrm>
-      </p:grpSpPr>
-      <p:sp>
-        <p:nvSpPr>
-          <p:cNvPr id="2" name="標題 1">
-            <a:extLst>
-              <a:ext uri="{FF2B5EF4-FFF2-40B4-BE49-F238E27FC236}">
-                <a16:creationId xmlns:a16="http://schemas.microsoft.com/office/drawing/2014/main" id="{98A04798-5168-4875-A411-80CD40D53BBD}"/>
-              </a:ext>
-            </a:extLst>
-          </p:cNvPr>
-          <p:cNvSpPr>
-            <a:spLocks noGrp="1"/>
-          </p:cNvSpPr>
-          <p:nvPr>
-            <p:ph type="title"/>
-          </p:nvPr>
-        </p:nvSpPr>
-        <p:spPr>
-          <a:xfrm>
-            <a:off x="333316" y="544152"/>
-            <a:ext cx="6566757" cy="718058"/>
-          </a:xfrm>
-        </p:spPr>
-        <p:txBody>
-          <a:bodyPr>
-            <a:noAutofit/>
-          </a:bodyPr>
-          <a:lstStyle/>
-          <a:p>
-            <a:r>
-              <a:rPr lang="en-US" altLang="zh-TW" dirty="0"/>
-              <a:t>CLIP ranking</a:t>
-            </a:r>
-            <a:endParaRPr lang="zh-TW" dirty="0"/>
-          </a:p>
-        </p:txBody>
-      </p:sp>
-      <p:sp>
-        <p:nvSpPr>
-          <p:cNvPr id="4" name="文字方塊 3">
-            <a:extLst>
-              <a:ext uri="{FF2B5EF4-FFF2-40B4-BE49-F238E27FC236}">
-                <a16:creationId xmlns:a16="http://schemas.microsoft.com/office/drawing/2014/main" id="{5F7A7288-CE53-41BC-92A9-601BAE1B50E8}"/>
-              </a:ext>
-            </a:extLst>
-          </p:cNvPr>
-          <p:cNvSpPr txBox="1"/>
-          <p:nvPr/>
-        </p:nvSpPr>
-        <p:spPr>
-          <a:xfrm>
-            <a:off x="333316" y="1262210"/>
-            <a:ext cx="10317192" cy="2862322"/>
-          </a:xfrm>
-          <a:prstGeom prst="rect">
-            <a:avLst/>
-          </a:prstGeom>
-          <a:noFill/>
-        </p:spPr>
-        <p:txBody>
-          <a:bodyPr wrap="square" rtlCol="0">
-            <a:spAutoFit/>
-          </a:bodyPr>
-          <a:lstStyle/>
-          <a:p>
-            <a:pPr marL="342900" indent="-342900">
-              <a:buAutoNum type="arabicPeriod"/>
-            </a:pPr>
-            <a:r>
-              <a:rPr lang="en-US" altLang="zh-TW" dirty="0"/>
-              <a:t>Candidate Generation: Multiple candidates are generated by repeating each forward diffusion step using different noise vectors</a:t>
-            </a:r>
-          </a:p>
-          <a:p>
-            <a:pPr marL="342900" indent="-342900">
-              <a:buAutoNum type="arabicPeriod"/>
-            </a:pPr>
-            <a:endParaRPr lang="en-US" altLang="zh-TW" dirty="0"/>
-          </a:p>
-          <a:p>
-            <a:pPr marL="342900" indent="-342900">
-              <a:buAutoNum type="arabicPeriod"/>
-            </a:pPr>
-            <a:r>
-              <a:rPr lang="en-US" altLang="zh-TW" dirty="0"/>
-              <a:t>Denoising: Each interpolated latent vector is denoised</a:t>
-            </a:r>
-          </a:p>
-          <a:p>
-            <a:pPr marL="342900" indent="-342900">
-              <a:buAutoNum type="arabicPeriod"/>
-            </a:pPr>
-            <a:endParaRPr lang="en-US" altLang="zh-TW" b="0" i="0" dirty="0">
-              <a:solidFill>
-                <a:srgbClr val="131314"/>
-              </a:solidFill>
-              <a:effectLst/>
-              <a:latin typeface="Google Sans Text"/>
-            </a:endParaRPr>
-          </a:p>
-          <a:p>
-            <a:pPr marL="342900" indent="-342900">
-              <a:buAutoNum type="arabicPeriod"/>
-            </a:pPr>
-            <a:r>
-              <a:rPr lang="en-US" altLang="zh-TW" b="0" i="0" dirty="0">
-                <a:solidFill>
-                  <a:srgbClr val="131314"/>
-                </a:solidFill>
-                <a:effectLst/>
-                <a:latin typeface="Google Sans Text"/>
-              </a:rPr>
-              <a:t>Similarity Measurement: The CLIP similarity of the decoded image is measured against specified positive and negative prompts</a:t>
-            </a:r>
-          </a:p>
-          <a:p>
-            <a:pPr marL="342900" indent="-342900">
-              <a:buAutoNum type="arabicPeriod"/>
-            </a:pPr>
-            <a:endParaRPr lang="en-US" altLang="zh-TW" dirty="0">
-              <a:solidFill>
-                <a:srgbClr val="131314"/>
-              </a:solidFill>
-              <a:latin typeface="Google Sans Text"/>
-            </a:endParaRPr>
-          </a:p>
-          <a:p>
-            <a:pPr marL="342900" indent="-342900">
-              <a:buAutoNum type="arabicPeriod"/>
-            </a:pPr>
-            <a:r>
-              <a:rPr lang="en-US" altLang="zh-TW" b="0" i="0" dirty="0">
-                <a:solidFill>
-                  <a:srgbClr val="131314"/>
-                </a:solidFill>
-                <a:effectLst/>
-                <a:latin typeface="Google Sans Text"/>
-              </a:rPr>
-              <a:t>Selection: The image with the highest value of positive similarity minus negative similarity is retained</a:t>
-            </a:r>
-            <a:endParaRPr lang="en-US" altLang="zh-TW" dirty="0">
-              <a:solidFill>
-                <a:srgbClr val="131314"/>
-              </a:solidFill>
-              <a:latin typeface="Google Sans Text"/>
-            </a:endParaRPr>
-          </a:p>
-          <a:p>
-            <a:pPr marL="342900" indent="-342900">
-              <a:buAutoNum type="arabicPeriod"/>
-            </a:pPr>
-            <a:endParaRPr lang="zh-TW" altLang="en-US" dirty="0"/>
-          </a:p>
-        </p:txBody>
-      </p:sp>
-    </p:spTree>
-    <p:extLst>
-      <p:ext uri="{BB962C8B-B14F-4D97-AF65-F5344CB8AC3E}">
-        <p14:creationId xmlns:p14="http://schemas.microsoft.com/office/powerpoint/2010/main" val="535035553"/>
-      </p:ext>
-    </p:extLst>
-  </p:cSld>
-  <p:clrMapOvr>
-    <a:masterClrMapping/>
-  </p:clrMapOvr>
-</p:sld>
-</file>
-
-<file path=ppt/slides/slide14.xml><?xml version="1.0" encoding="utf-8"?>
-<p:sld xmlns:a="http://schemas.openxmlformats.org/drawingml/2006/main" xmlns:r="http://schemas.openxmlformats.org/officeDocument/2006/relationships" xmlns:p="http://schemas.openxmlformats.org/presentationml/2006/main">
-  <p:cSld>
-    <p:spTree>
-      <p:nvGrpSpPr>
-        <p:cNvPr id="1" name=""/>
-        <p:cNvGrpSpPr/>
-        <p:nvPr/>
-      </p:nvGrpSpPr>
-      <p:grpSpPr>
-        <a:xfrm>
-          <a:off x="0" y="0"/>
-          <a:ext cx="0" cy="0"/>
-          <a:chOff x="0" y="0"/>
-          <a:chExt cx="0" cy="0"/>
-        </a:xfrm>
-      </p:grpSpPr>
-      <p:sp>
-        <p:nvSpPr>
-          <p:cNvPr id="2" name="標題 1">
-            <a:extLst>
-              <a:ext uri="{FF2B5EF4-FFF2-40B4-BE49-F238E27FC236}">
-                <a16:creationId xmlns:a16="http://schemas.microsoft.com/office/drawing/2014/main" id="{98A04798-5168-4875-A411-80CD40D53BBD}"/>
-              </a:ext>
-            </a:extLst>
-          </p:cNvPr>
-          <p:cNvSpPr>
-            <a:spLocks noGrp="1"/>
-          </p:cNvSpPr>
-          <p:nvPr>
-            <p:ph type="title"/>
-          </p:nvPr>
-        </p:nvSpPr>
-        <p:spPr>
-          <a:xfrm>
-            <a:off x="333316" y="544152"/>
-            <a:ext cx="6566757" cy="718058"/>
-          </a:xfrm>
-        </p:spPr>
-        <p:txBody>
-          <a:bodyPr>
-            <a:noAutofit/>
-          </a:bodyPr>
-          <a:lstStyle/>
-          <a:p>
-            <a:r>
-              <a:rPr lang="en-US" altLang="zh-TW" dirty="0"/>
-              <a:t>Diffusion for Interpolating Images</a:t>
-            </a:r>
-            <a:endParaRPr lang="zh-TW" dirty="0"/>
-          </a:p>
-        </p:txBody>
-      </p:sp>
-      <p:pic>
-        <p:nvPicPr>
-          <p:cNvPr id="4" name="圖片 3"/>
-          <p:cNvPicPr>
-            <a:picLocks noChangeAspect="1"/>
-          </p:cNvPicPr>
-          <p:nvPr/>
-        </p:nvPicPr>
-        <p:blipFill rotWithShape="1">
-          <a:blip r:embed="rId3"/>
-          <a:srcRect l="24153" t="24946" r="12064" b="12763"/>
-          <a:stretch/>
-        </p:blipFill>
-        <p:spPr>
-          <a:xfrm>
-            <a:off x="2144486" y="1975099"/>
-            <a:ext cx="7903029" cy="4341396"/>
-          </a:xfrm>
-          <a:prstGeom prst="rect">
-            <a:avLst/>
-          </a:prstGeom>
-        </p:spPr>
-      </p:pic>
-      <p:sp>
-        <p:nvSpPr>
-          <p:cNvPr id="8" name="文字方塊 7"/>
-          <p:cNvSpPr txBox="1"/>
-          <p:nvPr/>
-        </p:nvSpPr>
-        <p:spPr>
-          <a:xfrm>
-            <a:off x="474453" y="1605767"/>
-            <a:ext cx="10317192" cy="369332"/>
-          </a:xfrm>
-          <a:prstGeom prst="rect">
-            <a:avLst/>
-          </a:prstGeom>
-          <a:noFill/>
-        </p:spPr>
-        <p:txBody>
-          <a:bodyPr wrap="square" rtlCol="0">
-            <a:spAutoFit/>
-          </a:bodyPr>
-          <a:lstStyle/>
-          <a:p>
-            <a:r>
-              <a:rPr lang="en-US" altLang="zh-TW"/>
-              <a:t>result</a:t>
-            </a:r>
-            <a:endParaRPr lang="zh-TW" altLang="en-US" dirty="0"/>
-          </a:p>
-        </p:txBody>
-      </p:sp>
-    </p:spTree>
-    <p:extLst>
-      <p:ext uri="{BB962C8B-B14F-4D97-AF65-F5344CB8AC3E}">
-        <p14:creationId xmlns:p14="http://schemas.microsoft.com/office/powerpoint/2010/main" val="3449823456"/>
-      </p:ext>
-    </p:extLst>
-  </p:cSld>
-  <p:clrMapOvr>
-    <a:masterClrMapping/>
-  </p:clrMapOvr>
-</p:sld>
-</file>
-
-<file path=ppt/slides/slide2.xml><?xml version="1.0" encoding="utf-8"?>
-<p:sld xmlns:a="http://schemas.openxmlformats.org/drawingml/2006/main" xmlns:r="http://schemas.openxmlformats.org/officeDocument/2006/relationships" xmlns:p="http://schemas.openxmlformats.org/presentationml/2006/main">
-  <p:cSld>
-    <p:spTree>
-      <p:nvGrpSpPr>
-        <p:cNvPr id="1" name=""/>
-        <p:cNvGrpSpPr/>
-        <p:nvPr/>
-      </p:nvGrpSpPr>
-      <p:grpSpPr>
-        <a:xfrm>
-          <a:off x="0" y="0"/>
-          <a:ext cx="0" cy="0"/>
-          <a:chOff x="0" y="0"/>
-          <a:chExt cx="0" cy="0"/>
-        </a:xfrm>
-      </p:grpSpPr>
-      <p:sp>
-        <p:nvSpPr>
-          <p:cNvPr id="2" name="標題 1">
-            <a:extLst>
-              <a:ext uri="{FF2B5EF4-FFF2-40B4-BE49-F238E27FC236}">
-                <a16:creationId xmlns:a16="http://schemas.microsoft.com/office/drawing/2014/main" id="{7533F336-40A6-45C8-9A62-B4E78BC5E568}"/>
+                <a16:creationId xmlns:a16="http://schemas.microsoft.com/office/drawing/2014/main" xmlns="" id="{7533F336-40A6-45C8-9A62-B4E78BC5E568}"/>
               </a:ext>
             </a:extLst>
           </p:cNvPr>
@@ -6295,13 +5620,25 @@
           </a:lstStyle>
           <a:p>
             <a:r>
-              <a:rPr lang="en-US" altLang="zh-TW" sz="3600" dirty="0"/>
+              <a:rPr lang="en-US" altLang="zh-TW" sz="3600" dirty="0">
+                <a:solidFill>
+                  <a:schemeClr val="bg1">
+                    <a:lumMod val="95000"/>
+                  </a:schemeClr>
+                </a:solidFill>
+              </a:rPr>
               <a:t>Introduction</a:t>
             </a:r>
           </a:p>
           <a:p>
             <a:r>
-              <a:rPr lang="en-US" altLang="zh-TW" sz="3600" dirty="0"/>
+              <a:rPr lang="en-US" altLang="zh-TW" sz="3600" dirty="0">
+                <a:solidFill>
+                  <a:schemeClr val="bg1">
+                    <a:lumMod val="95000"/>
+                  </a:schemeClr>
+                </a:solidFill>
+              </a:rPr>
               <a:t>Literature Review</a:t>
             </a:r>
           </a:p>
@@ -6313,23 +5650,41 @@
           </a:p>
           <a:p>
             <a:r>
-              <a:rPr lang="en-US" altLang="zh-TW" sz="3600" dirty="0"/>
+              <a:rPr lang="en-US" altLang="zh-TW" sz="3600" dirty="0">
+                <a:solidFill>
+                  <a:schemeClr val="bg1">
+                    <a:lumMod val="95000"/>
+                  </a:schemeClr>
+                </a:solidFill>
+              </a:rPr>
               <a:t>Results</a:t>
             </a:r>
           </a:p>
           <a:p>
             <a:r>
-              <a:rPr lang="en-US" altLang="zh-TW" sz="3600" dirty="0"/>
+              <a:rPr lang="en-US" altLang="zh-TW" sz="3600" dirty="0">
+                <a:solidFill>
+                  <a:schemeClr val="bg1">
+                    <a:lumMod val="95000"/>
+                  </a:schemeClr>
+                </a:solidFill>
+              </a:rPr>
               <a:t>Conclusion</a:t>
             </a:r>
-            <a:endParaRPr lang="zh-TW" altLang="en-US" sz="3600" dirty="0"/>
+            <a:endParaRPr lang="zh-TW" altLang="en-US" sz="3600" dirty="0">
+              <a:solidFill>
+                <a:schemeClr val="bg1">
+                  <a:lumMod val="95000"/>
+                </a:schemeClr>
+              </a:solidFill>
+            </a:endParaRPr>
           </a:p>
         </p:txBody>
       </p:sp>
     </p:spTree>
     <p:extLst>
       <p:ext uri="{BB962C8B-B14F-4D97-AF65-F5344CB8AC3E}">
-        <p14:creationId xmlns:p14="http://schemas.microsoft.com/office/powerpoint/2010/main" val="1094802422"/>
+        <p14:creationId xmlns:p14="http://schemas.microsoft.com/office/powerpoint/2010/main" val="621845772"/>
       </p:ext>
     </p:extLst>
   </p:cSld>
@@ -6339,7 +5694,7 @@
 </p:sld>
 </file>
 
-<file path=ppt/slides/slide3.xml><?xml version="1.0" encoding="utf-8"?>
+<file path=ppt/slides/slide11.xml><?xml version="1.0" encoding="utf-8"?>
 <p:sld xmlns:a="http://schemas.openxmlformats.org/drawingml/2006/main" xmlns:r="http://schemas.openxmlformats.org/officeDocument/2006/relationships" xmlns:p="http://schemas.openxmlformats.org/presentationml/2006/main">
   <p:cSld>
     <p:spTree>
@@ -6361,769 +5716,7 @@
           <p:cNvPr id="2" name="標題 1">
             <a:extLst>
               <a:ext uri="{FF2B5EF4-FFF2-40B4-BE49-F238E27FC236}">
-                <a16:creationId xmlns:a16="http://schemas.microsoft.com/office/drawing/2014/main" id="{56D87B6E-5A2B-4CEE-BA45-C71DC24F919B}"/>
-              </a:ext>
-            </a:extLst>
-          </p:cNvPr>
-          <p:cNvSpPr>
-            <a:spLocks noGrp="1"/>
-          </p:cNvSpPr>
-          <p:nvPr>
-            <p:ph type="title"/>
-          </p:nvPr>
-        </p:nvSpPr>
-        <p:spPr>
-          <a:xfrm>
-            <a:off x="349763" y="539449"/>
-            <a:ext cx="6416797" cy="733091"/>
-          </a:xfrm>
-        </p:spPr>
-        <p:txBody>
-          <a:bodyPr/>
-          <a:lstStyle/>
-          <a:p>
-            <a:r>
-              <a:rPr lang="en-US" altLang="zh-TW" dirty="0"/>
-              <a:t>Introduction :</a:t>
-            </a:r>
-            <a:r>
-              <a:rPr lang="zh-TW" altLang="en-US" dirty="0"/>
-              <a:t> </a:t>
-            </a:r>
-            <a:r>
-              <a:rPr lang="en-US" altLang="zh-TW" dirty="0"/>
-              <a:t>Diffusion</a:t>
-            </a:r>
-            <a:endParaRPr lang="zh-TW" altLang="en-US" dirty="0"/>
-          </a:p>
-        </p:txBody>
-      </p:sp>
-      <p:pic>
-        <p:nvPicPr>
-          <p:cNvPr id="3" name="圖片 2" descr="一張含有 螢幕擷取畫面, 設計 的圖片&#10;&#10;AI 產生的內容可能不正確。">
-            <a:extLst>
-              <a:ext uri="{FF2B5EF4-FFF2-40B4-BE49-F238E27FC236}">
-                <a16:creationId xmlns:a16="http://schemas.microsoft.com/office/drawing/2014/main" id="{774C77B9-850A-B8E8-EB9F-77EEDDD405FF}"/>
-              </a:ext>
-            </a:extLst>
-          </p:cNvPr>
-          <p:cNvPicPr>
-            <a:picLocks noChangeAspect="1"/>
-          </p:cNvPicPr>
-          <p:nvPr/>
-        </p:nvPicPr>
-        <p:blipFill>
-          <a:blip r:embed="rId3"/>
-          <a:stretch>
-            <a:fillRect/>
-          </a:stretch>
-        </p:blipFill>
-        <p:spPr>
-          <a:xfrm>
-            <a:off x="328613" y="2505075"/>
-            <a:ext cx="11534775" cy="1847850"/>
-          </a:xfrm>
-          <a:prstGeom prst="rect">
-            <a:avLst/>
-          </a:prstGeom>
-        </p:spPr>
-      </p:pic>
-      <p:sp>
-        <p:nvSpPr>
-          <p:cNvPr id="4" name="文字方塊 3">
-            <a:extLst>
-              <a:ext uri="{FF2B5EF4-FFF2-40B4-BE49-F238E27FC236}">
-                <a16:creationId xmlns:a16="http://schemas.microsoft.com/office/drawing/2014/main" id="{F11364C5-60EA-75C3-EEC4-6ECE3E603B5F}"/>
-              </a:ext>
-            </a:extLst>
-          </p:cNvPr>
-          <p:cNvSpPr txBox="1"/>
-          <p:nvPr/>
-        </p:nvSpPr>
-        <p:spPr>
-          <a:xfrm>
-            <a:off x="8357839" y="3497766"/>
-            <a:ext cx="2743200" cy="369332"/>
-          </a:xfrm>
-          <a:prstGeom prst="rect">
-            <a:avLst/>
-          </a:prstGeom>
-          <a:noFill/>
-        </p:spPr>
-        <p:txBody>
-          <a:bodyPr rot="0" spcFirstLastPara="0" vertOverflow="overflow" horzOverflow="overflow" vert="horz" wrap="square" lIns="91440" tIns="45720" rIns="91440" bIns="45720" numCol="1" spcCol="0" rtlCol="0" fromWordArt="0" anchor="t" anchorCtr="0" forceAA="0" compatLnSpc="1">
-            <a:prstTxWarp prst="textNoShape">
-              <a:avLst/>
-            </a:prstTxWarp>
-            <a:spAutoFit/>
-          </a:bodyPr>
-          <a:lstStyle/>
-          <a:p>
-            <a:r>
-              <a:rPr lang="en-US" altLang="zh-TW" dirty="0">
-                <a:solidFill>
-                  <a:srgbClr val="FF0000"/>
-                </a:solidFill>
-                <a:latin typeface="Arial"/>
-                <a:ea typeface="新細明體"/>
-                <a:cs typeface="Arial"/>
-              </a:rPr>
-              <a:t>Gaussian noise</a:t>
-            </a:r>
-            <a:endParaRPr lang="en-US" altLang="zh-TW" dirty="0">
-              <a:solidFill>
-                <a:srgbClr val="FF0000"/>
-              </a:solidFill>
-              <a:ea typeface="新細明體"/>
-            </a:endParaRPr>
-          </a:p>
-        </p:txBody>
-      </p:sp>
-    </p:spTree>
-    <p:extLst>
-      <p:ext uri="{BB962C8B-B14F-4D97-AF65-F5344CB8AC3E}">
-        <p14:creationId xmlns:p14="http://schemas.microsoft.com/office/powerpoint/2010/main" val="1781681728"/>
-      </p:ext>
-    </p:extLst>
-  </p:cSld>
-  <p:clrMapOvr>
-    <a:masterClrMapping/>
-  </p:clrMapOvr>
-</p:sld>
-</file>
-
-<file path=ppt/slides/slide4.xml><?xml version="1.0" encoding="utf-8"?>
-<p:sld xmlns:a="http://schemas.openxmlformats.org/drawingml/2006/main" xmlns:r="http://schemas.openxmlformats.org/officeDocument/2006/relationships" xmlns:p="http://schemas.openxmlformats.org/presentationml/2006/main">
-  <p:cSld>
-    <p:spTree>
-      <p:nvGrpSpPr>
-        <p:cNvPr id="1" name=""/>
-        <p:cNvGrpSpPr/>
-        <p:nvPr/>
-      </p:nvGrpSpPr>
-      <p:grpSpPr>
-        <a:xfrm>
-          <a:off x="0" y="0"/>
-          <a:ext cx="0" cy="0"/>
-          <a:chOff x="0" y="0"/>
-          <a:chExt cx="0" cy="0"/>
-        </a:xfrm>
-      </p:grpSpPr>
-      <p:sp>
-        <p:nvSpPr>
-          <p:cNvPr id="2" name="標題 1">
-            <a:extLst>
-              <a:ext uri="{FF2B5EF4-FFF2-40B4-BE49-F238E27FC236}">
-                <a16:creationId xmlns:a16="http://schemas.microsoft.com/office/drawing/2014/main" id="{E602B493-AA30-4C9B-A604-000032CBC299}"/>
-              </a:ext>
-            </a:extLst>
-          </p:cNvPr>
-          <p:cNvSpPr>
-            <a:spLocks noGrp="1"/>
-          </p:cNvSpPr>
-          <p:nvPr>
-            <p:ph type="title"/>
-          </p:nvPr>
-        </p:nvSpPr>
-        <p:spPr>
-          <a:xfrm>
-            <a:off x="344083" y="550910"/>
-            <a:ext cx="5257800" cy="709939"/>
-          </a:xfrm>
-        </p:spPr>
-        <p:txBody>
-          <a:bodyPr>
-            <a:normAutofit/>
-          </a:bodyPr>
-          <a:lstStyle/>
-          <a:p>
-            <a:r>
-              <a:rPr lang="en-US" b="1" dirty="0">
-                <a:solidFill>
-                  <a:srgbClr val="0F0F0F"/>
-                </a:solidFill>
-                <a:latin typeface="Roboto"/>
-                <a:ea typeface="Roboto"/>
-                <a:cs typeface="Roboto"/>
-              </a:rPr>
-              <a:t>Diffusion Training</a:t>
-            </a:r>
-            <a:endParaRPr lang="zh-TW" altLang="en-US" b="1" dirty="0">
-              <a:solidFill>
-                <a:srgbClr val="0F0F0F"/>
-              </a:solidFill>
-              <a:latin typeface="Roboto"/>
-              <a:cs typeface="Roboto"/>
-            </a:endParaRPr>
-          </a:p>
-        </p:txBody>
-      </p:sp>
-      <p:pic>
-        <p:nvPicPr>
-          <p:cNvPr id="4" name="圖片 3">
-            <a:extLst>
-              <a:ext uri="{FF2B5EF4-FFF2-40B4-BE49-F238E27FC236}">
-                <a16:creationId xmlns:a16="http://schemas.microsoft.com/office/drawing/2014/main" id="{7E81BC18-5492-211B-D8A3-98383F09116C}"/>
-              </a:ext>
-            </a:extLst>
-          </p:cNvPr>
-          <p:cNvPicPr>
-            <a:picLocks noChangeAspect="1"/>
-          </p:cNvPicPr>
-          <p:nvPr/>
-        </p:nvPicPr>
-        <p:blipFill>
-          <a:blip r:embed="rId3"/>
-          <a:stretch>
-            <a:fillRect/>
-          </a:stretch>
-        </p:blipFill>
-        <p:spPr>
-          <a:xfrm>
-            <a:off x="1394715" y="2012680"/>
-            <a:ext cx="9402568" cy="3901300"/>
-          </a:xfrm>
-          <a:prstGeom prst="rect">
-            <a:avLst/>
-          </a:prstGeom>
-        </p:spPr>
-      </p:pic>
-      <p:sp>
-        <p:nvSpPr>
-          <p:cNvPr id="5" name="矩形 4"/>
-          <p:cNvSpPr/>
-          <p:nvPr/>
-        </p:nvSpPr>
-        <p:spPr>
-          <a:xfrm>
-            <a:off x="344083" y="1260849"/>
-            <a:ext cx="3386504" cy="646331"/>
-          </a:xfrm>
-          <a:prstGeom prst="rect">
-            <a:avLst/>
-          </a:prstGeom>
-        </p:spPr>
-        <p:txBody>
-          <a:bodyPr wrap="none">
-            <a:spAutoFit/>
-          </a:bodyPr>
-          <a:lstStyle/>
-          <a:p>
-            <a:r>
-              <a:rPr lang="en-US" altLang="zh-TW" dirty="0">
-                <a:solidFill>
-                  <a:srgbClr val="001D35"/>
-                </a:solidFill>
-                <a:latin typeface="Arial" panose="020B0604020202020204" pitchFamily="34" charset="0"/>
-              </a:rPr>
-              <a:t>Stochastic Differential Equation</a:t>
-            </a:r>
-          </a:p>
-          <a:p>
-            <a:r>
-              <a:rPr lang="en-US" altLang="zh-TW" dirty="0"/>
-              <a:t>Probability density function</a:t>
-            </a:r>
-            <a:endParaRPr lang="zh-TW" altLang="en-US" dirty="0"/>
-          </a:p>
-        </p:txBody>
-      </p:sp>
-    </p:spTree>
-    <p:extLst>
-      <p:ext uri="{BB962C8B-B14F-4D97-AF65-F5344CB8AC3E}">
-        <p14:creationId xmlns:p14="http://schemas.microsoft.com/office/powerpoint/2010/main" val="979141225"/>
-      </p:ext>
-    </p:extLst>
-  </p:cSld>
-  <p:clrMapOvr>
-    <a:masterClrMapping/>
-  </p:clrMapOvr>
-</p:sld>
-</file>
-
-<file path=ppt/slides/slide5.xml><?xml version="1.0" encoding="utf-8"?>
-<p:sld xmlns:a="http://schemas.openxmlformats.org/drawingml/2006/main" xmlns:r="http://schemas.openxmlformats.org/officeDocument/2006/relationships" xmlns:p="http://schemas.openxmlformats.org/presentationml/2006/main">
-  <p:cSld>
-    <p:spTree>
-      <p:nvGrpSpPr>
-        <p:cNvPr id="1" name=""/>
-        <p:cNvGrpSpPr/>
-        <p:nvPr/>
-      </p:nvGrpSpPr>
-      <p:grpSpPr>
-        <a:xfrm>
-          <a:off x="0" y="0"/>
-          <a:ext cx="0" cy="0"/>
-          <a:chOff x="0" y="0"/>
-          <a:chExt cx="0" cy="0"/>
-        </a:xfrm>
-      </p:grpSpPr>
-      <p:sp>
-        <p:nvSpPr>
-          <p:cNvPr id="2" name="標題 1">
-            <a:extLst>
-              <a:ext uri="{FF2B5EF4-FFF2-40B4-BE49-F238E27FC236}">
-                <a16:creationId xmlns:a16="http://schemas.microsoft.com/office/drawing/2014/main" id="{C2878F9E-D0DF-D84C-8241-A986178C8EAD}"/>
-              </a:ext>
-            </a:extLst>
-          </p:cNvPr>
-          <p:cNvSpPr>
-            <a:spLocks noGrp="1"/>
-          </p:cNvSpPr>
-          <p:nvPr>
-            <p:ph type="title"/>
-          </p:nvPr>
-        </p:nvSpPr>
-        <p:spPr/>
-        <p:txBody>
-          <a:bodyPr/>
-          <a:lstStyle/>
-          <a:p>
-            <a:r>
-              <a:rPr lang="en-US" dirty="0">
-                <a:solidFill>
-                  <a:srgbClr val="0F0F0F"/>
-                </a:solidFill>
-                <a:ea typeface="+mj-lt"/>
-                <a:cs typeface="+mj-lt"/>
-              </a:rPr>
-              <a:t>Progressive generation</a:t>
-            </a:r>
-            <a:endParaRPr lang="zh-TW" altLang="en-US" b="1" dirty="0">
-              <a:solidFill>
-                <a:srgbClr val="0F0F0F"/>
-              </a:solidFill>
-              <a:ea typeface="+mj-lt"/>
-              <a:cs typeface="+mj-lt"/>
-            </a:endParaRPr>
-          </a:p>
-        </p:txBody>
-      </p:sp>
-      <p:pic>
-        <p:nvPicPr>
-          <p:cNvPr id="4" name="內容版面配置區 3" descr="一張含有 螢幕擷取畫面, 行, 太陽能電池, 視窗 的圖片&#10;&#10;AI 產生的內容可能不正確。">
-            <a:extLst>
-              <a:ext uri="{FF2B5EF4-FFF2-40B4-BE49-F238E27FC236}">
-                <a16:creationId xmlns:a16="http://schemas.microsoft.com/office/drawing/2014/main" id="{CBD70F30-46B2-8AB0-6602-A5DF524D4762}"/>
-              </a:ext>
-            </a:extLst>
-          </p:cNvPr>
-          <p:cNvPicPr>
-            <a:picLocks noGrp="1" noChangeAspect="1"/>
-          </p:cNvPicPr>
-          <p:nvPr>
-            <p:ph idx="1"/>
-          </p:nvPr>
-        </p:nvPicPr>
-        <p:blipFill>
-          <a:blip r:embed="rId3"/>
-          <a:stretch>
-            <a:fillRect/>
-          </a:stretch>
-        </p:blipFill>
-        <p:spPr>
-          <a:xfrm>
-            <a:off x="1273678" y="2529798"/>
-            <a:ext cx="10248667" cy="2106651"/>
-          </a:xfrm>
-          <a:prstGeom prst="rect">
-            <a:avLst/>
-          </a:prstGeom>
-        </p:spPr>
-      </p:pic>
-    </p:spTree>
-    <p:extLst>
-      <p:ext uri="{BB962C8B-B14F-4D97-AF65-F5344CB8AC3E}">
-        <p14:creationId xmlns:p14="http://schemas.microsoft.com/office/powerpoint/2010/main" val="1536574310"/>
-      </p:ext>
-    </p:extLst>
-  </p:cSld>
-  <p:clrMapOvr>
-    <a:masterClrMapping/>
-  </p:clrMapOvr>
-</p:sld>
-</file>
-
-<file path=ppt/slides/slide6.xml><?xml version="1.0" encoding="utf-8"?>
-<p:sld xmlns:a="http://schemas.openxmlformats.org/drawingml/2006/main" xmlns:r="http://schemas.openxmlformats.org/officeDocument/2006/relationships" xmlns:p="http://schemas.openxmlformats.org/presentationml/2006/main">
-  <p:cSld>
-    <p:spTree>
-      <p:nvGrpSpPr>
-        <p:cNvPr id="1" name=""/>
-        <p:cNvGrpSpPr/>
-        <p:nvPr/>
-      </p:nvGrpSpPr>
-      <p:grpSpPr>
-        <a:xfrm>
-          <a:off x="0" y="0"/>
-          <a:ext cx="0" cy="0"/>
-          <a:chOff x="0" y="0"/>
-          <a:chExt cx="0" cy="0"/>
-        </a:xfrm>
-      </p:grpSpPr>
-      <p:sp>
-        <p:nvSpPr>
-          <p:cNvPr id="2" name="標題 1">
-            <a:extLst>
-              <a:ext uri="{FF2B5EF4-FFF2-40B4-BE49-F238E27FC236}">
-                <a16:creationId xmlns:a16="http://schemas.microsoft.com/office/drawing/2014/main" id="{6E03A4FF-CABF-CA2A-CACE-DE9477118A72}"/>
-              </a:ext>
-            </a:extLst>
-          </p:cNvPr>
-          <p:cNvSpPr>
-            <a:spLocks noGrp="1"/>
-          </p:cNvSpPr>
-          <p:nvPr>
-            <p:ph type="title"/>
-          </p:nvPr>
-        </p:nvSpPr>
-        <p:spPr/>
-        <p:txBody>
-          <a:bodyPr>
-            <a:normAutofit fontScale="90000"/>
-          </a:bodyPr>
-          <a:lstStyle/>
-          <a:p>
-            <a:r>
-              <a:rPr lang="en-US" altLang="zh-TW" dirty="0"/>
-              <a:t>Literature Review:</a:t>
-            </a:r>
-            <a:r>
-              <a:rPr lang="zh-TW" altLang="en-US" dirty="0"/>
-              <a:t> </a:t>
-            </a:r>
-            <a:r>
-              <a:rPr lang="en-US" b="1" dirty="0">
-                <a:solidFill>
-                  <a:srgbClr val="0F0F0F"/>
-                </a:solidFill>
-                <a:latin typeface="Roboto"/>
-                <a:ea typeface="Roboto"/>
-                <a:cs typeface="Roboto"/>
-              </a:rPr>
-              <a:t>Latent space interpolation vs. Pixel space interpolation</a:t>
-            </a:r>
-            <a:endParaRPr lang="zh-TW" altLang="en-US" b="1" dirty="0">
-              <a:solidFill>
-                <a:srgbClr val="0F0F0F"/>
-              </a:solidFill>
-              <a:latin typeface="Roboto"/>
-              <a:cs typeface="Roboto"/>
-            </a:endParaRPr>
-          </a:p>
-        </p:txBody>
-      </p:sp>
-      <p:pic>
-        <p:nvPicPr>
-          <p:cNvPr id="4" name="內容版面配置區 3" descr="一張含有 人的臉孔, 文字, 人員, 螢幕擷取畫面 的圖片&#10;&#10;AI 產生的內容可能不正確。">
-            <a:extLst>
-              <a:ext uri="{FF2B5EF4-FFF2-40B4-BE49-F238E27FC236}">
-                <a16:creationId xmlns:a16="http://schemas.microsoft.com/office/drawing/2014/main" id="{13B4FB22-FE03-73A5-4DD2-7B24081053FD}"/>
-              </a:ext>
-            </a:extLst>
-          </p:cNvPr>
-          <p:cNvPicPr>
-            <a:picLocks noGrp="1" noChangeAspect="1"/>
-          </p:cNvPicPr>
-          <p:nvPr>
-            <p:ph idx="1"/>
-          </p:nvPr>
-        </p:nvPicPr>
-        <p:blipFill>
-          <a:blip r:embed="rId3"/>
-          <a:stretch>
-            <a:fillRect/>
-          </a:stretch>
-        </p:blipFill>
-        <p:spPr>
-          <a:xfrm>
-            <a:off x="-4182" y="1579338"/>
-            <a:ext cx="3390900" cy="2124075"/>
-          </a:xfrm>
-          <a:prstGeom prst="rect">
-            <a:avLst/>
-          </a:prstGeom>
-        </p:spPr>
-      </p:pic>
-      <p:pic>
-        <p:nvPicPr>
-          <p:cNvPr id="5" name="圖片 4" descr="一張含有 螢幕擷取畫面, 藝術 的圖片&#10;&#10;AI 產生的內容可能不正確。">
-            <a:extLst>
-              <a:ext uri="{FF2B5EF4-FFF2-40B4-BE49-F238E27FC236}">
-                <a16:creationId xmlns:a16="http://schemas.microsoft.com/office/drawing/2014/main" id="{D5E7349C-9E9C-16A3-D667-54BD37759873}"/>
-              </a:ext>
-            </a:extLst>
-          </p:cNvPr>
-          <p:cNvPicPr>
-            <a:picLocks noChangeAspect="1"/>
-          </p:cNvPicPr>
-          <p:nvPr/>
-        </p:nvPicPr>
-        <p:blipFill>
-          <a:blip r:embed="rId4"/>
-          <a:stretch>
-            <a:fillRect/>
-          </a:stretch>
-        </p:blipFill>
-        <p:spPr>
-          <a:xfrm>
-            <a:off x="3744719" y="1749878"/>
-            <a:ext cx="6877050" cy="1790700"/>
-          </a:xfrm>
-          <a:prstGeom prst="rect">
-            <a:avLst/>
-          </a:prstGeom>
-        </p:spPr>
-      </p:pic>
-      <p:sp>
-        <p:nvSpPr>
-          <p:cNvPr id="6" name="文字方塊 5"/>
-          <p:cNvSpPr txBox="1"/>
-          <p:nvPr/>
-        </p:nvSpPr>
-        <p:spPr>
-          <a:xfrm>
-            <a:off x="724824" y="3852516"/>
-            <a:ext cx="10317192" cy="2585323"/>
-          </a:xfrm>
-          <a:prstGeom prst="rect">
-            <a:avLst/>
-          </a:prstGeom>
-          <a:noFill/>
-        </p:spPr>
-        <p:txBody>
-          <a:bodyPr wrap="square" rtlCol="0">
-            <a:spAutoFit/>
-          </a:bodyPr>
-          <a:lstStyle/>
-          <a:p>
-            <a:pPr marL="342900" indent="-342900">
-              <a:buAutoNum type="arabicPeriod"/>
-            </a:pPr>
-            <a:r>
-              <a:rPr lang="en-US" altLang="zh-TW" dirty="0"/>
-              <a:t>Latent space: </a:t>
-            </a:r>
-            <a:r>
-              <a:rPr lang="zh-TW" altLang="en-US" dirty="0"/>
-              <a:t> </a:t>
-            </a:r>
-            <a:r>
-              <a:rPr lang="en-US" altLang="zh-TW" dirty="0"/>
-              <a:t>data compression, high efficiency</a:t>
-            </a:r>
-          </a:p>
-          <a:p>
-            <a:pPr marL="342900" indent="-342900">
-              <a:buAutoNum type="arabicPeriod"/>
-            </a:pPr>
-            <a:endParaRPr lang="en-US" altLang="zh-TW" dirty="0"/>
-          </a:p>
-          <a:p>
-            <a:pPr marL="342900" indent="-342900">
-              <a:buAutoNum type="arabicPeriod"/>
-            </a:pPr>
-            <a:r>
-              <a:rPr lang="en-US" altLang="zh-TW" dirty="0"/>
-              <a:t>Pixel space: high dimension, not smooth</a:t>
-            </a:r>
-          </a:p>
-          <a:p>
-            <a:pPr marL="342900" indent="-342900">
-              <a:buAutoNum type="arabicPeriod"/>
-            </a:pPr>
-            <a:endParaRPr lang="en-US" altLang="zh-TW" dirty="0"/>
-          </a:p>
-          <a:p>
-            <a:pPr marL="342900" indent="-342900">
-              <a:buAutoNum type="arabicPeriod"/>
-            </a:pPr>
-            <a:r>
-              <a:rPr lang="en-US" altLang="zh-TW" b="1" dirty="0">
-                <a:solidFill>
-                  <a:srgbClr val="0F0F0F"/>
-                </a:solidFill>
-                <a:latin typeface="Roboto"/>
-                <a:ea typeface="Roboto"/>
-                <a:cs typeface="Roboto"/>
-              </a:rPr>
-              <a:t>Why latent space?</a:t>
-            </a:r>
-          </a:p>
-          <a:p>
-            <a:pPr marL="800100" lvl="1" indent="-342900">
-              <a:buAutoNum type="arabicPeriod"/>
-            </a:pPr>
-            <a:r>
-              <a:rPr lang="en-US" altLang="zh-TW" dirty="0"/>
-              <a:t>Space: latent space&lt;&lt; pixel space</a:t>
-            </a:r>
-          </a:p>
-          <a:p>
-            <a:pPr marL="800100" lvl="1" indent="-342900">
-              <a:buAutoNum type="arabicPeriod"/>
-            </a:pPr>
-            <a:r>
-              <a:rPr lang="en-US" altLang="zh-TW" dirty="0"/>
-              <a:t>Style change: enable domain adaptation, style transfer</a:t>
-            </a:r>
-          </a:p>
-          <a:p>
-            <a:pPr marL="800100" lvl="1" indent="-342900">
-              <a:buAutoNum type="arabicPeriod"/>
-            </a:pPr>
-            <a:r>
-              <a:rPr lang="en-US" altLang="zh-TW" dirty="0"/>
-              <a:t>Enable out-of-distribution prompts</a:t>
-            </a:r>
-          </a:p>
-          <a:p>
-            <a:pPr marL="342900" indent="-342900">
-              <a:buAutoNum type="arabicPeriod"/>
-            </a:pPr>
-            <a:endParaRPr lang="zh-TW" altLang="en-US" dirty="0"/>
-          </a:p>
-        </p:txBody>
-      </p:sp>
-    </p:spTree>
-    <p:extLst>
-      <p:ext uri="{BB962C8B-B14F-4D97-AF65-F5344CB8AC3E}">
-        <p14:creationId xmlns:p14="http://schemas.microsoft.com/office/powerpoint/2010/main" val="1835232590"/>
-      </p:ext>
-    </p:extLst>
-  </p:cSld>
-  <p:clrMapOvr>
-    <a:masterClrMapping/>
-  </p:clrMapOvr>
-</p:sld>
-</file>
-
-<file path=ppt/slides/slide7.xml><?xml version="1.0" encoding="utf-8"?>
-<p:sld xmlns:a="http://schemas.openxmlformats.org/drawingml/2006/main" xmlns:r="http://schemas.openxmlformats.org/officeDocument/2006/relationships" xmlns:p="http://schemas.openxmlformats.org/presentationml/2006/main">
-  <p:cSld>
-    <p:spTree>
-      <p:nvGrpSpPr>
-        <p:cNvPr id="1" name=""/>
-        <p:cNvGrpSpPr/>
-        <p:nvPr/>
-      </p:nvGrpSpPr>
-      <p:grpSpPr>
-        <a:xfrm>
-          <a:off x="0" y="0"/>
-          <a:ext cx="0" cy="0"/>
-          <a:chOff x="0" y="0"/>
-          <a:chExt cx="0" cy="0"/>
-        </a:xfrm>
-      </p:grpSpPr>
-      <p:sp>
-        <p:nvSpPr>
-          <p:cNvPr id="2" name="標題 1">
-            <a:extLst>
-              <a:ext uri="{FF2B5EF4-FFF2-40B4-BE49-F238E27FC236}">
-                <a16:creationId xmlns:a16="http://schemas.microsoft.com/office/drawing/2014/main" id="{98A04798-5168-4875-A411-80CD40D53BBD}"/>
-              </a:ext>
-            </a:extLst>
-          </p:cNvPr>
-          <p:cNvSpPr>
-            <a:spLocks noGrp="1"/>
-          </p:cNvSpPr>
-          <p:nvPr>
-            <p:ph type="title"/>
-          </p:nvPr>
-        </p:nvSpPr>
-        <p:spPr>
-          <a:xfrm>
-            <a:off x="333316" y="544152"/>
-            <a:ext cx="6566757" cy="718058"/>
-          </a:xfrm>
-        </p:spPr>
-        <p:txBody>
-          <a:bodyPr>
-            <a:noAutofit/>
-          </a:bodyPr>
-          <a:lstStyle/>
-          <a:p>
-            <a:r>
-              <a:rPr lang="en-US" b="1" dirty="0">
-                <a:solidFill>
-                  <a:srgbClr val="0F0F0F"/>
-                </a:solidFill>
-                <a:latin typeface="Roboto"/>
-                <a:ea typeface="Roboto"/>
-                <a:cs typeface="Roboto"/>
-              </a:rPr>
-              <a:t>Latent Diffusion</a:t>
-            </a:r>
-            <a:endParaRPr lang="zh-TW" dirty="0"/>
-          </a:p>
-        </p:txBody>
-      </p:sp>
-      <p:pic>
-        <p:nvPicPr>
-          <p:cNvPr id="3" name="圖片 2" descr="一張含有 文字, 螢幕擷取畫面, 圖表, 字型 的圖片&#10;&#10;AI 產生的內容可能不正確。">
-            <a:extLst>
-              <a:ext uri="{FF2B5EF4-FFF2-40B4-BE49-F238E27FC236}">
-                <a16:creationId xmlns:a16="http://schemas.microsoft.com/office/drawing/2014/main" id="{C363C685-F821-E348-9BB5-5D32AD8AB2D4}"/>
-              </a:ext>
-            </a:extLst>
-          </p:cNvPr>
-          <p:cNvPicPr>
-            <a:picLocks noChangeAspect="1"/>
-          </p:cNvPicPr>
-          <p:nvPr/>
-        </p:nvPicPr>
-        <p:blipFill>
-          <a:blip r:embed="rId3"/>
-          <a:stretch>
-            <a:fillRect/>
-          </a:stretch>
-        </p:blipFill>
-        <p:spPr>
-          <a:xfrm>
-            <a:off x="685452" y="1344536"/>
-            <a:ext cx="10244951" cy="4763662"/>
-          </a:xfrm>
-          <a:prstGeom prst="rect">
-            <a:avLst/>
-          </a:prstGeom>
-        </p:spPr>
-      </p:pic>
-    </p:spTree>
-    <p:extLst>
-      <p:ext uri="{BB962C8B-B14F-4D97-AF65-F5344CB8AC3E}">
-        <p14:creationId xmlns:p14="http://schemas.microsoft.com/office/powerpoint/2010/main" val="4100941839"/>
-      </p:ext>
-    </p:extLst>
-  </p:cSld>
-  <p:clrMapOvr>
-    <a:masterClrMapping/>
-  </p:clrMapOvr>
-</p:sld>
-</file>
-
-<file path=ppt/slides/slide8.xml><?xml version="1.0" encoding="utf-8"?>
-<p:sld xmlns:a="http://schemas.openxmlformats.org/drawingml/2006/main" xmlns:r="http://schemas.openxmlformats.org/officeDocument/2006/relationships" xmlns:p="http://schemas.openxmlformats.org/presentationml/2006/main">
-  <p:cSld>
-    <p:spTree>
-      <p:nvGrpSpPr>
-        <p:cNvPr id="1" name=""/>
-        <p:cNvGrpSpPr/>
-        <p:nvPr/>
-      </p:nvGrpSpPr>
-      <p:grpSpPr>
-        <a:xfrm>
-          <a:off x="0" y="0"/>
-          <a:ext cx="0" cy="0"/>
-          <a:chOff x="0" y="0"/>
-          <a:chExt cx="0" cy="0"/>
-        </a:xfrm>
-      </p:grpSpPr>
-      <p:sp>
-        <p:nvSpPr>
-          <p:cNvPr id="2" name="標題 1">
-            <a:extLst>
-              <a:ext uri="{FF2B5EF4-FFF2-40B4-BE49-F238E27FC236}">
-                <a16:creationId xmlns:a16="http://schemas.microsoft.com/office/drawing/2014/main" id="{98A04798-5168-4875-A411-80CD40D53BBD}"/>
+                <a16:creationId xmlns:a16="http://schemas.microsoft.com/office/drawing/2014/main" xmlns="" id="{98A04798-5168-4875-A411-80CD40D53BBD}"/>
               </a:ext>
             </a:extLst>
           </p:cNvPr>
@@ -7282,6 +5875,2474 @@
 </p:sld>
 </file>
 
+<file path=ppt/slides/slide12.xml><?xml version="1.0" encoding="utf-8"?>
+<p:sld xmlns:a="http://schemas.openxmlformats.org/drawingml/2006/main" xmlns:r="http://schemas.openxmlformats.org/officeDocument/2006/relationships" xmlns:p="http://schemas.openxmlformats.org/presentationml/2006/main">
+  <p:cSld>
+    <p:spTree>
+      <p:nvGrpSpPr>
+        <p:cNvPr id="1" name=""/>
+        <p:cNvGrpSpPr/>
+        <p:nvPr/>
+      </p:nvGrpSpPr>
+      <p:grpSpPr>
+        <a:xfrm>
+          <a:off x="0" y="0"/>
+          <a:ext cx="0" cy="0"/>
+          <a:chOff x="0" y="0"/>
+          <a:chExt cx="0" cy="0"/>
+        </a:xfrm>
+      </p:grpSpPr>
+      <p:sp>
+        <p:nvSpPr>
+          <p:cNvPr id="2" name="標題 1">
+            <a:extLst>
+              <a:ext uri="{FF2B5EF4-FFF2-40B4-BE49-F238E27FC236}">
+                <a16:creationId xmlns:a16="http://schemas.microsoft.com/office/drawing/2014/main" xmlns="" id="{98A04798-5168-4875-A411-80CD40D53BBD}"/>
+              </a:ext>
+            </a:extLst>
+          </p:cNvPr>
+          <p:cNvSpPr>
+            <a:spLocks noGrp="1"/>
+          </p:cNvSpPr>
+          <p:nvPr>
+            <p:ph type="title"/>
+          </p:nvPr>
+        </p:nvSpPr>
+        <p:spPr>
+          <a:xfrm>
+            <a:off x="333316" y="544152"/>
+            <a:ext cx="6566757" cy="718058"/>
+          </a:xfrm>
+        </p:spPr>
+        <p:txBody>
+          <a:bodyPr>
+            <a:noAutofit/>
+          </a:bodyPr>
+          <a:lstStyle/>
+          <a:p>
+            <a:r>
+              <a:rPr lang="en-US" altLang="zh-TW" dirty="0"/>
+              <a:t>Noise schedule</a:t>
+            </a:r>
+            <a:endParaRPr lang="zh-TW" dirty="0"/>
+          </a:p>
+        </p:txBody>
+      </p:sp>
+      <p:sp>
+        <p:nvSpPr>
+          <p:cNvPr id="8" name="文字方塊 7"/>
+          <p:cNvSpPr txBox="1"/>
+          <p:nvPr/>
+        </p:nvSpPr>
+        <p:spPr>
+          <a:xfrm>
+            <a:off x="333316" y="1262210"/>
+            <a:ext cx="10317192" cy="3693319"/>
+          </a:xfrm>
+          <a:prstGeom prst="rect">
+            <a:avLst/>
+          </a:prstGeom>
+          <a:noFill/>
+        </p:spPr>
+        <p:txBody>
+          <a:bodyPr wrap="square" rtlCol="0">
+            <a:spAutoFit/>
+          </a:bodyPr>
+          <a:lstStyle/>
+          <a:p>
+            <a:pPr marL="342900" indent="-342900">
+              <a:buAutoNum type="arabicPeriod"/>
+            </a:pPr>
+            <a:r>
+              <a:rPr lang="en-US" altLang="zh-TW" sz="2400" dirty="0" smtClean="0"/>
+              <a:t>DDIM sampling</a:t>
+            </a:r>
+          </a:p>
+          <a:p>
+            <a:pPr marL="342900" indent="-342900">
+              <a:buAutoNum type="arabicPeriod"/>
+            </a:pPr>
+            <a:endParaRPr lang="en-US" altLang="zh-TW" sz="2400" dirty="0" smtClean="0"/>
+          </a:p>
+          <a:p>
+            <a:pPr marL="342900" indent="-342900">
+              <a:buAutoNum type="arabicPeriod"/>
+            </a:pPr>
+            <a:r>
+              <a:rPr lang="en-US" altLang="zh-TW" sz="2400" dirty="0" smtClean="0"/>
+              <a:t>200 time</a:t>
+            </a:r>
+            <a:r>
+              <a:rPr lang="zh-TW" altLang="en-US" sz="2400" dirty="0" smtClean="0"/>
+              <a:t> </a:t>
+            </a:r>
+            <a:r>
+              <a:rPr lang="en-US" altLang="zh-TW" sz="2400" dirty="0" smtClean="0"/>
+              <a:t>steps</a:t>
+            </a:r>
+          </a:p>
+          <a:p>
+            <a:pPr marL="342900" indent="-342900">
+              <a:buAutoNum type="arabicPeriod"/>
+            </a:pPr>
+            <a:endParaRPr lang="en-US" altLang="zh-TW" sz="2400" dirty="0" smtClean="0"/>
+          </a:p>
+          <a:p>
+            <a:pPr marL="342900" indent="-342900">
+              <a:buAutoNum type="arabicPeriod"/>
+            </a:pPr>
+            <a:r>
+              <a:rPr lang="en-US" altLang="zh-TW" sz="2400" dirty="0" smtClean="0"/>
+              <a:t>&lt;25% schedule:</a:t>
+            </a:r>
+            <a:r>
+              <a:rPr lang="zh-TW" altLang="en-US" sz="2400" dirty="0" smtClean="0"/>
+              <a:t> </a:t>
+            </a:r>
+            <a:r>
+              <a:rPr lang="en-US" altLang="zh-TW" sz="2400" dirty="0" smtClean="0"/>
+              <a:t>resemble an alpha composite of their</a:t>
+            </a:r>
+            <a:r>
+              <a:rPr lang="zh-TW" altLang="en-US" sz="2400" dirty="0" smtClean="0"/>
+              <a:t> </a:t>
+            </a:r>
+            <a:r>
+              <a:rPr lang="en-US" altLang="zh-TW" sz="2400" dirty="0" smtClean="0"/>
+              <a:t>parent images</a:t>
+            </a:r>
+          </a:p>
+          <a:p>
+            <a:pPr marL="342900" indent="-342900">
+              <a:buAutoNum type="arabicPeriod"/>
+            </a:pPr>
+            <a:endParaRPr lang="en-US" altLang="zh-TW" sz="2400" dirty="0" smtClean="0"/>
+          </a:p>
+          <a:p>
+            <a:pPr marL="342900" indent="-342900">
+              <a:buAutoNum type="arabicPeriod"/>
+            </a:pPr>
+            <a:r>
+              <a:rPr lang="en-US" altLang="zh-TW" sz="2400" dirty="0" smtClean="0"/>
+              <a:t>&gt;65%</a:t>
+            </a:r>
+            <a:r>
+              <a:rPr lang="zh-TW" altLang="en-US" sz="2400" dirty="0" smtClean="0"/>
+              <a:t> </a:t>
+            </a:r>
+            <a:r>
+              <a:rPr lang="en-US" altLang="zh-TW" sz="2400" dirty="0" smtClean="0"/>
+              <a:t>schedule: deviate significantly from their parent</a:t>
+            </a:r>
+          </a:p>
+          <a:p>
+            <a:pPr marL="342900" indent="-342900">
+              <a:buAutoNum type="arabicPeriod"/>
+            </a:pPr>
+            <a:endParaRPr lang="en-US" altLang="zh-TW" sz="2400" dirty="0" smtClean="0"/>
+          </a:p>
+          <a:p>
+            <a:pPr marL="342900" indent="-342900">
+              <a:buAutoNum type="arabicPeriod"/>
+            </a:pPr>
+            <a:r>
+              <a:rPr lang="en-US" altLang="zh-TW" sz="2400" dirty="0" smtClean="0"/>
+              <a:t>Choose 25%~65% schedule</a:t>
+            </a:r>
+          </a:p>
+          <a:p>
+            <a:pPr marL="342900" indent="-342900">
+              <a:buAutoNum type="arabicPeriod"/>
+            </a:pPr>
+            <a:endParaRPr lang="zh-TW" altLang="en-US" dirty="0"/>
+          </a:p>
+        </p:txBody>
+      </p:sp>
+    </p:spTree>
+    <p:extLst>
+      <p:ext uri="{BB962C8B-B14F-4D97-AF65-F5344CB8AC3E}">
+        <p14:creationId xmlns:p14="http://schemas.microsoft.com/office/powerpoint/2010/main" val="4070519683"/>
+      </p:ext>
+    </p:extLst>
+  </p:cSld>
+  <p:clrMapOvr>
+    <a:masterClrMapping/>
+  </p:clrMapOvr>
+</p:sld>
+</file>
+
+<file path=ppt/slides/slide13.xml><?xml version="1.0" encoding="utf-8"?>
+<p:sld xmlns:a="http://schemas.openxmlformats.org/drawingml/2006/main" xmlns:r="http://schemas.openxmlformats.org/officeDocument/2006/relationships" xmlns:p="http://schemas.openxmlformats.org/presentationml/2006/main">
+  <p:cSld>
+    <p:spTree>
+      <p:nvGrpSpPr>
+        <p:cNvPr id="1" name=""/>
+        <p:cNvGrpSpPr/>
+        <p:nvPr/>
+      </p:nvGrpSpPr>
+      <p:grpSpPr>
+        <a:xfrm>
+          <a:off x="0" y="0"/>
+          <a:ext cx="0" cy="0"/>
+          <a:chOff x="0" y="0"/>
+          <a:chExt cx="0" cy="0"/>
+        </a:xfrm>
+      </p:grpSpPr>
+      <p:sp>
+        <p:nvSpPr>
+          <p:cNvPr id="2" name="標題 1">
+            <a:extLst>
+              <a:ext uri="{FF2B5EF4-FFF2-40B4-BE49-F238E27FC236}">
+                <a16:creationId xmlns:a16="http://schemas.microsoft.com/office/drawing/2014/main" xmlns="" id="{98A04798-5168-4875-A411-80CD40D53BBD}"/>
+              </a:ext>
+            </a:extLst>
+          </p:cNvPr>
+          <p:cNvSpPr>
+            <a:spLocks noGrp="1"/>
+          </p:cNvSpPr>
+          <p:nvPr>
+            <p:ph type="title"/>
+          </p:nvPr>
+        </p:nvSpPr>
+        <p:spPr>
+          <a:xfrm>
+            <a:off x="333316" y="544152"/>
+            <a:ext cx="6566757" cy="718058"/>
+          </a:xfrm>
+        </p:spPr>
+        <p:txBody>
+          <a:bodyPr>
+            <a:noAutofit/>
+          </a:bodyPr>
+          <a:lstStyle/>
+          <a:p>
+            <a:r>
+              <a:rPr lang="en-US" altLang="zh-TW" dirty="0"/>
+              <a:t>Textual inversion</a:t>
+            </a:r>
+            <a:endParaRPr lang="zh-TW" dirty="0"/>
+          </a:p>
+        </p:txBody>
+      </p:sp>
+      <p:sp>
+        <p:nvSpPr>
+          <p:cNvPr id="8" name="文字方塊 7"/>
+          <p:cNvSpPr txBox="1"/>
+          <p:nvPr/>
+        </p:nvSpPr>
+        <p:spPr>
+          <a:xfrm>
+            <a:off x="333316" y="1262210"/>
+            <a:ext cx="10317192" cy="4524315"/>
+          </a:xfrm>
+          <a:prstGeom prst="rect">
+            <a:avLst/>
+          </a:prstGeom>
+          <a:noFill/>
+        </p:spPr>
+        <p:txBody>
+          <a:bodyPr wrap="square" rtlCol="0">
+            <a:spAutoFit/>
+          </a:bodyPr>
+          <a:lstStyle/>
+          <a:p>
+            <a:pPr marL="342900" indent="-342900">
+              <a:buAutoNum type="arabicPeriod"/>
+            </a:pPr>
+            <a:r>
+              <a:rPr lang="en-US" altLang="zh-TW" sz="2400" dirty="0"/>
+              <a:t>interpolated text embeddings</a:t>
+            </a:r>
+          </a:p>
+          <a:p>
+            <a:pPr marL="342900" indent="-342900">
+              <a:buAutoNum type="arabicPeriod"/>
+            </a:pPr>
+            <a:endParaRPr lang="en-US" altLang="zh-TW" sz="2400" dirty="0"/>
+          </a:p>
+          <a:p>
+            <a:pPr marL="342900" indent="-342900">
+              <a:buAutoNum type="arabicPeriod"/>
+            </a:pPr>
+            <a:r>
+              <a:rPr lang="en-US" altLang="zh-TW" sz="2400" dirty="0"/>
+              <a:t>Initial Encoding: The text prompt is encoded as usual</a:t>
+            </a:r>
+          </a:p>
+          <a:p>
+            <a:pPr marL="342900" indent="-342900">
+              <a:buAutoNum type="arabicPeriod"/>
+            </a:pPr>
+            <a:endParaRPr lang="en-US" altLang="zh-TW" sz="2400" dirty="0"/>
+          </a:p>
+          <a:p>
+            <a:pPr marL="342900" indent="-342900">
+              <a:buAutoNum type="arabicPeriod"/>
+            </a:pPr>
+            <a:r>
+              <a:rPr lang="en-US" altLang="zh-TW" sz="2400" dirty="0"/>
+              <a:t>Fine-Tuning: The prompt embedding is fine-tuned</a:t>
+            </a:r>
+          </a:p>
+          <a:p>
+            <a:pPr marL="342900" indent="-342900">
+              <a:buAutoNum type="arabicPeriod"/>
+            </a:pPr>
+            <a:endParaRPr lang="en-US" altLang="zh-TW" sz="2400" dirty="0"/>
+          </a:p>
+          <a:p>
+            <a:pPr marL="342900" indent="-342900">
+              <a:buAutoNum type="arabicPeriod"/>
+            </a:pPr>
+            <a:r>
+              <a:rPr lang="en-US" altLang="zh-TW" sz="2400" dirty="0"/>
+              <a:t>Condition: The fine-tuning process minimizes the LDM error at random noise levels</a:t>
+            </a:r>
+          </a:p>
+          <a:p>
+            <a:pPr marL="342900" indent="-342900">
+              <a:buAutoNum type="arabicPeriod"/>
+            </a:pPr>
+            <a:endParaRPr lang="en-US" altLang="zh-TW" sz="2400" dirty="0"/>
+          </a:p>
+          <a:p>
+            <a:pPr marL="342900" indent="-342900">
+              <a:buAutoNum type="arabicPeriod"/>
+            </a:pPr>
+            <a:r>
+              <a:rPr lang="en-US" altLang="zh-TW" sz="2400" dirty="0"/>
+              <a:t>Conditioning Input: The resulting  is used as a conditioning input for the LDM's denoising U-Net</a:t>
+            </a:r>
+          </a:p>
+          <a:p>
+            <a:pPr marL="342900" indent="-342900">
+              <a:buAutoNum type="arabicPeriod"/>
+            </a:pPr>
+            <a:endParaRPr lang="zh-TW" altLang="en-US" sz="2400" dirty="0"/>
+          </a:p>
+        </p:txBody>
+      </p:sp>
+    </p:spTree>
+    <p:extLst>
+      <p:ext uri="{BB962C8B-B14F-4D97-AF65-F5344CB8AC3E}">
+        <p14:creationId xmlns:p14="http://schemas.microsoft.com/office/powerpoint/2010/main" val="1617569886"/>
+      </p:ext>
+    </p:extLst>
+  </p:cSld>
+  <p:clrMapOvr>
+    <a:masterClrMapping/>
+  </p:clrMapOvr>
+</p:sld>
+</file>
+
+<file path=ppt/slides/slide14.xml><?xml version="1.0" encoding="utf-8"?>
+<p:sld xmlns:a="http://schemas.openxmlformats.org/drawingml/2006/main" xmlns:r="http://schemas.openxmlformats.org/officeDocument/2006/relationships" xmlns:p="http://schemas.openxmlformats.org/presentationml/2006/main">
+  <p:cSld>
+    <p:spTree>
+      <p:nvGrpSpPr>
+        <p:cNvPr id="1" name=""/>
+        <p:cNvGrpSpPr/>
+        <p:nvPr/>
+      </p:nvGrpSpPr>
+      <p:grpSpPr>
+        <a:xfrm>
+          <a:off x="0" y="0"/>
+          <a:ext cx="0" cy="0"/>
+          <a:chOff x="0" y="0"/>
+          <a:chExt cx="0" cy="0"/>
+        </a:xfrm>
+      </p:grpSpPr>
+      <p:sp>
+        <p:nvSpPr>
+          <p:cNvPr id="2" name="標題 1">
+            <a:extLst>
+              <a:ext uri="{FF2B5EF4-FFF2-40B4-BE49-F238E27FC236}">
+                <a16:creationId xmlns:a16="http://schemas.microsoft.com/office/drawing/2014/main" xmlns="" id="{98A04798-5168-4875-A411-80CD40D53BBD}"/>
+              </a:ext>
+            </a:extLst>
+          </p:cNvPr>
+          <p:cNvSpPr>
+            <a:spLocks noGrp="1"/>
+          </p:cNvSpPr>
+          <p:nvPr>
+            <p:ph type="title"/>
+          </p:nvPr>
+        </p:nvSpPr>
+        <p:spPr>
+          <a:xfrm>
+            <a:off x="333316" y="544152"/>
+            <a:ext cx="6566757" cy="718058"/>
+          </a:xfrm>
+        </p:spPr>
+        <p:txBody>
+          <a:bodyPr>
+            <a:noAutofit/>
+          </a:bodyPr>
+          <a:lstStyle/>
+          <a:p>
+            <a:r>
+              <a:rPr lang="en-US" altLang="zh-TW" dirty="0"/>
+              <a:t>Textual inversion</a:t>
+            </a:r>
+            <a:endParaRPr lang="zh-TW" dirty="0"/>
+          </a:p>
+        </p:txBody>
+      </p:sp>
+      <p:sp>
+        <p:nvSpPr>
+          <p:cNvPr id="4" name="文字方塊 3">
+            <a:extLst>
+              <a:ext uri="{FF2B5EF4-FFF2-40B4-BE49-F238E27FC236}">
+                <a16:creationId xmlns:a16="http://schemas.microsoft.com/office/drawing/2014/main" xmlns="" id="{DFFB075D-A965-4F15-94E7-E7631D15AC12}"/>
+              </a:ext>
+            </a:extLst>
+          </p:cNvPr>
+          <p:cNvSpPr txBox="1"/>
+          <p:nvPr/>
+        </p:nvSpPr>
+        <p:spPr>
+          <a:xfrm>
+            <a:off x="333316" y="1262210"/>
+            <a:ext cx="10317192" cy="3046988"/>
+          </a:xfrm>
+          <a:prstGeom prst="rect">
+            <a:avLst/>
+          </a:prstGeom>
+          <a:noFill/>
+        </p:spPr>
+        <p:txBody>
+          <a:bodyPr wrap="square" rtlCol="0">
+            <a:spAutoFit/>
+          </a:bodyPr>
+          <a:lstStyle/>
+          <a:p>
+            <a:pPr marL="342900" indent="-342900">
+              <a:buAutoNum type="arabicPeriod"/>
+            </a:pPr>
+            <a:r>
+              <a:rPr lang="en-US" altLang="zh-TW" sz="2400" dirty="0"/>
+              <a:t>Prompt:</a:t>
+            </a:r>
+            <a:r>
+              <a:rPr lang="zh-TW" altLang="en-US" sz="2400" dirty="0"/>
+              <a:t> </a:t>
+            </a:r>
+            <a:r>
+              <a:rPr lang="en-US" altLang="zh-TW" sz="2400" dirty="0"/>
+              <a:t>Use both positive and negative text prompts</a:t>
+            </a:r>
+          </a:p>
+          <a:p>
+            <a:pPr marL="342900" indent="-342900">
+              <a:buAutoNum type="arabicPeriod"/>
+            </a:pPr>
+            <a:endParaRPr lang="en-US" altLang="zh-TW" sz="2400" dirty="0"/>
+          </a:p>
+          <a:p>
+            <a:pPr marL="342900" indent="-342900">
+              <a:buAutoNum type="arabicPeriod"/>
+            </a:pPr>
+            <a:r>
+              <a:rPr lang="en-US" altLang="zh-TW" sz="2400" dirty="0"/>
+              <a:t>Scope of Optimization: </a:t>
+            </a:r>
+            <a:r>
+              <a:rPr lang="en-US" altLang="zh-TW" sz="2400" dirty="0">
+                <a:effectLst/>
+              </a:rPr>
+              <a:t>the decision is made to </a:t>
+            </a:r>
+            <a:r>
+              <a:rPr lang="en-US" altLang="zh-TW" sz="2400" b="1" dirty="0">
+                <a:effectLst/>
+              </a:rPr>
+              <a:t>optimize the entire text embedding</a:t>
+            </a:r>
+            <a:r>
+              <a:rPr lang="en-US" altLang="zh-TW" sz="2400" dirty="0">
+                <a:effectLst/>
+              </a:rPr>
+              <a:t>.</a:t>
+            </a:r>
+            <a:endParaRPr lang="en-US" altLang="zh-TW" sz="2400" dirty="0"/>
+          </a:p>
+          <a:p>
+            <a:pPr marL="342900" indent="-342900">
+              <a:buAutoNum type="arabicPeriod"/>
+            </a:pPr>
+            <a:endParaRPr lang="en-US" altLang="zh-TW" sz="2400" dirty="0"/>
+          </a:p>
+          <a:p>
+            <a:pPr marL="342900" indent="-342900">
+              <a:buAutoNum type="arabicPeriod"/>
+            </a:pPr>
+            <a:r>
+              <a:rPr lang="en-US" altLang="zh-TW" sz="2400" dirty="0"/>
+              <a:t>Handling Complexity: </a:t>
+            </a:r>
+            <a:r>
+              <a:rPr lang="en-US" altLang="zh-TW" sz="2400" dirty="0">
+                <a:effectLst/>
+              </a:rPr>
+              <a:t>The </a:t>
+            </a:r>
+            <a:r>
+              <a:rPr lang="en-US" altLang="zh-TW" sz="2400" b="1" dirty="0">
+                <a:effectLst/>
+              </a:rPr>
+              <a:t>number of iterations can be increased</a:t>
+            </a:r>
+            <a:r>
+              <a:rPr lang="en-US" altLang="zh-TW" sz="2400" dirty="0">
+                <a:effectLst/>
+              </a:rPr>
+              <a:t> for images with complicated layouts or styles</a:t>
+            </a:r>
+            <a:endParaRPr lang="en-US" altLang="zh-TW" sz="2400" dirty="0"/>
+          </a:p>
+          <a:p>
+            <a:pPr marL="342900" indent="-342900">
+              <a:buAutoNum type="arabicPeriod"/>
+            </a:pPr>
+            <a:endParaRPr lang="zh-TW" altLang="en-US" sz="2400" dirty="0"/>
+          </a:p>
+        </p:txBody>
+      </p:sp>
+    </p:spTree>
+    <p:extLst>
+      <p:ext uri="{BB962C8B-B14F-4D97-AF65-F5344CB8AC3E}">
+        <p14:creationId xmlns:p14="http://schemas.microsoft.com/office/powerpoint/2010/main" val="1147407298"/>
+      </p:ext>
+    </p:extLst>
+  </p:cSld>
+  <p:clrMapOvr>
+    <a:masterClrMapping/>
+  </p:clrMapOvr>
+</p:sld>
+</file>
+
+<file path=ppt/slides/slide15.xml><?xml version="1.0" encoding="utf-8"?>
+<p:sld xmlns:a="http://schemas.openxmlformats.org/drawingml/2006/main" xmlns:r="http://schemas.openxmlformats.org/officeDocument/2006/relationships" xmlns:p="http://schemas.openxmlformats.org/presentationml/2006/main">
+  <p:cSld>
+    <p:spTree>
+      <p:nvGrpSpPr>
+        <p:cNvPr id="1" name=""/>
+        <p:cNvGrpSpPr/>
+        <p:nvPr/>
+      </p:nvGrpSpPr>
+      <p:grpSpPr>
+        <a:xfrm>
+          <a:off x="0" y="0"/>
+          <a:ext cx="0" cy="0"/>
+          <a:chOff x="0" y="0"/>
+          <a:chExt cx="0" cy="0"/>
+        </a:xfrm>
+      </p:grpSpPr>
+      <p:sp>
+        <p:nvSpPr>
+          <p:cNvPr id="2" name="標題 1">
+            <a:extLst>
+              <a:ext uri="{FF2B5EF4-FFF2-40B4-BE49-F238E27FC236}">
+                <a16:creationId xmlns:a16="http://schemas.microsoft.com/office/drawing/2014/main" xmlns="" id="{98A04798-5168-4875-A411-80CD40D53BBD}"/>
+              </a:ext>
+            </a:extLst>
+          </p:cNvPr>
+          <p:cNvSpPr>
+            <a:spLocks noGrp="1"/>
+          </p:cNvSpPr>
+          <p:nvPr>
+            <p:ph type="title"/>
+          </p:nvPr>
+        </p:nvSpPr>
+        <p:spPr>
+          <a:xfrm>
+            <a:off x="333316" y="544152"/>
+            <a:ext cx="6566757" cy="718058"/>
+          </a:xfrm>
+        </p:spPr>
+        <p:txBody>
+          <a:bodyPr>
+            <a:noAutofit/>
+          </a:bodyPr>
+          <a:lstStyle/>
+          <a:p>
+            <a:r>
+              <a:rPr lang="en-US" altLang="zh-TW" dirty="0"/>
+              <a:t>Pose guidance</a:t>
+            </a:r>
+            <a:endParaRPr lang="zh-TW" dirty="0"/>
+          </a:p>
+        </p:txBody>
+      </p:sp>
+      <p:pic>
+        <p:nvPicPr>
+          <p:cNvPr id="5" name="圖片 4">
+            <a:extLst>
+              <a:ext uri="{FF2B5EF4-FFF2-40B4-BE49-F238E27FC236}">
+                <a16:creationId xmlns:a16="http://schemas.microsoft.com/office/drawing/2014/main" xmlns="" id="{3C59C9EE-012C-4A70-A73A-3C6668F739A2}"/>
+              </a:ext>
+            </a:extLst>
+          </p:cNvPr>
+          <p:cNvPicPr>
+            <a:picLocks noChangeAspect="1"/>
+          </p:cNvPicPr>
+          <p:nvPr/>
+        </p:nvPicPr>
+        <p:blipFill>
+          <a:blip r:embed="rId3"/>
+          <a:stretch>
+            <a:fillRect/>
+          </a:stretch>
+        </p:blipFill>
+        <p:spPr>
+          <a:xfrm>
+            <a:off x="2664819" y="1423707"/>
+            <a:ext cx="6862362" cy="4682423"/>
+          </a:xfrm>
+          <a:prstGeom prst="rect">
+            <a:avLst/>
+          </a:prstGeom>
+        </p:spPr>
+      </p:pic>
+    </p:spTree>
+    <p:extLst>
+      <p:ext uri="{BB962C8B-B14F-4D97-AF65-F5344CB8AC3E}">
+        <p14:creationId xmlns:p14="http://schemas.microsoft.com/office/powerpoint/2010/main" val="3434902831"/>
+      </p:ext>
+    </p:extLst>
+  </p:cSld>
+  <p:clrMapOvr>
+    <a:masterClrMapping/>
+  </p:clrMapOvr>
+</p:sld>
+</file>
+
+<file path=ppt/slides/slide16.xml><?xml version="1.0" encoding="utf-8"?>
+<p:sld xmlns:a="http://schemas.openxmlformats.org/drawingml/2006/main" xmlns:r="http://schemas.openxmlformats.org/officeDocument/2006/relationships" xmlns:p="http://schemas.openxmlformats.org/presentationml/2006/main">
+  <p:cSld>
+    <p:spTree>
+      <p:nvGrpSpPr>
+        <p:cNvPr id="1" name=""/>
+        <p:cNvGrpSpPr/>
+        <p:nvPr/>
+      </p:nvGrpSpPr>
+      <p:grpSpPr>
+        <a:xfrm>
+          <a:off x="0" y="0"/>
+          <a:ext cx="0" cy="0"/>
+          <a:chOff x="0" y="0"/>
+          <a:chExt cx="0" cy="0"/>
+        </a:xfrm>
+      </p:grpSpPr>
+      <p:sp>
+        <p:nvSpPr>
+          <p:cNvPr id="2" name="標題 1">
+            <a:extLst>
+              <a:ext uri="{FF2B5EF4-FFF2-40B4-BE49-F238E27FC236}">
+                <a16:creationId xmlns:a16="http://schemas.microsoft.com/office/drawing/2014/main" xmlns="" id="{98A04798-5168-4875-A411-80CD40D53BBD}"/>
+              </a:ext>
+            </a:extLst>
+          </p:cNvPr>
+          <p:cNvSpPr>
+            <a:spLocks noGrp="1"/>
+          </p:cNvSpPr>
+          <p:nvPr>
+            <p:ph type="title"/>
+          </p:nvPr>
+        </p:nvSpPr>
+        <p:spPr>
+          <a:xfrm>
+            <a:off x="333316" y="544152"/>
+            <a:ext cx="6566757" cy="718058"/>
+          </a:xfrm>
+        </p:spPr>
+        <p:txBody>
+          <a:bodyPr>
+            <a:noAutofit/>
+          </a:bodyPr>
+          <a:lstStyle/>
+          <a:p>
+            <a:r>
+              <a:rPr lang="en-US" altLang="zh-TW" dirty="0"/>
+              <a:t>CLIP ranking</a:t>
+            </a:r>
+            <a:endParaRPr lang="zh-TW" dirty="0"/>
+          </a:p>
+        </p:txBody>
+      </p:sp>
+      <p:sp>
+        <p:nvSpPr>
+          <p:cNvPr id="4" name="文字方塊 3">
+            <a:extLst>
+              <a:ext uri="{FF2B5EF4-FFF2-40B4-BE49-F238E27FC236}">
+                <a16:creationId xmlns:a16="http://schemas.microsoft.com/office/drawing/2014/main" xmlns="" id="{5F7A7288-CE53-41BC-92A9-601BAE1B50E8}"/>
+              </a:ext>
+            </a:extLst>
+          </p:cNvPr>
+          <p:cNvSpPr txBox="1"/>
+          <p:nvPr/>
+        </p:nvSpPr>
+        <p:spPr>
+          <a:xfrm>
+            <a:off x="333316" y="1262210"/>
+            <a:ext cx="10317192" cy="4154984"/>
+          </a:xfrm>
+          <a:prstGeom prst="rect">
+            <a:avLst/>
+          </a:prstGeom>
+          <a:noFill/>
+        </p:spPr>
+        <p:txBody>
+          <a:bodyPr wrap="square" rtlCol="0">
+            <a:spAutoFit/>
+          </a:bodyPr>
+          <a:lstStyle/>
+          <a:p>
+            <a:pPr marL="342900" indent="-342900">
+              <a:buAutoNum type="arabicPeriod"/>
+            </a:pPr>
+            <a:r>
+              <a:rPr lang="en-US" altLang="zh-TW" sz="2400" dirty="0"/>
+              <a:t>Candidate Generation: Multiple candidates are generated by repeating each forward diffusion step using different noise vectors</a:t>
+            </a:r>
+          </a:p>
+          <a:p>
+            <a:pPr marL="342900" indent="-342900">
+              <a:buAutoNum type="arabicPeriod"/>
+            </a:pPr>
+            <a:endParaRPr lang="en-US" altLang="zh-TW" sz="2400" dirty="0"/>
+          </a:p>
+          <a:p>
+            <a:pPr marL="342900" indent="-342900">
+              <a:buAutoNum type="arabicPeriod"/>
+            </a:pPr>
+            <a:r>
+              <a:rPr lang="en-US" altLang="zh-TW" sz="2400" dirty="0"/>
+              <a:t>Denoising: Each interpolated latent vector is denoised</a:t>
+            </a:r>
+          </a:p>
+          <a:p>
+            <a:pPr marL="342900" indent="-342900">
+              <a:buAutoNum type="arabicPeriod"/>
+            </a:pPr>
+            <a:endParaRPr lang="en-US" altLang="zh-TW" sz="2400" dirty="0"/>
+          </a:p>
+          <a:p>
+            <a:pPr marL="342900" indent="-342900">
+              <a:buAutoNum type="arabicPeriod"/>
+            </a:pPr>
+            <a:r>
+              <a:rPr lang="en-US" altLang="zh-TW" sz="2400" dirty="0"/>
+              <a:t>Similarity Measurement: The CLIP similarity of the decoded image is measured against specified positive and negative prompts</a:t>
+            </a:r>
+          </a:p>
+          <a:p>
+            <a:pPr marL="342900" indent="-342900">
+              <a:buAutoNum type="arabicPeriod"/>
+            </a:pPr>
+            <a:endParaRPr lang="en-US" altLang="zh-TW" sz="2400" dirty="0"/>
+          </a:p>
+          <a:p>
+            <a:pPr marL="342900" indent="-342900">
+              <a:buAutoNum type="arabicPeriod"/>
+            </a:pPr>
+            <a:r>
+              <a:rPr lang="en-US" altLang="zh-TW" sz="2400" dirty="0"/>
+              <a:t>Selection: The image with the highest value of positive similarity minus negative similarity is retained</a:t>
+            </a:r>
+          </a:p>
+          <a:p>
+            <a:pPr marL="342900" indent="-342900">
+              <a:buAutoNum type="arabicPeriod"/>
+            </a:pPr>
+            <a:endParaRPr lang="zh-TW" altLang="en-US" sz="2400" dirty="0"/>
+          </a:p>
+        </p:txBody>
+      </p:sp>
+    </p:spTree>
+    <p:extLst>
+      <p:ext uri="{BB962C8B-B14F-4D97-AF65-F5344CB8AC3E}">
+        <p14:creationId xmlns:p14="http://schemas.microsoft.com/office/powerpoint/2010/main" val="535035553"/>
+      </p:ext>
+    </p:extLst>
+  </p:cSld>
+  <p:clrMapOvr>
+    <a:masterClrMapping/>
+  </p:clrMapOvr>
+</p:sld>
+</file>
+
+<file path=ppt/slides/slide17.xml><?xml version="1.0" encoding="utf-8"?>
+<p:sld xmlns:a="http://schemas.openxmlformats.org/drawingml/2006/main" xmlns:r="http://schemas.openxmlformats.org/officeDocument/2006/relationships" xmlns:p="http://schemas.openxmlformats.org/presentationml/2006/main">
+  <p:cSld>
+    <p:spTree>
+      <p:nvGrpSpPr>
+        <p:cNvPr id="1" name=""/>
+        <p:cNvGrpSpPr/>
+        <p:nvPr/>
+      </p:nvGrpSpPr>
+      <p:grpSpPr>
+        <a:xfrm>
+          <a:off x="0" y="0"/>
+          <a:ext cx="0" cy="0"/>
+          <a:chOff x="0" y="0"/>
+          <a:chExt cx="0" cy="0"/>
+        </a:xfrm>
+      </p:grpSpPr>
+      <p:sp>
+        <p:nvSpPr>
+          <p:cNvPr id="2" name="標題 1">
+            <a:extLst>
+              <a:ext uri="{FF2B5EF4-FFF2-40B4-BE49-F238E27FC236}">
+                <a16:creationId xmlns:a16="http://schemas.microsoft.com/office/drawing/2014/main" xmlns="" id="{98A04798-5168-4875-A411-80CD40D53BBD}"/>
+              </a:ext>
+            </a:extLst>
+          </p:cNvPr>
+          <p:cNvSpPr>
+            <a:spLocks noGrp="1"/>
+          </p:cNvSpPr>
+          <p:nvPr>
+            <p:ph type="title"/>
+          </p:nvPr>
+        </p:nvSpPr>
+        <p:spPr>
+          <a:xfrm>
+            <a:off x="333316" y="544152"/>
+            <a:ext cx="6566757" cy="718058"/>
+          </a:xfrm>
+        </p:spPr>
+        <p:txBody>
+          <a:bodyPr>
+            <a:noAutofit/>
+          </a:bodyPr>
+          <a:lstStyle/>
+          <a:p>
+            <a:r>
+              <a:rPr lang="en-US" altLang="zh-TW" dirty="0"/>
+              <a:t>Diffusion for Interpolating Images</a:t>
+            </a:r>
+            <a:endParaRPr lang="zh-TW" dirty="0"/>
+          </a:p>
+        </p:txBody>
+      </p:sp>
+      <p:pic>
+        <p:nvPicPr>
+          <p:cNvPr id="4" name="圖片 3"/>
+          <p:cNvPicPr>
+            <a:picLocks noChangeAspect="1"/>
+          </p:cNvPicPr>
+          <p:nvPr/>
+        </p:nvPicPr>
+        <p:blipFill rotWithShape="1">
+          <a:blip r:embed="rId3"/>
+          <a:srcRect l="24153" t="24946" r="12064" b="12763"/>
+          <a:stretch/>
+        </p:blipFill>
+        <p:spPr>
+          <a:xfrm>
+            <a:off x="2144486" y="1975099"/>
+            <a:ext cx="7903029" cy="4341396"/>
+          </a:xfrm>
+          <a:prstGeom prst="rect">
+            <a:avLst/>
+          </a:prstGeom>
+        </p:spPr>
+      </p:pic>
+      <p:sp>
+        <p:nvSpPr>
+          <p:cNvPr id="8" name="文字方塊 7"/>
+          <p:cNvSpPr txBox="1"/>
+          <p:nvPr/>
+        </p:nvSpPr>
+        <p:spPr>
+          <a:xfrm>
+            <a:off x="474453" y="1605767"/>
+            <a:ext cx="10317192" cy="369332"/>
+          </a:xfrm>
+          <a:prstGeom prst="rect">
+            <a:avLst/>
+          </a:prstGeom>
+          <a:noFill/>
+        </p:spPr>
+        <p:txBody>
+          <a:bodyPr wrap="square" rtlCol="0">
+            <a:spAutoFit/>
+          </a:bodyPr>
+          <a:lstStyle/>
+          <a:p>
+            <a:r>
+              <a:rPr lang="en-US" altLang="zh-TW"/>
+              <a:t>result</a:t>
+            </a:r>
+            <a:endParaRPr lang="zh-TW" altLang="en-US" dirty="0"/>
+          </a:p>
+        </p:txBody>
+      </p:sp>
+    </p:spTree>
+    <p:extLst>
+      <p:ext uri="{BB962C8B-B14F-4D97-AF65-F5344CB8AC3E}">
+        <p14:creationId xmlns:p14="http://schemas.microsoft.com/office/powerpoint/2010/main" val="3449823456"/>
+      </p:ext>
+    </p:extLst>
+  </p:cSld>
+  <p:clrMapOvr>
+    <a:masterClrMapping/>
+  </p:clrMapOvr>
+</p:sld>
+</file>
+
+<file path=ppt/slides/slide2.xml><?xml version="1.0" encoding="utf-8"?>
+<p:sld xmlns:a="http://schemas.openxmlformats.org/drawingml/2006/main" xmlns:r="http://schemas.openxmlformats.org/officeDocument/2006/relationships" xmlns:p="http://schemas.openxmlformats.org/presentationml/2006/main">
+  <p:cSld>
+    <p:spTree>
+      <p:nvGrpSpPr>
+        <p:cNvPr id="1" name=""/>
+        <p:cNvGrpSpPr/>
+        <p:nvPr/>
+      </p:nvGrpSpPr>
+      <p:grpSpPr>
+        <a:xfrm>
+          <a:off x="0" y="0"/>
+          <a:ext cx="0" cy="0"/>
+          <a:chOff x="0" y="0"/>
+          <a:chExt cx="0" cy="0"/>
+        </a:xfrm>
+      </p:grpSpPr>
+      <p:sp>
+        <p:nvSpPr>
+          <p:cNvPr id="2" name="標題 1">
+            <a:extLst>
+              <a:ext uri="{FF2B5EF4-FFF2-40B4-BE49-F238E27FC236}">
+                <a16:creationId xmlns:a16="http://schemas.microsoft.com/office/drawing/2014/main" xmlns="" id="{7533F336-40A6-45C8-9A62-B4E78BC5E568}"/>
+              </a:ext>
+            </a:extLst>
+          </p:cNvPr>
+          <p:cNvSpPr>
+            <a:spLocks noGrp="1"/>
+          </p:cNvSpPr>
+          <p:nvPr>
+            <p:ph type="title"/>
+          </p:nvPr>
+        </p:nvSpPr>
+        <p:spPr>
+          <a:xfrm>
+            <a:off x="342900" y="571500"/>
+            <a:ext cx="5044440" cy="693420"/>
+          </a:xfrm>
+        </p:spPr>
+        <p:txBody>
+          <a:bodyPr>
+            <a:normAutofit fontScale="90000"/>
+          </a:bodyPr>
+          <a:lstStyle/>
+          <a:p>
+            <a:r>
+              <a:rPr lang="en-US" altLang="zh-TW" b="1" dirty="0">
+                <a:latin typeface="Times New Roman" panose="02020603050405020304" pitchFamily="18" charset="0"/>
+                <a:cs typeface="Times New Roman" panose="02020603050405020304" pitchFamily="18" charset="0"/>
+              </a:rPr>
+              <a:t>CONTENTS</a:t>
+            </a:r>
+            <a:endParaRPr lang="zh-TW" altLang="en-US" dirty="0"/>
+          </a:p>
+        </p:txBody>
+      </p:sp>
+      <p:sp>
+        <p:nvSpPr>
+          <p:cNvPr id="5" name="內容版面配置區 2"/>
+          <p:cNvSpPr txBox="1">
+            <a:spLocks/>
+          </p:cNvSpPr>
+          <p:nvPr/>
+        </p:nvSpPr>
+        <p:spPr>
+          <a:xfrm>
+            <a:off x="457200" y="1412875"/>
+            <a:ext cx="8229600" cy="4713288"/>
+          </a:xfrm>
+          <a:prstGeom prst="rect">
+            <a:avLst/>
+          </a:prstGeom>
+        </p:spPr>
+        <p:txBody>
+          <a:bodyPr vert="horz" lIns="91440" tIns="45720" rIns="91440" bIns="45720" rtlCol="0">
+            <a:normAutofit/>
+          </a:bodyPr>
+          <a:lstStyle>
+            <a:lvl1pPr marL="228600" indent="-228600" algn="l" defTabSz="914400" rtl="0" eaLnBrk="1" latinLnBrk="0" hangingPunct="1">
+              <a:lnSpc>
+                <a:spcPct val="90000"/>
+              </a:lnSpc>
+              <a:spcBef>
+                <a:spcPts val="1000"/>
+              </a:spcBef>
+              <a:buFont typeface="Arial" panose="020B0604020202020204" pitchFamily="34" charset="0"/>
+              <a:buChar char="•"/>
+              <a:defRPr sz="2800" kern="1200">
+                <a:solidFill>
+                  <a:schemeClr val="tx1"/>
+                </a:solidFill>
+                <a:latin typeface="+mn-lt"/>
+                <a:ea typeface="+mn-ea"/>
+                <a:cs typeface="+mn-cs"/>
+              </a:defRPr>
+            </a:lvl1pPr>
+            <a:lvl2pPr marL="685800" indent="-228600" algn="l" defTabSz="914400" rtl="0" eaLnBrk="1" latinLnBrk="0" hangingPunct="1">
+              <a:lnSpc>
+                <a:spcPct val="90000"/>
+              </a:lnSpc>
+              <a:spcBef>
+                <a:spcPts val="500"/>
+              </a:spcBef>
+              <a:buFont typeface="Arial" panose="020B0604020202020204" pitchFamily="34" charset="0"/>
+              <a:buChar char="•"/>
+              <a:defRPr sz="2400" kern="1200">
+                <a:solidFill>
+                  <a:schemeClr val="tx1"/>
+                </a:solidFill>
+                <a:latin typeface="+mn-lt"/>
+                <a:ea typeface="+mn-ea"/>
+                <a:cs typeface="+mn-cs"/>
+              </a:defRPr>
+            </a:lvl2pPr>
+            <a:lvl3pPr marL="1143000" indent="-228600" algn="l" defTabSz="914400" rtl="0" eaLnBrk="1" latinLnBrk="0" hangingPunct="1">
+              <a:lnSpc>
+                <a:spcPct val="90000"/>
+              </a:lnSpc>
+              <a:spcBef>
+                <a:spcPts val="500"/>
+              </a:spcBef>
+              <a:buFont typeface="Arial" panose="020B0604020202020204" pitchFamily="34" charset="0"/>
+              <a:buChar char="•"/>
+              <a:defRPr sz="2000" kern="1200">
+                <a:solidFill>
+                  <a:schemeClr val="tx1"/>
+                </a:solidFill>
+                <a:latin typeface="+mn-lt"/>
+                <a:ea typeface="+mn-ea"/>
+                <a:cs typeface="+mn-cs"/>
+              </a:defRPr>
+            </a:lvl3pPr>
+            <a:lvl4pPr marL="1600200" indent="-228600" algn="l" defTabSz="914400" rtl="0" eaLnBrk="1" latinLnBrk="0" hangingPunct="1">
+              <a:lnSpc>
+                <a:spcPct val="90000"/>
+              </a:lnSpc>
+              <a:spcBef>
+                <a:spcPts val="500"/>
+              </a:spcBef>
+              <a:buFont typeface="Arial" panose="020B0604020202020204" pitchFamily="34" charset="0"/>
+              <a:buChar char="•"/>
+              <a:defRPr sz="1800" kern="1200">
+                <a:solidFill>
+                  <a:schemeClr val="tx1"/>
+                </a:solidFill>
+                <a:latin typeface="+mn-lt"/>
+                <a:ea typeface="+mn-ea"/>
+                <a:cs typeface="+mn-cs"/>
+              </a:defRPr>
+            </a:lvl4pPr>
+            <a:lvl5pPr marL="2057400" indent="-228600" algn="l" defTabSz="914400" rtl="0" eaLnBrk="1" latinLnBrk="0" hangingPunct="1">
+              <a:lnSpc>
+                <a:spcPct val="90000"/>
+              </a:lnSpc>
+              <a:spcBef>
+                <a:spcPts val="500"/>
+              </a:spcBef>
+              <a:buFont typeface="Arial" panose="020B0604020202020204" pitchFamily="34" charset="0"/>
+              <a:buChar char="•"/>
+              <a:defRPr sz="1800" kern="1200">
+                <a:solidFill>
+                  <a:schemeClr val="tx1"/>
+                </a:solidFill>
+                <a:latin typeface="+mn-lt"/>
+                <a:ea typeface="+mn-ea"/>
+                <a:cs typeface="+mn-cs"/>
+              </a:defRPr>
+            </a:lvl5pPr>
+            <a:lvl6pPr marL="2514600" indent="-228600" algn="l" defTabSz="914400" rtl="0" eaLnBrk="1" latinLnBrk="0" hangingPunct="1">
+              <a:lnSpc>
+                <a:spcPct val="90000"/>
+              </a:lnSpc>
+              <a:spcBef>
+                <a:spcPts val="500"/>
+              </a:spcBef>
+              <a:buFont typeface="Arial" panose="020B0604020202020204" pitchFamily="34" charset="0"/>
+              <a:buChar char="•"/>
+              <a:defRPr sz="1800" kern="1200">
+                <a:solidFill>
+                  <a:schemeClr val="tx1"/>
+                </a:solidFill>
+                <a:latin typeface="+mn-lt"/>
+                <a:ea typeface="+mn-ea"/>
+                <a:cs typeface="+mn-cs"/>
+              </a:defRPr>
+            </a:lvl6pPr>
+            <a:lvl7pPr marL="2971800" indent="-228600" algn="l" defTabSz="914400" rtl="0" eaLnBrk="1" latinLnBrk="0" hangingPunct="1">
+              <a:lnSpc>
+                <a:spcPct val="90000"/>
+              </a:lnSpc>
+              <a:spcBef>
+                <a:spcPts val="500"/>
+              </a:spcBef>
+              <a:buFont typeface="Arial" panose="020B0604020202020204" pitchFamily="34" charset="0"/>
+              <a:buChar char="•"/>
+              <a:defRPr sz="1800" kern="1200">
+                <a:solidFill>
+                  <a:schemeClr val="tx1"/>
+                </a:solidFill>
+                <a:latin typeface="+mn-lt"/>
+                <a:ea typeface="+mn-ea"/>
+                <a:cs typeface="+mn-cs"/>
+              </a:defRPr>
+            </a:lvl7pPr>
+            <a:lvl8pPr marL="3429000" indent="-228600" algn="l" defTabSz="914400" rtl="0" eaLnBrk="1" latinLnBrk="0" hangingPunct="1">
+              <a:lnSpc>
+                <a:spcPct val="90000"/>
+              </a:lnSpc>
+              <a:spcBef>
+                <a:spcPts val="500"/>
+              </a:spcBef>
+              <a:buFont typeface="Arial" panose="020B0604020202020204" pitchFamily="34" charset="0"/>
+              <a:buChar char="•"/>
+              <a:defRPr sz="1800" kern="1200">
+                <a:solidFill>
+                  <a:schemeClr val="tx1"/>
+                </a:solidFill>
+                <a:latin typeface="+mn-lt"/>
+                <a:ea typeface="+mn-ea"/>
+                <a:cs typeface="+mn-cs"/>
+              </a:defRPr>
+            </a:lvl8pPr>
+            <a:lvl9pPr marL="3886200" indent="-228600" algn="l" defTabSz="914400" rtl="0" eaLnBrk="1" latinLnBrk="0" hangingPunct="1">
+              <a:lnSpc>
+                <a:spcPct val="90000"/>
+              </a:lnSpc>
+              <a:spcBef>
+                <a:spcPts val="500"/>
+              </a:spcBef>
+              <a:buFont typeface="Arial" panose="020B0604020202020204" pitchFamily="34" charset="0"/>
+              <a:buChar char="•"/>
+              <a:defRPr sz="1800" kern="1200">
+                <a:solidFill>
+                  <a:schemeClr val="tx1"/>
+                </a:solidFill>
+                <a:latin typeface="+mn-lt"/>
+                <a:ea typeface="+mn-ea"/>
+                <a:cs typeface="+mn-cs"/>
+              </a:defRPr>
+            </a:lvl9pPr>
+          </a:lstStyle>
+          <a:p>
+            <a:r>
+              <a:rPr lang="en-US" altLang="zh-TW" sz="3600" dirty="0"/>
+              <a:t>Introduction</a:t>
+            </a:r>
+          </a:p>
+          <a:p>
+            <a:r>
+              <a:rPr lang="en-US" altLang="zh-TW" sz="3600" dirty="0"/>
+              <a:t>Literature Review</a:t>
+            </a:r>
+          </a:p>
+          <a:p>
+            <a:r>
+              <a:rPr lang="en-US" altLang="zh-TW" sz="3600" dirty="0"/>
+              <a:t>Methodology</a:t>
+            </a:r>
+          </a:p>
+          <a:p>
+            <a:r>
+              <a:rPr lang="en-US" altLang="zh-TW" sz="3600" dirty="0"/>
+              <a:t>Results</a:t>
+            </a:r>
+          </a:p>
+          <a:p>
+            <a:r>
+              <a:rPr lang="en-US" altLang="zh-TW" sz="3600" dirty="0"/>
+              <a:t>Conclusion</a:t>
+            </a:r>
+            <a:endParaRPr lang="zh-TW" altLang="en-US" sz="3600" dirty="0"/>
+          </a:p>
+        </p:txBody>
+      </p:sp>
+    </p:spTree>
+    <p:extLst>
+      <p:ext uri="{BB962C8B-B14F-4D97-AF65-F5344CB8AC3E}">
+        <p14:creationId xmlns:p14="http://schemas.microsoft.com/office/powerpoint/2010/main" val="1094802422"/>
+      </p:ext>
+    </p:extLst>
+  </p:cSld>
+  <p:clrMapOvr>
+    <a:masterClrMapping/>
+  </p:clrMapOvr>
+</p:sld>
+</file>
+
+<file path=ppt/slides/slide3.xml><?xml version="1.0" encoding="utf-8"?>
+<p:sld xmlns:a="http://schemas.openxmlformats.org/drawingml/2006/main" xmlns:r="http://schemas.openxmlformats.org/officeDocument/2006/relationships" xmlns:p="http://schemas.openxmlformats.org/presentationml/2006/main">
+  <p:cSld>
+    <p:spTree>
+      <p:nvGrpSpPr>
+        <p:cNvPr id="1" name="">
+          <a:extLst>
+            <a:ext uri="{FF2B5EF4-FFF2-40B4-BE49-F238E27FC236}">
+              <a16:creationId xmlns:a16="http://schemas.microsoft.com/office/drawing/2014/main" xmlns="" id="{7C2C3DE9-E999-EBEC-294B-8606F906EE31}"/>
+            </a:ext>
+          </a:extLst>
+        </p:cNvPr>
+        <p:cNvGrpSpPr/>
+        <p:nvPr/>
+      </p:nvGrpSpPr>
+      <p:grpSpPr>
+        <a:xfrm>
+          <a:off x="0" y="0"/>
+          <a:ext cx="0" cy="0"/>
+          <a:chOff x="0" y="0"/>
+          <a:chExt cx="0" cy="0"/>
+        </a:xfrm>
+      </p:grpSpPr>
+      <p:sp>
+        <p:nvSpPr>
+          <p:cNvPr id="4" name="投影片編號版面配置區 3">
+            <a:extLst>
+              <a:ext uri="{FF2B5EF4-FFF2-40B4-BE49-F238E27FC236}">
+                <a16:creationId xmlns:a16="http://schemas.microsoft.com/office/drawing/2014/main" xmlns="" id="{B6E63114-0F25-F1AF-D0EA-97374BA2EACD}"/>
+              </a:ext>
+            </a:extLst>
+          </p:cNvPr>
+          <p:cNvSpPr>
+            <a:spLocks noGrp="1"/>
+          </p:cNvSpPr>
+          <p:nvPr>
+            <p:ph type="sldNum" sz="quarter" idx="12"/>
+          </p:nvPr>
+        </p:nvSpPr>
+        <p:spPr/>
+        <p:txBody>
+          <a:bodyPr/>
+          <a:lstStyle/>
+          <a:p>
+            <a:fld id="{CCBD8561-B203-49C2-95BC-AE4681F2FBBE}" type="slidenum">
+              <a:rPr lang="zh-TW" altLang="en-US" smtClean="0"/>
+              <a:t>3</a:t>
+            </a:fld>
+            <a:endParaRPr lang="zh-TW" altLang="en-US" dirty="0"/>
+          </a:p>
+        </p:txBody>
+      </p:sp>
+      <p:sp>
+        <p:nvSpPr>
+          <p:cNvPr id="5" name="Google Shape;104;p3">
+            <a:extLst>
+              <a:ext uri="{FF2B5EF4-FFF2-40B4-BE49-F238E27FC236}">
+                <a16:creationId xmlns:a16="http://schemas.microsoft.com/office/drawing/2014/main" xmlns="" id="{DA31C152-FE60-D3B5-EAC1-050D6218775D}"/>
+              </a:ext>
+            </a:extLst>
+          </p:cNvPr>
+          <p:cNvSpPr txBox="1">
+            <a:spLocks noGrp="1"/>
+          </p:cNvSpPr>
+          <p:nvPr>
+            <p:ph type="title"/>
+          </p:nvPr>
+        </p:nvSpPr>
+        <p:spPr>
+          <a:xfrm>
+            <a:off x="205158" y="-197578"/>
+            <a:ext cx="10515600" cy="1161750"/>
+          </a:xfrm>
+          <a:prstGeom prst="rect">
+            <a:avLst/>
+          </a:prstGeom>
+          <a:noFill/>
+          <a:ln>
+            <a:noFill/>
+          </a:ln>
+        </p:spPr>
+        <p:txBody>
+          <a:bodyPr spcFirstLastPara="1" wrap="square" lIns="91425" tIns="45700" rIns="91425" bIns="45700" anchor="ctr" anchorCtr="0">
+            <a:normAutofit/>
+          </a:bodyPr>
+          <a:lstStyle/>
+          <a:p>
+            <a:pPr>
+              <a:spcBef>
+                <a:spcPts val="0"/>
+              </a:spcBef>
+              <a:buClr>
+                <a:schemeClr val="dk1"/>
+              </a:buClr>
+              <a:buSzPts val="4400"/>
+            </a:pPr>
+            <a:r>
+              <a:rPr lang="en-US" dirty="0"/>
+              <a:t>Introduction</a:t>
+            </a:r>
+            <a:endParaRPr sz="3100" dirty="0"/>
+          </a:p>
+        </p:txBody>
+      </p:sp>
+      <p:pic>
+        <p:nvPicPr>
+          <p:cNvPr id="7" name="圖片 6" descr="一張含有 螢幕擷取畫面, 設計 的圖片&#10;&#10;AI 產生的內容可能不正確。">
+            <a:extLst>
+              <a:ext uri="{FF2B5EF4-FFF2-40B4-BE49-F238E27FC236}">
+                <a16:creationId xmlns:a16="http://schemas.microsoft.com/office/drawing/2014/main" xmlns="" id="{774C77B9-850A-B8E8-EB9F-77EEDDD405FF}"/>
+              </a:ext>
+            </a:extLst>
+          </p:cNvPr>
+          <p:cNvPicPr>
+            <a:picLocks noChangeAspect="1"/>
+          </p:cNvPicPr>
+          <p:nvPr/>
+        </p:nvPicPr>
+        <p:blipFill>
+          <a:blip r:embed="rId3"/>
+          <a:stretch>
+            <a:fillRect/>
+          </a:stretch>
+        </p:blipFill>
+        <p:spPr>
+          <a:xfrm>
+            <a:off x="328613" y="2505075"/>
+            <a:ext cx="11534775" cy="1847850"/>
+          </a:xfrm>
+          <a:prstGeom prst="rect">
+            <a:avLst/>
+          </a:prstGeom>
+        </p:spPr>
+      </p:pic>
+      <p:sp>
+        <p:nvSpPr>
+          <p:cNvPr id="8" name="文字方塊 7">
+            <a:extLst>
+              <a:ext uri="{FF2B5EF4-FFF2-40B4-BE49-F238E27FC236}">
+                <a16:creationId xmlns:a16="http://schemas.microsoft.com/office/drawing/2014/main" xmlns="" id="{F11364C5-60EA-75C3-EEC4-6ECE3E603B5F}"/>
+              </a:ext>
+            </a:extLst>
+          </p:cNvPr>
+          <p:cNvSpPr txBox="1"/>
+          <p:nvPr/>
+        </p:nvSpPr>
+        <p:spPr>
+          <a:xfrm>
+            <a:off x="8357839" y="2782931"/>
+            <a:ext cx="2743200" cy="369332"/>
+          </a:xfrm>
+          <a:prstGeom prst="rect">
+            <a:avLst/>
+          </a:prstGeom>
+          <a:noFill/>
+        </p:spPr>
+        <p:txBody>
+          <a:bodyPr rot="0" spcFirstLastPara="0" vertOverflow="overflow" horzOverflow="overflow" vert="horz" wrap="square" lIns="91440" tIns="45720" rIns="91440" bIns="45720" numCol="1" spcCol="0" rtlCol="0" fromWordArt="0" anchor="t" anchorCtr="0" forceAA="0" compatLnSpc="1">
+            <a:prstTxWarp prst="textNoShape">
+              <a:avLst/>
+            </a:prstTxWarp>
+            <a:spAutoFit/>
+          </a:bodyPr>
+          <a:lstStyle/>
+          <a:p>
+            <a:r>
+              <a:rPr lang="en-US" altLang="zh-TW" dirty="0">
+                <a:solidFill>
+                  <a:srgbClr val="FF0000"/>
+                </a:solidFill>
+                <a:latin typeface="Arial"/>
+                <a:ea typeface="新細明體"/>
+                <a:cs typeface="Arial"/>
+              </a:rPr>
+              <a:t>Gaussian noise</a:t>
+            </a:r>
+            <a:endParaRPr lang="en-US" altLang="zh-TW" dirty="0">
+              <a:solidFill>
+                <a:srgbClr val="FF0000"/>
+              </a:solidFill>
+              <a:ea typeface="新細明體"/>
+            </a:endParaRPr>
+          </a:p>
+        </p:txBody>
+      </p:sp>
+      <p:sp>
+        <p:nvSpPr>
+          <p:cNvPr id="9" name="文字方塊 8">
+            <a:extLst>
+              <a:ext uri="{FF2B5EF4-FFF2-40B4-BE49-F238E27FC236}">
+                <a16:creationId xmlns:a16="http://schemas.microsoft.com/office/drawing/2014/main" xmlns="" id="{F11364C5-60EA-75C3-EEC4-6ECE3E603B5F}"/>
+              </a:ext>
+            </a:extLst>
+          </p:cNvPr>
+          <p:cNvSpPr txBox="1"/>
+          <p:nvPr/>
+        </p:nvSpPr>
+        <p:spPr>
+          <a:xfrm>
+            <a:off x="8357839" y="4261449"/>
+            <a:ext cx="2743200" cy="369332"/>
+          </a:xfrm>
+          <a:prstGeom prst="rect">
+            <a:avLst/>
+          </a:prstGeom>
+          <a:noFill/>
+        </p:spPr>
+        <p:txBody>
+          <a:bodyPr rot="0" spcFirstLastPara="0" vertOverflow="overflow" horzOverflow="overflow" vert="horz" wrap="square" lIns="91440" tIns="45720" rIns="91440" bIns="45720" numCol="1" spcCol="0" rtlCol="0" fromWordArt="0" anchor="t" anchorCtr="0" forceAA="0" compatLnSpc="1">
+            <a:prstTxWarp prst="textNoShape">
+              <a:avLst/>
+            </a:prstTxWarp>
+            <a:spAutoFit/>
+          </a:bodyPr>
+          <a:lstStyle/>
+          <a:p>
+            <a:r>
+              <a:rPr lang="en-US" altLang="zh-TW" dirty="0" smtClean="0">
+                <a:solidFill>
+                  <a:srgbClr val="FF0000"/>
+                </a:solidFill>
+                <a:ea typeface="新細明體"/>
+              </a:rPr>
+              <a:t>Model training</a:t>
+            </a:r>
+            <a:endParaRPr lang="en-US" altLang="zh-TW" dirty="0">
+              <a:solidFill>
+                <a:srgbClr val="FF0000"/>
+              </a:solidFill>
+              <a:ea typeface="新細明體"/>
+            </a:endParaRPr>
+          </a:p>
+        </p:txBody>
+      </p:sp>
+    </p:spTree>
+    <p:extLst>
+      <p:ext uri="{BB962C8B-B14F-4D97-AF65-F5344CB8AC3E}">
+        <p14:creationId xmlns:p14="http://schemas.microsoft.com/office/powerpoint/2010/main" val="1319402920"/>
+      </p:ext>
+    </p:extLst>
+  </p:cSld>
+  <p:clrMapOvr>
+    <a:masterClrMapping/>
+  </p:clrMapOvr>
+</p:sld>
+</file>
+
+<file path=ppt/slides/slide4.xml><?xml version="1.0" encoding="utf-8"?>
+<p:sld xmlns:a="http://schemas.openxmlformats.org/drawingml/2006/main" xmlns:r="http://schemas.openxmlformats.org/officeDocument/2006/relationships" xmlns:p="http://schemas.openxmlformats.org/presentationml/2006/main">
+  <p:cSld>
+    <p:spTree>
+      <p:nvGrpSpPr>
+        <p:cNvPr id="1" name=""/>
+        <p:cNvGrpSpPr/>
+        <p:nvPr/>
+      </p:nvGrpSpPr>
+      <p:grpSpPr>
+        <a:xfrm>
+          <a:off x="0" y="0"/>
+          <a:ext cx="0" cy="0"/>
+          <a:chOff x="0" y="0"/>
+          <a:chExt cx="0" cy="0"/>
+        </a:xfrm>
+      </p:grpSpPr>
+      <p:sp>
+        <p:nvSpPr>
+          <p:cNvPr id="2" name="標題 1">
+            <a:extLst>
+              <a:ext uri="{FF2B5EF4-FFF2-40B4-BE49-F238E27FC236}">
+                <a16:creationId xmlns:a16="http://schemas.microsoft.com/office/drawing/2014/main" xmlns="" id="{E602B493-AA30-4C9B-A604-000032CBC299}"/>
+              </a:ext>
+            </a:extLst>
+          </p:cNvPr>
+          <p:cNvSpPr>
+            <a:spLocks noGrp="1"/>
+          </p:cNvSpPr>
+          <p:nvPr>
+            <p:ph type="title"/>
+          </p:nvPr>
+        </p:nvSpPr>
+        <p:spPr>
+          <a:xfrm>
+            <a:off x="344083" y="550910"/>
+            <a:ext cx="5257800" cy="709939"/>
+          </a:xfrm>
+        </p:spPr>
+        <p:txBody>
+          <a:bodyPr>
+            <a:normAutofit/>
+          </a:bodyPr>
+          <a:lstStyle/>
+          <a:p>
+            <a:r>
+              <a:rPr lang="en-US" b="1" dirty="0">
+                <a:solidFill>
+                  <a:srgbClr val="0F0F0F"/>
+                </a:solidFill>
+                <a:latin typeface="Roboto"/>
+                <a:ea typeface="Roboto"/>
+                <a:cs typeface="Roboto"/>
+              </a:rPr>
+              <a:t>Diffusion Training</a:t>
+            </a:r>
+            <a:endParaRPr lang="zh-TW" altLang="en-US" b="1" dirty="0">
+              <a:solidFill>
+                <a:srgbClr val="0F0F0F"/>
+              </a:solidFill>
+              <a:latin typeface="Roboto"/>
+              <a:cs typeface="Roboto"/>
+            </a:endParaRPr>
+          </a:p>
+        </p:txBody>
+      </p:sp>
+      <p:pic>
+        <p:nvPicPr>
+          <p:cNvPr id="4" name="圖片 3">
+            <a:extLst>
+              <a:ext uri="{FF2B5EF4-FFF2-40B4-BE49-F238E27FC236}">
+                <a16:creationId xmlns:a16="http://schemas.microsoft.com/office/drawing/2014/main" xmlns="" id="{7E81BC18-5492-211B-D8A3-98383F09116C}"/>
+              </a:ext>
+            </a:extLst>
+          </p:cNvPr>
+          <p:cNvPicPr>
+            <a:picLocks noChangeAspect="1"/>
+          </p:cNvPicPr>
+          <p:nvPr/>
+        </p:nvPicPr>
+        <p:blipFill>
+          <a:blip r:embed="rId3"/>
+          <a:stretch>
+            <a:fillRect/>
+          </a:stretch>
+        </p:blipFill>
+        <p:spPr>
+          <a:xfrm>
+            <a:off x="1394715" y="2012680"/>
+            <a:ext cx="9402568" cy="3901300"/>
+          </a:xfrm>
+          <a:prstGeom prst="rect">
+            <a:avLst/>
+          </a:prstGeom>
+        </p:spPr>
+      </p:pic>
+      <p:sp>
+        <p:nvSpPr>
+          <p:cNvPr id="5" name="矩形 4"/>
+          <p:cNvSpPr/>
+          <p:nvPr/>
+        </p:nvSpPr>
+        <p:spPr>
+          <a:xfrm>
+            <a:off x="344083" y="1260849"/>
+            <a:ext cx="3386504" cy="646331"/>
+          </a:xfrm>
+          <a:prstGeom prst="rect">
+            <a:avLst/>
+          </a:prstGeom>
+        </p:spPr>
+        <p:txBody>
+          <a:bodyPr wrap="none">
+            <a:spAutoFit/>
+          </a:bodyPr>
+          <a:lstStyle/>
+          <a:p>
+            <a:r>
+              <a:rPr lang="en-US" altLang="zh-TW" dirty="0">
+                <a:solidFill>
+                  <a:srgbClr val="001D35"/>
+                </a:solidFill>
+                <a:latin typeface="Arial" panose="020B0604020202020204" pitchFamily="34" charset="0"/>
+              </a:rPr>
+              <a:t>Stochastic Differential Equation</a:t>
+            </a:r>
+          </a:p>
+          <a:p>
+            <a:r>
+              <a:rPr lang="en-US" altLang="zh-TW" dirty="0"/>
+              <a:t>Probability density function</a:t>
+            </a:r>
+            <a:endParaRPr lang="zh-TW" altLang="en-US" dirty="0"/>
+          </a:p>
+        </p:txBody>
+      </p:sp>
+    </p:spTree>
+    <p:extLst>
+      <p:ext uri="{BB962C8B-B14F-4D97-AF65-F5344CB8AC3E}">
+        <p14:creationId xmlns:p14="http://schemas.microsoft.com/office/powerpoint/2010/main" val="979141225"/>
+      </p:ext>
+    </p:extLst>
+  </p:cSld>
+  <p:clrMapOvr>
+    <a:masterClrMapping/>
+  </p:clrMapOvr>
+</p:sld>
+</file>
+
+<file path=ppt/slides/slide5.xml><?xml version="1.0" encoding="utf-8"?>
+<p:sld xmlns:a="http://schemas.openxmlformats.org/drawingml/2006/main" xmlns:r="http://schemas.openxmlformats.org/officeDocument/2006/relationships" xmlns:p="http://schemas.openxmlformats.org/presentationml/2006/main">
+  <p:cSld>
+    <p:spTree>
+      <p:nvGrpSpPr>
+        <p:cNvPr id="1" name=""/>
+        <p:cNvGrpSpPr/>
+        <p:nvPr/>
+      </p:nvGrpSpPr>
+      <p:grpSpPr>
+        <a:xfrm>
+          <a:off x="0" y="0"/>
+          <a:ext cx="0" cy="0"/>
+          <a:chOff x="0" y="0"/>
+          <a:chExt cx="0" cy="0"/>
+        </a:xfrm>
+      </p:grpSpPr>
+      <p:sp>
+        <p:nvSpPr>
+          <p:cNvPr id="2" name="標題 1">
+            <a:extLst>
+              <a:ext uri="{FF2B5EF4-FFF2-40B4-BE49-F238E27FC236}">
+                <a16:creationId xmlns:a16="http://schemas.microsoft.com/office/drawing/2014/main" xmlns="" id="{7533F336-40A6-45C8-9A62-B4E78BC5E568}"/>
+              </a:ext>
+            </a:extLst>
+          </p:cNvPr>
+          <p:cNvSpPr>
+            <a:spLocks noGrp="1"/>
+          </p:cNvSpPr>
+          <p:nvPr>
+            <p:ph type="title"/>
+          </p:nvPr>
+        </p:nvSpPr>
+        <p:spPr>
+          <a:xfrm>
+            <a:off x="342900" y="571500"/>
+            <a:ext cx="5044440" cy="693420"/>
+          </a:xfrm>
+        </p:spPr>
+        <p:txBody>
+          <a:bodyPr>
+            <a:normAutofit fontScale="90000"/>
+          </a:bodyPr>
+          <a:lstStyle/>
+          <a:p>
+            <a:r>
+              <a:rPr lang="en-US" altLang="zh-TW" b="1" dirty="0">
+                <a:latin typeface="Times New Roman" panose="02020603050405020304" pitchFamily="18" charset="0"/>
+                <a:cs typeface="Times New Roman" panose="02020603050405020304" pitchFamily="18" charset="0"/>
+              </a:rPr>
+              <a:t>CONTENTS</a:t>
+            </a:r>
+            <a:endParaRPr lang="zh-TW" altLang="en-US" dirty="0"/>
+          </a:p>
+        </p:txBody>
+      </p:sp>
+      <p:sp>
+        <p:nvSpPr>
+          <p:cNvPr id="5" name="內容版面配置區 2"/>
+          <p:cNvSpPr txBox="1">
+            <a:spLocks/>
+          </p:cNvSpPr>
+          <p:nvPr/>
+        </p:nvSpPr>
+        <p:spPr>
+          <a:xfrm>
+            <a:off x="457200" y="1412875"/>
+            <a:ext cx="8229600" cy="4713288"/>
+          </a:xfrm>
+          <a:prstGeom prst="rect">
+            <a:avLst/>
+          </a:prstGeom>
+        </p:spPr>
+        <p:txBody>
+          <a:bodyPr vert="horz" lIns="91440" tIns="45720" rIns="91440" bIns="45720" rtlCol="0">
+            <a:normAutofit/>
+          </a:bodyPr>
+          <a:lstStyle>
+            <a:lvl1pPr marL="228600" indent="-228600" algn="l" defTabSz="914400" rtl="0" eaLnBrk="1" latinLnBrk="0" hangingPunct="1">
+              <a:lnSpc>
+                <a:spcPct val="90000"/>
+              </a:lnSpc>
+              <a:spcBef>
+                <a:spcPts val="1000"/>
+              </a:spcBef>
+              <a:buFont typeface="Arial" panose="020B0604020202020204" pitchFamily="34" charset="0"/>
+              <a:buChar char="•"/>
+              <a:defRPr sz="2800" kern="1200">
+                <a:solidFill>
+                  <a:schemeClr val="tx1"/>
+                </a:solidFill>
+                <a:latin typeface="+mn-lt"/>
+                <a:ea typeface="+mn-ea"/>
+                <a:cs typeface="+mn-cs"/>
+              </a:defRPr>
+            </a:lvl1pPr>
+            <a:lvl2pPr marL="685800" indent="-228600" algn="l" defTabSz="914400" rtl="0" eaLnBrk="1" latinLnBrk="0" hangingPunct="1">
+              <a:lnSpc>
+                <a:spcPct val="90000"/>
+              </a:lnSpc>
+              <a:spcBef>
+                <a:spcPts val="500"/>
+              </a:spcBef>
+              <a:buFont typeface="Arial" panose="020B0604020202020204" pitchFamily="34" charset="0"/>
+              <a:buChar char="•"/>
+              <a:defRPr sz="2400" kern="1200">
+                <a:solidFill>
+                  <a:schemeClr val="tx1"/>
+                </a:solidFill>
+                <a:latin typeface="+mn-lt"/>
+                <a:ea typeface="+mn-ea"/>
+                <a:cs typeface="+mn-cs"/>
+              </a:defRPr>
+            </a:lvl2pPr>
+            <a:lvl3pPr marL="1143000" indent="-228600" algn="l" defTabSz="914400" rtl="0" eaLnBrk="1" latinLnBrk="0" hangingPunct="1">
+              <a:lnSpc>
+                <a:spcPct val="90000"/>
+              </a:lnSpc>
+              <a:spcBef>
+                <a:spcPts val="500"/>
+              </a:spcBef>
+              <a:buFont typeface="Arial" panose="020B0604020202020204" pitchFamily="34" charset="0"/>
+              <a:buChar char="•"/>
+              <a:defRPr sz="2000" kern="1200">
+                <a:solidFill>
+                  <a:schemeClr val="tx1"/>
+                </a:solidFill>
+                <a:latin typeface="+mn-lt"/>
+                <a:ea typeface="+mn-ea"/>
+                <a:cs typeface="+mn-cs"/>
+              </a:defRPr>
+            </a:lvl3pPr>
+            <a:lvl4pPr marL="1600200" indent="-228600" algn="l" defTabSz="914400" rtl="0" eaLnBrk="1" latinLnBrk="0" hangingPunct="1">
+              <a:lnSpc>
+                <a:spcPct val="90000"/>
+              </a:lnSpc>
+              <a:spcBef>
+                <a:spcPts val="500"/>
+              </a:spcBef>
+              <a:buFont typeface="Arial" panose="020B0604020202020204" pitchFamily="34" charset="0"/>
+              <a:buChar char="•"/>
+              <a:defRPr sz="1800" kern="1200">
+                <a:solidFill>
+                  <a:schemeClr val="tx1"/>
+                </a:solidFill>
+                <a:latin typeface="+mn-lt"/>
+                <a:ea typeface="+mn-ea"/>
+                <a:cs typeface="+mn-cs"/>
+              </a:defRPr>
+            </a:lvl4pPr>
+            <a:lvl5pPr marL="2057400" indent="-228600" algn="l" defTabSz="914400" rtl="0" eaLnBrk="1" latinLnBrk="0" hangingPunct="1">
+              <a:lnSpc>
+                <a:spcPct val="90000"/>
+              </a:lnSpc>
+              <a:spcBef>
+                <a:spcPts val="500"/>
+              </a:spcBef>
+              <a:buFont typeface="Arial" panose="020B0604020202020204" pitchFamily="34" charset="0"/>
+              <a:buChar char="•"/>
+              <a:defRPr sz="1800" kern="1200">
+                <a:solidFill>
+                  <a:schemeClr val="tx1"/>
+                </a:solidFill>
+                <a:latin typeface="+mn-lt"/>
+                <a:ea typeface="+mn-ea"/>
+                <a:cs typeface="+mn-cs"/>
+              </a:defRPr>
+            </a:lvl5pPr>
+            <a:lvl6pPr marL="2514600" indent="-228600" algn="l" defTabSz="914400" rtl="0" eaLnBrk="1" latinLnBrk="0" hangingPunct="1">
+              <a:lnSpc>
+                <a:spcPct val="90000"/>
+              </a:lnSpc>
+              <a:spcBef>
+                <a:spcPts val="500"/>
+              </a:spcBef>
+              <a:buFont typeface="Arial" panose="020B0604020202020204" pitchFamily="34" charset="0"/>
+              <a:buChar char="•"/>
+              <a:defRPr sz="1800" kern="1200">
+                <a:solidFill>
+                  <a:schemeClr val="tx1"/>
+                </a:solidFill>
+                <a:latin typeface="+mn-lt"/>
+                <a:ea typeface="+mn-ea"/>
+                <a:cs typeface="+mn-cs"/>
+              </a:defRPr>
+            </a:lvl6pPr>
+            <a:lvl7pPr marL="2971800" indent="-228600" algn="l" defTabSz="914400" rtl="0" eaLnBrk="1" latinLnBrk="0" hangingPunct="1">
+              <a:lnSpc>
+                <a:spcPct val="90000"/>
+              </a:lnSpc>
+              <a:spcBef>
+                <a:spcPts val="500"/>
+              </a:spcBef>
+              <a:buFont typeface="Arial" panose="020B0604020202020204" pitchFamily="34" charset="0"/>
+              <a:buChar char="•"/>
+              <a:defRPr sz="1800" kern="1200">
+                <a:solidFill>
+                  <a:schemeClr val="tx1"/>
+                </a:solidFill>
+                <a:latin typeface="+mn-lt"/>
+                <a:ea typeface="+mn-ea"/>
+                <a:cs typeface="+mn-cs"/>
+              </a:defRPr>
+            </a:lvl7pPr>
+            <a:lvl8pPr marL="3429000" indent="-228600" algn="l" defTabSz="914400" rtl="0" eaLnBrk="1" latinLnBrk="0" hangingPunct="1">
+              <a:lnSpc>
+                <a:spcPct val="90000"/>
+              </a:lnSpc>
+              <a:spcBef>
+                <a:spcPts val="500"/>
+              </a:spcBef>
+              <a:buFont typeface="Arial" panose="020B0604020202020204" pitchFamily="34" charset="0"/>
+              <a:buChar char="•"/>
+              <a:defRPr sz="1800" kern="1200">
+                <a:solidFill>
+                  <a:schemeClr val="tx1"/>
+                </a:solidFill>
+                <a:latin typeface="+mn-lt"/>
+                <a:ea typeface="+mn-ea"/>
+                <a:cs typeface="+mn-cs"/>
+              </a:defRPr>
+            </a:lvl8pPr>
+            <a:lvl9pPr marL="3886200" indent="-228600" algn="l" defTabSz="914400" rtl="0" eaLnBrk="1" latinLnBrk="0" hangingPunct="1">
+              <a:lnSpc>
+                <a:spcPct val="90000"/>
+              </a:lnSpc>
+              <a:spcBef>
+                <a:spcPts val="500"/>
+              </a:spcBef>
+              <a:buFont typeface="Arial" panose="020B0604020202020204" pitchFamily="34" charset="0"/>
+              <a:buChar char="•"/>
+              <a:defRPr sz="1800" kern="1200">
+                <a:solidFill>
+                  <a:schemeClr val="tx1"/>
+                </a:solidFill>
+                <a:latin typeface="+mn-lt"/>
+                <a:ea typeface="+mn-ea"/>
+                <a:cs typeface="+mn-cs"/>
+              </a:defRPr>
+            </a:lvl9pPr>
+          </a:lstStyle>
+          <a:p>
+            <a:r>
+              <a:rPr lang="en-US" altLang="zh-TW" sz="3600" dirty="0">
+                <a:solidFill>
+                  <a:schemeClr val="bg1">
+                    <a:lumMod val="95000"/>
+                  </a:schemeClr>
+                </a:solidFill>
+              </a:rPr>
+              <a:t>Introduction</a:t>
+            </a:r>
+          </a:p>
+          <a:p>
+            <a:r>
+              <a:rPr lang="en-US" altLang="zh-TW" sz="3600" dirty="0"/>
+              <a:t>Literature Review</a:t>
+            </a:r>
+          </a:p>
+          <a:p>
+            <a:r>
+              <a:rPr lang="en-US" altLang="zh-TW" sz="3600" dirty="0">
+                <a:solidFill>
+                  <a:schemeClr val="bg1">
+                    <a:lumMod val="95000"/>
+                  </a:schemeClr>
+                </a:solidFill>
+              </a:rPr>
+              <a:t>Methodology</a:t>
+            </a:r>
+          </a:p>
+          <a:p>
+            <a:r>
+              <a:rPr lang="en-US" altLang="zh-TW" sz="3600" dirty="0">
+                <a:solidFill>
+                  <a:schemeClr val="bg1">
+                    <a:lumMod val="95000"/>
+                  </a:schemeClr>
+                </a:solidFill>
+              </a:rPr>
+              <a:t>Results</a:t>
+            </a:r>
+          </a:p>
+          <a:p>
+            <a:r>
+              <a:rPr lang="en-US" altLang="zh-TW" sz="3600" dirty="0">
+                <a:solidFill>
+                  <a:schemeClr val="bg1">
+                    <a:lumMod val="95000"/>
+                  </a:schemeClr>
+                </a:solidFill>
+              </a:rPr>
+              <a:t>Conclusion</a:t>
+            </a:r>
+            <a:endParaRPr lang="zh-TW" altLang="en-US" sz="3600" dirty="0">
+              <a:solidFill>
+                <a:schemeClr val="bg1">
+                  <a:lumMod val="95000"/>
+                </a:schemeClr>
+              </a:solidFill>
+            </a:endParaRPr>
+          </a:p>
+        </p:txBody>
+      </p:sp>
+    </p:spTree>
+    <p:extLst>
+      <p:ext uri="{BB962C8B-B14F-4D97-AF65-F5344CB8AC3E}">
+        <p14:creationId xmlns:p14="http://schemas.microsoft.com/office/powerpoint/2010/main" val="2588542098"/>
+      </p:ext>
+    </p:extLst>
+  </p:cSld>
+  <p:clrMapOvr>
+    <a:masterClrMapping/>
+  </p:clrMapOvr>
+</p:sld>
+</file>
+
+<file path=ppt/slides/slide6.xml><?xml version="1.0" encoding="utf-8"?>
+<p:sld xmlns:a="http://schemas.openxmlformats.org/drawingml/2006/main" xmlns:r="http://schemas.openxmlformats.org/officeDocument/2006/relationships" xmlns:p="http://schemas.openxmlformats.org/presentationml/2006/main">
+  <p:cSld>
+    <p:spTree>
+      <p:nvGrpSpPr>
+        <p:cNvPr id="1" name=""/>
+        <p:cNvGrpSpPr/>
+        <p:nvPr/>
+      </p:nvGrpSpPr>
+      <p:grpSpPr>
+        <a:xfrm>
+          <a:off x="0" y="0"/>
+          <a:ext cx="0" cy="0"/>
+          <a:chOff x="0" y="0"/>
+          <a:chExt cx="0" cy="0"/>
+        </a:xfrm>
+      </p:grpSpPr>
+      <p:sp>
+        <p:nvSpPr>
+          <p:cNvPr id="2" name="標題 1">
+            <a:extLst>
+              <a:ext uri="{FF2B5EF4-FFF2-40B4-BE49-F238E27FC236}">
+                <a16:creationId xmlns:a16="http://schemas.microsoft.com/office/drawing/2014/main" xmlns="" id="{C2878F9E-D0DF-D84C-8241-A986178C8EAD}"/>
+              </a:ext>
+            </a:extLst>
+          </p:cNvPr>
+          <p:cNvSpPr>
+            <a:spLocks noGrp="1"/>
+          </p:cNvSpPr>
+          <p:nvPr>
+            <p:ph type="title"/>
+          </p:nvPr>
+        </p:nvSpPr>
+        <p:spPr/>
+        <p:txBody>
+          <a:bodyPr/>
+          <a:lstStyle/>
+          <a:p>
+            <a:r>
+              <a:rPr lang="en-US" dirty="0">
+                <a:solidFill>
+                  <a:srgbClr val="0F0F0F"/>
+                </a:solidFill>
+                <a:ea typeface="+mj-lt"/>
+                <a:cs typeface="+mj-lt"/>
+              </a:rPr>
+              <a:t>Progressive generation</a:t>
+            </a:r>
+            <a:endParaRPr lang="zh-TW" altLang="en-US" b="1" dirty="0">
+              <a:solidFill>
+                <a:srgbClr val="0F0F0F"/>
+              </a:solidFill>
+              <a:ea typeface="+mj-lt"/>
+              <a:cs typeface="+mj-lt"/>
+            </a:endParaRPr>
+          </a:p>
+        </p:txBody>
+      </p:sp>
+      <p:pic>
+        <p:nvPicPr>
+          <p:cNvPr id="4" name="內容版面配置區 3" descr="一張含有 螢幕擷取畫面, 行, 太陽能電池, 視窗 的圖片&#10;&#10;AI 產生的內容可能不正確。">
+            <a:extLst>
+              <a:ext uri="{FF2B5EF4-FFF2-40B4-BE49-F238E27FC236}">
+                <a16:creationId xmlns:a16="http://schemas.microsoft.com/office/drawing/2014/main" xmlns="" id="{CBD70F30-46B2-8AB0-6602-A5DF524D4762}"/>
+              </a:ext>
+            </a:extLst>
+          </p:cNvPr>
+          <p:cNvPicPr>
+            <a:picLocks noGrp="1" noChangeAspect="1"/>
+          </p:cNvPicPr>
+          <p:nvPr>
+            <p:ph idx="1"/>
+          </p:nvPr>
+        </p:nvPicPr>
+        <p:blipFill>
+          <a:blip r:embed="rId3"/>
+          <a:stretch>
+            <a:fillRect/>
+          </a:stretch>
+        </p:blipFill>
+        <p:spPr>
+          <a:xfrm>
+            <a:off x="1273678" y="2529798"/>
+            <a:ext cx="10248667" cy="2106651"/>
+          </a:xfrm>
+          <a:prstGeom prst="rect">
+            <a:avLst/>
+          </a:prstGeom>
+        </p:spPr>
+      </p:pic>
+    </p:spTree>
+    <p:extLst>
+      <p:ext uri="{BB962C8B-B14F-4D97-AF65-F5344CB8AC3E}">
+        <p14:creationId xmlns:p14="http://schemas.microsoft.com/office/powerpoint/2010/main" val="1536574310"/>
+      </p:ext>
+    </p:extLst>
+  </p:cSld>
+  <p:clrMapOvr>
+    <a:masterClrMapping/>
+  </p:clrMapOvr>
+</p:sld>
+</file>
+
+<file path=ppt/slides/slide7.xml><?xml version="1.0" encoding="utf-8"?>
+<p:sld xmlns:a="http://schemas.openxmlformats.org/drawingml/2006/main" xmlns:r="http://schemas.openxmlformats.org/officeDocument/2006/relationships" xmlns:p="http://schemas.openxmlformats.org/presentationml/2006/main">
+  <p:cSld>
+    <p:spTree>
+      <p:nvGrpSpPr>
+        <p:cNvPr id="1" name=""/>
+        <p:cNvGrpSpPr/>
+        <p:nvPr/>
+      </p:nvGrpSpPr>
+      <p:grpSpPr>
+        <a:xfrm>
+          <a:off x="0" y="0"/>
+          <a:ext cx="0" cy="0"/>
+          <a:chOff x="0" y="0"/>
+          <a:chExt cx="0" cy="0"/>
+        </a:xfrm>
+      </p:grpSpPr>
+      <p:sp>
+        <p:nvSpPr>
+          <p:cNvPr id="2" name="標題 1">
+            <a:extLst>
+              <a:ext uri="{FF2B5EF4-FFF2-40B4-BE49-F238E27FC236}">
+                <a16:creationId xmlns:a16="http://schemas.microsoft.com/office/drawing/2014/main" xmlns="" id="{6E03A4FF-CABF-CA2A-CACE-DE9477118A72}"/>
+              </a:ext>
+            </a:extLst>
+          </p:cNvPr>
+          <p:cNvSpPr>
+            <a:spLocks noGrp="1"/>
+          </p:cNvSpPr>
+          <p:nvPr>
+            <p:ph type="title"/>
+          </p:nvPr>
+        </p:nvSpPr>
+        <p:spPr/>
+        <p:txBody>
+          <a:bodyPr>
+            <a:normAutofit/>
+          </a:bodyPr>
+          <a:lstStyle/>
+          <a:p>
+            <a:r>
+              <a:rPr lang="en-US" altLang="zh-TW" dirty="0"/>
+              <a:t>Literature Review:</a:t>
+            </a:r>
+            <a:r>
+              <a:rPr lang="zh-TW" altLang="en-US" dirty="0"/>
+              <a:t> </a:t>
+            </a:r>
+            <a:r>
+              <a:rPr lang="en-US" b="1" dirty="0">
+                <a:solidFill>
+                  <a:srgbClr val="0F0F0F"/>
+                </a:solidFill>
+                <a:latin typeface="Roboto"/>
+                <a:ea typeface="Roboto"/>
+                <a:cs typeface="Roboto"/>
+              </a:rPr>
+              <a:t>Latent space interpolation vs. Pixel space interpolation</a:t>
+            </a:r>
+            <a:endParaRPr lang="zh-TW" altLang="en-US" b="1" dirty="0">
+              <a:solidFill>
+                <a:srgbClr val="0F0F0F"/>
+              </a:solidFill>
+              <a:latin typeface="Roboto"/>
+              <a:cs typeface="Roboto"/>
+            </a:endParaRPr>
+          </a:p>
+        </p:txBody>
+      </p:sp>
+      <p:pic>
+        <p:nvPicPr>
+          <p:cNvPr id="4" name="內容版面配置區 3" descr="一張含有 人的臉孔, 文字, 人員, 螢幕擷取畫面 的圖片&#10;&#10;AI 產生的內容可能不正確。">
+            <a:extLst>
+              <a:ext uri="{FF2B5EF4-FFF2-40B4-BE49-F238E27FC236}">
+                <a16:creationId xmlns:a16="http://schemas.microsoft.com/office/drawing/2014/main" xmlns="" id="{13B4FB22-FE03-73A5-4DD2-7B24081053FD}"/>
+              </a:ext>
+            </a:extLst>
+          </p:cNvPr>
+          <p:cNvPicPr>
+            <a:picLocks noGrp="1" noChangeAspect="1"/>
+          </p:cNvPicPr>
+          <p:nvPr>
+            <p:ph idx="1"/>
+          </p:nvPr>
+        </p:nvPicPr>
+        <p:blipFill>
+          <a:blip r:embed="rId3"/>
+          <a:stretch>
+            <a:fillRect/>
+          </a:stretch>
+        </p:blipFill>
+        <p:spPr>
+          <a:xfrm>
+            <a:off x="-4182" y="1579338"/>
+            <a:ext cx="3390900" cy="2124075"/>
+          </a:xfrm>
+          <a:prstGeom prst="rect">
+            <a:avLst/>
+          </a:prstGeom>
+        </p:spPr>
+      </p:pic>
+      <p:pic>
+        <p:nvPicPr>
+          <p:cNvPr id="5" name="圖片 4" descr="一張含有 螢幕擷取畫面, 藝術 的圖片&#10;&#10;AI 產生的內容可能不正確。">
+            <a:extLst>
+              <a:ext uri="{FF2B5EF4-FFF2-40B4-BE49-F238E27FC236}">
+                <a16:creationId xmlns:a16="http://schemas.microsoft.com/office/drawing/2014/main" xmlns="" id="{D5E7349C-9E9C-16A3-D667-54BD37759873}"/>
+              </a:ext>
+            </a:extLst>
+          </p:cNvPr>
+          <p:cNvPicPr>
+            <a:picLocks noChangeAspect="1"/>
+          </p:cNvPicPr>
+          <p:nvPr/>
+        </p:nvPicPr>
+        <p:blipFill>
+          <a:blip r:embed="rId4"/>
+          <a:stretch>
+            <a:fillRect/>
+          </a:stretch>
+        </p:blipFill>
+        <p:spPr>
+          <a:xfrm>
+            <a:off x="3744719" y="1749878"/>
+            <a:ext cx="6877050" cy="1790700"/>
+          </a:xfrm>
+          <a:prstGeom prst="rect">
+            <a:avLst/>
+          </a:prstGeom>
+        </p:spPr>
+      </p:pic>
+      <p:sp>
+        <p:nvSpPr>
+          <p:cNvPr id="6" name="文字方塊 5"/>
+          <p:cNvSpPr txBox="1"/>
+          <p:nvPr/>
+        </p:nvSpPr>
+        <p:spPr>
+          <a:xfrm>
+            <a:off x="724824" y="3852516"/>
+            <a:ext cx="10317192" cy="1569660"/>
+          </a:xfrm>
+          <a:prstGeom prst="rect">
+            <a:avLst/>
+          </a:prstGeom>
+          <a:noFill/>
+        </p:spPr>
+        <p:txBody>
+          <a:bodyPr wrap="square" rtlCol="0">
+            <a:spAutoFit/>
+          </a:bodyPr>
+          <a:lstStyle/>
+          <a:p>
+            <a:pPr marL="342900" indent="-342900">
+              <a:buAutoNum type="arabicPeriod"/>
+            </a:pPr>
+            <a:r>
+              <a:rPr lang="en-US" altLang="zh-TW" sz="2400" dirty="0"/>
+              <a:t>Latent space: </a:t>
+            </a:r>
+            <a:r>
+              <a:rPr lang="zh-TW" altLang="en-US" sz="2400" dirty="0"/>
+              <a:t> </a:t>
+            </a:r>
+            <a:r>
+              <a:rPr lang="en-US" altLang="zh-TW" sz="2400" dirty="0"/>
+              <a:t>data compression, high efficiency</a:t>
+            </a:r>
+          </a:p>
+          <a:p>
+            <a:pPr marL="342900" indent="-342900">
+              <a:buAutoNum type="arabicPeriod"/>
+            </a:pPr>
+            <a:endParaRPr lang="en-US" altLang="zh-TW" sz="2400" dirty="0"/>
+          </a:p>
+          <a:p>
+            <a:pPr marL="342900" indent="-342900">
+              <a:buAutoNum type="arabicPeriod"/>
+            </a:pPr>
+            <a:r>
+              <a:rPr lang="en-US" altLang="zh-TW" sz="2400" dirty="0"/>
+              <a:t>Pixel space: high dimension, not smooth</a:t>
+            </a:r>
+          </a:p>
+          <a:p>
+            <a:pPr marL="342900" indent="-342900">
+              <a:buAutoNum type="arabicPeriod"/>
+            </a:pPr>
+            <a:endParaRPr lang="en-US" altLang="zh-TW" sz="2400" dirty="0"/>
+          </a:p>
+        </p:txBody>
+      </p:sp>
+    </p:spTree>
+    <p:extLst>
+      <p:ext uri="{BB962C8B-B14F-4D97-AF65-F5344CB8AC3E}">
+        <p14:creationId xmlns:p14="http://schemas.microsoft.com/office/powerpoint/2010/main" val="2122145882"/>
+      </p:ext>
+    </p:extLst>
+  </p:cSld>
+  <p:clrMapOvr>
+    <a:masterClrMapping/>
+  </p:clrMapOvr>
+</p:sld>
+</file>
+
+<file path=ppt/slides/slide8.xml><?xml version="1.0" encoding="utf-8"?>
+<p:sld xmlns:a="http://schemas.openxmlformats.org/drawingml/2006/main" xmlns:r="http://schemas.openxmlformats.org/officeDocument/2006/relationships" xmlns:p="http://schemas.openxmlformats.org/presentationml/2006/main">
+  <p:cSld>
+    <p:spTree>
+      <p:nvGrpSpPr>
+        <p:cNvPr id="1" name=""/>
+        <p:cNvGrpSpPr/>
+        <p:nvPr/>
+      </p:nvGrpSpPr>
+      <p:grpSpPr>
+        <a:xfrm>
+          <a:off x="0" y="0"/>
+          <a:ext cx="0" cy="0"/>
+          <a:chOff x="0" y="0"/>
+          <a:chExt cx="0" cy="0"/>
+        </a:xfrm>
+      </p:grpSpPr>
+      <p:sp>
+        <p:nvSpPr>
+          <p:cNvPr id="2" name="標題 1">
+            <a:extLst>
+              <a:ext uri="{FF2B5EF4-FFF2-40B4-BE49-F238E27FC236}">
+                <a16:creationId xmlns:a16="http://schemas.microsoft.com/office/drawing/2014/main" xmlns="" id="{6E03A4FF-CABF-CA2A-CACE-DE9477118A72}"/>
+              </a:ext>
+            </a:extLst>
+          </p:cNvPr>
+          <p:cNvSpPr>
+            <a:spLocks noGrp="1"/>
+          </p:cNvSpPr>
+          <p:nvPr>
+            <p:ph type="title"/>
+          </p:nvPr>
+        </p:nvSpPr>
+        <p:spPr/>
+        <p:txBody>
+          <a:bodyPr>
+            <a:normAutofit/>
+          </a:bodyPr>
+          <a:lstStyle/>
+          <a:p>
+            <a:r>
+              <a:rPr lang="en-US" altLang="zh-TW" dirty="0"/>
+              <a:t>Literature Review:</a:t>
+            </a:r>
+            <a:r>
+              <a:rPr lang="zh-TW" altLang="en-US" dirty="0"/>
+              <a:t> </a:t>
+            </a:r>
+            <a:r>
+              <a:rPr lang="en-US" b="1" dirty="0">
+                <a:solidFill>
+                  <a:srgbClr val="0F0F0F"/>
+                </a:solidFill>
+                <a:latin typeface="Roboto"/>
+                <a:ea typeface="Roboto"/>
+                <a:cs typeface="Roboto"/>
+              </a:rPr>
+              <a:t>Latent space interpolation vs. Pixel space interpolation</a:t>
+            </a:r>
+            <a:endParaRPr lang="zh-TW" altLang="en-US" b="1" dirty="0">
+              <a:solidFill>
+                <a:srgbClr val="0F0F0F"/>
+              </a:solidFill>
+              <a:latin typeface="Roboto"/>
+              <a:cs typeface="Roboto"/>
+            </a:endParaRPr>
+          </a:p>
+        </p:txBody>
+      </p:sp>
+      <p:pic>
+        <p:nvPicPr>
+          <p:cNvPr id="4" name="內容版面配置區 3" descr="一張含有 人的臉孔, 文字, 人員, 螢幕擷取畫面 的圖片&#10;&#10;AI 產生的內容可能不正確。">
+            <a:extLst>
+              <a:ext uri="{FF2B5EF4-FFF2-40B4-BE49-F238E27FC236}">
+                <a16:creationId xmlns:a16="http://schemas.microsoft.com/office/drawing/2014/main" xmlns="" id="{13B4FB22-FE03-73A5-4DD2-7B24081053FD}"/>
+              </a:ext>
+            </a:extLst>
+          </p:cNvPr>
+          <p:cNvPicPr>
+            <a:picLocks noGrp="1" noChangeAspect="1"/>
+          </p:cNvPicPr>
+          <p:nvPr>
+            <p:ph idx="1"/>
+          </p:nvPr>
+        </p:nvPicPr>
+        <p:blipFill>
+          <a:blip r:embed="rId3"/>
+          <a:stretch>
+            <a:fillRect/>
+          </a:stretch>
+        </p:blipFill>
+        <p:spPr>
+          <a:xfrm>
+            <a:off x="-4182" y="1579338"/>
+            <a:ext cx="3390900" cy="2124075"/>
+          </a:xfrm>
+          <a:prstGeom prst="rect">
+            <a:avLst/>
+          </a:prstGeom>
+        </p:spPr>
+      </p:pic>
+      <p:pic>
+        <p:nvPicPr>
+          <p:cNvPr id="5" name="圖片 4" descr="一張含有 螢幕擷取畫面, 藝術 的圖片&#10;&#10;AI 產生的內容可能不正確。">
+            <a:extLst>
+              <a:ext uri="{FF2B5EF4-FFF2-40B4-BE49-F238E27FC236}">
+                <a16:creationId xmlns:a16="http://schemas.microsoft.com/office/drawing/2014/main" xmlns="" id="{D5E7349C-9E9C-16A3-D667-54BD37759873}"/>
+              </a:ext>
+            </a:extLst>
+          </p:cNvPr>
+          <p:cNvPicPr>
+            <a:picLocks noChangeAspect="1"/>
+          </p:cNvPicPr>
+          <p:nvPr/>
+        </p:nvPicPr>
+        <p:blipFill>
+          <a:blip r:embed="rId4"/>
+          <a:stretch>
+            <a:fillRect/>
+          </a:stretch>
+        </p:blipFill>
+        <p:spPr>
+          <a:xfrm>
+            <a:off x="3744719" y="1749878"/>
+            <a:ext cx="6877050" cy="1790700"/>
+          </a:xfrm>
+          <a:prstGeom prst="rect">
+            <a:avLst/>
+          </a:prstGeom>
+        </p:spPr>
+      </p:pic>
+      <p:sp>
+        <p:nvSpPr>
+          <p:cNvPr id="6" name="文字方塊 5"/>
+          <p:cNvSpPr txBox="1"/>
+          <p:nvPr/>
+        </p:nvSpPr>
+        <p:spPr>
+          <a:xfrm>
+            <a:off x="724824" y="3852516"/>
+            <a:ext cx="10317192" cy="3046988"/>
+          </a:xfrm>
+          <a:prstGeom prst="rect">
+            <a:avLst/>
+          </a:prstGeom>
+          <a:noFill/>
+        </p:spPr>
+        <p:txBody>
+          <a:bodyPr wrap="square" rtlCol="0">
+            <a:spAutoFit/>
+          </a:bodyPr>
+          <a:lstStyle/>
+          <a:p>
+            <a:pPr marL="342900" indent="-342900">
+              <a:buAutoNum type="arabicPeriod"/>
+            </a:pPr>
+            <a:endParaRPr lang="en-US" altLang="zh-TW" sz="2400" dirty="0"/>
+          </a:p>
+          <a:p>
+            <a:pPr marL="457200" indent="-457200">
+              <a:buFont typeface="+mj-lt"/>
+              <a:buAutoNum type="arabicPeriod" startAt="3"/>
+            </a:pPr>
+            <a:r>
+              <a:rPr lang="en-US" altLang="zh-TW" sz="2400" b="1" dirty="0">
+                <a:solidFill>
+                  <a:srgbClr val="0F0F0F"/>
+                </a:solidFill>
+                <a:latin typeface="Roboto"/>
+                <a:ea typeface="Roboto"/>
+                <a:cs typeface="Roboto"/>
+              </a:rPr>
+              <a:t>Why latent space?</a:t>
+            </a:r>
+          </a:p>
+          <a:p>
+            <a:pPr marL="914400" lvl="1" indent="-457200">
+              <a:buFont typeface="+mj-lt"/>
+              <a:buAutoNum type="arabicParenR"/>
+            </a:pPr>
+            <a:r>
+              <a:rPr lang="en-US" altLang="zh-TW" sz="2400" dirty="0"/>
+              <a:t>Space: latent space&lt;&lt; pixel </a:t>
+            </a:r>
+            <a:r>
+              <a:rPr lang="en-US" altLang="zh-TW" sz="2400" dirty="0" smtClean="0"/>
+              <a:t>space</a:t>
+            </a:r>
+          </a:p>
+          <a:p>
+            <a:pPr marL="800100" lvl="1" indent="-342900">
+              <a:buAutoNum type="arabicParenR"/>
+            </a:pPr>
+            <a:endParaRPr lang="en-US" altLang="zh-TW" sz="2400" dirty="0"/>
+          </a:p>
+          <a:p>
+            <a:pPr marL="800100" lvl="1" indent="-342900">
+              <a:buAutoNum type="arabicParenR"/>
+            </a:pPr>
+            <a:r>
+              <a:rPr lang="en-US" altLang="zh-TW" sz="2400" dirty="0"/>
+              <a:t>Style change: enable domain adaptation, style </a:t>
+            </a:r>
+            <a:r>
+              <a:rPr lang="en-US" altLang="zh-TW" sz="2400" dirty="0" smtClean="0"/>
+              <a:t>transfer</a:t>
+            </a:r>
+          </a:p>
+          <a:p>
+            <a:pPr marL="800100" lvl="1" indent="-342900">
+              <a:buAutoNum type="arabicParenR"/>
+            </a:pPr>
+            <a:endParaRPr lang="en-US" altLang="zh-TW" sz="2400" dirty="0"/>
+          </a:p>
+          <a:p>
+            <a:pPr marL="800100" lvl="1" indent="-342900">
+              <a:buAutoNum type="arabicParenR"/>
+            </a:pPr>
+            <a:r>
+              <a:rPr lang="en-US" altLang="zh-TW" sz="2400" dirty="0"/>
+              <a:t>Enable out-of-distribution prompts</a:t>
+            </a:r>
+          </a:p>
+          <a:p>
+            <a:pPr marL="342900" indent="-342900">
+              <a:buAutoNum type="arabicPeriod" startAt="3"/>
+            </a:pPr>
+            <a:endParaRPr lang="zh-TW" altLang="en-US" sz="2400" dirty="0"/>
+          </a:p>
+        </p:txBody>
+      </p:sp>
+    </p:spTree>
+    <p:extLst>
+      <p:ext uri="{BB962C8B-B14F-4D97-AF65-F5344CB8AC3E}">
+        <p14:creationId xmlns:p14="http://schemas.microsoft.com/office/powerpoint/2010/main" val="1835232590"/>
+      </p:ext>
+    </p:extLst>
+  </p:cSld>
+  <p:clrMapOvr>
+    <a:masterClrMapping/>
+  </p:clrMapOvr>
+</p:sld>
+</file>
+
 <file path=ppt/slides/slide9.xml><?xml version="1.0" encoding="utf-8"?>
 <p:sld xmlns:a="http://schemas.openxmlformats.org/drawingml/2006/main" xmlns:r="http://schemas.openxmlformats.org/officeDocument/2006/relationships" xmlns:p="http://schemas.openxmlformats.org/presentationml/2006/main">
   <p:cSld>
@@ -7304,7 +8365,7 @@
           <p:cNvPr id="2" name="標題 1">
             <a:extLst>
               <a:ext uri="{FF2B5EF4-FFF2-40B4-BE49-F238E27FC236}">
-                <a16:creationId xmlns:a16="http://schemas.microsoft.com/office/drawing/2014/main" id="{98A04798-5168-4875-A411-80CD40D53BBD}"/>
+                <a16:creationId xmlns:a16="http://schemas.microsoft.com/office/drawing/2014/main" xmlns="" id="{98A04798-5168-4875-A411-80CD40D53BBD}"/>
               </a:ext>
             </a:extLst>
           </p:cNvPr>
@@ -7328,147 +8389,54 @@
           <a:lstStyle/>
           <a:p>
             <a:r>
-              <a:rPr lang="en-US" altLang="zh-TW" dirty="0"/>
-              <a:t>Noise schedule</a:t>
+              <a:rPr lang="en-US" b="1" dirty="0">
+                <a:solidFill>
+                  <a:srgbClr val="0F0F0F"/>
+                </a:solidFill>
+                <a:latin typeface="Roboto"/>
+                <a:ea typeface="Roboto"/>
+                <a:cs typeface="Roboto"/>
+              </a:rPr>
+              <a:t>Latent Diffusion</a:t>
             </a:r>
             <a:endParaRPr lang="zh-TW" dirty="0"/>
           </a:p>
         </p:txBody>
       </p:sp>
-      <p:sp>
-        <p:nvSpPr>
-          <p:cNvPr id="8" name="文字方塊 7"/>
-          <p:cNvSpPr txBox="1"/>
+      <p:pic>
+        <p:nvPicPr>
+          <p:cNvPr id="3" name="圖片 2" descr="一張含有 文字, 螢幕擷取畫面, 圖表, 字型 的圖片&#10;&#10;AI 產生的內容可能不正確。">
+            <a:extLst>
+              <a:ext uri="{FF2B5EF4-FFF2-40B4-BE49-F238E27FC236}">
+                <a16:creationId xmlns:a16="http://schemas.microsoft.com/office/drawing/2014/main" xmlns="" id="{C363C685-F821-E348-9BB5-5D32AD8AB2D4}"/>
+              </a:ext>
+            </a:extLst>
+          </p:cNvPr>
+          <p:cNvPicPr>
+            <a:picLocks noChangeAspect="1"/>
+          </p:cNvPicPr>
           <p:nvPr/>
-        </p:nvSpPr>
+        </p:nvPicPr>
+        <p:blipFill>
+          <a:blip r:embed="rId3"/>
+          <a:stretch>
+            <a:fillRect/>
+          </a:stretch>
+        </p:blipFill>
         <p:spPr>
           <a:xfrm>
-            <a:off x="333316" y="1262210"/>
-            <a:ext cx="10317192" cy="2862322"/>
+            <a:off x="685452" y="1344536"/>
+            <a:ext cx="10244951" cy="4763662"/>
           </a:xfrm>
           <a:prstGeom prst="rect">
             <a:avLst/>
           </a:prstGeom>
-          <a:noFill/>
         </p:spPr>
-        <p:txBody>
-          <a:bodyPr wrap="square" rtlCol="0">
-            <a:spAutoFit/>
-          </a:bodyPr>
-          <a:lstStyle/>
-          <a:p>
-            <a:pPr marL="342900" indent="-342900">
-              <a:buAutoNum type="arabicPeriod"/>
-            </a:pPr>
-            <a:r>
-              <a:rPr lang="en-US" altLang="zh-TW" dirty="0"/>
-              <a:t>DDIM sampling</a:t>
-            </a:r>
-          </a:p>
-          <a:p>
-            <a:pPr marL="342900" indent="-342900">
-              <a:buAutoNum type="arabicPeriod"/>
-            </a:pPr>
-            <a:endParaRPr lang="en-US" altLang="zh-TW" dirty="0"/>
-          </a:p>
-          <a:p>
-            <a:pPr marL="342900" indent="-342900">
-              <a:buAutoNum type="arabicPeriod"/>
-            </a:pPr>
-            <a:r>
-              <a:rPr lang="en-US" altLang="zh-TW" dirty="0"/>
-              <a:t>200 time</a:t>
-            </a:r>
-            <a:r>
-              <a:rPr lang="zh-TW" altLang="en-US" dirty="0"/>
-              <a:t> </a:t>
-            </a:r>
-            <a:r>
-              <a:rPr lang="en-US" altLang="zh-TW" dirty="0"/>
-              <a:t>steps</a:t>
-            </a:r>
-          </a:p>
-          <a:p>
-            <a:pPr marL="342900" indent="-342900">
-              <a:buAutoNum type="arabicPeriod"/>
-            </a:pPr>
-            <a:endParaRPr lang="en-US" altLang="zh-TW" dirty="0"/>
-          </a:p>
-          <a:p>
-            <a:pPr marL="342900" indent="-342900">
-              <a:buAutoNum type="arabicPeriod"/>
-            </a:pPr>
-            <a:r>
-              <a:rPr lang="en-US" altLang="zh-TW" dirty="0"/>
-              <a:t>&lt;25% schedule:</a:t>
-            </a:r>
-            <a:r>
-              <a:rPr lang="zh-TW" altLang="en-US" dirty="0"/>
-              <a:t> </a:t>
-            </a:r>
-            <a:r>
-              <a:rPr lang="en-US" altLang="zh-TW" dirty="0"/>
-              <a:t>resemble an alpha composite of their</a:t>
-            </a:r>
-            <a:r>
-              <a:rPr lang="zh-TW" altLang="en-US" dirty="0"/>
-              <a:t> </a:t>
-            </a:r>
-            <a:r>
-              <a:rPr lang="en-US" altLang="zh-TW" dirty="0"/>
-              <a:t>parent images</a:t>
-            </a:r>
-          </a:p>
-          <a:p>
-            <a:pPr marL="342900" indent="-342900">
-              <a:buAutoNum type="arabicPeriod"/>
-            </a:pPr>
-            <a:endParaRPr lang="en-US" altLang="zh-TW" dirty="0"/>
-          </a:p>
-          <a:p>
-            <a:pPr marL="342900" indent="-342900">
-              <a:buAutoNum type="arabicPeriod"/>
-            </a:pPr>
-            <a:r>
-              <a:rPr lang="en-US" altLang="zh-TW" dirty="0"/>
-              <a:t>&gt;65%</a:t>
-            </a:r>
-            <a:r>
-              <a:rPr lang="zh-TW" altLang="en-US" dirty="0"/>
-              <a:t> </a:t>
-            </a:r>
-            <a:r>
-              <a:rPr lang="en-US" altLang="zh-TW" dirty="0"/>
-              <a:t>schedule: deviate significantly from their parent</a:t>
-            </a:r>
-          </a:p>
-          <a:p>
-            <a:pPr marL="342900" indent="-342900">
-              <a:buAutoNum type="arabicPeriod"/>
-            </a:pPr>
-            <a:endParaRPr lang="en-US" altLang="zh-TW" dirty="0"/>
-          </a:p>
-          <a:p>
-            <a:pPr marL="342900" indent="-342900">
-              <a:buAutoNum type="arabicPeriod"/>
-            </a:pPr>
-            <a:r>
-              <a:rPr lang="en-US" altLang="zh-TW" dirty="0"/>
-              <a:t>Choose 25%~65% schedule</a:t>
-            </a:r>
-          </a:p>
-          <a:p>
-            <a:pPr marL="342900" indent="-342900">
-              <a:buAutoNum type="arabicPeriod"/>
-            </a:pPr>
-            <a:endParaRPr lang="zh-TW" altLang="en-US" dirty="0"/>
-          </a:p>
-        </p:txBody>
-      </p:sp>
+      </p:pic>
     </p:spTree>
     <p:extLst>
       <p:ext uri="{BB962C8B-B14F-4D97-AF65-F5344CB8AC3E}">
-        <p14:creationId xmlns:p14="http://schemas.microsoft.com/office/powerpoint/2010/main" val="4070519683"/>
+        <p14:creationId xmlns:p14="http://schemas.microsoft.com/office/powerpoint/2010/main" val="4100941839"/>
       </p:ext>
     </p:extLst>
   </p:cSld>

--- a/diffusion書報/DDPM.pptx
+++ b/diffusion書報/DDPM.pptx
@@ -5,7 +5,7 @@
     <p:sldMasterId id="2147483648" r:id="rId1"/>
   </p:sldMasterIdLst>
   <p:notesMasterIdLst>
-    <p:notesMasterId r:id="rId19"/>
+    <p:notesMasterId r:id="rId22"/>
   </p:notesMasterIdLst>
   <p:sldIdLst>
     <p:sldId id="256" r:id="rId2"/>
@@ -24,7 +24,10 @@
     <p:sldId id="269" r:id="rId15"/>
     <p:sldId id="270" r:id="rId16"/>
     <p:sldId id="271" r:id="rId17"/>
-    <p:sldId id="266" r:id="rId18"/>
+    <p:sldId id="277" r:id="rId18"/>
+    <p:sldId id="278" r:id="rId19"/>
+    <p:sldId id="276" r:id="rId20"/>
+    <p:sldId id="266" r:id="rId21"/>
   </p:sldIdLst>
   <p:sldSz cx="12192000" cy="6858000"/>
   <p:notesSz cx="6858000" cy="9144000"/>
@@ -990,6 +993,10 @@
           <a:bodyPr/>
           <a:lstStyle/>
           <a:p>
+            <a:r>
+              <a:rPr lang="zh-TW" altLang="en-US" dirty="0" smtClean="0"/>
+              <a:t>這邊開始介紹三種實驗方法</a:t>
+            </a:r>
             <a:endParaRPr lang="zh-TW" altLang="en-US" dirty="0"/>
           </a:p>
         </p:txBody>
@@ -1074,6 +1081,10 @@
           <a:bodyPr/>
           <a:lstStyle/>
           <a:p>
+            <a:r>
+              <a:rPr lang="zh-TW" altLang="en-US" dirty="0" smtClean="0"/>
+              <a:t>這邊開始介紹三種實驗方法</a:t>
+            </a:r>
             <a:endParaRPr lang="zh-TW" altLang="en-US" dirty="0"/>
           </a:p>
         </p:txBody>
@@ -1096,6 +1107,262 @@
             <a:fld id="{B8D0CE21-A827-46F8-BEFD-C23296934A6E}" type="slidenum">
               <a:rPr lang="zh-TW" altLang="en-US" smtClean="0"/>
               <a:t>17</a:t>
+            </a:fld>
+            <a:endParaRPr lang="zh-TW" altLang="en-US"/>
+          </a:p>
+        </p:txBody>
+      </p:sp>
+    </p:spTree>
+    <p:extLst>
+      <p:ext uri="{BB962C8B-B14F-4D97-AF65-F5344CB8AC3E}">
+        <p14:creationId xmlns:p14="http://schemas.microsoft.com/office/powerpoint/2010/main" val="2005185288"/>
+      </p:ext>
+    </p:extLst>
+  </p:cSld>
+  <p:clrMapOvr>
+    <a:masterClrMapping/>
+  </p:clrMapOvr>
+</p:notes>
+</file>
+
+<file path=ppt/notesSlides/notesSlide15.xml><?xml version="1.0" encoding="utf-8"?>
+<p:notes xmlns:a="http://schemas.openxmlformats.org/drawingml/2006/main" xmlns:r="http://schemas.openxmlformats.org/officeDocument/2006/relationships" xmlns:p="http://schemas.openxmlformats.org/presentationml/2006/main">
+  <p:cSld>
+    <p:spTree>
+      <p:nvGrpSpPr>
+        <p:cNvPr id="1" name=""/>
+        <p:cNvGrpSpPr/>
+        <p:nvPr/>
+      </p:nvGrpSpPr>
+      <p:grpSpPr>
+        <a:xfrm>
+          <a:off x="0" y="0"/>
+          <a:ext cx="0" cy="0"/>
+          <a:chOff x="0" y="0"/>
+          <a:chExt cx="0" cy="0"/>
+        </a:xfrm>
+      </p:grpSpPr>
+      <p:sp>
+        <p:nvSpPr>
+          <p:cNvPr id="2" name="投影片圖像版面配置區 1"/>
+          <p:cNvSpPr>
+            <a:spLocks noGrp="1" noRot="1" noChangeAspect="1"/>
+          </p:cNvSpPr>
+          <p:nvPr>
+            <p:ph type="sldImg"/>
+          </p:nvPr>
+        </p:nvSpPr>
+        <p:spPr/>
+      </p:sp>
+      <p:sp>
+        <p:nvSpPr>
+          <p:cNvPr id="3" name="備忘稿版面配置區 2"/>
+          <p:cNvSpPr>
+            <a:spLocks noGrp="1"/>
+          </p:cNvSpPr>
+          <p:nvPr>
+            <p:ph type="body" idx="1"/>
+          </p:nvPr>
+        </p:nvSpPr>
+        <p:spPr/>
+        <p:txBody>
+          <a:bodyPr/>
+          <a:lstStyle/>
+          <a:p>
+            <a:r>
+              <a:rPr lang="zh-TW" altLang="en-US" dirty="0" smtClean="0"/>
+              <a:t>這邊開始介紹三種實驗方法</a:t>
+            </a:r>
+            <a:endParaRPr lang="zh-TW" altLang="en-US" dirty="0"/>
+          </a:p>
+        </p:txBody>
+      </p:sp>
+      <p:sp>
+        <p:nvSpPr>
+          <p:cNvPr id="4" name="投影片編號版面配置區 3"/>
+          <p:cNvSpPr>
+            <a:spLocks noGrp="1"/>
+          </p:cNvSpPr>
+          <p:nvPr>
+            <p:ph type="sldNum" sz="quarter" idx="10"/>
+          </p:nvPr>
+        </p:nvSpPr>
+        <p:spPr/>
+        <p:txBody>
+          <a:bodyPr/>
+          <a:lstStyle/>
+          <a:p>
+            <a:fld id="{B8D0CE21-A827-46F8-BEFD-C23296934A6E}" type="slidenum">
+              <a:rPr lang="zh-TW" altLang="en-US" smtClean="0"/>
+              <a:t>18</a:t>
+            </a:fld>
+            <a:endParaRPr lang="zh-TW" altLang="en-US"/>
+          </a:p>
+        </p:txBody>
+      </p:sp>
+    </p:spTree>
+    <p:extLst>
+      <p:ext uri="{BB962C8B-B14F-4D97-AF65-F5344CB8AC3E}">
+        <p14:creationId xmlns:p14="http://schemas.microsoft.com/office/powerpoint/2010/main" val="1716138450"/>
+      </p:ext>
+    </p:extLst>
+  </p:cSld>
+  <p:clrMapOvr>
+    <a:masterClrMapping/>
+  </p:clrMapOvr>
+</p:notes>
+</file>
+
+<file path=ppt/notesSlides/notesSlide16.xml><?xml version="1.0" encoding="utf-8"?>
+<p:notes xmlns:a="http://schemas.openxmlformats.org/drawingml/2006/main" xmlns:r="http://schemas.openxmlformats.org/officeDocument/2006/relationships" xmlns:p="http://schemas.openxmlformats.org/presentationml/2006/main">
+  <p:cSld>
+    <p:spTree>
+      <p:nvGrpSpPr>
+        <p:cNvPr id="1" name=""/>
+        <p:cNvGrpSpPr/>
+        <p:nvPr/>
+      </p:nvGrpSpPr>
+      <p:grpSpPr>
+        <a:xfrm>
+          <a:off x="0" y="0"/>
+          <a:ext cx="0" cy="0"/>
+          <a:chOff x="0" y="0"/>
+          <a:chExt cx="0" cy="0"/>
+        </a:xfrm>
+      </p:grpSpPr>
+      <p:sp>
+        <p:nvSpPr>
+          <p:cNvPr id="2" name="投影片圖像版面配置區 1"/>
+          <p:cNvSpPr>
+            <a:spLocks noGrp="1" noRot="1" noChangeAspect="1"/>
+          </p:cNvSpPr>
+          <p:nvPr>
+            <p:ph type="sldImg"/>
+          </p:nvPr>
+        </p:nvSpPr>
+        <p:spPr/>
+      </p:sp>
+      <p:sp>
+        <p:nvSpPr>
+          <p:cNvPr id="3" name="備忘稿版面配置區 2"/>
+          <p:cNvSpPr>
+            <a:spLocks noGrp="1"/>
+          </p:cNvSpPr>
+          <p:nvPr>
+            <p:ph type="body" idx="1"/>
+          </p:nvPr>
+        </p:nvSpPr>
+        <p:spPr/>
+        <p:txBody>
+          <a:bodyPr/>
+          <a:lstStyle/>
+          <a:p>
+            <a:endParaRPr lang="zh-TW" altLang="en-US" dirty="0"/>
+          </a:p>
+        </p:txBody>
+      </p:sp>
+      <p:sp>
+        <p:nvSpPr>
+          <p:cNvPr id="4" name="投影片編號版面配置區 3"/>
+          <p:cNvSpPr>
+            <a:spLocks noGrp="1"/>
+          </p:cNvSpPr>
+          <p:nvPr>
+            <p:ph type="sldNum" sz="quarter" idx="10"/>
+          </p:nvPr>
+        </p:nvSpPr>
+        <p:spPr/>
+        <p:txBody>
+          <a:bodyPr/>
+          <a:lstStyle/>
+          <a:p>
+            <a:fld id="{B8D0CE21-A827-46F8-BEFD-C23296934A6E}" type="slidenum">
+              <a:rPr lang="zh-TW" altLang="en-US" smtClean="0"/>
+              <a:t>19</a:t>
+            </a:fld>
+            <a:endParaRPr lang="zh-TW" altLang="en-US"/>
+          </a:p>
+        </p:txBody>
+      </p:sp>
+    </p:spTree>
+    <p:extLst>
+      <p:ext uri="{BB962C8B-B14F-4D97-AF65-F5344CB8AC3E}">
+        <p14:creationId xmlns:p14="http://schemas.microsoft.com/office/powerpoint/2010/main" val="2313910689"/>
+      </p:ext>
+    </p:extLst>
+  </p:cSld>
+  <p:clrMapOvr>
+    <a:masterClrMapping/>
+  </p:clrMapOvr>
+</p:notes>
+</file>
+
+<file path=ppt/notesSlides/notesSlide17.xml><?xml version="1.0" encoding="utf-8"?>
+<p:notes xmlns:a="http://schemas.openxmlformats.org/drawingml/2006/main" xmlns:r="http://schemas.openxmlformats.org/officeDocument/2006/relationships" xmlns:p="http://schemas.openxmlformats.org/presentationml/2006/main">
+  <p:cSld>
+    <p:spTree>
+      <p:nvGrpSpPr>
+        <p:cNvPr id="1" name=""/>
+        <p:cNvGrpSpPr/>
+        <p:nvPr/>
+      </p:nvGrpSpPr>
+      <p:grpSpPr>
+        <a:xfrm>
+          <a:off x="0" y="0"/>
+          <a:ext cx="0" cy="0"/>
+          <a:chOff x="0" y="0"/>
+          <a:chExt cx="0" cy="0"/>
+        </a:xfrm>
+      </p:grpSpPr>
+      <p:sp>
+        <p:nvSpPr>
+          <p:cNvPr id="2" name="投影片圖像版面配置區 1"/>
+          <p:cNvSpPr>
+            <a:spLocks noGrp="1" noRot="1" noChangeAspect="1"/>
+          </p:cNvSpPr>
+          <p:nvPr>
+            <p:ph type="sldImg"/>
+          </p:nvPr>
+        </p:nvSpPr>
+        <p:spPr/>
+      </p:sp>
+      <p:sp>
+        <p:nvSpPr>
+          <p:cNvPr id="3" name="備忘稿版面配置區 2"/>
+          <p:cNvSpPr>
+            <a:spLocks noGrp="1"/>
+          </p:cNvSpPr>
+          <p:nvPr>
+            <p:ph type="body" idx="1"/>
+          </p:nvPr>
+        </p:nvSpPr>
+        <p:spPr/>
+        <p:txBody>
+          <a:bodyPr/>
+          <a:lstStyle/>
+          <a:p>
+            <a:endParaRPr lang="zh-TW" altLang="en-US" dirty="0"/>
+          </a:p>
+        </p:txBody>
+      </p:sp>
+      <p:sp>
+        <p:nvSpPr>
+          <p:cNvPr id="4" name="投影片編號版面配置區 3"/>
+          <p:cNvSpPr>
+            <a:spLocks noGrp="1"/>
+          </p:cNvSpPr>
+          <p:nvPr>
+            <p:ph type="sldNum" sz="quarter" idx="10"/>
+          </p:nvPr>
+        </p:nvSpPr>
+        <p:spPr/>
+        <p:txBody>
+          <a:bodyPr/>
+          <a:lstStyle/>
+          <a:p>
+            <a:fld id="{B8D0CE21-A827-46F8-BEFD-C23296934A6E}" type="slidenum">
+              <a:rPr lang="zh-TW" altLang="en-US" smtClean="0"/>
+              <a:t>20</a:t>
             </a:fld>
             <a:endParaRPr lang="zh-TW" altLang="en-US"/>
           </a:p>
@@ -2092,7 +2359,7 @@
           <p:cNvPr id="2" name="標題 1">
             <a:extLst>
               <a:ext uri="{FF2B5EF4-FFF2-40B4-BE49-F238E27FC236}">
-                <a16:creationId xmlns:a16="http://schemas.microsoft.com/office/drawing/2014/main" xmlns="" id="{E35DDB53-C1D0-4F65-A4BE-FDCE1B8E9860}"/>
+                <a16:creationId xmlns="" xmlns:a16="http://schemas.microsoft.com/office/drawing/2014/main" id="{E35DDB53-C1D0-4F65-A4BE-FDCE1B8E9860}"/>
               </a:ext>
             </a:extLst>
           </p:cNvPr>
@@ -2129,7 +2396,7 @@
           <p:cNvPr id="3" name="副標題 2">
             <a:extLst>
               <a:ext uri="{FF2B5EF4-FFF2-40B4-BE49-F238E27FC236}">
-                <a16:creationId xmlns:a16="http://schemas.microsoft.com/office/drawing/2014/main" xmlns="" id="{8354E729-BC2A-4F7F-8F4B-8373B46B63FE}"/>
+                <a16:creationId xmlns="" xmlns:a16="http://schemas.microsoft.com/office/drawing/2014/main" id="{8354E729-BC2A-4F7F-8F4B-8373B46B63FE}"/>
               </a:ext>
             </a:extLst>
           </p:cNvPr>
@@ -2199,7 +2466,7 @@
           <p:cNvPr id="4" name="日期版面配置區 3">
             <a:extLst>
               <a:ext uri="{FF2B5EF4-FFF2-40B4-BE49-F238E27FC236}">
-                <a16:creationId xmlns:a16="http://schemas.microsoft.com/office/drawing/2014/main" xmlns="" id="{53A123AF-A667-4572-AB54-DBC4AD746939}"/>
+                <a16:creationId xmlns="" xmlns:a16="http://schemas.microsoft.com/office/drawing/2014/main" id="{53A123AF-A667-4572-AB54-DBC4AD746939}"/>
               </a:ext>
             </a:extLst>
           </p:cNvPr>
@@ -2228,7 +2495,7 @@
           <p:cNvPr id="5" name="頁尾版面配置區 4">
             <a:extLst>
               <a:ext uri="{FF2B5EF4-FFF2-40B4-BE49-F238E27FC236}">
-                <a16:creationId xmlns:a16="http://schemas.microsoft.com/office/drawing/2014/main" xmlns="" id="{C1680952-D95E-4C38-A26F-B893A6A5912A}"/>
+                <a16:creationId xmlns="" xmlns:a16="http://schemas.microsoft.com/office/drawing/2014/main" id="{C1680952-D95E-4C38-A26F-B893A6A5912A}"/>
               </a:ext>
             </a:extLst>
           </p:cNvPr>
@@ -2253,7 +2520,7 @@
           <p:cNvPr id="6" name="投影片編號版面配置區 5">
             <a:extLst>
               <a:ext uri="{FF2B5EF4-FFF2-40B4-BE49-F238E27FC236}">
-                <a16:creationId xmlns:a16="http://schemas.microsoft.com/office/drawing/2014/main" xmlns="" id="{7B4DFC22-CF8A-42FA-B051-57874EC650B4}"/>
+                <a16:creationId xmlns="" xmlns:a16="http://schemas.microsoft.com/office/drawing/2014/main" id="{7B4DFC22-CF8A-42FA-B051-57874EC650B4}"/>
               </a:ext>
             </a:extLst>
           </p:cNvPr>
@@ -2312,7 +2579,7 @@
           <p:cNvPr id="2" name="標題 1">
             <a:extLst>
               <a:ext uri="{FF2B5EF4-FFF2-40B4-BE49-F238E27FC236}">
-                <a16:creationId xmlns:a16="http://schemas.microsoft.com/office/drawing/2014/main" xmlns="" id="{BF8231CC-55F0-4C45-98FF-6E283F9BE9B7}"/>
+                <a16:creationId xmlns="" xmlns:a16="http://schemas.microsoft.com/office/drawing/2014/main" id="{BF8231CC-55F0-4C45-98FF-6E283F9BE9B7}"/>
               </a:ext>
             </a:extLst>
           </p:cNvPr>
@@ -2340,7 +2607,7 @@
           <p:cNvPr id="3" name="直排文字版面配置區 2">
             <a:extLst>
               <a:ext uri="{FF2B5EF4-FFF2-40B4-BE49-F238E27FC236}">
-                <a16:creationId xmlns:a16="http://schemas.microsoft.com/office/drawing/2014/main" xmlns="" id="{8FF68CBD-6D1A-4843-BDC7-19874D55AB91}"/>
+                <a16:creationId xmlns="" xmlns:a16="http://schemas.microsoft.com/office/drawing/2014/main" id="{8FF68CBD-6D1A-4843-BDC7-19874D55AB91}"/>
               </a:ext>
             </a:extLst>
           </p:cNvPr>
@@ -2397,7 +2664,7 @@
           <p:cNvPr id="4" name="日期版面配置區 3">
             <a:extLst>
               <a:ext uri="{FF2B5EF4-FFF2-40B4-BE49-F238E27FC236}">
-                <a16:creationId xmlns:a16="http://schemas.microsoft.com/office/drawing/2014/main" xmlns="" id="{DB8D22BC-3DCA-48D2-AB31-E480388E4151}"/>
+                <a16:creationId xmlns="" xmlns:a16="http://schemas.microsoft.com/office/drawing/2014/main" id="{DB8D22BC-3DCA-48D2-AB31-E480388E4151}"/>
               </a:ext>
             </a:extLst>
           </p:cNvPr>
@@ -2426,7 +2693,7 @@
           <p:cNvPr id="5" name="頁尾版面配置區 4">
             <a:extLst>
               <a:ext uri="{FF2B5EF4-FFF2-40B4-BE49-F238E27FC236}">
-                <a16:creationId xmlns:a16="http://schemas.microsoft.com/office/drawing/2014/main" xmlns="" id="{467873BE-0D19-44DB-BDF7-F65B9609DB66}"/>
+                <a16:creationId xmlns="" xmlns:a16="http://schemas.microsoft.com/office/drawing/2014/main" id="{467873BE-0D19-44DB-BDF7-F65B9609DB66}"/>
               </a:ext>
             </a:extLst>
           </p:cNvPr>
@@ -2451,7 +2718,7 @@
           <p:cNvPr id="6" name="投影片編號版面配置區 5">
             <a:extLst>
               <a:ext uri="{FF2B5EF4-FFF2-40B4-BE49-F238E27FC236}">
-                <a16:creationId xmlns:a16="http://schemas.microsoft.com/office/drawing/2014/main" xmlns="" id="{3DB2F59D-061E-4373-B631-C6CB62DFE299}"/>
+                <a16:creationId xmlns="" xmlns:a16="http://schemas.microsoft.com/office/drawing/2014/main" id="{3DB2F59D-061E-4373-B631-C6CB62DFE299}"/>
               </a:ext>
             </a:extLst>
           </p:cNvPr>
@@ -2510,7 +2777,7 @@
           <p:cNvPr id="2" name="直排標題 1">
             <a:extLst>
               <a:ext uri="{FF2B5EF4-FFF2-40B4-BE49-F238E27FC236}">
-                <a16:creationId xmlns:a16="http://schemas.microsoft.com/office/drawing/2014/main" xmlns="" id="{06EDF22F-572D-4E49-B9FE-461C70AE81B4}"/>
+                <a16:creationId xmlns="" xmlns:a16="http://schemas.microsoft.com/office/drawing/2014/main" id="{06EDF22F-572D-4E49-B9FE-461C70AE81B4}"/>
               </a:ext>
             </a:extLst>
           </p:cNvPr>
@@ -2543,7 +2810,7 @@
           <p:cNvPr id="3" name="直排文字版面配置區 2">
             <a:extLst>
               <a:ext uri="{FF2B5EF4-FFF2-40B4-BE49-F238E27FC236}">
-                <a16:creationId xmlns:a16="http://schemas.microsoft.com/office/drawing/2014/main" xmlns="" id="{59CC5A8A-0DE7-403D-92AC-B9CB79636A91}"/>
+                <a16:creationId xmlns="" xmlns:a16="http://schemas.microsoft.com/office/drawing/2014/main" id="{59CC5A8A-0DE7-403D-92AC-B9CB79636A91}"/>
               </a:ext>
             </a:extLst>
           </p:cNvPr>
@@ -2605,7 +2872,7 @@
           <p:cNvPr id="4" name="日期版面配置區 3">
             <a:extLst>
               <a:ext uri="{FF2B5EF4-FFF2-40B4-BE49-F238E27FC236}">
-                <a16:creationId xmlns:a16="http://schemas.microsoft.com/office/drawing/2014/main" xmlns="" id="{34E26329-B68D-435D-9D35-A130E9D0035E}"/>
+                <a16:creationId xmlns="" xmlns:a16="http://schemas.microsoft.com/office/drawing/2014/main" id="{34E26329-B68D-435D-9D35-A130E9D0035E}"/>
               </a:ext>
             </a:extLst>
           </p:cNvPr>
@@ -2634,7 +2901,7 @@
           <p:cNvPr id="5" name="頁尾版面配置區 4">
             <a:extLst>
               <a:ext uri="{FF2B5EF4-FFF2-40B4-BE49-F238E27FC236}">
-                <a16:creationId xmlns:a16="http://schemas.microsoft.com/office/drawing/2014/main" xmlns="" id="{F9AF36C7-E76E-42D1-9E71-EFBDDBB0D96B}"/>
+                <a16:creationId xmlns="" xmlns:a16="http://schemas.microsoft.com/office/drawing/2014/main" id="{F9AF36C7-E76E-42D1-9E71-EFBDDBB0D96B}"/>
               </a:ext>
             </a:extLst>
           </p:cNvPr>
@@ -2659,7 +2926,7 @@
           <p:cNvPr id="6" name="投影片編號版面配置區 5">
             <a:extLst>
               <a:ext uri="{FF2B5EF4-FFF2-40B4-BE49-F238E27FC236}">
-                <a16:creationId xmlns:a16="http://schemas.microsoft.com/office/drawing/2014/main" xmlns="" id="{FF7619F3-574F-4F73-B342-3EBD0FCAFF59}"/>
+                <a16:creationId xmlns="" xmlns:a16="http://schemas.microsoft.com/office/drawing/2014/main" id="{FF7619F3-574F-4F73-B342-3EBD0FCAFF59}"/>
               </a:ext>
             </a:extLst>
           </p:cNvPr>
@@ -2718,7 +2985,7 @@
           <p:cNvPr id="2" name="標題 1">
             <a:extLst>
               <a:ext uri="{FF2B5EF4-FFF2-40B4-BE49-F238E27FC236}">
-                <a16:creationId xmlns:a16="http://schemas.microsoft.com/office/drawing/2014/main" xmlns="" id="{9417FDB8-6564-4A89-892F-121ECB6A15E3}"/>
+                <a16:creationId xmlns="" xmlns:a16="http://schemas.microsoft.com/office/drawing/2014/main" id="{9417FDB8-6564-4A89-892F-121ECB6A15E3}"/>
               </a:ext>
             </a:extLst>
           </p:cNvPr>
@@ -2746,7 +3013,7 @@
           <p:cNvPr id="3" name="內容版面配置區 2">
             <a:extLst>
               <a:ext uri="{FF2B5EF4-FFF2-40B4-BE49-F238E27FC236}">
-                <a16:creationId xmlns:a16="http://schemas.microsoft.com/office/drawing/2014/main" xmlns="" id="{51212427-EE34-43C7-A8FD-694D51AB046E}"/>
+                <a16:creationId xmlns="" xmlns:a16="http://schemas.microsoft.com/office/drawing/2014/main" id="{51212427-EE34-43C7-A8FD-694D51AB046E}"/>
               </a:ext>
             </a:extLst>
           </p:cNvPr>
@@ -2803,7 +3070,7 @@
           <p:cNvPr id="4" name="日期版面配置區 3">
             <a:extLst>
               <a:ext uri="{FF2B5EF4-FFF2-40B4-BE49-F238E27FC236}">
-                <a16:creationId xmlns:a16="http://schemas.microsoft.com/office/drawing/2014/main" xmlns="" id="{57CBDCD7-360C-4618-99D5-86A5A5EF480F}"/>
+                <a16:creationId xmlns="" xmlns:a16="http://schemas.microsoft.com/office/drawing/2014/main" id="{57CBDCD7-360C-4618-99D5-86A5A5EF480F}"/>
               </a:ext>
             </a:extLst>
           </p:cNvPr>
@@ -2832,7 +3099,7 @@
           <p:cNvPr id="5" name="頁尾版面配置區 4">
             <a:extLst>
               <a:ext uri="{FF2B5EF4-FFF2-40B4-BE49-F238E27FC236}">
-                <a16:creationId xmlns:a16="http://schemas.microsoft.com/office/drawing/2014/main" xmlns="" id="{CF3DC7E3-2CDA-47FC-82EC-B6724DEDE6AE}"/>
+                <a16:creationId xmlns="" xmlns:a16="http://schemas.microsoft.com/office/drawing/2014/main" id="{CF3DC7E3-2CDA-47FC-82EC-B6724DEDE6AE}"/>
               </a:ext>
             </a:extLst>
           </p:cNvPr>
@@ -2857,7 +3124,7 @@
           <p:cNvPr id="6" name="投影片編號版面配置區 5">
             <a:extLst>
               <a:ext uri="{FF2B5EF4-FFF2-40B4-BE49-F238E27FC236}">
-                <a16:creationId xmlns:a16="http://schemas.microsoft.com/office/drawing/2014/main" xmlns="" id="{6FCD9DA0-45A4-4361-AD1D-DB2F24801798}"/>
+                <a16:creationId xmlns="" xmlns:a16="http://schemas.microsoft.com/office/drawing/2014/main" id="{6FCD9DA0-45A4-4361-AD1D-DB2F24801798}"/>
               </a:ext>
             </a:extLst>
           </p:cNvPr>
@@ -2916,7 +3183,7 @@
           <p:cNvPr id="2" name="標題 1">
             <a:extLst>
               <a:ext uri="{FF2B5EF4-FFF2-40B4-BE49-F238E27FC236}">
-                <a16:creationId xmlns:a16="http://schemas.microsoft.com/office/drawing/2014/main" xmlns="" id="{AAD101D0-1702-4091-BD84-775665326445}"/>
+                <a16:creationId xmlns="" xmlns:a16="http://schemas.microsoft.com/office/drawing/2014/main" id="{AAD101D0-1702-4091-BD84-775665326445}"/>
               </a:ext>
             </a:extLst>
           </p:cNvPr>
@@ -2953,7 +3220,7 @@
           <p:cNvPr id="3" name="文字版面配置區 2">
             <a:extLst>
               <a:ext uri="{FF2B5EF4-FFF2-40B4-BE49-F238E27FC236}">
-                <a16:creationId xmlns:a16="http://schemas.microsoft.com/office/drawing/2014/main" xmlns="" id="{0BD8E1E2-602B-4613-8148-CCAA3F8A8479}"/>
+                <a16:creationId xmlns="" xmlns:a16="http://schemas.microsoft.com/office/drawing/2014/main" id="{0BD8E1E2-602B-4613-8148-CCAA3F8A8479}"/>
               </a:ext>
             </a:extLst>
           </p:cNvPr>
@@ -3078,7 +3345,7 @@
           <p:cNvPr id="4" name="日期版面配置區 3">
             <a:extLst>
               <a:ext uri="{FF2B5EF4-FFF2-40B4-BE49-F238E27FC236}">
-                <a16:creationId xmlns:a16="http://schemas.microsoft.com/office/drawing/2014/main" xmlns="" id="{EE9C1E22-1E55-471F-AFCC-5907530118FD}"/>
+                <a16:creationId xmlns="" xmlns:a16="http://schemas.microsoft.com/office/drawing/2014/main" id="{EE9C1E22-1E55-471F-AFCC-5907530118FD}"/>
               </a:ext>
             </a:extLst>
           </p:cNvPr>
@@ -3107,7 +3374,7 @@
           <p:cNvPr id="5" name="頁尾版面配置區 4">
             <a:extLst>
               <a:ext uri="{FF2B5EF4-FFF2-40B4-BE49-F238E27FC236}">
-                <a16:creationId xmlns:a16="http://schemas.microsoft.com/office/drawing/2014/main" xmlns="" id="{00E74574-3F79-43E0-886E-0F7B5FBEE9EB}"/>
+                <a16:creationId xmlns="" xmlns:a16="http://schemas.microsoft.com/office/drawing/2014/main" id="{00E74574-3F79-43E0-886E-0F7B5FBEE9EB}"/>
               </a:ext>
             </a:extLst>
           </p:cNvPr>
@@ -3132,7 +3399,7 @@
           <p:cNvPr id="6" name="投影片編號版面配置區 5">
             <a:extLst>
               <a:ext uri="{FF2B5EF4-FFF2-40B4-BE49-F238E27FC236}">
-                <a16:creationId xmlns:a16="http://schemas.microsoft.com/office/drawing/2014/main" xmlns="" id="{6D0AEA75-5543-4200-8506-0B2ECFF44CCA}"/>
+                <a16:creationId xmlns="" xmlns:a16="http://schemas.microsoft.com/office/drawing/2014/main" id="{6D0AEA75-5543-4200-8506-0B2ECFF44CCA}"/>
               </a:ext>
             </a:extLst>
           </p:cNvPr>
@@ -3191,7 +3458,7 @@
           <p:cNvPr id="2" name="標題 1">
             <a:extLst>
               <a:ext uri="{FF2B5EF4-FFF2-40B4-BE49-F238E27FC236}">
-                <a16:creationId xmlns:a16="http://schemas.microsoft.com/office/drawing/2014/main" xmlns="" id="{73297404-2E9F-475C-B361-4DC34C7D854A}"/>
+                <a16:creationId xmlns="" xmlns:a16="http://schemas.microsoft.com/office/drawing/2014/main" id="{73297404-2E9F-475C-B361-4DC34C7D854A}"/>
               </a:ext>
             </a:extLst>
           </p:cNvPr>
@@ -3219,7 +3486,7 @@
           <p:cNvPr id="3" name="內容版面配置區 2">
             <a:extLst>
               <a:ext uri="{FF2B5EF4-FFF2-40B4-BE49-F238E27FC236}">
-                <a16:creationId xmlns:a16="http://schemas.microsoft.com/office/drawing/2014/main" xmlns="" id="{1E0DA65C-B23C-4D21-BECF-E728DDEC65BE}"/>
+                <a16:creationId xmlns="" xmlns:a16="http://schemas.microsoft.com/office/drawing/2014/main" id="{1E0DA65C-B23C-4D21-BECF-E728DDEC65BE}"/>
               </a:ext>
             </a:extLst>
           </p:cNvPr>
@@ -3281,7 +3548,7 @@
           <p:cNvPr id="4" name="內容版面配置區 3">
             <a:extLst>
               <a:ext uri="{FF2B5EF4-FFF2-40B4-BE49-F238E27FC236}">
-                <a16:creationId xmlns:a16="http://schemas.microsoft.com/office/drawing/2014/main" xmlns="" id="{0DBA3308-CC5B-4665-A367-63EBBDCCB497}"/>
+                <a16:creationId xmlns="" xmlns:a16="http://schemas.microsoft.com/office/drawing/2014/main" id="{0DBA3308-CC5B-4665-A367-63EBBDCCB497}"/>
               </a:ext>
             </a:extLst>
           </p:cNvPr>
@@ -3343,7 +3610,7 @@
           <p:cNvPr id="5" name="日期版面配置區 4">
             <a:extLst>
               <a:ext uri="{FF2B5EF4-FFF2-40B4-BE49-F238E27FC236}">
-                <a16:creationId xmlns:a16="http://schemas.microsoft.com/office/drawing/2014/main" xmlns="" id="{FF3EBDA5-6D03-43A8-9138-B1D9126B0646}"/>
+                <a16:creationId xmlns="" xmlns:a16="http://schemas.microsoft.com/office/drawing/2014/main" id="{FF3EBDA5-6D03-43A8-9138-B1D9126B0646}"/>
               </a:ext>
             </a:extLst>
           </p:cNvPr>
@@ -3372,7 +3639,7 @@
           <p:cNvPr id="6" name="頁尾版面配置區 5">
             <a:extLst>
               <a:ext uri="{FF2B5EF4-FFF2-40B4-BE49-F238E27FC236}">
-                <a16:creationId xmlns:a16="http://schemas.microsoft.com/office/drawing/2014/main" xmlns="" id="{EA849ADE-300E-4A53-8040-52D9F9254D9A}"/>
+                <a16:creationId xmlns="" xmlns:a16="http://schemas.microsoft.com/office/drawing/2014/main" id="{EA849ADE-300E-4A53-8040-52D9F9254D9A}"/>
               </a:ext>
             </a:extLst>
           </p:cNvPr>
@@ -3397,7 +3664,7 @@
           <p:cNvPr id="7" name="投影片編號版面配置區 6">
             <a:extLst>
               <a:ext uri="{FF2B5EF4-FFF2-40B4-BE49-F238E27FC236}">
-                <a16:creationId xmlns:a16="http://schemas.microsoft.com/office/drawing/2014/main" xmlns="" id="{CB0B5C42-76A2-46F7-AD5D-A3B84D4B6684}"/>
+                <a16:creationId xmlns="" xmlns:a16="http://schemas.microsoft.com/office/drawing/2014/main" id="{CB0B5C42-76A2-46F7-AD5D-A3B84D4B6684}"/>
               </a:ext>
             </a:extLst>
           </p:cNvPr>
@@ -3456,7 +3723,7 @@
           <p:cNvPr id="2" name="標題 1">
             <a:extLst>
               <a:ext uri="{FF2B5EF4-FFF2-40B4-BE49-F238E27FC236}">
-                <a16:creationId xmlns:a16="http://schemas.microsoft.com/office/drawing/2014/main" xmlns="" id="{DF359BC2-8E8B-43E3-BD44-C574EF3FE6B4}"/>
+                <a16:creationId xmlns="" xmlns:a16="http://schemas.microsoft.com/office/drawing/2014/main" id="{DF359BC2-8E8B-43E3-BD44-C574EF3FE6B4}"/>
               </a:ext>
             </a:extLst>
           </p:cNvPr>
@@ -3489,7 +3756,7 @@
           <p:cNvPr id="3" name="文字版面配置區 2">
             <a:extLst>
               <a:ext uri="{FF2B5EF4-FFF2-40B4-BE49-F238E27FC236}">
-                <a16:creationId xmlns:a16="http://schemas.microsoft.com/office/drawing/2014/main" xmlns="" id="{7CF20A5E-5DA7-4C8E-BCDC-D8CEA280A4B8}"/>
+                <a16:creationId xmlns="" xmlns:a16="http://schemas.microsoft.com/office/drawing/2014/main" id="{7CF20A5E-5DA7-4C8E-BCDC-D8CEA280A4B8}"/>
               </a:ext>
             </a:extLst>
           </p:cNvPr>
@@ -3560,7 +3827,7 @@
           <p:cNvPr id="4" name="內容版面配置區 3">
             <a:extLst>
               <a:ext uri="{FF2B5EF4-FFF2-40B4-BE49-F238E27FC236}">
-                <a16:creationId xmlns:a16="http://schemas.microsoft.com/office/drawing/2014/main" xmlns="" id="{C6FB0619-911A-4AA2-A1C9-02542414136C}"/>
+                <a16:creationId xmlns="" xmlns:a16="http://schemas.microsoft.com/office/drawing/2014/main" id="{C6FB0619-911A-4AA2-A1C9-02542414136C}"/>
               </a:ext>
             </a:extLst>
           </p:cNvPr>
@@ -3622,7 +3889,7 @@
           <p:cNvPr id="5" name="文字版面配置區 4">
             <a:extLst>
               <a:ext uri="{FF2B5EF4-FFF2-40B4-BE49-F238E27FC236}">
-                <a16:creationId xmlns:a16="http://schemas.microsoft.com/office/drawing/2014/main" xmlns="" id="{4C9F549F-ADBE-4F2B-AC0B-F43F4A62907C}"/>
+                <a16:creationId xmlns="" xmlns:a16="http://schemas.microsoft.com/office/drawing/2014/main" id="{4C9F549F-ADBE-4F2B-AC0B-F43F4A62907C}"/>
               </a:ext>
             </a:extLst>
           </p:cNvPr>
@@ -3693,7 +3960,7 @@
           <p:cNvPr id="6" name="內容版面配置區 5">
             <a:extLst>
               <a:ext uri="{FF2B5EF4-FFF2-40B4-BE49-F238E27FC236}">
-                <a16:creationId xmlns:a16="http://schemas.microsoft.com/office/drawing/2014/main" xmlns="" id="{E6E76930-D84E-4FD7-B37E-9C74F5F41CAD}"/>
+                <a16:creationId xmlns="" xmlns:a16="http://schemas.microsoft.com/office/drawing/2014/main" id="{E6E76930-D84E-4FD7-B37E-9C74F5F41CAD}"/>
               </a:ext>
             </a:extLst>
           </p:cNvPr>
@@ -3755,7 +4022,7 @@
           <p:cNvPr id="7" name="日期版面配置區 6">
             <a:extLst>
               <a:ext uri="{FF2B5EF4-FFF2-40B4-BE49-F238E27FC236}">
-                <a16:creationId xmlns:a16="http://schemas.microsoft.com/office/drawing/2014/main" xmlns="" id="{96931258-53DE-4440-9CED-EFEF081A4EB9}"/>
+                <a16:creationId xmlns="" xmlns:a16="http://schemas.microsoft.com/office/drawing/2014/main" id="{96931258-53DE-4440-9CED-EFEF081A4EB9}"/>
               </a:ext>
             </a:extLst>
           </p:cNvPr>
@@ -3784,7 +4051,7 @@
           <p:cNvPr id="8" name="頁尾版面配置區 7">
             <a:extLst>
               <a:ext uri="{FF2B5EF4-FFF2-40B4-BE49-F238E27FC236}">
-                <a16:creationId xmlns:a16="http://schemas.microsoft.com/office/drawing/2014/main" xmlns="" id="{18CA577D-DD80-4F0A-AC25-AB2D272056B3}"/>
+                <a16:creationId xmlns="" xmlns:a16="http://schemas.microsoft.com/office/drawing/2014/main" id="{18CA577D-DD80-4F0A-AC25-AB2D272056B3}"/>
               </a:ext>
             </a:extLst>
           </p:cNvPr>
@@ -3809,7 +4076,7 @@
           <p:cNvPr id="9" name="投影片編號版面配置區 8">
             <a:extLst>
               <a:ext uri="{FF2B5EF4-FFF2-40B4-BE49-F238E27FC236}">
-                <a16:creationId xmlns:a16="http://schemas.microsoft.com/office/drawing/2014/main" xmlns="" id="{EAF01FD8-AAA6-42C4-9068-C9E8A571E605}"/>
+                <a16:creationId xmlns="" xmlns:a16="http://schemas.microsoft.com/office/drawing/2014/main" id="{EAF01FD8-AAA6-42C4-9068-C9E8A571E605}"/>
               </a:ext>
             </a:extLst>
           </p:cNvPr>
@@ -3868,7 +4135,7 @@
           <p:cNvPr id="2" name="標題 1">
             <a:extLst>
               <a:ext uri="{FF2B5EF4-FFF2-40B4-BE49-F238E27FC236}">
-                <a16:creationId xmlns:a16="http://schemas.microsoft.com/office/drawing/2014/main" xmlns="" id="{952E2EB0-35DB-48C2-B020-3F53BA17C934}"/>
+                <a16:creationId xmlns="" xmlns:a16="http://schemas.microsoft.com/office/drawing/2014/main" id="{952E2EB0-35DB-48C2-B020-3F53BA17C934}"/>
               </a:ext>
             </a:extLst>
           </p:cNvPr>
@@ -3896,7 +4163,7 @@
           <p:cNvPr id="3" name="日期版面配置區 2">
             <a:extLst>
               <a:ext uri="{FF2B5EF4-FFF2-40B4-BE49-F238E27FC236}">
-                <a16:creationId xmlns:a16="http://schemas.microsoft.com/office/drawing/2014/main" xmlns="" id="{DF0F6B4E-7D6A-409D-8B33-2CF9E3E22511}"/>
+                <a16:creationId xmlns="" xmlns:a16="http://schemas.microsoft.com/office/drawing/2014/main" id="{DF0F6B4E-7D6A-409D-8B33-2CF9E3E22511}"/>
               </a:ext>
             </a:extLst>
           </p:cNvPr>
@@ -3925,7 +4192,7 @@
           <p:cNvPr id="4" name="頁尾版面配置區 3">
             <a:extLst>
               <a:ext uri="{FF2B5EF4-FFF2-40B4-BE49-F238E27FC236}">
-                <a16:creationId xmlns:a16="http://schemas.microsoft.com/office/drawing/2014/main" xmlns="" id="{0DC85328-B8C2-4E98-854B-96F2243447DC}"/>
+                <a16:creationId xmlns="" xmlns:a16="http://schemas.microsoft.com/office/drawing/2014/main" id="{0DC85328-B8C2-4E98-854B-96F2243447DC}"/>
               </a:ext>
             </a:extLst>
           </p:cNvPr>
@@ -3950,7 +4217,7 @@
           <p:cNvPr id="5" name="投影片編號版面配置區 4">
             <a:extLst>
               <a:ext uri="{FF2B5EF4-FFF2-40B4-BE49-F238E27FC236}">
-                <a16:creationId xmlns:a16="http://schemas.microsoft.com/office/drawing/2014/main" xmlns="" id="{231D26CF-8345-42F0-87CC-5055E40B26B8}"/>
+                <a16:creationId xmlns="" xmlns:a16="http://schemas.microsoft.com/office/drawing/2014/main" id="{231D26CF-8345-42F0-87CC-5055E40B26B8}"/>
               </a:ext>
             </a:extLst>
           </p:cNvPr>
@@ -4009,7 +4276,7 @@
           <p:cNvPr id="2" name="日期版面配置區 1">
             <a:extLst>
               <a:ext uri="{FF2B5EF4-FFF2-40B4-BE49-F238E27FC236}">
-                <a16:creationId xmlns:a16="http://schemas.microsoft.com/office/drawing/2014/main" xmlns="" id="{662CEF4B-8E15-4C0B-8493-EE6A95E6505D}"/>
+                <a16:creationId xmlns="" xmlns:a16="http://schemas.microsoft.com/office/drawing/2014/main" id="{662CEF4B-8E15-4C0B-8493-EE6A95E6505D}"/>
               </a:ext>
             </a:extLst>
           </p:cNvPr>
@@ -4038,7 +4305,7 @@
           <p:cNvPr id="3" name="頁尾版面配置區 2">
             <a:extLst>
               <a:ext uri="{FF2B5EF4-FFF2-40B4-BE49-F238E27FC236}">
-                <a16:creationId xmlns:a16="http://schemas.microsoft.com/office/drawing/2014/main" xmlns="" id="{A66FD5AB-E722-4B87-B88A-9BC13E123081}"/>
+                <a16:creationId xmlns="" xmlns:a16="http://schemas.microsoft.com/office/drawing/2014/main" id="{A66FD5AB-E722-4B87-B88A-9BC13E123081}"/>
               </a:ext>
             </a:extLst>
           </p:cNvPr>
@@ -4063,7 +4330,7 @@
           <p:cNvPr id="4" name="投影片編號版面配置區 3">
             <a:extLst>
               <a:ext uri="{FF2B5EF4-FFF2-40B4-BE49-F238E27FC236}">
-                <a16:creationId xmlns:a16="http://schemas.microsoft.com/office/drawing/2014/main" xmlns="" id="{E34D603E-C4D3-477E-BDBF-31C46BD9B03B}"/>
+                <a16:creationId xmlns="" xmlns:a16="http://schemas.microsoft.com/office/drawing/2014/main" id="{E34D603E-C4D3-477E-BDBF-31C46BD9B03B}"/>
               </a:ext>
             </a:extLst>
           </p:cNvPr>
@@ -4122,7 +4389,7 @@
           <p:cNvPr id="2" name="標題 1">
             <a:extLst>
               <a:ext uri="{FF2B5EF4-FFF2-40B4-BE49-F238E27FC236}">
-                <a16:creationId xmlns:a16="http://schemas.microsoft.com/office/drawing/2014/main" xmlns="" id="{BD6D3AFA-A00F-425A-ADB8-7D6DBF11E7D9}"/>
+                <a16:creationId xmlns="" xmlns:a16="http://schemas.microsoft.com/office/drawing/2014/main" id="{BD6D3AFA-A00F-425A-ADB8-7D6DBF11E7D9}"/>
               </a:ext>
             </a:extLst>
           </p:cNvPr>
@@ -4159,7 +4426,7 @@
           <p:cNvPr id="3" name="內容版面配置區 2">
             <a:extLst>
               <a:ext uri="{FF2B5EF4-FFF2-40B4-BE49-F238E27FC236}">
-                <a16:creationId xmlns:a16="http://schemas.microsoft.com/office/drawing/2014/main" xmlns="" id="{7624F594-DAE1-441A-B288-C6B584A71E88}"/>
+                <a16:creationId xmlns="" xmlns:a16="http://schemas.microsoft.com/office/drawing/2014/main" id="{7624F594-DAE1-441A-B288-C6B584A71E88}"/>
               </a:ext>
             </a:extLst>
           </p:cNvPr>
@@ -4249,7 +4516,7 @@
           <p:cNvPr id="4" name="文字版面配置區 3">
             <a:extLst>
               <a:ext uri="{FF2B5EF4-FFF2-40B4-BE49-F238E27FC236}">
-                <a16:creationId xmlns:a16="http://schemas.microsoft.com/office/drawing/2014/main" xmlns="" id="{6735B1BB-D6FE-4E3F-912B-7CB8B4D06556}"/>
+                <a16:creationId xmlns="" xmlns:a16="http://schemas.microsoft.com/office/drawing/2014/main" id="{6735B1BB-D6FE-4E3F-912B-7CB8B4D06556}"/>
               </a:ext>
             </a:extLst>
           </p:cNvPr>
@@ -4320,7 +4587,7 @@
           <p:cNvPr id="5" name="日期版面配置區 4">
             <a:extLst>
               <a:ext uri="{FF2B5EF4-FFF2-40B4-BE49-F238E27FC236}">
-                <a16:creationId xmlns:a16="http://schemas.microsoft.com/office/drawing/2014/main" xmlns="" id="{03F3C6B0-93DC-4F63-847D-AF3CDC1F273E}"/>
+                <a16:creationId xmlns="" xmlns:a16="http://schemas.microsoft.com/office/drawing/2014/main" id="{03F3C6B0-93DC-4F63-847D-AF3CDC1F273E}"/>
               </a:ext>
             </a:extLst>
           </p:cNvPr>
@@ -4349,7 +4616,7 @@
           <p:cNvPr id="6" name="頁尾版面配置區 5">
             <a:extLst>
               <a:ext uri="{FF2B5EF4-FFF2-40B4-BE49-F238E27FC236}">
-                <a16:creationId xmlns:a16="http://schemas.microsoft.com/office/drawing/2014/main" xmlns="" id="{77412A02-FB75-418E-B44D-90B60CF36B6A}"/>
+                <a16:creationId xmlns="" xmlns:a16="http://schemas.microsoft.com/office/drawing/2014/main" id="{77412A02-FB75-418E-B44D-90B60CF36B6A}"/>
               </a:ext>
             </a:extLst>
           </p:cNvPr>
@@ -4374,7 +4641,7 @@
           <p:cNvPr id="7" name="投影片編號版面配置區 6">
             <a:extLst>
               <a:ext uri="{FF2B5EF4-FFF2-40B4-BE49-F238E27FC236}">
-                <a16:creationId xmlns:a16="http://schemas.microsoft.com/office/drawing/2014/main" xmlns="" id="{C1C119AB-1486-4CEF-AD2D-10EFBF322D5E}"/>
+                <a16:creationId xmlns="" xmlns:a16="http://schemas.microsoft.com/office/drawing/2014/main" id="{C1C119AB-1486-4CEF-AD2D-10EFBF322D5E}"/>
               </a:ext>
             </a:extLst>
           </p:cNvPr>
@@ -4433,7 +4700,7 @@
           <p:cNvPr id="2" name="標題 1">
             <a:extLst>
               <a:ext uri="{FF2B5EF4-FFF2-40B4-BE49-F238E27FC236}">
-                <a16:creationId xmlns:a16="http://schemas.microsoft.com/office/drawing/2014/main" xmlns="" id="{FA46C5FD-EEB9-422A-8F1A-3898CE1E2744}"/>
+                <a16:creationId xmlns="" xmlns:a16="http://schemas.microsoft.com/office/drawing/2014/main" id="{FA46C5FD-EEB9-422A-8F1A-3898CE1E2744}"/>
               </a:ext>
             </a:extLst>
           </p:cNvPr>
@@ -4470,7 +4737,7 @@
           <p:cNvPr id="3" name="圖片版面配置區 2">
             <a:extLst>
               <a:ext uri="{FF2B5EF4-FFF2-40B4-BE49-F238E27FC236}">
-                <a16:creationId xmlns:a16="http://schemas.microsoft.com/office/drawing/2014/main" xmlns="" id="{D4F2F5F8-C4C6-4927-9267-A3C0D0016E37}"/>
+                <a16:creationId xmlns="" xmlns:a16="http://schemas.microsoft.com/office/drawing/2014/main" id="{D4F2F5F8-C4C6-4927-9267-A3C0D0016E37}"/>
               </a:ext>
             </a:extLst>
           </p:cNvPr>
@@ -4537,7 +4804,7 @@
           <p:cNvPr id="4" name="文字版面配置區 3">
             <a:extLst>
               <a:ext uri="{FF2B5EF4-FFF2-40B4-BE49-F238E27FC236}">
-                <a16:creationId xmlns:a16="http://schemas.microsoft.com/office/drawing/2014/main" xmlns="" id="{386BA6EB-6191-463F-BDAC-05065C4F8FF5}"/>
+                <a16:creationId xmlns="" xmlns:a16="http://schemas.microsoft.com/office/drawing/2014/main" id="{386BA6EB-6191-463F-BDAC-05065C4F8FF5}"/>
               </a:ext>
             </a:extLst>
           </p:cNvPr>
@@ -4608,7 +4875,7 @@
           <p:cNvPr id="5" name="日期版面配置區 4">
             <a:extLst>
               <a:ext uri="{FF2B5EF4-FFF2-40B4-BE49-F238E27FC236}">
-                <a16:creationId xmlns:a16="http://schemas.microsoft.com/office/drawing/2014/main" xmlns="" id="{B100A524-F2D8-4E20-9BB5-49A1395D1468}"/>
+                <a16:creationId xmlns="" xmlns:a16="http://schemas.microsoft.com/office/drawing/2014/main" id="{B100A524-F2D8-4E20-9BB5-49A1395D1468}"/>
               </a:ext>
             </a:extLst>
           </p:cNvPr>
@@ -4637,7 +4904,7 @@
           <p:cNvPr id="6" name="頁尾版面配置區 5">
             <a:extLst>
               <a:ext uri="{FF2B5EF4-FFF2-40B4-BE49-F238E27FC236}">
-                <a16:creationId xmlns:a16="http://schemas.microsoft.com/office/drawing/2014/main" xmlns="" id="{F5DAE52E-EC29-43CF-90E7-76A8547273F4}"/>
+                <a16:creationId xmlns="" xmlns:a16="http://schemas.microsoft.com/office/drawing/2014/main" id="{F5DAE52E-EC29-43CF-90E7-76A8547273F4}"/>
               </a:ext>
             </a:extLst>
           </p:cNvPr>
@@ -4662,7 +4929,7 @@
           <p:cNvPr id="7" name="投影片編號版面配置區 6">
             <a:extLst>
               <a:ext uri="{FF2B5EF4-FFF2-40B4-BE49-F238E27FC236}">
-                <a16:creationId xmlns:a16="http://schemas.microsoft.com/office/drawing/2014/main" xmlns="" id="{D5633C84-0F09-4F63-9D11-CF4CD2E04EDC}"/>
+                <a16:creationId xmlns="" xmlns:a16="http://schemas.microsoft.com/office/drawing/2014/main" id="{D5633C84-0F09-4F63-9D11-CF4CD2E04EDC}"/>
               </a:ext>
             </a:extLst>
           </p:cNvPr>
@@ -4726,7 +4993,7 @@
           <p:cNvPr id="2" name="標題版面配置區 1">
             <a:extLst>
               <a:ext uri="{FF2B5EF4-FFF2-40B4-BE49-F238E27FC236}">
-                <a16:creationId xmlns:a16="http://schemas.microsoft.com/office/drawing/2014/main" xmlns="" id="{75AB147D-77B2-45DC-B91D-E9B95229CF67}"/>
+                <a16:creationId xmlns="" xmlns:a16="http://schemas.microsoft.com/office/drawing/2014/main" id="{75AB147D-77B2-45DC-B91D-E9B95229CF67}"/>
               </a:ext>
             </a:extLst>
           </p:cNvPr>
@@ -4764,7 +5031,7 @@
           <p:cNvPr id="3" name="文字版面配置區 2">
             <a:extLst>
               <a:ext uri="{FF2B5EF4-FFF2-40B4-BE49-F238E27FC236}">
-                <a16:creationId xmlns:a16="http://schemas.microsoft.com/office/drawing/2014/main" xmlns="" id="{1F4191C3-8FDE-40E8-B1B1-993999DCB52A}"/>
+                <a16:creationId xmlns="" xmlns:a16="http://schemas.microsoft.com/office/drawing/2014/main" id="{1F4191C3-8FDE-40E8-B1B1-993999DCB52A}"/>
               </a:ext>
             </a:extLst>
           </p:cNvPr>
@@ -4831,7 +5098,7 @@
           <p:cNvPr id="4" name="日期版面配置區 3">
             <a:extLst>
               <a:ext uri="{FF2B5EF4-FFF2-40B4-BE49-F238E27FC236}">
-                <a16:creationId xmlns:a16="http://schemas.microsoft.com/office/drawing/2014/main" xmlns="" id="{189C3422-42E0-48A0-AA23-A8416D88BBD9}"/>
+                <a16:creationId xmlns="" xmlns:a16="http://schemas.microsoft.com/office/drawing/2014/main" id="{189C3422-42E0-48A0-AA23-A8416D88BBD9}"/>
               </a:ext>
             </a:extLst>
           </p:cNvPr>
@@ -4878,7 +5145,7 @@
           <p:cNvPr id="5" name="頁尾版面配置區 4">
             <a:extLst>
               <a:ext uri="{FF2B5EF4-FFF2-40B4-BE49-F238E27FC236}">
-                <a16:creationId xmlns:a16="http://schemas.microsoft.com/office/drawing/2014/main" xmlns="" id="{320D305E-D196-4B4D-BE7D-0EFBB082F1FC}"/>
+                <a16:creationId xmlns="" xmlns:a16="http://schemas.microsoft.com/office/drawing/2014/main" id="{320D305E-D196-4B4D-BE7D-0EFBB082F1FC}"/>
               </a:ext>
             </a:extLst>
           </p:cNvPr>
@@ -4921,7 +5188,7 @@
           <p:cNvPr id="6" name="投影片編號版面配置區 5">
             <a:extLst>
               <a:ext uri="{FF2B5EF4-FFF2-40B4-BE49-F238E27FC236}">
-                <a16:creationId xmlns:a16="http://schemas.microsoft.com/office/drawing/2014/main" xmlns="" id="{8E9AE7C5-2399-4CDA-B55E-02BDF2B18D14}"/>
+                <a16:creationId xmlns="" xmlns:a16="http://schemas.microsoft.com/office/drawing/2014/main" id="{8E9AE7C5-2399-4CDA-B55E-02BDF2B18D14}"/>
               </a:ext>
             </a:extLst>
           </p:cNvPr>
@@ -5289,7 +5556,7 @@
           <p:cNvPr id="2" name="標題 1">
             <a:extLst>
               <a:ext uri="{FF2B5EF4-FFF2-40B4-BE49-F238E27FC236}">
-                <a16:creationId xmlns:a16="http://schemas.microsoft.com/office/drawing/2014/main" xmlns="" id="{DF598DAF-F4C5-48E6-A531-AF714874D3C4}"/>
+                <a16:creationId xmlns="" xmlns:a16="http://schemas.microsoft.com/office/drawing/2014/main" id="{DF598DAF-F4C5-48E6-A531-AF714874D3C4}"/>
               </a:ext>
             </a:extLst>
           </p:cNvPr>
@@ -5331,7 +5598,7 @@
           <p:cNvPr id="3" name="副標題 2">
             <a:extLst>
               <a:ext uri="{FF2B5EF4-FFF2-40B4-BE49-F238E27FC236}">
-                <a16:creationId xmlns:a16="http://schemas.microsoft.com/office/drawing/2014/main" xmlns="" id="{E40368D7-E9F7-43C4-9CE7-4265C419151C}"/>
+                <a16:creationId xmlns="" xmlns:a16="http://schemas.microsoft.com/office/drawing/2014/main" id="{E40368D7-E9F7-43C4-9CE7-4265C419151C}"/>
               </a:ext>
             </a:extLst>
           </p:cNvPr>
@@ -5399,7 +5666,7 @@
           <p:cNvPr id="2" name="標題 1">
             <a:extLst>
               <a:ext uri="{FF2B5EF4-FFF2-40B4-BE49-F238E27FC236}">
-                <a16:creationId xmlns:a16="http://schemas.microsoft.com/office/drawing/2014/main" xmlns="" id="{7533F336-40A6-45C8-9A62-B4E78BC5E568}"/>
+                <a16:creationId xmlns="" xmlns:a16="http://schemas.microsoft.com/office/drawing/2014/main" id="{7533F336-40A6-45C8-9A62-B4E78BC5E568}"/>
               </a:ext>
             </a:extLst>
           </p:cNvPr>
@@ -5716,7 +5983,7 @@
           <p:cNvPr id="2" name="標題 1">
             <a:extLst>
               <a:ext uri="{FF2B5EF4-FFF2-40B4-BE49-F238E27FC236}">
-                <a16:creationId xmlns:a16="http://schemas.microsoft.com/office/drawing/2014/main" xmlns="" id="{98A04798-5168-4875-A411-80CD40D53BBD}"/>
+                <a16:creationId xmlns="" xmlns:a16="http://schemas.microsoft.com/office/drawing/2014/main" id="{98A04798-5168-4875-A411-80CD40D53BBD}"/>
               </a:ext>
             </a:extLst>
           </p:cNvPr>
@@ -5897,7 +6164,7 @@
           <p:cNvPr id="2" name="標題 1">
             <a:extLst>
               <a:ext uri="{FF2B5EF4-FFF2-40B4-BE49-F238E27FC236}">
-                <a16:creationId xmlns:a16="http://schemas.microsoft.com/office/drawing/2014/main" xmlns="" id="{98A04798-5168-4875-A411-80CD40D53BBD}"/>
+                <a16:creationId xmlns="" xmlns:a16="http://schemas.microsoft.com/office/drawing/2014/main" id="{98A04798-5168-4875-A411-80CD40D53BBD}"/>
               </a:ext>
             </a:extLst>
           </p:cNvPr>
@@ -6093,7 +6360,7 @@
           <p:cNvPr id="2" name="標題 1">
             <a:extLst>
               <a:ext uri="{FF2B5EF4-FFF2-40B4-BE49-F238E27FC236}">
-                <a16:creationId xmlns:a16="http://schemas.microsoft.com/office/drawing/2014/main" xmlns="" id="{98A04798-5168-4875-A411-80CD40D53BBD}"/>
+                <a16:creationId xmlns="" xmlns:a16="http://schemas.microsoft.com/office/drawing/2014/main" id="{98A04798-5168-4875-A411-80CD40D53BBD}"/>
               </a:ext>
             </a:extLst>
           </p:cNvPr>
@@ -6257,7 +6524,7 @@
           <p:cNvPr id="2" name="標題 1">
             <a:extLst>
               <a:ext uri="{FF2B5EF4-FFF2-40B4-BE49-F238E27FC236}">
-                <a16:creationId xmlns:a16="http://schemas.microsoft.com/office/drawing/2014/main" xmlns="" id="{98A04798-5168-4875-A411-80CD40D53BBD}"/>
+                <a16:creationId xmlns="" xmlns:a16="http://schemas.microsoft.com/office/drawing/2014/main" id="{98A04798-5168-4875-A411-80CD40D53BBD}"/>
               </a:ext>
             </a:extLst>
           </p:cNvPr>
@@ -6293,7 +6560,7 @@
           <p:cNvPr id="4" name="文字方塊 3">
             <a:extLst>
               <a:ext uri="{FF2B5EF4-FFF2-40B4-BE49-F238E27FC236}">
-                <a16:creationId xmlns:a16="http://schemas.microsoft.com/office/drawing/2014/main" xmlns="" id="{DFFB075D-A965-4F15-94E7-E7631D15AC12}"/>
+                <a16:creationId xmlns="" xmlns:a16="http://schemas.microsoft.com/office/drawing/2014/main" id="{DFFB075D-A965-4F15-94E7-E7631D15AC12}"/>
               </a:ext>
             </a:extLst>
           </p:cNvPr>
@@ -6443,7 +6710,7 @@
           <p:cNvPr id="2" name="標題 1">
             <a:extLst>
               <a:ext uri="{FF2B5EF4-FFF2-40B4-BE49-F238E27FC236}">
-                <a16:creationId xmlns:a16="http://schemas.microsoft.com/office/drawing/2014/main" xmlns="" id="{98A04798-5168-4875-A411-80CD40D53BBD}"/>
+                <a16:creationId xmlns="" xmlns:a16="http://schemas.microsoft.com/office/drawing/2014/main" id="{98A04798-5168-4875-A411-80CD40D53BBD}"/>
               </a:ext>
             </a:extLst>
           </p:cNvPr>
@@ -6479,7 +6746,7 @@
           <p:cNvPr id="5" name="圖片 4">
             <a:extLst>
               <a:ext uri="{FF2B5EF4-FFF2-40B4-BE49-F238E27FC236}">
-                <a16:creationId xmlns:a16="http://schemas.microsoft.com/office/drawing/2014/main" xmlns="" id="{3C59C9EE-012C-4A70-A73A-3C6668F739A2}"/>
+                <a16:creationId xmlns="" xmlns:a16="http://schemas.microsoft.com/office/drawing/2014/main" id="{3C59C9EE-012C-4A70-A73A-3C6668F739A2}"/>
               </a:ext>
             </a:extLst>
           </p:cNvPr>
@@ -6539,7 +6806,7 @@
           <p:cNvPr id="2" name="標題 1">
             <a:extLst>
               <a:ext uri="{FF2B5EF4-FFF2-40B4-BE49-F238E27FC236}">
-                <a16:creationId xmlns:a16="http://schemas.microsoft.com/office/drawing/2014/main" xmlns="" id="{98A04798-5168-4875-A411-80CD40D53BBD}"/>
+                <a16:creationId xmlns="" xmlns:a16="http://schemas.microsoft.com/office/drawing/2014/main" id="{98A04798-5168-4875-A411-80CD40D53BBD}"/>
               </a:ext>
             </a:extLst>
           </p:cNvPr>
@@ -6563,8 +6830,16 @@
           <a:lstStyle/>
           <a:p>
             <a:r>
-              <a:rPr lang="en-US" altLang="zh-TW" dirty="0"/>
-              <a:t>CLIP ranking</a:t>
+              <a:rPr lang="en-US" altLang="zh-TW" dirty="0" smtClean="0"/>
+              <a:t>Latent</a:t>
+            </a:r>
+            <a:r>
+              <a:rPr lang="zh-TW" altLang="en-US" dirty="0" smtClean="0"/>
+              <a:t> </a:t>
+            </a:r>
+            <a:r>
+              <a:rPr lang="en-US" altLang="zh-TW" dirty="0" smtClean="0"/>
+              <a:t>Interpolation</a:t>
             </a:r>
             <a:endParaRPr lang="zh-TW" dirty="0"/>
           </a:p>
@@ -6575,7 +6850,7 @@
           <p:cNvPr id="4" name="文字方塊 3">
             <a:extLst>
               <a:ext uri="{FF2B5EF4-FFF2-40B4-BE49-F238E27FC236}">
-                <a16:creationId xmlns:a16="http://schemas.microsoft.com/office/drawing/2014/main" xmlns="" id="{5F7A7288-CE53-41BC-92A9-601BAE1B50E8}"/>
+                <a16:creationId xmlns="" xmlns:a16="http://schemas.microsoft.com/office/drawing/2014/main" id="{5F7A7288-CE53-41BC-92A9-601BAE1B50E8}"/>
               </a:ext>
             </a:extLst>
           </p:cNvPr>
@@ -6585,7 +6860,7 @@
         <p:spPr>
           <a:xfrm>
             <a:off x="333316" y="1262210"/>
-            <a:ext cx="10317192" cy="4154984"/>
+            <a:ext cx="10317192" cy="2677656"/>
           </a:xfrm>
           <a:prstGeom prst="rect">
             <a:avLst/>
@@ -6603,7 +6878,11 @@
             </a:pPr>
             <a:r>
               <a:rPr lang="en-US" altLang="zh-TW" sz="2400" dirty="0"/>
-              <a:t>Candidate Generation: Multiple candidates are generated by repeating each forward diffusion step using different noise vectors</a:t>
+              <a:t>Interpolate </a:t>
+            </a:r>
+            <a:r>
+              <a:rPr lang="en-US" altLang="zh-TW" sz="2400" dirty="0" smtClean="0"/>
+              <a:t>only</a:t>
             </a:r>
           </a:p>
           <a:p>
@@ -6617,9 +6896,14 @@
               <a:buAutoNum type="arabicPeriod"/>
             </a:pPr>
             <a:r>
-              <a:rPr lang="en-US" altLang="zh-TW" sz="2400" dirty="0"/>
-              <a:t>Denoising: Each interpolated latent vector is denoised</a:t>
-            </a:r>
+              <a:rPr lang="en-US" altLang="zh-TW" sz="2400" dirty="0" smtClean="0"/>
+              <a:t>Interpolate-</a:t>
+            </a:r>
+            <a:r>
+              <a:rPr lang="en-US" altLang="zh-TW" sz="2400" dirty="0" err="1" smtClean="0"/>
+              <a:t>denoise</a:t>
+            </a:r>
+            <a:endParaRPr lang="en-US" altLang="zh-TW" sz="2400" dirty="0" smtClean="0"/>
           </a:p>
           <a:p>
             <a:pPr marL="342900" indent="-342900">
@@ -6632,24 +6916,24 @@
               <a:buAutoNum type="arabicPeriod"/>
             </a:pPr>
             <a:r>
-              <a:rPr lang="en-US" altLang="zh-TW" sz="2400" dirty="0"/>
-              <a:t>Similarity Measurement: The CLIP similarity of the decoded image is measured against specified positive and negative prompts</a:t>
-            </a:r>
+              <a:rPr lang="en-US" altLang="zh-TW" sz="2400" dirty="0" err="1" smtClean="0"/>
+              <a:t>Denoise</a:t>
+            </a:r>
+            <a:r>
+              <a:rPr lang="en-US" altLang="zh-TW" sz="2400" dirty="0" smtClean="0"/>
+              <a:t>-interpolate-</a:t>
+            </a:r>
+            <a:r>
+              <a:rPr lang="en-US" altLang="zh-TW" sz="2400" dirty="0" err="1" smtClean="0"/>
+              <a:t>denoise</a:t>
+            </a:r>
+            <a:endParaRPr lang="en-US" altLang="zh-TW" sz="2400" dirty="0" smtClean="0"/>
           </a:p>
           <a:p>
             <a:pPr marL="342900" indent="-342900">
               <a:buAutoNum type="arabicPeriod"/>
             </a:pPr>
             <a:endParaRPr lang="en-US" altLang="zh-TW" sz="2400" dirty="0"/>
-          </a:p>
-          <a:p>
-            <a:pPr marL="342900" indent="-342900">
-              <a:buAutoNum type="arabicPeriod"/>
-            </a:pPr>
-            <a:r>
-              <a:rPr lang="en-US" altLang="zh-TW" sz="2400" dirty="0"/>
-              <a:t>Selection: The image with the highest value of positive similarity minus negative similarity is retained</a:t>
-            </a:r>
           </a:p>
           <a:p>
             <a:pPr marL="342900" indent="-342900">
@@ -6694,7 +6978,7 @@
           <p:cNvPr id="2" name="標題 1">
             <a:extLst>
               <a:ext uri="{FF2B5EF4-FFF2-40B4-BE49-F238E27FC236}">
-                <a16:creationId xmlns:a16="http://schemas.microsoft.com/office/drawing/2014/main" xmlns="" id="{98A04798-5168-4875-A411-80CD40D53BBD}"/>
+                <a16:creationId xmlns="" xmlns:a16="http://schemas.microsoft.com/office/drawing/2014/main" id="{98A04798-5168-4875-A411-80CD40D53BBD}"/>
               </a:ext>
             </a:extLst>
           </p:cNvPr>
@@ -6718,46 +7002,37 @@
           <a:lstStyle/>
           <a:p>
             <a:r>
-              <a:rPr lang="en-US" altLang="zh-TW" dirty="0"/>
-              <a:t>Diffusion for Interpolating Images</a:t>
+              <a:rPr lang="en-US" altLang="zh-TW" dirty="0" smtClean="0"/>
+              <a:t>Latent</a:t>
+            </a:r>
+            <a:r>
+              <a:rPr lang="zh-TW" altLang="en-US" dirty="0" smtClean="0"/>
+              <a:t> </a:t>
+            </a:r>
+            <a:r>
+              <a:rPr lang="en-US" altLang="zh-TW" dirty="0" smtClean="0"/>
+              <a:t>Interpolation</a:t>
             </a:r>
             <a:endParaRPr lang="zh-TW" dirty="0"/>
           </a:p>
         </p:txBody>
       </p:sp>
-      <p:pic>
-        <p:nvPicPr>
-          <p:cNvPr id="4" name="圖片 3"/>
-          <p:cNvPicPr>
-            <a:picLocks noChangeAspect="1"/>
-          </p:cNvPicPr>
+      <p:sp>
+        <p:nvSpPr>
+          <p:cNvPr id="4" name="文字方塊 3">
+            <a:extLst>
+              <a:ext uri="{FF2B5EF4-FFF2-40B4-BE49-F238E27FC236}">
+                <a16:creationId xmlns="" xmlns:a16="http://schemas.microsoft.com/office/drawing/2014/main" id="{5F7A7288-CE53-41BC-92A9-601BAE1B50E8}"/>
+              </a:ext>
+            </a:extLst>
+          </p:cNvPr>
+          <p:cNvSpPr txBox="1"/>
           <p:nvPr/>
-        </p:nvPicPr>
-        <p:blipFill rotWithShape="1">
-          <a:blip r:embed="rId3"/>
-          <a:srcRect l="24153" t="24946" r="12064" b="12763"/>
-          <a:stretch/>
-        </p:blipFill>
+        </p:nvSpPr>
         <p:spPr>
           <a:xfrm>
-            <a:off x="2144486" y="1975099"/>
-            <a:ext cx="7903029" cy="4341396"/>
-          </a:xfrm>
-          <a:prstGeom prst="rect">
-            <a:avLst/>
-          </a:prstGeom>
-        </p:spPr>
-      </p:pic>
-      <p:sp>
-        <p:nvSpPr>
-          <p:cNvPr id="8" name="文字方塊 7"/>
-          <p:cNvSpPr txBox="1"/>
-          <p:nvPr/>
-        </p:nvSpPr>
-        <p:spPr>
-          <a:xfrm>
-            <a:off x="474453" y="1605767"/>
-            <a:ext cx="10317192" cy="369332"/>
+            <a:off x="333316" y="1262210"/>
+            <a:ext cx="10317192" cy="4339650"/>
           </a:xfrm>
           <a:prstGeom prst="rect">
             <a:avLst/>
@@ -6771,17 +7046,482 @@
           <a:lstStyle/>
           <a:p>
             <a:r>
-              <a:rPr lang="en-US" altLang="zh-TW"/>
-              <a:t>result</a:t>
-            </a:r>
-            <a:endParaRPr lang="zh-TW" altLang="en-US" dirty="0"/>
+              <a:rPr lang="en-US" altLang="zh-TW" sz="2400" dirty="0"/>
+              <a:t>Interpolate </a:t>
+            </a:r>
+            <a:r>
+              <a:rPr lang="en-US" altLang="zh-TW" sz="2400" dirty="0" smtClean="0"/>
+              <a:t>only</a:t>
+            </a:r>
+          </a:p>
+          <a:p>
+            <a:endParaRPr lang="en-US" altLang="zh-TW" sz="2400" dirty="0" smtClean="0"/>
+          </a:p>
+          <a:p>
+            <a:pPr marL="457200" indent="-457200">
+              <a:buAutoNum type="arabicPeriod"/>
+            </a:pPr>
+            <a:r>
+              <a:rPr lang="en-US" altLang="zh-TW" sz="2400" dirty="0" smtClean="0"/>
+              <a:t>No diffusion</a:t>
+            </a:r>
+          </a:p>
+          <a:p>
+            <a:pPr marL="457200" indent="-457200">
+              <a:buAutoNum type="arabicPeriod"/>
+            </a:pPr>
+            <a:endParaRPr lang="en-US" altLang="zh-TW" sz="2400" dirty="0"/>
+          </a:p>
+          <a:p>
+            <a:pPr marL="457200" indent="-457200">
+              <a:buAutoNum type="arabicPeriod"/>
+            </a:pPr>
+            <a:r>
+              <a:rPr lang="en-US" altLang="zh-TW" sz="2400" dirty="0" smtClean="0"/>
+              <a:t>Use spherical </a:t>
+            </a:r>
+            <a:r>
+              <a:rPr lang="en-US" altLang="zh-TW" sz="2400" dirty="0"/>
+              <a:t>linear interpolation (</a:t>
+            </a:r>
+            <a:r>
+              <a:rPr lang="en-US" altLang="zh-TW" sz="2400" dirty="0" err="1"/>
+              <a:t>slerp</a:t>
+            </a:r>
+            <a:r>
+              <a:rPr lang="en-US" altLang="zh-TW" sz="2400" dirty="0"/>
+              <a:t>) on </a:t>
+            </a:r>
+            <a:r>
+              <a:rPr lang="en-US" altLang="zh-TW" sz="2400" dirty="0" smtClean="0"/>
+              <a:t>clean </a:t>
+            </a:r>
+            <a:r>
+              <a:rPr lang="en-US" altLang="zh-TW" sz="2400" dirty="0"/>
+              <a:t>latent </a:t>
+            </a:r>
+            <a:r>
+              <a:rPr lang="en-US" altLang="zh-TW" sz="2400" dirty="0" smtClean="0"/>
+              <a:t>codes</a:t>
+            </a:r>
+          </a:p>
+          <a:p>
+            <a:pPr marL="457200" indent="-457200">
+              <a:buAutoNum type="arabicPeriod"/>
+            </a:pPr>
+            <a:endParaRPr lang="en-US" altLang="zh-TW" sz="2400" dirty="0"/>
+          </a:p>
+          <a:p>
+            <a:pPr marL="457200" indent="-457200">
+              <a:buAutoNum type="arabicPeriod"/>
+            </a:pPr>
+            <a:r>
+              <a:rPr lang="en-US" altLang="zh-TW" sz="3600" dirty="0" smtClean="0">
+                <a:solidFill>
+                  <a:srgbClr val="FF0000"/>
+                </a:solidFill>
+              </a:rPr>
+              <a:t>FAIL!!</a:t>
+            </a:r>
+          </a:p>
+          <a:p>
+            <a:pPr marL="342900" indent="-342900">
+              <a:buAutoNum type="arabicPeriod"/>
+            </a:pPr>
+            <a:endParaRPr lang="en-US" altLang="zh-TW" sz="2400" dirty="0"/>
+          </a:p>
+          <a:p>
+            <a:pPr marL="342900" indent="-342900">
+              <a:buAutoNum type="arabicPeriod"/>
+            </a:pPr>
+            <a:endParaRPr lang="en-US" altLang="zh-TW" sz="2400" dirty="0"/>
+          </a:p>
+          <a:p>
+            <a:pPr marL="342900" indent="-342900">
+              <a:buAutoNum type="arabicPeriod"/>
+            </a:pPr>
+            <a:endParaRPr lang="en-US" altLang="zh-TW" sz="2400" dirty="0"/>
+          </a:p>
+          <a:p>
+            <a:pPr marL="342900" indent="-342900">
+              <a:buAutoNum type="arabicPeriod"/>
+            </a:pPr>
+            <a:endParaRPr lang="zh-TW" altLang="en-US" sz="2400" dirty="0"/>
           </a:p>
         </p:txBody>
       </p:sp>
     </p:spTree>
     <p:extLst>
       <p:ext uri="{BB962C8B-B14F-4D97-AF65-F5344CB8AC3E}">
-        <p14:creationId xmlns:p14="http://schemas.microsoft.com/office/powerpoint/2010/main" val="3449823456"/>
+        <p14:creationId xmlns:p14="http://schemas.microsoft.com/office/powerpoint/2010/main" val="3864403312"/>
+      </p:ext>
+    </p:extLst>
+  </p:cSld>
+  <p:clrMapOvr>
+    <a:masterClrMapping/>
+  </p:clrMapOvr>
+</p:sld>
+</file>
+
+<file path=ppt/slides/slide18.xml><?xml version="1.0" encoding="utf-8"?>
+<p:sld xmlns:a="http://schemas.openxmlformats.org/drawingml/2006/main" xmlns:r="http://schemas.openxmlformats.org/officeDocument/2006/relationships" xmlns:p="http://schemas.openxmlformats.org/presentationml/2006/main">
+  <p:cSld>
+    <p:spTree>
+      <p:nvGrpSpPr>
+        <p:cNvPr id="1" name=""/>
+        <p:cNvGrpSpPr/>
+        <p:nvPr/>
+      </p:nvGrpSpPr>
+      <p:grpSpPr>
+        <a:xfrm>
+          <a:off x="0" y="0"/>
+          <a:ext cx="0" cy="0"/>
+          <a:chOff x="0" y="0"/>
+          <a:chExt cx="0" cy="0"/>
+        </a:xfrm>
+      </p:grpSpPr>
+      <p:sp>
+        <p:nvSpPr>
+          <p:cNvPr id="2" name="標題 1">
+            <a:extLst>
+              <a:ext uri="{FF2B5EF4-FFF2-40B4-BE49-F238E27FC236}">
+                <a16:creationId xmlns="" xmlns:a16="http://schemas.microsoft.com/office/drawing/2014/main" id="{98A04798-5168-4875-A411-80CD40D53BBD}"/>
+              </a:ext>
+            </a:extLst>
+          </p:cNvPr>
+          <p:cNvSpPr>
+            <a:spLocks noGrp="1"/>
+          </p:cNvSpPr>
+          <p:nvPr>
+            <p:ph type="title"/>
+          </p:nvPr>
+        </p:nvSpPr>
+        <p:spPr>
+          <a:xfrm>
+            <a:off x="333316" y="544152"/>
+            <a:ext cx="6566757" cy="718058"/>
+          </a:xfrm>
+        </p:spPr>
+        <p:txBody>
+          <a:bodyPr>
+            <a:noAutofit/>
+          </a:bodyPr>
+          <a:lstStyle/>
+          <a:p>
+            <a:r>
+              <a:rPr lang="en-US" altLang="zh-TW" dirty="0" smtClean="0"/>
+              <a:t>Latent</a:t>
+            </a:r>
+            <a:r>
+              <a:rPr lang="zh-TW" altLang="en-US" dirty="0" smtClean="0"/>
+              <a:t> </a:t>
+            </a:r>
+            <a:r>
+              <a:rPr lang="en-US" altLang="zh-TW" dirty="0" smtClean="0"/>
+              <a:t>Interpolation</a:t>
+            </a:r>
+            <a:endParaRPr lang="zh-TW" dirty="0"/>
+          </a:p>
+        </p:txBody>
+      </p:sp>
+      <p:sp>
+        <p:nvSpPr>
+          <p:cNvPr id="4" name="文字方塊 3">
+            <a:extLst>
+              <a:ext uri="{FF2B5EF4-FFF2-40B4-BE49-F238E27FC236}">
+                <a16:creationId xmlns="" xmlns:a16="http://schemas.microsoft.com/office/drawing/2014/main" id="{5F7A7288-CE53-41BC-92A9-601BAE1B50E8}"/>
+              </a:ext>
+            </a:extLst>
+          </p:cNvPr>
+          <p:cNvSpPr txBox="1"/>
+          <p:nvPr/>
+        </p:nvSpPr>
+        <p:spPr>
+          <a:xfrm>
+            <a:off x="333316" y="1262210"/>
+            <a:ext cx="10317192" cy="4339650"/>
+          </a:xfrm>
+          <a:prstGeom prst="rect">
+            <a:avLst/>
+          </a:prstGeom>
+          <a:noFill/>
+        </p:spPr>
+        <p:txBody>
+          <a:bodyPr wrap="square" rtlCol="0">
+            <a:spAutoFit/>
+          </a:bodyPr>
+          <a:lstStyle/>
+          <a:p>
+            <a:r>
+              <a:rPr lang="en-US" altLang="zh-TW" sz="2400" dirty="0"/>
+              <a:t>Interpolate-</a:t>
+            </a:r>
+            <a:r>
+              <a:rPr lang="en-US" altLang="zh-TW" sz="2400" dirty="0" err="1"/>
+              <a:t>denoise</a:t>
+            </a:r>
+            <a:endParaRPr lang="en-US" altLang="zh-TW" sz="2400" dirty="0" smtClean="0"/>
+          </a:p>
+          <a:p>
+            <a:endParaRPr lang="en-US" altLang="zh-TW" sz="2400" dirty="0" smtClean="0"/>
+          </a:p>
+          <a:p>
+            <a:pPr marL="457200" indent="-457200">
+              <a:buAutoNum type="arabicPeriod"/>
+            </a:pPr>
+            <a:r>
+              <a:rPr lang="en-US" altLang="zh-TW" sz="2400" smtClean="0"/>
+              <a:t>create </a:t>
+            </a:r>
+            <a:r>
+              <a:rPr lang="en-US" altLang="zh-TW" sz="2400"/>
+              <a:t>noisy latent sequences</a:t>
+            </a:r>
+            <a:endParaRPr lang="en-US" altLang="zh-TW" sz="2400" dirty="0" smtClean="0"/>
+          </a:p>
+          <a:p>
+            <a:pPr marL="457200" indent="-457200">
+              <a:buAutoNum type="arabicPeriod"/>
+            </a:pPr>
+            <a:endParaRPr lang="en-US" altLang="zh-TW" sz="2400" dirty="0"/>
+          </a:p>
+          <a:p>
+            <a:pPr marL="457200" indent="-457200">
+              <a:buAutoNum type="arabicPeriod"/>
+            </a:pPr>
+            <a:r>
+              <a:rPr lang="en-US" altLang="zh-TW" sz="2400" dirty="0" smtClean="0"/>
+              <a:t>Use spherical </a:t>
+            </a:r>
+            <a:r>
+              <a:rPr lang="en-US" altLang="zh-TW" sz="2400" dirty="0"/>
+              <a:t>linear interpolation (</a:t>
+            </a:r>
+            <a:r>
+              <a:rPr lang="en-US" altLang="zh-TW" sz="2400" dirty="0" err="1"/>
+              <a:t>slerp</a:t>
+            </a:r>
+            <a:r>
+              <a:rPr lang="en-US" altLang="zh-TW" sz="2400" dirty="0"/>
+              <a:t>) on </a:t>
+            </a:r>
+            <a:r>
+              <a:rPr lang="en-US" altLang="zh-TW" sz="2400" dirty="0" smtClean="0"/>
+              <a:t>clean </a:t>
+            </a:r>
+            <a:r>
+              <a:rPr lang="en-US" altLang="zh-TW" sz="2400" dirty="0"/>
+              <a:t>latent </a:t>
+            </a:r>
+            <a:r>
+              <a:rPr lang="en-US" altLang="zh-TW" sz="2400" dirty="0" smtClean="0"/>
+              <a:t>codes</a:t>
+            </a:r>
+          </a:p>
+          <a:p>
+            <a:pPr marL="457200" indent="-457200">
+              <a:buAutoNum type="arabicPeriod"/>
+            </a:pPr>
+            <a:endParaRPr lang="en-US" altLang="zh-TW" sz="2400" dirty="0"/>
+          </a:p>
+          <a:p>
+            <a:pPr marL="457200" indent="-457200">
+              <a:buAutoNum type="arabicPeriod"/>
+            </a:pPr>
+            <a:r>
+              <a:rPr lang="en-US" altLang="zh-TW" sz="3600" dirty="0" smtClean="0">
+                <a:solidFill>
+                  <a:srgbClr val="FF0000"/>
+                </a:solidFill>
+              </a:rPr>
+              <a:t>FAIL!!</a:t>
+            </a:r>
+          </a:p>
+          <a:p>
+            <a:pPr marL="342900" indent="-342900">
+              <a:buAutoNum type="arabicPeriod"/>
+            </a:pPr>
+            <a:endParaRPr lang="en-US" altLang="zh-TW" sz="2400" dirty="0"/>
+          </a:p>
+          <a:p>
+            <a:pPr marL="342900" indent="-342900">
+              <a:buAutoNum type="arabicPeriod"/>
+            </a:pPr>
+            <a:endParaRPr lang="en-US" altLang="zh-TW" sz="2400" dirty="0"/>
+          </a:p>
+          <a:p>
+            <a:pPr marL="342900" indent="-342900">
+              <a:buAutoNum type="arabicPeriod"/>
+            </a:pPr>
+            <a:endParaRPr lang="en-US" altLang="zh-TW" sz="2400" dirty="0"/>
+          </a:p>
+          <a:p>
+            <a:pPr marL="342900" indent="-342900">
+              <a:buAutoNum type="arabicPeriod"/>
+            </a:pPr>
+            <a:endParaRPr lang="zh-TW" altLang="en-US" sz="2400" dirty="0"/>
+          </a:p>
+        </p:txBody>
+      </p:sp>
+    </p:spTree>
+    <p:extLst>
+      <p:ext uri="{BB962C8B-B14F-4D97-AF65-F5344CB8AC3E}">
+        <p14:creationId xmlns:p14="http://schemas.microsoft.com/office/powerpoint/2010/main" val="2852044114"/>
+      </p:ext>
+    </p:extLst>
+  </p:cSld>
+  <p:clrMapOvr>
+    <a:masterClrMapping/>
+  </p:clrMapOvr>
+</p:sld>
+</file>
+
+<file path=ppt/slides/slide19.xml><?xml version="1.0" encoding="utf-8"?>
+<p:sld xmlns:a="http://schemas.openxmlformats.org/drawingml/2006/main" xmlns:r="http://schemas.openxmlformats.org/officeDocument/2006/relationships" xmlns:p="http://schemas.openxmlformats.org/presentationml/2006/main">
+  <p:cSld>
+    <p:spTree>
+      <p:nvGrpSpPr>
+        <p:cNvPr id="1" name=""/>
+        <p:cNvGrpSpPr/>
+        <p:nvPr/>
+      </p:nvGrpSpPr>
+      <p:grpSpPr>
+        <a:xfrm>
+          <a:off x="0" y="0"/>
+          <a:ext cx="0" cy="0"/>
+          <a:chOff x="0" y="0"/>
+          <a:chExt cx="0" cy="0"/>
+        </a:xfrm>
+      </p:grpSpPr>
+      <p:sp>
+        <p:nvSpPr>
+          <p:cNvPr id="2" name="標題 1">
+            <a:extLst>
+              <a:ext uri="{FF2B5EF4-FFF2-40B4-BE49-F238E27FC236}">
+                <a16:creationId xmlns="" xmlns:a16="http://schemas.microsoft.com/office/drawing/2014/main" id="{98A04798-5168-4875-A411-80CD40D53BBD}"/>
+              </a:ext>
+            </a:extLst>
+          </p:cNvPr>
+          <p:cNvSpPr>
+            <a:spLocks noGrp="1"/>
+          </p:cNvSpPr>
+          <p:nvPr>
+            <p:ph type="title"/>
+          </p:nvPr>
+        </p:nvSpPr>
+        <p:spPr>
+          <a:xfrm>
+            <a:off x="333316" y="544152"/>
+            <a:ext cx="6566757" cy="718058"/>
+          </a:xfrm>
+        </p:spPr>
+        <p:txBody>
+          <a:bodyPr>
+            <a:noAutofit/>
+          </a:bodyPr>
+          <a:lstStyle/>
+          <a:p>
+            <a:r>
+              <a:rPr lang="en-US" altLang="zh-TW" dirty="0"/>
+              <a:t>CLIP ranking</a:t>
+            </a:r>
+            <a:endParaRPr lang="zh-TW" dirty="0"/>
+          </a:p>
+        </p:txBody>
+      </p:sp>
+      <p:sp>
+        <p:nvSpPr>
+          <p:cNvPr id="4" name="文字方塊 3">
+            <a:extLst>
+              <a:ext uri="{FF2B5EF4-FFF2-40B4-BE49-F238E27FC236}">
+                <a16:creationId xmlns="" xmlns:a16="http://schemas.microsoft.com/office/drawing/2014/main" id="{5F7A7288-CE53-41BC-92A9-601BAE1B50E8}"/>
+              </a:ext>
+            </a:extLst>
+          </p:cNvPr>
+          <p:cNvSpPr txBox="1"/>
+          <p:nvPr/>
+        </p:nvSpPr>
+        <p:spPr>
+          <a:xfrm>
+            <a:off x="333316" y="1262210"/>
+            <a:ext cx="10317192" cy="4154984"/>
+          </a:xfrm>
+          <a:prstGeom prst="rect">
+            <a:avLst/>
+          </a:prstGeom>
+          <a:noFill/>
+        </p:spPr>
+        <p:txBody>
+          <a:bodyPr wrap="square" rtlCol="0">
+            <a:spAutoFit/>
+          </a:bodyPr>
+          <a:lstStyle/>
+          <a:p>
+            <a:pPr marL="342900" indent="-342900">
+              <a:buAutoNum type="arabicPeriod"/>
+            </a:pPr>
+            <a:r>
+              <a:rPr lang="en-US" altLang="zh-TW" sz="2400" dirty="0"/>
+              <a:t>Candidate Generation: Multiple candidates are generated by repeating each forward diffusion step using different noise vectors</a:t>
+            </a:r>
+          </a:p>
+          <a:p>
+            <a:pPr marL="342900" indent="-342900">
+              <a:buAutoNum type="arabicPeriod"/>
+            </a:pPr>
+            <a:endParaRPr lang="en-US" altLang="zh-TW" sz="2400" dirty="0"/>
+          </a:p>
+          <a:p>
+            <a:pPr marL="342900" indent="-342900">
+              <a:buAutoNum type="arabicPeriod"/>
+            </a:pPr>
+            <a:r>
+              <a:rPr lang="en-US" altLang="zh-TW" sz="2400" dirty="0"/>
+              <a:t>Denoising: Each interpolated latent vector is denoised</a:t>
+            </a:r>
+          </a:p>
+          <a:p>
+            <a:pPr marL="342900" indent="-342900">
+              <a:buAutoNum type="arabicPeriod"/>
+            </a:pPr>
+            <a:endParaRPr lang="en-US" altLang="zh-TW" sz="2400" dirty="0"/>
+          </a:p>
+          <a:p>
+            <a:pPr marL="342900" indent="-342900">
+              <a:buAutoNum type="arabicPeriod"/>
+            </a:pPr>
+            <a:r>
+              <a:rPr lang="en-US" altLang="zh-TW" sz="2400" dirty="0"/>
+              <a:t>Similarity Measurement: The CLIP similarity of the decoded image is measured against specified positive and negative prompts</a:t>
+            </a:r>
+          </a:p>
+          <a:p>
+            <a:pPr marL="342900" indent="-342900">
+              <a:buAutoNum type="arabicPeriod"/>
+            </a:pPr>
+            <a:endParaRPr lang="en-US" altLang="zh-TW" sz="2400" dirty="0"/>
+          </a:p>
+          <a:p>
+            <a:pPr marL="342900" indent="-342900">
+              <a:buAutoNum type="arabicPeriod"/>
+            </a:pPr>
+            <a:r>
+              <a:rPr lang="en-US" altLang="zh-TW" sz="2400" dirty="0"/>
+              <a:t>Selection: The image with the highest value of positive similarity minus negative similarity is retained</a:t>
+            </a:r>
+          </a:p>
+          <a:p>
+            <a:pPr marL="342900" indent="-342900">
+              <a:buAutoNum type="arabicPeriod"/>
+            </a:pPr>
+            <a:endParaRPr lang="zh-TW" altLang="en-US" sz="2400" dirty="0"/>
+          </a:p>
+        </p:txBody>
+      </p:sp>
+    </p:spTree>
+    <p:extLst>
+      <p:ext uri="{BB962C8B-B14F-4D97-AF65-F5344CB8AC3E}">
+        <p14:creationId xmlns:p14="http://schemas.microsoft.com/office/powerpoint/2010/main" val="3138111132"/>
       </p:ext>
     </p:extLst>
   </p:cSld>
@@ -6813,7 +7553,7 @@
           <p:cNvPr id="2" name="標題 1">
             <a:extLst>
               <a:ext uri="{FF2B5EF4-FFF2-40B4-BE49-F238E27FC236}">
-                <a16:creationId xmlns:a16="http://schemas.microsoft.com/office/drawing/2014/main" xmlns="" id="{7533F336-40A6-45C8-9A62-B4E78BC5E568}"/>
+                <a16:creationId xmlns="" xmlns:a16="http://schemas.microsoft.com/office/drawing/2014/main" id="{7533F336-40A6-45C8-9A62-B4E78BC5E568}"/>
               </a:ext>
             </a:extLst>
           </p:cNvPr>
@@ -7078,6 +7818,125 @@
 </p:sld>
 </file>
 
+<file path=ppt/slides/slide20.xml><?xml version="1.0" encoding="utf-8"?>
+<p:sld xmlns:a="http://schemas.openxmlformats.org/drawingml/2006/main" xmlns:r="http://schemas.openxmlformats.org/officeDocument/2006/relationships" xmlns:p="http://schemas.openxmlformats.org/presentationml/2006/main">
+  <p:cSld>
+    <p:spTree>
+      <p:nvGrpSpPr>
+        <p:cNvPr id="1" name=""/>
+        <p:cNvGrpSpPr/>
+        <p:nvPr/>
+      </p:nvGrpSpPr>
+      <p:grpSpPr>
+        <a:xfrm>
+          <a:off x="0" y="0"/>
+          <a:ext cx="0" cy="0"/>
+          <a:chOff x="0" y="0"/>
+          <a:chExt cx="0" cy="0"/>
+        </a:xfrm>
+      </p:grpSpPr>
+      <p:sp>
+        <p:nvSpPr>
+          <p:cNvPr id="2" name="標題 1">
+            <a:extLst>
+              <a:ext uri="{FF2B5EF4-FFF2-40B4-BE49-F238E27FC236}">
+                <a16:creationId xmlns="" xmlns:a16="http://schemas.microsoft.com/office/drawing/2014/main" id="{98A04798-5168-4875-A411-80CD40D53BBD}"/>
+              </a:ext>
+            </a:extLst>
+          </p:cNvPr>
+          <p:cNvSpPr>
+            <a:spLocks noGrp="1"/>
+          </p:cNvSpPr>
+          <p:nvPr>
+            <p:ph type="title"/>
+          </p:nvPr>
+        </p:nvSpPr>
+        <p:spPr>
+          <a:xfrm>
+            <a:off x="333316" y="544152"/>
+            <a:ext cx="6566757" cy="718058"/>
+          </a:xfrm>
+        </p:spPr>
+        <p:txBody>
+          <a:bodyPr>
+            <a:noAutofit/>
+          </a:bodyPr>
+          <a:lstStyle/>
+          <a:p>
+            <a:r>
+              <a:rPr lang="en-US" altLang="zh-TW" dirty="0"/>
+              <a:t>Diffusion for Interpolating Images</a:t>
+            </a:r>
+            <a:endParaRPr lang="zh-TW" dirty="0"/>
+          </a:p>
+        </p:txBody>
+      </p:sp>
+      <p:pic>
+        <p:nvPicPr>
+          <p:cNvPr id="4" name="圖片 3"/>
+          <p:cNvPicPr>
+            <a:picLocks noChangeAspect="1"/>
+          </p:cNvPicPr>
+          <p:nvPr/>
+        </p:nvPicPr>
+        <p:blipFill rotWithShape="1">
+          <a:blip r:embed="rId3"/>
+          <a:srcRect l="24153" t="24946" r="12064" b="12763"/>
+          <a:stretch/>
+        </p:blipFill>
+        <p:spPr>
+          <a:xfrm>
+            <a:off x="2144486" y="1975099"/>
+            <a:ext cx="7903029" cy="4341396"/>
+          </a:xfrm>
+          <a:prstGeom prst="rect">
+            <a:avLst/>
+          </a:prstGeom>
+        </p:spPr>
+      </p:pic>
+      <p:sp>
+        <p:nvSpPr>
+          <p:cNvPr id="8" name="文字方塊 7"/>
+          <p:cNvSpPr txBox="1"/>
+          <p:nvPr/>
+        </p:nvSpPr>
+        <p:spPr>
+          <a:xfrm>
+            <a:off x="474453" y="1605767"/>
+            <a:ext cx="10317192" cy="369332"/>
+          </a:xfrm>
+          <a:prstGeom prst="rect">
+            <a:avLst/>
+          </a:prstGeom>
+          <a:noFill/>
+        </p:spPr>
+        <p:txBody>
+          <a:bodyPr wrap="square" rtlCol="0">
+            <a:spAutoFit/>
+          </a:bodyPr>
+          <a:lstStyle/>
+          <a:p>
+            <a:r>
+              <a:rPr lang="en-US" altLang="zh-TW"/>
+              <a:t>result</a:t>
+            </a:r>
+            <a:endParaRPr lang="zh-TW" altLang="en-US" dirty="0"/>
+          </a:p>
+        </p:txBody>
+      </p:sp>
+    </p:spTree>
+    <p:extLst>
+      <p:ext uri="{BB962C8B-B14F-4D97-AF65-F5344CB8AC3E}">
+        <p14:creationId xmlns:p14="http://schemas.microsoft.com/office/powerpoint/2010/main" val="3449823456"/>
+      </p:ext>
+    </p:extLst>
+  </p:cSld>
+  <p:clrMapOvr>
+    <a:masterClrMapping/>
+  </p:clrMapOvr>
+</p:sld>
+</file>
+
 <file path=ppt/slides/slide3.xml><?xml version="1.0" encoding="utf-8"?>
 <p:sld xmlns:a="http://schemas.openxmlformats.org/drawingml/2006/main" xmlns:r="http://schemas.openxmlformats.org/officeDocument/2006/relationships" xmlns:p="http://schemas.openxmlformats.org/presentationml/2006/main">
   <p:cSld>
@@ -7086,7 +7945,7 @@
         <p:cNvPr id="1" name="">
           <a:extLst>
             <a:ext uri="{FF2B5EF4-FFF2-40B4-BE49-F238E27FC236}">
-              <a16:creationId xmlns:a16="http://schemas.microsoft.com/office/drawing/2014/main" xmlns="" id="{7C2C3DE9-E999-EBEC-294B-8606F906EE31}"/>
+              <a16:creationId xmlns="" xmlns:a16="http://schemas.microsoft.com/office/drawing/2014/main" id="{7C2C3DE9-E999-EBEC-294B-8606F906EE31}"/>
             </a:ext>
           </a:extLst>
         </p:cNvPr>
@@ -7106,7 +7965,7 @@
           <p:cNvPr id="4" name="投影片編號版面配置區 3">
             <a:extLst>
               <a:ext uri="{FF2B5EF4-FFF2-40B4-BE49-F238E27FC236}">
-                <a16:creationId xmlns:a16="http://schemas.microsoft.com/office/drawing/2014/main" xmlns="" id="{B6E63114-0F25-F1AF-D0EA-97374BA2EACD}"/>
+                <a16:creationId xmlns="" xmlns:a16="http://schemas.microsoft.com/office/drawing/2014/main" id="{B6E63114-0F25-F1AF-D0EA-97374BA2EACD}"/>
               </a:ext>
             </a:extLst>
           </p:cNvPr>
@@ -7135,7 +7994,7 @@
           <p:cNvPr id="5" name="Google Shape;104;p3">
             <a:extLst>
               <a:ext uri="{FF2B5EF4-FFF2-40B4-BE49-F238E27FC236}">
-                <a16:creationId xmlns:a16="http://schemas.microsoft.com/office/drawing/2014/main" xmlns="" id="{DA31C152-FE60-D3B5-EAC1-050D6218775D}"/>
+                <a16:creationId xmlns="" xmlns:a16="http://schemas.microsoft.com/office/drawing/2014/main" id="{DA31C152-FE60-D3B5-EAC1-050D6218775D}"/>
               </a:ext>
             </a:extLst>
           </p:cNvPr>
@@ -7187,7 +8046,7 @@
           <p:cNvPr id="7" name="圖片 6" descr="一張含有 螢幕擷取畫面, 設計 的圖片&#10;&#10;AI 產生的內容可能不正確。">
             <a:extLst>
               <a:ext uri="{FF2B5EF4-FFF2-40B4-BE49-F238E27FC236}">
-                <a16:creationId xmlns:a16="http://schemas.microsoft.com/office/drawing/2014/main" xmlns="" id="{774C77B9-850A-B8E8-EB9F-77EEDDD405FF}"/>
+                <a16:creationId xmlns="" xmlns:a16="http://schemas.microsoft.com/office/drawing/2014/main" id="{774C77B9-850A-B8E8-EB9F-77EEDDD405FF}"/>
               </a:ext>
             </a:extLst>
           </p:cNvPr>
@@ -7217,7 +8076,7 @@
           <p:cNvPr id="8" name="文字方塊 7">
             <a:extLst>
               <a:ext uri="{FF2B5EF4-FFF2-40B4-BE49-F238E27FC236}">
-                <a16:creationId xmlns:a16="http://schemas.microsoft.com/office/drawing/2014/main" xmlns="" id="{F11364C5-60EA-75C3-EEC4-6ECE3E603B5F}"/>
+                <a16:creationId xmlns="" xmlns:a16="http://schemas.microsoft.com/office/drawing/2014/main" id="{F11364C5-60EA-75C3-EEC4-6ECE3E603B5F}"/>
               </a:ext>
             </a:extLst>
           </p:cNvPr>
@@ -7268,7 +8127,7 @@
           <p:cNvPr id="9" name="文字方塊 8">
             <a:extLst>
               <a:ext uri="{FF2B5EF4-FFF2-40B4-BE49-F238E27FC236}">
-                <a16:creationId xmlns:a16="http://schemas.microsoft.com/office/drawing/2014/main" xmlns="" id="{F11364C5-60EA-75C3-EEC4-6ECE3E603B5F}"/>
+                <a16:creationId xmlns="" xmlns:a16="http://schemas.microsoft.com/office/drawing/2014/main" id="{F11364C5-60EA-75C3-EEC4-6ECE3E603B5F}"/>
               </a:ext>
             </a:extLst>
           </p:cNvPr>
@@ -7347,7 +8206,7 @@
           <p:cNvPr id="2" name="標題 1">
             <a:extLst>
               <a:ext uri="{FF2B5EF4-FFF2-40B4-BE49-F238E27FC236}">
-                <a16:creationId xmlns:a16="http://schemas.microsoft.com/office/drawing/2014/main" xmlns="" id="{E602B493-AA30-4C9B-A604-000032CBC299}"/>
+                <a16:creationId xmlns="" xmlns:a16="http://schemas.microsoft.com/office/drawing/2014/main" id="{E602B493-AA30-4C9B-A604-000032CBC299}"/>
               </a:ext>
             </a:extLst>
           </p:cNvPr>
@@ -7396,7 +8255,7 @@
           <p:cNvPr id="4" name="圖片 3">
             <a:extLst>
               <a:ext uri="{FF2B5EF4-FFF2-40B4-BE49-F238E27FC236}">
-                <a16:creationId xmlns:a16="http://schemas.microsoft.com/office/drawing/2014/main" xmlns="" id="{7E81BC18-5492-211B-D8A3-98383F09116C}"/>
+                <a16:creationId xmlns="" xmlns:a16="http://schemas.microsoft.com/office/drawing/2014/main" id="{7E81BC18-5492-211B-D8A3-98383F09116C}"/>
               </a:ext>
             </a:extLst>
           </p:cNvPr>
@@ -7496,7 +8355,7 @@
           <p:cNvPr id="2" name="標題 1">
             <a:extLst>
               <a:ext uri="{FF2B5EF4-FFF2-40B4-BE49-F238E27FC236}">
-                <a16:creationId xmlns:a16="http://schemas.microsoft.com/office/drawing/2014/main" xmlns="" id="{7533F336-40A6-45C8-9A62-B4E78BC5E568}"/>
+                <a16:creationId xmlns="" xmlns:a16="http://schemas.microsoft.com/office/drawing/2014/main" id="{7533F336-40A6-45C8-9A62-B4E78BC5E568}"/>
               </a:ext>
             </a:extLst>
           </p:cNvPr>
@@ -7813,7 +8672,7 @@
           <p:cNvPr id="2" name="標題 1">
             <a:extLst>
               <a:ext uri="{FF2B5EF4-FFF2-40B4-BE49-F238E27FC236}">
-                <a16:creationId xmlns:a16="http://schemas.microsoft.com/office/drawing/2014/main" xmlns="" id="{C2878F9E-D0DF-D84C-8241-A986178C8EAD}"/>
+                <a16:creationId xmlns="" xmlns:a16="http://schemas.microsoft.com/office/drawing/2014/main" id="{C2878F9E-D0DF-D84C-8241-A986178C8EAD}"/>
               </a:ext>
             </a:extLst>
           </p:cNvPr>
@@ -7854,7 +8713,7 @@
           <p:cNvPr id="4" name="內容版面配置區 3" descr="一張含有 螢幕擷取畫面, 行, 太陽能電池, 視窗 的圖片&#10;&#10;AI 產生的內容可能不正確。">
             <a:extLst>
               <a:ext uri="{FF2B5EF4-FFF2-40B4-BE49-F238E27FC236}">
-                <a16:creationId xmlns:a16="http://schemas.microsoft.com/office/drawing/2014/main" xmlns="" id="{CBD70F30-46B2-8AB0-6602-A5DF524D4762}"/>
+                <a16:creationId xmlns="" xmlns:a16="http://schemas.microsoft.com/office/drawing/2014/main" id="{CBD70F30-46B2-8AB0-6602-A5DF524D4762}"/>
               </a:ext>
             </a:extLst>
           </p:cNvPr>
@@ -7916,7 +8775,7 @@
           <p:cNvPr id="2" name="標題 1">
             <a:extLst>
               <a:ext uri="{FF2B5EF4-FFF2-40B4-BE49-F238E27FC236}">
-                <a16:creationId xmlns:a16="http://schemas.microsoft.com/office/drawing/2014/main" xmlns="" id="{6E03A4FF-CABF-CA2A-CACE-DE9477118A72}"/>
+                <a16:creationId xmlns="" xmlns:a16="http://schemas.microsoft.com/office/drawing/2014/main" id="{6E03A4FF-CABF-CA2A-CACE-DE9477118A72}"/>
               </a:ext>
             </a:extLst>
           </p:cNvPr>
@@ -7968,7 +8827,7 @@
           <p:cNvPr id="4" name="內容版面配置區 3" descr="一張含有 人的臉孔, 文字, 人員, 螢幕擷取畫面 的圖片&#10;&#10;AI 產生的內容可能不正確。">
             <a:extLst>
               <a:ext uri="{FF2B5EF4-FFF2-40B4-BE49-F238E27FC236}">
-                <a16:creationId xmlns:a16="http://schemas.microsoft.com/office/drawing/2014/main" xmlns="" id="{13B4FB22-FE03-73A5-4DD2-7B24081053FD}"/>
+                <a16:creationId xmlns="" xmlns:a16="http://schemas.microsoft.com/office/drawing/2014/main" id="{13B4FB22-FE03-73A5-4DD2-7B24081053FD}"/>
               </a:ext>
             </a:extLst>
           </p:cNvPr>
@@ -8000,7 +8859,7 @@
           <p:cNvPr id="5" name="圖片 4" descr="一張含有 螢幕擷取畫面, 藝術 的圖片&#10;&#10;AI 產生的內容可能不正確。">
             <a:extLst>
               <a:ext uri="{FF2B5EF4-FFF2-40B4-BE49-F238E27FC236}">
-                <a16:creationId xmlns:a16="http://schemas.microsoft.com/office/drawing/2014/main" xmlns="" id="{D5E7349C-9E9C-16A3-D667-54BD37759873}"/>
+                <a16:creationId xmlns="" xmlns:a16="http://schemas.microsoft.com/office/drawing/2014/main" id="{D5E7349C-9E9C-16A3-D667-54BD37759873}"/>
               </a:ext>
             </a:extLst>
           </p:cNvPr>
@@ -8121,7 +8980,7 @@
           <p:cNvPr id="2" name="標題 1">
             <a:extLst>
               <a:ext uri="{FF2B5EF4-FFF2-40B4-BE49-F238E27FC236}">
-                <a16:creationId xmlns:a16="http://schemas.microsoft.com/office/drawing/2014/main" xmlns="" id="{6E03A4FF-CABF-CA2A-CACE-DE9477118A72}"/>
+                <a16:creationId xmlns="" xmlns:a16="http://schemas.microsoft.com/office/drawing/2014/main" id="{6E03A4FF-CABF-CA2A-CACE-DE9477118A72}"/>
               </a:ext>
             </a:extLst>
           </p:cNvPr>
@@ -8173,7 +9032,7 @@
           <p:cNvPr id="4" name="內容版面配置區 3" descr="一張含有 人的臉孔, 文字, 人員, 螢幕擷取畫面 的圖片&#10;&#10;AI 產生的內容可能不正確。">
             <a:extLst>
               <a:ext uri="{FF2B5EF4-FFF2-40B4-BE49-F238E27FC236}">
-                <a16:creationId xmlns:a16="http://schemas.microsoft.com/office/drawing/2014/main" xmlns="" id="{13B4FB22-FE03-73A5-4DD2-7B24081053FD}"/>
+                <a16:creationId xmlns="" xmlns:a16="http://schemas.microsoft.com/office/drawing/2014/main" id="{13B4FB22-FE03-73A5-4DD2-7B24081053FD}"/>
               </a:ext>
             </a:extLst>
           </p:cNvPr>
@@ -8205,7 +9064,7 @@
           <p:cNvPr id="5" name="圖片 4" descr="一張含有 螢幕擷取畫面, 藝術 的圖片&#10;&#10;AI 產生的內容可能不正確。">
             <a:extLst>
               <a:ext uri="{FF2B5EF4-FFF2-40B4-BE49-F238E27FC236}">
-                <a16:creationId xmlns:a16="http://schemas.microsoft.com/office/drawing/2014/main" xmlns="" id="{D5E7349C-9E9C-16A3-D667-54BD37759873}"/>
+                <a16:creationId xmlns="" xmlns:a16="http://schemas.microsoft.com/office/drawing/2014/main" id="{D5E7349C-9E9C-16A3-D667-54BD37759873}"/>
               </a:ext>
             </a:extLst>
           </p:cNvPr>
@@ -8365,7 +9224,7 @@
           <p:cNvPr id="2" name="標題 1">
             <a:extLst>
               <a:ext uri="{FF2B5EF4-FFF2-40B4-BE49-F238E27FC236}">
-                <a16:creationId xmlns:a16="http://schemas.microsoft.com/office/drawing/2014/main" xmlns="" id="{98A04798-5168-4875-A411-80CD40D53BBD}"/>
+                <a16:creationId xmlns="" xmlns:a16="http://schemas.microsoft.com/office/drawing/2014/main" id="{98A04798-5168-4875-A411-80CD40D53BBD}"/>
               </a:ext>
             </a:extLst>
           </p:cNvPr>
@@ -8408,7 +9267,7 @@
           <p:cNvPr id="3" name="圖片 2" descr="一張含有 文字, 螢幕擷取畫面, 圖表, 字型 的圖片&#10;&#10;AI 產生的內容可能不正確。">
             <a:extLst>
               <a:ext uri="{FF2B5EF4-FFF2-40B4-BE49-F238E27FC236}">
-                <a16:creationId xmlns:a16="http://schemas.microsoft.com/office/drawing/2014/main" xmlns="" id="{C363C685-F821-E348-9BB5-5D32AD8AB2D4}"/>
+                <a16:creationId xmlns="" xmlns:a16="http://schemas.microsoft.com/office/drawing/2014/main" id="{C363C685-F821-E348-9BB5-5D32AD8AB2D4}"/>
               </a:ext>
             </a:extLst>
           </p:cNvPr>
